--- a/Angular best practice.pptx
+++ b/Angular best practice.pptx
@@ -5,34 +5,32 @@
     <p:sldMasterId id="2147483648" r:id="rId4"/>
   </p:sldMasterIdLst>
   <p:notesMasterIdLst>
-    <p:notesMasterId r:id="rId27"/>
+    <p:notesMasterId r:id="rId25"/>
   </p:notesMasterIdLst>
   <p:handoutMasterIdLst>
-    <p:handoutMasterId r:id="rId28"/>
+    <p:handoutMasterId r:id="rId26"/>
   </p:handoutMasterIdLst>
   <p:sldIdLst>
     <p:sldId id="256" r:id="rId5"/>
     <p:sldId id="262" r:id="rId6"/>
     <p:sldId id="263" r:id="rId7"/>
-    <p:sldId id="277" r:id="rId8"/>
-    <p:sldId id="276" r:id="rId9"/>
-    <p:sldId id="273" r:id="rId10"/>
-    <p:sldId id="274" r:id="rId11"/>
-    <p:sldId id="275" r:id="rId12"/>
-    <p:sldId id="261" r:id="rId13"/>
-    <p:sldId id="281" r:id="rId14"/>
-    <p:sldId id="266" r:id="rId15"/>
-    <p:sldId id="278" r:id="rId16"/>
-    <p:sldId id="279" r:id="rId17"/>
-    <p:sldId id="280" r:id="rId18"/>
-    <p:sldId id="267" r:id="rId19"/>
-    <p:sldId id="268" r:id="rId20"/>
-    <p:sldId id="269" r:id="rId21"/>
-    <p:sldId id="270" r:id="rId22"/>
-    <p:sldId id="271" r:id="rId23"/>
-    <p:sldId id="272" r:id="rId24"/>
-    <p:sldId id="259" r:id="rId25"/>
-    <p:sldId id="265" r:id="rId26"/>
+    <p:sldId id="276" r:id="rId8"/>
+    <p:sldId id="273" r:id="rId9"/>
+    <p:sldId id="275" r:id="rId10"/>
+    <p:sldId id="261" r:id="rId11"/>
+    <p:sldId id="281" r:id="rId12"/>
+    <p:sldId id="266" r:id="rId13"/>
+    <p:sldId id="278" r:id="rId14"/>
+    <p:sldId id="279" r:id="rId15"/>
+    <p:sldId id="280" r:id="rId16"/>
+    <p:sldId id="267" r:id="rId17"/>
+    <p:sldId id="268" r:id="rId18"/>
+    <p:sldId id="269" r:id="rId19"/>
+    <p:sldId id="270" r:id="rId20"/>
+    <p:sldId id="271" r:id="rId21"/>
+    <p:sldId id="272" r:id="rId22"/>
+    <p:sldId id="259" r:id="rId23"/>
+    <p:sldId id="265" r:id="rId24"/>
   </p:sldIdLst>
   <p:sldSz cx="9144000" cy="5143500" type="screen16x9"/>
   <p:notesSz cx="6858000" cy="9144000"/>
@@ -294,7 +292,7 @@
     </p:spTree>
     <p:extLst>
       <p:ext uri="{BB962C8B-B14F-4D97-AF65-F5344CB8AC3E}">
-        <p14:creationId xmlns="" xmlns:p14="http://schemas.microsoft.com/office/powerpoint/2010/main" val="2570614312"/>
+        <p14:creationId xmlns:p14="http://schemas.microsoft.com/office/powerpoint/2010/main" xmlns="" val="2570614312"/>
       </p:ext>
     </p:extLst>
   </p:cSld>
@@ -697,15 +695,6 @@
           </a:bodyPr>
           <a:lstStyle/>
           <a:p>
-            <a:r>
-              <a:rPr lang="en-US" dirty="0" smtClean="0"/>
-              <a:t>https://docs.angularjs.org/guide/$location</a:t>
-            </a:r>
-          </a:p>
-          <a:p>
-            <a:endParaRPr lang="en-US" dirty="0" smtClean="0"/>
-          </a:p>
-          <a:p>
             <a:endParaRPr lang="en-US" dirty="0"/>
           </a:p>
         </p:txBody>
@@ -1045,7 +1034,7 @@
             <a:fld id="{A1E99CFA-59F3-4D0C-80AF-E68048027F65}" type="slidenum">
               <a:rPr lang="en-US" smtClean="0"/>
               <a:pPr/>
-              <a:t>19</a:t>
+              <a:t>17</a:t>
             </a:fld>
             <a:endParaRPr lang="en-US"/>
           </a:p>
@@ -1131,7 +1120,7 @@
             <a:fld id="{A1E99CFA-59F3-4D0C-80AF-E68048027F65}" type="slidenum">
               <a:rPr lang="en-US" smtClean="0"/>
               <a:pPr/>
-              <a:t>20</a:t>
+              <a:t>18</a:t>
             </a:fld>
             <a:endParaRPr lang="en-US"/>
           </a:p>
@@ -1191,6 +1180,23 @@
           </a:bodyPr>
           <a:lstStyle/>
           <a:p>
+            <a:r>
+              <a:rPr lang="en-US" dirty="0" smtClean="0"/>
+              <a:t>https://docs.angularjs.org/guide/bootstrap</a:t>
+            </a:r>
+          </a:p>
+          <a:p>
+            <a:endParaRPr lang="en-US" dirty="0" smtClean="0"/>
+          </a:p>
+          <a:p>
+            <a:r>
+              <a:rPr lang="en-US" dirty="0" smtClean="0"/>
+              <a:t>Using manual</a:t>
+            </a:r>
+            <a:r>
+              <a:rPr lang="en-US" baseline="0" dirty="0" smtClean="0"/>
+              <a:t> initialization if you need to perform an operation before Angular compiles a page</a:t>
+            </a:r>
             <a:endParaRPr lang="en-US" dirty="0"/>
           </a:p>
         </p:txBody>
@@ -1273,23 +1279,6 @@
           </a:bodyPr>
           <a:lstStyle/>
           <a:p>
-            <a:r>
-              <a:rPr lang="en-US" dirty="0" smtClean="0"/>
-              <a:t>https://docs.angularjs.org/guide/bootstrap</a:t>
-            </a:r>
-          </a:p>
-          <a:p>
-            <a:endParaRPr lang="en-US" dirty="0" smtClean="0"/>
-          </a:p>
-          <a:p>
-            <a:r>
-              <a:rPr lang="en-US" dirty="0" smtClean="0"/>
-              <a:t>Using manual</a:t>
-            </a:r>
-            <a:r>
-              <a:rPr lang="en-US" baseline="0" dirty="0" smtClean="0"/>
-              <a:t> initialization if you need to perform an operation before Angular compiles a page</a:t>
-            </a:r>
             <a:endParaRPr lang="en-US" dirty="0"/>
           </a:p>
         </p:txBody>
@@ -1372,14 +1361,6 @@
           </a:bodyPr>
           <a:lstStyle/>
           <a:p>
-            <a:r>
-              <a:rPr lang="en-US" dirty="0" err="1" smtClean="0"/>
-              <a:t>Cordova_app</a:t>
-            </a:r>
-            <a:r>
-              <a:rPr lang="en-US" dirty="0" smtClean="0"/>
-              <a:t>/www/index.js</a:t>
-            </a:r>
             <a:endParaRPr lang="en-US" dirty="0"/>
           </a:p>
         </p:txBody>
@@ -1402,7 +1383,7 @@
             <a:fld id="{A1E99CFA-59F3-4D0C-80AF-E68048027F65}" type="slidenum">
               <a:rPr lang="en-US" smtClean="0"/>
               <a:pPr/>
-              <a:t>8</a:t>
+              <a:t>7</a:t>
             </a:fld>
             <a:endParaRPr lang="en-US"/>
           </a:p>
@@ -1488,7 +1469,7 @@
             <a:fld id="{A1E99CFA-59F3-4D0C-80AF-E68048027F65}" type="slidenum">
               <a:rPr lang="en-US" smtClean="0"/>
               <a:pPr/>
-              <a:t>12</a:t>
+              <a:t>10</a:t>
             </a:fld>
             <a:endParaRPr lang="en-US"/>
           </a:p>
@@ -1550,8 +1531,119 @@
           <a:p>
             <a:r>
               <a:rPr lang="en-US" dirty="0" smtClean="0"/>
-              <a:t>https://docs.angularjs.org/guide/forms</a:t>
-            </a:r>
+              <a:t>https://</a:t>
+            </a:r>
+            <a:r>
+              <a:rPr lang="en-US" dirty="0" smtClean="0"/>
+              <a:t>docs.angularjs.org/guide/forms</a:t>
+            </a:r>
+          </a:p>
+          <a:p>
+            <a:endParaRPr lang="en-US" dirty="0" smtClean="0"/>
+          </a:p>
+          <a:p>
+            <a:pPr marL="342900" lvl="1" indent="-342900">
+              <a:buFont typeface="+mj-lt"/>
+              <a:buAutoNum type="arabicPeriod"/>
+            </a:pPr>
+            <a:r>
+              <a:rPr lang="en-US" dirty="0" smtClean="0"/>
+              <a:t>The directive </a:t>
+            </a:r>
+            <a:r>
+              <a:rPr lang="en-US" b="1" dirty="0" smtClean="0"/>
+              <a:t>must require </a:t>
+            </a:r>
+            <a:r>
+              <a:rPr lang="en-US" b="1" dirty="0" err="1" smtClean="0"/>
+              <a:t>ngModel</a:t>
+            </a:r>
+            <a:endParaRPr lang="en-US" b="1" dirty="0" smtClean="0"/>
+          </a:p>
+          <a:p>
+            <a:pPr marL="342900" lvl="1" indent="-342900">
+              <a:buFont typeface="+mj-lt"/>
+              <a:buAutoNum type="arabicPeriod"/>
+            </a:pPr>
+            <a:r>
+              <a:rPr lang="en-US" dirty="0" smtClean="0"/>
+              <a:t>$</a:t>
+            </a:r>
+            <a:r>
+              <a:rPr lang="en-US" dirty="0" err="1" smtClean="0"/>
+              <a:t>validators</a:t>
+            </a:r>
+            <a:r>
+              <a:rPr lang="en-US" dirty="0" smtClean="0"/>
+              <a:t> function receives </a:t>
+            </a:r>
+            <a:r>
+              <a:rPr lang="en-US" dirty="0" err="1" smtClean="0"/>
+              <a:t>modelValue</a:t>
+            </a:r>
+            <a:r>
+              <a:rPr lang="en-US" dirty="0" smtClean="0"/>
+              <a:t> &amp; the </a:t>
+            </a:r>
+            <a:r>
+              <a:rPr lang="en-US" dirty="0" err="1" smtClean="0"/>
+              <a:t>viewValue</a:t>
+            </a:r>
+            <a:r>
+              <a:rPr lang="en-US" dirty="0" smtClean="0"/>
+              <a:t> as parameters</a:t>
+            </a:r>
+          </a:p>
+          <a:p>
+            <a:pPr marL="342900" lvl="1" indent="-342900">
+              <a:buFont typeface="+mj-lt"/>
+              <a:buAutoNum type="arabicPeriod"/>
+            </a:pPr>
+            <a:r>
+              <a:rPr lang="en-US" dirty="0" smtClean="0"/>
+              <a:t>Validation happens </a:t>
+            </a:r>
+            <a:r>
+              <a:rPr lang="en-US" b="1" dirty="0" smtClean="0"/>
+              <a:t>after</a:t>
+            </a:r>
+            <a:r>
+              <a:rPr lang="en-US" dirty="0" smtClean="0"/>
+              <a:t> successfully running </a:t>
+            </a:r>
+            <a:r>
+              <a:rPr lang="en-US" b="1" dirty="0" smtClean="0"/>
+              <a:t>$parsers and $formatters</a:t>
+            </a:r>
+          </a:p>
+          <a:p>
+            <a:pPr marL="342900" lvl="1" indent="-342900">
+              <a:buFont typeface="+mj-lt"/>
+              <a:buAutoNum type="arabicPeriod"/>
+            </a:pPr>
+            <a:r>
+              <a:rPr lang="en-US" b="1" dirty="0" smtClean="0"/>
+              <a:t>Failed </a:t>
+            </a:r>
+            <a:r>
+              <a:rPr lang="en-US" b="1" dirty="0" err="1" smtClean="0"/>
+              <a:t>validators</a:t>
+            </a:r>
+            <a:r>
+              <a:rPr lang="en-US" b="1" dirty="0" smtClean="0"/>
+              <a:t> </a:t>
+            </a:r>
+            <a:r>
+              <a:rPr lang="en-US" dirty="0" smtClean="0"/>
+              <a:t>are stored by key in </a:t>
+            </a:r>
+            <a:r>
+              <a:rPr lang="en-US" b="1" dirty="0" err="1" smtClean="0"/>
+              <a:t>ngModelController.$error</a:t>
+            </a:r>
+            <a:endParaRPr lang="en-US" b="1" dirty="0" smtClean="0"/>
+          </a:p>
+          <a:p>
             <a:endParaRPr lang="en-US" dirty="0"/>
           </a:p>
         </p:txBody>
@@ -1574,7 +1666,7 @@
             <a:fld id="{A1E99CFA-59F3-4D0C-80AF-E68048027F65}" type="slidenum">
               <a:rPr lang="en-US" smtClean="0"/>
               <a:pPr/>
-              <a:t>13</a:t>
+              <a:t>11</a:t>
             </a:fld>
             <a:endParaRPr lang="en-US"/>
           </a:p>
@@ -1656,7 +1748,7 @@
             <a:fld id="{A1E99CFA-59F3-4D0C-80AF-E68048027F65}" type="slidenum">
               <a:rPr lang="en-US" smtClean="0"/>
               <a:pPr/>
-              <a:t>14</a:t>
+              <a:t>12</a:t>
             </a:fld>
             <a:endParaRPr lang="en-US"/>
           </a:p>
@@ -1758,7 +1850,7 @@
             <a:fld id="{A1E99CFA-59F3-4D0C-80AF-E68048027F65}" type="slidenum">
               <a:rPr lang="en-US" smtClean="0"/>
               <a:pPr/>
-              <a:t>16</a:t>
+              <a:t>14</a:t>
             </a:fld>
             <a:endParaRPr lang="en-US"/>
           </a:p>
@@ -1840,7 +1932,7 @@
             <a:fld id="{A1E99CFA-59F3-4D0C-80AF-E68048027F65}" type="slidenum">
               <a:rPr lang="en-US" smtClean="0"/>
               <a:pPr/>
-              <a:t>17</a:t>
+              <a:t>15</a:t>
             </a:fld>
             <a:endParaRPr lang="en-US"/>
           </a:p>
@@ -1950,7 +2042,7 @@
           <a:blip r:embed="rId2">
             <a:extLst>
               <a:ext uri="{28A0092B-C50C-407E-A947-70E740481C1C}">
-                <a14:useLocalDpi xmlns="" xmlns:a14="http://schemas.microsoft.com/office/drawing/2010/main" val="0"/>
+                <a14:useLocalDpi xmlns:a14="http://schemas.microsoft.com/office/drawing/2010/main" xmlns="" val="0"/>
               </a:ext>
             </a:extLst>
           </a:blip>
@@ -1970,7 +2062,7 @@
           <a:noFill/>
           <a:extLst>
             <a:ext uri="{909E8E84-426E-40DD-AFC4-6F175D3DCCD1}">
-              <a14:hiddenFill xmlns="" xmlns:a14="http://schemas.microsoft.com/office/drawing/2010/main">
+              <a14:hiddenFill xmlns:a14="http://schemas.microsoft.com/office/drawing/2010/main" xmlns="">
                 <a:solidFill>
                   <a:srgbClr val="FFFFFF"/>
                 </a:solidFill>
@@ -2043,7 +2135,7 @@
           <a:blip r:embed="rId3" cstate="print">
             <a:extLst>
               <a:ext uri="{28A0092B-C50C-407E-A947-70E740481C1C}">
-                <a14:useLocalDpi xmlns="" xmlns:a14="http://schemas.microsoft.com/office/drawing/2010/main" val="0"/>
+                <a14:useLocalDpi xmlns:a14="http://schemas.microsoft.com/office/drawing/2010/main" xmlns="" val="0"/>
               </a:ext>
             </a:extLst>
           </a:blip>
@@ -2063,7 +2155,7 @@
           <a:noFill/>
           <a:extLst>
             <a:ext uri="{909E8E84-426E-40DD-AFC4-6F175D3DCCD1}">
-              <a14:hiddenFill xmlns="" xmlns:a14="http://schemas.microsoft.com/office/drawing/2010/main">
+              <a14:hiddenFill xmlns:a14="http://schemas.microsoft.com/office/drawing/2010/main" xmlns="">
                 <a:solidFill>
                   <a:srgbClr val="FFFFFF"/>
                 </a:solidFill>
@@ -2347,7 +2439,7 @@
           <a:blip r:embed="rId2">
             <a:extLst>
               <a:ext uri="{28A0092B-C50C-407E-A947-70E740481C1C}">
-                <a14:useLocalDpi xmlns="" xmlns:a14="http://schemas.microsoft.com/office/drawing/2010/main" val="0"/>
+                <a14:useLocalDpi xmlns:a14="http://schemas.microsoft.com/office/drawing/2010/main" xmlns="" val="0"/>
               </a:ext>
             </a:extLst>
           </a:blip>
@@ -2367,7 +2459,7 @@
           <a:noFill/>
           <a:extLst>
             <a:ext uri="{909E8E84-426E-40DD-AFC4-6F175D3DCCD1}">
-              <a14:hiddenFill xmlns="" xmlns:a14="http://schemas.microsoft.com/office/drawing/2010/main">
+              <a14:hiddenFill xmlns:a14="http://schemas.microsoft.com/office/drawing/2010/main" xmlns="">
                 <a:solidFill>
                   <a:srgbClr val="FFFFFF"/>
                 </a:solidFill>
@@ -2740,7 +2832,7 @@
     </p:spTree>
     <p:extLst>
       <p:ext uri="{BB962C8B-B14F-4D97-AF65-F5344CB8AC3E}">
-        <p14:creationId xmlns="" xmlns:p14="http://schemas.microsoft.com/office/powerpoint/2010/main" val="1929175651"/>
+        <p14:creationId xmlns:p14="http://schemas.microsoft.com/office/powerpoint/2010/main" xmlns="" val="1929175651"/>
       </p:ext>
     </p:extLst>
   </p:cSld>
@@ -2853,7 +2945,7 @@
           <a:blip r:embed="rId2">
             <a:extLst>
               <a:ext uri="{28A0092B-C50C-407E-A947-70E740481C1C}">
-                <a14:useLocalDpi xmlns="" xmlns:a14="http://schemas.microsoft.com/office/drawing/2010/main" val="0"/>
+                <a14:useLocalDpi xmlns:a14="http://schemas.microsoft.com/office/drawing/2010/main" xmlns="" val="0"/>
               </a:ext>
             </a:extLst>
           </a:blip>
@@ -2873,7 +2965,7 @@
           <a:noFill/>
           <a:extLst>
             <a:ext uri="{909E8E84-426E-40DD-AFC4-6F175D3DCCD1}">
-              <a14:hiddenFill xmlns="" xmlns:a14="http://schemas.microsoft.com/office/drawing/2010/main">
+              <a14:hiddenFill xmlns:a14="http://schemas.microsoft.com/office/drawing/2010/main" xmlns="">
                 <a:solidFill>
                   <a:srgbClr val="FFFFFF"/>
                 </a:solidFill>
@@ -2940,7 +3032,7 @@
           <a:blip r:embed="rId3" cstate="print">
             <a:extLst>
               <a:ext uri="{28A0092B-C50C-407E-A947-70E740481C1C}">
-                <a14:useLocalDpi xmlns="" xmlns:a14="http://schemas.microsoft.com/office/drawing/2010/main" val="0"/>
+                <a14:useLocalDpi xmlns:a14="http://schemas.microsoft.com/office/drawing/2010/main" xmlns="" val="0"/>
               </a:ext>
             </a:extLst>
           </a:blip>
@@ -2960,7 +3052,7 @@
           <a:noFill/>
           <a:extLst>
             <a:ext uri="{909E8E84-426E-40DD-AFC4-6F175D3DCCD1}">
-              <a14:hiddenFill xmlns="" xmlns:a14="http://schemas.microsoft.com/office/drawing/2010/main">
+              <a14:hiddenFill xmlns:a14="http://schemas.microsoft.com/office/drawing/2010/main" xmlns="">
                 <a:solidFill>
                   <a:srgbClr val="FFFFFF"/>
                 </a:solidFill>
@@ -3225,7 +3317,7 @@
     </p:spTree>
     <p:extLst>
       <p:ext uri="{BB962C8B-B14F-4D97-AF65-F5344CB8AC3E}">
-        <p14:creationId xmlns="" xmlns:p14="http://schemas.microsoft.com/office/powerpoint/2010/main" val="469263203"/>
+        <p14:creationId xmlns:p14="http://schemas.microsoft.com/office/powerpoint/2010/main" xmlns="" val="469263203"/>
       </p:ext>
     </p:extLst>
   </p:cSld>
@@ -3338,7 +3430,7 @@
           <a:blip r:embed="rId2">
             <a:extLst>
               <a:ext uri="{28A0092B-C50C-407E-A947-70E740481C1C}">
-                <a14:useLocalDpi xmlns="" xmlns:a14="http://schemas.microsoft.com/office/drawing/2010/main" val="0"/>
+                <a14:useLocalDpi xmlns:a14="http://schemas.microsoft.com/office/drawing/2010/main" xmlns="" val="0"/>
               </a:ext>
             </a:extLst>
           </a:blip>
@@ -3358,7 +3450,7 @@
           <a:noFill/>
           <a:extLst>
             <a:ext uri="{909E8E84-426E-40DD-AFC4-6F175D3DCCD1}">
-              <a14:hiddenFill xmlns="" xmlns:a14="http://schemas.microsoft.com/office/drawing/2010/main">
+              <a14:hiddenFill xmlns:a14="http://schemas.microsoft.com/office/drawing/2010/main" xmlns="">
                 <a:solidFill>
                   <a:srgbClr val="FFFFFF"/>
                 </a:solidFill>
@@ -3687,7 +3779,7 @@
     </p:spTree>
     <p:extLst>
       <p:ext uri="{BB962C8B-B14F-4D97-AF65-F5344CB8AC3E}">
-        <p14:creationId xmlns="" xmlns:p14="http://schemas.microsoft.com/office/powerpoint/2010/main" val="599392770"/>
+        <p14:creationId xmlns:p14="http://schemas.microsoft.com/office/powerpoint/2010/main" xmlns="" val="599392770"/>
       </p:ext>
     </p:extLst>
   </p:cSld>
@@ -3800,7 +3892,7 @@
           <a:blip r:embed="rId2">
             <a:extLst>
               <a:ext uri="{28A0092B-C50C-407E-A947-70E740481C1C}">
-                <a14:useLocalDpi xmlns="" xmlns:a14="http://schemas.microsoft.com/office/drawing/2010/main" val="0"/>
+                <a14:useLocalDpi xmlns:a14="http://schemas.microsoft.com/office/drawing/2010/main" xmlns="" val="0"/>
               </a:ext>
             </a:extLst>
           </a:blip>
@@ -3820,7 +3912,7 @@
           <a:noFill/>
           <a:extLst>
             <a:ext uri="{909E8E84-426E-40DD-AFC4-6F175D3DCCD1}">
-              <a14:hiddenFill xmlns="" xmlns:a14="http://schemas.microsoft.com/office/drawing/2010/main">
+              <a14:hiddenFill xmlns:a14="http://schemas.microsoft.com/office/drawing/2010/main" xmlns="">
                 <a:solidFill>
                   <a:srgbClr val="FFFFFF"/>
                 </a:solidFill>
@@ -4073,7 +4165,7 @@
     </p:spTree>
     <p:extLst>
       <p:ext uri="{BB962C8B-B14F-4D97-AF65-F5344CB8AC3E}">
-        <p14:creationId xmlns="" xmlns:p14="http://schemas.microsoft.com/office/powerpoint/2010/main" val="3341078290"/>
+        <p14:creationId xmlns:p14="http://schemas.microsoft.com/office/powerpoint/2010/main" xmlns="" val="3341078290"/>
       </p:ext>
     </p:extLst>
   </p:cSld>
@@ -4186,7 +4278,7 @@
           <a:blip r:embed="rId2">
             <a:extLst>
               <a:ext uri="{28A0092B-C50C-407E-A947-70E740481C1C}">
-                <a14:useLocalDpi xmlns="" xmlns:a14="http://schemas.microsoft.com/office/drawing/2010/main" val="0"/>
+                <a14:useLocalDpi xmlns:a14="http://schemas.microsoft.com/office/drawing/2010/main" xmlns="" val="0"/>
               </a:ext>
             </a:extLst>
           </a:blip>
@@ -4206,7 +4298,7 @@
           <a:noFill/>
           <a:extLst>
             <a:ext uri="{909E8E84-426E-40DD-AFC4-6F175D3DCCD1}">
-              <a14:hiddenFill xmlns="" xmlns:a14="http://schemas.microsoft.com/office/drawing/2010/main">
+              <a14:hiddenFill xmlns:a14="http://schemas.microsoft.com/office/drawing/2010/main" xmlns="">
                 <a:solidFill>
                   <a:srgbClr val="FFFFFF"/>
                 </a:solidFill>
@@ -4417,7 +4509,7 @@
     </p:spTree>
     <p:extLst>
       <p:ext uri="{BB962C8B-B14F-4D97-AF65-F5344CB8AC3E}">
-        <p14:creationId xmlns="" xmlns:p14="http://schemas.microsoft.com/office/powerpoint/2010/main" val="3635806739"/>
+        <p14:creationId xmlns:p14="http://schemas.microsoft.com/office/powerpoint/2010/main" xmlns="" val="3635806739"/>
       </p:ext>
     </p:extLst>
   </p:cSld>
@@ -4840,7 +4932,7 @@
           <a:blip r:embed="rId8">
             <a:extLst>
               <a:ext uri="{28A0092B-C50C-407E-A947-70E740481C1C}">
-                <a14:useLocalDpi xmlns="" xmlns:a14="http://schemas.microsoft.com/office/drawing/2010/main" val="0"/>
+                <a14:useLocalDpi xmlns:a14="http://schemas.microsoft.com/office/drawing/2010/main" xmlns="" val="0"/>
               </a:ext>
             </a:extLst>
           </a:blip>
@@ -4860,7 +4952,7 @@
           <a:noFill/>
           <a:extLst>
             <a:ext uri="{909E8E84-426E-40DD-AFC4-6F175D3DCCD1}">
-              <a14:hiddenFill xmlns="" xmlns:a14="http://schemas.microsoft.com/office/drawing/2010/main">
+              <a14:hiddenFill xmlns:a14="http://schemas.microsoft.com/office/drawing/2010/main" xmlns="">
                 <a:solidFill>
                   <a:srgbClr val="FFFFFF"/>
                 </a:solidFill>
@@ -5533,7 +5625,7 @@
     </p:spTree>
     <p:extLst>
       <p:ext uri="{BB962C8B-B14F-4D97-AF65-F5344CB8AC3E}">
-        <p14:creationId xmlns="" xmlns:p14="http://schemas.microsoft.com/office/powerpoint/2010/main" val="3201853349"/>
+        <p14:creationId xmlns:p14="http://schemas.microsoft.com/office/powerpoint/2010/main" xmlns="" val="3201853349"/>
       </p:ext>
     </p:extLst>
   </p:cSld>
@@ -5577,12 +5669,7 @@
             <p:ph type="title"/>
           </p:nvPr>
         </p:nvSpPr>
-        <p:spPr>
-          <a:xfrm>
-            <a:off x="152400" y="133350"/>
-            <a:ext cx="6324600" cy="450591"/>
-          </a:xfrm>
-        </p:spPr>
+        <p:spPr/>
         <p:txBody>
           <a:bodyPr>
             <a:normAutofit fontScale="90000"/>
@@ -5591,7 +5678,7 @@
           <a:p>
             <a:r>
               <a:rPr lang="en-US" dirty="0" smtClean="0"/>
-              <a:t>Angular service</a:t>
+              <a:t>Angular Form</a:t>
             </a:r>
             <a:endParaRPr lang="en-US" dirty="0"/>
           </a:p>
@@ -5599,7 +5686,7 @@
       </p:sp>
       <p:sp>
         <p:nvSpPr>
-          <p:cNvPr id="5" name="Content Placeholder 4"/>
+          <p:cNvPr id="3" name="Content Placeholder 2"/>
           <p:cNvSpPr>
             <a:spLocks noGrp="1"/>
           </p:cNvSpPr>
@@ -5607,140 +5694,899 @@
             <p:ph sz="quarter" idx="13"/>
           </p:nvPr>
         </p:nvSpPr>
-        <p:spPr/>
+        <p:spPr>
+          <a:xfrm>
+            <a:off x="304800" y="666750"/>
+            <a:ext cx="8839200" cy="4324350"/>
+          </a:xfrm>
+        </p:spPr>
         <p:txBody>
           <a:bodyPr/>
           <a:lstStyle/>
           <a:p>
-            <a:r>
-              <a:rPr lang="en-US" dirty="0" err="1" smtClean="0"/>
-              <a:t>angular.copy</a:t>
-            </a:r>
-            <a:r>
-              <a:rPr lang="en-US" dirty="0" smtClean="0"/>
-              <a:t> not work with blob object =&gt; it does not clone another object, instead of, it refer to current object.</a:t>
-            </a:r>
-          </a:p>
-          <a:p>
-            <a:pPr lvl="1"/>
-            <a:r>
-              <a:rPr lang="en-US" dirty="0" smtClean="0"/>
-              <a:t>function </a:t>
-            </a:r>
-            <a:r>
-              <a:rPr lang="en-US" dirty="0" err="1" smtClean="0"/>
-              <a:t>cloneBlob</a:t>
-            </a:r>
-            <a:r>
-              <a:rPr lang="en-US" dirty="0" smtClean="0"/>
-              <a:t> (source) { </a:t>
-            </a:r>
-          </a:p>
-          <a:p>
-            <a:pPr lvl="1">
+            <a:pPr>
               <a:buNone/>
             </a:pPr>
             <a:r>
               <a:rPr lang="en-US" dirty="0" smtClean="0"/>
-              <a:t>	</a:t>
+              <a:t>	Sometimes can not get the </a:t>
+            </a:r>
+            <a:r>
+              <a:rPr lang="en-US" b="1" dirty="0" smtClean="0"/>
+              <a:t>Form Controller</a:t>
             </a:r>
             <a:r>
               <a:rPr lang="en-US" dirty="0" smtClean="0"/>
-              <a:t>	if </a:t>
+              <a:t> in </a:t>
+            </a:r>
+            <a:r>
+              <a:rPr lang="en-US" b="1" dirty="0" smtClean="0"/>
+              <a:t>$scope</a:t>
             </a:r>
             <a:r>
               <a:rPr lang="en-US" dirty="0" smtClean="0"/>
-              <a:t>(source </a:t>
-            </a:r>
-            <a:r>
-              <a:rPr lang="en-US" dirty="0" err="1" smtClean="0"/>
-              <a:t>instanceof</a:t>
-            </a:r>
-            <a:r>
-              <a:rPr lang="en-US" dirty="0" smtClean="0"/>
-              <a:t> Blob) {</a:t>
-            </a:r>
-          </a:p>
-          <a:p>
-            <a:pPr lvl="1">
+              <a:t> object.</a:t>
+            </a:r>
+          </a:p>
+          <a:p>
+            <a:pPr>
               <a:buNone/>
             </a:pPr>
-            <a:r>
-              <a:rPr lang="en-US" dirty="0" smtClean="0"/>
-              <a:t>         </a:t>
-            </a:r>
-            <a:r>
-              <a:rPr lang="en-US" dirty="0" smtClean="0"/>
-              <a:t>   return </a:t>
-            </a:r>
-            <a:r>
-              <a:rPr lang="en-US" dirty="0" err="1" smtClean="0"/>
-              <a:t>source.slice</a:t>
-            </a:r>
-            <a:r>
-              <a:rPr lang="en-US" dirty="0" smtClean="0"/>
-              <a:t>(); // clone file</a:t>
-            </a:r>
-          </a:p>
-          <a:p>
-            <a:pPr lvl="1">
+            <a:endParaRPr lang="en-US" dirty="0" smtClean="0"/>
+          </a:p>
+          <a:p>
+            <a:pPr>
               <a:buNone/>
             </a:pPr>
-            <a:r>
-              <a:rPr lang="en-US" dirty="0" smtClean="0"/>
-              <a:t>     	}</a:t>
-            </a:r>
-          </a:p>
-          <a:p>
-            <a:pPr lvl="1">
-              <a:buNone/>
-            </a:pPr>
-            <a:r>
-              <a:rPr lang="en-US" dirty="0" smtClean="0"/>
-              <a:t>	</a:t>
-            </a:r>
-            <a:r>
-              <a:rPr lang="en-US" dirty="0" smtClean="0"/>
-              <a:t>}</a:t>
-            </a:r>
-          </a:p>
-          <a:p>
-            <a:r>
-              <a:rPr lang="en-US" dirty="0" smtClean="0"/>
-              <a:t>Using: $location, $timeout, $interval instead of </a:t>
-            </a:r>
-            <a:r>
-              <a:rPr lang="en-US" dirty="0" err="1" smtClean="0"/>
-              <a:t>window.location</a:t>
-            </a:r>
-            <a:r>
-              <a:rPr lang="en-US" dirty="0" smtClean="0"/>
-              <a:t>, </a:t>
-            </a:r>
-            <a:r>
-              <a:rPr lang="en-US" dirty="0" err="1" smtClean="0"/>
-              <a:t>window.setTimeout</a:t>
-            </a:r>
-            <a:r>
-              <a:rPr lang="en-US" dirty="0" smtClean="0"/>
-              <a:t>, </a:t>
-            </a:r>
-            <a:r>
-              <a:rPr lang="en-US" dirty="0" err="1" smtClean="0"/>
-              <a:t>window.setInterval</a:t>
-            </a:r>
-            <a:r>
-              <a:rPr lang="en-US" dirty="0" smtClean="0"/>
-              <a:t>.</a:t>
-            </a:r>
-            <a:endParaRPr lang="en-US" dirty="0"/>
+            <a:endParaRPr lang="en-US" dirty="0" smtClean="0"/>
           </a:p>
         </p:txBody>
       </p:sp>
+      <p:pic>
+        <p:nvPicPr>
+          <p:cNvPr id="4" name="Picture 3" descr="Questionmark.png"/>
+          <p:cNvPicPr>
+            <a:picLocks noChangeAspect="1"/>
+          </p:cNvPicPr>
+          <p:nvPr/>
+        </p:nvPicPr>
+        <p:blipFill>
+          <a:blip r:embed="rId3" cstate="print"/>
+          <a:stretch>
+            <a:fillRect/>
+          </a:stretch>
+        </p:blipFill>
+        <p:spPr>
+          <a:xfrm>
+            <a:off x="228600" y="666750"/>
+            <a:ext cx="457200" cy="457200"/>
+          </a:xfrm>
+          <a:prstGeom prst="rect">
+            <a:avLst/>
+          </a:prstGeom>
+        </p:spPr>
+      </p:pic>
+      <p:sp>
+        <p:nvSpPr>
+          <p:cNvPr id="6" name="TextBox 5"/>
+          <p:cNvSpPr txBox="1"/>
+          <p:nvPr/>
+        </p:nvSpPr>
+        <p:spPr>
+          <a:xfrm>
+            <a:off x="152400" y="1123950"/>
+            <a:ext cx="4419600" cy="3139321"/>
+          </a:xfrm>
+          <a:prstGeom prst="rect">
+            <a:avLst/>
+          </a:prstGeom>
+          <a:noFill/>
+        </p:spPr>
+        <p:txBody>
+          <a:bodyPr wrap="square" rtlCol="0">
+            <a:spAutoFit/>
+          </a:bodyPr>
+          <a:lstStyle/>
+          <a:p>
+            <a:r>
+              <a:rPr lang="en-US" dirty="0" smtClean="0"/>
+              <a:t>Template view:</a:t>
+            </a:r>
+          </a:p>
+          <a:p>
+            <a:r>
+              <a:rPr lang="en-US" b="1" dirty="0" smtClean="0">
+                <a:solidFill>
+                  <a:srgbClr val="E8BF6A"/>
+                </a:solidFill>
+                <a:latin typeface="Courier New" pitchFamily="49" charset="0"/>
+                <a:cs typeface="Courier New" pitchFamily="49" charset="0"/>
+              </a:rPr>
+              <a:t>&lt;form </a:t>
+            </a:r>
+            <a:r>
+              <a:rPr lang="en-US" b="1" dirty="0" smtClean="0">
+                <a:solidFill>
+                  <a:srgbClr val="BABABA"/>
+                </a:solidFill>
+                <a:latin typeface="Courier New" pitchFamily="49" charset="0"/>
+                <a:cs typeface="Courier New" pitchFamily="49" charset="0"/>
+              </a:rPr>
+              <a:t>name=</a:t>
+            </a:r>
+            <a:r>
+              <a:rPr lang="en-US" b="1" dirty="0" smtClean="0">
+                <a:solidFill>
+                  <a:srgbClr val="A5C261"/>
+                </a:solidFill>
+                <a:latin typeface="Courier New" pitchFamily="49" charset="0"/>
+                <a:cs typeface="Courier New" pitchFamily="49" charset="0"/>
+              </a:rPr>
+              <a:t>"</a:t>
+            </a:r>
+            <a:r>
+              <a:rPr lang="en-US" b="1" dirty="0" err="1" smtClean="0">
+                <a:solidFill>
+                  <a:srgbClr val="A5C261"/>
+                </a:solidFill>
+                <a:latin typeface="Courier New" pitchFamily="49" charset="0"/>
+                <a:cs typeface="Courier New" pitchFamily="49" charset="0"/>
+              </a:rPr>
+              <a:t>contactForm</a:t>
+            </a:r>
+            <a:r>
+              <a:rPr lang="en-US" b="1" dirty="0" smtClean="0">
+                <a:solidFill>
+                  <a:srgbClr val="A5C261"/>
+                </a:solidFill>
+                <a:latin typeface="Courier New" pitchFamily="49" charset="0"/>
+                <a:cs typeface="Courier New" pitchFamily="49" charset="0"/>
+              </a:rPr>
+              <a:t>"</a:t>
+            </a:r>
+            <a:r>
+              <a:rPr lang="en-US" b="1" dirty="0" smtClean="0">
+                <a:solidFill>
+                  <a:srgbClr val="E8BF6A"/>
+                </a:solidFill>
+                <a:latin typeface="Courier New" pitchFamily="49" charset="0"/>
+                <a:cs typeface="Courier New" pitchFamily="49" charset="0"/>
+              </a:rPr>
+              <a:t>&gt;</a:t>
+            </a:r>
+          </a:p>
+          <a:p>
+            <a:r>
+              <a:rPr lang="en-US" b="1" dirty="0" smtClean="0">
+                <a:solidFill>
+                  <a:srgbClr val="E8BF6A"/>
+                </a:solidFill>
+                <a:latin typeface="Courier New" pitchFamily="49" charset="0"/>
+                <a:cs typeface="Courier New" pitchFamily="49" charset="0"/>
+              </a:rPr>
+              <a:t>&lt;/</a:t>
+            </a:r>
+            <a:r>
+              <a:rPr lang="en-US" b="1" dirty="0" smtClean="0">
+                <a:solidFill>
+                  <a:srgbClr val="E8BF6A"/>
+                </a:solidFill>
+                <a:latin typeface="Courier New" pitchFamily="49" charset="0"/>
+                <a:cs typeface="Courier New" pitchFamily="49" charset="0"/>
+              </a:rPr>
+              <a:t>form</a:t>
+            </a:r>
+            <a:r>
+              <a:rPr lang="en-US" b="1" dirty="0" smtClean="0">
+                <a:solidFill>
+                  <a:srgbClr val="E8BF6A"/>
+                </a:solidFill>
+                <a:latin typeface="Courier New" pitchFamily="49" charset="0"/>
+                <a:cs typeface="Courier New" pitchFamily="49" charset="0"/>
+              </a:rPr>
+              <a:t>&gt;</a:t>
+            </a:r>
+          </a:p>
+          <a:p>
+            <a:endParaRPr lang="en-US" dirty="0" smtClean="0"/>
+          </a:p>
+          <a:p>
+            <a:r>
+              <a:rPr lang="en-US" dirty="0" smtClean="0"/>
+              <a:t>Controller:</a:t>
+            </a:r>
+          </a:p>
+          <a:p>
+            <a:r>
+              <a:rPr lang="en-US" b="1" dirty="0" smtClean="0">
+                <a:latin typeface="Courier New" pitchFamily="49" charset="0"/>
+                <a:cs typeface="Courier New" pitchFamily="49" charset="0"/>
+              </a:rPr>
+              <a:t>$</a:t>
+            </a:r>
+            <a:r>
+              <a:rPr lang="en-US" b="1" dirty="0" err="1" smtClean="0">
+                <a:latin typeface="Courier New" pitchFamily="49" charset="0"/>
+                <a:cs typeface="Courier New" pitchFamily="49" charset="0"/>
+              </a:rPr>
+              <a:t>scope.</a:t>
+            </a:r>
+            <a:r>
+              <a:rPr lang="en-US" b="1" dirty="0" err="1" smtClean="0">
+                <a:solidFill>
+                  <a:srgbClr val="9876AA"/>
+                </a:solidFill>
+                <a:latin typeface="Courier New" pitchFamily="49" charset="0"/>
+                <a:cs typeface="Courier New" pitchFamily="49" charset="0"/>
+              </a:rPr>
+              <a:t>contactForm</a:t>
+            </a:r>
+            <a:r>
+              <a:rPr lang="en-US" b="1" dirty="0" smtClean="0">
+                <a:solidFill>
+                  <a:srgbClr val="9876AA"/>
+                </a:solidFill>
+              </a:rPr>
+              <a:t> </a:t>
+            </a:r>
+            <a:r>
+              <a:rPr lang="en-US" dirty="0" smtClean="0"/>
+              <a:t>is</a:t>
+            </a:r>
+            <a:r>
+              <a:rPr lang="en-US" dirty="0" smtClean="0">
+                <a:solidFill>
+                  <a:srgbClr val="9876AA"/>
+                </a:solidFill>
+              </a:rPr>
+              <a:t> </a:t>
+            </a:r>
+            <a:r>
+              <a:rPr lang="en-US" dirty="0" smtClean="0"/>
+              <a:t>a form controller object. </a:t>
+            </a:r>
+            <a:r>
+              <a:rPr lang="en-US" dirty="0" smtClean="0"/>
+              <a:t> </a:t>
+            </a:r>
+            <a:r>
+              <a:rPr lang="en-US" dirty="0" smtClean="0"/>
+              <a:t>It will have the following property:</a:t>
+            </a:r>
+          </a:p>
+          <a:p>
+            <a:endParaRPr lang="en-US" dirty="0" smtClean="0"/>
+          </a:p>
+          <a:p>
+            <a:pPr>
+              <a:buFont typeface="Arial" pitchFamily="34" charset="0"/>
+              <a:buChar char="•"/>
+            </a:pPr>
+            <a:r>
+              <a:rPr lang="en-US" dirty="0" smtClean="0">
+                <a:latin typeface="Courier New" pitchFamily="49" charset="0"/>
+                <a:cs typeface="Courier New" pitchFamily="49" charset="0"/>
+              </a:rPr>
+              <a:t>  </a:t>
+            </a:r>
+            <a:r>
+              <a:rPr lang="en-US" b="1" dirty="0" smtClean="0">
+                <a:latin typeface="Courier New" pitchFamily="49" charset="0"/>
+                <a:cs typeface="Courier New" pitchFamily="49" charset="0"/>
+              </a:rPr>
+              <a:t>$</a:t>
+            </a:r>
+            <a:r>
+              <a:rPr lang="en-US" b="1" dirty="0" err="1" smtClean="0">
+                <a:latin typeface="Courier New" pitchFamily="49" charset="0"/>
+                <a:cs typeface="Courier New" pitchFamily="49" charset="0"/>
+              </a:rPr>
+              <a:t>scope.</a:t>
+            </a:r>
+            <a:r>
+              <a:rPr lang="en-US" b="1" dirty="0" err="1" smtClean="0">
+                <a:solidFill>
+                  <a:srgbClr val="9876AA"/>
+                </a:solidFill>
+                <a:latin typeface="Courier New" pitchFamily="49" charset="0"/>
+                <a:cs typeface="Courier New" pitchFamily="49" charset="0"/>
+              </a:rPr>
+              <a:t>contactForm</a:t>
+            </a:r>
+            <a:r>
+              <a:rPr lang="en-US" b="1" dirty="0" err="1" smtClean="0">
+                <a:latin typeface="Courier New" pitchFamily="49" charset="0"/>
+                <a:cs typeface="Courier New" pitchFamily="49" charset="0"/>
+              </a:rPr>
+              <a:t>.</a:t>
+            </a:r>
+            <a:r>
+              <a:rPr lang="en-US" b="1" dirty="0" err="1" smtClean="0">
+                <a:solidFill>
+                  <a:srgbClr val="9876AA"/>
+                </a:solidFill>
+                <a:latin typeface="Courier New" pitchFamily="49" charset="0"/>
+                <a:cs typeface="Courier New" pitchFamily="49" charset="0"/>
+              </a:rPr>
+              <a:t>$error</a:t>
+            </a:r>
+            <a:r>
+              <a:rPr lang="en-US" b="1" dirty="0" smtClean="0">
+                <a:solidFill>
+                  <a:srgbClr val="9876AA"/>
+                </a:solidFill>
+                <a:latin typeface="Courier New" pitchFamily="49" charset="0"/>
+                <a:cs typeface="Courier New" pitchFamily="49" charset="0"/>
+              </a:rPr>
+              <a:t> </a:t>
+            </a:r>
+            <a:endParaRPr lang="en-US" b="1" dirty="0" smtClean="0">
+              <a:solidFill>
+                <a:srgbClr val="9876AA"/>
+              </a:solidFill>
+              <a:latin typeface="Courier New" pitchFamily="49" charset="0"/>
+              <a:cs typeface="Courier New" pitchFamily="49" charset="0"/>
+            </a:endParaRPr>
+          </a:p>
+          <a:p>
+            <a:pPr>
+              <a:buFont typeface="Arial" pitchFamily="34" charset="0"/>
+              <a:buChar char="•"/>
+            </a:pPr>
+            <a:r>
+              <a:rPr lang="en-US" b="1" dirty="0" smtClean="0">
+                <a:latin typeface="Courier New" pitchFamily="49" charset="0"/>
+                <a:cs typeface="Courier New" pitchFamily="49" charset="0"/>
+              </a:rPr>
+              <a:t>  $</a:t>
+            </a:r>
+            <a:r>
+              <a:rPr lang="en-US" b="1" dirty="0" err="1" smtClean="0">
+                <a:latin typeface="Courier New" pitchFamily="49" charset="0"/>
+                <a:cs typeface="Courier New" pitchFamily="49" charset="0"/>
+              </a:rPr>
+              <a:t>scope.</a:t>
+            </a:r>
+            <a:r>
+              <a:rPr lang="en-US" b="1" dirty="0" err="1" smtClean="0">
+                <a:solidFill>
+                  <a:srgbClr val="9876AA"/>
+                </a:solidFill>
+                <a:latin typeface="Courier New" pitchFamily="49" charset="0"/>
+                <a:cs typeface="Courier New" pitchFamily="49" charset="0"/>
+              </a:rPr>
+              <a:t>contactForm</a:t>
+            </a:r>
+            <a:r>
+              <a:rPr lang="en-US" b="1" dirty="0" err="1" smtClean="0">
+                <a:latin typeface="Courier New" pitchFamily="49" charset="0"/>
+                <a:cs typeface="Courier New" pitchFamily="49" charset="0"/>
+              </a:rPr>
+              <a:t>.</a:t>
+            </a:r>
+            <a:r>
+              <a:rPr lang="en-US" b="1" dirty="0" err="1" smtClean="0">
+                <a:solidFill>
+                  <a:srgbClr val="9876AA"/>
+                </a:solidFill>
+                <a:latin typeface="Courier New" pitchFamily="49" charset="0"/>
+                <a:cs typeface="Courier New" pitchFamily="49" charset="0"/>
+              </a:rPr>
+              <a:t>$</a:t>
+            </a:r>
+            <a:r>
+              <a:rPr lang="en-US" b="1" dirty="0" err="1" smtClean="0">
+                <a:solidFill>
+                  <a:srgbClr val="9876AA"/>
+                </a:solidFill>
+                <a:latin typeface="Courier New" pitchFamily="49" charset="0"/>
+                <a:cs typeface="Courier New" pitchFamily="49" charset="0"/>
+              </a:rPr>
+              <a:t>valid</a:t>
+            </a:r>
+            <a:endParaRPr lang="en-US" dirty="0"/>
+          </a:p>
+        </p:txBody>
+      </p:sp>
+      <p:sp>
+        <p:nvSpPr>
+          <p:cNvPr id="8" name="TextBox 7"/>
+          <p:cNvSpPr txBox="1"/>
+          <p:nvPr/>
+        </p:nvSpPr>
+        <p:spPr>
+          <a:xfrm>
+            <a:off x="4343400" y="1123950"/>
+            <a:ext cx="4876800" cy="3970318"/>
+          </a:xfrm>
+          <a:prstGeom prst="rect">
+            <a:avLst/>
+          </a:prstGeom>
+          <a:noFill/>
+        </p:spPr>
+        <p:txBody>
+          <a:bodyPr wrap="square" rtlCol="0">
+            <a:spAutoFit/>
+          </a:bodyPr>
+          <a:lstStyle/>
+          <a:p>
+            <a:r>
+              <a:rPr lang="en-US" dirty="0" smtClean="0"/>
+              <a:t>Template view:</a:t>
+            </a:r>
+          </a:p>
+          <a:p>
+            <a:r>
+              <a:rPr lang="en-US" b="1" dirty="0" smtClean="0">
+                <a:solidFill>
+                  <a:srgbClr val="E8BF6A"/>
+                </a:solidFill>
+                <a:latin typeface="Courier New" pitchFamily="49" charset="0"/>
+                <a:cs typeface="Courier New" pitchFamily="49" charset="0"/>
+              </a:rPr>
+              <a:t>&lt;form </a:t>
+            </a:r>
+            <a:r>
+              <a:rPr lang="en-US" b="1" dirty="0" smtClean="0">
+                <a:solidFill>
+                  <a:srgbClr val="BABABA"/>
+                </a:solidFill>
+                <a:latin typeface="Courier New" pitchFamily="49" charset="0"/>
+                <a:cs typeface="Courier New" pitchFamily="49" charset="0"/>
+              </a:rPr>
+              <a:t>name=</a:t>
+            </a:r>
+            <a:r>
+              <a:rPr lang="en-US" b="1" dirty="0" smtClean="0">
+                <a:solidFill>
+                  <a:srgbClr val="A5C261"/>
+                </a:solidFill>
+                <a:latin typeface="Courier New" pitchFamily="49" charset="0"/>
+                <a:cs typeface="Courier New" pitchFamily="49" charset="0"/>
+              </a:rPr>
+              <a:t>"</a:t>
+            </a:r>
+            <a:r>
+              <a:rPr lang="en-US" b="1" dirty="0" err="1" smtClean="0">
+                <a:solidFill>
+                  <a:srgbClr val="A5C261"/>
+                </a:solidFill>
+                <a:latin typeface="Courier New" pitchFamily="49" charset="0"/>
+                <a:cs typeface="Courier New" pitchFamily="49" charset="0"/>
+              </a:rPr>
+              <a:t>contactForm</a:t>
+            </a:r>
+            <a:r>
+              <a:rPr lang="en-US" b="1" dirty="0" smtClean="0">
+                <a:solidFill>
+                  <a:srgbClr val="A5C261"/>
+                </a:solidFill>
+                <a:latin typeface="Courier New" pitchFamily="49" charset="0"/>
+                <a:cs typeface="Courier New" pitchFamily="49" charset="0"/>
+              </a:rPr>
+              <a:t>" </a:t>
+            </a:r>
+            <a:endParaRPr lang="en-US" b="1" dirty="0" smtClean="0">
+              <a:solidFill>
+                <a:srgbClr val="A5C261"/>
+              </a:solidFill>
+              <a:latin typeface="Courier New" pitchFamily="49" charset="0"/>
+              <a:cs typeface="Courier New" pitchFamily="49" charset="0"/>
+            </a:endParaRPr>
+          </a:p>
+          <a:p>
+            <a:r>
+              <a:rPr lang="en-US" b="1" dirty="0" err="1" smtClean="0">
+                <a:solidFill>
+                  <a:srgbClr val="BABABA"/>
+                </a:solidFill>
+                <a:latin typeface="Courier New" pitchFamily="49" charset="0"/>
+                <a:cs typeface="Courier New" pitchFamily="49" charset="0"/>
+              </a:rPr>
+              <a:t>ng</a:t>
+            </a:r>
+            <a:r>
+              <a:rPr lang="en-US" b="1" dirty="0" smtClean="0">
+                <a:solidFill>
+                  <a:srgbClr val="BABABA"/>
+                </a:solidFill>
+                <a:latin typeface="Courier New" pitchFamily="49" charset="0"/>
+                <a:cs typeface="Courier New" pitchFamily="49" charset="0"/>
+              </a:rPr>
+              <a:t>-if</a:t>
+            </a:r>
+            <a:r>
+              <a:rPr lang="en-US" b="1" dirty="0" smtClean="0">
+                <a:solidFill>
+                  <a:srgbClr val="BABABA"/>
+                </a:solidFill>
+                <a:latin typeface="Courier New" pitchFamily="49" charset="0"/>
+                <a:cs typeface="Courier New" pitchFamily="49" charset="0"/>
+              </a:rPr>
+              <a:t>=</a:t>
+            </a:r>
+            <a:r>
+              <a:rPr lang="en-US" b="1" dirty="0" smtClean="0">
+                <a:solidFill>
+                  <a:srgbClr val="A5C261"/>
+                </a:solidFill>
+                <a:latin typeface="Courier New" pitchFamily="49" charset="0"/>
+                <a:cs typeface="Courier New" pitchFamily="49" charset="0"/>
+              </a:rPr>
+              <a:t>"</a:t>
+            </a:r>
+            <a:r>
+              <a:rPr lang="en-US" b="1" dirty="0" err="1" smtClean="0">
+                <a:solidFill>
+                  <a:srgbClr val="9876AA"/>
+                </a:solidFill>
+                <a:latin typeface="Courier New" pitchFamily="49" charset="0"/>
+                <a:cs typeface="Courier New" pitchFamily="49" charset="0"/>
+              </a:rPr>
+              <a:t>showContactForm</a:t>
+            </a:r>
+            <a:r>
+              <a:rPr lang="en-US" b="1" dirty="0" smtClean="0">
+                <a:solidFill>
+                  <a:srgbClr val="A5C261"/>
+                </a:solidFill>
+                <a:latin typeface="Courier New" pitchFamily="49" charset="0"/>
+                <a:cs typeface="Courier New" pitchFamily="49" charset="0"/>
+              </a:rPr>
+              <a:t>"</a:t>
+            </a:r>
+            <a:r>
+              <a:rPr lang="en-US" b="1" dirty="0" smtClean="0">
+                <a:solidFill>
+                  <a:srgbClr val="E8BF6A"/>
+                </a:solidFill>
+                <a:latin typeface="Courier New" pitchFamily="49" charset="0"/>
+                <a:cs typeface="Courier New" pitchFamily="49" charset="0"/>
+              </a:rPr>
+              <a:t>&gt;&lt;/form&gt;</a:t>
+            </a:r>
+            <a:endParaRPr lang="en-US" b="1" dirty="0" smtClean="0">
+              <a:solidFill>
+                <a:srgbClr val="E8BF6A"/>
+              </a:solidFill>
+              <a:latin typeface="Courier New" pitchFamily="49" charset="0"/>
+              <a:cs typeface="Courier New" pitchFamily="49" charset="0"/>
+            </a:endParaRPr>
+          </a:p>
+          <a:p>
+            <a:endParaRPr lang="en-US" dirty="0" smtClean="0">
+              <a:solidFill>
+                <a:srgbClr val="E8BF6A"/>
+              </a:solidFill>
+            </a:endParaRPr>
+          </a:p>
+          <a:p>
+            <a:r>
+              <a:rPr lang="en-US" dirty="0" smtClean="0"/>
+              <a:t>Controller:</a:t>
+            </a:r>
+          </a:p>
+          <a:p>
+            <a:r>
+              <a:rPr lang="en-US" b="1" dirty="0" smtClean="0">
+                <a:latin typeface="Courier New" pitchFamily="49" charset="0"/>
+                <a:cs typeface="Courier New" pitchFamily="49" charset="0"/>
+              </a:rPr>
+              <a:t>$</a:t>
+            </a:r>
+            <a:r>
+              <a:rPr lang="en-US" b="1" dirty="0" err="1" smtClean="0">
+                <a:latin typeface="Courier New" pitchFamily="49" charset="0"/>
+                <a:cs typeface="Courier New" pitchFamily="49" charset="0"/>
+              </a:rPr>
+              <a:t>scope.</a:t>
+            </a:r>
+            <a:r>
+              <a:rPr lang="en-US" b="1" dirty="0" err="1" smtClean="0">
+                <a:solidFill>
+                  <a:srgbClr val="9876AA"/>
+                </a:solidFill>
+                <a:latin typeface="Courier New" pitchFamily="49" charset="0"/>
+                <a:cs typeface="Courier New" pitchFamily="49" charset="0"/>
+              </a:rPr>
+              <a:t>showContactForm</a:t>
+            </a:r>
+            <a:r>
+              <a:rPr lang="en-US" b="1" dirty="0" smtClean="0">
+                <a:solidFill>
+                  <a:srgbClr val="9876AA"/>
+                </a:solidFill>
+                <a:latin typeface="Courier New" pitchFamily="49" charset="0"/>
+                <a:cs typeface="Courier New" pitchFamily="49" charset="0"/>
+              </a:rPr>
+              <a:t> </a:t>
+            </a:r>
+            <a:r>
+              <a:rPr lang="en-US" b="1" dirty="0" smtClean="0">
+                <a:latin typeface="Courier New" pitchFamily="49" charset="0"/>
+                <a:cs typeface="Courier New" pitchFamily="49" charset="0"/>
+              </a:rPr>
+              <a:t>= </a:t>
+            </a:r>
+            <a:r>
+              <a:rPr lang="en-US" b="1" dirty="0" smtClean="0">
+                <a:solidFill>
+                  <a:srgbClr val="CC7832"/>
+                </a:solidFill>
+                <a:latin typeface="Courier New" pitchFamily="49" charset="0"/>
+                <a:cs typeface="Courier New" pitchFamily="49" charset="0"/>
+              </a:rPr>
+              <a:t>true;</a:t>
+            </a:r>
+            <a:endParaRPr lang="en-US" b="1" dirty="0" smtClean="0">
+              <a:latin typeface="Courier New" pitchFamily="49" charset="0"/>
+              <a:cs typeface="Courier New" pitchFamily="49" charset="0"/>
+            </a:endParaRPr>
+          </a:p>
+          <a:p>
+            <a:r>
+              <a:rPr lang="en-US" b="1" dirty="0" smtClean="0">
+                <a:latin typeface="Courier New" pitchFamily="49" charset="0"/>
+                <a:cs typeface="Courier New" pitchFamily="49" charset="0"/>
+              </a:rPr>
+              <a:t>$</a:t>
+            </a:r>
+            <a:r>
+              <a:rPr lang="en-US" b="1" dirty="0" err="1" smtClean="0">
+                <a:latin typeface="Courier New" pitchFamily="49" charset="0"/>
+                <a:cs typeface="Courier New" pitchFamily="49" charset="0"/>
+              </a:rPr>
+              <a:t>scope.</a:t>
+            </a:r>
+            <a:r>
+              <a:rPr lang="en-US" b="1" dirty="0" err="1" smtClean="0">
+                <a:solidFill>
+                  <a:srgbClr val="9876AA"/>
+                </a:solidFill>
+                <a:latin typeface="Courier New" pitchFamily="49" charset="0"/>
+                <a:cs typeface="Courier New" pitchFamily="49" charset="0"/>
+              </a:rPr>
+              <a:t>contactForm</a:t>
+            </a:r>
+            <a:r>
+              <a:rPr lang="en-US" b="1" dirty="0" smtClean="0">
+                <a:solidFill>
+                  <a:srgbClr val="9876AA"/>
+                </a:solidFill>
+              </a:rPr>
+              <a:t> </a:t>
+            </a:r>
+            <a:r>
+              <a:rPr lang="en-US" dirty="0" smtClean="0"/>
+              <a:t>is</a:t>
+            </a:r>
+            <a:r>
+              <a:rPr lang="en-US" dirty="0" smtClean="0">
+                <a:solidFill>
+                  <a:srgbClr val="9876AA"/>
+                </a:solidFill>
+              </a:rPr>
+              <a:t> </a:t>
+            </a:r>
+            <a:r>
+              <a:rPr lang="en-US" dirty="0" smtClean="0"/>
+              <a:t>undefined.</a:t>
+            </a:r>
+          </a:p>
+          <a:p>
+            <a:endParaRPr lang="en-US" dirty="0" smtClean="0"/>
+          </a:p>
+          <a:p>
+            <a:r>
+              <a:rPr lang="en-US" dirty="0" smtClean="0"/>
+              <a:t> </a:t>
+            </a:r>
+            <a:r>
+              <a:rPr lang="en-US" dirty="0" smtClean="0"/>
+              <a:t>     Bind </a:t>
+            </a:r>
+            <a:r>
+              <a:rPr lang="en-US" dirty="0" smtClean="0"/>
+              <a:t>the Form Controller to </a:t>
+            </a:r>
+            <a:r>
+              <a:rPr lang="en-US" dirty="0" smtClean="0"/>
+              <a:t>Controller object.</a:t>
+            </a:r>
+            <a:endParaRPr lang="en-US" dirty="0" smtClean="0"/>
+          </a:p>
+          <a:p>
+            <a:r>
+              <a:rPr lang="en-US" b="1" dirty="0" smtClean="0">
+                <a:solidFill>
+                  <a:srgbClr val="E8BF6A"/>
+                </a:solidFill>
+                <a:latin typeface="Courier New" pitchFamily="49" charset="0"/>
+                <a:cs typeface="Courier New" pitchFamily="49" charset="0"/>
+              </a:rPr>
+              <a:t>&lt;form </a:t>
+            </a:r>
+            <a:r>
+              <a:rPr lang="en-US" b="1" dirty="0" smtClean="0">
+                <a:solidFill>
+                  <a:srgbClr val="BABABA"/>
+                </a:solidFill>
+                <a:latin typeface="Courier New" pitchFamily="49" charset="0"/>
+                <a:cs typeface="Courier New" pitchFamily="49" charset="0"/>
+              </a:rPr>
+              <a:t>name=</a:t>
+            </a:r>
+            <a:r>
+              <a:rPr lang="en-US" b="1" dirty="0" smtClean="0">
+                <a:solidFill>
+                  <a:srgbClr val="A5C261"/>
+                </a:solidFill>
+                <a:latin typeface="Courier New" pitchFamily="49" charset="0"/>
+                <a:cs typeface="Courier New" pitchFamily="49" charset="0"/>
+              </a:rPr>
+              <a:t>"</a:t>
+            </a:r>
+            <a:r>
+              <a:rPr lang="en-US" b="1" dirty="0" err="1" smtClean="0">
+                <a:solidFill>
+                  <a:srgbClr val="A5C261"/>
+                </a:solidFill>
+                <a:latin typeface="Courier New" pitchFamily="49" charset="0"/>
+                <a:cs typeface="Courier New" pitchFamily="49" charset="0"/>
+              </a:rPr>
+              <a:t>formCtrl.contactForm</a:t>
+            </a:r>
+            <a:r>
+              <a:rPr lang="en-US" b="1" dirty="0" smtClean="0">
+                <a:solidFill>
+                  <a:srgbClr val="A5C261"/>
+                </a:solidFill>
+                <a:latin typeface="Courier New" pitchFamily="49" charset="0"/>
+                <a:cs typeface="Courier New" pitchFamily="49" charset="0"/>
+              </a:rPr>
+              <a:t>" </a:t>
+            </a:r>
+            <a:r>
+              <a:rPr lang="en-US" b="1" dirty="0" err="1" smtClean="0">
+                <a:solidFill>
+                  <a:srgbClr val="BABABA"/>
+                </a:solidFill>
+                <a:latin typeface="Courier New" pitchFamily="49" charset="0"/>
+                <a:cs typeface="Courier New" pitchFamily="49" charset="0"/>
+              </a:rPr>
+              <a:t>ng</a:t>
+            </a:r>
+            <a:r>
+              <a:rPr lang="en-US" b="1" dirty="0" smtClean="0">
+                <a:solidFill>
+                  <a:srgbClr val="BABABA"/>
+                </a:solidFill>
+                <a:latin typeface="Courier New" pitchFamily="49" charset="0"/>
+                <a:cs typeface="Courier New" pitchFamily="49" charset="0"/>
+              </a:rPr>
+              <a:t>-if=</a:t>
+            </a:r>
+            <a:r>
+              <a:rPr lang="en-US" b="1" dirty="0" smtClean="0">
+                <a:solidFill>
+                  <a:srgbClr val="A5C261"/>
+                </a:solidFill>
+                <a:latin typeface="Courier New" pitchFamily="49" charset="0"/>
+                <a:cs typeface="Courier New" pitchFamily="49" charset="0"/>
+              </a:rPr>
+              <a:t>"</a:t>
+            </a:r>
+            <a:r>
+              <a:rPr lang="en-US" b="1" dirty="0" err="1" smtClean="0">
+                <a:solidFill>
+                  <a:srgbClr val="9876AA"/>
+                </a:solidFill>
+                <a:latin typeface="Courier New" pitchFamily="49" charset="0"/>
+                <a:cs typeface="Courier New" pitchFamily="49" charset="0"/>
+              </a:rPr>
+              <a:t>showContactForm</a:t>
+            </a:r>
+            <a:r>
+              <a:rPr lang="en-US" b="1" dirty="0" smtClean="0">
+                <a:solidFill>
+                  <a:srgbClr val="A5C261"/>
+                </a:solidFill>
+                <a:latin typeface="Courier New" pitchFamily="49" charset="0"/>
+                <a:cs typeface="Courier New" pitchFamily="49" charset="0"/>
+              </a:rPr>
+              <a:t>"</a:t>
+            </a:r>
+            <a:r>
+              <a:rPr lang="en-US" b="1" dirty="0" smtClean="0">
+                <a:solidFill>
+                  <a:srgbClr val="E8BF6A"/>
+                </a:solidFill>
+                <a:latin typeface="Courier New" pitchFamily="49" charset="0"/>
+                <a:cs typeface="Courier New" pitchFamily="49" charset="0"/>
+              </a:rPr>
+              <a:t>&gt;&lt;/form</a:t>
+            </a:r>
+            <a:r>
+              <a:rPr lang="en-US" b="1" dirty="0" smtClean="0">
+                <a:solidFill>
+                  <a:srgbClr val="E8BF6A"/>
+                </a:solidFill>
+                <a:latin typeface="Courier New" pitchFamily="49" charset="0"/>
+                <a:cs typeface="Courier New" pitchFamily="49" charset="0"/>
+              </a:rPr>
+              <a:t>&gt;</a:t>
+            </a:r>
+          </a:p>
+          <a:p>
+            <a:endParaRPr lang="en-US" b="1" dirty="0" smtClean="0">
+              <a:solidFill>
+                <a:srgbClr val="E8BF6A"/>
+              </a:solidFill>
+              <a:latin typeface="Courier New" pitchFamily="49" charset="0"/>
+              <a:cs typeface="Courier New" pitchFamily="49" charset="0"/>
+            </a:endParaRPr>
+          </a:p>
+          <a:p>
+            <a:r>
+              <a:rPr lang="en-US" dirty="0" smtClean="0">
+                <a:cs typeface="Courier New" pitchFamily="49" charset="0"/>
+              </a:rPr>
+              <a:t>Controller: </a:t>
+            </a:r>
+            <a:r>
+              <a:rPr lang="en-US" b="1" dirty="0" err="1" smtClean="0">
+                <a:latin typeface="Courier New" pitchFamily="49" charset="0"/>
+                <a:cs typeface="Courier New" pitchFamily="49" charset="0"/>
+              </a:rPr>
+              <a:t>controller.contactForm</a:t>
+            </a:r>
+            <a:r>
+              <a:rPr lang="en-US" b="1" dirty="0" smtClean="0">
+                <a:latin typeface="Courier New" pitchFamily="49" charset="0"/>
+                <a:cs typeface="Courier New" pitchFamily="49" charset="0"/>
+              </a:rPr>
+              <a:t> </a:t>
+            </a:r>
+            <a:r>
+              <a:rPr lang="en-US" dirty="0" smtClean="0">
+                <a:cs typeface="Courier New" pitchFamily="49" charset="0"/>
+              </a:rPr>
+              <a:t>is a form controller object</a:t>
+            </a:r>
+            <a:endParaRPr lang="en-US" dirty="0">
+              <a:cs typeface="Courier New" pitchFamily="49" charset="0"/>
+            </a:endParaRPr>
+          </a:p>
+        </p:txBody>
+      </p:sp>
+      <p:pic>
+        <p:nvPicPr>
+          <p:cNvPr id="12" name="Picture 11" descr="078575-blue-jelly-icon-business-light-on.png"/>
+          <p:cNvPicPr>
+            <a:picLocks noChangeAspect="1"/>
+          </p:cNvPicPr>
+          <p:nvPr/>
+        </p:nvPicPr>
+        <p:blipFill>
+          <a:blip r:embed="rId4" cstate="print"/>
+          <a:stretch>
+            <a:fillRect/>
+          </a:stretch>
+        </p:blipFill>
+        <p:spPr>
+          <a:xfrm>
+            <a:off x="4267200" y="3257550"/>
+            <a:ext cx="457200" cy="457200"/>
+          </a:xfrm>
+          <a:prstGeom prst="rect">
+            <a:avLst/>
+          </a:prstGeom>
+        </p:spPr>
+      </p:pic>
     </p:spTree>
     <p:extLst>
       <p:ext uri="{BB962C8B-B14F-4D97-AF65-F5344CB8AC3E}">
-        <p14:creationId xmlns="" xmlns:p14="http://schemas.microsoft.com/office/powerpoint/2010/main" val="2915730469"/>
+        <p14:creationId xmlns:p14="http://schemas.microsoft.com/office/powerpoint/2010/main" xmlns="" val="2915730469"/>
       </p:ext>
     </p:extLst>
   </p:cSld>
@@ -5776,60 +6622,178 @@
       </p:grpSpPr>
       <p:sp>
         <p:nvSpPr>
-          <p:cNvPr id="4" name="Rectangle 3"/>
-          <p:cNvSpPr/>
-          <p:nvPr/>
+          <p:cNvPr id="2" name="Title 1"/>
+          <p:cNvSpPr>
+            <a:spLocks noGrp="1"/>
+          </p:cNvSpPr>
+          <p:nvPr>
+            <p:ph type="title"/>
+          </p:nvPr>
+        </p:nvSpPr>
+        <p:spPr/>
+        <p:txBody>
+          <a:bodyPr>
+            <a:normAutofit fontScale="90000"/>
+          </a:bodyPr>
+          <a:lstStyle/>
+          <a:p>
+            <a:r>
+              <a:rPr lang="en-US" dirty="0" smtClean="0"/>
+              <a:t>Angular Form - Custom Validation</a:t>
+            </a:r>
+            <a:br>
+              <a:rPr lang="en-US" dirty="0" smtClean="0"/>
+            </a:br>
+            <a:endParaRPr lang="en-US" dirty="0"/>
+          </a:p>
+        </p:txBody>
+      </p:sp>
+      <p:sp>
+        <p:nvSpPr>
+          <p:cNvPr id="3" name="Content Placeholder 2"/>
+          <p:cNvSpPr>
+            <a:spLocks noGrp="1"/>
+          </p:cNvSpPr>
+          <p:nvPr>
+            <p:ph sz="quarter" idx="13"/>
+          </p:nvPr>
         </p:nvSpPr>
         <p:spPr>
           <a:xfrm>
-            <a:off x="2895600" y="2343150"/>
-            <a:ext cx="6248400" cy="567690"/>
+            <a:off x="152400" y="819150"/>
+            <a:ext cx="9067800" cy="3962400"/>
+          </a:xfrm>
+        </p:spPr>
+        <p:txBody>
+          <a:bodyPr/>
+          <a:lstStyle/>
+          <a:p>
+            <a:pPr>
+              <a:buNone/>
+            </a:pPr>
+            <a:r>
+              <a:rPr lang="en-US" dirty="0" smtClean="0"/>
+              <a:t>	How to define </a:t>
+            </a:r>
+            <a:r>
+              <a:rPr lang="en-US" b="1" dirty="0" smtClean="0"/>
+              <a:t>new validation rule</a:t>
+            </a:r>
+            <a:r>
+              <a:rPr lang="en-US" dirty="0" smtClean="0"/>
+              <a:t> for Form input and check it valid in </a:t>
+            </a:r>
+            <a:r>
+              <a:rPr lang="en-US" b="1" dirty="0" err="1" smtClean="0"/>
+              <a:t>ngModelController.$error</a:t>
+            </a:r>
+            <a:r>
+              <a:rPr lang="en-US" dirty="0" smtClean="0"/>
+              <a:t>.</a:t>
+            </a:r>
+          </a:p>
+          <a:p>
+            <a:pPr>
+              <a:buNone/>
+            </a:pPr>
+            <a:r>
+              <a:rPr lang="en-US" dirty="0" smtClean="0"/>
+              <a:t>	Create </a:t>
+            </a:r>
+            <a:r>
+              <a:rPr lang="en-US" b="1" dirty="0" smtClean="0"/>
+              <a:t>custom </a:t>
+            </a:r>
+            <a:r>
+              <a:rPr lang="en-US" b="1" dirty="0" smtClean="0"/>
+              <a:t>directive </a:t>
+            </a:r>
+            <a:r>
+              <a:rPr lang="en-US" dirty="0" smtClean="0"/>
+              <a:t>&amp; </a:t>
+            </a:r>
+            <a:r>
+              <a:rPr lang="en-US" dirty="0" smtClean="0"/>
+              <a:t>use </a:t>
+            </a:r>
+            <a:r>
+              <a:rPr lang="en-US" b="1" dirty="0" smtClean="0"/>
+              <a:t>$</a:t>
+            </a:r>
+            <a:r>
+              <a:rPr lang="en-US" b="1" dirty="0" err="1" smtClean="0"/>
+              <a:t>validators</a:t>
+            </a:r>
+            <a:r>
+              <a:rPr lang="en-US" dirty="0" smtClean="0"/>
+              <a:t> of </a:t>
+            </a:r>
+            <a:r>
+              <a:rPr lang="en-US" b="1" dirty="0" err="1" smtClean="0"/>
+              <a:t>ngModelController</a:t>
+            </a:r>
+            <a:endParaRPr lang="en-US" b="1" dirty="0" smtClean="0"/>
+          </a:p>
+        </p:txBody>
+      </p:sp>
+      <p:pic>
+        <p:nvPicPr>
+          <p:cNvPr id="4" name="Picture 3" descr="Questionmark.png"/>
+          <p:cNvPicPr>
+            <a:picLocks noChangeAspect="1"/>
+          </p:cNvPicPr>
+          <p:nvPr/>
+        </p:nvPicPr>
+        <p:blipFill>
+          <a:blip r:embed="rId3" cstate="print"/>
+          <a:stretch>
+            <a:fillRect/>
+          </a:stretch>
+        </p:blipFill>
+        <p:spPr>
+          <a:xfrm>
+            <a:off x="152400" y="819150"/>
+            <a:ext cx="457200" cy="457200"/>
           </a:xfrm>
           <a:prstGeom prst="rect">
             <a:avLst/>
           </a:prstGeom>
-          <a:solidFill>
-            <a:srgbClr val="E21A2D"/>
-          </a:solidFill>
-          <a:ln>
-            <a:noFill/>
-          </a:ln>
         </p:spPr>
-        <p:style>
-          <a:lnRef idx="2">
-            <a:schemeClr val="accent1">
-              <a:shade val="50000"/>
-            </a:schemeClr>
-          </a:lnRef>
-          <a:fillRef idx="1">
-            <a:schemeClr val="accent1"/>
-          </a:fillRef>
-          <a:effectRef idx="0">
-            <a:schemeClr val="accent1"/>
-          </a:effectRef>
-          <a:fontRef idx="minor">
-            <a:schemeClr val="lt1"/>
-          </a:fontRef>
-        </p:style>
-        <p:txBody>
-          <a:bodyPr rtlCol="0" anchor="ctr"/>
-          <a:lstStyle/>
-          <a:p>
-            <a:pPr algn="ctr"/>
-            <a:endParaRPr lang="en-US"/>
-          </a:p>
-        </p:txBody>
-      </p:sp>
+      </p:pic>
+      <p:pic>
+        <p:nvPicPr>
+          <p:cNvPr id="5" name="Picture 4" descr="078575-blue-jelly-icon-business-light-on.png"/>
+          <p:cNvPicPr>
+            <a:picLocks noChangeAspect="1"/>
+          </p:cNvPicPr>
+          <p:nvPr/>
+        </p:nvPicPr>
+        <p:blipFill>
+          <a:blip r:embed="rId4" cstate="print"/>
+          <a:stretch>
+            <a:fillRect/>
+          </a:stretch>
+        </p:blipFill>
+        <p:spPr>
+          <a:xfrm>
+            <a:off x="152400" y="1657350"/>
+            <a:ext cx="457200" cy="457200"/>
+          </a:xfrm>
+          <a:prstGeom prst="rect">
+            <a:avLst/>
+          </a:prstGeom>
+        </p:spPr>
+      </p:pic>
       <p:sp>
         <p:nvSpPr>
-          <p:cNvPr id="2" name="TextBox 1"/>
+          <p:cNvPr id="7" name="TextBox 6"/>
           <p:cNvSpPr txBox="1"/>
           <p:nvPr/>
         </p:nvSpPr>
         <p:spPr>
           <a:xfrm>
-            <a:off x="2895600" y="2244478"/>
-            <a:ext cx="4724400" cy="707886"/>
+            <a:off x="457200" y="2038350"/>
+            <a:ext cx="8686800" cy="3139321"/>
           </a:xfrm>
           <a:prstGeom prst="rect">
             <a:avLst/>
@@ -5842,94 +6806,578 @@
           </a:bodyPr>
           <a:lstStyle/>
           <a:p>
-            <a:pPr algn="ctr"/>
-            <a:r>
-              <a:rPr lang="en-US" sz="4000" dirty="0" smtClean="0">
-                <a:solidFill>
-                  <a:schemeClr val="bg1"/>
-                </a:solidFill>
-              </a:rPr>
-              <a:t>FORM AND </a:t>
-            </a:r>
-            <a:r>
-              <a:rPr lang="en-US" sz="4000" dirty="0" smtClean="0">
-                <a:solidFill>
-                  <a:schemeClr val="bg1"/>
-                </a:solidFill>
-              </a:rPr>
-              <a:t>INPUT</a:t>
-            </a:r>
-            <a:endParaRPr lang="en-US" sz="4000" dirty="0">
-              <a:solidFill>
-                <a:schemeClr val="bg1"/>
-              </a:solidFill>
+            <a:r>
+              <a:rPr lang="en-US" dirty="0" err="1" smtClean="0">
+                <a:latin typeface="Courier New" pitchFamily="49" charset="0"/>
+                <a:cs typeface="Courier New" pitchFamily="49" charset="0"/>
+              </a:rPr>
+              <a:t>app.</a:t>
+            </a:r>
+            <a:r>
+              <a:rPr lang="en-US" dirty="0" err="1" smtClean="0">
+                <a:solidFill>
+                  <a:srgbClr val="FFC66D"/>
+                </a:solidFill>
+                <a:latin typeface="Courier New" pitchFamily="49" charset="0"/>
+                <a:cs typeface="Courier New" pitchFamily="49" charset="0"/>
+              </a:rPr>
+              <a:t>directive</a:t>
+            </a:r>
+            <a:r>
+              <a:rPr lang="en-US" dirty="0" smtClean="0">
+                <a:latin typeface="Courier New" pitchFamily="49" charset="0"/>
+                <a:cs typeface="Courier New" pitchFamily="49" charset="0"/>
+              </a:rPr>
+              <a:t>(</a:t>
+            </a:r>
+            <a:r>
+              <a:rPr lang="en-US" dirty="0" smtClean="0">
+                <a:solidFill>
+                  <a:srgbClr val="6A8759"/>
+                </a:solidFill>
+                <a:latin typeface="Courier New" pitchFamily="49" charset="0"/>
+                <a:cs typeface="Courier New" pitchFamily="49" charset="0"/>
+              </a:rPr>
+              <a:t>‘</a:t>
+            </a:r>
+            <a:r>
+              <a:rPr lang="en-US" dirty="0" err="1" smtClean="0">
+                <a:solidFill>
+                  <a:srgbClr val="6A8759"/>
+                </a:solidFill>
+                <a:latin typeface="Courier New" pitchFamily="49" charset="0"/>
+                <a:cs typeface="Courier New" pitchFamily="49" charset="0"/>
+              </a:rPr>
+              <a:t>customValidation</a:t>
+            </a:r>
+            <a:r>
+              <a:rPr lang="en-US" dirty="0" smtClean="0">
+                <a:solidFill>
+                  <a:srgbClr val="6A8759"/>
+                </a:solidFill>
+                <a:latin typeface="Courier New" pitchFamily="49" charset="0"/>
+                <a:cs typeface="Courier New" pitchFamily="49" charset="0"/>
+              </a:rPr>
+              <a:t>'</a:t>
+            </a:r>
+            <a:r>
+              <a:rPr lang="en-US" dirty="0" smtClean="0">
+                <a:solidFill>
+                  <a:srgbClr val="CC7832"/>
+                </a:solidFill>
+                <a:latin typeface="Courier New" pitchFamily="49" charset="0"/>
+                <a:cs typeface="Courier New" pitchFamily="49" charset="0"/>
+              </a:rPr>
+              <a:t>, </a:t>
+            </a:r>
+            <a:r>
+              <a:rPr lang="en-US" b="1" dirty="0" smtClean="0">
+                <a:solidFill>
+                  <a:srgbClr val="CC7832"/>
+                </a:solidFill>
+                <a:latin typeface="Courier New" pitchFamily="49" charset="0"/>
+                <a:cs typeface="Courier New" pitchFamily="49" charset="0"/>
+              </a:rPr>
+              <a:t>function</a:t>
+            </a:r>
+            <a:r>
+              <a:rPr lang="en-US" dirty="0" smtClean="0">
+                <a:latin typeface="Courier New" pitchFamily="49" charset="0"/>
+                <a:cs typeface="Courier New" pitchFamily="49" charset="0"/>
+              </a:rPr>
+              <a:t>() {</a:t>
+            </a:r>
+            <a:br>
+              <a:rPr lang="en-US" dirty="0" smtClean="0">
+                <a:latin typeface="Courier New" pitchFamily="49" charset="0"/>
+                <a:cs typeface="Courier New" pitchFamily="49" charset="0"/>
+              </a:rPr>
+            </a:br>
+            <a:r>
+              <a:rPr lang="en-US" dirty="0" smtClean="0">
+                <a:latin typeface="Courier New" pitchFamily="49" charset="0"/>
+                <a:cs typeface="Courier New" pitchFamily="49" charset="0"/>
+              </a:rPr>
+              <a:t>  </a:t>
+            </a:r>
+            <a:r>
+              <a:rPr lang="en-US" b="1" dirty="0" smtClean="0">
+                <a:solidFill>
+                  <a:srgbClr val="CC7832"/>
+                </a:solidFill>
+                <a:latin typeface="Courier New" pitchFamily="49" charset="0"/>
+                <a:cs typeface="Courier New" pitchFamily="49" charset="0"/>
+              </a:rPr>
+              <a:t>return </a:t>
+            </a:r>
+            <a:r>
+              <a:rPr lang="en-US" dirty="0" smtClean="0">
+                <a:latin typeface="Courier New" pitchFamily="49" charset="0"/>
+                <a:cs typeface="Courier New" pitchFamily="49" charset="0"/>
+              </a:rPr>
+              <a:t>{</a:t>
+            </a:r>
+            <a:br>
+              <a:rPr lang="en-US" dirty="0" smtClean="0">
+                <a:latin typeface="Courier New" pitchFamily="49" charset="0"/>
+                <a:cs typeface="Courier New" pitchFamily="49" charset="0"/>
+              </a:rPr>
+            </a:br>
+            <a:r>
+              <a:rPr lang="en-US" dirty="0" smtClean="0">
+                <a:latin typeface="Courier New" pitchFamily="49" charset="0"/>
+                <a:cs typeface="Courier New" pitchFamily="49" charset="0"/>
+              </a:rPr>
+              <a:t>    </a:t>
+            </a:r>
+            <a:r>
+              <a:rPr lang="en-US" dirty="0" smtClean="0">
+                <a:solidFill>
+                  <a:srgbClr val="9876AA"/>
+                </a:solidFill>
+                <a:latin typeface="Courier New" pitchFamily="49" charset="0"/>
+                <a:cs typeface="Courier New" pitchFamily="49" charset="0"/>
+              </a:rPr>
+              <a:t>require</a:t>
+            </a:r>
+            <a:r>
+              <a:rPr lang="en-US" dirty="0" smtClean="0">
+                <a:latin typeface="Courier New" pitchFamily="49" charset="0"/>
+                <a:cs typeface="Courier New" pitchFamily="49" charset="0"/>
+              </a:rPr>
+              <a:t>: </a:t>
+            </a:r>
+            <a:r>
+              <a:rPr lang="en-US" dirty="0" smtClean="0">
+                <a:solidFill>
+                  <a:srgbClr val="6A8759"/>
+                </a:solidFill>
+                <a:latin typeface="Courier New" pitchFamily="49" charset="0"/>
+                <a:cs typeface="Courier New" pitchFamily="49" charset="0"/>
+              </a:rPr>
+              <a:t>'</a:t>
+            </a:r>
+            <a:r>
+              <a:rPr lang="en-US" dirty="0" err="1" smtClean="0">
+                <a:solidFill>
+                  <a:srgbClr val="6A8759"/>
+                </a:solidFill>
+                <a:latin typeface="Courier New" pitchFamily="49" charset="0"/>
+                <a:cs typeface="Courier New" pitchFamily="49" charset="0"/>
+              </a:rPr>
+              <a:t>ngModel</a:t>
+            </a:r>
+            <a:r>
+              <a:rPr lang="en-US" dirty="0" smtClean="0">
+                <a:solidFill>
+                  <a:srgbClr val="6A8759"/>
+                </a:solidFill>
+                <a:latin typeface="Courier New" pitchFamily="49" charset="0"/>
+                <a:cs typeface="Courier New" pitchFamily="49" charset="0"/>
+              </a:rPr>
+              <a:t>'</a:t>
+            </a:r>
+            <a:r>
+              <a:rPr lang="en-US" dirty="0" smtClean="0">
+                <a:solidFill>
+                  <a:srgbClr val="CC7832"/>
+                </a:solidFill>
+                <a:latin typeface="Courier New" pitchFamily="49" charset="0"/>
+                <a:cs typeface="Courier New" pitchFamily="49" charset="0"/>
+              </a:rPr>
+              <a:t>,</a:t>
+            </a:r>
+            <a:br>
+              <a:rPr lang="en-US" dirty="0" smtClean="0">
+                <a:solidFill>
+                  <a:srgbClr val="CC7832"/>
+                </a:solidFill>
+                <a:latin typeface="Courier New" pitchFamily="49" charset="0"/>
+                <a:cs typeface="Courier New" pitchFamily="49" charset="0"/>
+              </a:rPr>
+            </a:br>
+            <a:r>
+              <a:rPr lang="en-US" dirty="0" smtClean="0">
+                <a:solidFill>
+                  <a:srgbClr val="CC7832"/>
+                </a:solidFill>
+                <a:latin typeface="Courier New" pitchFamily="49" charset="0"/>
+                <a:cs typeface="Courier New" pitchFamily="49" charset="0"/>
+              </a:rPr>
+              <a:t>    </a:t>
+            </a:r>
+            <a:r>
+              <a:rPr lang="en-US" dirty="0" smtClean="0">
+                <a:latin typeface="Courier New" pitchFamily="49" charset="0"/>
+                <a:cs typeface="Courier New" pitchFamily="49" charset="0"/>
+              </a:rPr>
+              <a:t>link: </a:t>
+            </a:r>
+            <a:r>
+              <a:rPr lang="en-US" b="1" dirty="0" smtClean="0">
+                <a:solidFill>
+                  <a:srgbClr val="CC7832"/>
+                </a:solidFill>
+                <a:latin typeface="Courier New" pitchFamily="49" charset="0"/>
+                <a:cs typeface="Courier New" pitchFamily="49" charset="0"/>
+              </a:rPr>
+              <a:t>function</a:t>
+            </a:r>
+            <a:r>
+              <a:rPr lang="en-US" dirty="0" smtClean="0">
+                <a:latin typeface="Courier New" pitchFamily="49" charset="0"/>
+                <a:cs typeface="Courier New" pitchFamily="49" charset="0"/>
+              </a:rPr>
+              <a:t>(scope</a:t>
+            </a:r>
+            <a:r>
+              <a:rPr lang="en-US" dirty="0" smtClean="0">
+                <a:solidFill>
+                  <a:srgbClr val="CC7832"/>
+                </a:solidFill>
+                <a:latin typeface="Courier New" pitchFamily="49" charset="0"/>
+                <a:cs typeface="Courier New" pitchFamily="49" charset="0"/>
+              </a:rPr>
+              <a:t>, </a:t>
+            </a:r>
+            <a:r>
+              <a:rPr lang="en-US" dirty="0" smtClean="0">
+                <a:latin typeface="Courier New" pitchFamily="49" charset="0"/>
+                <a:cs typeface="Courier New" pitchFamily="49" charset="0"/>
+              </a:rPr>
+              <a:t>elm</a:t>
+            </a:r>
+            <a:r>
+              <a:rPr lang="en-US" dirty="0" smtClean="0">
+                <a:solidFill>
+                  <a:srgbClr val="CC7832"/>
+                </a:solidFill>
+                <a:latin typeface="Courier New" pitchFamily="49" charset="0"/>
+                <a:cs typeface="Courier New" pitchFamily="49" charset="0"/>
+              </a:rPr>
+              <a:t>, </a:t>
+            </a:r>
+            <a:r>
+              <a:rPr lang="en-US" dirty="0" err="1" smtClean="0">
+                <a:latin typeface="Courier New" pitchFamily="49" charset="0"/>
+                <a:cs typeface="Courier New" pitchFamily="49" charset="0"/>
+              </a:rPr>
+              <a:t>attrs</a:t>
+            </a:r>
+            <a:r>
+              <a:rPr lang="en-US" dirty="0" smtClean="0">
+                <a:solidFill>
+                  <a:srgbClr val="CC7832"/>
+                </a:solidFill>
+                <a:latin typeface="Courier New" pitchFamily="49" charset="0"/>
+                <a:cs typeface="Courier New" pitchFamily="49" charset="0"/>
+              </a:rPr>
+              <a:t>, </a:t>
+            </a:r>
+            <a:r>
+              <a:rPr lang="en-US" dirty="0" smtClean="0">
+                <a:latin typeface="Courier New" pitchFamily="49" charset="0"/>
+                <a:cs typeface="Courier New" pitchFamily="49" charset="0"/>
+              </a:rPr>
+              <a:t>ctrl) {</a:t>
+            </a:r>
+            <a:br>
+              <a:rPr lang="en-US" dirty="0" smtClean="0">
+                <a:latin typeface="Courier New" pitchFamily="49" charset="0"/>
+                <a:cs typeface="Courier New" pitchFamily="49" charset="0"/>
+              </a:rPr>
+            </a:br>
+            <a:r>
+              <a:rPr lang="en-US" dirty="0" smtClean="0">
+                <a:latin typeface="Courier New" pitchFamily="49" charset="0"/>
+                <a:cs typeface="Courier New" pitchFamily="49" charset="0"/>
+              </a:rPr>
+              <a:t>      </a:t>
+            </a:r>
+            <a:r>
+              <a:rPr lang="en-US" dirty="0" err="1" smtClean="0">
+                <a:latin typeface="Courier New" pitchFamily="49" charset="0"/>
+                <a:cs typeface="Courier New" pitchFamily="49" charset="0"/>
+              </a:rPr>
+              <a:t>ctrl.</a:t>
+            </a:r>
+            <a:r>
+              <a:rPr lang="en-US" dirty="0" err="1" smtClean="0">
+                <a:solidFill>
+                  <a:srgbClr val="9876AA"/>
+                </a:solidFill>
+                <a:latin typeface="Courier New" pitchFamily="49" charset="0"/>
+                <a:cs typeface="Courier New" pitchFamily="49" charset="0"/>
+              </a:rPr>
+              <a:t>$validators</a:t>
+            </a:r>
+            <a:r>
+              <a:rPr lang="en-US" dirty="0" smtClean="0">
+                <a:latin typeface="Courier New" pitchFamily="49" charset="0"/>
+                <a:cs typeface="Courier New" pitchFamily="49" charset="0"/>
+              </a:rPr>
+              <a:t>.</a:t>
+            </a:r>
+            <a:r>
+              <a:rPr lang="en-US" dirty="0" smtClean="0">
+                <a:solidFill>
+                  <a:srgbClr val="6A8759"/>
+                </a:solidFill>
+                <a:latin typeface="Courier New" pitchFamily="49" charset="0"/>
+                <a:cs typeface="Courier New" pitchFamily="49" charset="0"/>
+              </a:rPr>
+              <a:t> </a:t>
+            </a:r>
+            <a:r>
+              <a:rPr lang="en-US" dirty="0" err="1" smtClean="0">
+                <a:solidFill>
+                  <a:srgbClr val="6A8759"/>
+                </a:solidFill>
+                <a:latin typeface="Courier New" pitchFamily="49" charset="0"/>
+                <a:cs typeface="Courier New" pitchFamily="49" charset="0"/>
+              </a:rPr>
+              <a:t>customValidation</a:t>
+            </a:r>
+            <a:r>
+              <a:rPr lang="en-US" dirty="0" smtClean="0">
+                <a:solidFill>
+                  <a:srgbClr val="FFC66D"/>
+                </a:solidFill>
+                <a:latin typeface="Courier New" pitchFamily="49" charset="0"/>
+                <a:cs typeface="Courier New" pitchFamily="49" charset="0"/>
+              </a:rPr>
+              <a:t> </a:t>
+            </a:r>
+            <a:r>
+              <a:rPr lang="en-US" dirty="0" smtClean="0">
+                <a:latin typeface="Courier New" pitchFamily="49" charset="0"/>
+                <a:cs typeface="Courier New" pitchFamily="49" charset="0"/>
+              </a:rPr>
+              <a:t>=</a:t>
+            </a:r>
+          </a:p>
+          <a:p>
+            <a:r>
+              <a:rPr lang="en-US" b="1" dirty="0" smtClean="0">
+                <a:solidFill>
+                  <a:srgbClr val="CC7832"/>
+                </a:solidFill>
+                <a:latin typeface="Courier New" pitchFamily="49" charset="0"/>
+                <a:cs typeface="Courier New" pitchFamily="49" charset="0"/>
+              </a:rPr>
+              <a:t>      function</a:t>
+            </a:r>
+            <a:r>
+              <a:rPr lang="en-US" dirty="0" smtClean="0">
+                <a:latin typeface="Courier New" pitchFamily="49" charset="0"/>
+                <a:cs typeface="Courier New" pitchFamily="49" charset="0"/>
+              </a:rPr>
+              <a:t>(</a:t>
+            </a:r>
+            <a:r>
+              <a:rPr lang="en-US" dirty="0" err="1" smtClean="0">
+                <a:latin typeface="Courier New" pitchFamily="49" charset="0"/>
+                <a:cs typeface="Courier New" pitchFamily="49" charset="0"/>
+              </a:rPr>
+              <a:t>modelValue</a:t>
+            </a:r>
+            <a:r>
+              <a:rPr lang="en-US" dirty="0" smtClean="0">
+                <a:solidFill>
+                  <a:srgbClr val="CC7832"/>
+                </a:solidFill>
+                <a:latin typeface="Courier New" pitchFamily="49" charset="0"/>
+                <a:cs typeface="Courier New" pitchFamily="49" charset="0"/>
+              </a:rPr>
+              <a:t>, </a:t>
+            </a:r>
+            <a:r>
+              <a:rPr lang="en-US" dirty="0" err="1" smtClean="0">
+                <a:latin typeface="Courier New" pitchFamily="49" charset="0"/>
+                <a:cs typeface="Courier New" pitchFamily="49" charset="0"/>
+              </a:rPr>
+              <a:t>viewValue</a:t>
+            </a:r>
+            <a:r>
+              <a:rPr lang="en-US" dirty="0" smtClean="0">
+                <a:latin typeface="Courier New" pitchFamily="49" charset="0"/>
+                <a:cs typeface="Courier New" pitchFamily="49" charset="0"/>
+              </a:rPr>
+              <a:t>) {</a:t>
+            </a:r>
+            <a:br>
+              <a:rPr lang="en-US" dirty="0" smtClean="0">
+                <a:latin typeface="Courier New" pitchFamily="49" charset="0"/>
+                <a:cs typeface="Courier New" pitchFamily="49" charset="0"/>
+              </a:rPr>
+            </a:br>
+            <a:r>
+              <a:rPr lang="en-US" dirty="0" smtClean="0">
+                <a:latin typeface="Courier New" pitchFamily="49" charset="0"/>
+                <a:cs typeface="Courier New" pitchFamily="49" charset="0"/>
+              </a:rPr>
+              <a:t>        </a:t>
+            </a:r>
+            <a:r>
+              <a:rPr lang="en-US" b="1" dirty="0" smtClean="0">
+                <a:solidFill>
+                  <a:srgbClr val="CC7832"/>
+                </a:solidFill>
+                <a:latin typeface="Courier New" pitchFamily="49" charset="0"/>
+                <a:cs typeface="Courier New" pitchFamily="49" charset="0"/>
+              </a:rPr>
+              <a:t>return </a:t>
+            </a:r>
+            <a:r>
+              <a:rPr lang="en-US" dirty="0" smtClean="0">
+                <a:latin typeface="Courier New" pitchFamily="49" charset="0"/>
+                <a:cs typeface="Courier New" pitchFamily="49" charset="0"/>
+              </a:rPr>
+              <a:t>&lt;</a:t>
+            </a:r>
+            <a:r>
+              <a:rPr lang="en-US" dirty="0" err="1" smtClean="0">
+                <a:latin typeface="Courier New" pitchFamily="49" charset="0"/>
+                <a:cs typeface="Courier New" pitchFamily="49" charset="0"/>
+              </a:rPr>
+              <a:t>isValidValue</a:t>
+            </a:r>
+            <a:r>
+              <a:rPr lang="en-US" dirty="0" smtClean="0">
+                <a:latin typeface="Courier New" pitchFamily="49" charset="0"/>
+                <a:cs typeface="Courier New" pitchFamily="49" charset="0"/>
+              </a:rPr>
+              <a:t>(</a:t>
+            </a:r>
+            <a:r>
+              <a:rPr lang="en-US" dirty="0" err="1" smtClean="0">
+                <a:latin typeface="Courier New" pitchFamily="49" charset="0"/>
+                <a:cs typeface="Courier New" pitchFamily="49" charset="0"/>
+              </a:rPr>
+              <a:t>modelValue</a:t>
+            </a:r>
+            <a:r>
+              <a:rPr lang="en-US" dirty="0" smtClean="0">
+                <a:latin typeface="Courier New" pitchFamily="49" charset="0"/>
+                <a:cs typeface="Courier New" pitchFamily="49" charset="0"/>
+              </a:rPr>
+              <a:t>)&gt;</a:t>
+            </a:r>
+            <a:br>
+              <a:rPr lang="en-US" dirty="0" smtClean="0">
+                <a:latin typeface="Courier New" pitchFamily="49" charset="0"/>
+                <a:cs typeface="Courier New" pitchFamily="49" charset="0"/>
+              </a:rPr>
+            </a:br>
+            <a:r>
+              <a:rPr lang="en-US" dirty="0" smtClean="0">
+                <a:latin typeface="Courier New" pitchFamily="49" charset="0"/>
+                <a:cs typeface="Courier New" pitchFamily="49" charset="0"/>
+              </a:rPr>
+              <a:t>      }</a:t>
+            </a:r>
+            <a:r>
+              <a:rPr lang="en-US" dirty="0" smtClean="0">
+                <a:solidFill>
+                  <a:srgbClr val="CC7832"/>
+                </a:solidFill>
+                <a:latin typeface="Courier New" pitchFamily="49" charset="0"/>
+                <a:cs typeface="Courier New" pitchFamily="49" charset="0"/>
+              </a:rPr>
+              <a:t>;</a:t>
+            </a:r>
+            <a:br>
+              <a:rPr lang="en-US" dirty="0" smtClean="0">
+                <a:solidFill>
+                  <a:srgbClr val="CC7832"/>
+                </a:solidFill>
+                <a:latin typeface="Courier New" pitchFamily="49" charset="0"/>
+                <a:cs typeface="Courier New" pitchFamily="49" charset="0"/>
+              </a:rPr>
+            </a:br>
+            <a:r>
+              <a:rPr lang="en-US" dirty="0" smtClean="0">
+                <a:solidFill>
+                  <a:srgbClr val="CC7832"/>
+                </a:solidFill>
+                <a:latin typeface="Courier New" pitchFamily="49" charset="0"/>
+                <a:cs typeface="Courier New" pitchFamily="49" charset="0"/>
+              </a:rPr>
+              <a:t>    </a:t>
+            </a:r>
+            <a:r>
+              <a:rPr lang="en-US" dirty="0" smtClean="0">
+                <a:latin typeface="Courier New" pitchFamily="49" charset="0"/>
+                <a:cs typeface="Courier New" pitchFamily="49" charset="0"/>
+              </a:rPr>
+              <a:t>}</a:t>
+            </a:r>
+            <a:br>
+              <a:rPr lang="en-US" dirty="0" smtClean="0">
+                <a:latin typeface="Courier New" pitchFamily="49" charset="0"/>
+                <a:cs typeface="Courier New" pitchFamily="49" charset="0"/>
+              </a:rPr>
+            </a:br>
+            <a:r>
+              <a:rPr lang="en-US" dirty="0" smtClean="0">
+                <a:latin typeface="Courier New" pitchFamily="49" charset="0"/>
+                <a:cs typeface="Courier New" pitchFamily="49" charset="0"/>
+              </a:rPr>
+              <a:t>  }</a:t>
+            </a:r>
+            <a:r>
+              <a:rPr lang="en-US" dirty="0" smtClean="0">
+                <a:solidFill>
+                  <a:srgbClr val="CC7832"/>
+                </a:solidFill>
+                <a:latin typeface="Courier New" pitchFamily="49" charset="0"/>
+                <a:cs typeface="Courier New" pitchFamily="49" charset="0"/>
+              </a:rPr>
+              <a:t>;</a:t>
+            </a:r>
+            <a:br>
+              <a:rPr lang="en-US" dirty="0" smtClean="0">
+                <a:solidFill>
+                  <a:srgbClr val="CC7832"/>
+                </a:solidFill>
+                <a:latin typeface="Courier New" pitchFamily="49" charset="0"/>
+                <a:cs typeface="Courier New" pitchFamily="49" charset="0"/>
+              </a:rPr>
+            </a:br>
+            <a:r>
+              <a:rPr lang="en-US" dirty="0" smtClean="0">
+                <a:latin typeface="Courier New" pitchFamily="49" charset="0"/>
+                <a:cs typeface="Courier New" pitchFamily="49" charset="0"/>
+              </a:rPr>
+              <a:t>})</a:t>
+            </a:r>
+            <a:r>
+              <a:rPr lang="en-US" dirty="0" smtClean="0">
+                <a:solidFill>
+                  <a:srgbClr val="CC7832"/>
+                </a:solidFill>
+                <a:latin typeface="Courier New" pitchFamily="49" charset="0"/>
+                <a:cs typeface="Courier New" pitchFamily="49" charset="0"/>
+              </a:rPr>
+              <a:t>;</a:t>
+            </a:r>
+            <a:endParaRPr lang="en-US" dirty="0">
+              <a:latin typeface="Courier New" pitchFamily="49" charset="0"/>
+              <a:cs typeface="Courier New" pitchFamily="49" charset="0"/>
             </a:endParaRPr>
           </a:p>
         </p:txBody>
       </p:sp>
-      <p:pic>
-        <p:nvPicPr>
-          <p:cNvPr id="6" name="Picture 2" descr="C:\Users\ducphan\Desktop\original-logo.png"/>
-          <p:cNvPicPr>
-            <a:picLocks noChangeAspect="1" noChangeArrowheads="1"/>
-          </p:cNvPicPr>
-          <p:nvPr/>
-        </p:nvPicPr>
-        <p:blipFill>
-          <a:blip r:embed="rId2" cstate="print">
-            <a:extLst>
-              <a:ext uri="{28A0092B-C50C-407E-A947-70E740481C1C}">
-                <a14:useLocalDpi xmlns="" xmlns:a14="http://schemas.microsoft.com/office/drawing/2010/main" val="0"/>
-              </a:ext>
-            </a:extLst>
-          </a:blip>
-          <a:srcRect/>
-          <a:stretch>
-            <a:fillRect/>
-          </a:stretch>
-        </p:blipFill>
-        <p:spPr bwMode="auto">
-          <a:xfrm>
-            <a:off x="1828800" y="2313455"/>
-            <a:ext cx="831274" cy="567690"/>
-          </a:xfrm>
-          <a:prstGeom prst="rect">
-            <a:avLst/>
-          </a:prstGeom>
-          <a:noFill/>
-          <a:extLst>
-            <a:ext uri="{909E8E84-426E-40DD-AFC4-6F175D3DCCD1}">
-              <a14:hiddenFill xmlns="" xmlns:a14="http://schemas.microsoft.com/office/drawing/2010/main">
-                <a:solidFill>
-                  <a:srgbClr val="FFFFFF"/>
-                </a:solidFill>
-              </a14:hiddenFill>
-            </a:ext>
-          </a:extLst>
-        </p:spPr>
-      </p:pic>
     </p:spTree>
     <p:extLst>
       <p:ext uri="{BB962C8B-B14F-4D97-AF65-F5344CB8AC3E}">
-        <p14:creationId xmlns="" xmlns:p14="http://schemas.microsoft.com/office/powerpoint/2010/main" val="832102"/>
+        <p14:creationId xmlns:p14="http://schemas.microsoft.com/office/powerpoint/2010/main" xmlns="" val="2915730469"/>
       </p:ext>
     </p:extLst>
   </p:cSld>
   <p:clrMapOvr>
     <a:masterClrMapping/>
   </p:clrMapOvr>
-  <mc:AlternateContent xmlns:mc="http://schemas.openxmlformats.org/markup-compatibility/2006">
-    <mc:Choice xmlns="" xmlns:p14="http://schemas.microsoft.com/office/powerpoint/2010/main" Requires="p14">
-      <p:transition spd="med" p14:dur="700">
-        <p:fade/>
-      </p:transition>
-    </mc:Choice>
-    <mc:Fallback>
-      <p:transition spd="med">
-        <p:fade/>
-      </p:transition>
-    </mc:Fallback>
-  </mc:AlternateContent>
   <p:timing>
     <p:tnLst>
       <p:par>
@@ -5976,11 +7424,7 @@
           <a:p>
             <a:r>
               <a:rPr lang="en-US" dirty="0" smtClean="0"/>
-              <a:t>Angular </a:t>
-            </a:r>
-            <a:r>
-              <a:rPr lang="en-US" dirty="0" smtClean="0"/>
-              <a:t>Form</a:t>
+              <a:t>Angular Form Input</a:t>
             </a:r>
             <a:endParaRPr lang="en-US" dirty="0"/>
           </a:p>
@@ -6002,92 +7446,119 @@
           <a:lstStyle/>
           <a:p>
             <a:r>
+              <a:rPr lang="en-US" dirty="0" err="1" smtClean="0"/>
+              <a:t>ngModelController</a:t>
+            </a:r>
+            <a:r>
               <a:rPr lang="en-US" dirty="0" smtClean="0"/>
-              <a:t>If the name attribute is specified, the form controller is published onto the current scope under this name</a:t>
-            </a:r>
+              <a:t> will check validation for all input fields even though they are hidden field.</a:t>
+            </a:r>
+          </a:p>
+          <a:p>
             <a:r>
               <a:rPr lang="en-US" dirty="0" smtClean="0"/>
-              <a:t>.</a:t>
-            </a:r>
-          </a:p>
-          <a:p>
+              <a:t>Carefully with input[date] =&gt; valid date.</a:t>
+            </a:r>
+          </a:p>
+          <a:p>
+            <a:pPr lvl="1"/>
+            <a:r>
+              <a:rPr lang="en-US" dirty="0" err="1" smtClean="0"/>
+              <a:t>ngModel</a:t>
+            </a:r>
             <a:r>
               <a:rPr lang="en-US" dirty="0" smtClean="0"/>
-              <a:t>&lt;form name=“</a:t>
+              <a:t> </a:t>
+            </a:r>
+            <a:r>
+              <a:rPr lang="en-US" dirty="0" smtClean="0"/>
+              <a:t>= </a:t>
+            </a:r>
+            <a:r>
+              <a:rPr lang="en-US" dirty="0" smtClean="0"/>
+              <a:t>null &amp; input </a:t>
+            </a:r>
+            <a:r>
+              <a:rPr lang="en-US" dirty="0" smtClean="0"/>
+              <a:t>invalid </a:t>
+            </a:r>
+            <a:r>
+              <a:rPr lang="en-US" dirty="0" smtClean="0"/>
+              <a:t>date (02/30/2016) =&gt; </a:t>
             </a:r>
             <a:r>
               <a:rPr lang="en-US" dirty="0" err="1" smtClean="0"/>
-              <a:t>formA</a:t>
+              <a:t>ngModel</a:t>
             </a:r>
             <a:r>
               <a:rPr lang="en-US" dirty="0" smtClean="0"/>
-              <a:t>”&gt;&lt;/form&gt;</a:t>
-            </a:r>
-          </a:p>
-          <a:p>
+              <a:t> </a:t>
+            </a:r>
             <a:r>
               <a:rPr lang="en-US" dirty="0" smtClean="0"/>
-              <a:t>$</a:t>
+              <a:t>= null &amp; </a:t>
             </a:r>
             <a:r>
               <a:rPr lang="en-US" dirty="0" err="1" smtClean="0"/>
-              <a:t>scope.formA</a:t>
+              <a:t>input.$valid</a:t>
             </a:r>
             <a:r>
               <a:rPr lang="en-US" dirty="0" smtClean="0"/>
-              <a:t> =&gt; object contains $error, $valid …</a:t>
-            </a:r>
-          </a:p>
-          <a:p>
-            <a:endParaRPr lang="en-US" dirty="0" smtClean="0"/>
-          </a:p>
-          <a:p>
+              <a:t> = true.</a:t>
+            </a:r>
+          </a:p>
+          <a:p>
+            <a:pPr lvl="1"/>
+            <a:r>
+              <a:rPr lang="en-US" dirty="0" err="1" smtClean="0"/>
+              <a:t>ngModel</a:t>
+            </a:r>
             <a:r>
               <a:rPr lang="en-US" dirty="0" smtClean="0"/>
-              <a:t>&lt;form name=“”</a:t>
+              <a:t> </a:t>
+            </a:r>
+            <a:r>
+              <a:rPr lang="en-US" dirty="0" smtClean="0"/>
+              <a:t> != null  &amp; input </a:t>
+            </a:r>
+            <a:r>
+              <a:rPr lang="en-US" dirty="0" smtClean="0"/>
+              <a:t>invalid </a:t>
+            </a:r>
+            <a:r>
+              <a:rPr lang="en-US" dirty="0" smtClean="0"/>
+              <a:t>date</a:t>
+            </a:r>
+            <a:r>
+              <a:rPr lang="en-US" dirty="0" smtClean="0"/>
+              <a:t> </a:t>
+            </a:r>
+            <a:r>
+              <a:rPr lang="en-US" dirty="0" smtClean="0"/>
+              <a:t>=&gt; </a:t>
             </a:r>
             <a:r>
               <a:rPr lang="en-US" dirty="0" err="1" smtClean="0"/>
-              <a:t>formB</a:t>
+              <a:t>ngModel</a:t>
             </a:r>
             <a:r>
               <a:rPr lang="en-US" dirty="0" smtClean="0"/>
-              <a:t>” </a:t>
+              <a:t> </a:t>
+            </a:r>
+            <a:r>
+              <a:rPr lang="en-US" dirty="0" smtClean="0"/>
+              <a:t>= null &amp; </a:t>
             </a:r>
             <a:r>
               <a:rPr lang="en-US" dirty="0" err="1" smtClean="0"/>
-              <a:t>ng</a:t>
+              <a:t>input.$valid</a:t>
             </a:r>
             <a:r>
               <a:rPr lang="en-US" dirty="0" smtClean="0"/>
-              <a:t>-if=“</a:t>
-            </a:r>
-            <a:r>
-              <a:rPr lang="en-US" dirty="0" err="1" smtClean="0"/>
-              <a:t>isShowFormB</a:t>
-            </a:r>
-            <a:r>
-              <a:rPr lang="en-US" dirty="0" smtClean="0"/>
-              <a:t>”&gt;&lt;/form&gt;</a:t>
-            </a:r>
-          </a:p>
-          <a:p>
-            <a:r>
-              <a:rPr lang="en-US" dirty="0" smtClean="0"/>
-              <a:t>$</a:t>
-            </a:r>
-            <a:r>
-              <a:rPr lang="en-US" dirty="0" err="1" smtClean="0"/>
-              <a:t>scope.formB</a:t>
-            </a:r>
-            <a:r>
-              <a:rPr lang="en-US" dirty="0" smtClean="0"/>
-              <a:t> =&gt; </a:t>
-            </a:r>
-            <a:r>
-              <a:rPr lang="en-US" dirty="0" err="1" smtClean="0"/>
-              <a:t>undifined</a:t>
-            </a:r>
+              <a:t> = false.</a:t>
+            </a:r>
+          </a:p>
+          <a:p>
             <a:endParaRPr lang="en-US" dirty="0"/>
           </a:p>
         </p:txBody>
@@ -6095,7 +7566,7 @@
     </p:spTree>
     <p:extLst>
       <p:ext uri="{BB962C8B-B14F-4D97-AF65-F5344CB8AC3E}">
-        <p14:creationId xmlns="" xmlns:p14="http://schemas.microsoft.com/office/powerpoint/2010/main" val="2915730469"/>
+        <p14:creationId xmlns:p14="http://schemas.microsoft.com/office/powerpoint/2010/main" xmlns="" val="2915730469"/>
       </p:ext>
     </p:extLst>
   </p:cSld>
@@ -6113,401 +7584,6 @@
 </file>
 
 <file path=ppt/slides/slide13.xml><?xml version="1.0" encoding="utf-8"?>
-<p:sld xmlns:a="http://schemas.openxmlformats.org/drawingml/2006/main" xmlns:r="http://schemas.openxmlformats.org/officeDocument/2006/relationships" xmlns:p="http://schemas.openxmlformats.org/presentationml/2006/main">
-  <p:cSld>
-    <p:spTree>
-      <p:nvGrpSpPr>
-        <p:cNvPr id="1" name=""/>
-        <p:cNvGrpSpPr/>
-        <p:nvPr/>
-      </p:nvGrpSpPr>
-      <p:grpSpPr>
-        <a:xfrm>
-          <a:off x="0" y="0"/>
-          <a:ext cx="0" cy="0"/>
-          <a:chOff x="0" y="0"/>
-          <a:chExt cx="0" cy="0"/>
-        </a:xfrm>
-      </p:grpSpPr>
-      <p:sp>
-        <p:nvSpPr>
-          <p:cNvPr id="2" name="Title 1"/>
-          <p:cNvSpPr>
-            <a:spLocks noGrp="1"/>
-          </p:cNvSpPr>
-          <p:nvPr>
-            <p:ph type="title"/>
-          </p:nvPr>
-        </p:nvSpPr>
-        <p:spPr/>
-        <p:txBody>
-          <a:bodyPr>
-            <a:normAutofit fontScale="90000"/>
-          </a:bodyPr>
-          <a:lstStyle/>
-          <a:p>
-            <a:r>
-              <a:rPr lang="en-US" dirty="0" smtClean="0"/>
-              <a:t>Angular </a:t>
-            </a:r>
-            <a:r>
-              <a:rPr lang="en-US" dirty="0" smtClean="0"/>
-              <a:t>Form </a:t>
-            </a:r>
-            <a:r>
-              <a:rPr lang="en-US" dirty="0" smtClean="0"/>
-              <a:t>- Custom Validation</a:t>
-            </a:r>
-            <a:br>
-              <a:rPr lang="en-US" dirty="0" smtClean="0"/>
-            </a:br>
-            <a:endParaRPr lang="en-US" dirty="0"/>
-          </a:p>
-        </p:txBody>
-      </p:sp>
-      <p:sp>
-        <p:nvSpPr>
-          <p:cNvPr id="3" name="Content Placeholder 2"/>
-          <p:cNvSpPr>
-            <a:spLocks noGrp="1"/>
-          </p:cNvSpPr>
-          <p:nvPr>
-            <p:ph sz="quarter" idx="13"/>
-          </p:nvPr>
-        </p:nvSpPr>
-        <p:spPr/>
-        <p:txBody>
-          <a:bodyPr/>
-          <a:lstStyle/>
-          <a:p>
-            <a:r>
-              <a:rPr lang="en-US" dirty="0" smtClean="0"/>
-              <a:t>Angular provides basic implementation for most common HTML5 </a:t>
-            </a:r>
-            <a:r>
-              <a:rPr lang="en-US" dirty="0" smtClean="0">
-                <a:hlinkClick r:id="rId3"/>
-              </a:rPr>
-              <a:t>input</a:t>
-            </a:r>
-            <a:r>
-              <a:rPr lang="en-US" dirty="0" smtClean="0"/>
-              <a:t> </a:t>
-            </a:r>
-            <a:r>
-              <a:rPr lang="en-US" dirty="0" smtClean="0"/>
-              <a:t>types, </a:t>
-            </a:r>
-            <a:r>
-              <a:rPr lang="en-US" dirty="0" smtClean="0"/>
-              <a:t>as well as some directives for </a:t>
-            </a:r>
-            <a:r>
-              <a:rPr lang="en-US" dirty="0" smtClean="0"/>
-              <a:t>validation.</a:t>
-            </a:r>
-          </a:p>
-          <a:p>
-            <a:r>
-              <a:rPr lang="en-US" dirty="0" smtClean="0"/>
-              <a:t>Create custom directive and add validation functions to $</a:t>
-            </a:r>
-            <a:r>
-              <a:rPr lang="en-US" dirty="0" err="1" smtClean="0"/>
-              <a:t>validators</a:t>
-            </a:r>
-            <a:r>
-              <a:rPr lang="en-US" dirty="0" smtClean="0"/>
-              <a:t> object on the </a:t>
-            </a:r>
-            <a:r>
-              <a:rPr lang="en-US" dirty="0" err="1" smtClean="0"/>
-              <a:t>ngModelController</a:t>
-            </a:r>
-            <a:endParaRPr lang="en-US" dirty="0" smtClean="0"/>
-          </a:p>
-          <a:p>
-            <a:pPr lvl="1"/>
-            <a:r>
-              <a:rPr lang="en-US" dirty="0" smtClean="0"/>
-              <a:t>The directive must require </a:t>
-            </a:r>
-            <a:r>
-              <a:rPr lang="en-US" dirty="0" err="1" smtClean="0"/>
-              <a:t>ngModel</a:t>
-            </a:r>
-            <a:endParaRPr lang="en-US" dirty="0" smtClean="0"/>
-          </a:p>
-          <a:p>
-            <a:pPr lvl="1"/>
-            <a:r>
-              <a:rPr lang="en-US" dirty="0" smtClean="0"/>
-              <a:t>Each function in the $</a:t>
-            </a:r>
-            <a:r>
-              <a:rPr lang="en-US" dirty="0" err="1" smtClean="0"/>
-              <a:t>validators</a:t>
-            </a:r>
-            <a:r>
-              <a:rPr lang="en-US" dirty="0" smtClean="0"/>
-              <a:t> object receives the </a:t>
-            </a:r>
-            <a:r>
-              <a:rPr lang="en-US" dirty="0" err="1" smtClean="0"/>
-              <a:t>modelValue</a:t>
-            </a:r>
-            <a:r>
-              <a:rPr lang="en-US" dirty="0" smtClean="0"/>
-              <a:t> and the </a:t>
-            </a:r>
-            <a:r>
-              <a:rPr lang="en-US" dirty="0" err="1" smtClean="0"/>
-              <a:t>viewValue</a:t>
-            </a:r>
-            <a:r>
-              <a:rPr lang="en-US" dirty="0" smtClean="0"/>
-              <a:t> as </a:t>
-            </a:r>
-            <a:r>
-              <a:rPr lang="en-US" dirty="0" smtClean="0"/>
-              <a:t>parameters</a:t>
-            </a:r>
-          </a:p>
-          <a:p>
-            <a:pPr lvl="1"/>
-            <a:r>
-              <a:rPr lang="en-US" dirty="0" smtClean="0"/>
-              <a:t> Validation </a:t>
-            </a:r>
-            <a:r>
-              <a:rPr lang="en-US" dirty="0" smtClean="0"/>
-              <a:t>happens </a:t>
-            </a:r>
-            <a:r>
-              <a:rPr lang="en-US" dirty="0" smtClean="0"/>
-              <a:t>after successfully </a:t>
-            </a:r>
-            <a:r>
-              <a:rPr lang="en-US" dirty="0" err="1" smtClean="0"/>
-              <a:t>running$parsers</a:t>
-            </a:r>
-            <a:r>
-              <a:rPr lang="en-US" dirty="0" smtClean="0"/>
-              <a:t> and $</a:t>
-            </a:r>
-            <a:r>
-              <a:rPr lang="en-US" dirty="0" smtClean="0"/>
-              <a:t>formatters</a:t>
-            </a:r>
-          </a:p>
-          <a:p>
-            <a:pPr lvl="1"/>
-            <a:r>
-              <a:rPr lang="en-US" dirty="0" smtClean="0"/>
-              <a:t>Failed </a:t>
-            </a:r>
-            <a:r>
-              <a:rPr lang="en-US" dirty="0" err="1" smtClean="0"/>
-              <a:t>validators</a:t>
-            </a:r>
-            <a:r>
-              <a:rPr lang="en-US" dirty="0" smtClean="0"/>
-              <a:t> are stored by key in </a:t>
-            </a:r>
-            <a:r>
-              <a:rPr lang="en-US" dirty="0" err="1" smtClean="0">
-                <a:hlinkClick r:id="rId4"/>
-              </a:rPr>
-              <a:t>ngModelController.$error</a:t>
-            </a:r>
-            <a:endParaRPr lang="en-US" dirty="0"/>
-          </a:p>
-        </p:txBody>
-      </p:sp>
-    </p:spTree>
-    <p:extLst>
-      <p:ext uri="{BB962C8B-B14F-4D97-AF65-F5344CB8AC3E}">
-        <p14:creationId xmlns="" xmlns:p14="http://schemas.microsoft.com/office/powerpoint/2010/main" val="2915730469"/>
-      </p:ext>
-    </p:extLst>
-  </p:cSld>
-  <p:clrMapOvr>
-    <a:masterClrMapping/>
-  </p:clrMapOvr>
-  <p:timing>
-    <p:tnLst>
-      <p:par>
-        <p:cTn id="1" dur="indefinite" restart="never" nodeType="tmRoot"/>
-      </p:par>
-    </p:tnLst>
-  </p:timing>
-</p:sld>
-</file>
-
-<file path=ppt/slides/slide14.xml><?xml version="1.0" encoding="utf-8"?>
-<p:sld xmlns:a="http://schemas.openxmlformats.org/drawingml/2006/main" xmlns:r="http://schemas.openxmlformats.org/officeDocument/2006/relationships" xmlns:p="http://schemas.openxmlformats.org/presentationml/2006/main">
-  <p:cSld>
-    <p:spTree>
-      <p:nvGrpSpPr>
-        <p:cNvPr id="1" name=""/>
-        <p:cNvGrpSpPr/>
-        <p:nvPr/>
-      </p:nvGrpSpPr>
-      <p:grpSpPr>
-        <a:xfrm>
-          <a:off x="0" y="0"/>
-          <a:ext cx="0" cy="0"/>
-          <a:chOff x="0" y="0"/>
-          <a:chExt cx="0" cy="0"/>
-        </a:xfrm>
-      </p:grpSpPr>
-      <p:sp>
-        <p:nvSpPr>
-          <p:cNvPr id="2" name="Title 1"/>
-          <p:cNvSpPr>
-            <a:spLocks noGrp="1"/>
-          </p:cNvSpPr>
-          <p:nvPr>
-            <p:ph type="title"/>
-          </p:nvPr>
-        </p:nvSpPr>
-        <p:spPr/>
-        <p:txBody>
-          <a:bodyPr>
-            <a:normAutofit fontScale="90000"/>
-          </a:bodyPr>
-          <a:lstStyle/>
-          <a:p>
-            <a:r>
-              <a:rPr lang="en-US" dirty="0" smtClean="0"/>
-              <a:t>Angular </a:t>
-            </a:r>
-            <a:r>
-              <a:rPr lang="en-US" dirty="0" smtClean="0"/>
-              <a:t>Form Input</a:t>
-            </a:r>
-            <a:endParaRPr lang="en-US" dirty="0"/>
-          </a:p>
-        </p:txBody>
-      </p:sp>
-      <p:sp>
-        <p:nvSpPr>
-          <p:cNvPr id="3" name="Content Placeholder 2"/>
-          <p:cNvSpPr>
-            <a:spLocks noGrp="1"/>
-          </p:cNvSpPr>
-          <p:nvPr>
-            <p:ph sz="quarter" idx="13"/>
-          </p:nvPr>
-        </p:nvSpPr>
-        <p:spPr/>
-        <p:txBody>
-          <a:bodyPr/>
-          <a:lstStyle/>
-          <a:p>
-            <a:r>
-              <a:rPr lang="en-US" dirty="0" err="1" smtClean="0"/>
-              <a:t>ngModelController</a:t>
-            </a:r>
-            <a:r>
-              <a:rPr lang="en-US" dirty="0" smtClean="0"/>
-              <a:t> will check validation for all input fields even though </a:t>
-            </a:r>
-            <a:r>
-              <a:rPr lang="en-US" dirty="0" smtClean="0"/>
-              <a:t>they are hidden field.</a:t>
-            </a:r>
-          </a:p>
-          <a:p>
-            <a:r>
-              <a:rPr lang="en-US" dirty="0" smtClean="0"/>
-              <a:t>Carefully with input[date] =&gt; valid date.</a:t>
-            </a:r>
-          </a:p>
-          <a:p>
-            <a:pPr lvl="1"/>
-            <a:r>
-              <a:rPr lang="en-US" dirty="0" smtClean="0"/>
-              <a:t>Initialize: </a:t>
-            </a:r>
-            <a:r>
-              <a:rPr lang="en-US" dirty="0" err="1" smtClean="0"/>
-              <a:t>ngModel</a:t>
-            </a:r>
-            <a:r>
-              <a:rPr lang="en-US" dirty="0" smtClean="0"/>
-              <a:t> = null; =&gt; input invalid date: 02/30/2016. </a:t>
-            </a:r>
-            <a:r>
-              <a:rPr lang="en-US" dirty="0" err="1" smtClean="0"/>
-              <a:t>ngModel</a:t>
-            </a:r>
-            <a:r>
-              <a:rPr lang="en-US" dirty="0" smtClean="0"/>
-              <a:t> = null &amp; </a:t>
-            </a:r>
-            <a:r>
-              <a:rPr lang="en-US" dirty="0" err="1" smtClean="0"/>
-              <a:t>input.$valid</a:t>
-            </a:r>
-            <a:r>
-              <a:rPr lang="en-US" dirty="0" smtClean="0"/>
-              <a:t> = true.</a:t>
-            </a:r>
-          </a:p>
-          <a:p>
-            <a:pPr lvl="1"/>
-            <a:r>
-              <a:rPr lang="en-US" dirty="0" err="1" smtClean="0"/>
-              <a:t>ngModel</a:t>
-            </a:r>
-            <a:r>
-              <a:rPr lang="en-US" dirty="0" smtClean="0"/>
-              <a:t> existed value =&gt; input invalid date.  </a:t>
-            </a:r>
-            <a:r>
-              <a:rPr lang="en-US" dirty="0" err="1" smtClean="0"/>
-              <a:t>ngModel</a:t>
-            </a:r>
-            <a:r>
-              <a:rPr lang="en-US" dirty="0" smtClean="0"/>
-              <a:t> = null &amp; </a:t>
-            </a:r>
-            <a:r>
-              <a:rPr lang="en-US" dirty="0" err="1" smtClean="0"/>
-              <a:t>input.$valid</a:t>
-            </a:r>
-            <a:r>
-              <a:rPr lang="en-US" dirty="0" smtClean="0"/>
-              <a:t> = false.</a:t>
-            </a:r>
-          </a:p>
-          <a:p>
-            <a:endParaRPr lang="en-US" dirty="0"/>
-          </a:p>
-        </p:txBody>
-      </p:sp>
-    </p:spTree>
-    <p:extLst>
-      <p:ext uri="{BB962C8B-B14F-4D97-AF65-F5344CB8AC3E}">
-        <p14:creationId xmlns="" xmlns:p14="http://schemas.microsoft.com/office/powerpoint/2010/main" val="2915730469"/>
-      </p:ext>
-    </p:extLst>
-  </p:cSld>
-  <p:clrMapOvr>
-    <a:masterClrMapping/>
-  </p:clrMapOvr>
-  <p:timing>
-    <p:tnLst>
-      <p:par>
-        <p:cTn id="1" dur="indefinite" restart="never" nodeType="tmRoot"/>
-      </p:par>
-    </p:tnLst>
-  </p:timing>
-</p:sld>
-</file>
-
-<file path=ppt/slides/slide15.xml><?xml version="1.0" encoding="utf-8"?>
 <p:sld xmlns:a="http://schemas.openxmlformats.org/drawingml/2006/main" xmlns:r="http://schemas.openxmlformats.org/officeDocument/2006/relationships" xmlns:p="http://schemas.openxmlformats.org/presentationml/2006/main">
   <p:cSld>
     <p:spTree>
@@ -6621,7 +7697,7 @@
           <a:blip r:embed="rId2" cstate="print">
             <a:extLst>
               <a:ext uri="{28A0092B-C50C-407E-A947-70E740481C1C}">
-                <a14:useLocalDpi xmlns="" xmlns:a14="http://schemas.microsoft.com/office/drawing/2010/main" val="0"/>
+                <a14:useLocalDpi xmlns:a14="http://schemas.microsoft.com/office/drawing/2010/main" xmlns="" val="0"/>
               </a:ext>
             </a:extLst>
           </a:blip>
@@ -6641,7 +7717,7 @@
           <a:noFill/>
           <a:extLst>
             <a:ext uri="{909E8E84-426E-40DD-AFC4-6F175D3DCCD1}">
-              <a14:hiddenFill xmlns="" xmlns:a14="http://schemas.microsoft.com/office/drawing/2010/main">
+              <a14:hiddenFill xmlns:a14="http://schemas.microsoft.com/office/drawing/2010/main" xmlns="">
                 <a:solidFill>
                   <a:srgbClr val="FFFFFF"/>
                 </a:solidFill>
@@ -6653,7 +7729,7 @@
     </p:spTree>
     <p:extLst>
       <p:ext uri="{BB962C8B-B14F-4D97-AF65-F5344CB8AC3E}">
-        <p14:creationId xmlns="" xmlns:p14="http://schemas.microsoft.com/office/powerpoint/2010/main" val="832102"/>
+        <p14:creationId xmlns:p14="http://schemas.microsoft.com/office/powerpoint/2010/main" xmlns="" val="832102"/>
       </p:ext>
     </p:extLst>
   </p:cSld>
@@ -6661,7 +7737,7 @@
     <a:masterClrMapping/>
   </p:clrMapOvr>
   <mc:AlternateContent xmlns:mc="http://schemas.openxmlformats.org/markup-compatibility/2006">
-    <mc:Choice xmlns="" xmlns:p14="http://schemas.microsoft.com/office/powerpoint/2010/main" Requires="p14">
+    <mc:Choice xmlns:p14="http://schemas.microsoft.com/office/powerpoint/2010/main" xmlns="" Requires="p14">
       <p:transition spd="med" p14:dur="700">
         <p:fade/>
       </p:transition>
@@ -6682,7 +7758,7 @@
 </p:sld>
 </file>
 
-<file path=ppt/slides/slide16.xml><?xml version="1.0" encoding="utf-8"?>
+<file path=ppt/slides/slide14.xml><?xml version="1.0" encoding="utf-8"?>
 <p:sld xmlns:a="http://schemas.openxmlformats.org/drawingml/2006/main" xmlns:r="http://schemas.openxmlformats.org/officeDocument/2006/relationships" xmlns:p="http://schemas.openxmlformats.org/presentationml/2006/main">
   <p:cSld>
     <p:spTree>
@@ -6787,13 +7863,395 @@
     </p:spTree>
     <p:extLst>
       <p:ext uri="{BB962C8B-B14F-4D97-AF65-F5344CB8AC3E}">
-        <p14:creationId xmlns="" xmlns:p14="http://schemas.microsoft.com/office/powerpoint/2010/main" val="2915730469"/>
+        <p14:creationId xmlns:p14="http://schemas.microsoft.com/office/powerpoint/2010/main" xmlns="" val="2915730469"/>
       </p:ext>
     </p:extLst>
   </p:cSld>
   <p:clrMapOvr>
     <a:masterClrMapping/>
   </p:clrMapOvr>
+  <p:timing>
+    <p:tnLst>
+      <p:par>
+        <p:cTn id="1" dur="indefinite" restart="never" nodeType="tmRoot"/>
+      </p:par>
+    </p:tnLst>
+  </p:timing>
+</p:sld>
+</file>
+
+<file path=ppt/slides/slide15.xml><?xml version="1.0" encoding="utf-8"?>
+<p:sld xmlns:a="http://schemas.openxmlformats.org/drawingml/2006/main" xmlns:r="http://schemas.openxmlformats.org/officeDocument/2006/relationships" xmlns:p="http://schemas.openxmlformats.org/presentationml/2006/main">
+  <p:cSld>
+    <p:spTree>
+      <p:nvGrpSpPr>
+        <p:cNvPr id="1" name=""/>
+        <p:cNvGrpSpPr/>
+        <p:nvPr/>
+      </p:nvGrpSpPr>
+      <p:grpSpPr>
+        <a:xfrm>
+          <a:off x="0" y="0"/>
+          <a:ext cx="0" cy="0"/>
+          <a:chOff x="0" y="0"/>
+          <a:chExt cx="0" cy="0"/>
+        </a:xfrm>
+      </p:grpSpPr>
+      <p:sp>
+        <p:nvSpPr>
+          <p:cNvPr id="2" name="Title 1"/>
+          <p:cNvSpPr>
+            <a:spLocks noGrp="1"/>
+          </p:cNvSpPr>
+          <p:nvPr>
+            <p:ph type="title"/>
+          </p:nvPr>
+        </p:nvSpPr>
+        <p:spPr/>
+        <p:txBody>
+          <a:bodyPr>
+            <a:normAutofit fontScale="90000"/>
+          </a:bodyPr>
+          <a:lstStyle/>
+          <a:p>
+            <a:r>
+              <a:rPr lang="en-US" dirty="0" smtClean="0"/>
+              <a:t>Angular recursive dependency error</a:t>
+            </a:r>
+            <a:endParaRPr lang="en-US" dirty="0"/>
+          </a:p>
+        </p:txBody>
+      </p:sp>
+      <p:sp>
+        <p:nvSpPr>
+          <p:cNvPr id="3" name="Content Placeholder 2"/>
+          <p:cNvSpPr>
+            <a:spLocks noGrp="1"/>
+          </p:cNvSpPr>
+          <p:nvPr>
+            <p:ph sz="quarter" idx="13"/>
+          </p:nvPr>
+        </p:nvSpPr>
+        <p:spPr/>
+        <p:txBody>
+          <a:bodyPr/>
+          <a:lstStyle/>
+          <a:p>
+            <a:r>
+              <a:rPr lang="en-US" dirty="0" smtClean="0"/>
+              <a:t>Service A </a:t>
+            </a:r>
+            <a:r>
+              <a:rPr lang="en-US" dirty="0" smtClean="0"/>
+              <a:t>=&gt; inject Service B =&gt; inject </a:t>
+            </a:r>
+            <a:r>
+              <a:rPr lang="en-US" dirty="0" smtClean="0"/>
+              <a:t>Service C </a:t>
+            </a:r>
+            <a:r>
+              <a:rPr lang="en-US" dirty="0" smtClean="0"/>
+              <a:t>=&gt; inject Service A</a:t>
+            </a:r>
+          </a:p>
+          <a:p>
+            <a:r>
+              <a:rPr lang="en-US" dirty="0" smtClean="0"/>
+              <a:t>Using $injector to manual inject in each service’s function.</a:t>
+            </a:r>
+          </a:p>
+          <a:p>
+            <a:pPr lvl="1"/>
+            <a:r>
+              <a:rPr lang="en-US" dirty="0" err="1" smtClean="0"/>
+              <a:t>module.factory</a:t>
+            </a:r>
+            <a:r>
+              <a:rPr lang="en-US" dirty="0" smtClean="0"/>
+              <a:t>(“</a:t>
+            </a:r>
+            <a:r>
+              <a:rPr lang="en-US" dirty="0" err="1" smtClean="0"/>
+              <a:t>ServiceC</a:t>
+            </a:r>
+            <a:r>
+              <a:rPr lang="en-US" dirty="0" smtClean="0"/>
+              <a:t>”, [“$injector”, function ($injector) {</a:t>
+            </a:r>
+          </a:p>
+          <a:p>
+            <a:pPr lvl="2">
+              <a:buNone/>
+            </a:pPr>
+            <a:r>
+              <a:rPr lang="en-US" dirty="0" smtClean="0"/>
+              <a:t>	function c() {</a:t>
+            </a:r>
+          </a:p>
+          <a:p>
+            <a:pPr lvl="2">
+              <a:buNone/>
+            </a:pPr>
+            <a:r>
+              <a:rPr lang="en-US" dirty="0" smtClean="0"/>
+              <a:t>		</a:t>
+            </a:r>
+            <a:r>
+              <a:rPr lang="en-US" dirty="0" err="1" smtClean="0"/>
+              <a:t>var</a:t>
+            </a:r>
+            <a:r>
+              <a:rPr lang="en-US" dirty="0" smtClean="0"/>
+              <a:t> </a:t>
+            </a:r>
+            <a:r>
+              <a:rPr lang="en-US" dirty="0" err="1" smtClean="0"/>
+              <a:t>serviceA</a:t>
+            </a:r>
+            <a:r>
+              <a:rPr lang="en-US" dirty="0" smtClean="0"/>
+              <a:t> = $</a:t>
+            </a:r>
+            <a:r>
+              <a:rPr lang="en-US" dirty="0" err="1" smtClean="0"/>
+              <a:t>injector.get</a:t>
+            </a:r>
+            <a:r>
+              <a:rPr lang="en-US" dirty="0" smtClean="0"/>
+              <a:t>(“</a:t>
+            </a:r>
+            <a:r>
+              <a:rPr lang="en-US" dirty="0" err="1" smtClean="0"/>
+              <a:t>ServiceA</a:t>
+            </a:r>
+            <a:r>
+              <a:rPr lang="en-US" dirty="0" smtClean="0"/>
+              <a:t>”);</a:t>
+            </a:r>
+          </a:p>
+          <a:p>
+            <a:pPr lvl="2">
+              <a:buNone/>
+            </a:pPr>
+            <a:r>
+              <a:rPr lang="en-US" dirty="0" smtClean="0"/>
+              <a:t>		 </a:t>
+            </a:r>
+            <a:r>
+              <a:rPr lang="en-US" dirty="0" err="1" smtClean="0"/>
+              <a:t>serviceA.doSomething</a:t>
+            </a:r>
+            <a:r>
+              <a:rPr lang="en-US" dirty="0" smtClean="0"/>
+              <a:t>();</a:t>
+            </a:r>
+          </a:p>
+          <a:p>
+            <a:pPr lvl="2">
+              <a:buNone/>
+            </a:pPr>
+            <a:r>
+              <a:rPr lang="en-US" dirty="0" smtClean="0"/>
+              <a:t>	}</a:t>
+            </a:r>
+          </a:p>
+          <a:p>
+            <a:pPr lvl="2">
+              <a:buNone/>
+            </a:pPr>
+            <a:r>
+              <a:rPr lang="en-US" dirty="0" smtClean="0"/>
+              <a:t>}]);</a:t>
+            </a:r>
+            <a:endParaRPr lang="en-US" dirty="0"/>
+          </a:p>
+        </p:txBody>
+      </p:sp>
+    </p:spTree>
+    <p:extLst>
+      <p:ext uri="{BB962C8B-B14F-4D97-AF65-F5344CB8AC3E}">
+        <p14:creationId xmlns:p14="http://schemas.microsoft.com/office/powerpoint/2010/main" xmlns="" val="2915730469"/>
+      </p:ext>
+    </p:extLst>
+  </p:cSld>
+  <p:clrMapOvr>
+    <a:masterClrMapping/>
+  </p:clrMapOvr>
+  <p:timing>
+    <p:tnLst>
+      <p:par>
+        <p:cTn id="1" dur="indefinite" restart="never" nodeType="tmRoot"/>
+      </p:par>
+    </p:tnLst>
+  </p:timing>
+</p:sld>
+</file>
+
+<file path=ppt/slides/slide16.xml><?xml version="1.0" encoding="utf-8"?>
+<p:sld xmlns:a="http://schemas.openxmlformats.org/drawingml/2006/main" xmlns:r="http://schemas.openxmlformats.org/officeDocument/2006/relationships" xmlns:p="http://schemas.openxmlformats.org/presentationml/2006/main">
+  <p:cSld>
+    <p:spTree>
+      <p:nvGrpSpPr>
+        <p:cNvPr id="1" name=""/>
+        <p:cNvGrpSpPr/>
+        <p:nvPr/>
+      </p:nvGrpSpPr>
+      <p:grpSpPr>
+        <a:xfrm>
+          <a:off x="0" y="0"/>
+          <a:ext cx="0" cy="0"/>
+          <a:chOff x="0" y="0"/>
+          <a:chExt cx="0" cy="0"/>
+        </a:xfrm>
+      </p:grpSpPr>
+      <p:sp>
+        <p:nvSpPr>
+          <p:cNvPr id="4" name="Rectangle 3"/>
+          <p:cNvSpPr/>
+          <p:nvPr/>
+        </p:nvSpPr>
+        <p:spPr>
+          <a:xfrm>
+            <a:off x="1828800" y="2343150"/>
+            <a:ext cx="7315200" cy="533400"/>
+          </a:xfrm>
+          <a:prstGeom prst="rect">
+            <a:avLst/>
+          </a:prstGeom>
+          <a:solidFill>
+            <a:srgbClr val="E21A2D"/>
+          </a:solidFill>
+          <a:ln>
+            <a:noFill/>
+          </a:ln>
+        </p:spPr>
+        <p:style>
+          <a:lnRef idx="2">
+            <a:schemeClr val="accent1">
+              <a:shade val="50000"/>
+            </a:schemeClr>
+          </a:lnRef>
+          <a:fillRef idx="1">
+            <a:schemeClr val="accent1"/>
+          </a:fillRef>
+          <a:effectRef idx="0">
+            <a:schemeClr val="accent1"/>
+          </a:effectRef>
+          <a:fontRef idx="minor">
+            <a:schemeClr val="lt1"/>
+          </a:fontRef>
+        </p:style>
+        <p:txBody>
+          <a:bodyPr rtlCol="0" anchor="ctr"/>
+          <a:lstStyle/>
+          <a:p>
+            <a:pPr algn="ctr"/>
+            <a:endParaRPr lang="en-US"/>
+          </a:p>
+        </p:txBody>
+      </p:sp>
+      <p:sp>
+        <p:nvSpPr>
+          <p:cNvPr id="2" name="TextBox 1"/>
+          <p:cNvSpPr txBox="1"/>
+          <p:nvPr/>
+        </p:nvSpPr>
+        <p:spPr>
+          <a:xfrm>
+            <a:off x="1828800" y="2244864"/>
+            <a:ext cx="7315200" cy="707886"/>
+          </a:xfrm>
+          <a:prstGeom prst="rect">
+            <a:avLst/>
+          </a:prstGeom>
+          <a:noFill/>
+        </p:spPr>
+        <p:txBody>
+          <a:bodyPr wrap="square" rtlCol="0">
+            <a:spAutoFit/>
+          </a:bodyPr>
+          <a:lstStyle/>
+          <a:p>
+            <a:pPr algn="ctr"/>
+            <a:r>
+              <a:rPr lang="en-US" sz="4000" dirty="0" smtClean="0">
+                <a:solidFill>
+                  <a:schemeClr val="bg1"/>
+                </a:solidFill>
+              </a:rPr>
+              <a:t>VIEW RENDERING &amp; $TIMEOUT</a:t>
+            </a:r>
+            <a:endParaRPr lang="en-US" sz="4000" dirty="0">
+              <a:solidFill>
+                <a:schemeClr val="bg1"/>
+              </a:solidFill>
+            </a:endParaRPr>
+          </a:p>
+        </p:txBody>
+      </p:sp>
+      <p:pic>
+        <p:nvPicPr>
+          <p:cNvPr id="6" name="Picture 2" descr="C:\Users\ducphan\Desktop\original-logo.png"/>
+          <p:cNvPicPr>
+            <a:picLocks noChangeAspect="1" noChangeArrowheads="1"/>
+          </p:cNvPicPr>
+          <p:nvPr/>
+        </p:nvPicPr>
+        <p:blipFill>
+          <a:blip r:embed="rId2" cstate="print">
+            <a:extLst>
+              <a:ext uri="{28A0092B-C50C-407E-A947-70E740481C1C}">
+                <a14:useLocalDpi xmlns:a14="http://schemas.microsoft.com/office/drawing/2010/main" xmlns="" val="0"/>
+              </a:ext>
+            </a:extLst>
+          </a:blip>
+          <a:srcRect/>
+          <a:stretch>
+            <a:fillRect/>
+          </a:stretch>
+        </p:blipFill>
+        <p:spPr bwMode="auto">
+          <a:xfrm>
+            <a:off x="762000" y="2343150"/>
+            <a:ext cx="831274" cy="567690"/>
+          </a:xfrm>
+          <a:prstGeom prst="rect">
+            <a:avLst/>
+          </a:prstGeom>
+          <a:noFill/>
+          <a:extLst>
+            <a:ext uri="{909E8E84-426E-40DD-AFC4-6F175D3DCCD1}">
+              <a14:hiddenFill xmlns:a14="http://schemas.microsoft.com/office/drawing/2010/main" xmlns="">
+                <a:solidFill>
+                  <a:srgbClr val="FFFFFF"/>
+                </a:solidFill>
+              </a14:hiddenFill>
+            </a:ext>
+          </a:extLst>
+        </p:spPr>
+      </p:pic>
+    </p:spTree>
+    <p:extLst>
+      <p:ext uri="{BB962C8B-B14F-4D97-AF65-F5344CB8AC3E}">
+        <p14:creationId xmlns:p14="http://schemas.microsoft.com/office/powerpoint/2010/main" xmlns="" val="832102"/>
+      </p:ext>
+    </p:extLst>
+  </p:cSld>
+  <p:clrMapOvr>
+    <a:masterClrMapping/>
+  </p:clrMapOvr>
+  <mc:AlternateContent xmlns:mc="http://schemas.openxmlformats.org/markup-compatibility/2006">
+    <mc:Choice xmlns:p14="http://schemas.microsoft.com/office/powerpoint/2010/main" xmlns="" Requires="p14">
+      <p:transition spd="med" p14:dur="700">
+        <p:fade/>
+      </p:transition>
+    </mc:Choice>
+    <mc:Fallback>
+      <p:transition spd="med">
+        <p:fade/>
+      </p:transition>
+    </mc:Fallback>
+  </mc:AlternateContent>
   <p:timing>
     <p:tnLst>
       <p:par>
@@ -6840,213 +8298,43 @@
           <a:p>
             <a:r>
               <a:rPr lang="en-US" dirty="0" smtClean="0"/>
-              <a:t>Angular </a:t>
-            </a:r>
-            <a:r>
-              <a:rPr lang="en-US" dirty="0" smtClean="0"/>
-              <a:t>recursive dependency error</a:t>
+              <a:t>Angular view rendering with </a:t>
+            </a:r>
+            <a:r>
+              <a:rPr lang="en-US" dirty="0" err="1" smtClean="0"/>
+              <a:t>ngView</a:t>
             </a:r>
             <a:endParaRPr lang="en-US" dirty="0"/>
           </a:p>
         </p:txBody>
       </p:sp>
-      <p:sp>
-        <p:nvSpPr>
-          <p:cNvPr id="3" name="Content Placeholder 2"/>
-          <p:cNvSpPr>
-            <a:spLocks noGrp="1"/>
-          </p:cNvSpPr>
+      <p:pic>
+        <p:nvPicPr>
+          <p:cNvPr id="4" name="Content Placeholder 3" descr="tutorial_09.png"/>
+          <p:cNvPicPr>
+            <a:picLocks noGrp="1" noChangeAspect="1"/>
+          </p:cNvPicPr>
           <p:nvPr>
             <p:ph sz="quarter" idx="13"/>
           </p:nvPr>
-        </p:nvSpPr>
-        <p:spPr/>
-        <p:txBody>
-          <a:bodyPr/>
-          <a:lstStyle/>
-          <a:p>
-            <a:r>
-              <a:rPr lang="en-US" dirty="0" err="1" smtClean="0"/>
-              <a:t>ServiceA</a:t>
-            </a:r>
-            <a:r>
-              <a:rPr lang="en-US" dirty="0" smtClean="0"/>
-              <a:t> =&gt; inject Service B =&gt; inject </a:t>
-            </a:r>
-            <a:r>
-              <a:rPr lang="en-US" dirty="0" err="1" smtClean="0"/>
-              <a:t>ServiceC</a:t>
-            </a:r>
-            <a:r>
-              <a:rPr lang="en-US" dirty="0" smtClean="0"/>
-              <a:t> =&gt; inject Service A</a:t>
-            </a:r>
-          </a:p>
-          <a:p>
-            <a:r>
-              <a:rPr lang="en-US" dirty="0" smtClean="0"/>
-              <a:t>Using </a:t>
-            </a:r>
-            <a:r>
-              <a:rPr lang="en-US" dirty="0" smtClean="0"/>
-              <a:t>$</a:t>
-            </a:r>
-            <a:r>
-              <a:rPr lang="en-US" dirty="0" smtClean="0"/>
-              <a:t>injector to manual inject in each service’s function.</a:t>
-            </a:r>
-          </a:p>
-          <a:p>
-            <a:pPr lvl="1"/>
-            <a:r>
-              <a:rPr lang="en-US" dirty="0" err="1" smtClean="0"/>
-              <a:t>m</a:t>
-            </a:r>
-            <a:r>
-              <a:rPr lang="en-US" dirty="0" err="1" smtClean="0"/>
-              <a:t>odule.factory</a:t>
-            </a:r>
-            <a:r>
-              <a:rPr lang="en-US" dirty="0" smtClean="0"/>
-              <a:t>(“</a:t>
-            </a:r>
-            <a:r>
-              <a:rPr lang="en-US" dirty="0" err="1" smtClean="0"/>
-              <a:t>S</a:t>
-            </a:r>
-            <a:r>
-              <a:rPr lang="en-US" dirty="0" err="1" smtClean="0"/>
-              <a:t>erviceC</a:t>
-            </a:r>
-            <a:r>
-              <a:rPr lang="en-US" dirty="0" smtClean="0"/>
-              <a:t>”, [“$injector”, function (</a:t>
-            </a:r>
-            <a:r>
-              <a:rPr lang="en-US" dirty="0" smtClean="0"/>
-              <a:t>$injector</a:t>
-            </a:r>
-            <a:r>
-              <a:rPr lang="en-US" dirty="0" smtClean="0"/>
-              <a:t>) {</a:t>
-            </a:r>
-          </a:p>
-          <a:p>
-            <a:pPr lvl="2">
-              <a:buNone/>
-            </a:pPr>
-            <a:r>
-              <a:rPr lang="en-US" dirty="0" smtClean="0"/>
-              <a:t>	</a:t>
-            </a:r>
-            <a:r>
-              <a:rPr lang="en-US" dirty="0" smtClean="0"/>
-              <a:t>function c() {</a:t>
-            </a:r>
-          </a:p>
-          <a:p>
-            <a:pPr lvl="2">
-              <a:buNone/>
-            </a:pPr>
-            <a:r>
-              <a:rPr lang="en-US" dirty="0" smtClean="0"/>
-              <a:t>	</a:t>
-            </a:r>
-            <a:r>
-              <a:rPr lang="en-US" dirty="0" smtClean="0"/>
-              <a:t>	</a:t>
-            </a:r>
-            <a:r>
-              <a:rPr lang="en-US" dirty="0" err="1" smtClean="0"/>
-              <a:t>var</a:t>
-            </a:r>
-            <a:r>
-              <a:rPr lang="en-US" dirty="0" smtClean="0"/>
-              <a:t> </a:t>
-            </a:r>
-            <a:r>
-              <a:rPr lang="en-US" dirty="0" err="1" smtClean="0"/>
-              <a:t>serviceA</a:t>
-            </a:r>
-            <a:r>
-              <a:rPr lang="en-US" dirty="0" smtClean="0"/>
-              <a:t> = </a:t>
-            </a:r>
-            <a:r>
-              <a:rPr lang="en-US" dirty="0" smtClean="0"/>
-              <a:t>$</a:t>
-            </a:r>
-            <a:r>
-              <a:rPr lang="en-US" dirty="0" err="1" smtClean="0"/>
-              <a:t>injector.get</a:t>
-            </a:r>
-            <a:r>
-              <a:rPr lang="en-US" dirty="0" smtClean="0"/>
-              <a:t>(“</a:t>
-            </a:r>
-            <a:r>
-              <a:rPr lang="en-US" dirty="0" err="1" smtClean="0"/>
-              <a:t>ServiceA</a:t>
-            </a:r>
-            <a:r>
-              <a:rPr lang="en-US" dirty="0" smtClean="0"/>
-              <a:t>”);</a:t>
-            </a:r>
-          </a:p>
-          <a:p>
-            <a:pPr lvl="2">
-              <a:buNone/>
-            </a:pPr>
-            <a:r>
-              <a:rPr lang="en-US" dirty="0" smtClean="0"/>
-              <a:t>	</a:t>
-            </a:r>
-            <a:r>
-              <a:rPr lang="en-US" dirty="0" smtClean="0"/>
-              <a:t>	</a:t>
-            </a:r>
-            <a:r>
-              <a:rPr lang="en-US" dirty="0" smtClean="0"/>
-              <a:t> </a:t>
-            </a:r>
-            <a:r>
-              <a:rPr lang="en-US" dirty="0" err="1" smtClean="0"/>
-              <a:t>serviceA.doSomething</a:t>
-            </a:r>
-            <a:r>
-              <a:rPr lang="en-US" dirty="0" smtClean="0"/>
-              <a:t>();</a:t>
-            </a:r>
-          </a:p>
-          <a:p>
-            <a:pPr lvl="2">
-              <a:buNone/>
-            </a:pPr>
-            <a:r>
-              <a:rPr lang="en-US" dirty="0" smtClean="0"/>
-              <a:t>	</a:t>
-            </a:r>
-            <a:r>
-              <a:rPr lang="en-US" dirty="0" smtClean="0"/>
-              <a:t>}</a:t>
-            </a:r>
-          </a:p>
-          <a:p>
-            <a:pPr lvl="2">
-              <a:buNone/>
-            </a:pPr>
-            <a:r>
-              <a:rPr lang="en-US" dirty="0" smtClean="0"/>
-              <a:t>}]);</a:t>
-            </a:r>
-            <a:endParaRPr lang="en-US" dirty="0"/>
-          </a:p>
-        </p:txBody>
-      </p:sp>
+        </p:nvPicPr>
+        <p:blipFill>
+          <a:blip r:embed="rId3"/>
+          <a:stretch>
+            <a:fillRect/>
+          </a:stretch>
+        </p:blipFill>
+        <p:spPr>
+          <a:xfrm>
+            <a:off x="1279502" y="819150"/>
+            <a:ext cx="6584996" cy="3962400"/>
+          </a:xfrm>
+        </p:spPr>
+      </p:pic>
     </p:spTree>
     <p:extLst>
       <p:ext uri="{BB962C8B-B14F-4D97-AF65-F5344CB8AC3E}">
-        <p14:creationId xmlns="" xmlns:p14="http://schemas.microsoft.com/office/powerpoint/2010/main" val="2915730469"/>
+        <p14:creationId xmlns:p14="http://schemas.microsoft.com/office/powerpoint/2010/main" xmlns="" val="2915730469"/>
       </p:ext>
     </p:extLst>
   </p:cSld>
@@ -7082,152 +8370,120 @@
       </p:grpSpPr>
       <p:sp>
         <p:nvSpPr>
-          <p:cNvPr id="4" name="Rectangle 3"/>
-          <p:cNvSpPr/>
-          <p:nvPr/>
+          <p:cNvPr id="2" name="Title 1"/>
+          <p:cNvSpPr>
+            <a:spLocks noGrp="1"/>
+          </p:cNvSpPr>
+          <p:nvPr>
+            <p:ph type="title"/>
+          </p:nvPr>
         </p:nvSpPr>
         <p:spPr>
           <a:xfrm>
-            <a:off x="2895600" y="1962150"/>
-            <a:ext cx="6248400" cy="1247774"/>
+            <a:off x="152400" y="133350"/>
+            <a:ext cx="8763000" cy="450591"/>
           </a:xfrm>
-          <a:prstGeom prst="rect">
-            <a:avLst/>
-          </a:prstGeom>
-          <a:solidFill>
-            <a:srgbClr val="E21A2D"/>
-          </a:solidFill>
-          <a:ln>
-            <a:noFill/>
-          </a:ln>
         </p:spPr>
-        <p:style>
-          <a:lnRef idx="2">
-            <a:schemeClr val="accent1">
-              <a:shade val="50000"/>
-            </a:schemeClr>
-          </a:lnRef>
-          <a:fillRef idx="1">
-            <a:schemeClr val="accent1"/>
-          </a:fillRef>
-          <a:effectRef idx="0">
-            <a:schemeClr val="accent1"/>
-          </a:effectRef>
-          <a:fontRef idx="minor">
-            <a:schemeClr val="lt1"/>
-          </a:fontRef>
-        </p:style>
         <p:txBody>
-          <a:bodyPr rtlCol="0" anchor="ctr"/>
+          <a:bodyPr>
+            <a:normAutofit fontScale="90000"/>
+          </a:bodyPr>
           <a:lstStyle/>
           <a:p>
-            <a:pPr algn="ctr"/>
-            <a:endParaRPr lang="en-US"/>
+            <a:r>
+              <a:rPr lang="en-US" dirty="0" err="1" smtClean="0"/>
+              <a:t>ngView</a:t>
+            </a:r>
+            <a:r>
+              <a:rPr lang="en-US" dirty="0" smtClean="0"/>
+              <a:t> </a:t>
+            </a:r>
+            <a:r>
+              <a:rPr lang="en-US" dirty="0" smtClean="0"/>
+              <a:t>contains </a:t>
+            </a:r>
+            <a:r>
+              <a:rPr lang="en-US" dirty="0" smtClean="0"/>
+              <a:t>asynchronously loaded template</a:t>
+            </a:r>
+            <a:endParaRPr lang="en-US" dirty="0"/>
           </a:p>
         </p:txBody>
       </p:sp>
       <p:sp>
         <p:nvSpPr>
-          <p:cNvPr id="2" name="TextBox 1"/>
-          <p:cNvSpPr txBox="1"/>
-          <p:nvPr/>
+          <p:cNvPr id="5" name="Content Placeholder 4"/>
+          <p:cNvSpPr>
+            <a:spLocks noGrp="1"/>
+          </p:cNvSpPr>
+          <p:nvPr>
+            <p:ph sz="quarter" idx="13"/>
+          </p:nvPr>
         </p:nvSpPr>
-        <p:spPr>
-          <a:xfrm>
-            <a:off x="2895600" y="1934111"/>
-            <a:ext cx="6248400" cy="1323439"/>
-          </a:xfrm>
-          <a:prstGeom prst="rect">
-            <a:avLst/>
-          </a:prstGeom>
-          <a:noFill/>
-        </p:spPr>
+        <p:spPr/>
         <p:txBody>
-          <a:bodyPr wrap="square" rtlCol="0">
-            <a:spAutoFit/>
-          </a:bodyPr>
+          <a:bodyPr/>
           <a:lstStyle/>
           <a:p>
-            <a:pPr algn="ctr"/>
-            <a:r>
-              <a:rPr lang="en-US" sz="4000" dirty="0" smtClean="0">
-                <a:solidFill>
-                  <a:schemeClr val="bg1"/>
-                </a:solidFill>
-              </a:rPr>
-              <a:t>VIEW RENDERING &amp; $TIMEOUT</a:t>
-            </a:r>
-            <a:endParaRPr lang="en-US" sz="4000" dirty="0">
-              <a:solidFill>
-                <a:schemeClr val="bg1"/>
-              </a:solidFill>
-            </a:endParaRPr>
+            <a:r>
+              <a:rPr lang="en-US" dirty="0" smtClean="0"/>
+              <a:t>View </a:t>
+            </a:r>
+            <a:r>
+              <a:rPr lang="en-US" dirty="0" smtClean="0"/>
+              <a:t>contains </a:t>
+            </a:r>
+            <a:r>
+              <a:rPr lang="en-US" dirty="0" err="1" smtClean="0"/>
+              <a:t>ng</a:t>
+            </a:r>
+            <a:r>
+              <a:rPr lang="en-US" dirty="0" smtClean="0"/>
+              <a:t>-include or directives. How to check whether all child views are loaded?</a:t>
+            </a:r>
+          </a:p>
+          <a:p>
+            <a:pPr lvl="1"/>
+            <a:r>
+              <a:rPr lang="en-US" dirty="0" smtClean="0"/>
+              <a:t>Browser task include: </a:t>
+            </a:r>
+            <a:r>
+              <a:rPr lang="en-US" dirty="0" smtClean="0"/>
+              <a:t>JS execution </a:t>
+            </a:r>
+            <a:r>
+              <a:rPr lang="en-US" dirty="0" smtClean="0"/>
+              <a:t>and DOM rendering. $timeout(function () {…}) =&gt; push JS execution queue and will be run after DOM rendering.</a:t>
+            </a:r>
+          </a:p>
+          <a:p>
+            <a:pPr lvl="1"/>
+            <a:r>
+              <a:rPr lang="en-US" dirty="0" smtClean="0"/>
+              <a:t>All directives should expose API to check whether view is loaded.</a:t>
+            </a:r>
+          </a:p>
+          <a:p>
+            <a:pPr lvl="1"/>
+            <a:r>
+              <a:rPr lang="en-US" dirty="0" smtClean="0"/>
+              <a:t>Parent controller will create an object to check child’s view is loaded or not.</a:t>
+            </a:r>
+            <a:endParaRPr lang="en-US" dirty="0"/>
           </a:p>
         </p:txBody>
       </p:sp>
-      <p:pic>
-        <p:nvPicPr>
-          <p:cNvPr id="6" name="Picture 2" descr="C:\Users\ducphan\Desktop\original-logo.png"/>
-          <p:cNvPicPr>
-            <a:picLocks noChangeAspect="1" noChangeArrowheads="1"/>
-          </p:cNvPicPr>
-          <p:nvPr/>
-        </p:nvPicPr>
-        <p:blipFill>
-          <a:blip r:embed="rId2" cstate="print">
-            <a:extLst>
-              <a:ext uri="{28A0092B-C50C-407E-A947-70E740481C1C}">
-                <a14:useLocalDpi xmlns="" xmlns:a14="http://schemas.microsoft.com/office/drawing/2010/main" val="0"/>
-              </a:ext>
-            </a:extLst>
-          </a:blip>
-          <a:srcRect/>
-          <a:stretch>
-            <a:fillRect/>
-          </a:stretch>
-        </p:blipFill>
-        <p:spPr bwMode="auto">
-          <a:xfrm>
-            <a:off x="1828800" y="2313455"/>
-            <a:ext cx="831274" cy="567690"/>
-          </a:xfrm>
-          <a:prstGeom prst="rect">
-            <a:avLst/>
-          </a:prstGeom>
-          <a:noFill/>
-          <a:extLst>
-            <a:ext uri="{909E8E84-426E-40DD-AFC4-6F175D3DCCD1}">
-              <a14:hiddenFill xmlns="" xmlns:a14="http://schemas.microsoft.com/office/drawing/2010/main">
-                <a:solidFill>
-                  <a:srgbClr val="FFFFFF"/>
-                </a:solidFill>
-              </a14:hiddenFill>
-            </a:ext>
-          </a:extLst>
-        </p:spPr>
-      </p:pic>
     </p:spTree>
     <p:extLst>
       <p:ext uri="{BB962C8B-B14F-4D97-AF65-F5344CB8AC3E}">
-        <p14:creationId xmlns="" xmlns:p14="http://schemas.microsoft.com/office/powerpoint/2010/main" val="832102"/>
+        <p14:creationId xmlns:p14="http://schemas.microsoft.com/office/powerpoint/2010/main" xmlns="" val="2915730469"/>
       </p:ext>
     </p:extLst>
   </p:cSld>
   <p:clrMapOvr>
     <a:masterClrMapping/>
   </p:clrMapOvr>
-  <mc:AlternateContent xmlns:mc="http://schemas.openxmlformats.org/markup-compatibility/2006">
-    <mc:Choice xmlns="" xmlns:p14="http://schemas.microsoft.com/office/powerpoint/2010/main" Requires="p14">
-      <p:transition spd="med" p14:dur="700">
-        <p:fade/>
-      </p:transition>
-    </mc:Choice>
-    <mc:Fallback>
-      <p:transition spd="med">
-        <p:fade/>
-      </p:transition>
-    </mc:Fallback>
-  </mc:AlternateContent>
   <p:timing>
     <p:tnLst>
       <p:par>
@@ -7257,7 +8513,7 @@
       </p:grpSpPr>
       <p:sp>
         <p:nvSpPr>
-          <p:cNvPr id="2" name="Title 1"/>
+          <p:cNvPr id="3" name="Title 2"/>
           <p:cNvSpPr>
             <a:spLocks noGrp="1"/>
           </p:cNvSpPr>
@@ -7265,56 +8521,30 @@
             <p:ph type="title"/>
           </p:nvPr>
         </p:nvSpPr>
-        <p:spPr/>
+        <p:spPr>
+          <a:xfrm>
+            <a:off x="228600" y="1885950"/>
+            <a:ext cx="8686800" cy="1066800"/>
+          </a:xfrm>
+        </p:spPr>
         <p:txBody>
           <a:bodyPr>
-            <a:normAutofit fontScale="90000"/>
+            <a:noAutofit/>
           </a:bodyPr>
           <a:lstStyle/>
           <a:p>
             <a:r>
-              <a:rPr lang="en-US" dirty="0" smtClean="0"/>
-              <a:t>Angular view rendering </a:t>
-            </a:r>
-            <a:r>
-              <a:rPr lang="en-US" dirty="0" smtClean="0"/>
-              <a:t>with </a:t>
-            </a:r>
-            <a:r>
-              <a:rPr lang="en-US" dirty="0" err="1" smtClean="0"/>
-              <a:t>ngView</a:t>
-            </a:r>
-            <a:endParaRPr lang="en-US" dirty="0"/>
+              <a:rPr lang="en-US" sz="6000" dirty="0" smtClean="0"/>
+              <a:t>Q&amp;A</a:t>
+            </a:r>
+            <a:endParaRPr lang="en-US" sz="6000" dirty="0"/>
           </a:p>
         </p:txBody>
       </p:sp>
-      <p:pic>
-        <p:nvPicPr>
-          <p:cNvPr id="4" name="Content Placeholder 3" descr="tutorial_09.png"/>
-          <p:cNvPicPr>
-            <a:picLocks noGrp="1" noChangeAspect="1"/>
-          </p:cNvPicPr>
-          <p:nvPr>
-            <p:ph sz="quarter" idx="13"/>
-          </p:nvPr>
-        </p:nvPicPr>
-        <p:blipFill>
-          <a:blip r:embed="rId3"/>
-          <a:stretch>
-            <a:fillRect/>
-          </a:stretch>
-        </p:blipFill>
-        <p:spPr>
-          <a:xfrm>
-            <a:off x="1279502" y="819150"/>
-            <a:ext cx="6584996" cy="3962400"/>
-          </a:xfrm>
-        </p:spPr>
-      </p:pic>
     </p:spTree>
     <p:extLst>
       <p:ext uri="{BB962C8B-B14F-4D97-AF65-F5344CB8AC3E}">
-        <p14:creationId xmlns="" xmlns:p14="http://schemas.microsoft.com/office/powerpoint/2010/main" val="2915730469"/>
+        <p14:creationId xmlns:p14="http://schemas.microsoft.com/office/powerpoint/2010/main" xmlns="" val="350199179"/>
       </p:ext>
     </p:extLst>
   </p:cSld>
@@ -7423,25 +8653,7 @@
                 </a:solidFill>
                 <a:latin typeface="Calibri (Headings)"/>
               </a:rPr>
-              <a:t>Angular </a:t>
-            </a:r>
-            <a:r>
-              <a:rPr lang="en-US" sz="2000" dirty="0" smtClean="0">
-                <a:solidFill>
-                  <a:schemeClr val="bg1"/>
-                </a:solidFill>
-                <a:latin typeface="Calibri (Headings)"/>
-              </a:rPr>
-              <a:t>common issues</a:t>
-            </a:r>
-            <a:r>
-              <a:rPr lang="en-US" sz="2000" dirty="0" smtClean="0">
-                <a:solidFill>
-                  <a:schemeClr val="bg1"/>
-                </a:solidFill>
-                <a:latin typeface="Calibri (Headings)"/>
-              </a:rPr>
-              <a:t> </a:t>
+              <a:t>Angular common issues </a:t>
             </a:r>
             <a:endParaRPr lang="en-US" sz="2000" dirty="0">
               <a:solidFill>
@@ -7465,16 +8677,7 @@
                 </a:solidFill>
                 <a:latin typeface="Calibri (Headings)"/>
               </a:rPr>
-              <a:t>Form and </a:t>
-            </a:r>
-            <a:r>
-              <a:rPr lang="en-US" sz="2000" dirty="0" smtClean="0">
-                <a:solidFill>
-                  <a:schemeClr val="bg1"/>
-                </a:solidFill>
-                <a:latin typeface="Calibri (Headings)"/>
-              </a:rPr>
-              <a:t>input</a:t>
+              <a:t>Form and input</a:t>
             </a:r>
             <a:endParaRPr lang="en-US" sz="2000" dirty="0">
               <a:solidFill>
@@ -7575,7 +8778,7 @@
     </p:spTree>
     <p:extLst>
       <p:ext uri="{BB962C8B-B14F-4D97-AF65-F5344CB8AC3E}">
-        <p14:creationId xmlns="" xmlns:p14="http://schemas.microsoft.com/office/powerpoint/2010/main" val="2596203708"/>
+        <p14:creationId xmlns:p14="http://schemas.microsoft.com/office/powerpoint/2010/main" xmlns="" val="2596203708"/>
       </p:ext>
     </p:extLst>
   </p:cSld>
@@ -7593,216 +8796,6 @@
 </file>
 
 <file path=ppt/slides/slide20.xml><?xml version="1.0" encoding="utf-8"?>
-<p:sld xmlns:a="http://schemas.openxmlformats.org/drawingml/2006/main" xmlns:r="http://schemas.openxmlformats.org/officeDocument/2006/relationships" xmlns:p="http://schemas.openxmlformats.org/presentationml/2006/main">
-  <p:cSld>
-    <p:spTree>
-      <p:nvGrpSpPr>
-        <p:cNvPr id="1" name=""/>
-        <p:cNvGrpSpPr/>
-        <p:nvPr/>
-      </p:nvGrpSpPr>
-      <p:grpSpPr>
-        <a:xfrm>
-          <a:off x="0" y="0"/>
-          <a:ext cx="0" cy="0"/>
-          <a:chOff x="0" y="0"/>
-          <a:chExt cx="0" cy="0"/>
-        </a:xfrm>
-      </p:grpSpPr>
-      <p:sp>
-        <p:nvSpPr>
-          <p:cNvPr id="2" name="Title 1"/>
-          <p:cNvSpPr>
-            <a:spLocks noGrp="1"/>
-          </p:cNvSpPr>
-          <p:nvPr>
-            <p:ph type="title"/>
-          </p:nvPr>
-        </p:nvSpPr>
-        <p:spPr>
-          <a:xfrm>
-            <a:off x="152400" y="133350"/>
-            <a:ext cx="7848600" cy="450591"/>
-          </a:xfrm>
-        </p:spPr>
-        <p:txBody>
-          <a:bodyPr>
-            <a:normAutofit fontScale="90000"/>
-          </a:bodyPr>
-          <a:lstStyle/>
-          <a:p>
-            <a:r>
-              <a:rPr lang="en-US" dirty="0" err="1" smtClean="0"/>
-              <a:t>ngView</a:t>
-            </a:r>
-            <a:r>
-              <a:rPr lang="en-US" dirty="0" smtClean="0"/>
-              <a:t> contain asynchronously loaded template</a:t>
-            </a:r>
-            <a:endParaRPr lang="en-US" dirty="0"/>
-          </a:p>
-        </p:txBody>
-      </p:sp>
-      <p:sp>
-        <p:nvSpPr>
-          <p:cNvPr id="5" name="Content Placeholder 4"/>
-          <p:cNvSpPr>
-            <a:spLocks noGrp="1"/>
-          </p:cNvSpPr>
-          <p:nvPr>
-            <p:ph sz="quarter" idx="13"/>
-          </p:nvPr>
-        </p:nvSpPr>
-        <p:spPr/>
-        <p:txBody>
-          <a:bodyPr/>
-          <a:lstStyle/>
-          <a:p>
-            <a:r>
-              <a:rPr lang="en-US" dirty="0" smtClean="0"/>
-              <a:t>View contain </a:t>
-            </a:r>
-            <a:r>
-              <a:rPr lang="en-US" dirty="0" err="1" smtClean="0"/>
-              <a:t>ng</a:t>
-            </a:r>
-            <a:r>
-              <a:rPr lang="en-US" dirty="0" smtClean="0"/>
-              <a:t>-include or directives. How to check whether all child views are loaded?</a:t>
-            </a:r>
-          </a:p>
-          <a:p>
-            <a:pPr lvl="1"/>
-            <a:r>
-              <a:rPr lang="en-US" dirty="0" smtClean="0"/>
-              <a:t>Browser task include: </a:t>
-            </a:r>
-            <a:r>
-              <a:rPr lang="en-US" dirty="0" err="1" smtClean="0"/>
-              <a:t>javascript</a:t>
-            </a:r>
-            <a:r>
-              <a:rPr lang="en-US" dirty="0" smtClean="0"/>
-              <a:t> </a:t>
-            </a:r>
-            <a:r>
-              <a:rPr lang="en-US" dirty="0" smtClean="0"/>
-              <a:t>execution and </a:t>
-            </a:r>
-            <a:r>
-              <a:rPr lang="en-US" dirty="0" smtClean="0"/>
-              <a:t>DOM </a:t>
-            </a:r>
-            <a:r>
-              <a:rPr lang="en-US" dirty="0" smtClean="0"/>
-              <a:t>rendering. $timeout(function () {…}) =&gt; push JS execution queue and will be run after DOM rendering.</a:t>
-            </a:r>
-          </a:p>
-          <a:p>
-            <a:pPr lvl="1"/>
-            <a:r>
-              <a:rPr lang="en-US" dirty="0" smtClean="0"/>
-              <a:t>All directives should expose API to check whether view is loaded.</a:t>
-            </a:r>
-          </a:p>
-          <a:p>
-            <a:pPr lvl="1"/>
-            <a:r>
-              <a:rPr lang="en-US" dirty="0" smtClean="0"/>
-              <a:t>Parent controller will create an object to check child’s view is loaded or not.</a:t>
-            </a:r>
-            <a:endParaRPr lang="en-US" dirty="0"/>
-          </a:p>
-        </p:txBody>
-      </p:sp>
-    </p:spTree>
-    <p:extLst>
-      <p:ext uri="{BB962C8B-B14F-4D97-AF65-F5344CB8AC3E}">
-        <p14:creationId xmlns="" xmlns:p14="http://schemas.microsoft.com/office/powerpoint/2010/main" val="2915730469"/>
-      </p:ext>
-    </p:extLst>
-  </p:cSld>
-  <p:clrMapOvr>
-    <a:masterClrMapping/>
-  </p:clrMapOvr>
-  <p:timing>
-    <p:tnLst>
-      <p:par>
-        <p:cTn id="1" dur="indefinite" restart="never" nodeType="tmRoot"/>
-      </p:par>
-    </p:tnLst>
-  </p:timing>
-</p:sld>
-</file>
-
-<file path=ppt/slides/slide21.xml><?xml version="1.0" encoding="utf-8"?>
-<p:sld xmlns:a="http://schemas.openxmlformats.org/drawingml/2006/main" xmlns:r="http://schemas.openxmlformats.org/officeDocument/2006/relationships" xmlns:p="http://schemas.openxmlformats.org/presentationml/2006/main">
-  <p:cSld>
-    <p:spTree>
-      <p:nvGrpSpPr>
-        <p:cNvPr id="1" name=""/>
-        <p:cNvGrpSpPr/>
-        <p:nvPr/>
-      </p:nvGrpSpPr>
-      <p:grpSpPr>
-        <a:xfrm>
-          <a:off x="0" y="0"/>
-          <a:ext cx="0" cy="0"/>
-          <a:chOff x="0" y="0"/>
-          <a:chExt cx="0" cy="0"/>
-        </a:xfrm>
-      </p:grpSpPr>
-      <p:sp>
-        <p:nvSpPr>
-          <p:cNvPr id="3" name="Title 2"/>
-          <p:cNvSpPr>
-            <a:spLocks noGrp="1"/>
-          </p:cNvSpPr>
-          <p:nvPr>
-            <p:ph type="title"/>
-          </p:nvPr>
-        </p:nvSpPr>
-        <p:spPr>
-          <a:xfrm>
-            <a:off x="228600" y="1885950"/>
-            <a:ext cx="8686800" cy="1066800"/>
-          </a:xfrm>
-        </p:spPr>
-        <p:txBody>
-          <a:bodyPr>
-            <a:noAutofit/>
-          </a:bodyPr>
-          <a:lstStyle/>
-          <a:p>
-            <a:r>
-              <a:rPr lang="en-US" sz="6000" dirty="0" smtClean="0"/>
-              <a:t>Q&amp;A</a:t>
-            </a:r>
-            <a:endParaRPr lang="en-US" sz="6000" dirty="0"/>
-          </a:p>
-        </p:txBody>
-      </p:sp>
-    </p:spTree>
-    <p:extLst>
-      <p:ext uri="{BB962C8B-B14F-4D97-AF65-F5344CB8AC3E}">
-        <p14:creationId xmlns="" xmlns:p14="http://schemas.microsoft.com/office/powerpoint/2010/main" val="350199179"/>
-      </p:ext>
-    </p:extLst>
-  </p:cSld>
-  <p:clrMapOvr>
-    <a:masterClrMapping/>
-  </p:clrMapOvr>
-  <p:timing>
-    <p:tnLst>
-      <p:par>
-        <p:cTn id="1" dur="indefinite" restart="never" nodeType="tmRoot"/>
-      </p:par>
-    </p:tnLst>
-  </p:timing>
-</p:sld>
-</file>
-
-<file path=ppt/slides/slide22.xml><?xml version="1.0" encoding="utf-8"?>
 <p:sld xmlns:a="http://schemas.openxmlformats.org/drawingml/2006/main" xmlns:r="http://schemas.openxmlformats.org/officeDocument/2006/relationships" xmlns:p="http://schemas.openxmlformats.org/presentationml/2006/main">
   <p:cSld>
     <p:spTree>
@@ -7852,7 +8845,7 @@
     </p:spTree>
     <p:extLst>
       <p:ext uri="{BB962C8B-B14F-4D97-AF65-F5344CB8AC3E}">
-        <p14:creationId xmlns="" xmlns:p14="http://schemas.microsoft.com/office/powerpoint/2010/main" val="3731537563"/>
+        <p14:creationId xmlns:p14="http://schemas.microsoft.com/office/powerpoint/2010/main" xmlns="" val="3731537563"/>
       </p:ext>
     </p:extLst>
   </p:cSld>
@@ -7983,7 +8976,7 @@
           <a:blip r:embed="rId2" cstate="print">
             <a:extLst>
               <a:ext uri="{28A0092B-C50C-407E-A947-70E740481C1C}">
-                <a14:useLocalDpi xmlns="" xmlns:a14="http://schemas.microsoft.com/office/drawing/2010/main" val="0"/>
+                <a14:useLocalDpi xmlns:a14="http://schemas.microsoft.com/office/drawing/2010/main" xmlns="" val="0"/>
               </a:ext>
             </a:extLst>
           </a:blip>
@@ -8003,7 +8996,7 @@
           <a:noFill/>
           <a:extLst>
             <a:ext uri="{909E8E84-426E-40DD-AFC4-6F175D3DCCD1}">
-              <a14:hiddenFill xmlns="" xmlns:a14="http://schemas.microsoft.com/office/drawing/2010/main">
+              <a14:hiddenFill xmlns:a14="http://schemas.microsoft.com/office/drawing/2010/main" xmlns="">
                 <a:solidFill>
                   <a:srgbClr val="FFFFFF"/>
                 </a:solidFill>
@@ -8015,7 +9008,7 @@
     </p:spTree>
     <p:extLst>
       <p:ext uri="{BB962C8B-B14F-4D97-AF65-F5344CB8AC3E}">
-        <p14:creationId xmlns="" xmlns:p14="http://schemas.microsoft.com/office/powerpoint/2010/main" val="832102"/>
+        <p14:creationId xmlns:p14="http://schemas.microsoft.com/office/powerpoint/2010/main" xmlns="" val="832102"/>
       </p:ext>
     </p:extLst>
   </p:cSld>
@@ -8023,7 +9016,7 @@
     <a:masterClrMapping/>
   </p:clrMapOvr>
   <mc:AlternateContent xmlns:mc="http://schemas.openxmlformats.org/markup-compatibility/2006">
-    <mc:Choice xmlns="" xmlns:p14="http://schemas.microsoft.com/office/powerpoint/2010/main" Requires="p14">
+    <mc:Choice xmlns:p14="http://schemas.microsoft.com/office/powerpoint/2010/main" xmlns="" Requires="p14">
       <p:transition spd="med" p14:dur="700">
         <p:fade/>
       </p:transition>
@@ -8080,39 +9073,469 @@
           <a:p>
             <a:r>
               <a:rPr lang="en-US" dirty="0" smtClean="0"/>
-              <a:t>$location</a:t>
-            </a:r>
+              <a:t>Angular pretty URLs</a:t>
+            </a:r>
+            <a:endParaRPr lang="en-US" dirty="0"/>
+          </a:p>
+        </p:txBody>
+      </p:sp>
+      <p:sp>
+        <p:nvSpPr>
+          <p:cNvPr id="3" name="Content Placeholder 2"/>
+          <p:cNvSpPr>
+            <a:spLocks noGrp="1"/>
+          </p:cNvSpPr>
+          <p:nvPr>
+            <p:ph sz="quarter" idx="13"/>
+          </p:nvPr>
+        </p:nvSpPr>
+        <p:spPr>
+          <a:xfrm>
+            <a:off x="152400" y="819150"/>
+            <a:ext cx="8839200" cy="4038600"/>
+          </a:xfrm>
+        </p:spPr>
+        <p:txBody>
+          <a:bodyPr/>
+          <a:lstStyle/>
+          <a:p>
+            <a:pPr>
+              <a:buNone/>
+            </a:pPr>
+            <a:r>
+              <a:rPr lang="en-US" dirty="0" smtClean="0"/>
+              <a:t>	 How to remove </a:t>
+            </a:r>
+            <a:r>
+              <a:rPr lang="en-US" b="1" dirty="0" smtClean="0"/>
+              <a:t>#</a:t>
+            </a:r>
+            <a:r>
+              <a:rPr lang="en-US" dirty="0" smtClean="0"/>
+              <a:t> on URLs?</a:t>
+            </a:r>
+          </a:p>
+          <a:p>
+            <a:pPr>
+              <a:buNone/>
+            </a:pPr>
+            <a:endParaRPr lang="en-US" dirty="0" smtClean="0"/>
+          </a:p>
+          <a:p>
+            <a:pPr>
+              <a:buNone/>
+            </a:pPr>
+            <a:r>
+              <a:rPr lang="en-US" dirty="0" smtClean="0"/>
+              <a:t>	 Use HTM5 Mode and configure URL rewriting on web server</a:t>
+            </a:r>
+          </a:p>
+          <a:p>
+            <a:pPr>
+              <a:buNone/>
+            </a:pPr>
             <a:endParaRPr lang="en-US" dirty="0"/>
           </a:p>
         </p:txBody>
       </p:sp>
       <p:pic>
         <p:nvPicPr>
-          <p:cNvPr id="4" name="Content Placeholder 3" descr="hashbang_vs_regular_url.jpg"/>
+          <p:cNvPr id="5" name="Picture 4" descr="Questionmark.png"/>
           <p:cNvPicPr>
-            <a:picLocks noGrp="1" noChangeAspect="1"/>
+            <a:picLocks noChangeAspect="1"/>
           </p:cNvPicPr>
-          <p:nvPr>
-            <p:ph sz="quarter" idx="13"/>
-          </p:nvPr>
+          <p:nvPr/>
         </p:nvPicPr>
         <p:blipFill>
-          <a:blip r:embed="rId3"/>
+          <a:blip r:embed="rId3" cstate="print"/>
           <a:stretch>
             <a:fillRect/>
           </a:stretch>
         </p:blipFill>
         <p:spPr>
           <a:xfrm>
-            <a:off x="971550" y="825500"/>
-            <a:ext cx="7200900" cy="3949700"/>
+            <a:off x="152400" y="819150"/>
+            <a:ext cx="457200" cy="457200"/>
           </a:xfrm>
+          <a:prstGeom prst="rect">
+            <a:avLst/>
+          </a:prstGeom>
         </p:spPr>
       </p:pic>
+      <p:pic>
+        <p:nvPicPr>
+          <p:cNvPr id="7" name="Picture 6" descr="078575-blue-jelly-icon-business-light-on.png"/>
+          <p:cNvPicPr>
+            <a:picLocks noChangeAspect="1"/>
+          </p:cNvPicPr>
+          <p:nvPr/>
+        </p:nvPicPr>
+        <p:blipFill>
+          <a:blip r:embed="rId4" cstate="print"/>
+          <a:stretch>
+            <a:fillRect/>
+          </a:stretch>
+        </p:blipFill>
+        <p:spPr>
+          <a:xfrm>
+            <a:off x="152400" y="1657350"/>
+            <a:ext cx="457200" cy="457200"/>
+          </a:xfrm>
+          <a:prstGeom prst="rect">
+            <a:avLst/>
+          </a:prstGeom>
+        </p:spPr>
+      </p:pic>
+      <p:sp>
+        <p:nvSpPr>
+          <p:cNvPr id="10" name="TextBox 9"/>
+          <p:cNvSpPr txBox="1"/>
+          <p:nvPr/>
+        </p:nvSpPr>
+        <p:spPr>
+          <a:xfrm>
+            <a:off x="228600" y="2266950"/>
+            <a:ext cx="5029200" cy="2585323"/>
+          </a:xfrm>
+          <a:prstGeom prst="rect">
+            <a:avLst/>
+          </a:prstGeom>
+          <a:noFill/>
+        </p:spPr>
+        <p:txBody>
+          <a:bodyPr wrap="square" rtlCol="0">
+            <a:spAutoFit/>
+          </a:bodyPr>
+          <a:lstStyle/>
+          <a:p>
+            <a:pPr>
+              <a:buFont typeface="Arial" pitchFamily="34" charset="0"/>
+              <a:buChar char="•"/>
+            </a:pPr>
+            <a:r>
+              <a:rPr lang="en-US" dirty="0" smtClean="0">
+                <a:latin typeface="Courier New" pitchFamily="49" charset="0"/>
+                <a:cs typeface="Courier New" pitchFamily="49" charset="0"/>
+              </a:rPr>
+              <a:t> </a:t>
+            </a:r>
+            <a:r>
+              <a:rPr lang="en-US" dirty="0" smtClean="0">
+                <a:cs typeface="Courier New" pitchFamily="49" charset="0"/>
+              </a:rPr>
+              <a:t>index.js file</a:t>
+            </a:r>
+            <a:r>
+              <a:rPr lang="en-US" dirty="0" smtClean="0">
+                <a:latin typeface="Courier New" pitchFamily="49" charset="0"/>
+                <a:cs typeface="Courier New" pitchFamily="49" charset="0"/>
+              </a:rPr>
+              <a:t>:</a:t>
+            </a:r>
+          </a:p>
+          <a:p>
+            <a:r>
+              <a:rPr lang="en-US" b="1" dirty="0" err="1" smtClean="0">
+                <a:latin typeface="Courier New" pitchFamily="49" charset="0"/>
+                <a:cs typeface="Courier New" pitchFamily="49" charset="0"/>
+              </a:rPr>
+              <a:t>module.config</a:t>
+            </a:r>
+            <a:r>
+              <a:rPr lang="en-US" b="1" dirty="0" smtClean="0">
+                <a:latin typeface="Courier New" pitchFamily="49" charset="0"/>
+                <a:cs typeface="Courier New" pitchFamily="49" charset="0"/>
+              </a:rPr>
+              <a:t>([</a:t>
+            </a:r>
+            <a:r>
+              <a:rPr lang="en-US" b="1" dirty="0" smtClean="0">
+                <a:solidFill>
+                  <a:srgbClr val="6A8759"/>
+                </a:solidFill>
+                <a:latin typeface="Courier New" pitchFamily="49" charset="0"/>
+                <a:cs typeface="Courier New" pitchFamily="49" charset="0"/>
+              </a:rPr>
+              <a:t>"$</a:t>
+            </a:r>
+            <a:r>
+              <a:rPr lang="en-US" b="1" dirty="0" err="1" smtClean="0">
+                <a:solidFill>
+                  <a:srgbClr val="6A8759"/>
+                </a:solidFill>
+                <a:latin typeface="Courier New" pitchFamily="49" charset="0"/>
+                <a:cs typeface="Courier New" pitchFamily="49" charset="0"/>
+              </a:rPr>
+              <a:t>locationProvider</a:t>
+            </a:r>
+            <a:r>
+              <a:rPr lang="en-US" b="1" dirty="0" smtClean="0">
+                <a:solidFill>
+                  <a:srgbClr val="6A8759"/>
+                </a:solidFill>
+                <a:latin typeface="Courier New" pitchFamily="49" charset="0"/>
+                <a:cs typeface="Courier New" pitchFamily="49" charset="0"/>
+              </a:rPr>
+              <a:t>"</a:t>
+            </a:r>
+            <a:r>
+              <a:rPr lang="en-US" b="1" dirty="0" smtClean="0">
+                <a:solidFill>
+                  <a:srgbClr val="CC7832"/>
+                </a:solidFill>
+                <a:latin typeface="Courier New" pitchFamily="49" charset="0"/>
+                <a:cs typeface="Courier New" pitchFamily="49" charset="0"/>
+              </a:rPr>
+              <a:t>, function </a:t>
+            </a:r>
+            <a:r>
+              <a:rPr lang="en-US" b="1" dirty="0" smtClean="0">
+                <a:latin typeface="Courier New" pitchFamily="49" charset="0"/>
+                <a:cs typeface="Courier New" pitchFamily="49" charset="0"/>
+              </a:rPr>
+              <a:t>($</a:t>
+            </a:r>
+            <a:r>
+              <a:rPr lang="en-US" b="1" dirty="0" err="1" smtClean="0">
+                <a:latin typeface="Courier New" pitchFamily="49" charset="0"/>
+                <a:cs typeface="Courier New" pitchFamily="49" charset="0"/>
+              </a:rPr>
+              <a:t>locationProvider</a:t>
+            </a:r>
+            <a:r>
+              <a:rPr lang="en-US" b="1" dirty="0" smtClean="0">
+                <a:latin typeface="Courier New" pitchFamily="49" charset="0"/>
+                <a:cs typeface="Courier New" pitchFamily="49" charset="0"/>
+              </a:rPr>
+              <a:t>) {</a:t>
+            </a:r>
+            <a:br>
+              <a:rPr lang="en-US" b="1" dirty="0" smtClean="0">
+                <a:latin typeface="Courier New" pitchFamily="49" charset="0"/>
+                <a:cs typeface="Courier New" pitchFamily="49" charset="0"/>
+              </a:rPr>
+            </a:br>
+            <a:r>
+              <a:rPr lang="en-US" b="1" dirty="0" smtClean="0">
+                <a:latin typeface="Courier New" pitchFamily="49" charset="0"/>
+                <a:cs typeface="Courier New" pitchFamily="49" charset="0"/>
+              </a:rPr>
+              <a:t>  $locationProvider.html5Mode(</a:t>
+            </a:r>
+            <a:r>
+              <a:rPr lang="en-US" b="1" dirty="0" smtClean="0">
+                <a:solidFill>
+                  <a:srgbClr val="CC7832"/>
+                </a:solidFill>
+                <a:latin typeface="Courier New" pitchFamily="49" charset="0"/>
+                <a:cs typeface="Courier New" pitchFamily="49" charset="0"/>
+              </a:rPr>
+              <a:t>true</a:t>
+            </a:r>
+            <a:r>
+              <a:rPr lang="en-US" b="1" dirty="0" smtClean="0">
+                <a:latin typeface="Courier New" pitchFamily="49" charset="0"/>
+                <a:cs typeface="Courier New" pitchFamily="49" charset="0"/>
+              </a:rPr>
+              <a:t>)</a:t>
+            </a:r>
+            <a:r>
+              <a:rPr lang="en-US" b="1" dirty="0" smtClean="0">
+                <a:solidFill>
+                  <a:srgbClr val="CC7832"/>
+                </a:solidFill>
+                <a:latin typeface="Courier New" pitchFamily="49" charset="0"/>
+                <a:cs typeface="Courier New" pitchFamily="49" charset="0"/>
+              </a:rPr>
+              <a:t>;</a:t>
+            </a:r>
+            <a:br>
+              <a:rPr lang="en-US" b="1" dirty="0" smtClean="0">
+                <a:solidFill>
+                  <a:srgbClr val="CC7832"/>
+                </a:solidFill>
+                <a:latin typeface="Courier New" pitchFamily="49" charset="0"/>
+                <a:cs typeface="Courier New" pitchFamily="49" charset="0"/>
+              </a:rPr>
+            </a:br>
+            <a:r>
+              <a:rPr lang="en-US" b="1" dirty="0" smtClean="0">
+                <a:latin typeface="Courier New" pitchFamily="49" charset="0"/>
+                <a:cs typeface="Courier New" pitchFamily="49" charset="0"/>
+              </a:rPr>
+              <a:t>}])</a:t>
+            </a:r>
+            <a:r>
+              <a:rPr lang="en-US" b="1" dirty="0" smtClean="0">
+                <a:solidFill>
+                  <a:srgbClr val="CC7832"/>
+                </a:solidFill>
+                <a:latin typeface="Courier New" pitchFamily="49" charset="0"/>
+                <a:cs typeface="Courier New" pitchFamily="49" charset="0"/>
+              </a:rPr>
+              <a:t>;</a:t>
+            </a:r>
+          </a:p>
+          <a:p>
+            <a:endParaRPr lang="en-US" dirty="0" smtClean="0">
+              <a:solidFill>
+                <a:srgbClr val="CC7832"/>
+              </a:solidFill>
+              <a:latin typeface="Courier New" pitchFamily="49" charset="0"/>
+              <a:cs typeface="Courier New" pitchFamily="49" charset="0"/>
+            </a:endParaRPr>
+          </a:p>
+          <a:p>
+            <a:pPr>
+              <a:buFont typeface="Arial" pitchFamily="34" charset="0"/>
+              <a:buChar char="•"/>
+            </a:pPr>
+            <a:r>
+              <a:rPr lang="en-US" dirty="0" smtClean="0">
+                <a:latin typeface="Courier New" pitchFamily="49" charset="0"/>
+                <a:cs typeface="Courier New" pitchFamily="49" charset="0"/>
+              </a:rPr>
+              <a:t> </a:t>
+            </a:r>
+            <a:r>
+              <a:rPr lang="en-US" dirty="0" smtClean="0">
+                <a:cs typeface="Courier New" pitchFamily="49" charset="0"/>
+              </a:rPr>
+              <a:t>index.html file: Add &lt;base&gt; tag</a:t>
+            </a:r>
+            <a:endParaRPr lang="en-US" dirty="0" smtClean="0">
+              <a:solidFill>
+                <a:srgbClr val="CC7832"/>
+              </a:solidFill>
+              <a:cs typeface="Courier New" pitchFamily="49" charset="0"/>
+            </a:endParaRPr>
+          </a:p>
+          <a:p>
+            <a:r>
+              <a:rPr lang="en-US" b="1" dirty="0" smtClean="0">
+                <a:solidFill>
+                  <a:srgbClr val="E8BF6A"/>
+                </a:solidFill>
+                <a:latin typeface="Courier New" pitchFamily="49" charset="0"/>
+                <a:cs typeface="Courier New" pitchFamily="49" charset="0"/>
+              </a:rPr>
+              <a:t>&lt;base </a:t>
+            </a:r>
+            <a:r>
+              <a:rPr lang="en-US" b="1" dirty="0" err="1" smtClean="0">
+                <a:solidFill>
+                  <a:srgbClr val="BABABA"/>
+                </a:solidFill>
+                <a:latin typeface="Courier New" pitchFamily="49" charset="0"/>
+                <a:cs typeface="Courier New" pitchFamily="49" charset="0"/>
+              </a:rPr>
+              <a:t>href</a:t>
+            </a:r>
+            <a:r>
+              <a:rPr lang="en-US" b="1" dirty="0" smtClean="0">
+                <a:solidFill>
+                  <a:srgbClr val="BABABA"/>
+                </a:solidFill>
+                <a:latin typeface="Courier New" pitchFamily="49" charset="0"/>
+                <a:cs typeface="Courier New" pitchFamily="49" charset="0"/>
+              </a:rPr>
+              <a:t>=</a:t>
+            </a:r>
+            <a:r>
+              <a:rPr lang="en-US" b="1" dirty="0" smtClean="0">
+                <a:solidFill>
+                  <a:srgbClr val="A5C261"/>
+                </a:solidFill>
+                <a:latin typeface="Courier New" pitchFamily="49" charset="0"/>
+                <a:cs typeface="Courier New" pitchFamily="49" charset="0"/>
+              </a:rPr>
+              <a:t>"/“</a:t>
+            </a:r>
+            <a:r>
+              <a:rPr lang="en-US" b="1" dirty="0" smtClean="0">
+                <a:solidFill>
+                  <a:srgbClr val="E8BF6A"/>
+                </a:solidFill>
+                <a:latin typeface="Courier New" pitchFamily="49" charset="0"/>
+                <a:cs typeface="Courier New" pitchFamily="49" charset="0"/>
+              </a:rPr>
+              <a:t>&gt;</a:t>
+            </a:r>
+            <a:endParaRPr lang="en-US" b="1" dirty="0">
+              <a:latin typeface="Courier New" pitchFamily="49" charset="0"/>
+              <a:cs typeface="Courier New" pitchFamily="49" charset="0"/>
+            </a:endParaRPr>
+          </a:p>
+        </p:txBody>
+      </p:sp>
+      <p:sp>
+        <p:nvSpPr>
+          <p:cNvPr id="11" name="TextBox 10"/>
+          <p:cNvSpPr txBox="1"/>
+          <p:nvPr/>
+        </p:nvSpPr>
+        <p:spPr>
+          <a:xfrm>
+            <a:off x="5486400" y="2266950"/>
+            <a:ext cx="3657600" cy="2308324"/>
+          </a:xfrm>
+          <a:prstGeom prst="rect">
+            <a:avLst/>
+          </a:prstGeom>
+          <a:noFill/>
+        </p:spPr>
+        <p:txBody>
+          <a:bodyPr wrap="square" rtlCol="0">
+            <a:spAutoFit/>
+          </a:bodyPr>
+          <a:lstStyle/>
+          <a:p>
+            <a:r>
+              <a:rPr lang="en-US" dirty="0" smtClean="0"/>
+              <a:t>Using </a:t>
+            </a:r>
+            <a:r>
+              <a:rPr lang="en-US" dirty="0" smtClean="0"/>
+              <a:t>HTML5 </a:t>
+            </a:r>
+            <a:r>
+              <a:rPr lang="en-US" dirty="0" smtClean="0"/>
+              <a:t>mode requires URL rewriting on server side, basically you have to rewrite all your links to entry point of your </a:t>
+            </a:r>
+            <a:r>
+              <a:rPr lang="en-US" dirty="0" smtClean="0"/>
+              <a:t>application (</a:t>
+            </a:r>
+            <a:r>
+              <a:rPr lang="en-US" dirty="0" err="1" smtClean="0"/>
+              <a:t>e.g</a:t>
+            </a:r>
+            <a:r>
+              <a:rPr lang="en-US" dirty="0" smtClean="0"/>
+              <a:t> index.html).</a:t>
+            </a:r>
+          </a:p>
+          <a:p>
+            <a:endParaRPr lang="en-US" dirty="0" smtClean="0"/>
+          </a:p>
+          <a:p>
+            <a:r>
+              <a:rPr lang="en-US" dirty="0" smtClean="0">
+                <a:hlinkClick r:id="rId5"/>
+              </a:rPr>
+              <a:t>How to configure URL rewriting</a:t>
+            </a:r>
+            <a:endParaRPr lang="en-US" dirty="0" smtClean="0"/>
+          </a:p>
+          <a:p>
+            <a:endParaRPr lang="en-US" dirty="0"/>
+          </a:p>
+        </p:txBody>
+      </p:sp>
     </p:spTree>
     <p:extLst>
       <p:ext uri="{BB962C8B-B14F-4D97-AF65-F5344CB8AC3E}">
-        <p14:creationId xmlns="" xmlns:p14="http://schemas.microsoft.com/office/powerpoint/2010/main" val="2915730469"/>
+        <p14:creationId xmlns:p14="http://schemas.microsoft.com/office/powerpoint/2010/main" xmlns="" val="2915730469"/>
       </p:ext>
     </p:extLst>
   </p:cSld>
@@ -8165,111 +9588,39 @@
           <a:p>
             <a:r>
               <a:rPr lang="en-US" dirty="0" smtClean="0"/>
-              <a:t>$location</a:t>
+              <a:t>Angular bootstrap</a:t>
             </a:r>
             <a:endParaRPr lang="en-US" dirty="0"/>
           </a:p>
         </p:txBody>
       </p:sp>
-      <p:sp>
-        <p:nvSpPr>
-          <p:cNvPr id="3" name="Content Placeholder 2"/>
-          <p:cNvSpPr>
-            <a:spLocks noGrp="1"/>
-          </p:cNvSpPr>
+      <p:pic>
+        <p:nvPicPr>
+          <p:cNvPr id="4" name="Content Placeholder 3" descr="concepts-startup.png"/>
+          <p:cNvPicPr>
+            <a:picLocks noGrp="1" noChangeAspect="1"/>
+          </p:cNvPicPr>
           <p:nvPr>
             <p:ph sz="quarter" idx="13"/>
           </p:nvPr>
-        </p:nvSpPr>
-        <p:spPr/>
-        <p:txBody>
-          <a:bodyPr/>
-          <a:lstStyle/>
-          <a:p>
-            <a:r>
-              <a:rPr lang="en-US" dirty="0" smtClean="0"/>
-              <a:t>URL: </a:t>
-            </a:r>
-            <a:r>
-              <a:rPr lang="en-US" dirty="0" smtClean="0">
-                <a:hlinkClick r:id="rId3"/>
-              </a:rPr>
-              <a:t>http://foo.com/#/abc</a:t>
-            </a:r>
-            <a:r>
-              <a:rPr lang="en-US" dirty="0" smtClean="0"/>
-              <a:t> =&gt; </a:t>
-            </a:r>
-            <a:r>
-              <a:rPr lang="en-US" dirty="0" smtClean="0">
-                <a:hlinkClick r:id="rId4"/>
-              </a:rPr>
-              <a:t>http://foo.com/abc</a:t>
-            </a:r>
-            <a:endParaRPr lang="en-US" dirty="0" smtClean="0"/>
-          </a:p>
-          <a:p>
-            <a:r>
-              <a:rPr lang="en-US" dirty="0" smtClean="0"/>
-              <a:t>$locationProvider.html5Mode(true</a:t>
-            </a:r>
-            <a:r>
-              <a:rPr lang="en-US" dirty="0" smtClean="0"/>
-              <a:t>);</a:t>
-            </a:r>
-            <a:r>
-              <a:rPr lang="en-US" dirty="0" smtClean="0"/>
-              <a:t> </a:t>
-            </a:r>
-          </a:p>
-          <a:p>
-            <a:r>
-              <a:rPr lang="en-US" dirty="0" smtClean="0"/>
-              <a:t>Add tag &lt;base </a:t>
-            </a:r>
-            <a:r>
-              <a:rPr lang="en-US" dirty="0" err="1" smtClean="0"/>
-              <a:t>href</a:t>
-            </a:r>
-            <a:r>
-              <a:rPr lang="en-US" dirty="0" smtClean="0"/>
-              <a:t>=“/” &gt;</a:t>
-            </a:r>
-          </a:p>
-          <a:p>
-            <a:endParaRPr lang="en-US" dirty="0" smtClean="0"/>
-          </a:p>
-          <a:p>
-            <a:r>
-              <a:rPr lang="en-US" dirty="0" smtClean="0"/>
-              <a:t>Using this mode requires URL rewriting on server side, basically you have to rewrite all your links to entry point of your application (e.g. index.html). </a:t>
-            </a:r>
-            <a:endParaRPr lang="en-US" dirty="0" smtClean="0"/>
-          </a:p>
-          <a:p>
-            <a:r>
-              <a:rPr lang="en-US" dirty="0" smtClean="0">
-                <a:hlinkClick r:id="rId5"/>
-              </a:rPr>
-              <a:t>Server side: how to configure rewrite </a:t>
-            </a:r>
-            <a:r>
-              <a:rPr lang="en-US" dirty="0" err="1" smtClean="0">
-                <a:hlinkClick r:id="rId5"/>
-              </a:rPr>
-              <a:t>url</a:t>
-            </a:r>
-            <a:endParaRPr lang="en-US" dirty="0" smtClean="0"/>
-          </a:p>
-          <a:p>
-            <a:endParaRPr lang="en-US" dirty="0"/>
-          </a:p>
-        </p:txBody>
-      </p:sp>
+        </p:nvPicPr>
+        <p:blipFill>
+          <a:blip r:embed="rId3"/>
+          <a:stretch>
+            <a:fillRect/>
+          </a:stretch>
+        </p:blipFill>
+        <p:spPr>
+          <a:xfrm>
+            <a:off x="2493435" y="1032656"/>
+            <a:ext cx="4157129" cy="3535388"/>
+          </a:xfrm>
+        </p:spPr>
+      </p:pic>
     </p:spTree>
     <p:extLst>
       <p:ext uri="{BB962C8B-B14F-4D97-AF65-F5344CB8AC3E}">
-        <p14:creationId xmlns="" xmlns:p14="http://schemas.microsoft.com/office/powerpoint/2010/main" val="2915730469"/>
+        <p14:creationId xmlns:p14="http://schemas.microsoft.com/office/powerpoint/2010/main" xmlns="" val="2915730469"/>
       </p:ext>
     </p:extLst>
   </p:cSld>
@@ -8322,43 +9673,501 @@
           <a:p>
             <a:r>
               <a:rPr lang="en-US" dirty="0" smtClean="0"/>
-              <a:t>Angular </a:t>
+              <a:t>Cordova </a:t>
             </a:r>
             <a:r>
               <a:rPr lang="en-US" dirty="0" smtClean="0"/>
+              <a:t>app must use bootstrap</a:t>
+            </a:r>
+            <a:endParaRPr lang="en-US" dirty="0"/>
+          </a:p>
+        </p:txBody>
+      </p:sp>
+      <p:sp>
+        <p:nvSpPr>
+          <p:cNvPr id="3" name="Content Placeholder 2"/>
+          <p:cNvSpPr>
+            <a:spLocks noGrp="1"/>
+          </p:cNvSpPr>
+          <p:nvPr>
+            <p:ph sz="quarter" idx="13"/>
+          </p:nvPr>
+        </p:nvSpPr>
+        <p:spPr>
+          <a:xfrm>
+            <a:off x="152400" y="819150"/>
+            <a:ext cx="8763000" cy="4114800"/>
+          </a:xfrm>
+        </p:spPr>
+        <p:txBody>
+          <a:bodyPr/>
+          <a:lstStyle/>
+          <a:p>
+            <a:pPr>
+              <a:buNone/>
+            </a:pPr>
+            <a:r>
+              <a:rPr lang="en-US" dirty="0" smtClean="0">
+                <a:latin typeface="+mj-lt"/>
+                <a:cs typeface="Courier New" pitchFamily="49" charset="0"/>
+              </a:rPr>
+              <a:t>	Cannot load html content when using </a:t>
+            </a:r>
+            <a:r>
+              <a:rPr lang="en-US" b="1" dirty="0" err="1" smtClean="0">
+                <a:latin typeface="+mj-lt"/>
+                <a:cs typeface="Courier New" pitchFamily="49" charset="0"/>
+              </a:rPr>
+              <a:t>ng</a:t>
+            </a:r>
+            <a:r>
+              <a:rPr lang="en-US" b="1" dirty="0" smtClean="0">
+                <a:latin typeface="+mj-lt"/>
+                <a:cs typeface="Courier New" pitchFamily="49" charset="0"/>
+              </a:rPr>
+              <a:t>-app</a:t>
+            </a:r>
+            <a:r>
+              <a:rPr lang="en-US" dirty="0" smtClean="0">
+                <a:latin typeface="+mj-lt"/>
+                <a:cs typeface="Courier New" pitchFamily="49" charset="0"/>
+              </a:rPr>
+              <a:t>.</a:t>
+            </a:r>
+          </a:p>
+          <a:p>
+            <a:pPr>
+              <a:buNone/>
+            </a:pPr>
+            <a:endParaRPr lang="en-US" dirty="0" smtClean="0">
+              <a:latin typeface="+mj-lt"/>
+              <a:cs typeface="Courier New" pitchFamily="49" charset="0"/>
+            </a:endParaRPr>
+          </a:p>
+          <a:p>
+            <a:pPr>
+              <a:buNone/>
+            </a:pPr>
+            <a:r>
+              <a:rPr lang="en-US" dirty="0" smtClean="0">
+                <a:latin typeface="+mj-lt"/>
+                <a:cs typeface="Courier New" pitchFamily="49" charset="0"/>
+              </a:rPr>
+              <a:t>	Must execute Angular compile page after device </a:t>
+            </a:r>
+            <a:r>
+              <a:rPr lang="en-US" dirty="0" smtClean="0">
+                <a:latin typeface="+mj-lt"/>
+                <a:cs typeface="Courier New" pitchFamily="49" charset="0"/>
+              </a:rPr>
+              <a:t>r</a:t>
+            </a:r>
+            <a:r>
+              <a:rPr lang="en-US" dirty="0" smtClean="0">
+                <a:latin typeface="+mj-lt"/>
+                <a:cs typeface="Courier New" pitchFamily="49" charset="0"/>
+              </a:rPr>
+              <a:t>eady event fired. </a:t>
+            </a:r>
+            <a:r>
+              <a:rPr lang="en-US" dirty="0" smtClean="0">
+                <a:cs typeface="Courier New" pitchFamily="49" charset="0"/>
+              </a:rPr>
+              <a:t>Add the following code in </a:t>
+            </a:r>
+            <a:r>
+              <a:rPr lang="en-US" b="1" dirty="0" err="1" smtClean="0">
+                <a:cs typeface="Courier New" pitchFamily="49" charset="0"/>
+              </a:rPr>
+              <a:t>cordova_app</a:t>
+            </a:r>
+            <a:r>
+              <a:rPr lang="en-US" b="1" dirty="0" smtClean="0">
+                <a:cs typeface="Courier New" pitchFamily="49" charset="0"/>
+              </a:rPr>
+              <a:t>/www/index.js</a:t>
+            </a:r>
+            <a:r>
+              <a:rPr lang="en-US" dirty="0" smtClean="0">
+                <a:cs typeface="Courier New" pitchFamily="49" charset="0"/>
+              </a:rPr>
+              <a:t> file:</a:t>
+            </a:r>
+          </a:p>
+          <a:p>
+            <a:pPr>
+              <a:buNone/>
+            </a:pPr>
+            <a:r>
+              <a:rPr lang="en-US" b="1" dirty="0" err="1" smtClean="0">
+                <a:solidFill>
+                  <a:srgbClr val="FFC66D"/>
+                </a:solidFill>
+                <a:latin typeface="Courier New" pitchFamily="49" charset="0"/>
+                <a:cs typeface="Courier New" pitchFamily="49" charset="0"/>
+              </a:rPr>
+              <a:t>this.onDeviceReady</a:t>
+            </a:r>
+            <a:r>
+              <a:rPr lang="en-US" b="1" dirty="0" smtClean="0">
+                <a:solidFill>
+                  <a:srgbClr val="FFC66D"/>
+                </a:solidFill>
+                <a:latin typeface="Courier New" pitchFamily="49" charset="0"/>
+                <a:cs typeface="Courier New" pitchFamily="49" charset="0"/>
+              </a:rPr>
+              <a:t> =</a:t>
+            </a:r>
+            <a:r>
+              <a:rPr lang="en-US" b="1" dirty="0" smtClean="0">
+                <a:latin typeface="Courier New" pitchFamily="49" charset="0"/>
+                <a:cs typeface="Courier New" pitchFamily="49" charset="0"/>
+              </a:rPr>
+              <a:t> </a:t>
+            </a:r>
+            <a:r>
+              <a:rPr lang="en-US" b="1" dirty="0" smtClean="0">
+                <a:solidFill>
+                  <a:srgbClr val="CC7832"/>
+                </a:solidFill>
+                <a:latin typeface="Courier New" pitchFamily="49" charset="0"/>
+                <a:cs typeface="Courier New" pitchFamily="49" charset="0"/>
+              </a:rPr>
+              <a:t>function </a:t>
+            </a:r>
+            <a:r>
+              <a:rPr lang="en-US" b="1" dirty="0" smtClean="0">
+                <a:latin typeface="Courier New" pitchFamily="49" charset="0"/>
+                <a:cs typeface="Courier New" pitchFamily="49" charset="0"/>
+              </a:rPr>
+              <a:t>() {</a:t>
+            </a:r>
+            <a:br>
+              <a:rPr lang="en-US" b="1" dirty="0" smtClean="0">
+                <a:latin typeface="Courier New" pitchFamily="49" charset="0"/>
+                <a:cs typeface="Courier New" pitchFamily="49" charset="0"/>
+              </a:rPr>
+            </a:br>
+            <a:r>
+              <a:rPr lang="en-US" b="1" dirty="0" err="1" smtClean="0">
+                <a:solidFill>
+                  <a:srgbClr val="9876AA"/>
+                </a:solidFill>
+                <a:latin typeface="Courier New" pitchFamily="49" charset="0"/>
+                <a:cs typeface="Courier New" pitchFamily="49" charset="0"/>
+              </a:rPr>
+              <a:t>angular</a:t>
+            </a:r>
+            <a:r>
+              <a:rPr lang="en-US" b="1" dirty="0" err="1" smtClean="0">
+                <a:latin typeface="Courier New" pitchFamily="49" charset="0"/>
+                <a:cs typeface="Courier New" pitchFamily="49" charset="0"/>
+              </a:rPr>
+              <a:t>.</a:t>
+            </a:r>
+            <a:r>
+              <a:rPr lang="en-US" b="1" dirty="0" err="1" smtClean="0">
+                <a:solidFill>
+                  <a:srgbClr val="9876AA"/>
+                </a:solidFill>
+                <a:latin typeface="Courier New" pitchFamily="49" charset="0"/>
+                <a:cs typeface="Courier New" pitchFamily="49" charset="0"/>
+              </a:rPr>
               <a:t>bootstrap</a:t>
             </a:r>
-            <a:endParaRPr lang="en-US" dirty="0"/>
+            <a:r>
+              <a:rPr lang="en-US" b="1" dirty="0" smtClean="0">
+                <a:latin typeface="Courier New" pitchFamily="49" charset="0"/>
+                <a:cs typeface="Courier New" pitchFamily="49" charset="0"/>
+              </a:rPr>
+              <a:t>(</a:t>
+            </a:r>
+            <a:r>
+              <a:rPr lang="en-US" b="1" dirty="0" smtClean="0">
+                <a:solidFill>
+                  <a:srgbClr val="9876AA"/>
+                </a:solidFill>
+                <a:latin typeface="Courier New" pitchFamily="49" charset="0"/>
+                <a:cs typeface="Courier New" pitchFamily="49" charset="0"/>
+              </a:rPr>
+              <a:t>document</a:t>
+            </a:r>
+            <a:r>
+              <a:rPr lang="en-US" b="1" dirty="0" smtClean="0">
+                <a:solidFill>
+                  <a:srgbClr val="CC7832"/>
+                </a:solidFill>
+                <a:latin typeface="Courier New" pitchFamily="49" charset="0"/>
+                <a:cs typeface="Courier New" pitchFamily="49" charset="0"/>
+              </a:rPr>
+              <a:t>, </a:t>
+            </a:r>
+            <a:r>
+              <a:rPr lang="en-US" b="1" dirty="0" smtClean="0">
+                <a:latin typeface="Courier New" pitchFamily="49" charset="0"/>
+                <a:cs typeface="Courier New" pitchFamily="49" charset="0"/>
+              </a:rPr>
+              <a:t>[</a:t>
+            </a:r>
+            <a:r>
+              <a:rPr lang="en-US" b="1" dirty="0" smtClean="0">
+                <a:solidFill>
+                  <a:srgbClr val="6A8759"/>
+                </a:solidFill>
+                <a:latin typeface="Courier New" pitchFamily="49" charset="0"/>
+                <a:cs typeface="Courier New" pitchFamily="49" charset="0"/>
+              </a:rPr>
+              <a:t>'</a:t>
+            </a:r>
+            <a:r>
+              <a:rPr lang="en-US" b="1" dirty="0" err="1" smtClean="0">
+                <a:solidFill>
+                  <a:srgbClr val="6A8759"/>
+                </a:solidFill>
+                <a:latin typeface="Courier New" pitchFamily="49" charset="0"/>
+                <a:cs typeface="Courier New" pitchFamily="49" charset="0"/>
+              </a:rPr>
+              <a:t>myApp</a:t>
+            </a:r>
+            <a:r>
+              <a:rPr lang="en-US" b="1" dirty="0" smtClean="0">
+                <a:solidFill>
+                  <a:srgbClr val="6A8759"/>
+                </a:solidFill>
+                <a:latin typeface="Courier New" pitchFamily="49" charset="0"/>
+                <a:cs typeface="Courier New" pitchFamily="49" charset="0"/>
+              </a:rPr>
+              <a:t>'</a:t>
+            </a:r>
+            <a:r>
+              <a:rPr lang="en-US" b="1" dirty="0" smtClean="0">
+                <a:latin typeface="Courier New" pitchFamily="49" charset="0"/>
+                <a:cs typeface="Courier New" pitchFamily="49" charset="0"/>
+              </a:rPr>
+              <a:t>])</a:t>
+            </a:r>
+            <a:r>
+              <a:rPr lang="en-US" b="1" dirty="0" smtClean="0">
+                <a:solidFill>
+                  <a:srgbClr val="CC7832"/>
+                </a:solidFill>
+                <a:latin typeface="Courier New" pitchFamily="49" charset="0"/>
+                <a:cs typeface="Courier New" pitchFamily="49" charset="0"/>
+              </a:rPr>
+              <a:t>;</a:t>
+            </a:r>
+          </a:p>
+          <a:p>
+            <a:pPr>
+              <a:buNone/>
+            </a:pPr>
+            <a:r>
+              <a:rPr lang="en-US" b="1" dirty="0" smtClean="0">
+                <a:latin typeface="Courier New" pitchFamily="49" charset="0"/>
+                <a:cs typeface="Courier New" pitchFamily="49" charset="0"/>
+              </a:rPr>
+              <a:t>};</a:t>
+            </a:r>
+          </a:p>
+          <a:p>
+            <a:pPr>
+              <a:buNone/>
+            </a:pPr>
+            <a:r>
+              <a:rPr lang="en-US" b="1" dirty="0" err="1" smtClean="0">
+                <a:solidFill>
+                  <a:srgbClr val="9876AA"/>
+                </a:solidFill>
+                <a:latin typeface="Courier New" pitchFamily="49" charset="0"/>
+                <a:cs typeface="Courier New" pitchFamily="49" charset="0"/>
+              </a:rPr>
+              <a:t>document</a:t>
+            </a:r>
+            <a:r>
+              <a:rPr lang="en-US" b="1" dirty="0" err="1" smtClean="0">
+                <a:latin typeface="Courier New" pitchFamily="49" charset="0"/>
+                <a:cs typeface="Courier New" pitchFamily="49" charset="0"/>
+              </a:rPr>
+              <a:t>.</a:t>
+            </a:r>
+            <a:r>
+              <a:rPr lang="en-US" b="1" dirty="0" err="1" smtClean="0">
+                <a:solidFill>
+                  <a:srgbClr val="FFC66D"/>
+                </a:solidFill>
+                <a:latin typeface="Courier New" pitchFamily="49" charset="0"/>
+                <a:cs typeface="Courier New" pitchFamily="49" charset="0"/>
+              </a:rPr>
+              <a:t>addEventListener</a:t>
+            </a:r>
+            <a:r>
+              <a:rPr lang="en-US" b="1" dirty="0" smtClean="0">
+                <a:latin typeface="Courier New" pitchFamily="49" charset="0"/>
+                <a:cs typeface="Courier New" pitchFamily="49" charset="0"/>
+              </a:rPr>
+              <a:t>(</a:t>
+            </a:r>
+            <a:r>
+              <a:rPr lang="en-US" b="1" dirty="0" smtClean="0">
+                <a:solidFill>
+                  <a:srgbClr val="6A8759"/>
+                </a:solidFill>
+                <a:latin typeface="Courier New" pitchFamily="49" charset="0"/>
+                <a:cs typeface="Courier New" pitchFamily="49" charset="0"/>
+              </a:rPr>
+              <a:t>'</a:t>
+            </a:r>
+            <a:r>
+              <a:rPr lang="en-US" b="1" dirty="0" err="1" smtClean="0">
+                <a:solidFill>
+                  <a:srgbClr val="6A8759"/>
+                </a:solidFill>
+                <a:latin typeface="Courier New" pitchFamily="49" charset="0"/>
+                <a:cs typeface="Courier New" pitchFamily="49" charset="0"/>
+              </a:rPr>
+              <a:t>deviceready</a:t>
+            </a:r>
+            <a:r>
+              <a:rPr lang="en-US" b="1" dirty="0" smtClean="0">
+                <a:solidFill>
+                  <a:srgbClr val="6A8759"/>
+                </a:solidFill>
+                <a:latin typeface="Courier New" pitchFamily="49" charset="0"/>
+                <a:cs typeface="Courier New" pitchFamily="49" charset="0"/>
+              </a:rPr>
+              <a:t>'</a:t>
+            </a:r>
+            <a:r>
+              <a:rPr lang="en-US" b="1" dirty="0" smtClean="0">
+                <a:solidFill>
+                  <a:srgbClr val="CC7832"/>
+                </a:solidFill>
+                <a:latin typeface="Courier New" pitchFamily="49" charset="0"/>
+                <a:cs typeface="Courier New" pitchFamily="49" charset="0"/>
+              </a:rPr>
+              <a:t>, </a:t>
+            </a:r>
+            <a:r>
+              <a:rPr lang="en-US" b="1" dirty="0" err="1" smtClean="0">
+                <a:solidFill>
+                  <a:srgbClr val="CC7832"/>
+                </a:solidFill>
+                <a:latin typeface="Courier New" pitchFamily="49" charset="0"/>
+                <a:cs typeface="Courier New" pitchFamily="49" charset="0"/>
+              </a:rPr>
+              <a:t>this</a:t>
+            </a:r>
+            <a:r>
+              <a:rPr lang="en-US" b="1" dirty="0" err="1" smtClean="0">
+                <a:latin typeface="Courier New" pitchFamily="49" charset="0"/>
+                <a:cs typeface="Courier New" pitchFamily="49" charset="0"/>
+              </a:rPr>
+              <a:t>.onDeviceReady</a:t>
+            </a:r>
+            <a:r>
+              <a:rPr lang="en-US" b="1" dirty="0" smtClean="0">
+                <a:solidFill>
+                  <a:srgbClr val="CC7832"/>
+                </a:solidFill>
+                <a:latin typeface="Courier New" pitchFamily="49" charset="0"/>
+                <a:cs typeface="Courier New" pitchFamily="49" charset="0"/>
+              </a:rPr>
+              <a:t>, false</a:t>
+            </a:r>
+            <a:r>
+              <a:rPr lang="en-US" b="1" dirty="0" smtClean="0">
+                <a:latin typeface="Courier New" pitchFamily="49" charset="0"/>
+                <a:cs typeface="Courier New" pitchFamily="49" charset="0"/>
+              </a:rPr>
+              <a:t>)</a:t>
+            </a:r>
+            <a:r>
+              <a:rPr lang="en-US" b="1" dirty="0" smtClean="0">
+                <a:solidFill>
+                  <a:srgbClr val="CC7832"/>
+                </a:solidFill>
+                <a:latin typeface="Courier New" pitchFamily="49" charset="0"/>
+                <a:cs typeface="Courier New" pitchFamily="49" charset="0"/>
+              </a:rPr>
+              <a:t>;</a:t>
+            </a:r>
+            <a:endParaRPr lang="en-US" b="1" dirty="0" smtClean="0">
+              <a:latin typeface="Courier New" pitchFamily="49" charset="0"/>
+              <a:cs typeface="Courier New" pitchFamily="49" charset="0"/>
+            </a:endParaRPr>
+          </a:p>
+          <a:p>
+            <a:pPr>
+              <a:buNone/>
+            </a:pPr>
+            <a:endParaRPr lang="en-US" dirty="0" smtClean="0">
+              <a:latin typeface="Courier New" pitchFamily="49" charset="0"/>
+              <a:cs typeface="Courier New" pitchFamily="49" charset="0"/>
+            </a:endParaRPr>
+          </a:p>
+          <a:p>
+            <a:pPr>
+              <a:buNone/>
+            </a:pPr>
+            <a:endParaRPr lang="en-US" dirty="0">
+              <a:latin typeface="Courier New" pitchFamily="49" charset="0"/>
+              <a:cs typeface="Courier New" pitchFamily="49" charset="0"/>
+            </a:endParaRPr>
           </a:p>
         </p:txBody>
       </p:sp>
       <p:pic>
         <p:nvPicPr>
-          <p:cNvPr id="4" name="Content Placeholder 3" descr="concepts-startup.png"/>
+          <p:cNvPr id="4" name="Picture 3" descr="Questionmark.png"/>
           <p:cNvPicPr>
-            <a:picLocks noGrp="1" noChangeAspect="1"/>
+            <a:picLocks noChangeAspect="1"/>
           </p:cNvPicPr>
-          <p:nvPr>
-            <p:ph sz="quarter" idx="13"/>
-          </p:nvPr>
+          <p:nvPr/>
         </p:nvPicPr>
         <p:blipFill>
-          <a:blip r:embed="rId3"/>
+          <a:blip r:embed="rId3" cstate="print"/>
           <a:stretch>
             <a:fillRect/>
           </a:stretch>
         </p:blipFill>
         <p:spPr>
           <a:xfrm>
-            <a:off x="2493435" y="1032656"/>
-            <a:ext cx="4157129" cy="3535388"/>
+            <a:off x="152400" y="819150"/>
+            <a:ext cx="457200" cy="457200"/>
           </a:xfrm>
+          <a:prstGeom prst="rect">
+            <a:avLst/>
+          </a:prstGeom>
+        </p:spPr>
+      </p:pic>
+      <p:pic>
+        <p:nvPicPr>
+          <p:cNvPr id="5" name="Picture 4" descr="078575-blue-jelly-icon-business-light-on.png"/>
+          <p:cNvPicPr>
+            <a:picLocks noChangeAspect="1"/>
+          </p:cNvPicPr>
+          <p:nvPr/>
+        </p:nvPicPr>
+        <p:blipFill>
+          <a:blip r:embed="rId4" cstate="print"/>
+          <a:stretch>
+            <a:fillRect/>
+          </a:stretch>
+        </p:blipFill>
+        <p:spPr>
+          <a:xfrm>
+            <a:off x="152400" y="1657350"/>
+            <a:ext cx="457200" cy="457200"/>
+          </a:xfrm>
+          <a:prstGeom prst="rect">
+            <a:avLst/>
+          </a:prstGeom>
         </p:spPr>
       </p:pic>
     </p:spTree>
     <p:extLst>
       <p:ext uri="{BB962C8B-B14F-4D97-AF65-F5344CB8AC3E}">
-        <p14:creationId xmlns="" xmlns:p14="http://schemas.microsoft.com/office/powerpoint/2010/main" val="2915730469"/>
+        <p14:creationId xmlns:p14="http://schemas.microsoft.com/office/powerpoint/2010/main" xmlns="" val="2915730469"/>
       </p:ext>
     </p:extLst>
   </p:cSld>
@@ -8415,7 +10224,11 @@
             </a:r>
             <a:r>
               <a:rPr lang="en-US" dirty="0" smtClean="0"/>
-              <a:t>bootstrap</a:t>
+              <a:t>injects </a:t>
+            </a:r>
+            <a:r>
+              <a:rPr lang="en-US" dirty="0" smtClean="0"/>
+              <a:t>third party as service</a:t>
             </a:r>
             <a:endParaRPr lang="en-US" dirty="0"/>
           </a:p>
@@ -8423,7 +10236,7 @@
       </p:sp>
       <p:sp>
         <p:nvSpPr>
-          <p:cNvPr id="3" name="Content Placeholder 2"/>
+          <p:cNvPr id="5" name="Content Placeholder 4"/>
           <p:cNvSpPr>
             <a:spLocks noGrp="1"/>
           </p:cNvSpPr>
@@ -8440,12 +10253,35 @@
               <a:buNone/>
             </a:pPr>
             <a:r>
-              <a:rPr lang="en-US" dirty="0" smtClean="0">
-                <a:solidFill>
-                  <a:srgbClr val="000080"/>
-                </a:solidFill>
-              </a:rPr>
-              <a:t>&lt;script&gt;</a:t>
+              <a:rPr lang="en-US" b="1" dirty="0" smtClean="0">
+                <a:latin typeface="Courier New" pitchFamily="49" charset="0"/>
+                <a:cs typeface="Courier New" pitchFamily="49" charset="0"/>
+              </a:rPr>
+              <a:t>(</a:t>
+            </a:r>
+            <a:r>
+              <a:rPr lang="en-US" b="1" dirty="0" smtClean="0">
+                <a:solidFill>
+                  <a:srgbClr val="CC7832"/>
+                </a:solidFill>
+                <a:latin typeface="Courier New" pitchFamily="49" charset="0"/>
+                <a:cs typeface="Courier New" pitchFamily="49" charset="0"/>
+              </a:rPr>
+              <a:t>function </a:t>
+            </a:r>
+            <a:r>
+              <a:rPr lang="en-US" b="1" dirty="0" smtClean="0">
+                <a:latin typeface="Courier New" pitchFamily="49" charset="0"/>
+                <a:cs typeface="Courier New" pitchFamily="49" charset="0"/>
+              </a:rPr>
+              <a:t>(module) </a:t>
+            </a:r>
+            <a:r>
+              <a:rPr lang="en-US" b="1" dirty="0" smtClean="0">
+                <a:latin typeface="Courier New" pitchFamily="49" charset="0"/>
+                <a:cs typeface="Courier New" pitchFamily="49" charset="0"/>
+              </a:rPr>
+              <a:t>{</a:t>
             </a:r>
           </a:p>
           <a:p>
@@ -8453,60 +10289,322 @@
               <a:buNone/>
             </a:pPr>
             <a:r>
-              <a:rPr lang="en-US" dirty="0" smtClean="0">
-                <a:solidFill>
-                  <a:srgbClr val="000080"/>
-                </a:solidFill>
-              </a:rPr>
-              <a:t>	</a:t>
-            </a:r>
-            <a:r>
-              <a:rPr lang="en-US" dirty="0" err="1" smtClean="0">
-                <a:solidFill>
-                  <a:srgbClr val="333333"/>
-                </a:solidFill>
-              </a:rPr>
-              <a:t>angular.module</a:t>
-            </a:r>
-            <a:r>
-              <a:rPr lang="en-US" dirty="0" smtClean="0">
-                <a:solidFill>
-                  <a:srgbClr val="333333"/>
-                </a:solidFill>
+              <a:rPr lang="en-US" b="1" dirty="0" smtClean="0">
+                <a:solidFill>
+                  <a:srgbClr val="6A8759"/>
+                </a:solidFill>
+                <a:latin typeface="Courier New" pitchFamily="49" charset="0"/>
+                <a:cs typeface="Courier New" pitchFamily="49" charset="0"/>
+              </a:rPr>
+              <a:t>  "use </a:t>
+            </a:r>
+            <a:r>
+              <a:rPr lang="en-US" b="1" dirty="0" smtClean="0">
+                <a:solidFill>
+                  <a:srgbClr val="6A8759"/>
+                </a:solidFill>
+                <a:latin typeface="Courier New" pitchFamily="49" charset="0"/>
+                <a:cs typeface="Courier New" pitchFamily="49" charset="0"/>
+              </a:rPr>
+              <a:t>strict"</a:t>
+            </a:r>
+            <a:r>
+              <a:rPr lang="en-US" b="1" dirty="0" smtClean="0">
+                <a:solidFill>
+                  <a:srgbClr val="CC7832"/>
+                </a:solidFill>
+                <a:latin typeface="Courier New" pitchFamily="49" charset="0"/>
+                <a:cs typeface="Courier New" pitchFamily="49" charset="0"/>
+              </a:rPr>
+              <a:t>;</a:t>
+            </a:r>
+            <a:br>
+              <a:rPr lang="en-US" b="1" dirty="0" smtClean="0">
+                <a:solidFill>
+                  <a:srgbClr val="CC7832"/>
+                </a:solidFill>
+                <a:latin typeface="Courier New" pitchFamily="49" charset="0"/>
+                <a:cs typeface="Courier New" pitchFamily="49" charset="0"/>
+              </a:rPr>
+            </a:br>
+            <a:r>
+              <a:rPr lang="en-US" b="1" dirty="0" err="1" smtClean="0">
+                <a:latin typeface="Courier New" pitchFamily="49" charset="0"/>
+                <a:cs typeface="Courier New" pitchFamily="49" charset="0"/>
+              </a:rPr>
+              <a:t>module.</a:t>
+            </a:r>
+            <a:r>
+              <a:rPr lang="en-US" b="1" dirty="0" err="1" smtClean="0">
+                <a:solidFill>
+                  <a:srgbClr val="9876AA"/>
+                </a:solidFill>
+                <a:latin typeface="Courier New" pitchFamily="49" charset="0"/>
+                <a:cs typeface="Courier New" pitchFamily="49" charset="0"/>
+              </a:rPr>
+              <a:t>factory</a:t>
+            </a:r>
+            <a:r>
+              <a:rPr lang="en-US" b="1" dirty="0" smtClean="0">
+                <a:latin typeface="Courier New" pitchFamily="49" charset="0"/>
+                <a:cs typeface="Courier New" pitchFamily="49" charset="0"/>
               </a:rPr>
               <a:t>(</a:t>
             </a:r>
             <a:r>
-              <a:rPr lang="en-US" dirty="0" smtClean="0">
-                <a:solidFill>
-                  <a:srgbClr val="DD1144"/>
-                </a:solidFill>
-              </a:rPr>
-              <a:t>'</a:t>
-            </a:r>
-            <a:r>
-              <a:rPr lang="en-US" dirty="0" err="1" smtClean="0">
-                <a:solidFill>
-                  <a:srgbClr val="DD1144"/>
-                </a:solidFill>
-              </a:rPr>
-              <a:t>myApp</a:t>
-            </a:r>
-            <a:r>
-              <a:rPr lang="en-US" dirty="0" smtClean="0">
-                <a:solidFill>
-                  <a:srgbClr val="DD1144"/>
-                </a:solidFill>
-              </a:rPr>
-              <a:t>'</a:t>
-            </a:r>
-            <a:r>
-              <a:rPr lang="en-US" dirty="0" smtClean="0">
-                <a:solidFill>
-                  <a:srgbClr val="333333"/>
-                </a:solidFill>
-              </a:rPr>
-              <a:t>, []) </a:t>
+              <a:rPr lang="en-US" b="1" dirty="0" smtClean="0">
+                <a:solidFill>
+                  <a:srgbClr val="6A8759"/>
+                </a:solidFill>
+                <a:latin typeface="Courier New" pitchFamily="49" charset="0"/>
+                <a:cs typeface="Courier New" pitchFamily="49" charset="0"/>
+              </a:rPr>
+              <a:t>"</a:t>
+            </a:r>
+            <a:r>
+              <a:rPr lang="en-US" b="1" dirty="0" err="1" smtClean="0">
+                <a:solidFill>
+                  <a:srgbClr val="6A8759"/>
+                </a:solidFill>
+                <a:latin typeface="Courier New" pitchFamily="49" charset="0"/>
+                <a:cs typeface="Courier New" pitchFamily="49" charset="0"/>
+              </a:rPr>
+              <a:t>jQuery</a:t>
+            </a:r>
+            <a:r>
+              <a:rPr lang="en-US" b="1" dirty="0" smtClean="0">
+                <a:solidFill>
+                  <a:srgbClr val="6A8759"/>
+                </a:solidFill>
+                <a:latin typeface="Courier New" pitchFamily="49" charset="0"/>
+                <a:cs typeface="Courier New" pitchFamily="49" charset="0"/>
+              </a:rPr>
+              <a:t>"</a:t>
+            </a:r>
+            <a:r>
+              <a:rPr lang="en-US" b="1" dirty="0" smtClean="0">
+                <a:solidFill>
+                  <a:srgbClr val="CC7832"/>
+                </a:solidFill>
+                <a:latin typeface="Courier New" pitchFamily="49" charset="0"/>
+                <a:cs typeface="Courier New" pitchFamily="49" charset="0"/>
+              </a:rPr>
+              <a:t>, </a:t>
+            </a:r>
+            <a:r>
+              <a:rPr lang="en-US" b="1" dirty="0" err="1" smtClean="0">
+                <a:solidFill>
+                  <a:srgbClr val="FFC66D"/>
+                </a:solidFill>
+                <a:latin typeface="Courier New" pitchFamily="49" charset="0"/>
+                <a:cs typeface="Courier New" pitchFamily="49" charset="0"/>
+              </a:rPr>
+              <a:t>jQueryModule</a:t>
+            </a:r>
+            <a:r>
+              <a:rPr lang="en-US" b="1" dirty="0" smtClean="0">
+                <a:latin typeface="Courier New" pitchFamily="49" charset="0"/>
+                <a:cs typeface="Courier New" pitchFamily="49" charset="0"/>
+              </a:rPr>
+              <a:t>)</a:t>
+            </a:r>
+            <a:r>
+              <a:rPr lang="en-US" b="1" dirty="0" smtClean="0">
+                <a:solidFill>
+                  <a:srgbClr val="CC7832"/>
+                </a:solidFill>
+                <a:latin typeface="Courier New" pitchFamily="49" charset="0"/>
+                <a:cs typeface="Courier New" pitchFamily="49" charset="0"/>
+              </a:rPr>
+              <a:t>;</a:t>
+            </a:r>
+            <a:br>
+              <a:rPr lang="en-US" b="1" dirty="0" smtClean="0">
+                <a:solidFill>
+                  <a:srgbClr val="CC7832"/>
+                </a:solidFill>
+                <a:latin typeface="Courier New" pitchFamily="49" charset="0"/>
+                <a:cs typeface="Courier New" pitchFamily="49" charset="0"/>
+              </a:rPr>
+            </a:br>
+            <a:r>
+              <a:rPr lang="en-US" b="1" dirty="0" err="1" smtClean="0">
+                <a:solidFill>
+                  <a:srgbClr val="FFC66D"/>
+                </a:solidFill>
+                <a:latin typeface="Courier New" pitchFamily="49" charset="0"/>
+                <a:cs typeface="Courier New" pitchFamily="49" charset="0"/>
+              </a:rPr>
+              <a:t>jQueryModule</a:t>
+            </a:r>
+            <a:r>
+              <a:rPr lang="en-US" b="1" dirty="0" err="1" smtClean="0">
+                <a:latin typeface="Courier New" pitchFamily="49" charset="0"/>
+                <a:cs typeface="Courier New" pitchFamily="49" charset="0"/>
+              </a:rPr>
+              <a:t>.</a:t>
+            </a:r>
+            <a:r>
+              <a:rPr lang="en-US" b="1" dirty="0" err="1" smtClean="0">
+                <a:solidFill>
+                  <a:srgbClr val="9876AA"/>
+                </a:solidFill>
+                <a:latin typeface="Courier New" pitchFamily="49" charset="0"/>
+                <a:cs typeface="Courier New" pitchFamily="49" charset="0"/>
+              </a:rPr>
+              <a:t>$inject</a:t>
+            </a:r>
+            <a:r>
+              <a:rPr lang="en-US" b="1" dirty="0" smtClean="0">
+                <a:latin typeface="Courier New" pitchFamily="49" charset="0"/>
+                <a:cs typeface="Courier New" pitchFamily="49" charset="0"/>
+              </a:rPr>
+              <a:t>(</a:t>
+            </a:r>
+            <a:r>
+              <a:rPr lang="en-US" b="1" dirty="0" smtClean="0">
+                <a:solidFill>
+                  <a:srgbClr val="6A8759"/>
+                </a:solidFill>
+                <a:latin typeface="Courier New" pitchFamily="49" charset="0"/>
+                <a:cs typeface="Courier New" pitchFamily="49" charset="0"/>
+              </a:rPr>
+              <a:t>"$window"</a:t>
+            </a:r>
+            <a:r>
+              <a:rPr lang="en-US" b="1" dirty="0" smtClean="0">
+                <a:latin typeface="Courier New" pitchFamily="49" charset="0"/>
+                <a:cs typeface="Courier New" pitchFamily="49" charset="0"/>
+              </a:rPr>
+              <a:t>)</a:t>
+            </a:r>
+            <a:r>
+              <a:rPr lang="en-US" b="1" dirty="0" smtClean="0">
+                <a:solidFill>
+                  <a:srgbClr val="CC7832"/>
+                </a:solidFill>
+                <a:latin typeface="Courier New" pitchFamily="49" charset="0"/>
+                <a:cs typeface="Courier New" pitchFamily="49" charset="0"/>
+              </a:rPr>
+              <a:t>;</a:t>
+            </a:r>
+            <a:br>
+              <a:rPr lang="en-US" b="1" dirty="0" smtClean="0">
+                <a:solidFill>
+                  <a:srgbClr val="CC7832"/>
+                </a:solidFill>
+                <a:latin typeface="Courier New" pitchFamily="49" charset="0"/>
+                <a:cs typeface="Courier New" pitchFamily="49" charset="0"/>
+              </a:rPr>
+            </a:br>
+            <a:r>
+              <a:rPr lang="en-US" b="1" dirty="0" smtClean="0">
+                <a:solidFill>
+                  <a:srgbClr val="CC7832"/>
+                </a:solidFill>
+                <a:latin typeface="Courier New" pitchFamily="49" charset="0"/>
+                <a:cs typeface="Courier New" pitchFamily="49" charset="0"/>
+              </a:rPr>
+              <a:t/>
+            </a:r>
+            <a:br>
+              <a:rPr lang="en-US" b="1" dirty="0" smtClean="0">
+                <a:solidFill>
+                  <a:srgbClr val="CC7832"/>
+                </a:solidFill>
+                <a:latin typeface="Courier New" pitchFamily="49" charset="0"/>
+                <a:cs typeface="Courier New" pitchFamily="49" charset="0"/>
+              </a:rPr>
+            </a:br>
+            <a:r>
+              <a:rPr lang="en-US" b="1" dirty="0" smtClean="0">
+                <a:solidFill>
+                  <a:srgbClr val="CC7832"/>
+                </a:solidFill>
+                <a:latin typeface="Courier New" pitchFamily="49" charset="0"/>
+                <a:cs typeface="Courier New" pitchFamily="49" charset="0"/>
+              </a:rPr>
+              <a:t>function </a:t>
+            </a:r>
+            <a:r>
+              <a:rPr lang="en-US" b="1" dirty="0" err="1" smtClean="0">
+                <a:solidFill>
+                  <a:srgbClr val="FFC66D"/>
+                </a:solidFill>
+                <a:latin typeface="Courier New" pitchFamily="49" charset="0"/>
+                <a:cs typeface="Courier New" pitchFamily="49" charset="0"/>
+              </a:rPr>
+              <a:t>jQueryModule</a:t>
+            </a:r>
+            <a:r>
+              <a:rPr lang="en-US" b="1" dirty="0" smtClean="0">
+                <a:latin typeface="Courier New" pitchFamily="49" charset="0"/>
+                <a:cs typeface="Courier New" pitchFamily="49" charset="0"/>
+              </a:rPr>
+              <a:t>($window) {</a:t>
+            </a:r>
+            <a:br>
+              <a:rPr lang="en-US" b="1" dirty="0" smtClean="0">
+                <a:latin typeface="Courier New" pitchFamily="49" charset="0"/>
+                <a:cs typeface="Courier New" pitchFamily="49" charset="0"/>
+              </a:rPr>
+            </a:br>
+            <a:r>
+              <a:rPr lang="en-US" b="1" dirty="0" smtClean="0">
+                <a:latin typeface="Courier New" pitchFamily="49" charset="0"/>
+                <a:cs typeface="Courier New" pitchFamily="49" charset="0"/>
+              </a:rPr>
+              <a:t>  </a:t>
+            </a:r>
+            <a:r>
+              <a:rPr lang="en-US" b="1" dirty="0" smtClean="0">
+                <a:solidFill>
+                  <a:srgbClr val="CC7832"/>
+                </a:solidFill>
+                <a:latin typeface="Courier New" pitchFamily="49" charset="0"/>
+                <a:cs typeface="Courier New" pitchFamily="49" charset="0"/>
+              </a:rPr>
+              <a:t>return </a:t>
+            </a:r>
+            <a:r>
+              <a:rPr lang="en-US" b="1" dirty="0" smtClean="0">
+                <a:latin typeface="Courier New" pitchFamily="49" charset="0"/>
+                <a:cs typeface="Courier New" pitchFamily="49" charset="0"/>
+              </a:rPr>
+              <a:t>$</a:t>
+            </a:r>
+            <a:r>
+              <a:rPr lang="en-US" b="1" dirty="0" err="1" smtClean="0">
+                <a:latin typeface="Courier New" pitchFamily="49" charset="0"/>
+                <a:cs typeface="Courier New" pitchFamily="49" charset="0"/>
+              </a:rPr>
+              <a:t>window.jQuery</a:t>
+            </a:r>
+            <a:r>
+              <a:rPr lang="en-US" b="1" dirty="0" smtClean="0">
+                <a:solidFill>
+                  <a:srgbClr val="CC7832"/>
+                </a:solidFill>
+                <a:latin typeface="Courier New" pitchFamily="49" charset="0"/>
+                <a:cs typeface="Courier New" pitchFamily="49" charset="0"/>
+              </a:rPr>
+              <a:t>;</a:t>
+            </a:r>
+            <a:br>
+              <a:rPr lang="en-US" b="1" dirty="0" smtClean="0">
+                <a:solidFill>
+                  <a:srgbClr val="CC7832"/>
+                </a:solidFill>
+                <a:latin typeface="Courier New" pitchFamily="49" charset="0"/>
+                <a:cs typeface="Courier New" pitchFamily="49" charset="0"/>
+              </a:rPr>
+            </a:br>
+            <a:r>
+              <a:rPr lang="en-US" b="1" dirty="0" smtClean="0">
+                <a:latin typeface="Courier New" pitchFamily="49" charset="0"/>
+                <a:cs typeface="Courier New" pitchFamily="49" charset="0"/>
+              </a:rPr>
+              <a:t>}</a:t>
             </a:r>
           </a:p>
           <a:p>
@@ -8514,225 +10612,74 @@
               <a:buNone/>
             </a:pPr>
             <a:r>
-              <a:rPr lang="en-US" dirty="0" smtClean="0">
-                <a:solidFill>
-                  <a:srgbClr val="333333"/>
-                </a:solidFill>
-              </a:rPr>
-              <a:t>		.controller(</a:t>
-            </a:r>
-            <a:r>
-              <a:rPr lang="en-US" dirty="0" smtClean="0">
-                <a:solidFill>
-                  <a:srgbClr val="DD1144"/>
-                </a:solidFill>
-              </a:rPr>
-              <a:t>'</a:t>
-            </a:r>
-            <a:r>
-              <a:rPr lang="en-US" dirty="0" err="1" smtClean="0">
-                <a:solidFill>
-                  <a:srgbClr val="DD1144"/>
-                </a:solidFill>
-              </a:rPr>
-              <a:t>MyController</a:t>
-            </a:r>
-            <a:r>
-              <a:rPr lang="en-US" dirty="0" smtClean="0">
-                <a:solidFill>
-                  <a:srgbClr val="DD1144"/>
-                </a:solidFill>
-              </a:rPr>
-              <a:t>'</a:t>
-            </a:r>
-            <a:r>
-              <a:rPr lang="en-US" dirty="0" smtClean="0">
-                <a:solidFill>
-                  <a:srgbClr val="333333"/>
-                </a:solidFill>
-              </a:rPr>
-              <a:t>, [</a:t>
-            </a:r>
-            <a:r>
-              <a:rPr lang="en-US" dirty="0" smtClean="0">
-                <a:solidFill>
-                  <a:srgbClr val="DD1144"/>
-                </a:solidFill>
-              </a:rPr>
-              <a:t>'$scope'</a:t>
-            </a:r>
-            <a:r>
-              <a:rPr lang="en-US" dirty="0" smtClean="0">
-                <a:solidFill>
-                  <a:srgbClr val="333333"/>
-                </a:solidFill>
-              </a:rPr>
-              <a:t>, function ($scope) { 			$</a:t>
-            </a:r>
-            <a:r>
-              <a:rPr lang="en-US" dirty="0" err="1" smtClean="0">
-                <a:solidFill>
-                  <a:srgbClr val="333333"/>
-                </a:solidFill>
-              </a:rPr>
-              <a:t>scope.greetMe</a:t>
-            </a:r>
-            <a:r>
-              <a:rPr lang="en-US" dirty="0" smtClean="0">
-                <a:solidFill>
-                  <a:srgbClr val="333333"/>
-                </a:solidFill>
-              </a:rPr>
-              <a:t> = </a:t>
-            </a:r>
-            <a:r>
-              <a:rPr lang="en-US" dirty="0" smtClean="0">
-                <a:solidFill>
-                  <a:srgbClr val="DD1144"/>
-                </a:solidFill>
-              </a:rPr>
-              <a:t>'World'</a:t>
-            </a:r>
-            <a:r>
-              <a:rPr lang="en-US" dirty="0" smtClean="0">
-                <a:solidFill>
-                  <a:srgbClr val="333333"/>
-                </a:solidFill>
-              </a:rPr>
-              <a:t>; </a:t>
-            </a:r>
-          </a:p>
-          <a:p>
-            <a:pPr>
-              <a:buNone/>
-            </a:pPr>
-            <a:r>
-              <a:rPr lang="en-US" dirty="0" smtClean="0">
-                <a:solidFill>
-                  <a:srgbClr val="333333"/>
-                </a:solidFill>
-              </a:rPr>
-              <a:t>		}]);</a:t>
-            </a:r>
-          </a:p>
-          <a:p>
-            <a:pPr>
-              <a:buNone/>
-            </a:pPr>
-            <a:r>
-              <a:rPr lang="en-US" dirty="0" smtClean="0">
-                <a:solidFill>
-                  <a:srgbClr val="333333"/>
-                </a:solidFill>
-              </a:rPr>
-              <a:t>	 </a:t>
-            </a:r>
-            <a:r>
-              <a:rPr lang="en-US" dirty="0" err="1" smtClean="0">
-                <a:solidFill>
-                  <a:srgbClr val="333333"/>
-                </a:solidFill>
-              </a:rPr>
-              <a:t>angular.element</a:t>
-            </a:r>
-            <a:r>
-              <a:rPr lang="en-US" dirty="0" smtClean="0">
-                <a:solidFill>
-                  <a:srgbClr val="333333"/>
-                </a:solidFill>
-              </a:rPr>
-              <a:t>(document).ready(function() { 	</a:t>
-            </a:r>
-            <a:r>
-              <a:rPr lang="en-US" dirty="0" err="1" smtClean="0">
-                <a:solidFill>
-                  <a:srgbClr val="333333"/>
-                </a:solidFill>
-              </a:rPr>
-              <a:t>angular.bootstrap</a:t>
-            </a:r>
-            <a:r>
-              <a:rPr lang="en-US" dirty="0" smtClean="0">
-                <a:solidFill>
-                  <a:srgbClr val="333333"/>
-                </a:solidFill>
-              </a:rPr>
-              <a:t>(document, [</a:t>
-            </a:r>
-            <a:r>
-              <a:rPr lang="en-US" dirty="0" smtClean="0">
-                <a:solidFill>
-                  <a:srgbClr val="DD1144"/>
-                </a:solidFill>
-              </a:rPr>
-              <a:t>'</a:t>
-            </a:r>
-            <a:r>
-              <a:rPr lang="en-US" dirty="0" err="1" smtClean="0">
-                <a:solidFill>
-                  <a:srgbClr val="DD1144"/>
-                </a:solidFill>
-              </a:rPr>
-              <a:t>myApp</a:t>
-            </a:r>
-            <a:r>
-              <a:rPr lang="en-US" dirty="0" smtClean="0">
-                <a:solidFill>
-                  <a:srgbClr val="DD1144"/>
-                </a:solidFill>
-              </a:rPr>
-              <a:t>'</a:t>
-            </a:r>
-            <a:r>
-              <a:rPr lang="en-US" dirty="0" smtClean="0">
-                <a:solidFill>
-                  <a:srgbClr val="333333"/>
-                </a:solidFill>
-              </a:rPr>
-              <a:t>]); </a:t>
-            </a:r>
-          </a:p>
-          <a:p>
-            <a:pPr>
-              <a:buNone/>
-            </a:pPr>
-            <a:r>
-              <a:rPr lang="en-US" dirty="0" smtClean="0">
-                <a:solidFill>
-                  <a:srgbClr val="333333"/>
-                </a:solidFill>
-              </a:rPr>
-              <a:t>	});</a:t>
-            </a:r>
-          </a:p>
-          <a:p>
-            <a:pPr>
-              <a:buNone/>
-            </a:pPr>
-            <a:r>
-              <a:rPr lang="en-US" dirty="0" smtClean="0">
-                <a:solidFill>
-                  <a:srgbClr val="333333"/>
-                </a:solidFill>
-              </a:rPr>
-              <a:t> </a:t>
-            </a:r>
-            <a:r>
-              <a:rPr lang="en-US" dirty="0" smtClean="0">
-                <a:solidFill>
-                  <a:srgbClr val="000080"/>
-                </a:solidFill>
-              </a:rPr>
-              <a:t>&lt;/script&gt;</a:t>
-            </a:r>
-            <a:endParaRPr lang="en-US" dirty="0"/>
+              <a:rPr lang="en-US" b="1" dirty="0" smtClean="0">
+                <a:latin typeface="Courier New" pitchFamily="49" charset="0"/>
+                <a:cs typeface="Courier New" pitchFamily="49" charset="0"/>
+              </a:rPr>
+              <a:t>})(</a:t>
+            </a:r>
+            <a:r>
+              <a:rPr lang="en-US" b="1" dirty="0" err="1" smtClean="0">
+                <a:solidFill>
+                  <a:srgbClr val="9876AA"/>
+                </a:solidFill>
+                <a:latin typeface="Courier New" pitchFamily="49" charset="0"/>
+                <a:cs typeface="Courier New" pitchFamily="49" charset="0"/>
+              </a:rPr>
+              <a:t>angular</a:t>
+            </a:r>
+            <a:r>
+              <a:rPr lang="en-US" b="1" dirty="0" err="1" smtClean="0">
+                <a:latin typeface="Courier New" pitchFamily="49" charset="0"/>
+                <a:cs typeface="Courier New" pitchFamily="49" charset="0"/>
+              </a:rPr>
+              <a:t>.module</a:t>
+            </a:r>
+            <a:r>
+              <a:rPr lang="en-US" b="1" dirty="0" smtClean="0">
+                <a:latin typeface="Courier New" pitchFamily="49" charset="0"/>
+                <a:cs typeface="Courier New" pitchFamily="49" charset="0"/>
+              </a:rPr>
+              <a:t>(</a:t>
+            </a:r>
+            <a:r>
+              <a:rPr lang="en-US" b="1" dirty="0" smtClean="0">
+                <a:solidFill>
+                  <a:srgbClr val="6A8759"/>
+                </a:solidFill>
+                <a:latin typeface="Courier New" pitchFamily="49" charset="0"/>
+                <a:cs typeface="Courier New" pitchFamily="49" charset="0"/>
+              </a:rPr>
+              <a:t>"app"</a:t>
+            </a:r>
+            <a:r>
+              <a:rPr lang="en-US" b="1" dirty="0" smtClean="0">
+                <a:latin typeface="Courier New" pitchFamily="49" charset="0"/>
+                <a:cs typeface="Courier New" pitchFamily="49" charset="0"/>
+              </a:rPr>
+              <a:t>))</a:t>
+            </a:r>
+            <a:r>
+              <a:rPr lang="en-US" b="1" dirty="0" smtClean="0">
+                <a:solidFill>
+                  <a:srgbClr val="CC7832"/>
+                </a:solidFill>
+                <a:latin typeface="Courier New" pitchFamily="49" charset="0"/>
+                <a:cs typeface="Courier New" pitchFamily="49" charset="0"/>
+              </a:rPr>
+              <a:t>;</a:t>
+            </a:r>
+            <a:endParaRPr lang="en-US" b="1" dirty="0">
+              <a:latin typeface="Courier New" pitchFamily="49" charset="0"/>
+              <a:cs typeface="Courier New" pitchFamily="49" charset="0"/>
+            </a:endParaRPr>
           </a:p>
         </p:txBody>
       </p:sp>
     </p:spTree>
     <p:extLst>
       <p:ext uri="{BB962C8B-B14F-4D97-AF65-F5344CB8AC3E}">
-        <p14:creationId xmlns="" xmlns:p14="http://schemas.microsoft.com/office/powerpoint/2010/main" val="2915730469"/>
+        <p14:creationId xmlns:p14="http://schemas.microsoft.com/office/powerpoint/2010/main" xmlns="" val="2915730469"/>
       </p:ext>
     </p:extLst>
   </p:cSld>
@@ -8776,7 +10723,12 @@
             <p:ph type="title"/>
           </p:nvPr>
         </p:nvSpPr>
-        <p:spPr/>
+        <p:spPr>
+          <a:xfrm>
+            <a:off x="152400" y="133350"/>
+            <a:ext cx="7239000" cy="450591"/>
+          </a:xfrm>
+        </p:spPr>
         <p:txBody>
           <a:bodyPr>
             <a:normAutofit fontScale="90000"/>
@@ -8785,7 +10737,11 @@
           <a:p>
             <a:r>
               <a:rPr lang="en-US" dirty="0" smtClean="0"/>
-              <a:t>In Cordova app must use bootstrap</a:t>
+              <a:t>Angular </a:t>
+            </a:r>
+            <a:r>
+              <a:rPr lang="en-US" dirty="0" smtClean="0"/>
+              <a:t>copy function issue with Blob object</a:t>
             </a:r>
             <a:endParaRPr lang="en-US" dirty="0"/>
           </a:p>
@@ -8793,7 +10749,7 @@
       </p:sp>
       <p:sp>
         <p:nvSpPr>
-          <p:cNvPr id="3" name="Content Placeholder 2"/>
+          <p:cNvPr id="5" name="Content Placeholder 4"/>
           <p:cNvSpPr>
             <a:spLocks noGrp="1"/>
           </p:cNvSpPr>
@@ -8804,7 +10760,7 @@
         <p:spPr>
           <a:xfrm>
             <a:off x="152400" y="819150"/>
-            <a:ext cx="9144000" cy="3962400"/>
+            <a:ext cx="8991600" cy="3962400"/>
           </a:xfrm>
         </p:spPr>
         <p:txBody>
@@ -8815,282 +10771,345 @@
               <a:buNone/>
             </a:pPr>
             <a:r>
-              <a:rPr lang="en-US" dirty="0" err="1" smtClean="0">
-                <a:solidFill>
-                  <a:srgbClr val="000080"/>
-                </a:solidFill>
-              </a:rPr>
-              <a:t>var</a:t>
-            </a:r>
-            <a:r>
-              <a:rPr lang="en-US" dirty="0" smtClean="0">
-                <a:solidFill>
-                  <a:srgbClr val="000080"/>
-                </a:solidFill>
-              </a:rPr>
-              <a:t> app = {</a:t>
+              <a:rPr lang="en-US" b="1" dirty="0" smtClean="0"/>
+              <a:t>	</a:t>
+            </a:r>
+            <a:r>
+              <a:rPr lang="en-US" dirty="0" smtClean="0"/>
+              <a:t>Using </a:t>
+            </a:r>
+            <a:r>
+              <a:rPr lang="en-US" b="1" dirty="0" err="1" smtClean="0"/>
+              <a:t>angular.copy</a:t>
+            </a:r>
+            <a:r>
+              <a:rPr lang="en-US" b="1" dirty="0" smtClean="0"/>
+              <a:t> </a:t>
+            </a:r>
+            <a:r>
+              <a:rPr lang="en-US" dirty="0" smtClean="0"/>
+              <a:t>while </a:t>
+            </a:r>
+            <a:r>
+              <a:rPr lang="en-US" dirty="0" smtClean="0"/>
+              <a:t>editing profile picture to clone the picture and use it later does not </a:t>
+            </a:r>
+            <a:r>
+              <a:rPr lang="en-US" dirty="0" smtClean="0"/>
+              <a:t>work.</a:t>
             </a:r>
           </a:p>
           <a:p>
             <a:pPr>
               <a:buNone/>
             </a:pPr>
-            <a:r>
-              <a:rPr lang="en-US" dirty="0" smtClean="0">
-                <a:solidFill>
-                  <a:srgbClr val="000080"/>
-                </a:solidFill>
-              </a:rPr>
-              <a:t>  </a:t>
-            </a:r>
-            <a:r>
-              <a:rPr lang="en-US" dirty="0" err="1" smtClean="0">
-                <a:solidFill>
-                  <a:srgbClr val="000080"/>
-                </a:solidFill>
-              </a:rPr>
-              <a:t>bindEvents</a:t>
-            </a:r>
-            <a:r>
-              <a:rPr lang="en-US" dirty="0" smtClean="0">
-                <a:solidFill>
-                  <a:srgbClr val="000080"/>
-                </a:solidFill>
-              </a:rPr>
-              <a:t>: function () {</a:t>
-            </a:r>
+            <a:endParaRPr lang="en-US" dirty="0" smtClean="0"/>
           </a:p>
           <a:p>
             <a:pPr>
               <a:buNone/>
             </a:pPr>
             <a:r>
-              <a:rPr lang="en-US" dirty="0" smtClean="0">
-                <a:solidFill>
-                  <a:srgbClr val="000080"/>
-                </a:solidFill>
-              </a:rPr>
-              <a:t>    </a:t>
-            </a:r>
-            <a:r>
-              <a:rPr lang="en-US" dirty="0" err="1" smtClean="0">
-                <a:solidFill>
-                  <a:srgbClr val="000080"/>
-                </a:solidFill>
-              </a:rPr>
-              <a:t>document.addEventListener</a:t>
-            </a:r>
-            <a:r>
-              <a:rPr lang="en-US" dirty="0" smtClean="0">
-                <a:solidFill>
-                  <a:srgbClr val="000080"/>
-                </a:solidFill>
-              </a:rPr>
-              <a:t>('</a:t>
-            </a:r>
-            <a:r>
-              <a:rPr lang="en-US" dirty="0" err="1" smtClean="0">
-                <a:solidFill>
-                  <a:srgbClr val="000080"/>
-                </a:solidFill>
-              </a:rPr>
-              <a:t>deviceready</a:t>
-            </a:r>
-            <a:r>
-              <a:rPr lang="en-US" dirty="0" smtClean="0">
-                <a:solidFill>
-                  <a:srgbClr val="000080"/>
-                </a:solidFill>
-              </a:rPr>
-              <a:t>', </a:t>
-            </a:r>
-            <a:r>
-              <a:rPr lang="en-US" dirty="0" err="1" smtClean="0">
-                <a:solidFill>
-                  <a:srgbClr val="000080"/>
-                </a:solidFill>
-              </a:rPr>
-              <a:t>this.onDeviceReady</a:t>
-            </a:r>
-            <a:r>
-              <a:rPr lang="en-US" dirty="0" smtClean="0">
-                <a:solidFill>
-                  <a:srgbClr val="000080"/>
-                </a:solidFill>
-              </a:rPr>
-              <a:t>, false);</a:t>
-            </a:r>
+              <a:rPr lang="en-US" b="1" dirty="0" smtClean="0"/>
+              <a:t>	</a:t>
+            </a:r>
+            <a:r>
+              <a:rPr lang="en-US" dirty="0" smtClean="0"/>
+              <a:t>Create a </a:t>
+            </a:r>
+            <a:r>
+              <a:rPr lang="en-US" dirty="0" err="1" smtClean="0"/>
+              <a:t>cloneBlob</a:t>
+            </a:r>
+            <a:r>
+              <a:rPr lang="en-US" dirty="0" smtClean="0"/>
+              <a:t> function as below:</a:t>
+            </a:r>
+            <a:endParaRPr lang="en-US" dirty="0" smtClean="0"/>
           </a:p>
           <a:p>
             <a:pPr>
               <a:buNone/>
             </a:pPr>
             <a:r>
-              <a:rPr lang="en-US" dirty="0" smtClean="0">
-                <a:solidFill>
-                  <a:srgbClr val="000080"/>
-                </a:solidFill>
-              </a:rPr>
-              <a:t>  },</a:t>
-            </a:r>
-          </a:p>
-          <a:p>
-            <a:pPr>
-              <a:buNone/>
-            </a:pPr>
-            <a:r>
-              <a:rPr lang="en-US" dirty="0" smtClean="0">
-                <a:solidFill>
-                  <a:srgbClr val="000080"/>
-                </a:solidFill>
+              <a:rPr lang="en-US" b="1" dirty="0" smtClean="0">
+                <a:solidFill>
+                  <a:srgbClr val="CC7832"/>
+                </a:solidFill>
+                <a:latin typeface="Courier New" pitchFamily="49" charset="0"/>
+                <a:cs typeface="Courier New" pitchFamily="49" charset="0"/>
+              </a:rPr>
+              <a:t>	</a:t>
+            </a:r>
+            <a:r>
+              <a:rPr lang="en-US" b="1" dirty="0" smtClean="0">
+                <a:solidFill>
+                  <a:srgbClr val="CC7832"/>
+                </a:solidFill>
+                <a:latin typeface="Courier New" pitchFamily="49" charset="0"/>
+                <a:cs typeface="Courier New" pitchFamily="49" charset="0"/>
+              </a:rPr>
+              <a:t>function </a:t>
+            </a:r>
+            <a:r>
+              <a:rPr lang="en-US" b="1" dirty="0" err="1" smtClean="0">
+                <a:solidFill>
+                  <a:srgbClr val="FFC66D"/>
+                </a:solidFill>
+                <a:latin typeface="Courier New" pitchFamily="49" charset="0"/>
+                <a:cs typeface="Courier New" pitchFamily="49" charset="0"/>
+              </a:rPr>
+              <a:t>cloneBlob</a:t>
+            </a:r>
+            <a:r>
+              <a:rPr lang="en-US" b="1" dirty="0" smtClean="0">
+                <a:solidFill>
+                  <a:srgbClr val="FFC66D"/>
+                </a:solidFill>
+                <a:latin typeface="Courier New" pitchFamily="49" charset="0"/>
+                <a:cs typeface="Courier New" pitchFamily="49" charset="0"/>
+              </a:rPr>
+              <a:t> </a:t>
+            </a:r>
+            <a:r>
+              <a:rPr lang="en-US" b="1" dirty="0" smtClean="0">
+                <a:latin typeface="Courier New" pitchFamily="49" charset="0"/>
+                <a:cs typeface="Courier New" pitchFamily="49" charset="0"/>
+              </a:rPr>
+              <a:t>(source) {</a:t>
+            </a:r>
+            <a:br>
+              <a:rPr lang="en-US" b="1" dirty="0" smtClean="0">
+                <a:latin typeface="Courier New" pitchFamily="49" charset="0"/>
+                <a:cs typeface="Courier New" pitchFamily="49" charset="0"/>
+              </a:rPr>
+            </a:br>
+            <a:r>
+              <a:rPr lang="en-US" b="1" dirty="0" smtClean="0">
+                <a:latin typeface="Courier New" pitchFamily="49" charset="0"/>
+                <a:cs typeface="Courier New" pitchFamily="49" charset="0"/>
               </a:rPr>
               <a:t>  </a:t>
             </a:r>
             <a:r>
-              <a:rPr lang="en-US" dirty="0" err="1" smtClean="0">
-                <a:solidFill>
-                  <a:srgbClr val="000080"/>
-                </a:solidFill>
-              </a:rPr>
-              <a:t>onDeviceReady</a:t>
-            </a:r>
-            <a:r>
-              <a:rPr lang="en-US" dirty="0" smtClean="0">
-                <a:solidFill>
-                  <a:srgbClr val="000080"/>
-                </a:solidFill>
-              </a:rPr>
-              <a:t>: function () {</a:t>
-            </a:r>
-          </a:p>
-          <a:p>
-            <a:pPr>
-              <a:buNone/>
-            </a:pPr>
-            <a:r>
-              <a:rPr lang="en-US" dirty="0" smtClean="0">
-                <a:solidFill>
-                  <a:srgbClr val="000080"/>
-                </a:solidFill>
-              </a:rPr>
-              <a:t>     </a:t>
-            </a:r>
-            <a:r>
-              <a:rPr lang="en-US" dirty="0" err="1" smtClean="0">
-                <a:solidFill>
-                  <a:srgbClr val="333333"/>
-                </a:solidFill>
-              </a:rPr>
-              <a:t>angular.bootstrap</a:t>
-            </a:r>
-            <a:r>
-              <a:rPr lang="en-US" dirty="0" smtClean="0">
-                <a:solidFill>
-                  <a:srgbClr val="333333"/>
-                </a:solidFill>
-              </a:rPr>
-              <a:t>(document, [</a:t>
-            </a:r>
-            <a:r>
-              <a:rPr lang="en-US" dirty="0" smtClean="0">
-                <a:solidFill>
-                  <a:srgbClr val="DD1144"/>
-                </a:solidFill>
-              </a:rPr>
-              <a:t>'</a:t>
-            </a:r>
-            <a:r>
-              <a:rPr lang="en-US" dirty="0" err="1" smtClean="0">
-                <a:solidFill>
-                  <a:srgbClr val="DD1144"/>
-                </a:solidFill>
-              </a:rPr>
-              <a:t>myApp</a:t>
-            </a:r>
-            <a:r>
-              <a:rPr lang="en-US" dirty="0" smtClean="0">
-                <a:solidFill>
-                  <a:srgbClr val="DD1144"/>
-                </a:solidFill>
-              </a:rPr>
-              <a:t>'</a:t>
-            </a:r>
-            <a:r>
-              <a:rPr lang="en-US" dirty="0" smtClean="0">
-                <a:solidFill>
-                  <a:srgbClr val="333333"/>
-                </a:solidFill>
-              </a:rPr>
-              <a:t>]);</a:t>
-            </a:r>
-            <a:endParaRPr lang="en-US" dirty="0" smtClean="0">
-              <a:solidFill>
-                <a:srgbClr val="000080"/>
-              </a:solidFill>
+              <a:rPr lang="en-US" b="1" dirty="0" smtClean="0">
+                <a:solidFill>
+                  <a:srgbClr val="CC7832"/>
+                </a:solidFill>
+                <a:latin typeface="Courier New" pitchFamily="49" charset="0"/>
+                <a:cs typeface="Courier New" pitchFamily="49" charset="0"/>
+              </a:rPr>
+              <a:t>if </a:t>
+            </a:r>
+            <a:r>
+              <a:rPr lang="en-US" b="1" dirty="0" smtClean="0">
+                <a:latin typeface="Courier New" pitchFamily="49" charset="0"/>
+                <a:cs typeface="Courier New" pitchFamily="49" charset="0"/>
+              </a:rPr>
+              <a:t>(source </a:t>
+            </a:r>
+            <a:r>
+              <a:rPr lang="en-US" b="1" dirty="0" err="1" smtClean="0">
+                <a:solidFill>
+                  <a:srgbClr val="CC7832"/>
+                </a:solidFill>
+                <a:latin typeface="Courier New" pitchFamily="49" charset="0"/>
+                <a:cs typeface="Courier New" pitchFamily="49" charset="0"/>
+              </a:rPr>
+              <a:t>instanceof</a:t>
+            </a:r>
+            <a:r>
+              <a:rPr lang="en-US" b="1" dirty="0" smtClean="0">
+                <a:solidFill>
+                  <a:srgbClr val="CC7832"/>
+                </a:solidFill>
+                <a:latin typeface="Courier New" pitchFamily="49" charset="0"/>
+                <a:cs typeface="Courier New" pitchFamily="49" charset="0"/>
+              </a:rPr>
+              <a:t> </a:t>
+            </a:r>
+            <a:r>
+              <a:rPr lang="en-US" b="1" dirty="0" smtClean="0">
+                <a:solidFill>
+                  <a:srgbClr val="9876AA"/>
+                </a:solidFill>
+                <a:latin typeface="Courier New" pitchFamily="49" charset="0"/>
+                <a:cs typeface="Courier New" pitchFamily="49" charset="0"/>
+              </a:rPr>
+              <a:t>Blob</a:t>
+            </a:r>
+            <a:r>
+              <a:rPr lang="en-US" b="1" dirty="0" smtClean="0">
+                <a:latin typeface="Courier New" pitchFamily="49" charset="0"/>
+                <a:cs typeface="Courier New" pitchFamily="49" charset="0"/>
+              </a:rPr>
+              <a:t>) {</a:t>
+            </a:r>
+            <a:br>
+              <a:rPr lang="en-US" b="1" dirty="0" smtClean="0">
+                <a:latin typeface="Courier New" pitchFamily="49" charset="0"/>
+                <a:cs typeface="Courier New" pitchFamily="49" charset="0"/>
+              </a:rPr>
+            </a:br>
+            <a:r>
+              <a:rPr lang="en-US" b="1" dirty="0" smtClean="0">
+                <a:latin typeface="Courier New" pitchFamily="49" charset="0"/>
+                <a:cs typeface="Courier New" pitchFamily="49" charset="0"/>
+              </a:rPr>
+              <a:t>    </a:t>
+            </a:r>
+            <a:r>
+              <a:rPr lang="en-US" b="1" dirty="0" smtClean="0">
+                <a:solidFill>
+                  <a:srgbClr val="CC7832"/>
+                </a:solidFill>
+                <a:latin typeface="Courier New" pitchFamily="49" charset="0"/>
+                <a:cs typeface="Courier New" pitchFamily="49" charset="0"/>
+              </a:rPr>
+              <a:t>return </a:t>
+            </a:r>
+            <a:r>
+              <a:rPr lang="en-US" b="1" dirty="0" err="1" smtClean="0">
+                <a:latin typeface="Courier New" pitchFamily="49" charset="0"/>
+                <a:cs typeface="Courier New" pitchFamily="49" charset="0"/>
+              </a:rPr>
+              <a:t>source.</a:t>
+            </a:r>
+            <a:r>
+              <a:rPr lang="en-US" b="1" dirty="0" err="1" smtClean="0">
+                <a:solidFill>
+                  <a:srgbClr val="FFC66D"/>
+                </a:solidFill>
+                <a:latin typeface="Courier New" pitchFamily="49" charset="0"/>
+                <a:cs typeface="Courier New" pitchFamily="49" charset="0"/>
+              </a:rPr>
+              <a:t>slice</a:t>
+            </a:r>
+            <a:r>
+              <a:rPr lang="en-US" b="1" dirty="0" smtClean="0">
+                <a:latin typeface="Courier New" pitchFamily="49" charset="0"/>
+                <a:cs typeface="Courier New" pitchFamily="49" charset="0"/>
+              </a:rPr>
+              <a:t>()</a:t>
+            </a:r>
+            <a:r>
+              <a:rPr lang="en-US" b="1" dirty="0" smtClean="0">
+                <a:solidFill>
+                  <a:srgbClr val="CC7832"/>
+                </a:solidFill>
+                <a:latin typeface="Courier New" pitchFamily="49" charset="0"/>
+                <a:cs typeface="Courier New" pitchFamily="49" charset="0"/>
+              </a:rPr>
+              <a:t>; </a:t>
+            </a:r>
+            <a:r>
+              <a:rPr lang="en-US" b="1" dirty="0" smtClean="0">
+                <a:solidFill>
+                  <a:srgbClr val="808080"/>
+                </a:solidFill>
+                <a:latin typeface="Courier New" pitchFamily="49" charset="0"/>
+                <a:cs typeface="Courier New" pitchFamily="49" charset="0"/>
+              </a:rPr>
+              <a:t>// clone file</a:t>
+            </a:r>
+            <a:br>
+              <a:rPr lang="en-US" b="1" dirty="0" smtClean="0">
+                <a:solidFill>
+                  <a:srgbClr val="808080"/>
+                </a:solidFill>
+                <a:latin typeface="Courier New" pitchFamily="49" charset="0"/>
+                <a:cs typeface="Courier New" pitchFamily="49" charset="0"/>
+              </a:rPr>
+            </a:br>
+            <a:r>
+              <a:rPr lang="en-US" b="1" dirty="0" smtClean="0">
+                <a:solidFill>
+                  <a:srgbClr val="808080"/>
+                </a:solidFill>
+                <a:latin typeface="Courier New" pitchFamily="49" charset="0"/>
+                <a:cs typeface="Courier New" pitchFamily="49" charset="0"/>
+              </a:rPr>
+              <a:t>  </a:t>
+            </a:r>
+            <a:r>
+              <a:rPr lang="en-US" b="1" dirty="0" smtClean="0">
+                <a:latin typeface="Courier New" pitchFamily="49" charset="0"/>
+                <a:cs typeface="Courier New" pitchFamily="49" charset="0"/>
+              </a:rPr>
+              <a:t>}</a:t>
+            </a:r>
+            <a:br>
+              <a:rPr lang="en-US" b="1" dirty="0" smtClean="0">
+                <a:latin typeface="Courier New" pitchFamily="49" charset="0"/>
+                <a:cs typeface="Courier New" pitchFamily="49" charset="0"/>
+              </a:rPr>
+            </a:br>
+            <a:r>
+              <a:rPr lang="en-US" b="1" dirty="0" smtClean="0">
+                <a:latin typeface="Courier New" pitchFamily="49" charset="0"/>
+                <a:cs typeface="Courier New" pitchFamily="49" charset="0"/>
+              </a:rPr>
+              <a:t>}</a:t>
+            </a:r>
+            <a:endParaRPr lang="en-US" b="1" dirty="0" smtClean="0">
+              <a:latin typeface="Courier New" pitchFamily="49" charset="0"/>
+              <a:cs typeface="Courier New" pitchFamily="49" charset="0"/>
             </a:endParaRPr>
-          </a:p>
-          <a:p>
-            <a:pPr>
-              <a:buNone/>
-            </a:pPr>
-            <a:r>
-              <a:rPr lang="en-US" dirty="0" smtClean="0">
-                <a:solidFill>
-                  <a:srgbClr val="000080"/>
-                </a:solidFill>
-              </a:rPr>
-              <a:t>  }</a:t>
-            </a:r>
-          </a:p>
-          <a:p>
-            <a:pPr>
-              <a:buNone/>
-            </a:pPr>
-            <a:r>
-              <a:rPr lang="en-US" dirty="0" smtClean="0">
-                <a:solidFill>
-                  <a:srgbClr val="000080"/>
-                </a:solidFill>
-              </a:rPr>
-              <a:t>},</a:t>
-            </a:r>
-          </a:p>
-          <a:p>
-            <a:pPr>
-              <a:buNone/>
-            </a:pPr>
-            <a:r>
-              <a:rPr lang="en-US" dirty="0" smtClean="0">
-                <a:solidFill>
-                  <a:srgbClr val="000080"/>
-                </a:solidFill>
-              </a:rPr>
-              <a:t> </a:t>
-            </a:r>
-            <a:r>
-              <a:rPr lang="en-US" dirty="0" err="1" smtClean="0">
-                <a:solidFill>
-                  <a:srgbClr val="000080"/>
-                </a:solidFill>
-              </a:rPr>
-              <a:t>app.initialize</a:t>
-            </a:r>
-            <a:r>
-              <a:rPr lang="en-US" dirty="0" smtClean="0">
-                <a:solidFill>
-                  <a:srgbClr val="000080"/>
-                </a:solidFill>
-              </a:rPr>
-              <a:t>();</a:t>
-            </a:r>
-            <a:endParaRPr lang="en-US" dirty="0"/>
           </a:p>
         </p:txBody>
       </p:sp>
+      <p:pic>
+        <p:nvPicPr>
+          <p:cNvPr id="4" name="Picture 3" descr="Questionmark.png"/>
+          <p:cNvPicPr>
+            <a:picLocks noChangeAspect="1"/>
+          </p:cNvPicPr>
+          <p:nvPr/>
+        </p:nvPicPr>
+        <p:blipFill>
+          <a:blip r:embed="rId2" cstate="print"/>
+          <a:stretch>
+            <a:fillRect/>
+          </a:stretch>
+        </p:blipFill>
+        <p:spPr>
+          <a:xfrm>
+            <a:off x="152400" y="819150"/>
+            <a:ext cx="457200" cy="457200"/>
+          </a:xfrm>
+          <a:prstGeom prst="rect">
+            <a:avLst/>
+          </a:prstGeom>
+        </p:spPr>
+      </p:pic>
+      <p:pic>
+        <p:nvPicPr>
+          <p:cNvPr id="6" name="Picture 5" descr="078575-blue-jelly-icon-business-light-on.png"/>
+          <p:cNvPicPr>
+            <a:picLocks noChangeAspect="1"/>
+          </p:cNvPicPr>
+          <p:nvPr/>
+        </p:nvPicPr>
+        <p:blipFill>
+          <a:blip r:embed="rId3" cstate="print"/>
+          <a:stretch>
+            <a:fillRect/>
+          </a:stretch>
+        </p:blipFill>
+        <p:spPr>
+          <a:xfrm>
+            <a:off x="152400" y="2038350"/>
+            <a:ext cx="457200" cy="457200"/>
+          </a:xfrm>
+          <a:prstGeom prst="rect">
+            <a:avLst/>
+          </a:prstGeom>
+        </p:spPr>
+      </p:pic>
     </p:spTree>
     <p:extLst>
       <p:ext uri="{BB962C8B-B14F-4D97-AF65-F5344CB8AC3E}">
-        <p14:creationId xmlns="" xmlns:p14="http://schemas.microsoft.com/office/powerpoint/2010/main" val="2915730469"/>
+        <p14:creationId xmlns:p14="http://schemas.microsoft.com/office/powerpoint/2010/main" xmlns="" val="2915730469"/>
       </p:ext>
     </p:extLst>
   </p:cSld>
@@ -9126,66 +11145,152 @@
       </p:grpSpPr>
       <p:sp>
         <p:nvSpPr>
-          <p:cNvPr id="2" name="Title 1"/>
-          <p:cNvSpPr>
-            <a:spLocks noGrp="1"/>
-          </p:cNvSpPr>
-          <p:nvPr>
-            <p:ph type="title"/>
-          </p:nvPr>
+          <p:cNvPr id="4" name="Rectangle 3"/>
+          <p:cNvSpPr/>
+          <p:nvPr/>
         </p:nvSpPr>
-        <p:spPr/>
+        <p:spPr>
+          <a:xfrm>
+            <a:off x="2895600" y="2343150"/>
+            <a:ext cx="6248400" cy="567690"/>
+          </a:xfrm>
+          <a:prstGeom prst="rect">
+            <a:avLst/>
+          </a:prstGeom>
+          <a:solidFill>
+            <a:srgbClr val="E21A2D"/>
+          </a:solidFill>
+          <a:ln>
+            <a:noFill/>
+          </a:ln>
+        </p:spPr>
+        <p:style>
+          <a:lnRef idx="2">
+            <a:schemeClr val="accent1">
+              <a:shade val="50000"/>
+            </a:schemeClr>
+          </a:lnRef>
+          <a:fillRef idx="1">
+            <a:schemeClr val="accent1"/>
+          </a:fillRef>
+          <a:effectRef idx="0">
+            <a:schemeClr val="accent1"/>
+          </a:effectRef>
+          <a:fontRef idx="minor">
+            <a:schemeClr val="lt1"/>
+          </a:fontRef>
+        </p:style>
         <p:txBody>
-          <a:bodyPr>
-            <a:normAutofit fontScale="90000"/>
+          <a:bodyPr rtlCol="0" anchor="ctr"/>
+          <a:lstStyle/>
+          <a:p>
+            <a:pPr algn="ctr"/>
+            <a:endParaRPr lang="en-US"/>
+          </a:p>
+        </p:txBody>
+      </p:sp>
+      <p:sp>
+        <p:nvSpPr>
+          <p:cNvPr id="2" name="TextBox 1"/>
+          <p:cNvSpPr txBox="1"/>
+          <p:nvPr/>
+        </p:nvSpPr>
+        <p:spPr>
+          <a:xfrm>
+            <a:off x="2895600" y="2244478"/>
+            <a:ext cx="4724400" cy="707886"/>
+          </a:xfrm>
+          <a:prstGeom prst="rect">
+            <a:avLst/>
+          </a:prstGeom>
+          <a:noFill/>
+        </p:spPr>
+        <p:txBody>
+          <a:bodyPr wrap="square" rtlCol="0">
+            <a:spAutoFit/>
           </a:bodyPr>
           <a:lstStyle/>
           <a:p>
-            <a:r>
-              <a:rPr lang="en-US" dirty="0" smtClean="0"/>
-              <a:t>Angular </a:t>
-            </a:r>
-            <a:r>
-              <a:rPr lang="en-US" dirty="0" smtClean="0"/>
-              <a:t>inject third party as service</a:t>
-            </a:r>
-            <a:endParaRPr lang="en-US" dirty="0"/>
+            <a:pPr algn="ctr"/>
+            <a:r>
+              <a:rPr lang="en-US" sz="4000" dirty="0" smtClean="0">
+                <a:solidFill>
+                  <a:schemeClr val="bg1"/>
+                </a:solidFill>
+              </a:rPr>
+              <a:t>FORM AND INPUT</a:t>
+            </a:r>
+            <a:endParaRPr lang="en-US" sz="4000" dirty="0">
+              <a:solidFill>
+                <a:schemeClr val="bg1"/>
+              </a:solidFill>
+            </a:endParaRPr>
           </a:p>
         </p:txBody>
       </p:sp>
       <p:pic>
         <p:nvPicPr>
-          <p:cNvPr id="4" name="Content Placeholder 3" descr="Capture.PNG"/>
+          <p:cNvPr id="6" name="Picture 2" descr="C:\Users\ducphan\Desktop\original-logo.png"/>
           <p:cNvPicPr>
-            <a:picLocks noGrp="1" noChangeAspect="1"/>
+            <a:picLocks noChangeAspect="1" noChangeArrowheads="1"/>
           </p:cNvPicPr>
-          <p:nvPr>
-            <p:ph sz="quarter" idx="13"/>
-          </p:nvPr>
+          <p:nvPr/>
         </p:nvPicPr>
         <p:blipFill>
-          <a:blip r:embed="rId2"/>
+          <a:blip r:embed="rId2" cstate="print">
+            <a:extLst>
+              <a:ext uri="{28A0092B-C50C-407E-A947-70E740481C1C}">
+                <a14:useLocalDpi xmlns:a14="http://schemas.microsoft.com/office/drawing/2010/main" xmlns="" val="0"/>
+              </a:ext>
+            </a:extLst>
+          </a:blip>
+          <a:srcRect/>
           <a:stretch>
             <a:fillRect/>
           </a:stretch>
         </p:blipFill>
-        <p:spPr>
+        <p:spPr bwMode="auto">
           <a:xfrm>
-            <a:off x="1219200" y="971550"/>
-            <a:ext cx="6537981" cy="3067201"/>
+            <a:off x="1828800" y="2313455"/>
+            <a:ext cx="831274" cy="567690"/>
           </a:xfrm>
+          <a:prstGeom prst="rect">
+            <a:avLst/>
+          </a:prstGeom>
+          <a:noFill/>
+          <a:extLst>
+            <a:ext uri="{909E8E84-426E-40DD-AFC4-6F175D3DCCD1}">
+              <a14:hiddenFill xmlns:a14="http://schemas.microsoft.com/office/drawing/2010/main" xmlns="">
+                <a:solidFill>
+                  <a:srgbClr val="FFFFFF"/>
+                </a:solidFill>
+              </a14:hiddenFill>
+            </a:ext>
+          </a:extLst>
         </p:spPr>
       </p:pic>
     </p:spTree>
     <p:extLst>
       <p:ext uri="{BB962C8B-B14F-4D97-AF65-F5344CB8AC3E}">
-        <p14:creationId xmlns="" xmlns:p14="http://schemas.microsoft.com/office/powerpoint/2010/main" val="2915730469"/>
+        <p14:creationId xmlns:p14="http://schemas.microsoft.com/office/powerpoint/2010/main" xmlns="" val="832102"/>
       </p:ext>
     </p:extLst>
   </p:cSld>
   <p:clrMapOvr>
     <a:masterClrMapping/>
   </p:clrMapOvr>
+  <mc:AlternateContent xmlns:mc="http://schemas.openxmlformats.org/markup-compatibility/2006">
+    <mc:Choice xmlns:p14="http://schemas.microsoft.com/office/powerpoint/2010/main" xmlns="" Requires="p14">
+      <p:transition spd="med" p14:dur="700">
+        <p:fade/>
+      </p:transition>
+    </mc:Choice>
+    <mc:Fallback>
+      <p:transition spd="med">
+        <p:fade/>
+      </p:transition>
+    </mc:Fallback>
+  </mc:AlternateContent>
   <p:timing>
     <p:tnLst>
       <p:par>
@@ -10048,45 +12153,6 @@
 </file>
 
 <file path=customXml/item1.xml><?xml version="1.0" encoding="utf-8"?>
-<?mso-contentType ?>
-<FormTemplates xmlns="http://schemas.microsoft.com/sharepoint/v3/contenttype/forms">
-  <Display>DocumentLibraryForm</Display>
-  <Edit>DocumentLibraryForm</Edit>
-  <New>DocumentLibraryForm</New>
-</FormTemplates>
-</file>
-
-<file path=customXml/item2.xml><?xml version="1.0" encoding="utf-8"?>
-<p:properties xmlns:p="http://schemas.microsoft.com/office/2006/metadata/properties" xmlns:xsi="http://www.w3.org/2001/XMLSchema-instance" xmlns:pc="http://schemas.microsoft.com/office/infopath/2007/PartnerControls">
-  <documentManagement>
-    <PublishingRollupImage xmlns="http://schemas.microsoft.com/sharepoint/v3" xsi:nil="true"/>
-    <PublishingContactEmail xmlns="http://schemas.microsoft.com/sharepoint/v3">san.nguyenngoc@harveynash.vn</PublishingContactEmail>
-    <PublishingVariationRelationshipLinkFieldID xmlns="http://schemas.microsoft.com/sharepoint/v3">
-      <Url xsi:nil="true"/>
-      <Description xsi:nil="true"/>
-    </PublishingVariationRelationshipLinkFieldID>
-    <PublishingVariationGroupID xmlns="http://schemas.microsoft.com/sharepoint/v3" xsi:nil="true"/>
-    <Audience xmlns="http://schemas.microsoft.com/sharepoint/v3" xsi:nil="true"/>
-    <PublishingExpirationDate xmlns="http://schemas.microsoft.com/sharepoint/v3" xsi:nil="true"/>
-    <PublishingContactPicture xmlns="http://schemas.microsoft.com/sharepoint/v3">
-      <Url xsi:nil="true"/>
-      <Description xsi:nil="true"/>
-    </PublishingContactPicture>
-    <PublishingStartDate xmlns="http://schemas.microsoft.com/sharepoint/v3" xsi:nil="true"/>
-    <PublishingContact xmlns="http://schemas.microsoft.com/sharepoint/v3">
-      <UserInfo>
-        <DisplayName/>
-        <AccountId xsi:nil="true"/>
-        <AccountType/>
-      </UserInfo>
-    </PublishingContact>
-    <PublishingContactName xmlns="http://schemas.microsoft.com/sharepoint/v3">San Nguyen</PublishingContactName>
-    <Comments xmlns="http://schemas.microsoft.com/sharepoint/v3" xsi:nil="true"/>
-  </documentManagement>
-</p:properties>
-</file>
-
-<file path=customXml/item3.xml><?xml version="1.0" encoding="utf-8"?>
 <ct:contentTypeSchema xmlns:ct="http://schemas.microsoft.com/office/2006/metadata/contentType" xmlns:ma="http://schemas.microsoft.com/office/2006/metadata/properties/metaAttributes" ct:_="" ma:_="" ma:contentTypeName="Page" ma:contentTypeID="0x010100C568DB52D9D0A14D9B2FDCC96666E9F2007948130EC3DB064584E219954237AF3900EFF1EC5D0BC67D47851D3C42B9B0B7B1" ma:contentTypeVersion="1" ma:contentTypeDescription="Page is a system content type template created by the Publishing Resources feature. The column templates from Page will be added to all Pages libraries created by the Publishing feature." ma:contentTypeScope="" ma:versionID="69e7725d7f21626137891130ddd383d2">
   <xsd:schema xmlns:xsd="http://www.w3.org/2001/XMLSchema" xmlns:xs="http://www.w3.org/2001/XMLSchema" xmlns:p="http://schemas.microsoft.com/office/2006/metadata/properties" xmlns:ns1="http://schemas.microsoft.com/sharepoint/v3" targetNamespace="http://schemas.microsoft.com/office/2006/metadata/properties" ma:root="true" ma:fieldsID="0ae9f5723b20835a7f264595426a6ea3" ns1:_="">
     <xsd:import namespace="http://schemas.microsoft.com/sharepoint/v3"/>
@@ -10321,10 +12387,59 @@
 </ct:contentTypeSchema>
 </file>
 
+<file path=customXml/item2.xml><?xml version="1.0" encoding="utf-8"?>
+<p:properties xmlns:p="http://schemas.microsoft.com/office/2006/metadata/properties" xmlns:xsi="http://www.w3.org/2001/XMLSchema-instance" xmlns:pc="http://schemas.microsoft.com/office/infopath/2007/PartnerControls">
+  <documentManagement>
+    <PublishingRollupImage xmlns="http://schemas.microsoft.com/sharepoint/v3" xsi:nil="true"/>
+    <PublishingContactEmail xmlns="http://schemas.microsoft.com/sharepoint/v3">san.nguyenngoc@harveynash.vn</PublishingContactEmail>
+    <PublishingVariationRelationshipLinkFieldID xmlns="http://schemas.microsoft.com/sharepoint/v3">
+      <Url xsi:nil="true"/>
+      <Description xsi:nil="true"/>
+    </PublishingVariationRelationshipLinkFieldID>
+    <PublishingVariationGroupID xmlns="http://schemas.microsoft.com/sharepoint/v3" xsi:nil="true"/>
+    <Audience xmlns="http://schemas.microsoft.com/sharepoint/v3" xsi:nil="true"/>
+    <PublishingExpirationDate xmlns="http://schemas.microsoft.com/sharepoint/v3" xsi:nil="true"/>
+    <PublishingContactPicture xmlns="http://schemas.microsoft.com/sharepoint/v3">
+      <Url xsi:nil="true"/>
+      <Description xsi:nil="true"/>
+    </PublishingContactPicture>
+    <PublishingStartDate xmlns="http://schemas.microsoft.com/sharepoint/v3" xsi:nil="true"/>
+    <PublishingContact xmlns="http://schemas.microsoft.com/sharepoint/v3">
+      <UserInfo>
+        <DisplayName/>
+        <AccountId xsi:nil="true"/>
+        <AccountType/>
+      </UserInfo>
+    </PublishingContact>
+    <PublishingContactName xmlns="http://schemas.microsoft.com/sharepoint/v3">San Nguyen</PublishingContactName>
+    <Comments xmlns="http://schemas.microsoft.com/sharepoint/v3" xsi:nil="true"/>
+  </documentManagement>
+</p:properties>
+</file>
+
+<file path=customXml/item3.xml><?xml version="1.0" encoding="utf-8"?>
+<?mso-contentType ?>
+<FormTemplates xmlns="http://schemas.microsoft.com/sharepoint/v3/contenttype/forms">
+  <Display>DocumentLibraryForm</Display>
+  <Edit>DocumentLibraryForm</Edit>
+  <New>DocumentLibraryForm</New>
+</FormTemplates>
+</file>
+
 <file path=customXml/itemProps1.xml><?xml version="1.0" encoding="utf-8"?>
-<ds:datastoreItem xmlns:ds="http://schemas.openxmlformats.org/officeDocument/2006/customXml" ds:itemID="{8BEBE3B9-F28E-4836-A2B3-87A21DE8EFF5}">
+<ds:datastoreItem xmlns:ds="http://schemas.openxmlformats.org/officeDocument/2006/customXml" ds:itemID="{A9C8FFFB-5461-425D-BE0E-5C4C8505CB80}">
   <ds:schemaRefs>
-    <ds:schemaRef ds:uri="http://schemas.microsoft.com/sharepoint/v3/contenttype/forms"/>
+    <ds:schemaRef ds:uri="http://schemas.microsoft.com/office/2006/metadata/contentType"/>
+    <ds:schemaRef ds:uri="http://schemas.microsoft.com/office/2006/metadata/properties/metaAttributes"/>
+    <ds:schemaRef ds:uri="http://www.w3.org/2001/XMLSchema"/>
+    <ds:schemaRef ds:uri="http://schemas.microsoft.com/office/2006/metadata/properties"/>
+    <ds:schemaRef ds:uri="http://schemas.microsoft.com/sharepoint/v3"/>
+    <ds:schemaRef ds:uri="http://schemas.microsoft.com/office/2006/documentManagement/types"/>
+    <ds:schemaRef ds:uri="http://schemas.microsoft.com/office/infopath/2007/PartnerControls"/>
+    <ds:schemaRef ds:uri="http://schemas.openxmlformats.org/package/2006/metadata/core-properties"/>
+    <ds:schemaRef ds:uri="http://purl.org/dc/elements/1.1/"/>
+    <ds:schemaRef ds:uri="http://purl.org/dc/terms/"/>
+    <ds:schemaRef ds:uri="http://schemas.microsoft.com/internal/obd"/>
   </ds:schemaRefs>
 </ds:datastoreItem>
 </file>
@@ -10340,19 +12455,9 @@
 </file>
 
 <file path=customXml/itemProps3.xml><?xml version="1.0" encoding="utf-8"?>
-<ds:datastoreItem xmlns:ds="http://schemas.openxmlformats.org/officeDocument/2006/customXml" ds:itemID="{A9C8FFFB-5461-425D-BE0E-5C4C8505CB80}">
+<ds:datastoreItem xmlns:ds="http://schemas.openxmlformats.org/officeDocument/2006/customXml" ds:itemID="{8BEBE3B9-F28E-4836-A2B3-87A21DE8EFF5}">
   <ds:schemaRefs>
-    <ds:schemaRef ds:uri="http://schemas.microsoft.com/office/2006/metadata/contentType"/>
-    <ds:schemaRef ds:uri="http://schemas.microsoft.com/office/2006/metadata/properties/metaAttributes"/>
-    <ds:schemaRef ds:uri="http://www.w3.org/2001/XMLSchema"/>
-    <ds:schemaRef ds:uri="http://schemas.microsoft.com/office/2006/metadata/properties"/>
-    <ds:schemaRef ds:uri="http://schemas.microsoft.com/sharepoint/v3"/>
-    <ds:schemaRef ds:uri="http://schemas.microsoft.com/office/2006/documentManagement/types"/>
-    <ds:schemaRef ds:uri="http://schemas.microsoft.com/office/infopath/2007/PartnerControls"/>
-    <ds:schemaRef ds:uri="http://schemas.openxmlformats.org/package/2006/metadata/core-properties"/>
-    <ds:schemaRef ds:uri="http://purl.org/dc/elements/1.1/"/>
-    <ds:schemaRef ds:uri="http://purl.org/dc/terms/"/>
-    <ds:schemaRef ds:uri="http://schemas.microsoft.com/internal/obd"/>
+    <ds:schemaRef ds:uri="http://schemas.microsoft.com/sharepoint/v3/contenttype/forms"/>
   </ds:schemaRefs>
 </ds:datastoreItem>
 </file>
--- a/Angular best practice.pptx
+++ b/Angular best practice.pptx
@@ -279,7 +279,7 @@
           <a:bodyPr lIns="0" rIns="0" tIns="0" bIns="0" anchor="b"/>
           <a:p>
             <a:pPr algn="r"/>
-            <a:fld id="{E861277A-FC73-4EF9-A92E-1F1DD8F8A883}" type="slidenum">
+            <a:fld id="{F9BF6DCF-7198-4C65-B19A-2E9E01A88E5F}" type="slidenum">
               <a:rPr b="0" lang="en-US" sz="1400" spc="-1" strike="noStrike">
                 <a:solidFill>
                   <a:srgbClr val="000000"/>
@@ -332,7 +332,7 @@
       </p:grpSpPr>
       <p:sp>
         <p:nvSpPr>
-          <p:cNvPr id="299" name="PlaceHolder 1"/>
+          <p:cNvPr id="301" name="PlaceHolder 1"/>
           <p:cNvSpPr>
             <a:spLocks noGrp="1"/>
           </p:cNvSpPr>
@@ -343,7 +343,7 @@
         <p:spPr>
           <a:xfrm>
             <a:off x="685800" y="4343400"/>
-            <a:ext cx="5483880" cy="4112280"/>
+            <a:ext cx="5483520" cy="4111920"/>
           </a:xfrm>
           <a:prstGeom prst="rect">
             <a:avLst/>
@@ -382,14 +382,14 @@
       </p:sp>
       <p:sp>
         <p:nvSpPr>
-          <p:cNvPr id="300" name="CustomShape 2"/>
+          <p:cNvPr id="302" name="CustomShape 2"/>
           <p:cNvSpPr/>
           <p:nvPr/>
         </p:nvSpPr>
         <p:spPr>
           <a:xfrm>
             <a:off x="3884760" y="8685360"/>
-            <a:ext cx="2969280" cy="454680"/>
+            <a:ext cx="2968920" cy="454320"/>
           </a:xfrm>
           <a:prstGeom prst="rect">
             <a:avLst/>
@@ -413,7 +413,7 @@
                 <a:spcPct val="100000"/>
               </a:lnSpc>
             </a:pPr>
-            <a:fld id="{8A15C352-516F-42A9-BE25-09F994729419}" type="slidenum">
+            <a:fld id="{2D5980D4-7830-4838-BA18-8D04BD8C3083}" type="slidenum">
               <a:rPr b="0" lang="en-US" sz="1200" spc="-1" strike="noStrike">
                 <a:solidFill>
                   <a:srgbClr val="000000"/>
@@ -466,7 +466,7 @@
       </p:grpSpPr>
       <p:sp>
         <p:nvSpPr>
-          <p:cNvPr id="301" name="PlaceHolder 1"/>
+          <p:cNvPr id="303" name="PlaceHolder 1"/>
           <p:cNvSpPr>
             <a:spLocks noGrp="1"/>
           </p:cNvSpPr>
@@ -477,7 +477,7 @@
         <p:spPr>
           <a:xfrm>
             <a:off x="685800" y="4343400"/>
-            <a:ext cx="5483880" cy="4112280"/>
+            <a:ext cx="5483520" cy="4111920"/>
           </a:xfrm>
           <a:prstGeom prst="rect">
             <a:avLst/>
@@ -526,7 +526,7 @@
             </a:endParaRPr>
           </a:p>
           <a:p>
-            <a:pPr lvl="1" marL="343080" indent="-340560">
+            <a:pPr lvl="1" marL="343080" indent="-340200">
               <a:lnSpc>
                 <a:spcPct val="100000"/>
               </a:lnSpc>
@@ -577,7 +577,7 @@
             </a:endParaRPr>
           </a:p>
           <a:p>
-            <a:pPr lvl="1" marL="343080" indent="-340560">
+            <a:pPr lvl="1" marL="343080" indent="-340200">
               <a:lnSpc>
                 <a:spcPct val="100000"/>
               </a:lnSpc>
@@ -614,7 +614,7 @@
             </a:endParaRPr>
           </a:p>
           <a:p>
-            <a:pPr lvl="1" marL="343080" indent="-340560">
+            <a:pPr lvl="1" marL="343080" indent="-340200">
               <a:lnSpc>
                 <a:spcPct val="100000"/>
               </a:lnSpc>
@@ -693,7 +693,7 @@
             </a:endParaRPr>
           </a:p>
           <a:p>
-            <a:pPr lvl="1" marL="343080" indent="-340560">
+            <a:pPr lvl="1" marL="343080" indent="-340200">
               <a:lnSpc>
                 <a:spcPct val="100000"/>
               </a:lnSpc>
@@ -779,14 +779,14 @@
       </p:sp>
       <p:sp>
         <p:nvSpPr>
-          <p:cNvPr id="302" name="CustomShape 2"/>
+          <p:cNvPr id="304" name="CustomShape 2"/>
           <p:cNvSpPr/>
           <p:nvPr/>
         </p:nvSpPr>
         <p:spPr>
           <a:xfrm>
             <a:off x="3884760" y="8685360"/>
-            <a:ext cx="2969280" cy="454680"/>
+            <a:ext cx="2968920" cy="454320"/>
           </a:xfrm>
           <a:prstGeom prst="rect">
             <a:avLst/>
@@ -810,7 +810,7 @@
                 <a:spcPct val="100000"/>
               </a:lnSpc>
             </a:pPr>
-            <a:fld id="{F068CE57-C2B0-48E8-BD26-F3ED5AB4069A}" type="slidenum">
+            <a:fld id="{2500CE57-D5DE-4B0E-930A-933BDE7F0E2E}" type="slidenum">
               <a:rPr b="0" lang="en-US" sz="1200" spc="-1" strike="noStrike">
                 <a:solidFill>
                   <a:srgbClr val="000000"/>
@@ -863,7 +863,7 @@
       </p:grpSpPr>
       <p:sp>
         <p:nvSpPr>
-          <p:cNvPr id="303" name="PlaceHolder 1"/>
+          <p:cNvPr id="305" name="PlaceHolder 1"/>
           <p:cNvSpPr>
             <a:spLocks noGrp="1"/>
           </p:cNvSpPr>
@@ -874,7 +874,7 @@
         <p:spPr>
           <a:xfrm>
             <a:off x="685800" y="4343400"/>
-            <a:ext cx="5483880" cy="4112280"/>
+            <a:ext cx="5483520" cy="4111920"/>
           </a:xfrm>
           <a:prstGeom prst="rect">
             <a:avLst/>
@@ -899,14 +899,14 @@
       </p:sp>
       <p:sp>
         <p:nvSpPr>
-          <p:cNvPr id="304" name="CustomShape 2"/>
+          <p:cNvPr id="306" name="CustomShape 2"/>
           <p:cNvSpPr/>
           <p:nvPr/>
         </p:nvSpPr>
         <p:spPr>
           <a:xfrm>
             <a:off x="3884760" y="8685360"/>
-            <a:ext cx="2969280" cy="454680"/>
+            <a:ext cx="2968920" cy="454320"/>
           </a:xfrm>
           <a:prstGeom prst="rect">
             <a:avLst/>
@@ -930,7 +930,7 @@
                 <a:spcPct val="100000"/>
               </a:lnSpc>
             </a:pPr>
-            <a:fld id="{97FB6B66-7483-4FFB-B1F8-DB17AAEDA5D6}" type="slidenum">
+            <a:fld id="{60E59A89-083E-4D48-9AEE-8279AE2F4345}" type="slidenum">
               <a:rPr b="0" lang="en-US" sz="1200" spc="-1" strike="noStrike">
                 <a:solidFill>
                   <a:srgbClr val="000000"/>
@@ -983,7 +983,7 @@
       </p:grpSpPr>
       <p:sp>
         <p:nvSpPr>
-          <p:cNvPr id="305" name="PlaceHolder 1"/>
+          <p:cNvPr id="307" name="PlaceHolder 1"/>
           <p:cNvSpPr>
             <a:spLocks noGrp="1"/>
           </p:cNvSpPr>
@@ -994,7 +994,7 @@
         <p:spPr>
           <a:xfrm>
             <a:off x="685800" y="4343400"/>
-            <a:ext cx="5483880" cy="4112280"/>
+            <a:ext cx="5483520" cy="4111920"/>
           </a:xfrm>
           <a:prstGeom prst="rect">
             <a:avLst/>
@@ -1074,14 +1074,14 @@
       </p:sp>
       <p:sp>
         <p:nvSpPr>
-          <p:cNvPr id="306" name="CustomShape 2"/>
+          <p:cNvPr id="308" name="CustomShape 2"/>
           <p:cNvSpPr/>
           <p:nvPr/>
         </p:nvSpPr>
         <p:spPr>
           <a:xfrm>
             <a:off x="3884760" y="8685360"/>
-            <a:ext cx="2969280" cy="454680"/>
+            <a:ext cx="2968920" cy="454320"/>
           </a:xfrm>
           <a:prstGeom prst="rect">
             <a:avLst/>
@@ -1105,7 +1105,7 @@
                 <a:spcPct val="100000"/>
               </a:lnSpc>
             </a:pPr>
-            <a:fld id="{2E83A87D-1890-4BD3-A198-EBB99F704E4A}" type="slidenum">
+            <a:fld id="{DF7C6022-40BE-4818-B7A4-7070690BA849}" type="slidenum">
               <a:rPr b="0" lang="en-US" sz="1200" spc="-1" strike="noStrike">
                 <a:solidFill>
                   <a:srgbClr val="000000"/>
@@ -1158,7 +1158,7 @@
       </p:grpSpPr>
       <p:sp>
         <p:nvSpPr>
-          <p:cNvPr id="307" name="PlaceHolder 1"/>
+          <p:cNvPr id="309" name="PlaceHolder 1"/>
           <p:cNvSpPr>
             <a:spLocks noGrp="1"/>
           </p:cNvSpPr>
@@ -1169,7 +1169,7 @@
         <p:spPr>
           <a:xfrm>
             <a:off x="685800" y="4343400"/>
-            <a:ext cx="5483880" cy="4112280"/>
+            <a:ext cx="5483520" cy="4111920"/>
           </a:xfrm>
           <a:prstGeom prst="rect">
             <a:avLst/>
@@ -1194,14 +1194,14 @@
       </p:sp>
       <p:sp>
         <p:nvSpPr>
-          <p:cNvPr id="308" name="CustomShape 2"/>
+          <p:cNvPr id="310" name="CustomShape 2"/>
           <p:cNvSpPr/>
           <p:nvPr/>
         </p:nvSpPr>
         <p:spPr>
           <a:xfrm>
             <a:off x="3884760" y="8685360"/>
-            <a:ext cx="2969280" cy="454680"/>
+            <a:ext cx="2968920" cy="454320"/>
           </a:xfrm>
           <a:prstGeom prst="rect">
             <a:avLst/>
@@ -1225,7 +1225,7 @@
                 <a:spcPct val="100000"/>
               </a:lnSpc>
             </a:pPr>
-            <a:fld id="{09C5A413-8468-485C-B6D1-74AB4F7666A2}" type="slidenum">
+            <a:fld id="{68AD5EA0-1E00-49E5-8131-20458357BF4D}" type="slidenum">
               <a:rPr b="0" lang="en-US" sz="1200" spc="-1" strike="noStrike">
                 <a:solidFill>
                   <a:srgbClr val="000000"/>
@@ -1278,7 +1278,7 @@
       </p:grpSpPr>
       <p:sp>
         <p:nvSpPr>
-          <p:cNvPr id="309" name="PlaceHolder 1"/>
+          <p:cNvPr id="311" name="PlaceHolder 1"/>
           <p:cNvSpPr>
             <a:spLocks noGrp="1"/>
           </p:cNvSpPr>
@@ -1289,7 +1289,7 @@
         <p:spPr>
           <a:xfrm>
             <a:off x="685800" y="4343400"/>
-            <a:ext cx="5483880" cy="4112280"/>
+            <a:ext cx="5483520" cy="4111920"/>
           </a:xfrm>
           <a:prstGeom prst="rect">
             <a:avLst/>
@@ -1339,7 +1339,7 @@
             </a:endParaRPr>
           </a:p>
           <a:p>
-            <a:pPr marL="216000" indent="-214200">
+            <a:pPr marL="216000" indent="-213840">
               <a:lnSpc>
                 <a:spcPct val="100000"/>
               </a:lnSpc>
@@ -1372,7 +1372,7 @@
             </a:endParaRPr>
           </a:p>
           <a:p>
-            <a:pPr marL="216000" indent="-214200">
+            <a:pPr marL="216000" indent="-213840">
               <a:lnSpc>
                 <a:spcPct val="100000"/>
               </a:lnSpc>
@@ -1405,7 +1405,7 @@
             </a:endParaRPr>
           </a:p>
           <a:p>
-            <a:pPr marL="216000" indent="-214200">
+            <a:pPr marL="216000" indent="-213840">
               <a:lnSpc>
                 <a:spcPct val="100000"/>
               </a:lnSpc>
@@ -1423,7 +1423,7 @@
             </a:endParaRPr>
           </a:p>
           <a:p>
-            <a:pPr marL="216000" indent="-214200">
+            <a:pPr marL="216000" indent="-213840">
               <a:lnSpc>
                 <a:spcPct val="100000"/>
               </a:lnSpc>
@@ -1459,14 +1459,14 @@
       </p:sp>
       <p:sp>
         <p:nvSpPr>
-          <p:cNvPr id="310" name="CustomShape 2"/>
+          <p:cNvPr id="312" name="CustomShape 2"/>
           <p:cNvSpPr/>
           <p:nvPr/>
         </p:nvSpPr>
         <p:spPr>
           <a:xfrm>
             <a:off x="3884760" y="8685360"/>
-            <a:ext cx="2969280" cy="454680"/>
+            <a:ext cx="2968920" cy="454320"/>
           </a:xfrm>
           <a:prstGeom prst="rect">
             <a:avLst/>
@@ -1490,7 +1490,7 @@
                 <a:spcPct val="100000"/>
               </a:lnSpc>
             </a:pPr>
-            <a:fld id="{03BF2DBF-EF5B-4E23-909D-86D4DFD7F09B}" type="slidenum">
+            <a:fld id="{5179FE7C-C17A-4D19-94F7-CBFFFD740F37}" type="slidenum">
               <a:rPr b="0" lang="en-US" sz="1200" spc="-1" strike="noStrike">
                 <a:solidFill>
                   <a:srgbClr val="000000"/>
@@ -1543,7 +1543,7 @@
       </p:grpSpPr>
       <p:sp>
         <p:nvSpPr>
-          <p:cNvPr id="311" name="PlaceHolder 1"/>
+          <p:cNvPr id="313" name="PlaceHolder 1"/>
           <p:cNvSpPr>
             <a:spLocks noGrp="1"/>
           </p:cNvSpPr>
@@ -1554,7 +1554,7 @@
         <p:spPr>
           <a:xfrm>
             <a:off x="685800" y="4343400"/>
-            <a:ext cx="5483880" cy="4112280"/>
+            <a:ext cx="5483520" cy="4111920"/>
           </a:xfrm>
           <a:prstGeom prst="rect">
             <a:avLst/>
@@ -1593,14 +1593,14 @@
       </p:sp>
       <p:sp>
         <p:nvSpPr>
-          <p:cNvPr id="312" name="CustomShape 2"/>
+          <p:cNvPr id="314" name="CustomShape 2"/>
           <p:cNvSpPr/>
           <p:nvPr/>
         </p:nvSpPr>
         <p:spPr>
           <a:xfrm>
             <a:off x="3884760" y="8685360"/>
-            <a:ext cx="2969280" cy="454680"/>
+            <a:ext cx="2968920" cy="454320"/>
           </a:xfrm>
           <a:prstGeom prst="rect">
             <a:avLst/>
@@ -1624,7 +1624,7 @@
                 <a:spcPct val="100000"/>
               </a:lnSpc>
             </a:pPr>
-            <a:fld id="{2E9585B6-136D-44F8-A57A-DD5B9C363CCC}" type="slidenum">
+            <a:fld id="{A22C7A03-744E-4554-A4A7-AA9CEC182A95}" type="slidenum">
               <a:rPr b="0" lang="en-US" sz="1200" spc="-1" strike="noStrike">
                 <a:solidFill>
                   <a:srgbClr val="000000"/>
@@ -1677,7 +1677,7 @@
       </p:grpSpPr>
       <p:sp>
         <p:nvSpPr>
-          <p:cNvPr id="291" name="PlaceHolder 1"/>
+          <p:cNvPr id="293" name="PlaceHolder 1"/>
           <p:cNvSpPr>
             <a:spLocks noGrp="1"/>
           </p:cNvSpPr>
@@ -1688,7 +1688,7 @@
         <p:spPr>
           <a:xfrm>
             <a:off x="685800" y="4343400"/>
-            <a:ext cx="5483880" cy="4112280"/>
+            <a:ext cx="5483520" cy="4111920"/>
           </a:xfrm>
           <a:prstGeom prst="rect">
             <a:avLst/>
@@ -1713,14 +1713,14 @@
       </p:sp>
       <p:sp>
         <p:nvSpPr>
-          <p:cNvPr id="292" name="CustomShape 2"/>
+          <p:cNvPr id="294" name="CustomShape 2"/>
           <p:cNvSpPr/>
           <p:nvPr/>
         </p:nvSpPr>
         <p:spPr>
           <a:xfrm>
             <a:off x="3884760" y="8685360"/>
-            <a:ext cx="2969280" cy="454680"/>
+            <a:ext cx="2968920" cy="454320"/>
           </a:xfrm>
           <a:prstGeom prst="rect">
             <a:avLst/>
@@ -1744,7 +1744,7 @@
                 <a:spcPct val="100000"/>
               </a:lnSpc>
             </a:pPr>
-            <a:fld id="{40FC383E-6CC3-45C8-9067-3AD452AE2B7B}" type="slidenum">
+            <a:fld id="{29F3C8CF-CE05-4B18-9BF4-1607D49E5A32}" type="slidenum">
               <a:rPr b="0" lang="en-US" sz="1200" spc="-1" strike="noStrike">
                 <a:solidFill>
                   <a:srgbClr val="000000"/>
@@ -1797,7 +1797,7 @@
       </p:grpSpPr>
       <p:sp>
         <p:nvSpPr>
-          <p:cNvPr id="293" name="PlaceHolder 1"/>
+          <p:cNvPr id="295" name="PlaceHolder 1"/>
           <p:cNvSpPr>
             <a:spLocks noGrp="1"/>
           </p:cNvSpPr>
@@ -1808,7 +1808,7 @@
         <p:spPr>
           <a:xfrm>
             <a:off x="685800" y="4343400"/>
-            <a:ext cx="5483880" cy="4112280"/>
+            <a:ext cx="5483520" cy="4111920"/>
           </a:xfrm>
           <a:prstGeom prst="rect">
             <a:avLst/>
@@ -1887,14 +1887,14 @@
       </p:sp>
       <p:sp>
         <p:nvSpPr>
-          <p:cNvPr id="294" name="CustomShape 2"/>
+          <p:cNvPr id="296" name="CustomShape 2"/>
           <p:cNvSpPr/>
           <p:nvPr/>
         </p:nvSpPr>
         <p:spPr>
           <a:xfrm>
             <a:off x="3884760" y="8685360"/>
-            <a:ext cx="2969280" cy="454680"/>
+            <a:ext cx="2968920" cy="454320"/>
           </a:xfrm>
           <a:prstGeom prst="rect">
             <a:avLst/>
@@ -1918,7 +1918,7 @@
                 <a:spcPct val="100000"/>
               </a:lnSpc>
             </a:pPr>
-            <a:fld id="{9293C939-75CE-4810-94B1-80E76F9EED1B}" type="slidenum">
+            <a:fld id="{BD607BE8-C5CF-4EE1-A13E-80103FF87A5E}" type="slidenum">
               <a:rPr b="0" lang="en-US" sz="1200" spc="-1" strike="noStrike">
                 <a:solidFill>
                   <a:srgbClr val="000000"/>
@@ -1971,7 +1971,7 @@
       </p:grpSpPr>
       <p:sp>
         <p:nvSpPr>
-          <p:cNvPr id="295" name="PlaceHolder 1"/>
+          <p:cNvPr id="297" name="PlaceHolder 1"/>
           <p:cNvSpPr>
             <a:spLocks noGrp="1"/>
           </p:cNvSpPr>
@@ -1982,7 +1982,7 @@
         <p:spPr>
           <a:xfrm>
             <a:off x="685800" y="4343400"/>
-            <a:ext cx="5483880" cy="4112280"/>
+            <a:ext cx="5483520" cy="4111920"/>
           </a:xfrm>
           <a:prstGeom prst="rect">
             <a:avLst/>
@@ -2007,14 +2007,14 @@
       </p:sp>
       <p:sp>
         <p:nvSpPr>
-          <p:cNvPr id="296" name="CustomShape 2"/>
+          <p:cNvPr id="298" name="CustomShape 2"/>
           <p:cNvSpPr/>
           <p:nvPr/>
         </p:nvSpPr>
         <p:spPr>
           <a:xfrm>
             <a:off x="3884760" y="8685360"/>
-            <a:ext cx="2969280" cy="454680"/>
+            <a:ext cx="2968920" cy="454320"/>
           </a:xfrm>
           <a:prstGeom prst="rect">
             <a:avLst/>
@@ -2038,7 +2038,7 @@
                 <a:spcPct val="100000"/>
               </a:lnSpc>
             </a:pPr>
-            <a:fld id="{CFE09E53-A7D1-45AD-956A-9BF8049B3F02}" type="slidenum">
+            <a:fld id="{0565B95A-F325-47B4-BE7A-583A4224695E}" type="slidenum">
               <a:rPr b="0" lang="en-US" sz="1200" spc="-1" strike="noStrike">
                 <a:solidFill>
                   <a:srgbClr val="000000"/>
@@ -2091,7 +2091,7 @@
       </p:grpSpPr>
       <p:sp>
         <p:nvSpPr>
-          <p:cNvPr id="297" name="PlaceHolder 1"/>
+          <p:cNvPr id="299" name="PlaceHolder 1"/>
           <p:cNvSpPr>
             <a:spLocks noGrp="1"/>
           </p:cNvSpPr>
@@ -2102,7 +2102,7 @@
         <p:spPr>
           <a:xfrm>
             <a:off x="685800" y="4343400"/>
-            <a:ext cx="5483880" cy="4112280"/>
+            <a:ext cx="5483520" cy="4111920"/>
           </a:xfrm>
           <a:prstGeom prst="rect">
             <a:avLst/>
@@ -2127,14 +2127,14 @@
       </p:sp>
       <p:sp>
         <p:nvSpPr>
-          <p:cNvPr id="298" name="CustomShape 2"/>
+          <p:cNvPr id="300" name="CustomShape 2"/>
           <p:cNvSpPr/>
           <p:nvPr/>
         </p:nvSpPr>
         <p:spPr>
           <a:xfrm>
             <a:off x="3884760" y="8685360"/>
-            <a:ext cx="2969280" cy="454680"/>
+            <a:ext cx="2968920" cy="454320"/>
           </a:xfrm>
           <a:prstGeom prst="rect">
             <a:avLst/>
@@ -2158,7 +2158,7 @@
                 <a:spcPct val="100000"/>
               </a:lnSpc>
             </a:pPr>
-            <a:fld id="{0AE81B67-75DD-480D-98A3-667B5A8981AD}" type="slidenum">
+            <a:fld id="{39D9682D-25E9-4DF2-9023-5FAA728C86E9}" type="slidenum">
               <a:rPr b="0" lang="en-US" sz="1200" spc="-1" strike="noStrike">
                 <a:solidFill>
                   <a:srgbClr val="000000"/>
@@ -9595,7 +9595,7 @@
         <p:spPr>
           <a:xfrm>
             <a:off x="457200" y="4767120"/>
-            <a:ext cx="2131200" cy="271440"/>
+            <a:ext cx="2130840" cy="271080"/>
           </a:xfrm>
           <a:prstGeom prst="rect">
             <a:avLst/>
@@ -9657,7 +9657,7 @@
         <p:spPr>
           <a:xfrm>
             <a:off x="6553080" y="4767120"/>
-            <a:ext cx="2131200" cy="271440"/>
+            <a:ext cx="2130840" cy="271080"/>
           </a:xfrm>
           <a:prstGeom prst="rect">
             <a:avLst/>
@@ -9681,7 +9681,7 @@
                 <a:spcPct val="100000"/>
               </a:lnSpc>
             </a:pPr>
-            <a:fld id="{0CF7E636-F73B-4049-879C-D015BA765944}" type="slidenum">
+            <a:fld id="{1B315FB1-0451-4AE7-8D96-CEA250F6EB0B}" type="slidenum">
               <a:rPr b="0" lang="en-US" sz="1800" spc="-1" strike="noStrike">
                 <a:solidFill>
                   <a:srgbClr val="000000"/>
@@ -9694,7 +9694,7 @@
                 <a:latin typeface="Calibri"/>
                 <a:ea typeface="DejaVu Sans"/>
               </a:rPr>
-              <a:t>&lt;number&gt;</a:t>
+              <a:t>1</a:t>
             </a:fld>
             <a:endParaRPr b="0" lang="en-US" sz="1800" spc="-1" strike="noStrike">
               <a:solidFill>
@@ -9723,7 +9723,7 @@
         <p:spPr>
           <a:xfrm>
             <a:off x="0" y="-3960"/>
-            <a:ext cx="9217800" cy="5184000"/>
+            <a:ext cx="9217440" cy="5183640"/>
           </a:xfrm>
           <a:prstGeom prst="rect">
             <a:avLst/>
@@ -9742,7 +9742,7 @@
         <p:spPr>
           <a:xfrm>
             <a:off x="152280" y="133200"/>
-            <a:ext cx="6017400" cy="448200"/>
+            <a:ext cx="6017040" cy="447840"/>
           </a:xfrm>
           <a:prstGeom prst="rect">
             <a:avLst/>
@@ -9804,7 +9804,7 @@
         <p:spPr>
           <a:xfrm>
             <a:off x="5410080" y="4857840"/>
-            <a:ext cx="3807360" cy="362520"/>
+            <a:ext cx="3807000" cy="362160"/>
           </a:xfrm>
           <a:prstGeom prst="rect">
             <a:avLst/>
@@ -9900,7 +9900,7 @@
         <p:spPr>
           <a:xfrm>
             <a:off x="720" y="0"/>
-            <a:ext cx="9217080" cy="5184000"/>
+            <a:ext cx="9216720" cy="5183640"/>
           </a:xfrm>
           <a:prstGeom prst="rect">
             <a:avLst/>
@@ -9919,7 +9919,7 @@
         <p:spPr>
           <a:xfrm>
             <a:off x="0" y="3333600"/>
-            <a:ext cx="9217800" cy="1292760"/>
+            <a:ext cx="9217440" cy="1292400"/>
           </a:xfrm>
           <a:prstGeom prst="rect">
             <a:avLst/>
@@ -9961,7 +9961,7 @@
         <p:spPr>
           <a:xfrm>
             <a:off x="228600" y="209520"/>
-            <a:ext cx="1224720" cy="835560"/>
+            <a:ext cx="1224360" cy="835200"/>
           </a:xfrm>
           <a:prstGeom prst="rect">
             <a:avLst/>
@@ -9980,7 +9980,7 @@
         <p:spPr>
           <a:xfrm>
             <a:off x="5410080" y="4857840"/>
-            <a:ext cx="3807360" cy="362520"/>
+            <a:ext cx="3807000" cy="362160"/>
           </a:xfrm>
           <a:prstGeom prst="rect">
             <a:avLst/>
@@ -10435,7 +10435,7 @@
         <p:spPr>
           <a:xfrm>
             <a:off x="457200" y="4767120"/>
-            <a:ext cx="2131200" cy="271440"/>
+            <a:ext cx="2130840" cy="271080"/>
           </a:xfrm>
           <a:prstGeom prst="rect">
             <a:avLst/>
@@ -10497,7 +10497,7 @@
         <p:spPr>
           <a:xfrm>
             <a:off x="6553080" y="4767120"/>
-            <a:ext cx="2131200" cy="271440"/>
+            <a:ext cx="2130840" cy="271080"/>
           </a:xfrm>
           <a:prstGeom prst="rect">
             <a:avLst/>
@@ -10521,7 +10521,7 @@
                 <a:spcPct val="100000"/>
               </a:lnSpc>
             </a:pPr>
-            <a:fld id="{F2CF545F-4160-4625-9978-AE8ACE3BB331}" type="slidenum">
+            <a:fld id="{D08B840D-2E16-4212-A5C4-EEA8D936C79B}" type="slidenum">
               <a:rPr b="0" lang="en-US" sz="1800" spc="-1" strike="noStrike">
                 <a:solidFill>
                   <a:srgbClr val="000000"/>
@@ -10563,7 +10563,7 @@
         <p:spPr>
           <a:xfrm>
             <a:off x="0" y="-3960"/>
-            <a:ext cx="9217800" cy="5184000"/>
+            <a:ext cx="9217440" cy="5183640"/>
           </a:xfrm>
           <a:prstGeom prst="rect">
             <a:avLst/>
@@ -10582,7 +10582,7 @@
         <p:spPr>
           <a:xfrm>
             <a:off x="152280" y="133200"/>
-            <a:ext cx="6017400" cy="448200"/>
+            <a:ext cx="6017040" cy="447840"/>
           </a:xfrm>
           <a:prstGeom prst="rect">
             <a:avLst/>
@@ -10644,7 +10644,7 @@
         <p:spPr>
           <a:xfrm>
             <a:off x="5410080" y="4857840"/>
-            <a:ext cx="3807360" cy="362520"/>
+            <a:ext cx="3807000" cy="362160"/>
           </a:xfrm>
           <a:prstGeom prst="rect">
             <a:avLst/>
@@ -10740,7 +10740,7 @@
         <p:spPr>
           <a:xfrm>
             <a:off x="-11160" y="-19080"/>
-            <a:ext cx="9228960" cy="5190480"/>
+            <a:ext cx="9228600" cy="5190120"/>
           </a:xfrm>
           <a:prstGeom prst="rect">
             <a:avLst/>
@@ -10759,7 +10759,7 @@
         <p:spPr>
           <a:xfrm>
             <a:off x="5410080" y="4857840"/>
-            <a:ext cx="3807360" cy="362520"/>
+            <a:ext cx="3807000" cy="362160"/>
           </a:xfrm>
           <a:prstGeom prst="rect">
             <a:avLst/>
@@ -11214,7 +11214,7 @@
         <p:spPr>
           <a:xfrm>
             <a:off x="457200" y="4767120"/>
-            <a:ext cx="2131200" cy="271440"/>
+            <a:ext cx="2130840" cy="271080"/>
           </a:xfrm>
           <a:prstGeom prst="rect">
             <a:avLst/>
@@ -11276,7 +11276,7 @@
         <p:spPr>
           <a:xfrm>
             <a:off x="6553080" y="4767120"/>
-            <a:ext cx="2131200" cy="271440"/>
+            <a:ext cx="2130840" cy="271080"/>
           </a:xfrm>
           <a:prstGeom prst="rect">
             <a:avLst/>
@@ -11300,7 +11300,7 @@
                 <a:spcPct val="100000"/>
               </a:lnSpc>
             </a:pPr>
-            <a:fld id="{C68F8275-A195-4D24-9FBC-5EE5723DF9EF}" type="slidenum">
+            <a:fld id="{B92FBAF5-EEA1-43C1-A7B1-A4DE5AB8F7F5}" type="slidenum">
               <a:rPr b="0" lang="en-US" sz="1800" spc="-1" strike="noStrike">
                 <a:solidFill>
                   <a:srgbClr val="000000"/>
@@ -11342,7 +11342,7 @@
         <p:spPr>
           <a:xfrm>
             <a:off x="0" y="-3960"/>
-            <a:ext cx="9217800" cy="5184000"/>
+            <a:ext cx="9217440" cy="5183640"/>
           </a:xfrm>
           <a:prstGeom prst="rect">
             <a:avLst/>
@@ -11361,7 +11361,7 @@
         <p:spPr>
           <a:xfrm>
             <a:off x="152280" y="133200"/>
-            <a:ext cx="6017400" cy="448200"/>
+            <a:ext cx="6017040" cy="447840"/>
           </a:xfrm>
           <a:prstGeom prst="rect">
             <a:avLst/>
@@ -11423,7 +11423,7 @@
         <p:spPr>
           <a:xfrm>
             <a:off x="5410080" y="4857840"/>
-            <a:ext cx="3807360" cy="362520"/>
+            <a:ext cx="3807000" cy="362160"/>
           </a:xfrm>
           <a:prstGeom prst="rect">
             <a:avLst/>
@@ -11519,7 +11519,7 @@
         <p:spPr>
           <a:xfrm>
             <a:off x="0" y="0"/>
-            <a:ext cx="9217800" cy="5184000"/>
+            <a:ext cx="9217440" cy="5183640"/>
           </a:xfrm>
           <a:prstGeom prst="rect">
             <a:avLst/>
@@ -11538,7 +11538,7 @@
         <p:spPr>
           <a:xfrm>
             <a:off x="2895480" y="2314440"/>
-            <a:ext cx="6246000" cy="565200"/>
+            <a:ext cx="6245640" cy="564840"/>
           </a:xfrm>
           <a:prstGeom prst="rect">
             <a:avLst/>
@@ -11578,7 +11578,7 @@
         <p:spPr>
           <a:xfrm>
             <a:off x="1828800" y="2313360"/>
-            <a:ext cx="828720" cy="565200"/>
+            <a:ext cx="828360" cy="564840"/>
           </a:xfrm>
           <a:prstGeom prst="rect">
             <a:avLst/>
@@ -11597,7 +11597,7 @@
         <p:spPr>
           <a:xfrm>
             <a:off x="5410080" y="4857840"/>
-            <a:ext cx="3807360" cy="362520"/>
+            <a:ext cx="3807000" cy="362160"/>
           </a:xfrm>
           <a:prstGeom prst="rect">
             <a:avLst/>
@@ -12052,7 +12052,7 @@
         <p:spPr>
           <a:xfrm>
             <a:off x="457200" y="4767120"/>
-            <a:ext cx="2131200" cy="271440"/>
+            <a:ext cx="2130840" cy="271080"/>
           </a:xfrm>
           <a:prstGeom prst="rect">
             <a:avLst/>
@@ -12114,7 +12114,7 @@
         <p:spPr>
           <a:xfrm>
             <a:off x="6553080" y="4767120"/>
-            <a:ext cx="2131200" cy="271440"/>
+            <a:ext cx="2130840" cy="271080"/>
           </a:xfrm>
           <a:prstGeom prst="rect">
             <a:avLst/>
@@ -12138,7 +12138,7 @@
                 <a:spcPct val="100000"/>
               </a:lnSpc>
             </a:pPr>
-            <a:fld id="{8AF8C65F-175B-41E4-9013-4E7AC84F4C6F}" type="slidenum">
+            <a:fld id="{BD5477BF-7889-49CE-99EF-21978B75302B}" type="slidenum">
               <a:rPr b="0" lang="en-US" sz="1800" spc="-1" strike="noStrike">
                 <a:solidFill>
                   <a:srgbClr val="000000"/>
@@ -12180,7 +12180,7 @@
         <p:spPr>
           <a:xfrm>
             <a:off x="0" y="-3960"/>
-            <a:ext cx="9217800" cy="5184000"/>
+            <a:ext cx="9217440" cy="5183640"/>
           </a:xfrm>
           <a:prstGeom prst="rect">
             <a:avLst/>
@@ -12199,7 +12199,7 @@
         <p:spPr>
           <a:xfrm>
             <a:off x="152280" y="133200"/>
-            <a:ext cx="6017400" cy="448200"/>
+            <a:ext cx="6017040" cy="447840"/>
           </a:xfrm>
           <a:prstGeom prst="rect">
             <a:avLst/>
@@ -12261,7 +12261,7 @@
         <p:spPr>
           <a:xfrm>
             <a:off x="5410080" y="4857840"/>
-            <a:ext cx="3807360" cy="362520"/>
+            <a:ext cx="3807000" cy="362160"/>
           </a:xfrm>
           <a:prstGeom prst="rect">
             <a:avLst/>
@@ -12357,7 +12357,7 @@
         <p:spPr>
           <a:xfrm>
             <a:off x="0" y="-3960"/>
-            <a:ext cx="9217800" cy="5184000"/>
+            <a:ext cx="9217440" cy="5183640"/>
           </a:xfrm>
           <a:prstGeom prst="rect">
             <a:avLst/>
@@ -12376,7 +12376,7 @@
         <p:spPr>
           <a:xfrm>
             <a:off x="5410080" y="4857840"/>
-            <a:ext cx="3807360" cy="362520"/>
+            <a:ext cx="3807000" cy="362160"/>
           </a:xfrm>
           <a:prstGeom prst="rect">
             <a:avLst/>
@@ -12831,7 +12831,7 @@
         <p:spPr>
           <a:xfrm>
             <a:off x="457200" y="4767120"/>
-            <a:ext cx="2131200" cy="271440"/>
+            <a:ext cx="2130840" cy="271080"/>
           </a:xfrm>
           <a:prstGeom prst="rect">
             <a:avLst/>
@@ -12893,7 +12893,7 @@
         <p:spPr>
           <a:xfrm>
             <a:off x="6553080" y="4767120"/>
-            <a:ext cx="2131200" cy="271440"/>
+            <a:ext cx="2130840" cy="271080"/>
           </a:xfrm>
           <a:prstGeom prst="rect">
             <a:avLst/>
@@ -12917,7 +12917,7 @@
                 <a:spcPct val="100000"/>
               </a:lnSpc>
             </a:pPr>
-            <a:fld id="{B61B50E6-2934-42EB-9925-322EABA85598}" type="slidenum">
+            <a:fld id="{4DE1BE75-F022-4AEA-BD48-E36903E03DEA}" type="slidenum">
               <a:rPr b="0" lang="en-US" sz="1800" spc="-1" strike="noStrike">
                 <a:solidFill>
                   <a:srgbClr val="000000"/>
@@ -12959,7 +12959,7 @@
         <p:spPr>
           <a:xfrm>
             <a:off x="0" y="-3960"/>
-            <a:ext cx="9217800" cy="5184000"/>
+            <a:ext cx="9217440" cy="5183640"/>
           </a:xfrm>
           <a:prstGeom prst="rect">
             <a:avLst/>
@@ -12978,7 +12978,7 @@
         <p:spPr>
           <a:xfrm>
             <a:off x="152280" y="133200"/>
-            <a:ext cx="6017400" cy="448200"/>
+            <a:ext cx="6017040" cy="447840"/>
           </a:xfrm>
           <a:prstGeom prst="rect">
             <a:avLst/>
@@ -13040,7 +13040,7 @@
         <p:spPr>
           <a:xfrm>
             <a:off x="5410080" y="4857840"/>
-            <a:ext cx="3807360" cy="362520"/>
+            <a:ext cx="3807000" cy="362160"/>
           </a:xfrm>
           <a:prstGeom prst="rect">
             <a:avLst/>
@@ -13136,7 +13136,7 @@
         <p:spPr>
           <a:xfrm>
             <a:off x="0" y="-3960"/>
-            <a:ext cx="9217800" cy="5184000"/>
+            <a:ext cx="9217440" cy="5183640"/>
           </a:xfrm>
           <a:prstGeom prst="rect">
             <a:avLst/>
@@ -13155,7 +13155,7 @@
         <p:spPr>
           <a:xfrm>
             <a:off x="5410080" y="4857840"/>
-            <a:ext cx="3807360" cy="362520"/>
+            <a:ext cx="3807000" cy="362160"/>
           </a:xfrm>
           <a:prstGeom prst="rect">
             <a:avLst/>
@@ -13603,7 +13603,7 @@
         <p:spPr>
           <a:xfrm>
             <a:off x="0" y="3333600"/>
-            <a:ext cx="9217080" cy="1521360"/>
+            <a:ext cx="9216720" cy="1521000"/>
           </a:xfrm>
           <a:prstGeom prst="rect">
             <a:avLst/>
@@ -13747,7 +13747,7 @@
         <p:spPr>
           <a:xfrm>
             <a:off x="489600" y="4000680"/>
-            <a:ext cx="8227080" cy="1140480"/>
+            <a:ext cx="8226720" cy="1140120"/>
           </a:xfrm>
           <a:prstGeom prst="rect">
             <a:avLst/>
@@ -13822,7 +13822,7 @@
         <p:spPr>
           <a:xfrm>
             <a:off x="152280" y="133200"/>
-            <a:ext cx="6017400" cy="448200"/>
+            <a:ext cx="6017040" cy="447840"/>
           </a:xfrm>
           <a:prstGeom prst="rect">
             <a:avLst/>
@@ -13884,7 +13884,7 @@
         <p:spPr>
           <a:xfrm>
             <a:off x="304920" y="666720"/>
-            <a:ext cx="8836560" cy="4321800"/>
+            <a:ext cx="8836200" cy="4321440"/>
           </a:xfrm>
           <a:prstGeom prst="rect">
             <a:avLst/>
@@ -13903,7 +13903,7 @@
         <p:txBody>
           <a:bodyPr lIns="90000" rIns="90000" tIns="45000" bIns="45000"/>
           <a:p>
-            <a:pPr marL="343080" indent="-340560">
+            <a:pPr marL="343080" indent="-340200">
               <a:lnSpc>
                 <a:spcPct val="100000"/>
               </a:lnSpc>
@@ -14011,7 +14011,7 @@
             </a:endParaRPr>
           </a:p>
           <a:p>
-            <a:pPr marL="343080" indent="-340560">
+            <a:pPr marL="343080" indent="-340200">
               <a:lnSpc>
                 <a:spcPct val="100000"/>
               </a:lnSpc>
@@ -14029,7 +14029,7 @@
             </a:endParaRPr>
           </a:p>
           <a:p>
-            <a:pPr marL="343080" indent="-340560">
+            <a:pPr marL="343080" indent="-340200">
               <a:lnSpc>
                 <a:spcPct val="100000"/>
               </a:lnSpc>
@@ -14061,7 +14061,7 @@
         <p:spPr>
           <a:xfrm>
             <a:off x="228600" y="666720"/>
-            <a:ext cx="454680" cy="454680"/>
+            <a:ext cx="454320" cy="454320"/>
           </a:xfrm>
           <a:prstGeom prst="rect">
             <a:avLst/>
@@ -14080,7 +14080,7 @@
         <p:spPr>
           <a:xfrm>
             <a:off x="152280" y="1123920"/>
-            <a:ext cx="4417200" cy="3105720"/>
+            <a:ext cx="4416840" cy="3105360"/>
           </a:xfrm>
           <a:prstGeom prst="rect">
             <a:avLst/>
@@ -14420,7 +14420,7 @@
             </a:endParaRPr>
           </a:p>
           <a:p>
-            <a:pPr marL="216000" indent="-213840">
+            <a:pPr marL="216000" indent="-213480">
               <a:lnSpc>
                 <a:spcPct val="100000"/>
               </a:lnSpc>
@@ -14518,7 +14518,7 @@
             </a:endParaRPr>
           </a:p>
           <a:p>
-            <a:pPr marL="216000" indent="-213840">
+            <a:pPr marL="216000" indent="-213480">
               <a:lnSpc>
                 <a:spcPct val="100000"/>
               </a:lnSpc>
@@ -14626,7 +14626,7 @@
         <p:spPr>
           <a:xfrm>
             <a:off x="4343400" y="1123920"/>
-            <a:ext cx="4874400" cy="3928680"/>
+            <a:ext cx="4874040" cy="3928320"/>
           </a:xfrm>
           <a:prstGeom prst="rect">
             <a:avLst/>
@@ -15370,7 +15370,7 @@
         <p:spPr>
           <a:xfrm>
             <a:off x="4267080" y="3257640"/>
-            <a:ext cx="454680" cy="454680"/>
+            <a:ext cx="454320" cy="454320"/>
           </a:xfrm>
           <a:prstGeom prst="rect">
             <a:avLst/>
@@ -15438,7 +15438,7 @@
         <p:spPr>
           <a:xfrm>
             <a:off x="152280" y="133200"/>
-            <a:ext cx="6017400" cy="448200"/>
+            <a:ext cx="6017040" cy="447840"/>
           </a:xfrm>
           <a:prstGeom prst="rect">
             <a:avLst/>
@@ -15513,7 +15513,7 @@
         <p:spPr>
           <a:xfrm>
             <a:off x="152280" y="819000"/>
-            <a:ext cx="9065160" cy="3960000"/>
+            <a:ext cx="9064800" cy="3959640"/>
           </a:xfrm>
           <a:prstGeom prst="rect">
             <a:avLst/>
@@ -15532,7 +15532,7 @@
         <p:txBody>
           <a:bodyPr lIns="90000" rIns="90000" tIns="45000" bIns="45000"/>
           <a:p>
-            <a:pPr marL="343080" indent="-340560">
+            <a:pPr marL="343080" indent="-340200">
               <a:lnSpc>
                 <a:spcPct val="100000"/>
               </a:lnSpc>
@@ -15640,7 +15640,7 @@
             </a:endParaRPr>
           </a:p>
           <a:p>
-            <a:pPr marL="343080" indent="-340560">
+            <a:pPr marL="343080" indent="-340200">
               <a:lnSpc>
                 <a:spcPct val="100000"/>
               </a:lnSpc>
@@ -15777,7 +15777,7 @@
         <p:spPr>
           <a:xfrm>
             <a:off x="152280" y="819000"/>
-            <a:ext cx="454680" cy="454680"/>
+            <a:ext cx="454320" cy="454320"/>
           </a:xfrm>
           <a:prstGeom prst="rect">
             <a:avLst/>
@@ -15800,7 +15800,7 @@
         <p:spPr>
           <a:xfrm>
             <a:off x="152280" y="1657440"/>
-            <a:ext cx="454680" cy="454680"/>
+            <a:ext cx="454320" cy="454320"/>
           </a:xfrm>
           <a:prstGeom prst="rect">
             <a:avLst/>
@@ -15819,7 +15819,7 @@
         <p:spPr>
           <a:xfrm>
             <a:off x="457200" y="2038320"/>
-            <a:ext cx="8684280" cy="3105720"/>
+            <a:ext cx="8683920" cy="3105360"/>
           </a:xfrm>
           <a:prstGeom prst="rect">
             <a:avLst/>
@@ -16825,7 +16825,7 @@
         <p:spPr>
           <a:xfrm>
             <a:off x="152280" y="133200"/>
-            <a:ext cx="6017400" cy="448200"/>
+            <a:ext cx="6017040" cy="447840"/>
           </a:xfrm>
           <a:prstGeom prst="rect">
             <a:avLst/>
@@ -16887,7 +16887,7 @@
         <p:spPr>
           <a:xfrm>
             <a:off x="152280" y="819000"/>
-            <a:ext cx="8836560" cy="3960000"/>
+            <a:ext cx="8991720" cy="3959640"/>
           </a:xfrm>
           <a:prstGeom prst="rect">
             <a:avLst/>
@@ -16906,7 +16906,7 @@
         <p:txBody>
           <a:bodyPr lIns="90000" rIns="90000" tIns="45000" bIns="45000"/>
           <a:p>
-            <a:pPr marL="343080" indent="-340560">
+            <a:pPr marL="343080" indent="-340200">
               <a:lnSpc>
                 <a:spcPct val="100000"/>
               </a:lnSpc>
@@ -16989,7 +16989,7 @@
             </a:endParaRPr>
           </a:p>
           <a:p>
-            <a:pPr marL="343080" indent="-340560">
+            <a:pPr marL="343080" indent="-340200">
               <a:lnSpc>
                 <a:spcPct val="100000"/>
               </a:lnSpc>
@@ -17027,7 +17027,7 @@
             </a:endParaRPr>
           </a:p>
           <a:p>
-            <a:pPr marL="343080" indent="-340560">
+            <a:pPr marL="343080" indent="-340200">
               <a:lnSpc>
                 <a:spcPct val="100000"/>
               </a:lnSpc>
@@ -17097,6 +17097,29 @@
               </a:rPr>
               <a:t>ng-show/ng-hide</a:t>
             </a:r>
+            <a:endParaRPr b="0" lang="en-US" sz="1800" spc="-1" strike="noStrike">
+              <a:solidFill>
+                <a:srgbClr val="000000"/>
+              </a:solidFill>
+              <a:uFill>
+                <a:solidFill>
+                  <a:srgbClr val="ffffff"/>
+                </a:solidFill>
+              </a:uFill>
+              <a:latin typeface="Arial"/>
+            </a:endParaRPr>
+          </a:p>
+          <a:p>
+            <a:pPr marL="343080" indent="-340200">
+              <a:lnSpc>
+                <a:spcPct val="100000"/>
+              </a:lnSpc>
+              <a:buClr>
+                <a:srgbClr val="000000"/>
+              </a:buClr>
+              <a:buFont typeface="Arial"/>
+              <a:buChar char="•"/>
+            </a:pPr>
             <a:r>
               <a:rPr b="0" lang="en-US" sz="2400" spc="-1" strike="noStrike">
                 <a:solidFill>
@@ -17111,6 +17134,281 @@
                 <a:ea typeface="DejaVu Sans"/>
               </a:rPr>
               <a:t> </a:t>
+            </a:r>
+            <a:endParaRPr b="0" lang="en-US" sz="1800" spc="-1" strike="noStrike">
+              <a:solidFill>
+                <a:srgbClr val="000000"/>
+              </a:solidFill>
+              <a:uFill>
+                <a:solidFill>
+                  <a:srgbClr val="ffffff"/>
+                </a:solidFill>
+              </a:uFill>
+              <a:latin typeface="Arial"/>
+            </a:endParaRPr>
+          </a:p>
+          <a:p>
+            <a:pPr marL="343080" indent="-340200">
+              <a:lnSpc>
+                <a:spcPct val="100000"/>
+              </a:lnSpc>
+              <a:buClr>
+                <a:srgbClr val="000000"/>
+              </a:buClr>
+              <a:buFont typeface="Arial"/>
+              <a:buChar char="•"/>
+            </a:pPr>
+            <a:r>
+              <a:rPr b="1" lang="en-US" sz="2400" spc="-1" strike="noStrike">
+                <a:solidFill>
+                  <a:srgbClr val="000000"/>
+                </a:solidFill>
+                <a:uFill>
+                  <a:solidFill>
+                    <a:srgbClr val="ffffff"/>
+                  </a:solidFill>
+                </a:uFill>
+                <a:latin typeface="Calibri"/>
+                <a:ea typeface="DejaVu Sans"/>
+              </a:rPr>
+              <a:t> </a:t>
+            </a:r>
+            <a:endParaRPr b="0" lang="en-US" sz="1800" spc="-1" strike="noStrike">
+              <a:solidFill>
+                <a:srgbClr val="000000"/>
+              </a:solidFill>
+              <a:uFill>
+                <a:solidFill>
+                  <a:srgbClr val="ffffff"/>
+                </a:solidFill>
+              </a:uFill>
+              <a:latin typeface="Arial"/>
+            </a:endParaRPr>
+          </a:p>
+          <a:p>
+            <a:pPr marL="343080" indent="-340200">
+              <a:lnSpc>
+                <a:spcPct val="100000"/>
+              </a:lnSpc>
+              <a:buClr>
+                <a:srgbClr val="000000"/>
+              </a:buClr>
+              <a:buFont typeface="Arial"/>
+              <a:buChar char="•"/>
+            </a:pPr>
+            <a:r>
+              <a:rPr b="0" lang="en-US" sz="2400" spc="-1" strike="noStrike">
+                <a:solidFill>
+                  <a:srgbClr val="000000"/>
+                </a:solidFill>
+                <a:uFill>
+                  <a:solidFill>
+                    <a:srgbClr val="ffffff"/>
+                  </a:solidFill>
+                </a:uFill>
+                <a:latin typeface="Calibri"/>
+                <a:ea typeface="DejaVu Sans"/>
+              </a:rPr>
+              <a:t>Sometimes cannot get value of input that directly bind with $scope</a:t>
+            </a:r>
+            <a:endParaRPr b="0" lang="en-US" sz="1800" spc="-1" strike="noStrike">
+              <a:solidFill>
+                <a:srgbClr val="000000"/>
+              </a:solidFill>
+              <a:uFill>
+                <a:solidFill>
+                  <a:srgbClr val="ffffff"/>
+                </a:solidFill>
+              </a:uFill>
+              <a:latin typeface="Arial"/>
+            </a:endParaRPr>
+          </a:p>
+          <a:p>
+            <a:pPr marL="216000" indent="-216000">
+              <a:buClr>
+                <a:srgbClr val="000000"/>
+              </a:buClr>
+              <a:buSzPct val="45000"/>
+              <a:buFont typeface="Wingdings" charset="2"/>
+              <a:buChar char=""/>
+            </a:pPr>
+            <a:r>
+              <a:rPr b="0" lang="en-US" sz="2400" spc="-1" strike="noStrike">
+                <a:solidFill>
+                  <a:srgbClr val="000000"/>
+                </a:solidFill>
+                <a:uFill>
+                  <a:solidFill>
+                    <a:srgbClr val="ffffff"/>
+                  </a:solidFill>
+                </a:uFill>
+                <a:latin typeface="Calibri"/>
+                <a:ea typeface="DejaVu Sans"/>
+              </a:rPr>
+              <a:t> </a:t>
+            </a:r>
+            <a:endParaRPr b="0" lang="en-US" sz="1800" spc="-1" strike="noStrike">
+              <a:solidFill>
+                <a:srgbClr val="000000"/>
+              </a:solidFill>
+              <a:uFill>
+                <a:solidFill>
+                  <a:srgbClr val="ffffff"/>
+                </a:solidFill>
+              </a:uFill>
+              <a:latin typeface="Arial"/>
+            </a:endParaRPr>
+          </a:p>
+          <a:p>
+            <a:r>
+              <a:rPr b="0" lang="en-US" sz="2400" spc="-1" strike="noStrike">
+                <a:solidFill>
+                  <a:srgbClr val="000000"/>
+                </a:solidFill>
+                <a:uFill>
+                  <a:solidFill>
+                    <a:srgbClr val="ffffff"/>
+                  </a:solidFill>
+                </a:uFill>
+                <a:latin typeface="Calibri"/>
+                <a:ea typeface="DejaVu Sans"/>
+              </a:rPr>
+              <a:t>     </a:t>
+            </a:r>
+            <a:r>
+              <a:rPr b="0" lang="en-US" sz="2400" spc="-1" strike="noStrike">
+                <a:solidFill>
+                  <a:srgbClr val="000000"/>
+                </a:solidFill>
+                <a:uFill>
+                  <a:solidFill>
+                    <a:srgbClr val="ffffff"/>
+                  </a:solidFill>
+                </a:uFill>
+                <a:latin typeface="Calibri"/>
+                <a:ea typeface="DejaVu Sans"/>
+              </a:rPr>
+              <a:t>Create a </a:t>
+            </a:r>
+            <a:r>
+              <a:rPr b="1" lang="en-US" sz="1800" spc="-1" strike="noStrike">
+                <a:solidFill>
+                  <a:srgbClr val="a9b7c6"/>
+                </a:solidFill>
+                <a:uFill>
+                  <a:solidFill>
+                    <a:srgbClr val="ffffff"/>
+                  </a:solidFill>
+                </a:uFill>
+                <a:latin typeface="Courier New"/>
+                <a:ea typeface="Courier New"/>
+              </a:rPr>
+              <a:t>$scope.</a:t>
+            </a:r>
+            <a:r>
+              <a:rPr b="1" lang="en-US" sz="1800" spc="-1" strike="noStrike">
+                <a:solidFill>
+                  <a:srgbClr val="9876aa"/>
+                </a:solidFill>
+                <a:uFill>
+                  <a:solidFill>
+                    <a:srgbClr val="ffffff"/>
+                  </a:solidFill>
+                </a:uFill>
+                <a:latin typeface="Courier New"/>
+                <a:ea typeface="Courier New"/>
+              </a:rPr>
+              <a:t>data </a:t>
+            </a:r>
+            <a:r>
+              <a:rPr b="1" lang="en-US" sz="1800" spc="-1" strike="noStrike">
+                <a:solidFill>
+                  <a:srgbClr val="a9b7c6"/>
+                </a:solidFill>
+                <a:uFill>
+                  <a:solidFill>
+                    <a:srgbClr val="ffffff"/>
+                  </a:solidFill>
+                </a:uFill>
+                <a:latin typeface="Courier New"/>
+                <a:ea typeface="Courier New"/>
+              </a:rPr>
+              <a:t>= {}</a:t>
+            </a:r>
+            <a:r>
+              <a:rPr b="1" lang="en-US" sz="1800" spc="-1" strike="noStrike">
+                <a:solidFill>
+                  <a:srgbClr val="cc7832"/>
+                </a:solidFill>
+                <a:uFill>
+                  <a:solidFill>
+                    <a:srgbClr val="ffffff"/>
+                  </a:solidFill>
+                </a:uFill>
+                <a:latin typeface="Courier New"/>
+                <a:ea typeface="Courier New"/>
+              </a:rPr>
+              <a:t>; </a:t>
+            </a:r>
+            <a:r>
+              <a:rPr b="0" lang="en-US" sz="2400" spc="-1" strike="noStrike">
+                <a:solidFill>
+                  <a:srgbClr val="000000"/>
+                </a:solidFill>
+                <a:uFill>
+                  <a:solidFill>
+                    <a:srgbClr val="ffffff"/>
+                  </a:solidFill>
+                </a:uFill>
+                <a:latin typeface="Calibri"/>
+                <a:ea typeface="Courier New"/>
+              </a:rPr>
+              <a:t>object</a:t>
+            </a:r>
+            <a:r>
+              <a:rPr b="0" lang="en-US" sz="2400" spc="-1" strike="noStrike">
+                <a:solidFill>
+                  <a:srgbClr val="000000"/>
+                </a:solidFill>
+                <a:uFill>
+                  <a:solidFill>
+                    <a:srgbClr val="ffffff"/>
+                  </a:solidFill>
+                </a:uFill>
+                <a:latin typeface="Calibri"/>
+                <a:ea typeface="DejaVu Sans"/>
+              </a:rPr>
+              <a:t>. Binding input with </a:t>
+            </a:r>
+            <a:r>
+              <a:rPr b="1" lang="en-US" sz="1800" spc="-1" strike="noStrike">
+                <a:solidFill>
+                  <a:srgbClr val="a9b7c6"/>
+                </a:solidFill>
+                <a:uFill>
+                  <a:solidFill>
+                    <a:srgbClr val="ffffff"/>
+                  </a:solidFill>
+                </a:uFill>
+                <a:latin typeface="Courier New"/>
+                <a:ea typeface="Courier New"/>
+              </a:rPr>
+              <a:t>$scope.</a:t>
+            </a:r>
+            <a:r>
+              <a:rPr b="1" lang="en-US" sz="1800" spc="-1" strike="noStrike">
+                <a:solidFill>
+                  <a:srgbClr val="9876aa"/>
+                </a:solidFill>
+                <a:uFill>
+                  <a:solidFill>
+                    <a:srgbClr val="ffffff"/>
+                  </a:solidFill>
+                </a:uFill>
+                <a:latin typeface="Courier New"/>
+                <a:ea typeface="Courier New"/>
+              </a:rPr>
+              <a:t>data</a:t>
             </a:r>
             <a:endParaRPr b="0" lang="en-US" sz="1800" spc="-1" strike="noStrike">
               <a:solidFill>
@@ -17139,7 +17437,7 @@
         <p:spPr>
           <a:xfrm>
             <a:off x="152280" y="891000"/>
-            <a:ext cx="454680" cy="454680"/>
+            <a:ext cx="454320" cy="454320"/>
           </a:xfrm>
           <a:prstGeom prst="rect">
             <a:avLst/>
@@ -17162,7 +17460,7 @@
         <p:spPr>
           <a:xfrm>
             <a:off x="152640" y="1873800"/>
-            <a:ext cx="454680" cy="454680"/>
+            <a:ext cx="454320" cy="454320"/>
           </a:xfrm>
           <a:prstGeom prst="rect">
             <a:avLst/>
@@ -17185,7 +17483,53 @@
         <p:spPr>
           <a:xfrm>
             <a:off x="152640" y="891360"/>
-            <a:ext cx="454680" cy="454680"/>
+            <a:ext cx="454320" cy="454320"/>
+          </a:xfrm>
+          <a:prstGeom prst="rect">
+            <a:avLst/>
+          </a:prstGeom>
+          <a:ln>
+            <a:noFill/>
+          </a:ln>
+        </p:spPr>
+      </p:pic>
+      <p:pic>
+        <p:nvPicPr>
+          <p:cNvPr id="268" name="Picture 3" descr=""/>
+          <p:cNvPicPr/>
+          <p:nvPr/>
+        </p:nvPicPr>
+        <p:blipFill>
+          <a:blip r:embed="rId4"/>
+          <a:stretch/>
+        </p:blipFill>
+        <p:spPr>
+          <a:xfrm>
+            <a:off x="94320" y="3017520"/>
+            <a:ext cx="454320" cy="454320"/>
+          </a:xfrm>
+          <a:prstGeom prst="rect">
+            <a:avLst/>
+          </a:prstGeom>
+          <a:ln>
+            <a:noFill/>
+          </a:ln>
+        </p:spPr>
+      </p:pic>
+      <p:pic>
+        <p:nvPicPr>
+          <p:cNvPr id="269" name="Picture 4" descr=""/>
+          <p:cNvPicPr/>
+          <p:nvPr/>
+        </p:nvPicPr>
+        <p:blipFill>
+          <a:blip r:embed="rId5"/>
+          <a:stretch/>
+        </p:blipFill>
+        <p:spPr>
+          <a:xfrm>
+            <a:off x="91440" y="3749040"/>
+            <a:ext cx="454320" cy="454320"/>
           </a:xfrm>
           <a:prstGeom prst="rect">
             <a:avLst/>
@@ -17246,14 +17590,14 @@
       </p:grpSpPr>
       <p:sp>
         <p:nvSpPr>
-          <p:cNvPr id="268" name="CustomShape 1"/>
+          <p:cNvPr id="270" name="CustomShape 1"/>
           <p:cNvSpPr/>
           <p:nvPr/>
         </p:nvSpPr>
         <p:spPr>
           <a:xfrm>
             <a:off x="2895480" y="2314440"/>
-            <a:ext cx="6246000" cy="565200"/>
+            <a:ext cx="6245640" cy="564840"/>
           </a:xfrm>
           <a:prstGeom prst="rect">
             <a:avLst/>
@@ -17282,14 +17626,14 @@
       </p:sp>
       <p:sp>
         <p:nvSpPr>
-          <p:cNvPr id="269" name="CustomShape 2"/>
+          <p:cNvPr id="271" name="CustomShape 2"/>
           <p:cNvSpPr/>
           <p:nvPr/>
         </p:nvSpPr>
         <p:spPr>
           <a:xfrm>
             <a:off x="2895480" y="2244600"/>
-            <a:ext cx="6246000" cy="697680"/>
+            <a:ext cx="6245640" cy="697320"/>
           </a:xfrm>
           <a:prstGeom prst="rect">
             <a:avLst/>
@@ -17344,7 +17688,7 @@
       </p:sp>
       <p:pic>
         <p:nvPicPr>
-          <p:cNvPr id="270" name="Picture 2" descr=""/>
+          <p:cNvPr id="272" name="Picture 2" descr=""/>
           <p:cNvPicPr/>
           <p:nvPr/>
         </p:nvPicPr>
@@ -17355,7 +17699,7 @@
         <p:spPr>
           <a:xfrm>
             <a:off x="1828800" y="2313360"/>
-            <a:ext cx="828720" cy="565200"/>
+            <a:ext cx="828360" cy="564840"/>
           </a:xfrm>
           <a:prstGeom prst="rect">
             <a:avLst/>
@@ -17419,14 +17763,14 @@
       </p:grpSpPr>
       <p:sp>
         <p:nvSpPr>
-          <p:cNvPr id="271" name="CustomShape 1"/>
+          <p:cNvPr id="273" name="CustomShape 1"/>
           <p:cNvSpPr/>
           <p:nvPr/>
         </p:nvSpPr>
         <p:spPr>
           <a:xfrm>
             <a:off x="152280" y="133200"/>
-            <a:ext cx="6017400" cy="448200"/>
+            <a:ext cx="6017040" cy="447840"/>
           </a:xfrm>
           <a:prstGeom prst="rect">
             <a:avLst/>
@@ -17481,14 +17825,14 @@
       </p:sp>
       <p:sp>
         <p:nvSpPr>
-          <p:cNvPr id="272" name="CustomShape 2"/>
+          <p:cNvPr id="274" name="CustomShape 2"/>
           <p:cNvSpPr/>
           <p:nvPr/>
         </p:nvSpPr>
         <p:spPr>
           <a:xfrm>
             <a:off x="152280" y="819000"/>
-            <a:ext cx="8836560" cy="3960000"/>
+            <a:ext cx="8836200" cy="3959640"/>
           </a:xfrm>
           <a:prstGeom prst="rect">
             <a:avLst/>
@@ -17507,7 +17851,7 @@
         <p:txBody>
           <a:bodyPr lIns="90000" rIns="90000" tIns="45000" bIns="45000"/>
           <a:p>
-            <a:pPr marL="343080" indent="-340560">
+            <a:pPr marL="343080" indent="-340200">
               <a:lnSpc>
                 <a:spcPct val="100000"/>
               </a:lnSpc>
@@ -17545,7 +17889,7 @@
             </a:endParaRPr>
           </a:p>
           <a:p>
-            <a:pPr marL="343080" indent="-340560">
+            <a:pPr marL="343080" indent="-340200">
               <a:lnSpc>
                 <a:spcPct val="100000"/>
               </a:lnSpc>
@@ -17583,7 +17927,7 @@
             </a:endParaRPr>
           </a:p>
           <a:p>
-            <a:pPr lvl="1" marL="743040" indent="-283320">
+            <a:pPr lvl="1" marL="743040" indent="-282960">
               <a:lnSpc>
                 <a:spcPct val="100000"/>
               </a:lnSpc>
@@ -17621,7 +17965,7 @@
             </a:endParaRPr>
           </a:p>
           <a:p>
-            <a:pPr lvl="1" marL="743040" indent="-283320">
+            <a:pPr lvl="1" marL="743040" indent="-282960">
               <a:lnSpc>
                 <a:spcPct val="100000"/>
               </a:lnSpc>
@@ -17659,7 +18003,7 @@
             </a:endParaRPr>
           </a:p>
           <a:p>
-            <a:pPr lvl="1" marL="743040" indent="-283320">
+            <a:pPr lvl="1" marL="743040" indent="-282960">
               <a:lnSpc>
                 <a:spcPct val="100000"/>
               </a:lnSpc>
@@ -17767,14 +18111,14 @@
       </p:grpSpPr>
       <p:sp>
         <p:nvSpPr>
-          <p:cNvPr id="273" name="CustomShape 1"/>
+          <p:cNvPr id="275" name="CustomShape 1"/>
           <p:cNvSpPr/>
           <p:nvPr/>
         </p:nvSpPr>
         <p:spPr>
           <a:xfrm>
             <a:off x="152280" y="133200"/>
-            <a:ext cx="7252920" cy="448200"/>
+            <a:ext cx="7252560" cy="447840"/>
           </a:xfrm>
           <a:prstGeom prst="rect">
             <a:avLst/>
@@ -17811,7 +18155,7 @@
                 <a:latin typeface="Century Gothic"/>
                 <a:ea typeface="ＭＳ Ｐゴシック"/>
               </a:rPr>
-              <a:t>Angular recursive dependency error</a:t>
+              <a:t>Angular circular dependency error</a:t>
             </a:r>
             <a:endParaRPr b="0" lang="en-US" sz="1800" spc="-1" strike="noStrike">
               <a:solidFill>
@@ -17829,14 +18173,14 @@
       </p:sp>
       <p:sp>
         <p:nvSpPr>
-          <p:cNvPr id="274" name="CustomShape 2"/>
+          <p:cNvPr id="276" name="CustomShape 2"/>
           <p:cNvSpPr/>
           <p:nvPr/>
         </p:nvSpPr>
         <p:spPr>
           <a:xfrm>
             <a:off x="152280" y="819000"/>
-            <a:ext cx="8836560" cy="3960000"/>
+            <a:ext cx="8836200" cy="3959640"/>
           </a:xfrm>
           <a:prstGeom prst="rect">
             <a:avLst/>
@@ -17855,7 +18199,10 @@
         <p:txBody>
           <a:bodyPr lIns="90000" rIns="90000" tIns="45000" bIns="45000"/>
           <a:p>
-            <a:pPr marL="343080" indent="-340560">
+            <a:pPr marL="343080" indent="-340200">
+              <a:lnSpc>
+                <a:spcPct val="100000"/>
+              </a:lnSpc>
               <a:buClr>
                 <a:srgbClr val="000000"/>
               </a:buClr>
@@ -17875,7 +18222,22 @@
                 <a:latin typeface="Calibri"/>
                 <a:ea typeface="DejaVu Sans"/>
               </a:rPr>
-              <a:t>Service </a:t>
+              <a:t>Service A</a:t>
+            </a:r>
+            <a:r>
+              <a:rPr b="0" lang="en-US" sz="2400" spc="-1" strike="noStrike">
+                <a:solidFill>
+                  <a:srgbClr val="000000"/>
+                </a:solidFill>
+                <a:uFill>
+                  <a:solidFill>
+                    <a:srgbClr val="ffffff"/>
+                  </a:solidFill>
+                </a:uFill>
+                <a:latin typeface="Calibri"/>
+                <a:ea typeface="DejaVu Sans"/>
+              </a:rPr>
+              <a:t> ← Service C ← Service B ← </a:t>
             </a:r>
             <a:r>
               <a:rPr b="1" lang="en-US" sz="2400" spc="-1" strike="noStrike">
@@ -17890,36 +18252,6 @@
                 <a:latin typeface="Calibri"/>
                 <a:ea typeface="DejaVu Sans"/>
               </a:rPr>
-              <a:t>A</a:t>
-            </a:r>
-            <a:r>
-              <a:rPr b="0" lang="en-US" sz="2400" spc="-1" strike="noStrike">
-                <a:solidFill>
-                  <a:srgbClr val="000000"/>
-                </a:solidFill>
-                <a:uFill>
-                  <a:solidFill>
-                    <a:srgbClr val="ffffff"/>
-                  </a:solidFill>
-                </a:uFill>
-                <a:latin typeface="Calibri"/>
-                <a:ea typeface="DejaVu Sans"/>
-              </a:rPr>
-              <a:t> ← Service B ← Service C ← </a:t>
-            </a:r>
-            <a:r>
-              <a:rPr b="1" lang="en-US" sz="2400" spc="-1" strike="noStrike">
-                <a:solidFill>
-                  <a:srgbClr val="000000"/>
-                </a:solidFill>
-                <a:uFill>
-                  <a:solidFill>
-                    <a:srgbClr val="ffffff"/>
-                  </a:solidFill>
-                </a:uFill>
-                <a:latin typeface="Calibri"/>
-                <a:ea typeface="DejaVu Sans"/>
-              </a:rPr>
               <a:t>Service A</a:t>
             </a:r>
             <a:endParaRPr b="0" lang="en-US" sz="1800" spc="-1" strike="noStrike">
@@ -17935,7 +18267,7 @@
             </a:endParaRPr>
           </a:p>
           <a:p>
-            <a:pPr marL="343080" indent="-340560">
+            <a:pPr marL="343080" indent="-340200">
               <a:lnSpc>
                 <a:spcPct val="100000"/>
               </a:lnSpc>
@@ -17973,7 +18305,10 @@
             </a:endParaRPr>
           </a:p>
           <a:p>
-            <a:pPr marL="343080" indent="-340560">
+            <a:pPr marL="343080" indent="-340200">
+              <a:lnSpc>
+                <a:spcPct val="100000"/>
+              </a:lnSpc>
               <a:buClr>
                 <a:srgbClr val="000000"/>
               </a:buClr>
@@ -18026,7 +18361,7 @@
       </p:sp>
       <p:pic>
         <p:nvPicPr>
-          <p:cNvPr id="275" name="Picture 3" descr=""/>
+          <p:cNvPr id="277" name="Picture 3" descr=""/>
           <p:cNvPicPr/>
           <p:nvPr/>
         </p:nvPicPr>
@@ -18037,7 +18372,7 @@
         <p:spPr>
           <a:xfrm>
             <a:off x="152640" y="891360"/>
-            <a:ext cx="454680" cy="454680"/>
+            <a:ext cx="454320" cy="454320"/>
           </a:xfrm>
           <a:prstGeom prst="rect">
             <a:avLst/>
@@ -18049,7 +18384,7 @@
       </p:pic>
       <p:pic>
         <p:nvPicPr>
-          <p:cNvPr id="276" name="Picture 4" descr=""/>
+          <p:cNvPr id="278" name="Picture 4" descr=""/>
           <p:cNvPicPr/>
           <p:nvPr/>
         </p:nvPicPr>
@@ -18060,7 +18395,7 @@
         <p:spPr>
           <a:xfrm>
             <a:off x="152280" y="1555560"/>
-            <a:ext cx="454680" cy="454680"/>
+            <a:ext cx="454320" cy="454320"/>
           </a:xfrm>
           <a:prstGeom prst="rect">
             <a:avLst/>
@@ -18072,14 +18407,14 @@
       </p:pic>
       <p:sp>
         <p:nvSpPr>
-          <p:cNvPr id="277" name="CustomShape 3"/>
+          <p:cNvPr id="279" name="CustomShape 3"/>
           <p:cNvSpPr/>
           <p:nvPr/>
         </p:nvSpPr>
         <p:spPr>
           <a:xfrm>
             <a:off x="914400" y="2156760"/>
-            <a:ext cx="6625800" cy="2421720"/>
+            <a:ext cx="6625440" cy="2421360"/>
           </a:xfrm>
           <a:prstGeom prst="rect">
             <a:avLst/>
@@ -18732,14 +19067,14 @@
       </p:grpSpPr>
       <p:sp>
         <p:nvSpPr>
-          <p:cNvPr id="278" name="CustomShape 1"/>
+          <p:cNvPr id="280" name="CustomShape 1"/>
           <p:cNvSpPr/>
           <p:nvPr/>
         </p:nvSpPr>
         <p:spPr>
           <a:xfrm>
             <a:off x="1828800" y="2343240"/>
-            <a:ext cx="7312680" cy="531000"/>
+            <a:ext cx="7312320" cy="530640"/>
           </a:xfrm>
           <a:prstGeom prst="rect">
             <a:avLst/>
@@ -18768,14 +19103,14 @@
       </p:sp>
       <p:sp>
         <p:nvSpPr>
-          <p:cNvPr id="279" name="CustomShape 2"/>
+          <p:cNvPr id="281" name="CustomShape 2"/>
           <p:cNvSpPr/>
           <p:nvPr/>
         </p:nvSpPr>
         <p:spPr>
           <a:xfrm>
             <a:off x="1828800" y="2244960"/>
-            <a:ext cx="7312680" cy="697680"/>
+            <a:ext cx="7312320" cy="697320"/>
           </a:xfrm>
           <a:prstGeom prst="rect">
             <a:avLst/>
@@ -18830,7 +19165,7 @@
       </p:sp>
       <p:pic>
         <p:nvPicPr>
-          <p:cNvPr id="280" name="Picture 2" descr=""/>
+          <p:cNvPr id="282" name="Picture 2" descr=""/>
           <p:cNvPicPr/>
           <p:nvPr/>
         </p:nvPicPr>
@@ -18841,7 +19176,7 @@
         <p:spPr>
           <a:xfrm>
             <a:off x="762120" y="2343240"/>
-            <a:ext cx="828720" cy="565200"/>
+            <a:ext cx="828360" cy="564840"/>
           </a:xfrm>
           <a:prstGeom prst="rect">
             <a:avLst/>
@@ -18905,14 +19240,14 @@
       </p:grpSpPr>
       <p:sp>
         <p:nvSpPr>
-          <p:cNvPr id="281" name="CustomShape 1"/>
+          <p:cNvPr id="283" name="CustomShape 1"/>
           <p:cNvSpPr/>
           <p:nvPr/>
         </p:nvSpPr>
         <p:spPr>
           <a:xfrm>
             <a:off x="152280" y="133200"/>
-            <a:ext cx="7435800" cy="448200"/>
+            <a:ext cx="7435440" cy="447840"/>
           </a:xfrm>
           <a:prstGeom prst="rect">
             <a:avLst/>
@@ -18967,7 +19302,7 @@
       </p:sp>
       <p:pic>
         <p:nvPicPr>
-          <p:cNvPr id="282" name="Content Placeholder 3" descr=""/>
+          <p:cNvPr id="284" name="Content Placeholder 3" descr=""/>
           <p:cNvPicPr/>
           <p:nvPr/>
         </p:nvPicPr>
@@ -18978,7 +19313,7 @@
         <p:spPr>
           <a:xfrm>
             <a:off x="1279440" y="819000"/>
-            <a:ext cx="6582600" cy="3960000"/>
+            <a:ext cx="6582240" cy="3959640"/>
           </a:xfrm>
           <a:prstGeom prst="rect">
             <a:avLst/>
@@ -19039,14 +19374,14 @@
       </p:grpSpPr>
       <p:sp>
         <p:nvSpPr>
-          <p:cNvPr id="283" name="CustomShape 1"/>
+          <p:cNvPr id="285" name="CustomShape 1"/>
           <p:cNvSpPr/>
           <p:nvPr/>
         </p:nvSpPr>
         <p:spPr>
           <a:xfrm>
             <a:off x="152280" y="133200"/>
-            <a:ext cx="8990280" cy="448200"/>
+            <a:ext cx="8989920" cy="447840"/>
           </a:xfrm>
           <a:prstGeom prst="rect">
             <a:avLst/>
@@ -19101,14 +19436,14 @@
       </p:sp>
       <p:sp>
         <p:nvSpPr>
-          <p:cNvPr id="284" name="CustomShape 2"/>
+          <p:cNvPr id="286" name="CustomShape 2"/>
           <p:cNvSpPr/>
           <p:nvPr/>
         </p:nvSpPr>
         <p:spPr>
           <a:xfrm>
             <a:off x="152280" y="819000"/>
-            <a:ext cx="8836560" cy="3960000"/>
+            <a:ext cx="8836200" cy="3959640"/>
           </a:xfrm>
           <a:prstGeom prst="rect">
             <a:avLst/>
@@ -19127,7 +19462,10 @@
         <p:txBody>
           <a:bodyPr lIns="90000" rIns="90000" tIns="45000" bIns="45000"/>
           <a:p>
-            <a:pPr marL="343080" indent="-340560">
+            <a:pPr marL="343080" indent="-340200">
+              <a:lnSpc>
+                <a:spcPct val="100000"/>
+              </a:lnSpc>
               <a:buClr>
                 <a:srgbClr val="000000"/>
               </a:buClr>
@@ -19252,7 +19590,10 @@
             </a:endParaRPr>
           </a:p>
           <a:p>
-            <a:pPr marL="343080" indent="-340560">
+            <a:pPr marL="343080" indent="-340200">
+              <a:lnSpc>
+                <a:spcPct val="100000"/>
+              </a:lnSpc>
               <a:buClr>
                 <a:srgbClr val="000000"/>
               </a:buClr>
@@ -19335,7 +19676,7 @@
       </p:sp>
       <p:pic>
         <p:nvPicPr>
-          <p:cNvPr id="285" name="Picture 3" descr=""/>
+          <p:cNvPr id="287" name="Picture 3" descr=""/>
           <p:cNvPicPr/>
           <p:nvPr/>
         </p:nvPicPr>
@@ -19346,7 +19687,7 @@
         <p:spPr>
           <a:xfrm>
             <a:off x="153000" y="855720"/>
-            <a:ext cx="454680" cy="454680"/>
+            <a:ext cx="454320" cy="454320"/>
           </a:xfrm>
           <a:prstGeom prst="rect">
             <a:avLst/>
@@ -19358,7 +19699,7 @@
       </p:pic>
       <p:pic>
         <p:nvPicPr>
-          <p:cNvPr id="286" name="Picture 4" descr=""/>
+          <p:cNvPr id="288" name="Picture 4" descr=""/>
           <p:cNvPicPr/>
           <p:nvPr/>
         </p:nvPicPr>
@@ -19369,7 +19710,7 @@
         <p:spPr>
           <a:xfrm>
             <a:off x="152640" y="1555920"/>
-            <a:ext cx="454680" cy="454680"/>
+            <a:ext cx="454320" cy="454320"/>
           </a:xfrm>
           <a:prstGeom prst="rect">
             <a:avLst/>
@@ -19381,14 +19722,14 @@
       </p:pic>
       <p:sp>
         <p:nvSpPr>
-          <p:cNvPr id="287" name="CustomShape 3"/>
+          <p:cNvPr id="289" name="CustomShape 3"/>
           <p:cNvSpPr/>
           <p:nvPr/>
         </p:nvSpPr>
         <p:spPr>
           <a:xfrm>
             <a:off x="548640" y="2143080"/>
-            <a:ext cx="4021920" cy="2631240"/>
+            <a:ext cx="4021560" cy="2630880"/>
           </a:xfrm>
           <a:prstGeom prst="rect">
             <a:avLst/>
@@ -19435,7 +19776,7 @@
             </a:endParaRPr>
           </a:p>
           <a:p>
-            <a:pPr marL="216000" indent="-214560">
+            <a:pPr marL="216000" indent="-214200">
               <a:lnSpc>
                 <a:spcPct val="100000"/>
               </a:lnSpc>
@@ -19474,7 +19815,7 @@
             </a:endParaRPr>
           </a:p>
           <a:p>
-            <a:pPr marL="216000" indent="-214560">
+            <a:pPr marL="216000" indent="-214200">
               <a:lnSpc>
                 <a:spcPct val="100000"/>
               </a:lnSpc>
@@ -19657,14 +19998,14 @@
       </p:sp>
       <p:sp>
         <p:nvSpPr>
-          <p:cNvPr id="288" name="CustomShape 4"/>
+          <p:cNvPr id="290" name="CustomShape 4"/>
           <p:cNvSpPr/>
           <p:nvPr/>
         </p:nvSpPr>
         <p:spPr>
           <a:xfrm>
             <a:off x="4572000" y="2050560"/>
-            <a:ext cx="4570560" cy="3068640"/>
+            <a:ext cx="4570200" cy="3068280"/>
           </a:xfrm>
           <a:prstGeom prst="rect">
             <a:avLst/>
@@ -20755,14 +21096,14 @@
       </p:grpSpPr>
       <p:sp>
         <p:nvSpPr>
-          <p:cNvPr id="289" name="CustomShape 1"/>
+          <p:cNvPr id="291" name="CustomShape 1"/>
           <p:cNvSpPr/>
           <p:nvPr/>
         </p:nvSpPr>
         <p:spPr>
           <a:xfrm>
             <a:off x="228600" y="1886040"/>
-            <a:ext cx="8684280" cy="1064160"/>
+            <a:ext cx="8683920" cy="1063800"/>
           </a:xfrm>
           <a:prstGeom prst="rect">
             <a:avLst/>
@@ -20873,7 +21214,7 @@
         <p:spPr>
           <a:xfrm>
             <a:off x="457200" y="361800"/>
-            <a:ext cx="4569480" cy="636840"/>
+            <a:ext cx="4569120" cy="636480"/>
           </a:xfrm>
           <a:prstGeom prst="rect">
             <a:avLst/>
@@ -20935,7 +21276,7 @@
         <p:spPr>
           <a:xfrm>
             <a:off x="380880" y="1200240"/>
-            <a:ext cx="5560200" cy="2679120"/>
+            <a:ext cx="5559840" cy="2678760"/>
           </a:xfrm>
           <a:prstGeom prst="rect">
             <a:avLst/>
@@ -20954,7 +21295,7 @@
         <p:txBody>
           <a:bodyPr lIns="90000" rIns="90000" tIns="45000" bIns="45000"/>
           <a:p>
-            <a:pPr lvl="1" marL="914400" indent="-851400">
+            <a:pPr lvl="1" marL="914400" indent="-851040">
               <a:lnSpc>
                 <a:spcPct val="150000"/>
               </a:lnSpc>
@@ -20992,7 +21333,7 @@
             </a:endParaRPr>
           </a:p>
           <a:p>
-            <a:pPr lvl="1" marL="914400" indent="-851400">
+            <a:pPr lvl="1" marL="914400" indent="-851040">
               <a:lnSpc>
                 <a:spcPct val="150000"/>
               </a:lnSpc>
@@ -21030,7 +21371,7 @@
             </a:endParaRPr>
           </a:p>
           <a:p>
-            <a:pPr lvl="1" marL="914400" indent="-851400">
+            <a:pPr lvl="1" marL="914400" indent="-851040">
               <a:lnSpc>
                 <a:spcPct val="150000"/>
               </a:lnSpc>
@@ -21068,7 +21409,7 @@
             </a:endParaRPr>
           </a:p>
           <a:p>
-            <a:pPr lvl="1" marL="914400" indent="-851400">
+            <a:pPr lvl="1" marL="914400" indent="-851040">
               <a:lnSpc>
                 <a:spcPct val="150000"/>
               </a:lnSpc>
@@ -21106,7 +21447,7 @@
             </a:endParaRPr>
           </a:p>
           <a:p>
-            <a:pPr lvl="1" marL="914400" indent="-851400">
+            <a:pPr lvl="1" marL="914400" indent="-851040">
               <a:lnSpc>
                 <a:spcPct val="150000"/>
               </a:lnSpc>
@@ -21214,14 +21555,14 @@
       </p:grpSpPr>
       <p:sp>
         <p:nvSpPr>
-          <p:cNvPr id="290" name="CustomShape 1"/>
+          <p:cNvPr id="292" name="CustomShape 1"/>
           <p:cNvSpPr/>
           <p:nvPr/>
         </p:nvSpPr>
         <p:spPr>
           <a:xfrm>
             <a:off x="228600" y="1886040"/>
-            <a:ext cx="8684280" cy="606960"/>
+            <a:ext cx="8683920" cy="606600"/>
           </a:xfrm>
           <a:prstGeom prst="rect">
             <a:avLst/>
@@ -21332,7 +21673,7 @@
         <p:spPr>
           <a:xfrm>
             <a:off x="2895480" y="2314440"/>
-            <a:ext cx="6246000" cy="565200"/>
+            <a:ext cx="6245640" cy="564840"/>
           </a:xfrm>
           <a:prstGeom prst="rect">
             <a:avLst/>
@@ -21368,7 +21709,7 @@
         <p:spPr>
           <a:xfrm>
             <a:off x="2895480" y="2244600"/>
-            <a:ext cx="4721760" cy="697680"/>
+            <a:ext cx="4721400" cy="697320"/>
           </a:xfrm>
           <a:prstGeom prst="rect">
             <a:avLst/>
@@ -21434,7 +21775,7 @@
         <p:spPr>
           <a:xfrm>
             <a:off x="1828800" y="2313360"/>
-            <a:ext cx="828720" cy="565200"/>
+            <a:ext cx="828360" cy="564840"/>
           </a:xfrm>
           <a:prstGeom prst="rect">
             <a:avLst/>
@@ -21505,7 +21846,7 @@
         <p:spPr>
           <a:xfrm>
             <a:off x="152280" y="133200"/>
-            <a:ext cx="6017400" cy="448200"/>
+            <a:ext cx="6017040" cy="447840"/>
           </a:xfrm>
           <a:prstGeom prst="rect">
             <a:avLst/>
@@ -21567,7 +21908,7 @@
         <p:spPr>
           <a:xfrm>
             <a:off x="152280" y="819000"/>
-            <a:ext cx="8836560" cy="4035960"/>
+            <a:ext cx="8836200" cy="4035600"/>
           </a:xfrm>
           <a:prstGeom prst="rect">
             <a:avLst/>
@@ -21586,7 +21927,7 @@
         <p:txBody>
           <a:bodyPr lIns="90000" rIns="90000" tIns="45000" bIns="45000"/>
           <a:p>
-            <a:pPr marL="343080" indent="-340560">
+            <a:pPr marL="343080" indent="-340200">
               <a:lnSpc>
                 <a:spcPct val="100000"/>
               </a:lnSpc>
@@ -21679,7 +22020,7 @@
             </a:endParaRPr>
           </a:p>
           <a:p>
-            <a:pPr marL="343080" indent="-340560">
+            <a:pPr marL="343080" indent="-340200">
               <a:lnSpc>
                 <a:spcPct val="100000"/>
               </a:lnSpc>
@@ -21697,7 +22038,7 @@
             </a:endParaRPr>
           </a:p>
           <a:p>
-            <a:pPr marL="343080" indent="-340560">
+            <a:pPr marL="343080" indent="-340200">
               <a:lnSpc>
                 <a:spcPct val="100000"/>
               </a:lnSpc>
@@ -21760,7 +22101,7 @@
             </a:endParaRPr>
           </a:p>
           <a:p>
-            <a:pPr marL="343080" indent="-340560">
+            <a:pPr marL="343080" indent="-340200">
               <a:lnSpc>
                 <a:spcPct val="100000"/>
               </a:lnSpc>
@@ -21792,7 +22133,7 @@
         <p:spPr>
           <a:xfrm>
             <a:off x="152280" y="819000"/>
-            <a:ext cx="454680" cy="454680"/>
+            <a:ext cx="454320" cy="454320"/>
           </a:xfrm>
           <a:prstGeom prst="rect">
             <a:avLst/>
@@ -21815,7 +22156,7 @@
         <p:spPr>
           <a:xfrm>
             <a:off x="152280" y="1657440"/>
-            <a:ext cx="454680" cy="454680"/>
+            <a:ext cx="454320" cy="454320"/>
           </a:xfrm>
           <a:prstGeom prst="rect">
             <a:avLst/>
@@ -21834,7 +22175,7 @@
         <p:spPr>
           <a:xfrm>
             <a:off x="228600" y="2266920"/>
-            <a:ext cx="5026680" cy="2557080"/>
+            <a:ext cx="5026320" cy="2556720"/>
           </a:xfrm>
           <a:prstGeom prst="rect">
             <a:avLst/>
@@ -21853,7 +22194,7 @@
         <p:txBody>
           <a:bodyPr lIns="90000" rIns="90000" tIns="45000" bIns="45000"/>
           <a:p>
-            <a:pPr marL="216000" indent="-213840">
+            <a:pPr marL="216000" indent="-213480">
               <a:lnSpc>
                 <a:spcPct val="100000"/>
               </a:lnSpc>
@@ -21921,7 +22262,7 @@
             </a:endParaRPr>
           </a:p>
           <a:p>
-            <a:pPr marL="216000" indent="-213840">
+            <a:pPr marL="216000" indent="-213480">
               <a:lnSpc>
                 <a:spcPct val="100000"/>
               </a:lnSpc>
@@ -22004,7 +22345,7 @@
             </a:endParaRPr>
           </a:p>
           <a:p>
-            <a:pPr marL="216000" indent="-213840">
+            <a:pPr marL="216000" indent="-213480">
               <a:lnSpc>
                 <a:spcPct val="100000"/>
               </a:lnSpc>
@@ -22168,7 +22509,7 @@
             </a:endParaRPr>
           </a:p>
           <a:p>
-            <a:pPr marL="216000" indent="-213840">
+            <a:pPr marL="216000" indent="-213480">
               <a:lnSpc>
                 <a:spcPct val="100000"/>
               </a:lnSpc>
@@ -22309,7 +22650,7 @@
         <p:spPr>
           <a:xfrm>
             <a:off x="5486400" y="2266920"/>
-            <a:ext cx="3655080" cy="2287440"/>
+            <a:ext cx="3654720" cy="2287080"/>
           </a:xfrm>
           <a:prstGeom prst="rect">
             <a:avLst/>
@@ -22490,7 +22831,7 @@
         <p:spPr>
           <a:xfrm>
             <a:off x="152280" y="133200"/>
-            <a:ext cx="6017400" cy="448200"/>
+            <a:ext cx="6017040" cy="447840"/>
           </a:xfrm>
           <a:prstGeom prst="rect">
             <a:avLst/>
@@ -22556,7 +22897,7 @@
         <p:spPr>
           <a:xfrm>
             <a:off x="2493360" y="1032480"/>
-            <a:ext cx="4154760" cy="3533040"/>
+            <a:ext cx="4154400" cy="3532680"/>
           </a:xfrm>
           <a:prstGeom prst="rect">
             <a:avLst/>
@@ -22624,7 +22965,7 @@
         <p:spPr>
           <a:xfrm>
             <a:off x="152280" y="133200"/>
-            <a:ext cx="6017400" cy="448200"/>
+            <a:ext cx="6017040" cy="447840"/>
           </a:xfrm>
           <a:prstGeom prst="rect">
             <a:avLst/>
@@ -22686,7 +23027,7 @@
         <p:spPr>
           <a:xfrm>
             <a:off x="152280" y="819000"/>
-            <a:ext cx="8760600" cy="4112280"/>
+            <a:ext cx="8760240" cy="4111920"/>
           </a:xfrm>
           <a:prstGeom prst="rect">
             <a:avLst/>
@@ -22705,7 +23046,7 @@
         <p:txBody>
           <a:bodyPr lIns="90000" rIns="90000" tIns="45000" bIns="45000"/>
           <a:p>
-            <a:pPr marL="343080" indent="-340560">
+            <a:pPr marL="343080" indent="-340200">
               <a:lnSpc>
                 <a:spcPct val="100000"/>
               </a:lnSpc>
@@ -22783,7 +23124,7 @@
             </a:endParaRPr>
           </a:p>
           <a:p>
-            <a:pPr marL="343080" indent="-340560">
+            <a:pPr marL="343080" indent="-340200">
               <a:lnSpc>
                 <a:spcPct val="100000"/>
               </a:lnSpc>
@@ -22801,7 +23142,7 @@
             </a:endParaRPr>
           </a:p>
           <a:p>
-            <a:pPr marL="343080" indent="-340560">
+            <a:pPr marL="343080" indent="-340200">
               <a:lnSpc>
                 <a:spcPct val="100000"/>
               </a:lnSpc>
@@ -22879,7 +23220,7 @@
             </a:endParaRPr>
           </a:p>
           <a:p>
-            <a:pPr marL="343080" indent="-340560">
+            <a:pPr marL="343080" indent="-340200">
               <a:lnSpc>
                 <a:spcPct val="100000"/>
               </a:lnSpc>
@@ -22957,7 +23298,7 @@
             </a:endParaRPr>
           </a:p>
           <a:p>
-            <a:pPr marL="343080" indent="-340560">
+            <a:pPr marL="343080" indent="-340200">
               <a:lnSpc>
                 <a:spcPct val="100000"/>
               </a:lnSpc>
@@ -23125,7 +23466,7 @@
             </a:endParaRPr>
           </a:p>
           <a:p>
-            <a:pPr marL="343080" indent="-340560">
+            <a:pPr marL="343080" indent="-340200">
               <a:lnSpc>
                 <a:spcPct val="100000"/>
               </a:lnSpc>
@@ -23158,7 +23499,7 @@
             </a:endParaRPr>
           </a:p>
           <a:p>
-            <a:pPr marL="343080" indent="-340560">
+            <a:pPr marL="343080" indent="-340200">
               <a:lnSpc>
                 <a:spcPct val="100000"/>
               </a:lnSpc>
@@ -23326,7 +23667,7 @@
             </a:endParaRPr>
           </a:p>
           <a:p>
-            <a:pPr marL="343080" indent="-340560">
+            <a:pPr marL="343080" indent="-340200">
               <a:lnSpc>
                 <a:spcPct val="100000"/>
               </a:lnSpc>
@@ -23344,7 +23685,7 @@
             </a:endParaRPr>
           </a:p>
           <a:p>
-            <a:pPr marL="343080" indent="-340560">
+            <a:pPr marL="343080" indent="-340200">
               <a:lnSpc>
                 <a:spcPct val="100000"/>
               </a:lnSpc>
@@ -23376,7 +23717,7 @@
         <p:spPr>
           <a:xfrm>
             <a:off x="152280" y="819000"/>
-            <a:ext cx="454680" cy="454680"/>
+            <a:ext cx="454320" cy="454320"/>
           </a:xfrm>
           <a:prstGeom prst="rect">
             <a:avLst/>
@@ -23399,7 +23740,7 @@
         <p:spPr>
           <a:xfrm>
             <a:off x="152280" y="1657440"/>
-            <a:ext cx="454680" cy="454680"/>
+            <a:ext cx="454320" cy="454320"/>
           </a:xfrm>
           <a:prstGeom prst="rect">
             <a:avLst/>
@@ -23467,7 +23808,7 @@
         <p:spPr>
           <a:xfrm>
             <a:off x="152280" y="133200"/>
-            <a:ext cx="6017400" cy="448200"/>
+            <a:ext cx="7162920" cy="447840"/>
           </a:xfrm>
           <a:prstGeom prst="rect">
             <a:avLst/>
@@ -23529,7 +23870,7 @@
         <p:spPr>
           <a:xfrm>
             <a:off x="152280" y="819000"/>
-            <a:ext cx="8836560" cy="3960000"/>
+            <a:ext cx="8836200" cy="3959640"/>
           </a:xfrm>
           <a:prstGeom prst="rect">
             <a:avLst/>
@@ -23548,7 +23889,7 @@
         <p:txBody>
           <a:bodyPr lIns="90000" rIns="90000" tIns="45000" bIns="45000"/>
           <a:p>
-            <a:pPr marL="343080" indent="-340560">
+            <a:pPr marL="343080" indent="-340200">
               <a:lnSpc>
                 <a:spcPct val="100000"/>
               </a:lnSpc>
@@ -23611,7 +23952,7 @@
             </a:endParaRPr>
           </a:p>
           <a:p>
-            <a:pPr marL="343080" indent="-340560">
+            <a:pPr marL="343080" indent="-340200">
               <a:lnSpc>
                 <a:spcPct val="100000"/>
               </a:lnSpc>
@@ -23674,7 +24015,7 @@
             </a:endParaRPr>
           </a:p>
           <a:p>
-            <a:pPr marL="343080" indent="-340560">
+            <a:pPr marL="343080" indent="-340200">
               <a:lnSpc>
                 <a:spcPct val="100000"/>
               </a:lnSpc>
@@ -23812,7 +24153,7 @@
             </a:endParaRPr>
           </a:p>
           <a:p>
-            <a:pPr marL="343080" indent="-340560">
+            <a:pPr marL="343080" indent="-340200">
               <a:lnSpc>
                 <a:spcPct val="100000"/>
               </a:lnSpc>
@@ -23935,7 +24276,7 @@
             </a:endParaRPr>
           </a:p>
           <a:p>
-            <a:pPr marL="343080" indent="-340560">
+            <a:pPr marL="343080" indent="-340200">
               <a:lnSpc>
                 <a:spcPct val="100000"/>
               </a:lnSpc>
@@ -23953,7 +24294,7 @@
             </a:endParaRPr>
           </a:p>
           <a:p>
-            <a:pPr marL="343080" indent="-340560">
+            <a:pPr marL="343080" indent="-340200">
               <a:lnSpc>
                 <a:spcPct val="100000"/>
               </a:lnSpc>
@@ -24016,7 +24357,7 @@
             </a:endParaRPr>
           </a:p>
           <a:p>
-            <a:pPr marL="343080" indent="-340560">
+            <a:pPr marL="343080" indent="-340200">
               <a:lnSpc>
                 <a:spcPct val="100000"/>
               </a:lnSpc>
@@ -24094,7 +24435,7 @@
             </a:endParaRPr>
           </a:p>
           <a:p>
-            <a:pPr marL="343080" indent="-340560">
+            <a:pPr marL="343080" indent="-340200">
               <a:lnSpc>
                 <a:spcPct val="100000"/>
               </a:lnSpc>
@@ -24127,7 +24468,7 @@
             </a:endParaRPr>
           </a:p>
           <a:p>
-            <a:pPr marL="343080" indent="-340560">
+            <a:pPr marL="343080" indent="-340200">
               <a:lnSpc>
                 <a:spcPct val="100000"/>
               </a:lnSpc>
@@ -24294,7 +24635,7 @@
         <p:spPr>
           <a:xfrm>
             <a:off x="152280" y="133200"/>
-            <a:ext cx="7236360" cy="448200"/>
+            <a:ext cx="7894440" cy="447840"/>
           </a:xfrm>
           <a:prstGeom prst="rect">
             <a:avLst/>
@@ -24356,7 +24697,7 @@
         <p:spPr>
           <a:xfrm>
             <a:off x="152280" y="819000"/>
-            <a:ext cx="8989200" cy="3960000"/>
+            <a:ext cx="8988840" cy="3959640"/>
           </a:xfrm>
           <a:prstGeom prst="rect">
             <a:avLst/>
@@ -24375,7 +24716,7 @@
         <p:txBody>
           <a:bodyPr lIns="90000" rIns="90000" tIns="45000" bIns="45000"/>
           <a:p>
-            <a:pPr marL="343080" indent="-340560">
+            <a:pPr marL="343080" indent="-340200">
               <a:lnSpc>
                 <a:spcPct val="100000"/>
               </a:lnSpc>
@@ -24453,7 +24794,7 @@
             </a:endParaRPr>
           </a:p>
           <a:p>
-            <a:pPr marL="343080" indent="-340560">
+            <a:pPr marL="343080" indent="-340200">
               <a:lnSpc>
                 <a:spcPct val="100000"/>
               </a:lnSpc>
@@ -24471,7 +24812,7 @@
             </a:endParaRPr>
           </a:p>
           <a:p>
-            <a:pPr marL="343080" indent="-340560">
+            <a:pPr marL="343080" indent="-340200">
               <a:lnSpc>
                 <a:spcPct val="100000"/>
               </a:lnSpc>
@@ -24519,7 +24860,7 @@
             </a:endParaRPr>
           </a:p>
           <a:p>
-            <a:pPr marL="343080" indent="-340560">
+            <a:pPr marL="343080" indent="-340200">
               <a:lnSpc>
                 <a:spcPct val="100000"/>
               </a:lnSpc>
@@ -24597,7 +24938,7 @@
             </a:endParaRPr>
           </a:p>
           <a:p>
-            <a:pPr marL="343080" indent="-340560">
+            <a:pPr marL="343080" indent="-340200">
               <a:lnSpc>
                 <a:spcPct val="100000"/>
               </a:lnSpc>
@@ -24705,7 +25046,7 @@
             </a:endParaRPr>
           </a:p>
           <a:p>
-            <a:pPr marL="343080" indent="-340560">
+            <a:pPr marL="343080" indent="-340200">
               <a:lnSpc>
                 <a:spcPct val="100000"/>
               </a:lnSpc>
@@ -24828,7 +25169,7 @@
             </a:endParaRPr>
           </a:p>
           <a:p>
-            <a:pPr marL="343080" indent="-340560">
+            <a:pPr marL="343080" indent="-340200">
               <a:lnSpc>
                 <a:spcPct val="100000"/>
               </a:lnSpc>
@@ -24876,7 +25217,7 @@
             </a:endParaRPr>
           </a:p>
           <a:p>
-            <a:pPr marL="343080" indent="-340560">
+            <a:pPr marL="343080" indent="-340200">
               <a:lnSpc>
                 <a:spcPct val="100000"/>
               </a:lnSpc>
@@ -24923,7 +25264,7 @@
         <p:spPr>
           <a:xfrm>
             <a:off x="152280" y="819000"/>
-            <a:ext cx="454680" cy="454680"/>
+            <a:ext cx="454320" cy="454320"/>
           </a:xfrm>
           <a:prstGeom prst="rect">
             <a:avLst/>
@@ -24946,7 +25287,7 @@
         <p:spPr>
           <a:xfrm>
             <a:off x="152280" y="2038320"/>
-            <a:ext cx="454680" cy="454680"/>
+            <a:ext cx="454320" cy="454320"/>
           </a:xfrm>
           <a:prstGeom prst="rect">
             <a:avLst/>
@@ -25014,7 +25355,7 @@
         <p:spPr>
           <a:xfrm>
             <a:off x="2895480" y="2343240"/>
-            <a:ext cx="6246000" cy="565200"/>
+            <a:ext cx="6245640" cy="564840"/>
           </a:xfrm>
           <a:prstGeom prst="rect">
             <a:avLst/>
@@ -25050,7 +25391,7 @@
         <p:spPr>
           <a:xfrm>
             <a:off x="2895480" y="2244600"/>
-            <a:ext cx="4721760" cy="697680"/>
+            <a:ext cx="4721400" cy="697320"/>
           </a:xfrm>
           <a:prstGeom prst="rect">
             <a:avLst/>
@@ -25116,7 +25457,7 @@
         <p:spPr>
           <a:xfrm>
             <a:off x="1828800" y="2313360"/>
-            <a:ext cx="828720" cy="565200"/>
+            <a:ext cx="828360" cy="564840"/>
           </a:xfrm>
           <a:prstGeom prst="rect">
             <a:avLst/>

--- a/Angular best practice.pptx
+++ b/Angular best practice.pptx
@@ -236,6 +236,7 @@
           <a:p>
             <a:fld id="{2F011DF1-066D-4425-9A96-347411CF7EF0}" type="datetimeFigureOut">
               <a:rPr lang="en-US" smtClean="0"/>
+              <a:pPr/>
               <a:t>8/15/2016</a:t>
             </a:fld>
             <a:endParaRPr lang="en-US"/>
@@ -302,6 +303,7 @@
           <a:p>
             <a:fld id="{672156B2-7475-401E-9A1D-C100255CF575}" type="slidenum">
               <a:rPr lang="en-US" smtClean="0"/>
+              <a:pPr/>
               <a:t>‹#›</a:t>
             </a:fld>
             <a:endParaRPr lang="en-US"/>
@@ -16085,19 +16087,7 @@
               <a:rPr lang="en-US" dirty="0" smtClean="0">
                 <a:latin typeface="Calibri" pitchFamily="34" charset="0"/>
               </a:rPr>
-              <a:t>-if</a:t>
-            </a:r>
-            <a:r>
-              <a:rPr lang="en-US" dirty="0" smtClean="0">
-                <a:latin typeface="Calibri" pitchFamily="34" charset="0"/>
-              </a:rPr>
-              <a:t> directive removes or recreates a portion of the DOM tree based on an {expression</a:t>
-            </a:r>
-            <a:r>
-              <a:rPr lang="en-US" dirty="0" smtClean="0">
-                <a:latin typeface="Calibri" pitchFamily="34" charset="0"/>
-              </a:rPr>
-              <a:t>}</a:t>
+              <a:t>-if directive removes or recreates a portion of the DOM tree based on an {expression}</a:t>
             </a:r>
           </a:p>
           <a:p>
@@ -16112,37 +16102,49 @@
               <a:rPr lang="en-US" dirty="0" smtClean="0">
                 <a:latin typeface="Calibri" pitchFamily="34" charset="0"/>
               </a:rPr>
-              <a:t>When </a:t>
+              <a:t>When an element is removed using </a:t>
+            </a:r>
+            <a:r>
+              <a:rPr lang="en-US" dirty="0" err="1" smtClean="0">
+                <a:latin typeface="Calibri" pitchFamily="34" charset="0"/>
+              </a:rPr>
+              <a:t>ng</a:t>
             </a:r>
             <a:r>
               <a:rPr lang="en-US" dirty="0" smtClean="0">
                 <a:latin typeface="Calibri" pitchFamily="34" charset="0"/>
               </a:rPr>
-              <a:t>an element is removed using </a:t>
-            </a:r>
-            <a:r>
-              <a:rPr lang="en-US" dirty="0" err="1" smtClean="0">
+              <a:t>-if its </a:t>
+            </a:r>
+            <a:r>
+              <a:rPr lang="en-US" b="1" dirty="0" smtClean="0">
                 <a:latin typeface="Calibri" pitchFamily="34" charset="0"/>
               </a:rPr>
-              <a:t>ng</a:t>
+              <a:t>scope</a:t>
             </a:r>
             <a:r>
               <a:rPr lang="en-US" dirty="0" smtClean="0">
                 <a:latin typeface="Calibri" pitchFamily="34" charset="0"/>
               </a:rPr>
-              <a:t>-if</a:t>
+              <a:t> is </a:t>
+            </a:r>
+            <a:r>
+              <a:rPr lang="en-US" b="1" dirty="0" smtClean="0">
+                <a:latin typeface="Calibri" pitchFamily="34" charset="0"/>
+              </a:rPr>
+              <a:t>destroyed</a:t>
             </a:r>
             <a:r>
               <a:rPr lang="en-US" dirty="0" smtClean="0">
                 <a:latin typeface="Calibri" pitchFamily="34" charset="0"/>
               </a:rPr>
-              <a:t> its </a:t>
+              <a:t> and a </a:t>
             </a:r>
             <a:r>
               <a:rPr lang="en-US" b="1" dirty="0" smtClean="0">
                 <a:latin typeface="Calibri" pitchFamily="34" charset="0"/>
               </a:rPr>
-              <a:t>scope</a:t>
+              <a:t>new scope</a:t>
             </a:r>
             <a:r>
               <a:rPr lang="en-US" dirty="0" smtClean="0">
@@ -16154,43 +16156,13 @@
               <a:rPr lang="en-US" b="1" dirty="0" smtClean="0">
                 <a:latin typeface="Calibri" pitchFamily="34" charset="0"/>
               </a:rPr>
-              <a:t>destroyed</a:t>
+              <a:t>created</a:t>
             </a:r>
             <a:r>
               <a:rPr lang="en-US" dirty="0" smtClean="0">
                 <a:latin typeface="Calibri" pitchFamily="34" charset="0"/>
               </a:rPr>
-              <a:t> and a </a:t>
-            </a:r>
-            <a:r>
-              <a:rPr lang="en-US" b="1" dirty="0" smtClean="0">
-                <a:latin typeface="Calibri" pitchFamily="34" charset="0"/>
-              </a:rPr>
-              <a:t>new scope</a:t>
-            </a:r>
-            <a:r>
-              <a:rPr lang="en-US" dirty="0" smtClean="0">
-                <a:latin typeface="Calibri" pitchFamily="34" charset="0"/>
-              </a:rPr>
-              <a:t> is </a:t>
-            </a:r>
-            <a:r>
-              <a:rPr lang="en-US" b="1" dirty="0" smtClean="0">
-                <a:latin typeface="Calibri" pitchFamily="34" charset="0"/>
-              </a:rPr>
-              <a:t>created</a:t>
-            </a:r>
-            <a:r>
-              <a:rPr lang="en-US" dirty="0" smtClean="0">
-                <a:latin typeface="Calibri" pitchFamily="34" charset="0"/>
-              </a:rPr>
-              <a:t> when the element is </a:t>
-            </a:r>
-            <a:r>
-              <a:rPr lang="en-US" dirty="0" smtClean="0">
-                <a:latin typeface="Calibri" pitchFamily="34" charset="0"/>
-              </a:rPr>
-              <a:t>restored.</a:t>
+              <a:t> when the element is restored.</a:t>
             </a:r>
           </a:p>
           <a:p>
@@ -16205,35 +16177,14 @@
               <a:rPr lang="en-US" dirty="0" err="1" smtClean="0">
                 <a:latin typeface="Calibri" pitchFamily="34" charset="0"/>
               </a:rPr>
-              <a:t>n</a:t>
-            </a:r>
-            <a:r>
-              <a:rPr lang="en-US" dirty="0" err="1" smtClean="0">
-                <a:latin typeface="Calibri" pitchFamily="34" charset="0"/>
-              </a:rPr>
-              <a:t>g</a:t>
+              <a:t>ng</a:t>
             </a:r>
             <a:r>
               <a:rPr lang="en-US" dirty="0" smtClean="0">
                 <a:latin typeface="Calibri" pitchFamily="34" charset="0"/>
               </a:rPr>
-              <a:t>-if</a:t>
-            </a:r>
-            <a:r>
-              <a:rPr lang="en-US" dirty="0" smtClean="0">
-                <a:latin typeface="Calibri" pitchFamily="34" charset="0"/>
-              </a:rPr>
-              <a:t> recreates elements using their compiled </a:t>
-            </a:r>
-            <a:r>
-              <a:rPr lang="en-US" dirty="0" smtClean="0">
-                <a:latin typeface="Calibri" pitchFamily="34" charset="0"/>
-              </a:rPr>
-              <a:t>state.</a:t>
-            </a:r>
-            <a:endParaRPr lang="en-US" dirty="0" smtClean="0">
-              <a:latin typeface="Calibri" pitchFamily="34" charset="0"/>
-            </a:endParaRPr>
+              <a:t>-if recreates elements using their compiled state.</a:t>
+            </a:r>
           </a:p>
           <a:p>
             <a:pPr marL="457200" indent="-457200">
@@ -16433,31 +16384,19 @@
               <a:rPr lang="en-US" dirty="0" smtClean="0">
                 <a:latin typeface="Calibri" pitchFamily="34" charset="0"/>
               </a:rPr>
-              <a:t>Prototypical inheritance -&gt;  </a:t>
+              <a:t>Prototypical inheritance -&gt;  child scopes prototypically </a:t>
+            </a:r>
+            <a:r>
+              <a:rPr lang="en-US" b="1" dirty="0" smtClean="0">
+                <a:latin typeface="Calibri" pitchFamily="34" charset="0"/>
+              </a:rPr>
+              <a:t>inherit</a:t>
             </a:r>
             <a:r>
               <a:rPr lang="en-US" dirty="0" smtClean="0">
                 <a:latin typeface="Calibri" pitchFamily="34" charset="0"/>
               </a:rPr>
-              <a:t>child scopes prototypically </a:t>
-            </a:r>
-            <a:r>
-              <a:rPr lang="en-US" b="1" dirty="0" smtClean="0">
-                <a:latin typeface="Calibri" pitchFamily="34" charset="0"/>
-              </a:rPr>
-              <a:t>inherit</a:t>
-            </a:r>
-            <a:r>
-              <a:rPr lang="en-US" dirty="0" smtClean="0">
-                <a:latin typeface="Calibri" pitchFamily="34" charset="0"/>
-              </a:rPr>
-              <a:t> from their parents</a:t>
-            </a:r>
-            <a:r>
-              <a:rPr lang="en-US" dirty="0" smtClean="0">
-                <a:latin typeface="Calibri" pitchFamily="34" charset="0"/>
-              </a:rPr>
-              <a:t>.</a:t>
+              <a:t> from their parents.</a:t>
             </a:r>
           </a:p>
           <a:p>
@@ -16507,9 +16446,6 @@
               </a:rPr>
               <a:t>$on</a:t>
             </a:r>
-            <a:endParaRPr lang="en-US" b="1" dirty="0" smtClean="0">
-              <a:latin typeface="Calibri" pitchFamily="34" charset="0"/>
-            </a:endParaRPr>
           </a:p>
           <a:p>
             <a:pPr marL="457200" indent="-457200">
@@ -16523,53 +16459,32 @@
               <a:rPr lang="en-US" dirty="0" smtClean="0">
                 <a:latin typeface="Calibri" pitchFamily="34" charset="0"/>
               </a:rPr>
-              <a:t>Scopes can be </a:t>
+              <a:t>Scopes can be nested. Nested scopes are either "</a:t>
+            </a:r>
+            <a:r>
+              <a:rPr lang="en-US" b="1" dirty="0" smtClean="0">
+                <a:latin typeface="Calibri" pitchFamily="34" charset="0"/>
+              </a:rPr>
+              <a:t>child scopes</a:t>
             </a:r>
             <a:r>
               <a:rPr lang="en-US" dirty="0" smtClean="0">
                 <a:latin typeface="Calibri" pitchFamily="34" charset="0"/>
               </a:rPr>
-              <a:t>nested</a:t>
+              <a:t>" or "</a:t>
+            </a:r>
+            <a:r>
+              <a:rPr lang="en-US" b="1" dirty="0" smtClean="0">
+                <a:latin typeface="Calibri" pitchFamily="34" charset="0"/>
+              </a:rPr>
+              <a:t>isolate scopes</a:t>
             </a:r>
             <a:r>
               <a:rPr lang="en-US" dirty="0" smtClean="0">
                 <a:latin typeface="Calibri" pitchFamily="34" charset="0"/>
               </a:rPr>
-              <a:t>. Nested scopes are either "</a:t>
-            </a:r>
-            <a:r>
-              <a:rPr lang="en-US" b="1" dirty="0" smtClean="0">
-                <a:latin typeface="Calibri" pitchFamily="34" charset="0"/>
-              </a:rPr>
-              <a:t>child scopes</a:t>
-            </a:r>
-            <a:r>
-              <a:rPr lang="en-US" dirty="0" smtClean="0">
-                <a:latin typeface="Calibri" pitchFamily="34" charset="0"/>
-              </a:rPr>
-              <a:t>" or "</a:t>
-            </a:r>
-            <a:r>
-              <a:rPr lang="en-US" b="1" dirty="0" smtClean="0">
-                <a:latin typeface="Calibri" pitchFamily="34" charset="0"/>
-              </a:rPr>
-              <a:t>isolate </a:t>
-            </a:r>
-            <a:r>
-              <a:rPr lang="en-US" b="1" dirty="0" smtClean="0">
-                <a:latin typeface="Calibri" pitchFamily="34" charset="0"/>
-              </a:rPr>
-              <a:t>scopes</a:t>
-            </a:r>
-            <a:r>
-              <a:rPr lang="en-US" dirty="0" smtClean="0">
-                <a:latin typeface="Calibri" pitchFamily="34" charset="0"/>
-              </a:rPr>
               <a:t> "</a:t>
             </a:r>
-            <a:endParaRPr lang="en-US" dirty="0" smtClean="0">
-              <a:latin typeface="Calibri" pitchFamily="34" charset="0"/>
-            </a:endParaRPr>
           </a:p>
           <a:p>
             <a:pPr indent="-457200">
@@ -16608,37 +16523,7 @@
               <a:rPr lang="en-US" dirty="0" smtClean="0">
                 <a:latin typeface="Calibri" pitchFamily="34" charset="0"/>
               </a:rPr>
-              <a:t>" </a:t>
-            </a:r>
-            <a:r>
-              <a:rPr lang="en-US" dirty="0" smtClean="0">
-                <a:latin typeface="Calibri" pitchFamily="34" charset="0"/>
-              </a:rPr>
-              <a:t>up</a:t>
-            </a:r>
-            <a:r>
-              <a:rPr lang="en-US" dirty="0" smtClean="0">
-                <a:latin typeface="Calibri" pitchFamily="34" charset="0"/>
-              </a:rPr>
-              <a:t>. </a:t>
-            </a:r>
-            <a:r>
-              <a:rPr lang="en-US" dirty="0" smtClean="0">
-                <a:latin typeface="Calibri" pitchFamily="34" charset="0"/>
-              </a:rPr>
-              <a:t>Provide </a:t>
-            </a:r>
-            <a:r>
-              <a:rPr lang="en-US" dirty="0" smtClean="0">
-                <a:latin typeface="Calibri" pitchFamily="34" charset="0"/>
-              </a:rPr>
-              <a:t>a single new </a:t>
-            </a:r>
-            <a:r>
-              <a:rPr lang="en-US" dirty="0" smtClean="0">
-                <a:latin typeface="Calibri" pitchFamily="34" charset="0"/>
-              </a:rPr>
-              <a:t>instance.</a:t>
+              <a:t>" up. Provide a single new instance.</a:t>
             </a:r>
           </a:p>
           <a:p>
@@ -16665,13 +16550,7 @@
               <a:rPr lang="en-US" dirty="0" smtClean="0">
                 <a:latin typeface="Calibri" pitchFamily="34" charset="0"/>
               </a:rPr>
-              <a:t> for more </a:t>
-            </a:r>
-            <a:r>
-              <a:rPr lang="en-US" dirty="0" smtClean="0">
-                <a:latin typeface="Calibri" pitchFamily="34" charset="0"/>
-              </a:rPr>
-              <a:t>contextual.</a:t>
+              <a:t> for more contextual.</a:t>
             </a:r>
           </a:p>
           <a:p>
@@ -17372,67 +17251,49 @@
               <a:rPr lang="en-US" dirty="0" smtClean="0">
                 <a:latin typeface="Calibri" pitchFamily="34" charset="0"/>
               </a:rPr>
-              <a:t> </a:t>
+              <a:t> feature ( </a:t>
+            </a:r>
+            <a:r>
+              <a:rPr lang="en-US" b="1" dirty="0" err="1" smtClean="0">
+                <a:latin typeface="Calibri" pitchFamily="34" charset="0"/>
+              </a:rPr>
+              <a:t>history.pushState</a:t>
+            </a:r>
+            <a:r>
+              <a:rPr lang="en-US" b="1" dirty="0" smtClean="0">
+                <a:latin typeface="Calibri" pitchFamily="34" charset="0"/>
+              </a:rPr>
+              <a:t>() &amp; </a:t>
+            </a:r>
+            <a:r>
+              <a:rPr lang="en-US" b="1" dirty="0" err="1" smtClean="0">
+                <a:latin typeface="Calibri" pitchFamily="34" charset="0"/>
+              </a:rPr>
+              <a:t>history.replaceState</a:t>
+            </a:r>
+            <a:r>
+              <a:rPr lang="en-US" b="1" dirty="0" smtClean="0">
+                <a:latin typeface="Calibri" pitchFamily="34" charset="0"/>
+              </a:rPr>
+              <a:t>().</a:t>
             </a:r>
             <a:r>
               <a:rPr lang="en-US" dirty="0" smtClean="0">
                 <a:latin typeface="Calibri" pitchFamily="34" charset="0"/>
               </a:rPr>
-              <a:t>feature ( </a:t>
+              <a:t> These methods work in conjunction with the </a:t>
             </a:r>
             <a:r>
               <a:rPr lang="en-US" b="1" dirty="0" err="1" smtClean="0">
                 <a:latin typeface="Calibri" pitchFamily="34" charset="0"/>
               </a:rPr>
-              <a:t>history.pushState</a:t>
-            </a:r>
-            <a:r>
-              <a:rPr lang="en-US" b="1" dirty="0" smtClean="0">
-                <a:latin typeface="Calibri" pitchFamily="34" charset="0"/>
-              </a:rPr>
-              <a:t>() &amp;</a:t>
-            </a:r>
-            <a:r>
-              <a:rPr lang="en-US" b="1" dirty="0" smtClean="0">
-                <a:latin typeface="Calibri" pitchFamily="34" charset="0"/>
-              </a:rPr>
-              <a:t> </a:t>
-            </a:r>
-            <a:r>
-              <a:rPr lang="en-US" b="1" dirty="0" err="1" smtClean="0">
-                <a:latin typeface="Calibri" pitchFamily="34" charset="0"/>
-              </a:rPr>
-              <a:t>history.replaceState</a:t>
-            </a:r>
-            <a:r>
-              <a:rPr lang="en-US" b="1" dirty="0" smtClean="0">
-                <a:latin typeface="Calibri" pitchFamily="34" charset="0"/>
-              </a:rPr>
-              <a:t>().</a:t>
+              <a:t>window.onpopstate</a:t>
             </a:r>
             <a:r>
               <a:rPr lang="en-US" dirty="0" smtClean="0">
                 <a:latin typeface="Calibri" pitchFamily="34" charset="0"/>
               </a:rPr>
-              <a:t> These methods work in conjunction with the </a:t>
-            </a:r>
-            <a:r>
-              <a:rPr lang="en-US" b="1" dirty="0" err="1" smtClean="0">
-                <a:latin typeface="Calibri" pitchFamily="34" charset="0"/>
-              </a:rPr>
-              <a:t>window.onpopstate</a:t>
-            </a:r>
-            <a:r>
-              <a:rPr lang="en-US" dirty="0" smtClean="0">
-                <a:latin typeface="Calibri" pitchFamily="34" charset="0"/>
-              </a:rPr>
-              <a:t> </a:t>
-            </a:r>
-            <a:r>
-              <a:rPr lang="en-US" dirty="0" smtClean="0">
-                <a:latin typeface="Calibri" pitchFamily="34" charset="0"/>
-              </a:rPr>
-              <a:t>event )</a:t>
+              <a:t> event )</a:t>
             </a:r>
             <a:endParaRPr lang="en-US" dirty="0">
               <a:latin typeface="Calibri" pitchFamily="34" charset="0"/>
@@ -17599,14 +17460,7 @@
                 <a:latin typeface="Courier New" pitchFamily="49" charset="0"/>
                 <a:cs typeface="Courier New" pitchFamily="49" charset="0"/>
               </a:rPr>
-              <a:t>a</a:t>
-            </a:r>
-            <a:r>
-              <a:rPr lang="en-US" dirty="0" err="1" smtClean="0">
-                <a:latin typeface="Courier New" pitchFamily="49" charset="0"/>
-                <a:cs typeface="Courier New" pitchFamily="49" charset="0"/>
-              </a:rPr>
-              <a:t>ngular.module</a:t>
+              <a:t>angular.module</a:t>
             </a:r>
             <a:r>
               <a:rPr lang="en-US" dirty="0" smtClean="0">
@@ -17641,14 +17495,7 @@
                 <a:latin typeface="Courier New" pitchFamily="49" charset="0"/>
                 <a:cs typeface="Courier New" pitchFamily="49" charset="0"/>
               </a:rPr>
-              <a:t>f</a:t>
-            </a:r>
-            <a:r>
-              <a:rPr lang="en-US" dirty="0" smtClean="0">
-                <a:latin typeface="Courier New" pitchFamily="49" charset="0"/>
-                <a:cs typeface="Courier New" pitchFamily="49" charset="0"/>
-              </a:rPr>
-              <a:t>unction Configuration (</a:t>
+              <a:t>function Configuration (</a:t>
             </a:r>
             <a:r>
               <a:rPr lang="en-US" b="1" spc="-1" dirty="0" smtClean="0">
@@ -17708,10 +17555,6 @@
               </a:rPr>
               <a:t>$locationProvider.html5Mode(true);</a:t>
             </a:r>
-            <a:endParaRPr lang="en-US" sz="2400" b="1" dirty="0" smtClean="0">
-              <a:latin typeface="Courier New" pitchFamily="49" charset="0"/>
-              <a:cs typeface="Courier New" pitchFamily="49" charset="0"/>
-            </a:endParaRPr>
           </a:p>
           <a:p>
             <a:pPr marL="914400" lvl="1" indent="-457200">
@@ -17739,31 +17582,19 @@
               <a:rPr lang="en-US" dirty="0" smtClean="0">
                 <a:latin typeface="Calibri" pitchFamily="34" charset="0"/>
               </a:rPr>
-              <a:t>Specify </a:t>
+              <a:t>Specify the </a:t>
+            </a:r>
+            <a:r>
+              <a:rPr lang="en-US" dirty="0" err="1" smtClean="0">
+                <a:latin typeface="Calibri" pitchFamily="34" charset="0"/>
+              </a:rPr>
+              <a:t>url</a:t>
             </a:r>
             <a:r>
               <a:rPr lang="en-US" dirty="0" smtClean="0">
                 <a:latin typeface="Calibri" pitchFamily="34" charset="0"/>
               </a:rPr>
-              <a:t>the </a:t>
-            </a:r>
-            <a:r>
-              <a:rPr lang="en-US" dirty="0" err="1" smtClean="0">
-                <a:latin typeface="Calibri" pitchFamily="34" charset="0"/>
-              </a:rPr>
-              <a:t>url</a:t>
-            </a:r>
-            <a:r>
-              <a:rPr lang="en-US" dirty="0" smtClean="0">
-                <a:latin typeface="Calibri" pitchFamily="34" charset="0"/>
-              </a:rPr>
-              <a:t> base in the head of your main html </a:t>
-            </a:r>
-            <a:r>
-              <a:rPr lang="en-US" dirty="0" smtClean="0">
-                <a:latin typeface="Calibri" pitchFamily="34" charset="0"/>
-              </a:rPr>
-              <a:t>file.</a:t>
+              <a:t> base in the head of your main html file.</a:t>
             </a:r>
           </a:p>
           <a:p>
@@ -18416,7 +18247,21 @@
                 </a:uFill>
                 <a:latin typeface="Calibri" pitchFamily="34" charset="0"/>
               </a:rPr>
-              <a:t>. </a:t>
+              <a:t>. They don't try to solve the problem of </a:t>
+            </a:r>
+            <a:r>
+              <a:rPr lang="en-US" b="1" spc="-1" dirty="0" smtClean="0">
+                <a:solidFill>
+                  <a:srgbClr val="FF0000"/>
+                </a:solidFill>
+                <a:uFill>
+                  <a:solidFill>
+                    <a:srgbClr val="FFFFFF"/>
+                  </a:solidFill>
+                </a:uFill>
+                <a:latin typeface="Calibri" pitchFamily="34" charset="0"/>
+              </a:rPr>
+              <a:t>script load ordering</a:t>
             </a:r>
             <a:r>
               <a:rPr lang="en-US" spc="-1" dirty="0" smtClean="0">
@@ -18430,10 +18275,24 @@
                 </a:uFill>
                 <a:latin typeface="Calibri" pitchFamily="34" charset="0"/>
               </a:rPr>
-              <a:t>They don't </a:t>
-            </a:r>
-            <a:r>
-              <a:rPr lang="en-US" spc="-1" dirty="0" smtClean="0">
+              <a:t> or </a:t>
+            </a:r>
+            <a:r>
+              <a:rPr lang="en-US" b="1" spc="-1" dirty="0" smtClean="0">
+                <a:solidFill>
+                  <a:srgbClr val="FF0000"/>
+                </a:solidFill>
+                <a:uFill>
+                  <a:solidFill>
+                    <a:srgbClr val="FFFFFF"/>
+                  </a:solidFill>
+                </a:uFill>
+                <a:latin typeface="Calibri" pitchFamily="34" charset="0"/>
+              </a:rPr>
+              <a:t>lazy script fetching</a:t>
+            </a:r>
+            <a:r>
+              <a:rPr lang="en-US" b="1" spc="-1" dirty="0" smtClean="0">
                 <a:solidFill>
                   <a:srgbClr val="000000"/>
                 </a:solidFill>
@@ -18444,89 +18303,8 @@
                 </a:uFill>
                 <a:latin typeface="Calibri" pitchFamily="34" charset="0"/>
               </a:rPr>
-              <a:t>try to solve the problem of </a:t>
-            </a:r>
-            <a:r>
-              <a:rPr lang="en-US" b="1" spc="-1" dirty="0" smtClean="0">
-                <a:solidFill>
-                  <a:srgbClr val="FF0000"/>
-                </a:solidFill>
-                <a:uFill>
-                  <a:solidFill>
-                    <a:srgbClr val="FFFFFF"/>
-                  </a:solidFill>
-                </a:uFill>
-                <a:latin typeface="Calibri" pitchFamily="34" charset="0"/>
-              </a:rPr>
-              <a:t>script load ordering</a:t>
-            </a:r>
-            <a:r>
-              <a:rPr lang="en-US" spc="-1" dirty="0" smtClean="0">
-                <a:solidFill>
-                  <a:srgbClr val="000000"/>
-                </a:solidFill>
-                <a:uFill>
-                  <a:solidFill>
-                    <a:srgbClr val="FFFFFF"/>
-                  </a:solidFill>
-                </a:uFill>
-                <a:latin typeface="Calibri" pitchFamily="34" charset="0"/>
-              </a:rPr>
-              <a:t> or </a:t>
-            </a:r>
-            <a:r>
-              <a:rPr lang="en-US" b="1" spc="-1" dirty="0" smtClean="0">
-                <a:solidFill>
-                  <a:srgbClr val="FF0000"/>
-                </a:solidFill>
-                <a:uFill>
-                  <a:solidFill>
-                    <a:srgbClr val="FFFFFF"/>
-                  </a:solidFill>
-                </a:uFill>
-                <a:latin typeface="Calibri" pitchFamily="34" charset="0"/>
-              </a:rPr>
-              <a:t>lazy script </a:t>
-            </a:r>
-            <a:r>
-              <a:rPr lang="en-US" b="1" spc="-1" dirty="0" smtClean="0">
-                <a:solidFill>
-                  <a:srgbClr val="FF0000"/>
-                </a:solidFill>
-                <a:uFill>
-                  <a:solidFill>
-                    <a:srgbClr val="FFFFFF"/>
-                  </a:solidFill>
-                </a:uFill>
-                <a:latin typeface="Calibri" pitchFamily="34" charset="0"/>
-              </a:rPr>
-              <a:t>fetching</a:t>
-            </a:r>
-            <a:r>
-              <a:rPr lang="en-US" b="1" spc="-1" dirty="0" smtClean="0">
-                <a:solidFill>
-                  <a:srgbClr val="000000"/>
-                </a:solidFill>
-                <a:uFill>
-                  <a:solidFill>
-                    <a:srgbClr val="FFFFFF"/>
-                  </a:solidFill>
-                </a:uFill>
-                <a:latin typeface="Calibri" pitchFamily="34" charset="0"/>
-              </a:rPr>
               <a:t>.</a:t>
             </a:r>
-            <a:endParaRPr lang="en-US" b="1" spc="-1" dirty="0" smtClean="0">
-              <a:solidFill>
-                <a:srgbClr val="000000"/>
-              </a:solidFill>
-              <a:uFill>
-                <a:solidFill>
-                  <a:srgbClr val="FFFFFF"/>
-                </a:solidFill>
-              </a:uFill>
-              <a:latin typeface="Calibri" pitchFamily="34" charset="0"/>
-            </a:endParaRPr>
           </a:p>
           <a:p>
             <a:pPr marL="343080" indent="-340200">
@@ -19136,21 +18914,7 @@
                 </a:uFill>
                 <a:latin typeface="Calibri (Headings)"/>
               </a:rPr>
-              <a:t>Manually compile and link a template to DOM </a:t>
-            </a:r>
-            <a:r>
-              <a:rPr lang="en-US" spc="-1" dirty="0" smtClean="0">
-                <a:solidFill>
-                  <a:srgbClr val="FFFFFF"/>
-                </a:solidFill>
-                <a:uFill>
-                  <a:solidFill>
-                    <a:srgbClr val="FFFFFF"/>
-                  </a:solidFill>
-                </a:uFill>
-                <a:latin typeface="Calibri (Headings)"/>
-              </a:rPr>
-              <a:t>element</a:t>
+              <a:t>Manually compile and link a template to DOM element</a:t>
             </a:r>
             <a:endParaRPr lang="en-US" b="0" strike="noStrike" spc="-1" dirty="0" smtClean="0">
               <a:solidFill>
@@ -19476,9 +19240,6 @@
               </a:rPr>
               <a:t>.</a:t>
             </a:r>
-            <a:endParaRPr lang="en-US" dirty="0" smtClean="0">
-              <a:latin typeface="Calibri" pitchFamily="34" charset="0"/>
-            </a:endParaRPr>
           </a:p>
           <a:p>
             <a:pPr marL="457200" indent="-457200">
@@ -19504,19 +19265,7 @@
               <a:rPr lang="en-US" dirty="0" smtClean="0">
                 <a:latin typeface="Calibri" pitchFamily="34" charset="0"/>
               </a:rPr>
-              <a:t> </a:t>
-            </a:r>
-            <a:r>
-              <a:rPr lang="en-US" dirty="0" smtClean="0">
-                <a:latin typeface="Calibri" pitchFamily="34" charset="0"/>
-              </a:rPr>
-              <a:t>to manual inject dependencies in each service’s function</a:t>
-            </a:r>
-            <a:r>
-              <a:rPr lang="en-US" dirty="0" smtClean="0">
-                <a:latin typeface="Calibri" pitchFamily="34" charset="0"/>
-              </a:rPr>
-              <a:t>.</a:t>
+              <a:t> to manual inject dependencies in each service’s function.</a:t>
             </a:r>
           </a:p>
           <a:p>
@@ -19537,14 +19286,7 @@
                 <a:latin typeface="Courier New" pitchFamily="49" charset="0"/>
                 <a:cs typeface="Courier New" pitchFamily="49" charset="0"/>
               </a:rPr>
-              <a:t>("app")</a:t>
-            </a:r>
-            <a:r>
-              <a:rPr lang="en-US" sz="1600" dirty="0" smtClean="0">
-                <a:latin typeface="Courier New" pitchFamily="49" charset="0"/>
-                <a:cs typeface="Courier New" pitchFamily="49" charset="0"/>
-              </a:rPr>
-              <a:t>.factory("</a:t>
+              <a:t>("app").factory("</a:t>
             </a:r>
             <a:r>
               <a:rPr lang="en-US" sz="1600" dirty="0" err="1" smtClean="0">
@@ -19765,21 +19507,7 @@
                 <a:latin typeface="Courier New" pitchFamily="49" charset="0"/>
                 <a:cs typeface="Courier New" pitchFamily="49" charset="0"/>
               </a:rPr>
-              <a:t>    </a:t>
-            </a:r>
-            <a:r>
-              <a:rPr lang="en-US" sz="1600" dirty="0" smtClean="0">
-                <a:latin typeface="Courier New" pitchFamily="49" charset="0"/>
-                <a:cs typeface="Courier New" pitchFamily="49" charset="0"/>
-              </a:rPr>
-              <a:t>//TODO</a:t>
-            </a:r>
-            <a:r>
-              <a:rPr lang="en-US" sz="1600" dirty="0" smtClean="0">
-                <a:latin typeface="Courier New" pitchFamily="49" charset="0"/>
-                <a:cs typeface="Courier New" pitchFamily="49" charset="0"/>
-              </a:rPr>
-              <a:t/>
+              <a:t>    //TODO</a:t>
             </a:r>
             <a:br>
               <a:rPr lang="en-US" sz="1600" dirty="0" smtClean="0">
@@ -20421,40 +20149,22 @@
                 <a:latin typeface="Courier New" pitchFamily="49" charset="0"/>
                 <a:cs typeface="Courier New" pitchFamily="49" charset="0"/>
               </a:rPr>
-              <a:t>	</a:t>
+              <a:t>		 </a:t>
+            </a:r>
+            <a:r>
+              <a:rPr lang="en-US" sz="1600" b="1" dirty="0" err="1" smtClean="0">
+                <a:latin typeface="Courier New" pitchFamily="49" charset="0"/>
+                <a:cs typeface="Courier New" pitchFamily="49" charset="0"/>
+              </a:rPr>
+              <a:t>element.find</a:t>
             </a:r>
             <a:r>
               <a:rPr lang="en-US" sz="1600" b="1" dirty="0" smtClean="0">
                 <a:latin typeface="Courier New" pitchFamily="49" charset="0"/>
                 <a:cs typeface="Courier New" pitchFamily="49" charset="0"/>
               </a:rPr>
-              <a:t>	</a:t>
-            </a:r>
-            <a:r>
-              <a:rPr lang="en-US" sz="1600" b="1" dirty="0" smtClean="0">
-                <a:latin typeface="Courier New" pitchFamily="49" charset="0"/>
-                <a:cs typeface="Courier New" pitchFamily="49" charset="0"/>
-              </a:rPr>
-              <a:t> </a:t>
-            </a:r>
-            <a:r>
-              <a:rPr lang="en-US" sz="1600" b="1" dirty="0" err="1" smtClean="0">
-                <a:latin typeface="Courier New" pitchFamily="49" charset="0"/>
-                <a:cs typeface="Courier New" pitchFamily="49" charset="0"/>
-              </a:rPr>
-              <a:t>element.find</a:t>
-            </a:r>
-            <a:r>
-              <a:rPr lang="en-US" sz="1600" b="1" dirty="0" smtClean="0">
-                <a:latin typeface="Courier New" pitchFamily="49" charset="0"/>
-                <a:cs typeface="Courier New" pitchFamily="49" charset="0"/>
-              </a:rPr>
               <a:t>(“template element selector”);</a:t>
             </a:r>
-            <a:endParaRPr lang="en-US" sz="1600" b="1" dirty="0" smtClean="0">
-              <a:latin typeface="Courier New" pitchFamily="49" charset="0"/>
-              <a:cs typeface="Courier New" pitchFamily="49" charset="0"/>
-            </a:endParaRPr>
           </a:p>
           <a:p>
             <a:pPr marL="457200" indent="-457200">
@@ -20469,10 +20179,6 @@
               </a:rPr>
               <a:t>	});</a:t>
             </a:r>
-            <a:endParaRPr lang="en-US" sz="1600" b="1" dirty="0" smtClean="0">
-              <a:latin typeface="Courier New" pitchFamily="49" charset="0"/>
-              <a:cs typeface="Courier New" pitchFamily="49" charset="0"/>
-            </a:endParaRPr>
           </a:p>
           <a:p>
             <a:pPr marL="457200" indent="-457200">
@@ -21315,36 +21021,52 @@
                 <a:latin typeface="Courier New" pitchFamily="49" charset="0"/>
                 <a:cs typeface="Courier New" pitchFamily="49" charset="0"/>
               </a:rPr>
-              <a:t> </a:t>
+              <a:t> );</a:t>
+            </a:r>
+          </a:p>
+          <a:p>
+            <a:endParaRPr lang="en-US" dirty="0" smtClean="0">
+              <a:latin typeface="Courier New" pitchFamily="49" charset="0"/>
+              <a:cs typeface="Courier New" pitchFamily="49" charset="0"/>
+            </a:endParaRPr>
+          </a:p>
+          <a:p>
+            <a:r>
+              <a:rPr lang="en-US" dirty="0" err="1" smtClean="0">
+                <a:latin typeface="Courier New" pitchFamily="49" charset="0"/>
+                <a:cs typeface="Courier New" pitchFamily="49" charset="0"/>
+              </a:rPr>
+              <a:t>PhoneController.$inject</a:t>
             </a:r>
             <a:r>
               <a:rPr lang="en-US" dirty="0" smtClean="0">
                 <a:latin typeface="Courier New" pitchFamily="49" charset="0"/>
                 <a:cs typeface="Courier New" pitchFamily="49" charset="0"/>
               </a:rPr>
-              <a:t>);</a:t>
-            </a:r>
-          </a:p>
-          <a:p>
-            <a:endParaRPr lang="en-US" dirty="0" smtClean="0">
-              <a:latin typeface="Courier New" pitchFamily="49" charset="0"/>
-              <a:cs typeface="Courier New" pitchFamily="49" charset="0"/>
-            </a:endParaRPr>
-          </a:p>
-          <a:p>
+              <a:t> = [“$timeout”];</a:t>
+            </a:r>
+          </a:p>
+          <a:p>
+            <a:r>
+              <a:rPr lang="en-US" dirty="0" smtClean="0">
+                <a:latin typeface="Courier New" pitchFamily="49" charset="0"/>
+                <a:cs typeface="Courier New" pitchFamily="49" charset="0"/>
+              </a:rPr>
+              <a:t>function </a:t>
+            </a:r>
             <a:r>
               <a:rPr lang="en-US" dirty="0" err="1" smtClean="0">
                 <a:latin typeface="Courier New" pitchFamily="49" charset="0"/>
                 <a:cs typeface="Courier New" pitchFamily="49" charset="0"/>
               </a:rPr>
-              <a:t>PhoneController.$inject</a:t>
+              <a:t>PhoneController</a:t>
             </a:r>
             <a:r>
               <a:rPr lang="en-US" dirty="0" smtClean="0">
                 <a:latin typeface="Courier New" pitchFamily="49" charset="0"/>
                 <a:cs typeface="Courier New" pitchFamily="49" charset="0"/>
               </a:rPr>
-              <a:t> = [“$timeout”];</a:t>
+              <a:t> ($timeout) {</a:t>
             </a:r>
           </a:p>
           <a:p>
@@ -21353,29 +21075,6 @@
                 <a:latin typeface="Courier New" pitchFamily="49" charset="0"/>
                 <a:cs typeface="Courier New" pitchFamily="49" charset="0"/>
               </a:rPr>
-              <a:t>function </a:t>
-            </a:r>
-            <a:r>
-              <a:rPr lang="en-US" dirty="0" err="1" smtClean="0">
-                <a:latin typeface="Courier New" pitchFamily="49" charset="0"/>
-                <a:cs typeface="Courier New" pitchFamily="49" charset="0"/>
-              </a:rPr>
-              <a:t>PhoneController</a:t>
-            </a:r>
-            <a:r>
-              <a:rPr lang="en-US" dirty="0" smtClean="0">
-                <a:latin typeface="Courier New" pitchFamily="49" charset="0"/>
-                <a:cs typeface="Courier New" pitchFamily="49" charset="0"/>
-              </a:rPr>
-              <a:t> ($timeout) {</a:t>
-            </a:r>
-          </a:p>
-          <a:p>
-            <a:r>
-              <a:rPr lang="en-US" dirty="0" smtClean="0">
-                <a:latin typeface="Courier New" pitchFamily="49" charset="0"/>
-                <a:cs typeface="Courier New" pitchFamily="49" charset="0"/>
-              </a:rPr>
               <a:t>	</a:t>
             </a:r>
             <a:r>
@@ -21392,35 +21091,17 @@
                 <a:latin typeface="Courier New" pitchFamily="49" charset="0"/>
                 <a:cs typeface="Courier New" pitchFamily="49" charset="0"/>
               </a:rPr>
-              <a:t>	</a:t>
-            </a:r>
+              <a:t>		//Code to get phone list element</a:t>
+            </a:r>
+          </a:p>
+          <a:p>
             <a:r>
               <a:rPr lang="en-US" b="1" dirty="0" smtClean="0">
                 <a:latin typeface="Courier New" pitchFamily="49" charset="0"/>
                 <a:cs typeface="Courier New" pitchFamily="49" charset="0"/>
               </a:rPr>
-              <a:t>	//Code to get phone list element</a:t>
-            </a:r>
-          </a:p>
-          <a:p>
-            <a:r>
-              <a:rPr lang="en-US" b="1" dirty="0" smtClean="0">
-                <a:latin typeface="Courier New" pitchFamily="49" charset="0"/>
-                <a:cs typeface="Courier New" pitchFamily="49" charset="0"/>
-              </a:rPr>
-              <a:t>	</a:t>
-            </a:r>
-            <a:r>
-              <a:rPr lang="en-US" b="1" dirty="0" smtClean="0">
-                <a:latin typeface="Courier New" pitchFamily="49" charset="0"/>
-                <a:cs typeface="Courier New" pitchFamily="49" charset="0"/>
-              </a:rPr>
-              <a:t>});</a:t>
-            </a:r>
-            <a:endParaRPr lang="en-US" b="1" dirty="0" smtClean="0">
-              <a:latin typeface="Courier New" pitchFamily="49" charset="0"/>
-              <a:cs typeface="Courier New" pitchFamily="49" charset="0"/>
-            </a:endParaRPr>
+              <a:t>	});</a:t>
+            </a:r>
           </a:p>
           <a:p>
             <a:r>
@@ -21640,11 +21321,32 @@
               <a:buChar char="•"/>
             </a:pPr>
             <a:r>
+              <a:rPr lang="en-US" sz="2400" dirty="0">
+                <a:latin typeface="Calibri (Headings)"/>
+              </a:rPr>
+              <a:t>C</a:t>
+            </a:r>
+            <a:r>
               <a:rPr lang="en-US" sz="2400" dirty="0" smtClean="0">
                 <a:latin typeface="Calibri (Headings)"/>
               </a:rPr>
-              <a:t>How can manually compile a template to current view?</a:t>
-            </a:r>
+              <a:t>an </a:t>
+            </a:r>
+            <a:r>
+              <a:rPr lang="en-US" sz="2400" dirty="0" smtClean="0">
+                <a:latin typeface="Calibri (Headings)"/>
+              </a:rPr>
+              <a:t>manually compile a template to current </a:t>
+            </a:r>
+            <a:r>
+              <a:rPr lang="en-US" sz="2400" dirty="0" smtClean="0">
+                <a:latin typeface="Calibri (Headings)"/>
+              </a:rPr>
+              <a:t>view and how to implement that?</a:t>
+            </a:r>
+            <a:endParaRPr lang="en-US" sz="2400" dirty="0" smtClean="0">
+              <a:latin typeface="Calibri (Headings)"/>
+            </a:endParaRPr>
           </a:p>
         </p:txBody>
       </p:sp>
@@ -21752,22 +21454,7 @@
                 <a:latin typeface="Century Gothic"/>
                 <a:ea typeface="ＭＳ Ｐゴシック"/>
               </a:rPr>
-              <a:t>Manually compile and link </a:t>
-            </a:r>
-            <a:r>
-              <a:rPr lang="en-US" sz="2800" b="1" spc="-1" dirty="0" smtClean="0">
-                <a:solidFill>
-                  <a:srgbClr val="E21A2D"/>
-                </a:solidFill>
-                <a:uFill>
-                  <a:solidFill>
-                    <a:srgbClr val="FFFFFF"/>
-                  </a:solidFill>
-                </a:uFill>
-                <a:latin typeface="Century Gothic"/>
-                <a:ea typeface="ＭＳ Ｐゴシック"/>
-              </a:rPr>
-              <a:t>a template</a:t>
+              <a:t>Manually compile and link a template</a:t>
             </a:r>
             <a:endParaRPr lang="en-US" sz="1800" b="0" strike="noStrike" spc="-1" dirty="0">
               <a:solidFill>
@@ -21818,131 +21505,77 @@
           <a:bodyPr lIns="90000" tIns="45000" rIns="90000" bIns="45000"/>
           <a:lstStyle/>
           <a:p>
+            <a:pPr marL="457200" indent="-457200">
+              <a:lnSpc>
+                <a:spcPct val="100000"/>
+              </a:lnSpc>
+              <a:spcBef>
+                <a:spcPts val="1200"/>
+              </a:spcBef>
+              <a:buFont typeface="Wingdings" pitchFamily="2" charset="2"/>
+              <a:buChar char="v"/>
+            </a:pPr>
+            <a:r>
+              <a:rPr lang="en-US" spc="-1" dirty="0" smtClean="0">
+                <a:solidFill>
+                  <a:srgbClr val="000000"/>
+                </a:solidFill>
+                <a:uFill>
+                  <a:solidFill>
+                    <a:srgbClr val="FFFFFF"/>
+                  </a:solidFill>
+                </a:uFill>
+                <a:latin typeface="Calibri" pitchFamily="34" charset="0"/>
+                <a:cs typeface="Courier New" pitchFamily="49" charset="0"/>
+              </a:rPr>
+              <a:t>There is a HTML template that can be get from server. The template can contain directive and must link with current controller and $scope to retrieve data.</a:t>
+            </a:r>
+          </a:p>
+          <a:p>
+            <a:pPr marL="457200" indent="-457200">
+              <a:lnSpc>
+                <a:spcPct val="100000"/>
+              </a:lnSpc>
+              <a:spcBef>
+                <a:spcPts val="1200"/>
+              </a:spcBef>
+              <a:buFont typeface="Wingdings" pitchFamily="2" charset="2"/>
+              <a:buChar char="v"/>
+            </a:pPr>
+            <a:r>
+              <a:rPr lang="en-US" spc="-1" dirty="0" smtClean="0">
+                <a:solidFill>
+                  <a:srgbClr val="000000"/>
+                </a:solidFill>
+                <a:uFill>
+                  <a:solidFill>
+                    <a:srgbClr val="FFFFFF"/>
+                  </a:solidFill>
+                </a:uFill>
+                <a:latin typeface="Calibri" pitchFamily="34" charset="0"/>
+                <a:cs typeface="Courier New" pitchFamily="49" charset="0"/>
+              </a:rPr>
+              <a:t>We must compile this template to view and append this view to current page.</a:t>
+            </a:r>
+          </a:p>
+          <a:p>
             <a:pPr marL="343080" indent="-340200">
               <a:lnSpc>
                 <a:spcPct val="100000"/>
               </a:lnSpc>
             </a:pPr>
-            <a:r>
-              <a:rPr lang="en-US" sz="2400" b="0" strike="noStrike" spc="-1" dirty="0" smtClean="0">
-                <a:solidFill>
-                  <a:srgbClr val="000000"/>
-                </a:solidFill>
-                <a:uFill>
-                  <a:solidFill>
-                    <a:srgbClr val="FFFFFF"/>
-                  </a:solidFill>
-                </a:uFill>
-                <a:latin typeface="Calibri"/>
-                <a:ea typeface="DejaVu Sans"/>
-              </a:rPr>
-              <a:t>Create </a:t>
-            </a:r>
-            <a:r>
-              <a:rPr lang="en-US" sz="2400" b="1" strike="noStrike" spc="-1" dirty="0">
-                <a:solidFill>
-                  <a:srgbClr val="000000"/>
-                </a:solidFill>
-                <a:uFill>
-                  <a:solidFill>
-                    <a:srgbClr val="FFFFFF"/>
-                  </a:solidFill>
-                </a:uFill>
-                <a:latin typeface="Calibri"/>
-                <a:ea typeface="DejaVu Sans"/>
-              </a:rPr>
-              <a:t>custom directive </a:t>
-            </a:r>
-            <a:r>
-              <a:rPr lang="en-US" sz="2400" b="0" strike="noStrike" spc="-1" dirty="0">
-                <a:solidFill>
-                  <a:srgbClr val="000000"/>
-                </a:solidFill>
-                <a:uFill>
-                  <a:solidFill>
-                    <a:srgbClr val="FFFFFF"/>
-                  </a:solidFill>
-                </a:uFill>
-                <a:latin typeface="Calibri"/>
-                <a:ea typeface="DejaVu Sans"/>
-              </a:rPr>
-              <a:t>&amp; use </a:t>
-            </a:r>
-            <a:r>
-              <a:rPr lang="en-US" sz="2400" b="1" strike="noStrike" spc="-1" dirty="0">
-                <a:solidFill>
-                  <a:srgbClr val="000000"/>
-                </a:solidFill>
-                <a:uFill>
-                  <a:solidFill>
-                    <a:srgbClr val="FFFFFF"/>
-                  </a:solidFill>
-                </a:uFill>
-                <a:latin typeface="Calibri"/>
-                <a:ea typeface="DejaVu Sans"/>
-              </a:rPr>
-              <a:t>$</a:t>
-            </a:r>
-            <a:r>
-              <a:rPr lang="en-US" sz="2400" b="1" strike="noStrike" spc="-1" dirty="0" err="1">
-                <a:solidFill>
-                  <a:srgbClr val="000000"/>
-                </a:solidFill>
-                <a:uFill>
-                  <a:solidFill>
-                    <a:srgbClr val="FFFFFF"/>
-                  </a:solidFill>
-                </a:uFill>
-                <a:latin typeface="Calibri"/>
-                <a:ea typeface="DejaVu Sans"/>
-              </a:rPr>
-              <a:t>validators</a:t>
-            </a:r>
-            <a:r>
-              <a:rPr lang="en-US" sz="2400" b="0" strike="noStrike" spc="-1" dirty="0">
-                <a:solidFill>
-                  <a:srgbClr val="000000"/>
-                </a:solidFill>
-                <a:uFill>
-                  <a:solidFill>
-                    <a:srgbClr val="FFFFFF"/>
-                  </a:solidFill>
-                </a:uFill>
-                <a:latin typeface="Calibri"/>
-                <a:ea typeface="DejaVu Sans"/>
-              </a:rPr>
-              <a:t> of </a:t>
-            </a:r>
-            <a:r>
-              <a:rPr lang="en-US" sz="2400" b="1" strike="noStrike" spc="-1" dirty="0" err="1" smtClean="0">
-                <a:solidFill>
-                  <a:srgbClr val="000000"/>
-                </a:solidFill>
-                <a:uFill>
-                  <a:solidFill>
-                    <a:srgbClr val="FFFFFF"/>
-                  </a:solidFill>
-                </a:uFill>
-                <a:latin typeface="Calibri"/>
-                <a:ea typeface="DejaVu Sans"/>
-              </a:rPr>
-              <a:t>ngModelController</a:t>
-            </a:r>
-            <a:r>
-              <a:rPr lang="en-US" sz="2400" b="1" strike="noStrike" spc="-1" dirty="0" smtClean="0">
-                <a:solidFill>
-                  <a:srgbClr val="000000"/>
-                </a:solidFill>
-                <a:uFill>
-                  <a:solidFill>
-                    <a:srgbClr val="FFFFFF"/>
-                  </a:solidFill>
-                </a:uFill>
-                <a:latin typeface="Calibri"/>
-                <a:ea typeface="DejaVu Sans"/>
-              </a:rPr>
-              <a:t>.</a:t>
-            </a:r>
+            <a:endParaRPr lang="en-US" spc="-1" dirty="0" smtClean="0">
+              <a:solidFill>
+                <a:srgbClr val="000000"/>
+              </a:solidFill>
+              <a:uFill>
+                <a:solidFill>
+                  <a:srgbClr val="FFFFFF"/>
+                </a:solidFill>
+              </a:uFill>
+              <a:latin typeface="Calibri" pitchFamily="34" charset="0"/>
+              <a:cs typeface="Courier New" pitchFamily="49" charset="0"/>
+            </a:endParaRPr>
           </a:p>
           <a:p>
             <a:pPr marL="343080" indent="-340200">
@@ -21950,17 +21583,66 @@
                 <a:spcPct val="100000"/>
               </a:lnSpc>
             </a:pPr>
-            <a:endParaRPr lang="en-US" sz="2400" b="1" spc="-1" dirty="0" smtClean="0">
-              <a:solidFill>
-                <a:srgbClr val="000000"/>
-              </a:solidFill>
-              <a:uFill>
-                <a:solidFill>
-                  <a:srgbClr val="FFFFFF"/>
-                </a:solidFill>
-              </a:uFill>
-              <a:latin typeface="Calibri"/>
-            </a:endParaRPr>
+            <a:r>
+              <a:rPr lang="en-US" spc="-1" dirty="0" smtClean="0">
+                <a:solidFill>
+                  <a:srgbClr val="000000"/>
+                </a:solidFill>
+                <a:uFill>
+                  <a:solidFill>
+                    <a:srgbClr val="FFFFFF"/>
+                  </a:solidFill>
+                </a:uFill>
+                <a:latin typeface="Courier New" pitchFamily="49" charset="0"/>
+                <a:cs typeface="Courier New" pitchFamily="49" charset="0"/>
+              </a:rPr>
+              <a:t>f</a:t>
+            </a:r>
+            <a:r>
+              <a:rPr lang="en-US" spc="-1" dirty="0" smtClean="0">
+                <a:solidFill>
+                  <a:srgbClr val="000000"/>
+                </a:solidFill>
+                <a:uFill>
+                  <a:solidFill>
+                    <a:srgbClr val="FFFFFF"/>
+                  </a:solidFill>
+                </a:uFill>
+                <a:latin typeface="Courier New" pitchFamily="49" charset="0"/>
+                <a:cs typeface="Courier New" pitchFamily="49" charset="0"/>
+              </a:rPr>
+              <a:t>unction </a:t>
+            </a:r>
+            <a:r>
+              <a:rPr lang="en-US" spc="-1" dirty="0" err="1" smtClean="0">
+                <a:solidFill>
+                  <a:srgbClr val="000000"/>
+                </a:solidFill>
+                <a:uFill>
+                  <a:solidFill>
+                    <a:srgbClr val="FFFFFF"/>
+                  </a:solidFill>
+                </a:uFill>
+                <a:latin typeface="Courier New" pitchFamily="49" charset="0"/>
+                <a:cs typeface="Courier New" pitchFamily="49" charset="0"/>
+              </a:rPr>
+              <a:t>getTemplateFromServer</a:t>
+            </a:r>
+            <a:r>
+              <a:rPr lang="en-US" spc="-1" dirty="0" smtClean="0">
+                <a:solidFill>
+                  <a:srgbClr val="000000"/>
+                </a:solidFill>
+                <a:uFill>
+                  <a:solidFill>
+                    <a:srgbClr val="FFFFFF"/>
+                  </a:solidFill>
+                </a:uFill>
+                <a:latin typeface="Courier New" pitchFamily="49" charset="0"/>
+                <a:cs typeface="Courier New" pitchFamily="49" charset="0"/>
+              </a:rPr>
+              <a:t> ()  {}</a:t>
+            </a:r>
           </a:p>
           <a:p>
             <a:pPr marL="343080" indent="-340200">
@@ -21969,7 +21651,7 @@
               </a:lnSpc>
             </a:pPr>
             <a:r>
-              <a:rPr lang="en-US" spc="-1" dirty="0" err="1" smtClean="0">
+              <a:rPr lang="en-US" spc="-1" dirty="0" smtClean="0">
                 <a:solidFill>
                   <a:srgbClr val="000000"/>
                 </a:solidFill>
@@ -21981,10 +21663,10 @@
                 <a:latin typeface="Courier New" pitchFamily="49" charset="0"/>
                 <a:cs typeface="Courier New" pitchFamily="49" charset="0"/>
               </a:rPr>
-              <a:t>a</a:t>
-            </a:r>
-            <a:r>
-              <a:rPr lang="en-US" spc="-1" dirty="0" err="1" smtClean="0">
+              <a:t>f</a:t>
+            </a:r>
+            <a:r>
+              <a:rPr lang="en-US" spc="-1" dirty="0" smtClean="0">
                 <a:solidFill>
                   <a:srgbClr val="000000"/>
                 </a:solidFill>
@@ -21996,10 +21678,10 @@
                 <a:latin typeface="Courier New" pitchFamily="49" charset="0"/>
                 <a:cs typeface="Courier New" pitchFamily="49" charset="0"/>
               </a:rPr>
-              <a:t>ngular.module</a:t>
-            </a:r>
-            <a:r>
-              <a:rPr lang="en-US" spc="-1" dirty="0" smtClean="0">
+              <a:t>unction </a:t>
+            </a:r>
+            <a:r>
+              <a:rPr lang="en-US" spc="-1" dirty="0" err="1" smtClean="0">
                 <a:solidFill>
                   <a:srgbClr val="000000"/>
                 </a:solidFill>
@@ -22011,7 +21693,22 @@
                 <a:latin typeface="Courier New" pitchFamily="49" charset="0"/>
                 <a:cs typeface="Courier New" pitchFamily="49" charset="0"/>
               </a:rPr>
-              <a:t>(“app”).</a:t>
+              <a:t>controllerFn</a:t>
+            </a:r>
+            <a:r>
+              <a:rPr lang="en-US" spc="-1" dirty="0" smtClean="0">
+                <a:solidFill>
+                  <a:srgbClr val="000000"/>
+                </a:solidFill>
+                <a:uFill>
+                  <a:solidFill>
+                    <a:srgbClr val="FFFFFF"/>
+                  </a:solidFill>
+                </a:uFill>
+                <a:latin typeface="Courier New" pitchFamily="49" charset="0"/>
+                <a:cs typeface="Courier New" pitchFamily="49" charset="0"/>
+              </a:rPr>
+              <a:t> ($compile, $document, $scope) {</a:t>
             </a:r>
           </a:p>
           <a:p>
@@ -22036,7 +21733,7 @@
               <a:t>	</a:t>
             </a:r>
             <a:r>
-              <a:rPr lang="en-US" spc="-1" dirty="0" smtClean="0">
+              <a:rPr lang="en-US" spc="-1" dirty="0" err="1" smtClean="0">
                 <a:solidFill>
                   <a:srgbClr val="000000"/>
                 </a:solidFill>
@@ -22048,10 +21745,10 @@
                 <a:latin typeface="Courier New" pitchFamily="49" charset="0"/>
                 <a:cs typeface="Courier New" pitchFamily="49" charset="0"/>
               </a:rPr>
-              <a:t>directive(“</a:t>
-            </a:r>
-            <a:r>
-              <a:rPr lang="en-US" spc="-1" dirty="0" err="1" smtClean="0">
+              <a:t>getTemplateFromServer</a:t>
+            </a:r>
+            <a:r>
+              <a:rPr lang="en-US" spc="-1" dirty="0" smtClean="0">
                 <a:solidFill>
                   <a:srgbClr val="000000"/>
                 </a:solidFill>
@@ -22063,52 +21760,7 @@
                 <a:latin typeface="Courier New" pitchFamily="49" charset="0"/>
                 <a:cs typeface="Courier New" pitchFamily="49" charset="0"/>
               </a:rPr>
-              <a:t>customValidation</a:t>
-            </a:r>
-            <a:r>
-              <a:rPr lang="en-US" spc="-1" dirty="0" smtClean="0">
-                <a:solidFill>
-                  <a:srgbClr val="000000"/>
-                </a:solidFill>
-                <a:uFill>
-                  <a:solidFill>
-                    <a:srgbClr val="FFFFFF"/>
-                  </a:solidFill>
-                </a:uFill>
-                <a:latin typeface="Courier New" pitchFamily="49" charset="0"/>
-                <a:cs typeface="Courier New" pitchFamily="49" charset="0"/>
-              </a:rPr>
-              <a:t>”, </a:t>
-            </a:r>
-            <a:r>
-              <a:rPr lang="en-US" spc="-1" dirty="0" err="1" smtClean="0">
-                <a:solidFill>
-                  <a:srgbClr val="000000"/>
-                </a:solidFill>
-                <a:uFill>
-                  <a:solidFill>
-                    <a:srgbClr val="FFFFFF"/>
-                  </a:solidFill>
-                </a:uFill>
-                <a:latin typeface="Courier New" pitchFamily="49" charset="0"/>
-                <a:cs typeface="Courier New" pitchFamily="49" charset="0"/>
-              </a:rPr>
-              <a:t>ValidationDirective</a:t>
-            </a:r>
-            <a:r>
-              <a:rPr lang="en-US" spc="-1" dirty="0" smtClean="0">
-                <a:solidFill>
-                  <a:srgbClr val="000000"/>
-                </a:solidFill>
-                <a:uFill>
-                  <a:solidFill>
-                    <a:srgbClr val="FFFFFF"/>
-                  </a:solidFill>
-                </a:uFill>
-                <a:latin typeface="Courier New" pitchFamily="49" charset="0"/>
-                <a:cs typeface="Courier New" pitchFamily="49" charset="0"/>
-              </a:rPr>
-              <a:t>);</a:t>
+              <a:t>().then(function (template) {</a:t>
             </a:r>
           </a:p>
           <a:p>
@@ -22118,7 +21770,7 @@
               </a:lnSpc>
             </a:pPr>
             <a:r>
-              <a:rPr lang="en-US" spc="-1" dirty="0" err="1" smtClean="0">
+              <a:rPr lang="en-US" spc="-1" dirty="0" smtClean="0">
                 <a:solidFill>
                   <a:srgbClr val="000000"/>
                 </a:solidFill>
@@ -22130,10 +21782,10 @@
                 <a:latin typeface="Courier New" pitchFamily="49" charset="0"/>
                 <a:cs typeface="Courier New" pitchFamily="49" charset="0"/>
               </a:rPr>
-              <a:t>ValidationDirective.$inject</a:t>
-            </a:r>
-            <a:r>
-              <a:rPr lang="en-US" spc="-1" dirty="0" smtClean="0">
+              <a:t>		</a:t>
+            </a:r>
+            <a:r>
+              <a:rPr lang="en-US" spc="-1" dirty="0" err="1" smtClean="0">
                 <a:solidFill>
                   <a:srgbClr val="000000"/>
                 </a:solidFill>
@@ -22145,10 +21797,10 @@
                 <a:latin typeface="Courier New" pitchFamily="49" charset="0"/>
                 <a:cs typeface="Courier New" pitchFamily="49" charset="0"/>
               </a:rPr>
-              <a:t> = [“</a:t>
-            </a:r>
-            <a:r>
-              <a:rPr lang="en-US" spc="-1" dirty="0" err="1" smtClean="0">
+              <a:t>var</a:t>
+            </a:r>
+            <a:r>
+              <a:rPr lang="en-US" spc="-1" dirty="0" smtClean="0">
                 <a:solidFill>
                   <a:srgbClr val="000000"/>
                 </a:solidFill>
@@ -22160,10 +21812,10 @@
                 <a:latin typeface="Courier New" pitchFamily="49" charset="0"/>
                 <a:cs typeface="Courier New" pitchFamily="49" charset="0"/>
               </a:rPr>
-              <a:t>validationService</a:t>
-            </a:r>
-            <a:r>
-              <a:rPr lang="en-US" spc="-1" dirty="0" smtClean="0">
+              <a:t>  </a:t>
+            </a:r>
+            <a:r>
+              <a:rPr lang="en-US" spc="-1" dirty="0" err="1" smtClean="0">
                 <a:solidFill>
                   <a:srgbClr val="000000"/>
                 </a:solidFill>
@@ -22175,7 +21827,52 @@
                 <a:latin typeface="Courier New" pitchFamily="49" charset="0"/>
                 <a:cs typeface="Courier New" pitchFamily="49" charset="0"/>
               </a:rPr>
-              <a:t>”];</a:t>
+              <a:t>angularTemplate</a:t>
+            </a:r>
+            <a:r>
+              <a:rPr lang="en-US" spc="-1" dirty="0" smtClean="0">
+                <a:solidFill>
+                  <a:srgbClr val="000000"/>
+                </a:solidFill>
+                <a:uFill>
+                  <a:solidFill>
+                    <a:srgbClr val="FFFFFF"/>
+                  </a:solidFill>
+                </a:uFill>
+                <a:latin typeface="Courier New" pitchFamily="49" charset="0"/>
+                <a:cs typeface="Courier New" pitchFamily="49" charset="0"/>
+              </a:rPr>
+              <a:t> = </a:t>
+            </a:r>
+            <a:r>
+              <a:rPr lang="en-US" spc="-1" dirty="0" err="1" smtClean="0">
+                <a:solidFill>
+                  <a:srgbClr val="000000"/>
+                </a:solidFill>
+                <a:uFill>
+                  <a:solidFill>
+                    <a:srgbClr val="FFFFFF"/>
+                  </a:solidFill>
+                </a:uFill>
+                <a:latin typeface="Courier New" pitchFamily="49" charset="0"/>
+                <a:cs typeface="Courier New" pitchFamily="49" charset="0"/>
+              </a:rPr>
+              <a:t>angular.element</a:t>
+            </a:r>
+            <a:r>
+              <a:rPr lang="en-US" spc="-1" dirty="0" smtClean="0">
+                <a:solidFill>
+                  <a:srgbClr val="000000"/>
+                </a:solidFill>
+                <a:uFill>
+                  <a:solidFill>
+                    <a:srgbClr val="FFFFFF"/>
+                  </a:solidFill>
+                </a:uFill>
+                <a:latin typeface="Courier New" pitchFamily="49" charset="0"/>
+                <a:cs typeface="Courier New" pitchFamily="49" charset="0"/>
+              </a:rPr>
+              <a:t>(template);</a:t>
             </a:r>
           </a:p>
           <a:p>
@@ -22197,10 +21894,10 @@
                 <a:latin typeface="Courier New" pitchFamily="49" charset="0"/>
                 <a:cs typeface="Courier New" pitchFamily="49" charset="0"/>
               </a:rPr>
-              <a:t>function </a:t>
-            </a:r>
-            <a:r>
-              <a:rPr lang="en-US" spc="-1" dirty="0" err="1" smtClean="0">
+              <a:t>	</a:t>
+            </a:r>
+            <a:r>
+              <a:rPr lang="en-US" spc="-1" dirty="0" smtClean="0">
                 <a:solidFill>
                   <a:srgbClr val="000000"/>
                 </a:solidFill>
@@ -22212,12 +21909,12 @@
                 <a:latin typeface="Courier New" pitchFamily="49" charset="0"/>
                 <a:cs typeface="Courier New" pitchFamily="49" charset="0"/>
               </a:rPr>
-              <a:t>Validation</a:t>
-            </a:r>
-            <a:r>
-              <a:rPr lang="en-US" spc="-1" dirty="0" err="1" smtClean="0">
-                <a:solidFill>
-                  <a:srgbClr val="000000"/>
+              <a:t>	</a:t>
+            </a:r>
+            <a:r>
+              <a:rPr lang="en-US" sz="2400" b="1" spc="-1" dirty="0" err="1" smtClean="0">
+                <a:solidFill>
+                  <a:srgbClr val="FF0000"/>
                 </a:solidFill>
                 <a:uFill>
                   <a:solidFill>
@@ -22227,12 +21924,12 @@
                 <a:latin typeface="Courier New" pitchFamily="49" charset="0"/>
                 <a:cs typeface="Courier New" pitchFamily="49" charset="0"/>
               </a:rPr>
-              <a:t>Directive</a:t>
-            </a:r>
-            <a:r>
-              <a:rPr lang="en-US" spc="-1" dirty="0" smtClean="0">
-                <a:solidFill>
-                  <a:srgbClr val="000000"/>
+              <a:t>var</a:t>
+            </a:r>
+            <a:r>
+              <a:rPr lang="en-US" sz="2400" b="1" spc="-1" dirty="0" smtClean="0">
+                <a:solidFill>
+                  <a:srgbClr val="FF0000"/>
                 </a:solidFill>
                 <a:uFill>
                   <a:solidFill>
@@ -22245,9 +21942,9 @@
               <a:t> </a:t>
             </a:r>
             <a:r>
-              <a:rPr lang="en-US" spc="-1" dirty="0" smtClean="0">
-                <a:solidFill>
-                  <a:srgbClr val="000000"/>
+              <a:rPr lang="en-US" sz="2400" b="1" spc="-1" dirty="0" err="1" smtClean="0">
+                <a:solidFill>
+                  <a:srgbClr val="FF0000"/>
                 </a:solidFill>
                 <a:uFill>
                   <a:solidFill>
@@ -22257,7 +21954,52 @@
                 <a:latin typeface="Courier New" pitchFamily="49" charset="0"/>
                 <a:cs typeface="Courier New" pitchFamily="49" charset="0"/>
               </a:rPr>
-              <a:t>() {</a:t>
+              <a:t>linkFn</a:t>
+            </a:r>
+            <a:r>
+              <a:rPr lang="en-US" sz="2400" b="1" spc="-1" dirty="0" smtClean="0">
+                <a:solidFill>
+                  <a:srgbClr val="FF0000"/>
+                </a:solidFill>
+                <a:uFill>
+                  <a:solidFill>
+                    <a:srgbClr val="FFFFFF"/>
+                  </a:solidFill>
+                </a:uFill>
+                <a:latin typeface="Courier New" pitchFamily="49" charset="0"/>
+                <a:cs typeface="Courier New" pitchFamily="49" charset="0"/>
+              </a:rPr>
+              <a:t> = $compile(</a:t>
+            </a:r>
+            <a:r>
+              <a:rPr lang="en-US" sz="2400" b="1" spc="-1" dirty="0" err="1" smtClean="0">
+                <a:solidFill>
+                  <a:srgbClr val="FF0000"/>
+                </a:solidFill>
+                <a:uFill>
+                  <a:solidFill>
+                    <a:srgbClr val="FFFFFF"/>
+                  </a:solidFill>
+                </a:uFill>
+                <a:latin typeface="Courier New" pitchFamily="49" charset="0"/>
+                <a:cs typeface="Courier New" pitchFamily="49" charset="0"/>
+              </a:rPr>
+              <a:t>angularTemplate</a:t>
+            </a:r>
+            <a:r>
+              <a:rPr lang="en-US" sz="2400" b="1" spc="-1" dirty="0" smtClean="0">
+                <a:solidFill>
+                  <a:srgbClr val="FF0000"/>
+                </a:solidFill>
+                <a:uFill>
+                  <a:solidFill>
+                    <a:srgbClr val="FFFFFF"/>
+                  </a:solidFill>
+                </a:uFill>
+                <a:latin typeface="Courier New" pitchFamily="49" charset="0"/>
+                <a:cs typeface="Courier New" pitchFamily="49" charset="0"/>
+              </a:rPr>
+              <a:t>);</a:t>
             </a:r>
           </a:p>
           <a:p>
@@ -22267,9 +22009,9 @@
               </a:lnSpc>
             </a:pPr>
             <a:r>
-              <a:rPr lang="en-US" spc="-1" dirty="0" smtClean="0">
-                <a:solidFill>
-                  <a:srgbClr val="000000"/>
+              <a:rPr lang="en-US" sz="2400" b="1" spc="-1" dirty="0" smtClean="0">
+                <a:solidFill>
+                  <a:srgbClr val="FF0000"/>
                 </a:solidFill>
                 <a:uFill>
                   <a:solidFill>
@@ -22282,9 +22024,9 @@
               <a:t>	</a:t>
             </a:r>
             <a:r>
-              <a:rPr lang="en-US" spc="-1" dirty="0" smtClean="0">
-                <a:solidFill>
-                  <a:srgbClr val="000000"/>
+              <a:rPr lang="en-US" sz="2400" b="1" spc="-1" dirty="0" smtClean="0">
+                <a:solidFill>
+                  <a:srgbClr val="FF0000"/>
                 </a:solidFill>
                 <a:uFill>
                   <a:solidFill>
@@ -22294,7 +22036,67 @@
                 <a:latin typeface="Courier New" pitchFamily="49" charset="0"/>
                 <a:cs typeface="Courier New" pitchFamily="49" charset="0"/>
               </a:rPr>
-              <a:t>return {</a:t>
+              <a:t>	</a:t>
+            </a:r>
+            <a:r>
+              <a:rPr lang="en-US" sz="2400" b="1" spc="-1" dirty="0" err="1" smtClean="0">
+                <a:solidFill>
+                  <a:srgbClr val="FF0000"/>
+                </a:solidFill>
+                <a:uFill>
+                  <a:solidFill>
+                    <a:srgbClr val="FFFFFF"/>
+                  </a:solidFill>
+                </a:uFill>
+                <a:latin typeface="Courier New" pitchFamily="49" charset="0"/>
+                <a:cs typeface="Courier New" pitchFamily="49" charset="0"/>
+              </a:rPr>
+              <a:t>var</a:t>
+            </a:r>
+            <a:r>
+              <a:rPr lang="en-US" sz="2400" b="1" spc="-1" dirty="0" smtClean="0">
+                <a:solidFill>
+                  <a:srgbClr val="FF0000"/>
+                </a:solidFill>
+                <a:uFill>
+                  <a:solidFill>
+                    <a:srgbClr val="FFFFFF"/>
+                  </a:solidFill>
+                </a:uFill>
+                <a:latin typeface="Courier New" pitchFamily="49" charset="0"/>
+                <a:cs typeface="Courier New" pitchFamily="49" charset="0"/>
+              </a:rPr>
+              <a:t> view = </a:t>
+            </a:r>
+            <a:r>
+              <a:rPr lang="en-US" sz="2400" b="1" spc="-1" dirty="0" err="1" smtClean="0">
+                <a:solidFill>
+                  <a:srgbClr val="FF0000"/>
+                </a:solidFill>
+                <a:uFill>
+                  <a:solidFill>
+                    <a:srgbClr val="FFFFFF"/>
+                  </a:solidFill>
+                </a:uFill>
+                <a:latin typeface="Courier New" pitchFamily="49" charset="0"/>
+                <a:cs typeface="Courier New" pitchFamily="49" charset="0"/>
+              </a:rPr>
+              <a:t>linkFn</a:t>
+            </a:r>
+            <a:r>
+              <a:rPr lang="en-US" sz="2400" b="1" spc="-1" dirty="0" smtClean="0">
+                <a:solidFill>
+                  <a:srgbClr val="FF0000"/>
+                </a:solidFill>
+                <a:uFill>
+                  <a:solidFill>
+                    <a:srgbClr val="FFFFFF"/>
+                  </a:solidFill>
+                </a:uFill>
+                <a:latin typeface="Courier New" pitchFamily="49" charset="0"/>
+                <a:cs typeface="Courier New" pitchFamily="49" charset="0"/>
+              </a:rPr>
+              <a:t>($scope);</a:t>
             </a:r>
           </a:p>
           <a:p>
@@ -22333,51 +22135,6 @@
               </a:rPr>
               <a:t>	</a:t>
             </a:r>
-            <a:r>
-              <a:rPr lang="en-US" b="1" spc="-1" dirty="0" smtClean="0">
-                <a:solidFill>
-                  <a:srgbClr val="000000"/>
-                </a:solidFill>
-                <a:uFill>
-                  <a:solidFill>
-                    <a:srgbClr val="FFFFFF"/>
-                  </a:solidFill>
-                </a:uFill>
-                <a:latin typeface="Courier New" pitchFamily="49" charset="0"/>
-                <a:cs typeface="Courier New" pitchFamily="49" charset="0"/>
-              </a:rPr>
-              <a:t>require: “</a:t>
-            </a:r>
-            <a:r>
-              <a:rPr lang="en-US" b="1" spc="-1" dirty="0" err="1" smtClean="0">
-                <a:solidFill>
-                  <a:srgbClr val="000000"/>
-                </a:solidFill>
-                <a:uFill>
-                  <a:solidFill>
-                    <a:srgbClr val="FFFFFF"/>
-                  </a:solidFill>
-                </a:uFill>
-                <a:latin typeface="Courier New" pitchFamily="49" charset="0"/>
-                <a:cs typeface="Courier New" pitchFamily="49" charset="0"/>
-              </a:rPr>
-              <a:t>ngModel</a:t>
-            </a:r>
-            <a:r>
-              <a:rPr lang="en-US" b="1" spc="-1" dirty="0" smtClean="0">
-                <a:solidFill>
-                  <a:srgbClr val="000000"/>
-                </a:solidFill>
-                <a:uFill>
-                  <a:solidFill>
-                    <a:srgbClr val="FFFFFF"/>
-                  </a:solidFill>
-                </a:uFill>
-                <a:latin typeface="Courier New" pitchFamily="49" charset="0"/>
-                <a:cs typeface="Courier New" pitchFamily="49" charset="0"/>
-              </a:rPr>
-              <a:t>,</a:t>
-            </a:r>
           </a:p>
           <a:p>
             <a:pPr marL="343080" indent="-340200">
@@ -22413,7 +22170,7 @@
                 <a:latin typeface="Courier New" pitchFamily="49" charset="0"/>
                 <a:cs typeface="Courier New" pitchFamily="49" charset="0"/>
               </a:rPr>
-              <a:t>	link: </a:t>
+              <a:t>	$</a:t>
             </a:r>
             <a:r>
               <a:rPr lang="en-US" spc="-1" dirty="0" err="1" smtClean="0">
@@ -22428,7 +22185,22 @@
                 <a:latin typeface="Courier New" pitchFamily="49" charset="0"/>
                 <a:cs typeface="Courier New" pitchFamily="49" charset="0"/>
               </a:rPr>
-              <a:t>linkFn</a:t>
+              <a:t>document.find</a:t>
+            </a:r>
+            <a:r>
+              <a:rPr lang="en-US" spc="-1" dirty="0" smtClean="0">
+                <a:solidFill>
+                  <a:srgbClr val="000000"/>
+                </a:solidFill>
+                <a:uFill>
+                  <a:solidFill>
+                    <a:srgbClr val="FFFFFF"/>
+                  </a:solidFill>
+                </a:uFill>
+                <a:latin typeface="Courier New" pitchFamily="49" charset="0"/>
+                <a:cs typeface="Courier New" pitchFamily="49" charset="0"/>
+              </a:rPr>
+              <a:t>(“.selected-element”).append(view);</a:t>
             </a:r>
             <a:endParaRPr lang="en-US" spc="-1" dirty="0" smtClean="0">
               <a:solidFill>
@@ -22462,23 +22234,20 @@
                 <a:latin typeface="Courier New" pitchFamily="49" charset="0"/>
                 <a:cs typeface="Courier New" pitchFamily="49" charset="0"/>
               </a:rPr>
-              <a:t>	</a:t>
-            </a:r>
-            <a:r>
-              <a:rPr lang="en-US" spc="-1" dirty="0" smtClean="0">
-                <a:solidFill>
-                  <a:srgbClr val="000000"/>
-                </a:solidFill>
-                <a:uFill>
-                  <a:solidFill>
-                    <a:srgbClr val="FFFFFF"/>
-                  </a:solidFill>
-                </a:uFill>
-                <a:latin typeface="Courier New" pitchFamily="49" charset="0"/>
-                <a:cs typeface="Courier New" pitchFamily="49" charset="0"/>
-              </a:rPr>
-              <a:t>};</a:t>
-            </a:r>
+              <a:t>	});</a:t>
+            </a:r>
+            <a:endParaRPr lang="en-US" spc="-1" dirty="0" smtClean="0">
+              <a:solidFill>
+                <a:srgbClr val="000000"/>
+              </a:solidFill>
+              <a:uFill>
+                <a:solidFill>
+                  <a:srgbClr val="FFFFFF"/>
+                </a:solidFill>
+              </a:uFill>
+              <a:latin typeface="Courier New" pitchFamily="49" charset="0"/>
+              <a:cs typeface="Courier New" pitchFamily="49" charset="0"/>
+            </a:endParaRPr>
           </a:p>
           <a:p>
             <a:pPr marL="343080" indent="-340200">
@@ -22499,113 +22268,20 @@
                 <a:latin typeface="Courier New" pitchFamily="49" charset="0"/>
                 <a:cs typeface="Courier New" pitchFamily="49" charset="0"/>
               </a:rPr>
-              <a:t>	</a:t>
-            </a:r>
-            <a:r>
-              <a:rPr lang="en-US" spc="-1" dirty="0" smtClean="0">
-                <a:solidFill>
-                  <a:srgbClr val="000000"/>
-                </a:solidFill>
-                <a:uFill>
-                  <a:solidFill>
-                    <a:srgbClr val="FFFFFF"/>
-                  </a:solidFill>
-                </a:uFill>
-                <a:latin typeface="Courier New" pitchFamily="49" charset="0"/>
-                <a:cs typeface="Courier New" pitchFamily="49" charset="0"/>
-              </a:rPr>
-              <a:t>function </a:t>
-            </a:r>
-            <a:r>
-              <a:rPr lang="en-US" spc="-1" dirty="0" err="1" smtClean="0">
-                <a:solidFill>
-                  <a:srgbClr val="000000"/>
-                </a:solidFill>
-                <a:uFill>
-                  <a:solidFill>
-                    <a:srgbClr val="FFFFFF"/>
-                  </a:solidFill>
-                </a:uFill>
-                <a:latin typeface="Courier New" pitchFamily="49" charset="0"/>
-                <a:cs typeface="Courier New" pitchFamily="49" charset="0"/>
-              </a:rPr>
-              <a:t>linkFn</a:t>
-            </a:r>
-            <a:r>
-              <a:rPr lang="en-US" spc="-1" dirty="0" smtClean="0">
-                <a:solidFill>
-                  <a:srgbClr val="000000"/>
-                </a:solidFill>
-                <a:uFill>
-                  <a:solidFill>
-                    <a:srgbClr val="FFFFFF"/>
-                  </a:solidFill>
-                </a:uFill>
-                <a:latin typeface="Courier New" pitchFamily="49" charset="0"/>
-                <a:cs typeface="Courier New" pitchFamily="49" charset="0"/>
-              </a:rPr>
-              <a:t> ($scope, element, </a:t>
-            </a:r>
-            <a:r>
-              <a:rPr lang="en-US" spc="-1" dirty="0" err="1" smtClean="0">
-                <a:solidFill>
-                  <a:srgbClr val="000000"/>
-                </a:solidFill>
-                <a:uFill>
-                  <a:solidFill>
-                    <a:srgbClr val="FFFFFF"/>
-                  </a:solidFill>
-                </a:uFill>
-                <a:latin typeface="Courier New" pitchFamily="49" charset="0"/>
-                <a:cs typeface="Courier New" pitchFamily="49" charset="0"/>
-              </a:rPr>
-              <a:t>attrs</a:t>
-            </a:r>
-            <a:r>
-              <a:rPr lang="en-US" spc="-1" dirty="0" smtClean="0">
-                <a:solidFill>
-                  <a:srgbClr val="000000"/>
-                </a:solidFill>
-                <a:uFill>
-                  <a:solidFill>
-                    <a:srgbClr val="FFFFFF"/>
-                  </a:solidFill>
-                </a:uFill>
-                <a:latin typeface="Courier New" pitchFamily="49" charset="0"/>
-                <a:cs typeface="Courier New" pitchFamily="49" charset="0"/>
-              </a:rPr>
-              <a:t>, </a:t>
-            </a:r>
-            <a:r>
-              <a:rPr lang="en-US" spc="-1" dirty="0" err="1" smtClean="0">
-                <a:solidFill>
-                  <a:srgbClr val="000000"/>
-                </a:solidFill>
-                <a:uFill>
-                  <a:solidFill>
-                    <a:srgbClr val="FFFFFF"/>
-                  </a:solidFill>
-                </a:uFill>
-                <a:latin typeface="Courier New" pitchFamily="49" charset="0"/>
-                <a:cs typeface="Courier New" pitchFamily="49" charset="0"/>
-              </a:rPr>
-              <a:t>modelContrller</a:t>
-            </a:r>
-            <a:r>
-              <a:rPr lang="en-US" spc="-1" dirty="0" smtClean="0">
-                <a:solidFill>
-                  <a:srgbClr val="000000"/>
-                </a:solidFill>
-                <a:uFill>
-                  <a:solidFill>
-                    <a:srgbClr val="FFFFFF"/>
-                  </a:solidFill>
-                </a:uFill>
-                <a:latin typeface="Courier New" pitchFamily="49" charset="0"/>
-                <a:cs typeface="Courier New" pitchFamily="49" charset="0"/>
-              </a:rPr>
-              <a:t>) {</a:t>
-            </a:r>
+              <a:t>}</a:t>
+            </a:r>
+            <a:endParaRPr lang="en-US" spc="-1" dirty="0" smtClean="0">
+              <a:solidFill>
+                <a:srgbClr val="000000"/>
+              </a:solidFill>
+              <a:uFill>
+                <a:solidFill>
+                  <a:srgbClr val="FFFFFF"/>
+                </a:solidFill>
+              </a:uFill>
+              <a:latin typeface="Courier New" pitchFamily="49" charset="0"/>
+              <a:cs typeface="Courier New" pitchFamily="49" charset="0"/>
+            </a:endParaRPr>
           </a:p>
           <a:p>
             <a:pPr marL="343080" indent="-340200">
@@ -22613,185 +22289,6 @@
                 <a:spcPct val="100000"/>
               </a:lnSpc>
             </a:pPr>
-            <a:r>
-              <a:rPr lang="en-US" spc="-1" dirty="0" smtClean="0">
-                <a:solidFill>
-                  <a:srgbClr val="000000"/>
-                </a:solidFill>
-                <a:uFill>
-                  <a:solidFill>
-                    <a:srgbClr val="FFFFFF"/>
-                  </a:solidFill>
-                </a:uFill>
-                <a:latin typeface="Courier New" pitchFamily="49" charset="0"/>
-                <a:cs typeface="Courier New" pitchFamily="49" charset="0"/>
-              </a:rPr>
-              <a:t>	</a:t>
-            </a:r>
-            <a:r>
-              <a:rPr lang="en-US" spc="-1" dirty="0" smtClean="0">
-                <a:solidFill>
-                  <a:srgbClr val="000000"/>
-                </a:solidFill>
-                <a:uFill>
-                  <a:solidFill>
-                    <a:srgbClr val="FFFFFF"/>
-                  </a:solidFill>
-                </a:uFill>
-                <a:latin typeface="Courier New" pitchFamily="49" charset="0"/>
-                <a:cs typeface="Courier New" pitchFamily="49" charset="0"/>
-              </a:rPr>
-              <a:t>	</a:t>
-            </a:r>
-            <a:r>
-              <a:rPr lang="en-US" spc="-1" dirty="0" smtClean="0">
-                <a:solidFill>
-                  <a:srgbClr val="000000"/>
-                </a:solidFill>
-                <a:uFill>
-                  <a:solidFill>
-                    <a:srgbClr val="FFFFFF"/>
-                  </a:solidFill>
-                </a:uFill>
-                <a:latin typeface="Courier New" pitchFamily="49" charset="0"/>
-                <a:cs typeface="Courier New" pitchFamily="49" charset="0"/>
-              </a:rPr>
-              <a:t> </a:t>
-            </a:r>
-            <a:r>
-              <a:rPr lang="en-US" b="1" spc="-1" dirty="0" err="1" smtClean="0">
-                <a:solidFill>
-                  <a:srgbClr val="FF0000"/>
-                </a:solidFill>
-                <a:uFill>
-                  <a:solidFill>
-                    <a:srgbClr val="FFFFFF"/>
-                  </a:solidFill>
-                </a:uFill>
-                <a:latin typeface="Courier New" pitchFamily="49" charset="0"/>
-                <a:cs typeface="Courier New" pitchFamily="49" charset="0"/>
-              </a:rPr>
-              <a:t>modelContrller</a:t>
-            </a:r>
-            <a:r>
-              <a:rPr lang="en-US" b="1" spc="-1" dirty="0" err="1" smtClean="0">
-                <a:solidFill>
-                  <a:srgbClr val="FF0000"/>
-                </a:solidFill>
-                <a:uFill>
-                  <a:solidFill>
-                    <a:srgbClr val="FFFFFF"/>
-                  </a:solidFill>
-                </a:uFill>
-                <a:latin typeface="Courier New" pitchFamily="49" charset="0"/>
-                <a:cs typeface="Courier New" pitchFamily="49" charset="0"/>
-              </a:rPr>
-              <a:t>.$validators.customValidation</a:t>
-            </a:r>
-            <a:r>
-              <a:rPr lang="en-US" b="1" spc="-1" dirty="0" smtClean="0">
-                <a:solidFill>
-                  <a:srgbClr val="FF0000"/>
-                </a:solidFill>
-                <a:uFill>
-                  <a:solidFill>
-                    <a:srgbClr val="FFFFFF"/>
-                  </a:solidFill>
-                </a:uFill>
-                <a:latin typeface="Courier New" pitchFamily="49" charset="0"/>
-                <a:cs typeface="Courier New" pitchFamily="49" charset="0"/>
-              </a:rPr>
-              <a:t> = </a:t>
-            </a:r>
-            <a:r>
-              <a:rPr lang="en-US" b="1" spc="-1" dirty="0" err="1" smtClean="0">
-                <a:solidFill>
-                  <a:srgbClr val="FF0000"/>
-                </a:solidFill>
-                <a:uFill>
-                  <a:solidFill>
-                    <a:srgbClr val="FFFFFF"/>
-                  </a:solidFill>
-                </a:uFill>
-                <a:latin typeface="Courier New" pitchFamily="49" charset="0"/>
-                <a:cs typeface="Courier New" pitchFamily="49" charset="0"/>
-              </a:rPr>
-              <a:t>validationService.custome</a:t>
-            </a:r>
-            <a:r>
-              <a:rPr lang="en-US" b="1" spc="-1" dirty="0" smtClean="0">
-                <a:solidFill>
-                  <a:srgbClr val="FF0000"/>
-                </a:solidFill>
-                <a:uFill>
-                  <a:solidFill>
-                    <a:srgbClr val="FFFFFF"/>
-                  </a:solidFill>
-                </a:uFill>
-                <a:latin typeface="Courier New" pitchFamily="49" charset="0"/>
-                <a:cs typeface="Courier New" pitchFamily="49" charset="0"/>
-              </a:rPr>
-              <a:t>;</a:t>
-            </a:r>
-          </a:p>
-          <a:p>
-            <a:pPr marL="343080" indent="-340200">
-              <a:lnSpc>
-                <a:spcPct val="100000"/>
-              </a:lnSpc>
-            </a:pPr>
-            <a:r>
-              <a:rPr lang="en-US" spc="-1" dirty="0" smtClean="0">
-                <a:solidFill>
-                  <a:srgbClr val="000000"/>
-                </a:solidFill>
-                <a:uFill>
-                  <a:solidFill>
-                    <a:srgbClr val="FFFFFF"/>
-                  </a:solidFill>
-                </a:uFill>
-                <a:latin typeface="Courier New" pitchFamily="49" charset="0"/>
-                <a:cs typeface="Courier New" pitchFamily="49" charset="0"/>
-              </a:rPr>
-              <a:t>	</a:t>
-            </a:r>
-            <a:r>
-              <a:rPr lang="en-US" spc="-1" dirty="0" smtClean="0">
-                <a:solidFill>
-                  <a:srgbClr val="000000"/>
-                </a:solidFill>
-                <a:uFill>
-                  <a:solidFill>
-                    <a:srgbClr val="FFFFFF"/>
-                  </a:solidFill>
-                </a:uFill>
-                <a:latin typeface="Courier New" pitchFamily="49" charset="0"/>
-                <a:cs typeface="Courier New" pitchFamily="49" charset="0"/>
-              </a:rPr>
-              <a:t>}</a:t>
-            </a:r>
-          </a:p>
-          <a:p>
-            <a:pPr marL="343080" indent="-340200">
-              <a:lnSpc>
-                <a:spcPct val="100000"/>
-              </a:lnSpc>
-            </a:pPr>
-            <a:r>
-              <a:rPr lang="en-US" spc="-1" dirty="0" smtClean="0">
-                <a:solidFill>
-                  <a:srgbClr val="000000"/>
-                </a:solidFill>
-                <a:uFill>
-                  <a:solidFill>
-                    <a:srgbClr val="FFFFFF"/>
-                  </a:solidFill>
-                </a:uFill>
-                <a:latin typeface="Courier New" pitchFamily="49" charset="0"/>
-                <a:cs typeface="Courier New" pitchFamily="49" charset="0"/>
-              </a:rPr>
-              <a:t>}</a:t>
-            </a:r>
             <a:endParaRPr lang="en-US" spc="-1" dirty="0" smtClean="0">
               <a:solidFill>
                 <a:srgbClr val="000000"/>
@@ -22801,7 +22298,7 @@
                   <a:srgbClr val="FFFFFF"/>
                 </a:solidFill>
               </a:uFill>
-              <a:latin typeface="Courier New" pitchFamily="49" charset="0"/>
+              <a:latin typeface="Calibri" pitchFamily="34" charset="0"/>
               <a:cs typeface="Courier New" pitchFamily="49" charset="0"/>
             </a:endParaRPr>
           </a:p>
@@ -23030,21 +22527,7 @@
                 </a:uFill>
                 <a:latin typeface="Calibri"/>
               </a:rPr>
-              <a:t>Deal </a:t>
-            </a:r>
-            <a:r>
-              <a:rPr lang="en-US" sz="2800" spc="-1" dirty="0" smtClean="0">
-                <a:solidFill>
-                  <a:srgbClr val="FFFFFF"/>
-                </a:solidFill>
-                <a:uFill>
-                  <a:solidFill>
-                    <a:srgbClr val="FFFFFF"/>
-                  </a:solidFill>
-                </a:uFill>
-                <a:latin typeface="Calibri"/>
-              </a:rPr>
-              <a:t>with Form custom validation</a:t>
+              <a:t>Deal with Form custom validation</a:t>
             </a:r>
             <a:endParaRPr lang="en-US" sz="2800" b="0" strike="noStrike" spc="-1" dirty="0">
               <a:solidFill>
@@ -23514,22 +22997,7 @@
                 <a:latin typeface="Courier New" pitchFamily="49" charset="0"/>
                 <a:cs typeface="Courier New" pitchFamily="49" charset="0"/>
               </a:rPr>
-              <a:t>a</a:t>
-            </a:r>
-            <a:r>
-              <a:rPr lang="en-US" spc="-1" dirty="0" err="1" smtClean="0">
-                <a:solidFill>
-                  <a:srgbClr val="000000"/>
-                </a:solidFill>
-                <a:uFill>
-                  <a:solidFill>
-                    <a:srgbClr val="FFFFFF"/>
-                  </a:solidFill>
-                </a:uFill>
-                <a:latin typeface="Courier New" pitchFamily="49" charset="0"/>
-                <a:cs typeface="Courier New" pitchFamily="49" charset="0"/>
-              </a:rPr>
-              <a:t>ngular.module</a:t>
+              <a:t>angular.module</a:t>
             </a:r>
             <a:r>
               <a:rPr lang="en-US" spc="-1" dirty="0" smtClean="0">
@@ -23566,22 +23034,7 @@
                 <a:latin typeface="Courier New" pitchFamily="49" charset="0"/>
                 <a:cs typeface="Courier New" pitchFamily="49" charset="0"/>
               </a:rPr>
-              <a:t>	</a:t>
-            </a:r>
-            <a:r>
-              <a:rPr lang="en-US" spc="-1" dirty="0" smtClean="0">
-                <a:solidFill>
-                  <a:srgbClr val="000000"/>
-                </a:solidFill>
-                <a:uFill>
-                  <a:solidFill>
-                    <a:srgbClr val="FFFFFF"/>
-                  </a:solidFill>
-                </a:uFill>
-                <a:latin typeface="Courier New" pitchFamily="49" charset="0"/>
-                <a:cs typeface="Courier New" pitchFamily="49" charset="0"/>
-              </a:rPr>
-              <a:t>directive(“</a:t>
+              <a:t>	directive(“</a:t>
             </a:r>
             <a:r>
               <a:rPr lang="en-US" spc="-1" dirty="0" err="1" smtClean="0">
@@ -23745,10 +23198,10 @@
                 <a:latin typeface="Courier New" pitchFamily="49" charset="0"/>
                 <a:cs typeface="Courier New" pitchFamily="49" charset="0"/>
               </a:rPr>
-              <a:t>Validation</a:t>
-            </a:r>
-            <a:r>
-              <a:rPr lang="en-US" spc="-1" dirty="0" err="1" smtClean="0">
+              <a:t>ValidationDirective</a:t>
+            </a:r>
+            <a:r>
+              <a:rPr lang="en-US" spc="-1" dirty="0" smtClean="0">
                 <a:solidFill>
                   <a:srgbClr val="000000"/>
                 </a:solidFill>
@@ -23760,37 +23213,7 @@
                 <a:latin typeface="Courier New" pitchFamily="49" charset="0"/>
                 <a:cs typeface="Courier New" pitchFamily="49" charset="0"/>
               </a:rPr>
-              <a:t>Directive</a:t>
-            </a:r>
-            <a:r>
-              <a:rPr lang="en-US" spc="-1" dirty="0" smtClean="0">
-                <a:solidFill>
-                  <a:srgbClr val="000000"/>
-                </a:solidFill>
-                <a:uFill>
-                  <a:solidFill>
-                    <a:srgbClr val="FFFFFF"/>
-                  </a:solidFill>
-                </a:uFill>
-                <a:latin typeface="Courier New" pitchFamily="49" charset="0"/>
-                <a:cs typeface="Courier New" pitchFamily="49" charset="0"/>
-              </a:rPr>
-              <a:t> </a:t>
-            </a:r>
-            <a:r>
-              <a:rPr lang="en-US" spc="-1" dirty="0" smtClean="0">
-                <a:solidFill>
-                  <a:srgbClr val="000000"/>
-                </a:solidFill>
-                <a:uFill>
-                  <a:solidFill>
-                    <a:srgbClr val="FFFFFF"/>
-                  </a:solidFill>
-                </a:uFill>
-                <a:latin typeface="Courier New" pitchFamily="49" charset="0"/>
-                <a:cs typeface="Courier New" pitchFamily="49" charset="0"/>
-              </a:rPr>
-              <a:t>() {</a:t>
+              <a:t> () {</a:t>
             </a:r>
           </a:p>
           <a:p>
@@ -23812,22 +23235,7 @@
                 <a:latin typeface="Courier New" pitchFamily="49" charset="0"/>
                 <a:cs typeface="Courier New" pitchFamily="49" charset="0"/>
               </a:rPr>
-              <a:t>	</a:t>
-            </a:r>
-            <a:r>
-              <a:rPr lang="en-US" spc="-1" dirty="0" smtClean="0">
-                <a:solidFill>
-                  <a:srgbClr val="000000"/>
-                </a:solidFill>
-                <a:uFill>
-                  <a:solidFill>
-                    <a:srgbClr val="FFFFFF"/>
-                  </a:solidFill>
-                </a:uFill>
-                <a:latin typeface="Courier New" pitchFamily="49" charset="0"/>
-                <a:cs typeface="Courier New" pitchFamily="49" charset="0"/>
-              </a:rPr>
-              <a:t>return {</a:t>
+              <a:t>	return {</a:t>
             </a:r>
           </a:p>
           <a:p>
@@ -23849,22 +23257,7 @@
                 <a:latin typeface="Courier New" pitchFamily="49" charset="0"/>
                 <a:cs typeface="Courier New" pitchFamily="49" charset="0"/>
               </a:rPr>
-              <a:t>	</a:t>
-            </a:r>
-            <a:r>
-              <a:rPr lang="en-US" spc="-1" dirty="0" smtClean="0">
-                <a:solidFill>
-                  <a:srgbClr val="000000"/>
-                </a:solidFill>
-                <a:uFill>
-                  <a:solidFill>
-                    <a:srgbClr val="FFFFFF"/>
-                  </a:solidFill>
-                </a:uFill>
-                <a:latin typeface="Courier New" pitchFamily="49" charset="0"/>
-                <a:cs typeface="Courier New" pitchFamily="49" charset="0"/>
-              </a:rPr>
-              <a:t>	</a:t>
+              <a:t>		</a:t>
             </a:r>
             <a:r>
               <a:rPr lang="en-US" b="1" spc="-1" dirty="0" smtClean="0">
@@ -23931,22 +23324,7 @@
                 <a:latin typeface="Courier New" pitchFamily="49" charset="0"/>
                 <a:cs typeface="Courier New" pitchFamily="49" charset="0"/>
               </a:rPr>
-              <a:t>	</a:t>
-            </a:r>
-            <a:r>
-              <a:rPr lang="en-US" spc="-1" dirty="0" smtClean="0">
-                <a:solidFill>
-                  <a:srgbClr val="000000"/>
-                </a:solidFill>
-                <a:uFill>
-                  <a:solidFill>
-                    <a:srgbClr val="FFFFFF"/>
-                  </a:solidFill>
-                </a:uFill>
-                <a:latin typeface="Courier New" pitchFamily="49" charset="0"/>
-                <a:cs typeface="Courier New" pitchFamily="49" charset="0"/>
-              </a:rPr>
-              <a:t>	link: </a:t>
+              <a:t>		link: </a:t>
             </a:r>
             <a:r>
               <a:rPr lang="en-US" spc="-1" dirty="0" err="1" smtClean="0">
@@ -23995,22 +23373,7 @@
                 <a:latin typeface="Courier New" pitchFamily="49" charset="0"/>
                 <a:cs typeface="Courier New" pitchFamily="49" charset="0"/>
               </a:rPr>
-              <a:t>	</a:t>
-            </a:r>
-            <a:r>
-              <a:rPr lang="en-US" spc="-1" dirty="0" smtClean="0">
-                <a:solidFill>
-                  <a:srgbClr val="000000"/>
-                </a:solidFill>
-                <a:uFill>
-                  <a:solidFill>
-                    <a:srgbClr val="FFFFFF"/>
-                  </a:solidFill>
-                </a:uFill>
-                <a:latin typeface="Courier New" pitchFamily="49" charset="0"/>
-                <a:cs typeface="Courier New" pitchFamily="49" charset="0"/>
-              </a:rPr>
-              <a:t>};</a:t>
+              <a:t>	};</a:t>
             </a:r>
           </a:p>
           <a:p>
@@ -24032,22 +23395,7 @@
                 <a:latin typeface="Courier New" pitchFamily="49" charset="0"/>
                 <a:cs typeface="Courier New" pitchFamily="49" charset="0"/>
               </a:rPr>
-              <a:t>	</a:t>
-            </a:r>
-            <a:r>
-              <a:rPr lang="en-US" spc="-1" dirty="0" smtClean="0">
-                <a:solidFill>
-                  <a:srgbClr val="000000"/>
-                </a:solidFill>
-                <a:uFill>
-                  <a:solidFill>
-                    <a:srgbClr val="FFFFFF"/>
-                  </a:solidFill>
-                </a:uFill>
-                <a:latin typeface="Courier New" pitchFamily="49" charset="0"/>
-                <a:cs typeface="Courier New" pitchFamily="49" charset="0"/>
-              </a:rPr>
-              <a:t>function </a:t>
+              <a:t>	function </a:t>
             </a:r>
             <a:r>
               <a:rPr lang="en-US" spc="-1" dirty="0" err="1" smtClean="0">
@@ -24159,12 +23507,12 @@
                 <a:latin typeface="Courier New" pitchFamily="49" charset="0"/>
                 <a:cs typeface="Courier New" pitchFamily="49" charset="0"/>
               </a:rPr>
-              <a:t>	</a:t>
-            </a:r>
-            <a:r>
-              <a:rPr lang="en-US" spc="-1" dirty="0" smtClean="0">
-                <a:solidFill>
-                  <a:srgbClr val="000000"/>
+              <a:t>		 </a:t>
+            </a:r>
+            <a:r>
+              <a:rPr lang="en-US" b="1" spc="-1" dirty="0" err="1" smtClean="0">
+                <a:solidFill>
+                  <a:srgbClr val="FF0000"/>
                 </a:solidFill>
                 <a:uFill>
                   <a:solidFill>
@@ -24174,52 +23522,7 @@
                 <a:latin typeface="Courier New" pitchFamily="49" charset="0"/>
                 <a:cs typeface="Courier New" pitchFamily="49" charset="0"/>
               </a:rPr>
-              <a:t>	</a:t>
-            </a:r>
-            <a:r>
-              <a:rPr lang="en-US" spc="-1" dirty="0" smtClean="0">
-                <a:solidFill>
-                  <a:srgbClr val="000000"/>
-                </a:solidFill>
-                <a:uFill>
-                  <a:solidFill>
-                    <a:srgbClr val="FFFFFF"/>
-                  </a:solidFill>
-                </a:uFill>
-                <a:latin typeface="Courier New" pitchFamily="49" charset="0"/>
-                <a:cs typeface="Courier New" pitchFamily="49" charset="0"/>
-              </a:rPr>
-              <a:t> </a:t>
-            </a:r>
-            <a:r>
-              <a:rPr lang="en-US" b="1" spc="-1" dirty="0" err="1" smtClean="0">
-                <a:solidFill>
-                  <a:srgbClr val="FF0000"/>
-                </a:solidFill>
-                <a:uFill>
-                  <a:solidFill>
-                    <a:srgbClr val="FFFFFF"/>
-                  </a:solidFill>
-                </a:uFill>
-                <a:latin typeface="Courier New" pitchFamily="49" charset="0"/>
-                <a:cs typeface="Courier New" pitchFamily="49" charset="0"/>
-              </a:rPr>
-              <a:t>modelContrller</a:t>
-            </a:r>
-            <a:r>
-              <a:rPr lang="en-US" b="1" spc="-1" dirty="0" err="1" smtClean="0">
-                <a:solidFill>
-                  <a:srgbClr val="FF0000"/>
-                </a:solidFill>
-                <a:uFill>
-                  <a:solidFill>
-                    <a:srgbClr val="FFFFFF"/>
-                  </a:solidFill>
-                </a:uFill>
-                <a:latin typeface="Courier New" pitchFamily="49" charset="0"/>
-                <a:cs typeface="Courier New" pitchFamily="49" charset="0"/>
-              </a:rPr>
-              <a:t>.$validators.customValidation</a:t>
+              <a:t>modelContrller.$validators.customValidation</a:t>
             </a:r>
             <a:r>
               <a:rPr lang="en-US" b="1" spc="-1" dirty="0" smtClean="0">
@@ -24286,22 +23589,7 @@
                 <a:latin typeface="Courier New" pitchFamily="49" charset="0"/>
                 <a:cs typeface="Courier New" pitchFamily="49" charset="0"/>
               </a:rPr>
-              <a:t>	</a:t>
-            </a:r>
-            <a:r>
-              <a:rPr lang="en-US" spc="-1" dirty="0" smtClean="0">
-                <a:solidFill>
-                  <a:srgbClr val="000000"/>
-                </a:solidFill>
-                <a:uFill>
-                  <a:solidFill>
-                    <a:srgbClr val="FFFFFF"/>
-                  </a:solidFill>
-                </a:uFill>
-                <a:latin typeface="Courier New" pitchFamily="49" charset="0"/>
-                <a:cs typeface="Courier New" pitchFamily="49" charset="0"/>
-              </a:rPr>
-              <a:t>}</a:t>
+              <a:t>	}</a:t>
             </a:r>
           </a:p>
           <a:p>
@@ -24325,18 +23613,6 @@
               </a:rPr>
               <a:t>}</a:t>
             </a:r>
-            <a:endParaRPr lang="en-US" spc="-1" dirty="0" smtClean="0">
-              <a:solidFill>
-                <a:srgbClr val="000000"/>
-              </a:solidFill>
-              <a:uFill>
-                <a:solidFill>
-                  <a:srgbClr val="FFFFFF"/>
-                </a:solidFill>
-              </a:uFill>
-              <a:latin typeface="Courier New" pitchFamily="49" charset="0"/>
-              <a:cs typeface="Courier New" pitchFamily="49" charset="0"/>
-            </a:endParaRPr>
           </a:p>
         </p:txBody>
       </p:sp>
@@ -24798,17 +24074,6 @@
               </a:rPr>
               <a:t>. </a:t>
             </a:r>
-            <a:endParaRPr lang="en-US" sz="2400" spc="-1" dirty="0" smtClean="0">
-              <a:solidFill>
-                <a:srgbClr val="000000"/>
-              </a:solidFill>
-              <a:uFill>
-                <a:solidFill>
-                  <a:srgbClr val="FFFFFF"/>
-                </a:solidFill>
-              </a:uFill>
-              <a:latin typeface="Calibri"/>
-            </a:endParaRPr>
           </a:p>
           <a:p>
             <a:pPr marL="343080" indent="-340200">
@@ -24874,17 +24139,6 @@
               </a:rPr>
               <a:t> that represents data from the file system. </a:t>
             </a:r>
-            <a:endParaRPr lang="en-US" sz="2400" spc="-1" dirty="0" smtClean="0">
-              <a:solidFill>
-                <a:srgbClr val="000000"/>
-              </a:solidFill>
-              <a:uFill>
-                <a:solidFill>
-                  <a:srgbClr val="FFFFFF"/>
-                </a:solidFill>
-              </a:uFill>
-              <a:latin typeface="Calibri"/>
-            </a:endParaRPr>
           </a:p>
           <a:p>
             <a:pPr marL="343080" indent="-340200">
@@ -24906,7 +24160,21 @@
                 </a:uFill>
                 <a:latin typeface="Calibri"/>
               </a:rPr>
-              <a:t>Use</a:t>
+              <a:t>Use </a:t>
+            </a:r>
+            <a:r>
+              <a:rPr lang="en-US" sz="2400" b="1" spc="-1" dirty="0" err="1" smtClean="0">
+                <a:solidFill>
+                  <a:srgbClr val="000000"/>
+                </a:solidFill>
+                <a:uFill>
+                  <a:solidFill>
+                    <a:srgbClr val="FFFFFF"/>
+                  </a:solidFill>
+                </a:uFill>
+                <a:latin typeface="Calibri"/>
+              </a:rPr>
+              <a:t>FileReader</a:t>
             </a:r>
             <a:r>
               <a:rPr lang="en-US" sz="2400" spc="-1" dirty="0" smtClean="0">
@@ -24920,10 +24188,10 @@
                 </a:uFill>
                 <a:latin typeface="Calibri"/>
               </a:rPr>
-              <a:t> </a:t>
-            </a:r>
-            <a:r>
-              <a:rPr lang="en-US" sz="2400" b="1" spc="-1" dirty="0" err="1" smtClean="0">
+              <a:t> to read data from </a:t>
+            </a:r>
+            <a:r>
+              <a:rPr lang="en-US" sz="2400" b="1" spc="-1" dirty="0" smtClean="0">
                 <a:solidFill>
                   <a:srgbClr val="000000"/>
                 </a:solidFill>
@@ -24934,7 +24202,7 @@
                 </a:uFill>
                 <a:latin typeface="Calibri"/>
               </a:rPr>
-              <a:t>FileReader</a:t>
+              <a:t>a Blob or File</a:t>
             </a:r>
             <a:r>
               <a:rPr lang="en-US" sz="2400" spc="-1" dirty="0" smtClean="0">
@@ -24948,47 +24216,8 @@
                 </a:uFill>
                 <a:latin typeface="Calibri"/>
               </a:rPr>
-              <a:t> to read data from </a:t>
-            </a:r>
-            <a:r>
-              <a:rPr lang="en-US" sz="2400" b="1" spc="-1" dirty="0" smtClean="0">
-                <a:solidFill>
-                  <a:srgbClr val="000000"/>
-                </a:solidFill>
-                <a:uFill>
-                  <a:solidFill>
-                    <a:srgbClr val="FFFFFF"/>
-                  </a:solidFill>
-                </a:uFill>
-                <a:latin typeface="Calibri"/>
-              </a:rPr>
-              <a:t>a Blob or File</a:t>
-            </a:r>
-            <a:r>
-              <a:rPr lang="en-US" sz="2400" spc="-1" dirty="0" smtClean="0">
-                <a:solidFill>
-                  <a:srgbClr val="000000"/>
-                </a:solidFill>
-                <a:uFill>
-                  <a:solidFill>
-                    <a:srgbClr val="FFFFFF"/>
-                  </a:solidFill>
-                </a:uFill>
-                <a:latin typeface="Calibri"/>
-              </a:rPr>
               <a:t>. </a:t>
             </a:r>
-            <a:endParaRPr lang="en-US" sz="2400" spc="-1" dirty="0" smtClean="0">
-              <a:solidFill>
-                <a:srgbClr val="000000"/>
-              </a:solidFill>
-              <a:uFill>
-                <a:solidFill>
-                  <a:srgbClr val="FFFFFF"/>
-                </a:solidFill>
-              </a:uFill>
-              <a:latin typeface="Calibri"/>
-            </a:endParaRPr>
           </a:p>
           <a:p>
             <a:pPr marL="343080" indent="-340200">
@@ -25010,7 +24239,21 @@
                 </a:uFill>
                 <a:latin typeface="Calibri"/>
               </a:rPr>
-              <a:t>Blobs </a:t>
+              <a:t>Blobs allow us to </a:t>
+            </a:r>
+            <a:r>
+              <a:rPr lang="en-US" sz="2400" b="1" spc="-1" dirty="0" smtClean="0">
+                <a:solidFill>
+                  <a:srgbClr val="000000"/>
+                </a:solidFill>
+                <a:uFill>
+                  <a:solidFill>
+                    <a:srgbClr val="FFFFFF"/>
+                  </a:solidFill>
+                </a:uFill>
+                <a:latin typeface="Calibri"/>
+              </a:rPr>
+              <a:t>construct file like</a:t>
             </a:r>
             <a:r>
               <a:rPr lang="en-US" sz="2400" spc="-1" dirty="0" smtClean="0">
@@ -25024,7 +24267,21 @@
                 </a:uFill>
                 <a:latin typeface="Calibri"/>
               </a:rPr>
-              <a:t>allow </a:t>
+              <a:t> objects </a:t>
+            </a:r>
+            <a:r>
+              <a:rPr lang="en-US" sz="2400" b="1" spc="-1" dirty="0" smtClean="0">
+                <a:solidFill>
+                  <a:srgbClr val="000000"/>
+                </a:solidFill>
+                <a:uFill>
+                  <a:solidFill>
+                    <a:srgbClr val="FFFFFF"/>
+                  </a:solidFill>
+                </a:uFill>
+                <a:latin typeface="Calibri"/>
+              </a:rPr>
+              <a:t>on the client</a:t>
             </a:r>
             <a:r>
               <a:rPr lang="en-US" sz="2400" spc="-1" dirty="0" smtClean="0">
@@ -25038,7 +24295,21 @@
                 </a:uFill>
                 <a:latin typeface="Calibri"/>
               </a:rPr>
-              <a:t>us </a:t>
+              <a:t> that we can pass to </a:t>
+            </a:r>
+            <a:r>
+              <a:rPr lang="en-US" sz="2400" b="1" spc="-1" dirty="0" smtClean="0">
+                <a:solidFill>
+                  <a:srgbClr val="FF0000"/>
+                </a:solidFill>
+                <a:uFill>
+                  <a:solidFill>
+                    <a:srgbClr val="FFFFFF"/>
+                  </a:solidFill>
+                </a:uFill>
+                <a:latin typeface="Calibri"/>
+              </a:rPr>
+              <a:t>APIs that expect URLs instead of requiring the server provides the file</a:t>
             </a:r>
             <a:r>
               <a:rPr lang="en-US" sz="2400" spc="-1" dirty="0" smtClean="0">
@@ -25052,173 +24323,8 @@
                 </a:uFill>
                 <a:latin typeface="Calibri"/>
               </a:rPr>
-              <a:t>to </a:t>
-            </a:r>
-            <a:r>
-              <a:rPr lang="en-US" sz="2400" b="1" spc="-1" dirty="0" smtClean="0">
-                <a:solidFill>
-                  <a:srgbClr val="000000"/>
-                </a:solidFill>
-                <a:uFill>
-                  <a:solidFill>
-                    <a:srgbClr val="FFFFFF"/>
-                  </a:solidFill>
-                </a:uFill>
-                <a:latin typeface="Calibri"/>
-              </a:rPr>
-              <a:t>construct file like</a:t>
-            </a:r>
-            <a:r>
-              <a:rPr lang="en-US" sz="2400" spc="-1" dirty="0" smtClean="0">
-                <a:solidFill>
-                  <a:srgbClr val="000000"/>
-                </a:solidFill>
-                <a:uFill>
-                  <a:solidFill>
-                    <a:srgbClr val="FFFFFF"/>
-                  </a:solidFill>
-                </a:uFill>
-                <a:latin typeface="Calibri"/>
-              </a:rPr>
-              <a:t> objects </a:t>
-            </a:r>
-            <a:r>
-              <a:rPr lang="en-US" sz="2400" b="1" spc="-1" dirty="0" smtClean="0">
-                <a:solidFill>
-                  <a:srgbClr val="000000"/>
-                </a:solidFill>
-                <a:uFill>
-                  <a:solidFill>
-                    <a:srgbClr val="FFFFFF"/>
-                  </a:solidFill>
-                </a:uFill>
-                <a:latin typeface="Calibri"/>
-              </a:rPr>
-              <a:t>on the client</a:t>
-            </a:r>
-            <a:r>
-              <a:rPr lang="en-US" sz="2400" spc="-1" dirty="0" smtClean="0">
-                <a:solidFill>
-                  <a:srgbClr val="000000"/>
-                </a:solidFill>
-                <a:uFill>
-                  <a:solidFill>
-                    <a:srgbClr val="FFFFFF"/>
-                  </a:solidFill>
-                </a:uFill>
-                <a:latin typeface="Calibri"/>
-              </a:rPr>
-              <a:t> that </a:t>
-            </a:r>
-            <a:r>
-              <a:rPr lang="en-US" sz="2400" spc="-1" dirty="0" smtClean="0">
-                <a:solidFill>
-                  <a:srgbClr val="000000"/>
-                </a:solidFill>
-                <a:uFill>
-                  <a:solidFill>
-                    <a:srgbClr val="FFFFFF"/>
-                  </a:solidFill>
-                </a:uFill>
-                <a:latin typeface="Calibri"/>
-              </a:rPr>
-              <a:t>we </a:t>
-            </a:r>
-            <a:r>
-              <a:rPr lang="en-US" sz="2400" spc="-1" dirty="0" smtClean="0">
-                <a:solidFill>
-                  <a:srgbClr val="000000"/>
-                </a:solidFill>
-                <a:uFill>
-                  <a:solidFill>
-                    <a:srgbClr val="FFFFFF"/>
-                  </a:solidFill>
-                </a:uFill>
-                <a:latin typeface="Calibri"/>
-              </a:rPr>
-              <a:t>can pass to </a:t>
-            </a:r>
-            <a:r>
-              <a:rPr lang="en-US" sz="2400" b="1" spc="-1" dirty="0" smtClean="0">
-                <a:solidFill>
-                  <a:srgbClr val="FF0000"/>
-                </a:solidFill>
-                <a:uFill>
-                  <a:solidFill>
-                    <a:srgbClr val="FFFFFF"/>
-                  </a:solidFill>
-                </a:uFill>
-                <a:latin typeface="Calibri"/>
-              </a:rPr>
-              <a:t>APIs </a:t>
-            </a:r>
-            <a:r>
-              <a:rPr lang="en-US" sz="2400" b="1" spc="-1" dirty="0" smtClean="0">
-                <a:solidFill>
-                  <a:srgbClr val="FF0000"/>
-                </a:solidFill>
-                <a:uFill>
-                  <a:solidFill>
-                    <a:srgbClr val="FFFFFF"/>
-                  </a:solidFill>
-                </a:uFill>
-                <a:latin typeface="Calibri"/>
-              </a:rPr>
-              <a:t>that expect </a:t>
-            </a:r>
-            <a:r>
-              <a:rPr lang="en-US" sz="2400" b="1" spc="-1" dirty="0" smtClean="0">
-                <a:solidFill>
-                  <a:srgbClr val="FF0000"/>
-                </a:solidFill>
-                <a:uFill>
-                  <a:solidFill>
-                    <a:srgbClr val="FFFFFF"/>
-                  </a:solidFill>
-                </a:uFill>
-                <a:latin typeface="Calibri"/>
-              </a:rPr>
-              <a:t>URLs </a:t>
-            </a:r>
-            <a:r>
-              <a:rPr lang="en-US" sz="2400" b="1" spc="-1" dirty="0" smtClean="0">
-                <a:solidFill>
-                  <a:srgbClr val="FF0000"/>
-                </a:solidFill>
-                <a:uFill>
-                  <a:solidFill>
-                    <a:srgbClr val="FFFFFF"/>
-                  </a:solidFill>
-                </a:uFill>
-                <a:latin typeface="Calibri"/>
-              </a:rPr>
-              <a:t>instead of requiring the server provides the file</a:t>
-            </a:r>
-            <a:r>
-              <a:rPr lang="en-US" sz="2400" spc="-1" dirty="0" smtClean="0">
-                <a:solidFill>
-                  <a:srgbClr val="000000"/>
-                </a:solidFill>
-                <a:uFill>
-                  <a:solidFill>
-                    <a:srgbClr val="FFFFFF"/>
-                  </a:solidFill>
-                </a:uFill>
-                <a:latin typeface="Calibri"/>
-              </a:rPr>
               <a:t>. </a:t>
             </a:r>
-            <a:endParaRPr lang="en-US" sz="2400" spc="-1" dirty="0" smtClean="0">
-              <a:solidFill>
-                <a:srgbClr val="000000"/>
-              </a:solidFill>
-              <a:uFill>
-                <a:solidFill>
-                  <a:srgbClr val="FFFFFF"/>
-                </a:solidFill>
-              </a:uFill>
-              <a:latin typeface="Calibri"/>
-            </a:endParaRPr>
           </a:p>
           <a:p>
             <a:pPr marL="800280" lvl="1" indent="-340200">
@@ -25237,7 +24343,21 @@
                 </a:uFill>
                 <a:latin typeface="Calibri"/>
               </a:rPr>
-              <a:t>we </a:t>
+              <a:t>we can </a:t>
+            </a:r>
+            <a:r>
+              <a:rPr lang="en-US" sz="2400" b="1" spc="-1" dirty="0" smtClean="0">
+                <a:solidFill>
+                  <a:srgbClr val="000000"/>
+                </a:solidFill>
+                <a:uFill>
+                  <a:solidFill>
+                    <a:srgbClr val="FFFFFF"/>
+                  </a:solidFill>
+                </a:uFill>
+                <a:latin typeface="Calibri"/>
+              </a:rPr>
+              <a:t>construct</a:t>
             </a:r>
             <a:r>
               <a:rPr lang="en-US" sz="2400" spc="-1" dirty="0" smtClean="0">
@@ -25251,7 +24371,7 @@
                 </a:uFill>
                 <a:latin typeface="Calibri"/>
               </a:rPr>
-              <a:t>can </a:t>
+              <a:t> a blob containing the </a:t>
             </a:r>
             <a:r>
               <a:rPr lang="en-US" sz="2400" b="1" spc="-1" dirty="0" smtClean="0">
@@ -25265,7 +24385,7 @@
                 </a:uFill>
                 <a:latin typeface="Calibri"/>
               </a:rPr>
-              <a:t>construct</a:t>
+              <a:t>data for an image → </a:t>
             </a:r>
             <a:r>
               <a:rPr lang="en-US" sz="2400" spc="-1" dirty="0" smtClean="0">
@@ -25279,11 +24399,39 @@
                 </a:uFill>
                 <a:latin typeface="Calibri"/>
               </a:rPr>
-              <a:t> a blob containing the </a:t>
+              <a:t>using </a:t>
+            </a:r>
+            <a:r>
+              <a:rPr lang="en-US" sz="2400" b="1" spc="-1" dirty="0" err="1" smtClean="0">
+                <a:solidFill>
+                  <a:srgbClr val="FF0000"/>
+                </a:solidFill>
+                <a:uFill>
+                  <a:solidFill>
+                    <a:srgbClr val="FFFFFF"/>
+                  </a:solidFill>
+                </a:uFill>
+                <a:latin typeface="Calibri"/>
+              </a:rPr>
+              <a:t>URL.createObjectURL</a:t>
             </a:r>
             <a:r>
               <a:rPr lang="en-US" sz="2400" b="1" spc="-1" dirty="0" smtClean="0">
                 <a:solidFill>
+                  <a:srgbClr val="FF0000"/>
+                </a:solidFill>
+                <a:uFill>
+                  <a:solidFill>
+                    <a:srgbClr val="FFFFFF"/>
+                  </a:solidFill>
+                </a:uFill>
+                <a:latin typeface="Calibri"/>
+              </a:rPr>
+              <a:t>()</a:t>
+            </a:r>
+            <a:r>
+              <a:rPr lang="en-US" sz="2400" spc="-1" dirty="0" smtClean="0">
+                <a:solidFill>
                   <a:srgbClr val="000000"/>
                 </a:solidFill>
                 <a:uFill>
@@ -25293,7 +24441,7 @@
                 </a:uFill>
                 <a:latin typeface="Calibri"/>
               </a:rPr>
-              <a:t>data for an </a:t>
+              <a:t> to generate a URL → pass that URL to </a:t>
             </a:r>
             <a:r>
               <a:rPr lang="en-US" sz="2400" b="1" spc="-1" dirty="0" smtClean="0">
@@ -25307,10 +24455,10 @@
                 </a:uFill>
                 <a:latin typeface="Calibri"/>
               </a:rPr>
-              <a:t>image</a:t>
-            </a:r>
-            <a:r>
-              <a:rPr lang="en-US" sz="2400" b="1" spc="-1" dirty="0" smtClean="0">
+              <a:t>HTMLImageElement.src</a:t>
+            </a:r>
+            <a:r>
+              <a:rPr lang="en-US" sz="2400" spc="-1" dirty="0" smtClean="0">
                 <a:solidFill>
                   <a:srgbClr val="000000"/>
                 </a:solidFill>
@@ -25321,189 +24469,7 @@
                 </a:uFill>
                 <a:latin typeface="Calibri"/>
               </a:rPr>
-              <a:t> </a:t>
-            </a:r>
-            <a:r>
-              <a:rPr lang="en-US" sz="2400" b="1" spc="-1" dirty="0" smtClean="0">
-                <a:solidFill>
-                  <a:srgbClr val="000000"/>
-                </a:solidFill>
-                <a:uFill>
-                  <a:solidFill>
-                    <a:srgbClr val="FFFFFF"/>
-                  </a:solidFill>
-                </a:uFill>
-                <a:latin typeface="Calibri"/>
-              </a:rPr>
-              <a:t>→ </a:t>
-            </a:r>
-            <a:r>
-              <a:rPr lang="en-US" sz="2400" spc="-1" dirty="0" smtClean="0">
-                <a:solidFill>
-                  <a:srgbClr val="000000"/>
-                </a:solidFill>
-                <a:uFill>
-                  <a:solidFill>
-                    <a:srgbClr val="FFFFFF"/>
-                  </a:solidFill>
-                </a:uFill>
-                <a:latin typeface="Calibri"/>
-              </a:rPr>
-              <a:t>using</a:t>
-            </a:r>
-            <a:r>
-              <a:rPr lang="en-US" sz="2400" spc="-1" dirty="0" smtClean="0">
-                <a:solidFill>
-                  <a:srgbClr val="000000"/>
-                </a:solidFill>
-                <a:uFill>
-                  <a:solidFill>
-                    <a:srgbClr val="FFFFFF"/>
-                  </a:solidFill>
-                </a:uFill>
-                <a:latin typeface="Calibri"/>
-              </a:rPr>
-              <a:t> </a:t>
-            </a:r>
-            <a:r>
-              <a:rPr lang="en-US" sz="2400" b="1" spc="-1" dirty="0" err="1" smtClean="0">
-                <a:solidFill>
-                  <a:srgbClr val="FF0000"/>
-                </a:solidFill>
-                <a:uFill>
-                  <a:solidFill>
-                    <a:srgbClr val="FFFFFF"/>
-                  </a:solidFill>
-                </a:uFill>
-                <a:latin typeface="Calibri"/>
-              </a:rPr>
-              <a:t>URL.createObjectURL</a:t>
-            </a:r>
-            <a:r>
-              <a:rPr lang="en-US" sz="2400" b="1" spc="-1" dirty="0" smtClean="0">
-                <a:solidFill>
-                  <a:srgbClr val="FF0000"/>
-                </a:solidFill>
-                <a:uFill>
-                  <a:solidFill>
-                    <a:srgbClr val="FFFFFF"/>
-                  </a:solidFill>
-                </a:uFill>
-                <a:latin typeface="Calibri"/>
-              </a:rPr>
-              <a:t>()</a:t>
-            </a:r>
-            <a:r>
-              <a:rPr lang="en-US" sz="2400" spc="-1" dirty="0" smtClean="0">
-                <a:solidFill>
-                  <a:srgbClr val="000000"/>
-                </a:solidFill>
-                <a:uFill>
-                  <a:solidFill>
-                    <a:srgbClr val="FFFFFF"/>
-                  </a:solidFill>
-                </a:uFill>
-                <a:latin typeface="Calibri"/>
-              </a:rPr>
-              <a:t> to generate a </a:t>
-            </a:r>
-            <a:r>
-              <a:rPr lang="en-US" sz="2400" spc="-1" dirty="0" smtClean="0">
-                <a:solidFill>
-                  <a:srgbClr val="000000"/>
-                </a:solidFill>
-                <a:uFill>
-                  <a:solidFill>
-                    <a:srgbClr val="FFFFFF"/>
-                  </a:solidFill>
-                </a:uFill>
-                <a:latin typeface="Calibri"/>
-              </a:rPr>
-              <a:t>URL → </a:t>
-            </a:r>
-            <a:r>
-              <a:rPr lang="en-US" sz="2400" spc="-1" dirty="0" smtClean="0">
-                <a:solidFill>
-                  <a:srgbClr val="000000"/>
-                </a:solidFill>
-                <a:uFill>
-                  <a:solidFill>
-                    <a:srgbClr val="FFFFFF"/>
-                  </a:solidFill>
-                </a:uFill>
-                <a:latin typeface="Calibri"/>
-              </a:rPr>
-              <a:t>pass that </a:t>
-            </a:r>
-            <a:r>
-              <a:rPr lang="en-US" sz="2400" spc="-1" dirty="0" smtClean="0">
-                <a:solidFill>
-                  <a:srgbClr val="000000"/>
-                </a:solidFill>
-                <a:uFill>
-                  <a:solidFill>
-                    <a:srgbClr val="FFFFFF"/>
-                  </a:solidFill>
-                </a:uFill>
-                <a:latin typeface="Calibri"/>
-              </a:rPr>
-              <a:t>URL </a:t>
-            </a:r>
-            <a:r>
-              <a:rPr lang="en-US" sz="2400" spc="-1" dirty="0" smtClean="0">
-                <a:solidFill>
-                  <a:srgbClr val="000000"/>
-                </a:solidFill>
-                <a:uFill>
-                  <a:solidFill>
-                    <a:srgbClr val="FFFFFF"/>
-                  </a:solidFill>
-                </a:uFill>
-                <a:latin typeface="Calibri"/>
-              </a:rPr>
-              <a:t>to </a:t>
-            </a:r>
-            <a:r>
-              <a:rPr lang="en-US" sz="2400" b="1" spc="-1" dirty="0" smtClean="0">
-                <a:solidFill>
-                  <a:srgbClr val="000000"/>
-                </a:solidFill>
-                <a:uFill>
-                  <a:solidFill>
-                    <a:srgbClr val="FFFFFF"/>
-                  </a:solidFill>
-                </a:uFill>
-                <a:latin typeface="Calibri"/>
-              </a:rPr>
-              <a:t>HTMLImageElement.src</a:t>
-            </a:r>
-            <a:r>
-              <a:rPr lang="en-US" sz="2400" spc="-1" dirty="0" smtClean="0">
-                <a:solidFill>
-                  <a:srgbClr val="000000"/>
-                </a:solidFill>
-                <a:uFill>
-                  <a:solidFill>
-                    <a:srgbClr val="FFFFFF"/>
-                  </a:solidFill>
-                </a:uFill>
-                <a:latin typeface="Calibri"/>
-              </a:rPr>
-              <a:t> to display the </a:t>
-            </a:r>
-            <a:r>
-              <a:rPr lang="en-US" sz="2400" spc="-1" dirty="0" smtClean="0">
-                <a:solidFill>
-                  <a:srgbClr val="000000"/>
-                </a:solidFill>
-                <a:uFill>
-                  <a:solidFill>
-                    <a:srgbClr val="FFFFFF"/>
-                  </a:solidFill>
-                </a:uFill>
-                <a:latin typeface="Calibri"/>
-              </a:rPr>
-              <a:t>image.</a:t>
+              <a:t> to display the image.</a:t>
             </a:r>
             <a:endParaRPr lang="en-US" sz="2400" b="1" spc="-1" dirty="0" smtClean="0">
               <a:solidFill>
@@ -26918,13 +25884,7 @@
               <a:rPr lang="en-US" sz="2400" b="1" dirty="0" smtClean="0">
                 <a:latin typeface="Calibri" pitchFamily="34" charset="0"/>
               </a:rPr>
-              <a:t>C</a:t>
-            </a:r>
-            <a:r>
-              <a:rPr lang="en-US" sz="2400" b="1" dirty="0" smtClean="0">
-                <a:latin typeface="Calibri" pitchFamily="34" charset="0"/>
-              </a:rPr>
-              <a:t>ordova</a:t>
+              <a:t>Cordova</a:t>
             </a:r>
             <a:r>
               <a:rPr lang="en-US" sz="2400" dirty="0" smtClean="0">
@@ -27021,55 +25981,43 @@
               <a:rPr lang="en-US" sz="2400" dirty="0" smtClean="0">
                 <a:latin typeface="Calibri" pitchFamily="34" charset="0"/>
               </a:rPr>
-              <a:t>This </a:t>
+              <a:t>This means the </a:t>
+            </a:r>
+            <a:r>
+              <a:rPr lang="en-US" sz="2400" b="1" dirty="0" smtClean="0">
+                <a:latin typeface="Calibri" pitchFamily="34" charset="0"/>
+              </a:rPr>
+              <a:t>web app may potentially call</a:t>
             </a:r>
             <a:r>
               <a:rPr lang="en-US" sz="2400" dirty="0" smtClean="0">
                 <a:latin typeface="Calibri" pitchFamily="34" charset="0"/>
               </a:rPr>
-              <a:t>means the </a:t>
+              <a:t> a Cordova </a:t>
             </a:r>
             <a:r>
               <a:rPr lang="en-US" sz="2400" b="1" dirty="0" smtClean="0">
                 <a:latin typeface="Calibri" pitchFamily="34" charset="0"/>
               </a:rPr>
-              <a:t>web app may potentially call</a:t>
+              <a:t>JavaScript function</a:t>
             </a:r>
             <a:r>
               <a:rPr lang="en-US" sz="2400" dirty="0" smtClean="0">
                 <a:latin typeface="Calibri" pitchFamily="34" charset="0"/>
               </a:rPr>
-              <a:t> a Cordova </a:t>
+              <a:t> before the corresponding </a:t>
             </a:r>
             <a:r>
               <a:rPr lang="en-US" sz="2400" b="1" dirty="0" smtClean="0">
                 <a:latin typeface="Calibri" pitchFamily="34" charset="0"/>
               </a:rPr>
-              <a:t>JavaScript function</a:t>
+              <a:t>native code</a:t>
             </a:r>
             <a:r>
               <a:rPr lang="en-US" sz="2400" dirty="0" smtClean="0">
                 <a:latin typeface="Calibri" pitchFamily="34" charset="0"/>
               </a:rPr>
-              <a:t> before the corresponding </a:t>
-            </a:r>
-            <a:r>
-              <a:rPr lang="en-US" sz="2400" b="1" dirty="0" smtClean="0">
-                <a:latin typeface="Calibri" pitchFamily="34" charset="0"/>
-              </a:rPr>
-              <a:t>native code</a:t>
-            </a:r>
-            <a:r>
-              <a:rPr lang="en-US" sz="2400" dirty="0" smtClean="0">
-                <a:latin typeface="Calibri" pitchFamily="34" charset="0"/>
-              </a:rPr>
-              <a:t> becomes available</a:t>
-            </a:r>
-            <a:r>
-              <a:rPr lang="en-US" sz="2400" dirty="0" smtClean="0">
-                <a:latin typeface="Calibri" pitchFamily="34" charset="0"/>
-              </a:rPr>
-              <a:t>.</a:t>
+              <a:t> becomes available.</a:t>
             </a:r>
           </a:p>
           <a:p>
@@ -27110,9 +26058,6 @@
               </a:rPr>
               <a:t>.</a:t>
             </a:r>
-            <a:endParaRPr lang="en-US" sz="2400" dirty="0" smtClean="0">
-              <a:latin typeface="Calibri" pitchFamily="34" charset="0"/>
-            </a:endParaRPr>
           </a:p>
         </p:txBody>
       </p:sp>
@@ -27301,21 +26246,7 @@
                 <a:latin typeface="Courier New" pitchFamily="49" charset="0"/>
                 <a:cs typeface="Courier New" pitchFamily="49" charset="0"/>
               </a:rPr>
-              <a:t>("</a:t>
-            </a:r>
-            <a:r>
-              <a:rPr lang="en-US" sz="1400" dirty="0" smtClean="0">
-                <a:latin typeface="Courier New" pitchFamily="49" charset="0"/>
-                <a:cs typeface="Courier New" pitchFamily="49" charset="0"/>
-              </a:rPr>
-              <a:t>app“, []);</a:t>
-            </a:r>
-            <a:r>
-              <a:rPr lang="en-US" sz="1400" dirty="0" smtClean="0">
-                <a:latin typeface="Courier New" pitchFamily="49" charset="0"/>
-                <a:cs typeface="Courier New" pitchFamily="49" charset="0"/>
-              </a:rPr>
-              <a:t/>
+              <a:t>("app“, []);</a:t>
             </a:r>
             <a:br>
               <a:rPr lang="en-US" sz="1400" dirty="0" smtClean="0">
@@ -27395,44 +26326,30 @@
                 <a:latin typeface="Courier New" pitchFamily="49" charset="0"/>
                 <a:cs typeface="Courier New" pitchFamily="49" charset="0"/>
               </a:rPr>
-              <a:t>bootstrap (element) </a:t>
-            </a:r>
+              <a:t>bootstrap (element) {   </a:t>
+            </a:r>
+          </a:p>
+          <a:p>
             <a:r>
               <a:rPr lang="en-US" sz="1400" dirty="0" smtClean="0">
                 <a:latin typeface="Courier New" pitchFamily="49" charset="0"/>
                 <a:cs typeface="Courier New" pitchFamily="49" charset="0"/>
               </a:rPr>
-              <a:t>{   </a:t>
-            </a:r>
-          </a:p>
-          <a:p>
+              <a:t>    </a:t>
+            </a:r>
+            <a:r>
+              <a:rPr lang="en-US" sz="1400" dirty="0" err="1" smtClean="0">
+                <a:latin typeface="Courier New" pitchFamily="49" charset="0"/>
+                <a:cs typeface="Courier New" pitchFamily="49" charset="0"/>
+              </a:rPr>
+              <a:t>angular.element</a:t>
+            </a:r>
             <a:r>
               <a:rPr lang="en-US" sz="1400" dirty="0" smtClean="0">
                 <a:latin typeface="Courier New" pitchFamily="49" charset="0"/>
                 <a:cs typeface="Courier New" pitchFamily="49" charset="0"/>
               </a:rPr>
-              <a:t>    </a:t>
-            </a:r>
-            <a:r>
-              <a:rPr lang="en-US" sz="1400" dirty="0" err="1" smtClean="0">
-                <a:latin typeface="Courier New" pitchFamily="49" charset="0"/>
-                <a:cs typeface="Courier New" pitchFamily="49" charset="0"/>
-              </a:rPr>
-              <a:t>angular.element</a:t>
-            </a:r>
-            <a:r>
-              <a:rPr lang="en-US" sz="1400" dirty="0" smtClean="0">
-                <a:latin typeface="Courier New" pitchFamily="49" charset="0"/>
-                <a:cs typeface="Courier New" pitchFamily="49" charset="0"/>
-              </a:rPr>
-              <a:t>(document</a:t>
-            </a:r>
-            <a:r>
-              <a:rPr lang="en-US" sz="1400" dirty="0" smtClean="0">
-                <a:latin typeface="Courier New" pitchFamily="49" charset="0"/>
-                <a:cs typeface="Courier New" pitchFamily="49" charset="0"/>
-              </a:rPr>
-              <a:t>).ready(function</a:t>
+              <a:t>(document).ready(function</a:t>
             </a:r>
             <a:r>
               <a:rPr lang="en-US" sz="1400" b="1" dirty="0" smtClean="0">

--- a/Angular best practice.pptx
+++ b/Angular best practice.pptx
@@ -9,10 +9,10 @@
     <p:sldMasterId id="2147483700" r:id="rId5"/>
   </p:sldMasterIdLst>
   <p:notesMasterIdLst>
-    <p:notesMasterId r:id="rId44"/>
+    <p:notesMasterId r:id="rId46"/>
   </p:notesMasterIdLst>
   <p:handoutMasterIdLst>
-    <p:handoutMasterId r:id="rId45"/>
+    <p:handoutMasterId r:id="rId47"/>
   </p:handoutMasterIdLst>
   <p:sldIdLst>
     <p:sldId id="256" r:id="rId6"/>
@@ -53,6 +53,8 @@
     <p:sldId id="263" r:id="rId41"/>
     <p:sldId id="274" r:id="rId42"/>
     <p:sldId id="275" r:id="rId43"/>
+    <p:sldId id="302" r:id="rId44"/>
+    <p:sldId id="303" r:id="rId45"/>
   </p:sldIdLst>
   <p:sldSz cx="9144000" cy="5143500" type="screen16x9"/>
   <p:notesSz cx="6858000" cy="9144000"/>
@@ -237,7 +239,7 @@
             <a:fld id="{2F011DF1-066D-4425-9A96-347411CF7EF0}" type="datetimeFigureOut">
               <a:rPr lang="en-US" smtClean="0"/>
               <a:pPr/>
-              <a:t>8/15/2016</a:t>
+              <a:t>8/16/2016</a:t>
             </a:fld>
             <a:endParaRPr lang="en-US"/>
           </a:p>
@@ -313,7 +315,7 @@
     </p:spTree>
   </p:cSld>
   <p:clrMap bg1="lt1" tx1="dk1" bg2="lt2" tx2="dk2" accent1="accent1" accent2="accent2" accent3="accent3" accent4="accent4" accent5="accent5" accent6="accent6" hlink="hlink" folHlink="folHlink"/>
-  <p:hf hdr="0" dt="0"/>
+  <p:hf sldNum="0" hdr="0" ftr="0" dt="0"/>
 </p:handoutMaster>
 </file>
 
@@ -556,7 +558,7 @@
     </p:spTree>
   </p:cSld>
   <p:clrMap bg1="lt1" tx1="dk1" bg2="lt2" tx2="dk2" accent1="accent1" accent2="accent2" accent3="accent3" accent4="accent4" accent5="accent5" accent6="accent6" hlink="hlink" folHlink="folHlink"/>
-  <p:hf hdr="0" dt="0"/>
+  <p:hf sldNum="0" hdr="0" ftr="0" dt="0"/>
   <p:notesStyle>
     <a:lvl1pPr marL="0" algn="l" defTabSz="914400" rtl="0" eaLnBrk="1" latinLnBrk="0" hangingPunct="1">
       <a:defRPr sz="1200" kern="1200">
@@ -716,94 +718,6 @@
           </a:p>
         </p:txBody>
       </p:sp>
-      <p:sp>
-        <p:nvSpPr>
-          <p:cNvPr id="4" name="Slide Number Placeholder 3"/>
-          <p:cNvSpPr>
-            <a:spLocks noGrp="1"/>
-          </p:cNvSpPr>
-          <p:nvPr>
-            <p:ph type="sldNum" idx="10"/>
-          </p:nvPr>
-        </p:nvSpPr>
-        <p:spPr/>
-        <p:txBody>
-          <a:bodyPr/>
-          <a:lstStyle/>
-          <a:p>
-            <a:pPr algn="r"/>
-            <a:fld id="{F9BF6DCF-7198-4C65-B19A-2E9E01A88E5F}" type="slidenum">
-              <a:rPr lang="en-US" sz="1400" b="0" strike="noStrike" spc="-1" smtClean="0">
-                <a:solidFill>
-                  <a:srgbClr val="000000"/>
-                </a:solidFill>
-                <a:uFill>
-                  <a:solidFill>
-                    <a:srgbClr val="FFFFFF"/>
-                  </a:solidFill>
-                </a:uFill>
-                <a:latin typeface="Times New Roman"/>
-              </a:rPr>
-              <a:pPr algn="r"/>
-              <a:t>1</a:t>
-            </a:fld>
-            <a:endParaRPr lang="en-US" sz="1400" b="0" strike="noStrike" spc="-1">
-              <a:solidFill>
-                <a:srgbClr val="000000"/>
-              </a:solidFill>
-              <a:uFill>
-                <a:solidFill>
-                  <a:srgbClr val="FFFFFF"/>
-                </a:solidFill>
-              </a:uFill>
-              <a:latin typeface="Times New Roman"/>
-            </a:endParaRPr>
-          </a:p>
-        </p:txBody>
-      </p:sp>
-      <p:sp>
-        <p:nvSpPr>
-          <p:cNvPr id="5" name="Footer Placeholder 4"/>
-          <p:cNvSpPr>
-            <a:spLocks noGrp="1"/>
-          </p:cNvSpPr>
-          <p:nvPr>
-            <p:ph type="ftr" idx="11"/>
-          </p:nvPr>
-        </p:nvSpPr>
-        <p:spPr/>
-        <p:txBody>
-          <a:bodyPr/>
-          <a:lstStyle/>
-          <a:p>
-            <a:r>
-              <a:rPr lang="en-US" sz="1400" b="0" strike="noStrike" spc="-1" smtClean="0">
-                <a:solidFill>
-                  <a:srgbClr val="000000"/>
-                </a:solidFill>
-                <a:uFill>
-                  <a:solidFill>
-                    <a:srgbClr val="FFFFFF"/>
-                  </a:solidFill>
-                </a:uFill>
-                <a:latin typeface="Times New Roman"/>
-              </a:rPr>
-              <a:t>&lt;footer&gt;</a:t>
-            </a:r>
-            <a:endParaRPr lang="en-US" sz="1400" b="0" strike="noStrike" spc="-1">
-              <a:solidFill>
-                <a:srgbClr val="000000"/>
-              </a:solidFill>
-              <a:uFill>
-                <a:solidFill>
-                  <a:srgbClr val="FFFFFF"/>
-                </a:solidFill>
-              </a:uFill>
-              <a:latin typeface="Times New Roman"/>
-            </a:endParaRPr>
-          </a:p>
-        </p:txBody>
-      </p:sp>
     </p:spTree>
   </p:cSld>
   <p:clrMapOvr>
@@ -940,49 +854,6 @@
           </a:p>
         </p:txBody>
       </p:sp>
-      <p:sp>
-        <p:nvSpPr>
-          <p:cNvPr id="4" name="Footer Placeholder 3"/>
-          <p:cNvSpPr>
-            <a:spLocks noGrp="1"/>
-          </p:cNvSpPr>
-          <p:nvPr>
-            <p:ph type="ftr" idx="10"/>
-          </p:nvPr>
-        </p:nvSpPr>
-        <p:spPr/>
-        <p:txBody>
-          <a:bodyPr/>
-          <a:lstStyle/>
-          <a:p>
-            <a:r>
-              <a:rPr lang="en-US" sz="1400" b="0" strike="noStrike" spc="-1" smtClean="0">
-                <a:solidFill>
-                  <a:srgbClr val="000000"/>
-                </a:solidFill>
-                <a:uFill>
-                  <a:solidFill>
-                    <a:srgbClr val="FFFFFF"/>
-                  </a:solidFill>
-                </a:uFill>
-                <a:latin typeface="Times New Roman"/>
-              </a:rPr>
-              <a:t>&lt;footer&gt;</a:t>
-            </a:r>
-            <a:endParaRPr lang="en-US" sz="1400" b="0" strike="noStrike" spc="-1">
-              <a:solidFill>
-                <a:srgbClr val="000000"/>
-              </a:solidFill>
-              <a:uFill>
-                <a:solidFill>
-                  <a:srgbClr val="FFFFFF"/>
-                </a:solidFill>
-              </a:uFill>
-              <a:latin typeface="Times New Roman"/>
-            </a:endParaRPr>
-          </a:p>
-        </p:txBody>
-      </p:sp>
     </p:spTree>
   </p:cSld>
   <p:clrMapOvr>
@@ -1124,49 +995,6 @@
           </a:p>
         </p:txBody>
       </p:sp>
-      <p:sp>
-        <p:nvSpPr>
-          <p:cNvPr id="4" name="Footer Placeholder 3"/>
-          <p:cNvSpPr>
-            <a:spLocks noGrp="1"/>
-          </p:cNvSpPr>
-          <p:nvPr>
-            <p:ph type="ftr" idx="10"/>
-          </p:nvPr>
-        </p:nvSpPr>
-        <p:spPr/>
-        <p:txBody>
-          <a:bodyPr/>
-          <a:lstStyle/>
-          <a:p>
-            <a:r>
-              <a:rPr lang="en-US" sz="1400" b="0" strike="noStrike" spc="-1" smtClean="0">
-                <a:solidFill>
-                  <a:srgbClr val="000000"/>
-                </a:solidFill>
-                <a:uFill>
-                  <a:solidFill>
-                    <a:srgbClr val="FFFFFF"/>
-                  </a:solidFill>
-                </a:uFill>
-                <a:latin typeface="Times New Roman"/>
-              </a:rPr>
-              <a:t>&lt;footer&gt;</a:t>
-            </a:r>
-            <a:endParaRPr lang="en-US" sz="1400" b="0" strike="noStrike" spc="-1">
-              <a:solidFill>
-                <a:srgbClr val="000000"/>
-              </a:solidFill>
-              <a:uFill>
-                <a:solidFill>
-                  <a:srgbClr val="FFFFFF"/>
-                </a:solidFill>
-              </a:uFill>
-              <a:latin typeface="Times New Roman"/>
-            </a:endParaRPr>
-          </a:p>
-        </p:txBody>
-      </p:sp>
     </p:spTree>
   </p:cSld>
   <p:clrMapOvr>
@@ -1684,49 +1512,6 @@
           </a:p>
         </p:txBody>
       </p:sp>
-      <p:sp>
-        <p:nvSpPr>
-          <p:cNvPr id="4" name="Footer Placeholder 3"/>
-          <p:cNvSpPr>
-            <a:spLocks noGrp="1"/>
-          </p:cNvSpPr>
-          <p:nvPr>
-            <p:ph type="ftr" idx="10"/>
-          </p:nvPr>
-        </p:nvSpPr>
-        <p:spPr/>
-        <p:txBody>
-          <a:bodyPr/>
-          <a:lstStyle/>
-          <a:p>
-            <a:r>
-              <a:rPr lang="en-US" sz="1400" b="0" strike="noStrike" spc="-1" smtClean="0">
-                <a:solidFill>
-                  <a:srgbClr val="000000"/>
-                </a:solidFill>
-                <a:uFill>
-                  <a:solidFill>
-                    <a:srgbClr val="FFFFFF"/>
-                  </a:solidFill>
-                </a:uFill>
-                <a:latin typeface="Times New Roman"/>
-              </a:rPr>
-              <a:t>&lt;footer&gt;</a:t>
-            </a:r>
-            <a:endParaRPr lang="en-US" sz="1400" b="0" strike="noStrike" spc="-1">
-              <a:solidFill>
-                <a:srgbClr val="000000"/>
-              </a:solidFill>
-              <a:uFill>
-                <a:solidFill>
-                  <a:srgbClr val="FFFFFF"/>
-                </a:solidFill>
-              </a:uFill>
-              <a:latin typeface="Times New Roman"/>
-            </a:endParaRPr>
-          </a:p>
-        </p:txBody>
-      </p:sp>
     </p:spTree>
   </p:cSld>
   <p:clrMapOvr>
@@ -2244,49 +2029,6 @@
           </a:p>
         </p:txBody>
       </p:sp>
-      <p:sp>
-        <p:nvSpPr>
-          <p:cNvPr id="4" name="Footer Placeholder 3"/>
-          <p:cNvSpPr>
-            <a:spLocks noGrp="1"/>
-          </p:cNvSpPr>
-          <p:nvPr>
-            <p:ph type="ftr" idx="10"/>
-          </p:nvPr>
-        </p:nvSpPr>
-        <p:spPr/>
-        <p:txBody>
-          <a:bodyPr/>
-          <a:lstStyle/>
-          <a:p>
-            <a:r>
-              <a:rPr lang="en-US" sz="1400" b="0" strike="noStrike" spc="-1" smtClean="0">
-                <a:solidFill>
-                  <a:srgbClr val="000000"/>
-                </a:solidFill>
-                <a:uFill>
-                  <a:solidFill>
-                    <a:srgbClr val="FFFFFF"/>
-                  </a:solidFill>
-                </a:uFill>
-                <a:latin typeface="Times New Roman"/>
-              </a:rPr>
-              <a:t>&lt;footer&gt;</a:t>
-            </a:r>
-            <a:endParaRPr lang="en-US" sz="1400" b="0" strike="noStrike" spc="-1">
-              <a:solidFill>
-                <a:srgbClr val="000000"/>
-              </a:solidFill>
-              <a:uFill>
-                <a:solidFill>
-                  <a:srgbClr val="FFFFFF"/>
-                </a:solidFill>
-              </a:uFill>
-              <a:latin typeface="Times New Roman"/>
-            </a:endParaRPr>
-          </a:p>
-        </p:txBody>
-      </p:sp>
     </p:spTree>
   </p:cSld>
   <p:clrMapOvr>
@@ -2359,94 +2101,6 @@
           </a:p>
         </p:txBody>
       </p:sp>
-      <p:sp>
-        <p:nvSpPr>
-          <p:cNvPr id="4" name="Slide Number Placeholder 3"/>
-          <p:cNvSpPr>
-            <a:spLocks noGrp="1"/>
-          </p:cNvSpPr>
-          <p:nvPr>
-            <p:ph type="sldNum" idx="10"/>
-          </p:nvPr>
-        </p:nvSpPr>
-        <p:spPr/>
-        <p:txBody>
-          <a:bodyPr/>
-          <a:lstStyle/>
-          <a:p>
-            <a:pPr algn="r"/>
-            <a:fld id="{F9BF6DCF-7198-4C65-B19A-2E9E01A88E5F}" type="slidenum">
-              <a:rPr lang="en-US" sz="1400" b="0" strike="noStrike" spc="-1" smtClean="0">
-                <a:solidFill>
-                  <a:srgbClr val="000000"/>
-                </a:solidFill>
-                <a:uFill>
-                  <a:solidFill>
-                    <a:srgbClr val="FFFFFF"/>
-                  </a:solidFill>
-                </a:uFill>
-                <a:latin typeface="Times New Roman"/>
-              </a:rPr>
-              <a:pPr algn="r"/>
-              <a:t>2</a:t>
-            </a:fld>
-            <a:endParaRPr lang="en-US" sz="1400" b="0" strike="noStrike" spc="-1">
-              <a:solidFill>
-                <a:srgbClr val="000000"/>
-              </a:solidFill>
-              <a:uFill>
-                <a:solidFill>
-                  <a:srgbClr val="FFFFFF"/>
-                </a:solidFill>
-              </a:uFill>
-              <a:latin typeface="Times New Roman"/>
-            </a:endParaRPr>
-          </a:p>
-        </p:txBody>
-      </p:sp>
-      <p:sp>
-        <p:nvSpPr>
-          <p:cNvPr id="5" name="Footer Placeholder 4"/>
-          <p:cNvSpPr>
-            <a:spLocks noGrp="1"/>
-          </p:cNvSpPr>
-          <p:nvPr>
-            <p:ph type="ftr" idx="11"/>
-          </p:nvPr>
-        </p:nvSpPr>
-        <p:spPr/>
-        <p:txBody>
-          <a:bodyPr/>
-          <a:lstStyle/>
-          <a:p>
-            <a:r>
-              <a:rPr lang="en-US" sz="1400" b="0" strike="noStrike" spc="-1" smtClean="0">
-                <a:solidFill>
-                  <a:srgbClr val="000000"/>
-                </a:solidFill>
-                <a:uFill>
-                  <a:solidFill>
-                    <a:srgbClr val="FFFFFF"/>
-                  </a:solidFill>
-                </a:uFill>
-                <a:latin typeface="Times New Roman"/>
-              </a:rPr>
-              <a:t>&lt;footer&gt;</a:t>
-            </a:r>
-            <a:endParaRPr lang="en-US" sz="1400" b="0" strike="noStrike" spc="-1">
-              <a:solidFill>
-                <a:srgbClr val="000000"/>
-              </a:solidFill>
-              <a:uFill>
-                <a:solidFill>
-                  <a:srgbClr val="FFFFFF"/>
-                </a:solidFill>
-              </a:uFill>
-              <a:latin typeface="Times New Roman"/>
-            </a:endParaRPr>
-          </a:p>
-        </p:txBody>
-      </p:sp>
     </p:spTree>
   </p:cSld>
   <p:clrMapOvr>
@@ -2615,49 +2269,6 @@
           </a:p>
         </p:txBody>
       </p:sp>
-      <p:sp>
-        <p:nvSpPr>
-          <p:cNvPr id="4" name="Footer Placeholder 3"/>
-          <p:cNvSpPr>
-            <a:spLocks noGrp="1"/>
-          </p:cNvSpPr>
-          <p:nvPr>
-            <p:ph type="ftr" idx="10"/>
-          </p:nvPr>
-        </p:nvSpPr>
-        <p:spPr/>
-        <p:txBody>
-          <a:bodyPr/>
-          <a:lstStyle/>
-          <a:p>
-            <a:r>
-              <a:rPr lang="en-US" sz="1400" b="0" strike="noStrike" spc="-1" smtClean="0">
-                <a:solidFill>
-                  <a:srgbClr val="000000"/>
-                </a:solidFill>
-                <a:uFill>
-                  <a:solidFill>
-                    <a:srgbClr val="FFFFFF"/>
-                  </a:solidFill>
-                </a:uFill>
-                <a:latin typeface="Times New Roman"/>
-              </a:rPr>
-              <a:t>&lt;footer&gt;</a:t>
-            </a:r>
-            <a:endParaRPr lang="en-US" sz="1400" b="0" strike="noStrike" spc="-1">
-              <a:solidFill>
-                <a:srgbClr val="000000"/>
-              </a:solidFill>
-              <a:uFill>
-                <a:solidFill>
-                  <a:srgbClr val="FFFFFF"/>
-                </a:solidFill>
-              </a:uFill>
-              <a:latin typeface="Times New Roman"/>
-            </a:endParaRPr>
-          </a:p>
-        </p:txBody>
-      </p:sp>
     </p:spTree>
   </p:cSld>
   <p:clrMapOvr>
@@ -2734,94 +2345,6 @@
           </a:p>
         </p:txBody>
       </p:sp>
-      <p:sp>
-        <p:nvSpPr>
-          <p:cNvPr id="4" name="Slide Number Placeholder 3"/>
-          <p:cNvSpPr>
-            <a:spLocks noGrp="1"/>
-          </p:cNvSpPr>
-          <p:nvPr>
-            <p:ph type="sldNum" idx="10"/>
-          </p:nvPr>
-        </p:nvSpPr>
-        <p:spPr/>
-        <p:txBody>
-          <a:bodyPr/>
-          <a:lstStyle/>
-          <a:p>
-            <a:pPr algn="r"/>
-            <a:fld id="{F9BF6DCF-7198-4C65-B19A-2E9E01A88E5F}" type="slidenum">
-              <a:rPr lang="en-US" sz="1400" b="0" strike="noStrike" spc="-1" smtClean="0">
-                <a:solidFill>
-                  <a:srgbClr val="000000"/>
-                </a:solidFill>
-                <a:uFill>
-                  <a:solidFill>
-                    <a:srgbClr val="FFFFFF"/>
-                  </a:solidFill>
-                </a:uFill>
-                <a:latin typeface="Times New Roman"/>
-              </a:rPr>
-              <a:pPr algn="r"/>
-              <a:t>16</a:t>
-            </a:fld>
-            <a:endParaRPr lang="en-US" sz="1400" b="0" strike="noStrike" spc="-1">
-              <a:solidFill>
-                <a:srgbClr val="000000"/>
-              </a:solidFill>
-              <a:uFill>
-                <a:solidFill>
-                  <a:srgbClr val="FFFFFF"/>
-                </a:solidFill>
-              </a:uFill>
-              <a:latin typeface="Times New Roman"/>
-            </a:endParaRPr>
-          </a:p>
-        </p:txBody>
-      </p:sp>
-      <p:sp>
-        <p:nvSpPr>
-          <p:cNvPr id="5" name="Footer Placeholder 4"/>
-          <p:cNvSpPr>
-            <a:spLocks noGrp="1"/>
-          </p:cNvSpPr>
-          <p:nvPr>
-            <p:ph type="ftr" idx="11"/>
-          </p:nvPr>
-        </p:nvSpPr>
-        <p:spPr/>
-        <p:txBody>
-          <a:bodyPr/>
-          <a:lstStyle/>
-          <a:p>
-            <a:r>
-              <a:rPr lang="en-US" sz="1400" b="0" strike="noStrike" spc="-1" smtClean="0">
-                <a:solidFill>
-                  <a:srgbClr val="000000"/>
-                </a:solidFill>
-                <a:uFill>
-                  <a:solidFill>
-                    <a:srgbClr val="FFFFFF"/>
-                  </a:solidFill>
-                </a:uFill>
-                <a:latin typeface="Times New Roman"/>
-              </a:rPr>
-              <a:t>&lt;footer&gt;</a:t>
-            </a:r>
-            <a:endParaRPr lang="en-US" sz="1400" b="0" strike="noStrike" spc="-1">
-              <a:solidFill>
-                <a:srgbClr val="000000"/>
-              </a:solidFill>
-              <a:uFill>
-                <a:solidFill>
-                  <a:srgbClr val="FFFFFF"/>
-                </a:solidFill>
-              </a:uFill>
-              <a:latin typeface="Times New Roman"/>
-            </a:endParaRPr>
-          </a:p>
-        </p:txBody>
-      </p:sp>
     </p:spTree>
   </p:cSld>
   <p:clrMapOvr>
@@ -3060,49 +2583,6 @@
           </a:p>
         </p:txBody>
       </p:sp>
-      <p:sp>
-        <p:nvSpPr>
-          <p:cNvPr id="4" name="Footer Placeholder 3"/>
-          <p:cNvSpPr>
-            <a:spLocks noGrp="1"/>
-          </p:cNvSpPr>
-          <p:nvPr>
-            <p:ph type="ftr" idx="10"/>
-          </p:nvPr>
-        </p:nvSpPr>
-        <p:spPr/>
-        <p:txBody>
-          <a:bodyPr/>
-          <a:lstStyle/>
-          <a:p>
-            <a:r>
-              <a:rPr lang="en-US" sz="1400" b="0" strike="noStrike" spc="-1" smtClean="0">
-                <a:solidFill>
-                  <a:srgbClr val="000000"/>
-                </a:solidFill>
-                <a:uFill>
-                  <a:solidFill>
-                    <a:srgbClr val="FFFFFF"/>
-                  </a:solidFill>
-                </a:uFill>
-                <a:latin typeface="Times New Roman"/>
-              </a:rPr>
-              <a:t>&lt;footer&gt;</a:t>
-            </a:r>
-            <a:endParaRPr lang="en-US" sz="1400" b="0" strike="noStrike" spc="-1">
-              <a:solidFill>
-                <a:srgbClr val="000000"/>
-              </a:solidFill>
-              <a:uFill>
-                <a:solidFill>
-                  <a:srgbClr val="FFFFFF"/>
-                </a:solidFill>
-              </a:uFill>
-              <a:latin typeface="Times New Roman"/>
-            </a:endParaRPr>
-          </a:p>
-        </p:txBody>
-      </p:sp>
     </p:spTree>
   </p:cSld>
   <p:clrMapOvr>
@@ -3239,49 +2719,6 @@
           </a:p>
         </p:txBody>
       </p:sp>
-      <p:sp>
-        <p:nvSpPr>
-          <p:cNvPr id="4" name="Footer Placeholder 3"/>
-          <p:cNvSpPr>
-            <a:spLocks noGrp="1"/>
-          </p:cNvSpPr>
-          <p:nvPr>
-            <p:ph type="ftr" idx="10"/>
-          </p:nvPr>
-        </p:nvSpPr>
-        <p:spPr/>
-        <p:txBody>
-          <a:bodyPr/>
-          <a:lstStyle/>
-          <a:p>
-            <a:r>
-              <a:rPr lang="en-US" sz="1400" b="0" strike="noStrike" spc="-1" smtClean="0">
-                <a:solidFill>
-                  <a:srgbClr val="000000"/>
-                </a:solidFill>
-                <a:uFill>
-                  <a:solidFill>
-                    <a:srgbClr val="FFFFFF"/>
-                  </a:solidFill>
-                </a:uFill>
-                <a:latin typeface="Times New Roman"/>
-              </a:rPr>
-              <a:t>&lt;footer&gt;</a:t>
-            </a:r>
-            <a:endParaRPr lang="en-US" sz="1400" b="0" strike="noStrike" spc="-1">
-              <a:solidFill>
-                <a:srgbClr val="000000"/>
-              </a:solidFill>
-              <a:uFill>
-                <a:solidFill>
-                  <a:srgbClr val="FFFFFF"/>
-                </a:solidFill>
-              </a:uFill>
-              <a:latin typeface="Times New Roman"/>
-            </a:endParaRPr>
-          </a:p>
-        </p:txBody>
-      </p:sp>
     </p:spTree>
   </p:cSld>
   <p:clrMapOvr>
@@ -3418,49 +2855,6 @@
           </a:p>
         </p:txBody>
       </p:sp>
-      <p:sp>
-        <p:nvSpPr>
-          <p:cNvPr id="4" name="Footer Placeholder 3"/>
-          <p:cNvSpPr>
-            <a:spLocks noGrp="1"/>
-          </p:cNvSpPr>
-          <p:nvPr>
-            <p:ph type="ftr" idx="10"/>
-          </p:nvPr>
-        </p:nvSpPr>
-        <p:spPr/>
-        <p:txBody>
-          <a:bodyPr/>
-          <a:lstStyle/>
-          <a:p>
-            <a:r>
-              <a:rPr lang="en-US" sz="1400" b="0" strike="noStrike" spc="-1" smtClean="0">
-                <a:solidFill>
-                  <a:srgbClr val="000000"/>
-                </a:solidFill>
-                <a:uFill>
-                  <a:solidFill>
-                    <a:srgbClr val="FFFFFF"/>
-                  </a:solidFill>
-                </a:uFill>
-                <a:latin typeface="Times New Roman"/>
-              </a:rPr>
-              <a:t>&lt;footer&gt;</a:t>
-            </a:r>
-            <a:endParaRPr lang="en-US" sz="1400" b="0" strike="noStrike" spc="-1">
-              <a:solidFill>
-                <a:srgbClr val="000000"/>
-              </a:solidFill>
-              <a:uFill>
-                <a:solidFill>
-                  <a:srgbClr val="FFFFFF"/>
-                </a:solidFill>
-              </a:uFill>
-              <a:latin typeface="Times New Roman"/>
-            </a:endParaRPr>
-          </a:p>
-        </p:txBody>
-      </p:sp>
     </p:spTree>
   </p:cSld>
   <p:clrMapOvr>
@@ -3600,49 +2994,6 @@
           </a:p>
         </p:txBody>
       </p:sp>
-      <p:sp>
-        <p:nvSpPr>
-          <p:cNvPr id="4" name="Footer Placeholder 3"/>
-          <p:cNvSpPr>
-            <a:spLocks noGrp="1"/>
-          </p:cNvSpPr>
-          <p:nvPr>
-            <p:ph type="ftr" idx="10"/>
-          </p:nvPr>
-        </p:nvSpPr>
-        <p:spPr/>
-        <p:txBody>
-          <a:bodyPr/>
-          <a:lstStyle/>
-          <a:p>
-            <a:r>
-              <a:rPr lang="en-US" sz="1400" b="0" strike="noStrike" spc="-1" smtClean="0">
-                <a:solidFill>
-                  <a:srgbClr val="000000"/>
-                </a:solidFill>
-                <a:uFill>
-                  <a:solidFill>
-                    <a:srgbClr val="FFFFFF"/>
-                  </a:solidFill>
-                </a:uFill>
-                <a:latin typeface="Times New Roman"/>
-              </a:rPr>
-              <a:t>&lt;footer&gt;</a:t>
-            </a:r>
-            <a:endParaRPr lang="en-US" sz="1400" b="0" strike="noStrike" spc="-1">
-              <a:solidFill>
-                <a:srgbClr val="000000"/>
-              </a:solidFill>
-              <a:uFill>
-                <a:solidFill>
-                  <a:srgbClr val="FFFFFF"/>
-                </a:solidFill>
-              </a:uFill>
-              <a:latin typeface="Times New Roman"/>
-            </a:endParaRPr>
-          </a:p>
-        </p:txBody>
-      </p:sp>
     </p:spTree>
   </p:cSld>
   <p:clrMapOvr>
@@ -4074,49 +3425,6 @@
           </a:p>
         </p:txBody>
       </p:sp>
-      <p:sp>
-        <p:nvSpPr>
-          <p:cNvPr id="4" name="Footer Placeholder 3"/>
-          <p:cNvSpPr>
-            <a:spLocks noGrp="1"/>
-          </p:cNvSpPr>
-          <p:nvPr>
-            <p:ph type="ftr" idx="10"/>
-          </p:nvPr>
-        </p:nvSpPr>
-        <p:spPr/>
-        <p:txBody>
-          <a:bodyPr/>
-          <a:lstStyle/>
-          <a:p>
-            <a:r>
-              <a:rPr lang="en-US" sz="1400" b="0" strike="noStrike" spc="-1" smtClean="0">
-                <a:solidFill>
-                  <a:srgbClr val="000000"/>
-                </a:solidFill>
-                <a:uFill>
-                  <a:solidFill>
-                    <a:srgbClr val="FFFFFF"/>
-                  </a:solidFill>
-                </a:uFill>
-                <a:latin typeface="Times New Roman"/>
-              </a:rPr>
-              <a:t>&lt;footer&gt;</a:t>
-            </a:r>
-            <a:endParaRPr lang="en-US" sz="1400" b="0" strike="noStrike" spc="-1">
-              <a:solidFill>
-                <a:srgbClr val="000000"/>
-              </a:solidFill>
-              <a:uFill>
-                <a:solidFill>
-                  <a:srgbClr val="FFFFFF"/>
-                </a:solidFill>
-              </a:uFill>
-              <a:latin typeface="Times New Roman"/>
-            </a:endParaRPr>
-          </a:p>
-        </p:txBody>
-      </p:sp>
     </p:spTree>
   </p:cSld>
   <p:clrMapOvr>
@@ -4126,7 +3434,7 @@
 </file>
 
 <file path=ppt/slideLayouts/slideLayout1.xml><?xml version="1.0" encoding="utf-8"?>
-<p:sldLayout xmlns:a="http://schemas.openxmlformats.org/drawingml/2006/main" xmlns:r="http://schemas.openxmlformats.org/officeDocument/2006/relationships" xmlns:p="http://schemas.openxmlformats.org/presentationml/2006/main" type="blank" preserve="1">
+<p:sldLayout xmlns:a="http://schemas.openxmlformats.org/drawingml/2006/main" xmlns:r="http://schemas.openxmlformats.org/officeDocument/2006/relationships" xmlns:p="http://schemas.openxmlformats.org/presentationml/2006/main" showMasterSp="0" preserve="1" userDrawn="1">
   <p:cSld name="Blank Slide">
     <p:spTree>
       <p:nvGrpSpPr>
@@ -4142,6 +3450,30 @@
           <a:chExt cx="0" cy="0"/>
         </a:xfrm>
       </p:grpSpPr>
+      <p:sp>
+        <p:nvSpPr>
+          <p:cNvPr id="6" name="Slide Number Placeholder 5"/>
+          <p:cNvSpPr>
+            <a:spLocks noGrp="1"/>
+          </p:cNvSpPr>
+          <p:nvPr>
+            <p:ph type="sldNum" sz="quarter" idx="11"/>
+          </p:nvPr>
+        </p:nvSpPr>
+        <p:spPr/>
+        <p:txBody>
+          <a:bodyPr/>
+          <a:lstStyle/>
+          <a:p>
+            <a:fld id="{47153B73-58A7-42AB-9D8C-3E8AB3A435E1}" type="slidenum">
+              <a:rPr lang="en-US" smtClean="0"/>
+              <a:pPr/>
+              <a:t>‹#›</a:t>
+            </a:fld>
+            <a:endParaRPr lang="en-US"/>
+          </a:p>
+        </p:txBody>
+      </p:sp>
     </p:spTree>
   </p:cSld>
   <p:clrMapOvr>
@@ -4151,7 +3483,7 @@
 </file>
 
 <file path=ppt/slideLayouts/slideLayout10.xml><?xml version="1.0" encoding="utf-8"?>
-<p:sldLayout xmlns:a="http://schemas.openxmlformats.org/drawingml/2006/main" xmlns:r="http://schemas.openxmlformats.org/officeDocument/2006/relationships" xmlns:p="http://schemas.openxmlformats.org/presentationml/2006/main" type="objOverTx" preserve="1">
+<p:sldLayout xmlns:a="http://schemas.openxmlformats.org/drawingml/2006/main" xmlns:r="http://schemas.openxmlformats.org/officeDocument/2006/relationships" xmlns:p="http://schemas.openxmlformats.org/presentationml/2006/main" showMasterSp="0" type="objOverTx" preserve="1">
   <p:cSld name="Title, Content over Content">
     <p:spTree>
       <p:nvGrpSpPr>
@@ -4279,6 +3611,30 @@
           </a:p>
         </p:txBody>
       </p:sp>
+      <p:sp>
+        <p:nvSpPr>
+          <p:cNvPr id="5" name="Slide Number Placeholder 4"/>
+          <p:cNvSpPr>
+            <a:spLocks noGrp="1"/>
+          </p:cNvSpPr>
+          <p:nvPr>
+            <p:ph type="sldNum" sz="quarter" idx="10"/>
+          </p:nvPr>
+        </p:nvSpPr>
+        <p:spPr/>
+        <p:txBody>
+          <a:bodyPr/>
+          <a:lstStyle/>
+          <a:p>
+            <a:fld id="{47153B73-58A7-42AB-9D8C-3E8AB3A435E1}" type="slidenum">
+              <a:rPr lang="en-US" smtClean="0"/>
+              <a:pPr/>
+              <a:t>‹#›</a:t>
+            </a:fld>
+            <a:endParaRPr lang="en-US"/>
+          </a:p>
+        </p:txBody>
+      </p:sp>
     </p:spTree>
   </p:cSld>
   <p:clrMapOvr>
@@ -4288,7 +3644,7 @@
 </file>
 
 <file path=ppt/slideLayouts/slideLayout11.xml><?xml version="1.0" encoding="utf-8"?>
-<p:sldLayout xmlns:a="http://schemas.openxmlformats.org/drawingml/2006/main" xmlns:r="http://schemas.openxmlformats.org/officeDocument/2006/relationships" xmlns:p="http://schemas.openxmlformats.org/presentationml/2006/main" type="fourObj" preserve="1">
+<p:sldLayout xmlns:a="http://schemas.openxmlformats.org/drawingml/2006/main" xmlns:r="http://schemas.openxmlformats.org/officeDocument/2006/relationships" xmlns:p="http://schemas.openxmlformats.org/presentationml/2006/main" showMasterSp="0" type="fourObj" preserve="1">
   <p:cSld name="Title, 4 Content">
     <p:spTree>
       <p:nvGrpSpPr>
@@ -4490,6 +3846,30 @@
           </a:p>
         </p:txBody>
       </p:sp>
+      <p:sp>
+        <p:nvSpPr>
+          <p:cNvPr id="7" name="Slide Number Placeholder 6"/>
+          <p:cNvSpPr>
+            <a:spLocks noGrp="1"/>
+          </p:cNvSpPr>
+          <p:nvPr>
+            <p:ph type="sldNum" sz="quarter" idx="10"/>
+          </p:nvPr>
+        </p:nvSpPr>
+        <p:spPr/>
+        <p:txBody>
+          <a:bodyPr/>
+          <a:lstStyle/>
+          <a:p>
+            <a:fld id="{47153B73-58A7-42AB-9D8C-3E8AB3A435E1}" type="slidenum">
+              <a:rPr lang="en-US" smtClean="0"/>
+              <a:pPr/>
+              <a:t>‹#›</a:t>
+            </a:fld>
+            <a:endParaRPr lang="en-US"/>
+          </a:p>
+        </p:txBody>
+      </p:sp>
     </p:spTree>
   </p:cSld>
   <p:clrMapOvr>
@@ -4499,7 +3879,7 @@
 </file>
 
 <file path=ppt/slideLayouts/slideLayout12.xml><?xml version="1.0" encoding="utf-8"?>
-<p:sldLayout xmlns:a="http://schemas.openxmlformats.org/drawingml/2006/main" xmlns:r="http://schemas.openxmlformats.org/officeDocument/2006/relationships" xmlns:p="http://schemas.openxmlformats.org/presentationml/2006/main" type="blank" preserve="1">
+<p:sldLayout xmlns:a="http://schemas.openxmlformats.org/drawingml/2006/main" xmlns:r="http://schemas.openxmlformats.org/officeDocument/2006/relationships" xmlns:p="http://schemas.openxmlformats.org/presentationml/2006/main" showMasterSp="0" type="blank" preserve="1">
   <p:cSld name="Title, 6 Content">
     <p:spTree>
       <p:nvGrpSpPr>
@@ -4673,6 +4053,30 @@
           </a:ln>
         </p:spPr>
       </p:pic>
+      <p:sp>
+        <p:nvSpPr>
+          <p:cNvPr id="7" name="Slide Number Placeholder 6"/>
+          <p:cNvSpPr>
+            <a:spLocks noGrp="1"/>
+          </p:cNvSpPr>
+          <p:nvPr>
+            <p:ph type="sldNum" sz="quarter" idx="10"/>
+          </p:nvPr>
+        </p:nvSpPr>
+        <p:spPr/>
+        <p:txBody>
+          <a:bodyPr/>
+          <a:lstStyle/>
+          <a:p>
+            <a:fld id="{47153B73-58A7-42AB-9D8C-3E8AB3A435E1}" type="slidenum">
+              <a:rPr lang="en-US" smtClean="0"/>
+              <a:pPr/>
+              <a:t>‹#›</a:t>
+            </a:fld>
+            <a:endParaRPr lang="en-US"/>
+          </a:p>
+        </p:txBody>
+      </p:sp>
     </p:spTree>
   </p:cSld>
   <p:clrMapOvr>
@@ -4682,7 +4086,7 @@
 </file>
 
 <file path=ppt/slideLayouts/slideLayout13.xml><?xml version="1.0" encoding="utf-8"?>
-<p:sldLayout xmlns:a="http://schemas.openxmlformats.org/drawingml/2006/main" xmlns:r="http://schemas.openxmlformats.org/officeDocument/2006/relationships" xmlns:p="http://schemas.openxmlformats.org/presentationml/2006/main" type="blank" preserve="1">
+<p:sldLayout xmlns:a="http://schemas.openxmlformats.org/drawingml/2006/main" xmlns:r="http://schemas.openxmlformats.org/officeDocument/2006/relationships" xmlns:p="http://schemas.openxmlformats.org/presentationml/2006/main" showMasterSp="0" type="blank" preserve="1">
   <p:cSld name="Blank Slide">
     <p:spTree>
       <p:nvGrpSpPr>
@@ -4698,6 +4102,30 @@
           <a:chExt cx="0" cy="0"/>
         </a:xfrm>
       </p:grpSpPr>
+      <p:sp>
+        <p:nvSpPr>
+          <p:cNvPr id="2" name="Slide Number Placeholder 1"/>
+          <p:cNvSpPr>
+            <a:spLocks noGrp="1"/>
+          </p:cNvSpPr>
+          <p:nvPr>
+            <p:ph type="sldNum" sz="quarter" idx="10"/>
+          </p:nvPr>
+        </p:nvSpPr>
+        <p:spPr/>
+        <p:txBody>
+          <a:bodyPr/>
+          <a:lstStyle/>
+          <a:p>
+            <a:fld id="{18F6FF48-2AB7-4F1E-BE21-839A6DC33C1E}" type="slidenum">
+              <a:rPr lang="en-US" smtClean="0"/>
+              <a:pPr/>
+              <a:t>‹#›</a:t>
+            </a:fld>
+            <a:endParaRPr lang="en-US"/>
+          </a:p>
+        </p:txBody>
+      </p:sp>
     </p:spTree>
   </p:cSld>
   <p:clrMapOvr>
@@ -4707,7 +4135,7 @@
 </file>
 
 <file path=ppt/slideLayouts/slideLayout14.xml><?xml version="1.0" encoding="utf-8"?>
-<p:sldLayout xmlns:a="http://schemas.openxmlformats.org/drawingml/2006/main" xmlns:r="http://schemas.openxmlformats.org/officeDocument/2006/relationships" xmlns:p="http://schemas.openxmlformats.org/presentationml/2006/main" type="tx" preserve="1">
+<p:sldLayout xmlns:a="http://schemas.openxmlformats.org/drawingml/2006/main" xmlns:r="http://schemas.openxmlformats.org/officeDocument/2006/relationships" xmlns:p="http://schemas.openxmlformats.org/presentationml/2006/main" showMasterSp="0" type="tx" preserve="1">
   <p:cSld name="Title Slide">
     <p:spTree>
       <p:nvGrpSpPr>
@@ -4799,6 +4227,30 @@
           </a:p>
         </p:txBody>
       </p:sp>
+      <p:sp>
+        <p:nvSpPr>
+          <p:cNvPr id="4" name="Slide Number Placeholder 3"/>
+          <p:cNvSpPr>
+            <a:spLocks noGrp="1"/>
+          </p:cNvSpPr>
+          <p:nvPr>
+            <p:ph type="sldNum" sz="quarter" idx="10"/>
+          </p:nvPr>
+        </p:nvSpPr>
+        <p:spPr/>
+        <p:txBody>
+          <a:bodyPr/>
+          <a:lstStyle/>
+          <a:p>
+            <a:fld id="{18F6FF48-2AB7-4F1E-BE21-839A6DC33C1E}" type="slidenum">
+              <a:rPr lang="en-US" smtClean="0"/>
+              <a:pPr/>
+              <a:t>‹#›</a:t>
+            </a:fld>
+            <a:endParaRPr lang="en-US"/>
+          </a:p>
+        </p:txBody>
+      </p:sp>
     </p:spTree>
   </p:cSld>
   <p:clrMapOvr>
@@ -4808,7 +4260,7 @@
 </file>
 
 <file path=ppt/slideLayouts/slideLayout15.xml><?xml version="1.0" encoding="utf-8"?>
-<p:sldLayout xmlns:a="http://schemas.openxmlformats.org/drawingml/2006/main" xmlns:r="http://schemas.openxmlformats.org/officeDocument/2006/relationships" xmlns:p="http://schemas.openxmlformats.org/presentationml/2006/main" type="obj" preserve="1">
+<p:sldLayout xmlns:a="http://schemas.openxmlformats.org/drawingml/2006/main" xmlns:r="http://schemas.openxmlformats.org/officeDocument/2006/relationships" xmlns:p="http://schemas.openxmlformats.org/presentationml/2006/main" showMasterSp="0" type="obj" preserve="1">
   <p:cSld name="Title, Content">
     <p:spTree>
       <p:nvGrpSpPr>
@@ -4899,6 +4351,30 @@
           </a:p>
         </p:txBody>
       </p:sp>
+      <p:sp>
+        <p:nvSpPr>
+          <p:cNvPr id="4" name="Slide Number Placeholder 3"/>
+          <p:cNvSpPr>
+            <a:spLocks noGrp="1"/>
+          </p:cNvSpPr>
+          <p:nvPr>
+            <p:ph type="sldNum" sz="quarter" idx="10"/>
+          </p:nvPr>
+        </p:nvSpPr>
+        <p:spPr/>
+        <p:txBody>
+          <a:bodyPr/>
+          <a:lstStyle/>
+          <a:p>
+            <a:fld id="{18F6FF48-2AB7-4F1E-BE21-839A6DC33C1E}" type="slidenum">
+              <a:rPr lang="en-US" smtClean="0"/>
+              <a:pPr/>
+              <a:t>‹#›</a:t>
+            </a:fld>
+            <a:endParaRPr lang="en-US"/>
+          </a:p>
+        </p:txBody>
+      </p:sp>
     </p:spTree>
   </p:cSld>
   <p:clrMapOvr>
@@ -4908,7 +4384,7 @@
 </file>
 
 <file path=ppt/slideLayouts/slideLayout16.xml><?xml version="1.0" encoding="utf-8"?>
-<p:sldLayout xmlns:a="http://schemas.openxmlformats.org/drawingml/2006/main" xmlns:r="http://schemas.openxmlformats.org/officeDocument/2006/relationships" xmlns:p="http://schemas.openxmlformats.org/presentationml/2006/main" type="twoObj" preserve="1">
+<p:sldLayout xmlns:a="http://schemas.openxmlformats.org/drawingml/2006/main" xmlns:r="http://schemas.openxmlformats.org/officeDocument/2006/relationships" xmlns:p="http://schemas.openxmlformats.org/presentationml/2006/main" showMasterSp="0" type="twoObj" preserve="1">
   <p:cSld name="Title, 2 Content">
     <p:spTree>
       <p:nvGrpSpPr>
@@ -5036,6 +4512,30 @@
           </a:p>
         </p:txBody>
       </p:sp>
+      <p:sp>
+        <p:nvSpPr>
+          <p:cNvPr id="5" name="Slide Number Placeholder 4"/>
+          <p:cNvSpPr>
+            <a:spLocks noGrp="1"/>
+          </p:cNvSpPr>
+          <p:nvPr>
+            <p:ph type="sldNum" sz="quarter" idx="10"/>
+          </p:nvPr>
+        </p:nvSpPr>
+        <p:spPr/>
+        <p:txBody>
+          <a:bodyPr/>
+          <a:lstStyle/>
+          <a:p>
+            <a:fld id="{18F6FF48-2AB7-4F1E-BE21-839A6DC33C1E}" type="slidenum">
+              <a:rPr lang="en-US" smtClean="0"/>
+              <a:pPr/>
+              <a:t>‹#›</a:t>
+            </a:fld>
+            <a:endParaRPr lang="en-US"/>
+          </a:p>
+        </p:txBody>
+      </p:sp>
     </p:spTree>
   </p:cSld>
   <p:clrMapOvr>
@@ -5045,7 +4545,7 @@
 </file>
 
 <file path=ppt/slideLayouts/slideLayout17.xml><?xml version="1.0" encoding="utf-8"?>
-<p:sldLayout xmlns:a="http://schemas.openxmlformats.org/drawingml/2006/main" xmlns:r="http://schemas.openxmlformats.org/officeDocument/2006/relationships" xmlns:p="http://schemas.openxmlformats.org/presentationml/2006/main" type="titleOnly" preserve="1">
+<p:sldLayout xmlns:a="http://schemas.openxmlformats.org/drawingml/2006/main" xmlns:r="http://schemas.openxmlformats.org/officeDocument/2006/relationships" xmlns:p="http://schemas.openxmlformats.org/presentationml/2006/main" showMasterSp="0" type="titleOnly" preserve="1">
   <p:cSld name="Title Only">
     <p:spTree>
       <p:nvGrpSpPr>
@@ -5099,6 +4599,30 @@
           </a:p>
         </p:txBody>
       </p:sp>
+      <p:sp>
+        <p:nvSpPr>
+          <p:cNvPr id="3" name="Slide Number Placeholder 2"/>
+          <p:cNvSpPr>
+            <a:spLocks noGrp="1"/>
+          </p:cNvSpPr>
+          <p:nvPr>
+            <p:ph type="sldNum" sz="quarter" idx="10"/>
+          </p:nvPr>
+        </p:nvSpPr>
+        <p:spPr/>
+        <p:txBody>
+          <a:bodyPr/>
+          <a:lstStyle/>
+          <a:p>
+            <a:fld id="{18F6FF48-2AB7-4F1E-BE21-839A6DC33C1E}" type="slidenum">
+              <a:rPr lang="en-US" smtClean="0"/>
+              <a:pPr/>
+              <a:t>‹#›</a:t>
+            </a:fld>
+            <a:endParaRPr lang="en-US"/>
+          </a:p>
+        </p:txBody>
+      </p:sp>
     </p:spTree>
   </p:cSld>
   <p:clrMapOvr>
@@ -5108,7 +4632,7 @@
 </file>
 
 <file path=ppt/slideLayouts/slideLayout18.xml><?xml version="1.0" encoding="utf-8"?>
-<p:sldLayout xmlns:a="http://schemas.openxmlformats.org/drawingml/2006/main" xmlns:r="http://schemas.openxmlformats.org/officeDocument/2006/relationships" xmlns:p="http://schemas.openxmlformats.org/presentationml/2006/main" type="objOnly" preserve="1">
+<p:sldLayout xmlns:a="http://schemas.openxmlformats.org/drawingml/2006/main" xmlns:r="http://schemas.openxmlformats.org/officeDocument/2006/relationships" xmlns:p="http://schemas.openxmlformats.org/presentationml/2006/main" showMasterSp="0" type="objOnly" preserve="1">
   <p:cSld name="Centered Text">
     <p:spTree>
       <p:nvGrpSpPr>
@@ -5162,6 +4686,30 @@
           </a:p>
         </p:txBody>
       </p:sp>
+      <p:sp>
+        <p:nvSpPr>
+          <p:cNvPr id="3" name="Slide Number Placeholder 2"/>
+          <p:cNvSpPr>
+            <a:spLocks noGrp="1"/>
+          </p:cNvSpPr>
+          <p:nvPr>
+            <p:ph type="sldNum" sz="quarter" idx="10"/>
+          </p:nvPr>
+        </p:nvSpPr>
+        <p:spPr/>
+        <p:txBody>
+          <a:bodyPr/>
+          <a:lstStyle/>
+          <a:p>
+            <a:fld id="{18F6FF48-2AB7-4F1E-BE21-839A6DC33C1E}" type="slidenum">
+              <a:rPr lang="en-US" smtClean="0"/>
+              <a:pPr/>
+              <a:t>‹#›</a:t>
+            </a:fld>
+            <a:endParaRPr lang="en-US"/>
+          </a:p>
+        </p:txBody>
+      </p:sp>
     </p:spTree>
   </p:cSld>
   <p:clrMapOvr>
@@ -5171,7 +4719,7 @@
 </file>
 
 <file path=ppt/slideLayouts/slideLayout19.xml><?xml version="1.0" encoding="utf-8"?>
-<p:sldLayout xmlns:a="http://schemas.openxmlformats.org/drawingml/2006/main" xmlns:r="http://schemas.openxmlformats.org/officeDocument/2006/relationships" xmlns:p="http://schemas.openxmlformats.org/presentationml/2006/main" type="twoObjAndObj" preserve="1">
+<p:sldLayout xmlns:a="http://schemas.openxmlformats.org/drawingml/2006/main" xmlns:r="http://schemas.openxmlformats.org/officeDocument/2006/relationships" xmlns:p="http://schemas.openxmlformats.org/presentationml/2006/main" showMasterSp="0" type="twoObjAndObj" preserve="1">
   <p:cSld name="Title, 2 Content and Content">
     <p:spTree>
       <p:nvGrpSpPr>
@@ -5336,6 +4884,30 @@
           </a:p>
         </p:txBody>
       </p:sp>
+      <p:sp>
+        <p:nvSpPr>
+          <p:cNvPr id="6" name="Slide Number Placeholder 5"/>
+          <p:cNvSpPr>
+            <a:spLocks noGrp="1"/>
+          </p:cNvSpPr>
+          <p:nvPr>
+            <p:ph type="sldNum" sz="quarter" idx="10"/>
+          </p:nvPr>
+        </p:nvSpPr>
+        <p:spPr/>
+        <p:txBody>
+          <a:bodyPr/>
+          <a:lstStyle/>
+          <a:p>
+            <a:fld id="{18F6FF48-2AB7-4F1E-BE21-839A6DC33C1E}" type="slidenum">
+              <a:rPr lang="en-US" smtClean="0"/>
+              <a:pPr/>
+              <a:t>‹#›</a:t>
+            </a:fld>
+            <a:endParaRPr lang="en-US"/>
+          </a:p>
+        </p:txBody>
+      </p:sp>
     </p:spTree>
   </p:cSld>
   <p:clrMapOvr>
@@ -5345,7 +4917,7 @@
 </file>
 
 <file path=ppt/slideLayouts/slideLayout2.xml><?xml version="1.0" encoding="utf-8"?>
-<p:sldLayout xmlns:a="http://schemas.openxmlformats.org/drawingml/2006/main" xmlns:r="http://schemas.openxmlformats.org/officeDocument/2006/relationships" xmlns:p="http://schemas.openxmlformats.org/presentationml/2006/main" type="tx" preserve="1">
+<p:sldLayout xmlns:a="http://schemas.openxmlformats.org/drawingml/2006/main" xmlns:r="http://schemas.openxmlformats.org/officeDocument/2006/relationships" xmlns:p="http://schemas.openxmlformats.org/presentationml/2006/main" showMasterSp="0" type="tx" preserve="1">
   <p:cSld name="Title Slide">
     <p:spTree>
       <p:nvGrpSpPr>
@@ -5437,6 +5009,30 @@
           </a:p>
         </p:txBody>
       </p:sp>
+      <p:sp>
+        <p:nvSpPr>
+          <p:cNvPr id="4" name="Slide Number Placeholder 3"/>
+          <p:cNvSpPr>
+            <a:spLocks noGrp="1"/>
+          </p:cNvSpPr>
+          <p:nvPr>
+            <p:ph type="sldNum" sz="quarter" idx="10"/>
+          </p:nvPr>
+        </p:nvSpPr>
+        <p:spPr/>
+        <p:txBody>
+          <a:bodyPr/>
+          <a:lstStyle/>
+          <a:p>
+            <a:fld id="{47153B73-58A7-42AB-9D8C-3E8AB3A435E1}" type="slidenum">
+              <a:rPr lang="en-US" smtClean="0"/>
+              <a:pPr/>
+              <a:t>‹#›</a:t>
+            </a:fld>
+            <a:endParaRPr lang="en-US"/>
+          </a:p>
+        </p:txBody>
+      </p:sp>
     </p:spTree>
   </p:cSld>
   <p:clrMapOvr>
@@ -5446,7 +5042,7 @@
 </file>
 
 <file path=ppt/slideLayouts/slideLayout20.xml><?xml version="1.0" encoding="utf-8"?>
-<p:sldLayout xmlns:a="http://schemas.openxmlformats.org/drawingml/2006/main" xmlns:r="http://schemas.openxmlformats.org/officeDocument/2006/relationships" xmlns:p="http://schemas.openxmlformats.org/presentationml/2006/main" type="objAndTwoObj" preserve="1">
+<p:sldLayout xmlns:a="http://schemas.openxmlformats.org/drawingml/2006/main" xmlns:r="http://schemas.openxmlformats.org/officeDocument/2006/relationships" xmlns:p="http://schemas.openxmlformats.org/presentationml/2006/main" showMasterSp="0" type="objAndTwoObj" preserve="1">
   <p:cSld name="Title Content and 2 Content">
     <p:spTree>
       <p:nvGrpSpPr>
@@ -5611,6 +5207,30 @@
           </a:p>
         </p:txBody>
       </p:sp>
+      <p:sp>
+        <p:nvSpPr>
+          <p:cNvPr id="6" name="Slide Number Placeholder 5"/>
+          <p:cNvSpPr>
+            <a:spLocks noGrp="1"/>
+          </p:cNvSpPr>
+          <p:nvPr>
+            <p:ph type="sldNum" sz="quarter" idx="10"/>
+          </p:nvPr>
+        </p:nvSpPr>
+        <p:spPr/>
+        <p:txBody>
+          <a:bodyPr/>
+          <a:lstStyle/>
+          <a:p>
+            <a:fld id="{18F6FF48-2AB7-4F1E-BE21-839A6DC33C1E}" type="slidenum">
+              <a:rPr lang="en-US" smtClean="0"/>
+              <a:pPr/>
+              <a:t>‹#›</a:t>
+            </a:fld>
+            <a:endParaRPr lang="en-US"/>
+          </a:p>
+        </p:txBody>
+      </p:sp>
     </p:spTree>
   </p:cSld>
   <p:clrMapOvr>
@@ -5620,7 +5240,7 @@
 </file>
 
 <file path=ppt/slideLayouts/slideLayout21.xml><?xml version="1.0" encoding="utf-8"?>
-<p:sldLayout xmlns:a="http://schemas.openxmlformats.org/drawingml/2006/main" xmlns:r="http://schemas.openxmlformats.org/officeDocument/2006/relationships" xmlns:p="http://schemas.openxmlformats.org/presentationml/2006/main" type="twoObjOverTx" preserve="1">
+<p:sldLayout xmlns:a="http://schemas.openxmlformats.org/drawingml/2006/main" xmlns:r="http://schemas.openxmlformats.org/officeDocument/2006/relationships" xmlns:p="http://schemas.openxmlformats.org/presentationml/2006/main" showMasterSp="0" type="twoObjOverTx" preserve="1">
   <p:cSld name="Title, 2 Content over Content">
     <p:spTree>
       <p:nvGrpSpPr>
@@ -5785,6 +5405,30 @@
           </a:p>
         </p:txBody>
       </p:sp>
+      <p:sp>
+        <p:nvSpPr>
+          <p:cNvPr id="6" name="Slide Number Placeholder 5"/>
+          <p:cNvSpPr>
+            <a:spLocks noGrp="1"/>
+          </p:cNvSpPr>
+          <p:nvPr>
+            <p:ph type="sldNum" sz="quarter" idx="10"/>
+          </p:nvPr>
+        </p:nvSpPr>
+        <p:spPr/>
+        <p:txBody>
+          <a:bodyPr/>
+          <a:lstStyle/>
+          <a:p>
+            <a:fld id="{18F6FF48-2AB7-4F1E-BE21-839A6DC33C1E}" type="slidenum">
+              <a:rPr lang="en-US" smtClean="0"/>
+              <a:pPr/>
+              <a:t>‹#›</a:t>
+            </a:fld>
+            <a:endParaRPr lang="en-US"/>
+          </a:p>
+        </p:txBody>
+      </p:sp>
     </p:spTree>
   </p:cSld>
   <p:clrMapOvr>
@@ -5794,7 +5438,7 @@
 </file>
 
 <file path=ppt/slideLayouts/slideLayout22.xml><?xml version="1.0" encoding="utf-8"?>
-<p:sldLayout xmlns:a="http://schemas.openxmlformats.org/drawingml/2006/main" xmlns:r="http://schemas.openxmlformats.org/officeDocument/2006/relationships" xmlns:p="http://schemas.openxmlformats.org/presentationml/2006/main" type="objOverTx" preserve="1">
+<p:sldLayout xmlns:a="http://schemas.openxmlformats.org/drawingml/2006/main" xmlns:r="http://schemas.openxmlformats.org/officeDocument/2006/relationships" xmlns:p="http://schemas.openxmlformats.org/presentationml/2006/main" showMasterSp="0" type="objOverTx" preserve="1">
   <p:cSld name="Title, Content over Content">
     <p:spTree>
       <p:nvGrpSpPr>
@@ -5922,6 +5566,30 @@
           </a:p>
         </p:txBody>
       </p:sp>
+      <p:sp>
+        <p:nvSpPr>
+          <p:cNvPr id="5" name="Slide Number Placeholder 4"/>
+          <p:cNvSpPr>
+            <a:spLocks noGrp="1"/>
+          </p:cNvSpPr>
+          <p:nvPr>
+            <p:ph type="sldNum" sz="quarter" idx="10"/>
+          </p:nvPr>
+        </p:nvSpPr>
+        <p:spPr/>
+        <p:txBody>
+          <a:bodyPr/>
+          <a:lstStyle/>
+          <a:p>
+            <a:fld id="{18F6FF48-2AB7-4F1E-BE21-839A6DC33C1E}" type="slidenum">
+              <a:rPr lang="en-US" smtClean="0"/>
+              <a:pPr/>
+              <a:t>‹#›</a:t>
+            </a:fld>
+            <a:endParaRPr lang="en-US"/>
+          </a:p>
+        </p:txBody>
+      </p:sp>
     </p:spTree>
   </p:cSld>
   <p:clrMapOvr>
@@ -5931,7 +5599,7 @@
 </file>
 
 <file path=ppt/slideLayouts/slideLayout23.xml><?xml version="1.0" encoding="utf-8"?>
-<p:sldLayout xmlns:a="http://schemas.openxmlformats.org/drawingml/2006/main" xmlns:r="http://schemas.openxmlformats.org/officeDocument/2006/relationships" xmlns:p="http://schemas.openxmlformats.org/presentationml/2006/main" type="fourObj" preserve="1">
+<p:sldLayout xmlns:a="http://schemas.openxmlformats.org/drawingml/2006/main" xmlns:r="http://schemas.openxmlformats.org/officeDocument/2006/relationships" xmlns:p="http://schemas.openxmlformats.org/presentationml/2006/main" showMasterSp="0" type="fourObj" preserve="1">
   <p:cSld name="Title, 4 Content">
     <p:spTree>
       <p:nvGrpSpPr>
@@ -6133,6 +5801,30 @@
           </a:p>
         </p:txBody>
       </p:sp>
+      <p:sp>
+        <p:nvSpPr>
+          <p:cNvPr id="7" name="Slide Number Placeholder 6"/>
+          <p:cNvSpPr>
+            <a:spLocks noGrp="1"/>
+          </p:cNvSpPr>
+          <p:nvPr>
+            <p:ph type="sldNum" sz="quarter" idx="10"/>
+          </p:nvPr>
+        </p:nvSpPr>
+        <p:spPr/>
+        <p:txBody>
+          <a:bodyPr/>
+          <a:lstStyle/>
+          <a:p>
+            <a:fld id="{18F6FF48-2AB7-4F1E-BE21-839A6DC33C1E}" type="slidenum">
+              <a:rPr lang="en-US" smtClean="0"/>
+              <a:pPr/>
+              <a:t>‹#›</a:t>
+            </a:fld>
+            <a:endParaRPr lang="en-US"/>
+          </a:p>
+        </p:txBody>
+      </p:sp>
     </p:spTree>
   </p:cSld>
   <p:clrMapOvr>
@@ -6142,7 +5834,7 @@
 </file>
 
 <file path=ppt/slideLayouts/slideLayout24.xml><?xml version="1.0" encoding="utf-8"?>
-<p:sldLayout xmlns:a="http://schemas.openxmlformats.org/drawingml/2006/main" xmlns:r="http://schemas.openxmlformats.org/officeDocument/2006/relationships" xmlns:p="http://schemas.openxmlformats.org/presentationml/2006/main" type="blank" preserve="1">
+<p:sldLayout xmlns:a="http://schemas.openxmlformats.org/drawingml/2006/main" xmlns:r="http://schemas.openxmlformats.org/officeDocument/2006/relationships" xmlns:p="http://schemas.openxmlformats.org/presentationml/2006/main" showMasterSp="0" type="blank" preserve="1">
   <p:cSld name="Title, 6 Content">
     <p:spTree>
       <p:nvGrpSpPr>
@@ -6316,6 +6008,30 @@
           </a:ln>
         </p:spPr>
       </p:pic>
+      <p:sp>
+        <p:nvSpPr>
+          <p:cNvPr id="7" name="Slide Number Placeholder 6"/>
+          <p:cNvSpPr>
+            <a:spLocks noGrp="1"/>
+          </p:cNvSpPr>
+          <p:nvPr>
+            <p:ph type="sldNum" sz="quarter" idx="10"/>
+          </p:nvPr>
+        </p:nvSpPr>
+        <p:spPr/>
+        <p:txBody>
+          <a:bodyPr/>
+          <a:lstStyle/>
+          <a:p>
+            <a:fld id="{18F6FF48-2AB7-4F1E-BE21-839A6DC33C1E}" type="slidenum">
+              <a:rPr lang="en-US" smtClean="0"/>
+              <a:pPr/>
+              <a:t>‹#›</a:t>
+            </a:fld>
+            <a:endParaRPr lang="en-US"/>
+          </a:p>
+        </p:txBody>
+      </p:sp>
     </p:spTree>
   </p:cSld>
   <p:clrMapOvr>
@@ -6325,7 +6041,7 @@
 </file>
 
 <file path=ppt/slideLayouts/slideLayout25.xml><?xml version="1.0" encoding="utf-8"?>
-<p:sldLayout xmlns:a="http://schemas.openxmlformats.org/drawingml/2006/main" xmlns:r="http://schemas.openxmlformats.org/officeDocument/2006/relationships" xmlns:p="http://schemas.openxmlformats.org/presentationml/2006/main" type="blank" preserve="1">
+<p:sldLayout xmlns:a="http://schemas.openxmlformats.org/drawingml/2006/main" xmlns:r="http://schemas.openxmlformats.org/officeDocument/2006/relationships" xmlns:p="http://schemas.openxmlformats.org/presentationml/2006/main" showMasterSp="0" type="blank" preserve="1">
   <p:cSld name="Blank Slide">
     <p:spTree>
       <p:nvGrpSpPr>
@@ -6341,6 +6057,30 @@
           <a:chExt cx="0" cy="0"/>
         </a:xfrm>
       </p:grpSpPr>
+      <p:sp>
+        <p:nvSpPr>
+          <p:cNvPr id="2" name="Slide Number Placeholder 1"/>
+          <p:cNvSpPr>
+            <a:spLocks noGrp="1"/>
+          </p:cNvSpPr>
+          <p:nvPr>
+            <p:ph type="sldNum" sz="quarter" idx="10"/>
+          </p:nvPr>
+        </p:nvSpPr>
+        <p:spPr/>
+        <p:txBody>
+          <a:bodyPr/>
+          <a:lstStyle/>
+          <a:p>
+            <a:fld id="{490E713B-6DB6-418E-B1A4-23C8401C250A}" type="slidenum">
+              <a:rPr lang="en-US" smtClean="0"/>
+              <a:pPr/>
+              <a:t>‹#›</a:t>
+            </a:fld>
+            <a:endParaRPr lang="en-US"/>
+          </a:p>
+        </p:txBody>
+      </p:sp>
     </p:spTree>
   </p:cSld>
   <p:clrMapOvr>
@@ -6350,7 +6090,7 @@
 </file>
 
 <file path=ppt/slideLayouts/slideLayout26.xml><?xml version="1.0" encoding="utf-8"?>
-<p:sldLayout xmlns:a="http://schemas.openxmlformats.org/drawingml/2006/main" xmlns:r="http://schemas.openxmlformats.org/officeDocument/2006/relationships" xmlns:p="http://schemas.openxmlformats.org/presentationml/2006/main" type="tx" preserve="1">
+<p:sldLayout xmlns:a="http://schemas.openxmlformats.org/drawingml/2006/main" xmlns:r="http://schemas.openxmlformats.org/officeDocument/2006/relationships" xmlns:p="http://schemas.openxmlformats.org/presentationml/2006/main" showMasterSp="0" type="tx" preserve="1">
   <p:cSld name="Title Slide">
     <p:spTree>
       <p:nvGrpSpPr>
@@ -6442,6 +6182,30 @@
           </a:p>
         </p:txBody>
       </p:sp>
+      <p:sp>
+        <p:nvSpPr>
+          <p:cNvPr id="4" name="Slide Number Placeholder 3"/>
+          <p:cNvSpPr>
+            <a:spLocks noGrp="1"/>
+          </p:cNvSpPr>
+          <p:nvPr>
+            <p:ph type="sldNum" sz="quarter" idx="10"/>
+          </p:nvPr>
+        </p:nvSpPr>
+        <p:spPr/>
+        <p:txBody>
+          <a:bodyPr/>
+          <a:lstStyle/>
+          <a:p>
+            <a:fld id="{490E713B-6DB6-418E-B1A4-23C8401C250A}" type="slidenum">
+              <a:rPr lang="en-US" smtClean="0"/>
+              <a:pPr/>
+              <a:t>‹#›</a:t>
+            </a:fld>
+            <a:endParaRPr lang="en-US"/>
+          </a:p>
+        </p:txBody>
+      </p:sp>
     </p:spTree>
   </p:cSld>
   <p:clrMapOvr>
@@ -6451,7 +6215,7 @@
 </file>
 
 <file path=ppt/slideLayouts/slideLayout27.xml><?xml version="1.0" encoding="utf-8"?>
-<p:sldLayout xmlns:a="http://schemas.openxmlformats.org/drawingml/2006/main" xmlns:r="http://schemas.openxmlformats.org/officeDocument/2006/relationships" xmlns:p="http://schemas.openxmlformats.org/presentationml/2006/main" type="obj" preserve="1">
+<p:sldLayout xmlns:a="http://schemas.openxmlformats.org/drawingml/2006/main" xmlns:r="http://schemas.openxmlformats.org/officeDocument/2006/relationships" xmlns:p="http://schemas.openxmlformats.org/presentationml/2006/main" showMasterSp="0" type="obj" preserve="1">
   <p:cSld name="Title, Content">
     <p:spTree>
       <p:nvGrpSpPr>
@@ -6542,6 +6306,30 @@
           </a:p>
         </p:txBody>
       </p:sp>
+      <p:sp>
+        <p:nvSpPr>
+          <p:cNvPr id="4" name="Slide Number Placeholder 3"/>
+          <p:cNvSpPr>
+            <a:spLocks noGrp="1"/>
+          </p:cNvSpPr>
+          <p:nvPr>
+            <p:ph type="sldNum" sz="quarter" idx="10"/>
+          </p:nvPr>
+        </p:nvSpPr>
+        <p:spPr/>
+        <p:txBody>
+          <a:bodyPr/>
+          <a:lstStyle/>
+          <a:p>
+            <a:fld id="{490E713B-6DB6-418E-B1A4-23C8401C250A}" type="slidenum">
+              <a:rPr lang="en-US" smtClean="0"/>
+              <a:pPr/>
+              <a:t>‹#›</a:t>
+            </a:fld>
+            <a:endParaRPr lang="en-US"/>
+          </a:p>
+        </p:txBody>
+      </p:sp>
     </p:spTree>
   </p:cSld>
   <p:clrMapOvr>
@@ -6551,7 +6339,7 @@
 </file>
 
 <file path=ppt/slideLayouts/slideLayout28.xml><?xml version="1.0" encoding="utf-8"?>
-<p:sldLayout xmlns:a="http://schemas.openxmlformats.org/drawingml/2006/main" xmlns:r="http://schemas.openxmlformats.org/officeDocument/2006/relationships" xmlns:p="http://schemas.openxmlformats.org/presentationml/2006/main" type="twoObj" preserve="1">
+<p:sldLayout xmlns:a="http://schemas.openxmlformats.org/drawingml/2006/main" xmlns:r="http://schemas.openxmlformats.org/officeDocument/2006/relationships" xmlns:p="http://schemas.openxmlformats.org/presentationml/2006/main" showMasterSp="0" type="twoObj" preserve="1">
   <p:cSld name="Title, 2 Content">
     <p:spTree>
       <p:nvGrpSpPr>
@@ -6679,6 +6467,30 @@
           </a:p>
         </p:txBody>
       </p:sp>
+      <p:sp>
+        <p:nvSpPr>
+          <p:cNvPr id="5" name="Slide Number Placeholder 4"/>
+          <p:cNvSpPr>
+            <a:spLocks noGrp="1"/>
+          </p:cNvSpPr>
+          <p:nvPr>
+            <p:ph type="sldNum" sz="quarter" idx="10"/>
+          </p:nvPr>
+        </p:nvSpPr>
+        <p:spPr/>
+        <p:txBody>
+          <a:bodyPr/>
+          <a:lstStyle/>
+          <a:p>
+            <a:fld id="{490E713B-6DB6-418E-B1A4-23C8401C250A}" type="slidenum">
+              <a:rPr lang="en-US" smtClean="0"/>
+              <a:pPr/>
+              <a:t>‹#›</a:t>
+            </a:fld>
+            <a:endParaRPr lang="en-US"/>
+          </a:p>
+        </p:txBody>
+      </p:sp>
     </p:spTree>
   </p:cSld>
   <p:clrMapOvr>
@@ -6688,7 +6500,7 @@
 </file>
 
 <file path=ppt/slideLayouts/slideLayout29.xml><?xml version="1.0" encoding="utf-8"?>
-<p:sldLayout xmlns:a="http://schemas.openxmlformats.org/drawingml/2006/main" xmlns:r="http://schemas.openxmlformats.org/officeDocument/2006/relationships" xmlns:p="http://schemas.openxmlformats.org/presentationml/2006/main" type="titleOnly" preserve="1">
+<p:sldLayout xmlns:a="http://schemas.openxmlformats.org/drawingml/2006/main" xmlns:r="http://schemas.openxmlformats.org/officeDocument/2006/relationships" xmlns:p="http://schemas.openxmlformats.org/presentationml/2006/main" showMasterSp="0" type="titleOnly" preserve="1">
   <p:cSld name="Title Only">
     <p:spTree>
       <p:nvGrpSpPr>
@@ -6742,6 +6554,30 @@
           </a:p>
         </p:txBody>
       </p:sp>
+      <p:sp>
+        <p:nvSpPr>
+          <p:cNvPr id="3" name="Slide Number Placeholder 2"/>
+          <p:cNvSpPr>
+            <a:spLocks noGrp="1"/>
+          </p:cNvSpPr>
+          <p:nvPr>
+            <p:ph type="sldNum" sz="quarter" idx="10"/>
+          </p:nvPr>
+        </p:nvSpPr>
+        <p:spPr/>
+        <p:txBody>
+          <a:bodyPr/>
+          <a:lstStyle/>
+          <a:p>
+            <a:fld id="{490E713B-6DB6-418E-B1A4-23C8401C250A}" type="slidenum">
+              <a:rPr lang="en-US" smtClean="0"/>
+              <a:pPr/>
+              <a:t>‹#›</a:t>
+            </a:fld>
+            <a:endParaRPr lang="en-US"/>
+          </a:p>
+        </p:txBody>
+      </p:sp>
     </p:spTree>
   </p:cSld>
   <p:clrMapOvr>
@@ -6751,7 +6587,7 @@
 </file>
 
 <file path=ppt/slideLayouts/slideLayout3.xml><?xml version="1.0" encoding="utf-8"?>
-<p:sldLayout xmlns:a="http://schemas.openxmlformats.org/drawingml/2006/main" xmlns:r="http://schemas.openxmlformats.org/officeDocument/2006/relationships" xmlns:p="http://schemas.openxmlformats.org/presentationml/2006/main" type="obj" preserve="1">
+<p:sldLayout xmlns:a="http://schemas.openxmlformats.org/drawingml/2006/main" xmlns:r="http://schemas.openxmlformats.org/officeDocument/2006/relationships" xmlns:p="http://schemas.openxmlformats.org/presentationml/2006/main" showMasterSp="0" type="obj" preserve="1">
   <p:cSld name="Title, Content">
     <p:spTree>
       <p:nvGrpSpPr>
@@ -6842,6 +6678,30 @@
           </a:p>
         </p:txBody>
       </p:sp>
+      <p:sp>
+        <p:nvSpPr>
+          <p:cNvPr id="4" name="Slide Number Placeholder 3"/>
+          <p:cNvSpPr>
+            <a:spLocks noGrp="1"/>
+          </p:cNvSpPr>
+          <p:nvPr>
+            <p:ph type="sldNum" sz="quarter" idx="10"/>
+          </p:nvPr>
+        </p:nvSpPr>
+        <p:spPr/>
+        <p:txBody>
+          <a:bodyPr/>
+          <a:lstStyle/>
+          <a:p>
+            <a:fld id="{47153B73-58A7-42AB-9D8C-3E8AB3A435E1}" type="slidenum">
+              <a:rPr lang="en-US" smtClean="0"/>
+              <a:pPr/>
+              <a:t>‹#›</a:t>
+            </a:fld>
+            <a:endParaRPr lang="en-US"/>
+          </a:p>
+        </p:txBody>
+      </p:sp>
     </p:spTree>
   </p:cSld>
   <p:clrMapOvr>
@@ -6851,7 +6711,7 @@
 </file>
 
 <file path=ppt/slideLayouts/slideLayout30.xml><?xml version="1.0" encoding="utf-8"?>
-<p:sldLayout xmlns:a="http://schemas.openxmlformats.org/drawingml/2006/main" xmlns:r="http://schemas.openxmlformats.org/officeDocument/2006/relationships" xmlns:p="http://schemas.openxmlformats.org/presentationml/2006/main" type="objOnly" preserve="1">
+<p:sldLayout xmlns:a="http://schemas.openxmlformats.org/drawingml/2006/main" xmlns:r="http://schemas.openxmlformats.org/officeDocument/2006/relationships" xmlns:p="http://schemas.openxmlformats.org/presentationml/2006/main" showMasterSp="0" type="objOnly" preserve="1">
   <p:cSld name="Centered Text">
     <p:spTree>
       <p:nvGrpSpPr>
@@ -6905,6 +6765,30 @@
           </a:p>
         </p:txBody>
       </p:sp>
+      <p:sp>
+        <p:nvSpPr>
+          <p:cNvPr id="3" name="Slide Number Placeholder 2"/>
+          <p:cNvSpPr>
+            <a:spLocks noGrp="1"/>
+          </p:cNvSpPr>
+          <p:nvPr>
+            <p:ph type="sldNum" sz="quarter" idx="10"/>
+          </p:nvPr>
+        </p:nvSpPr>
+        <p:spPr/>
+        <p:txBody>
+          <a:bodyPr/>
+          <a:lstStyle/>
+          <a:p>
+            <a:fld id="{490E713B-6DB6-418E-B1A4-23C8401C250A}" type="slidenum">
+              <a:rPr lang="en-US" smtClean="0"/>
+              <a:pPr/>
+              <a:t>‹#›</a:t>
+            </a:fld>
+            <a:endParaRPr lang="en-US"/>
+          </a:p>
+        </p:txBody>
+      </p:sp>
     </p:spTree>
   </p:cSld>
   <p:clrMapOvr>
@@ -6914,7 +6798,7 @@
 </file>
 
 <file path=ppt/slideLayouts/slideLayout31.xml><?xml version="1.0" encoding="utf-8"?>
-<p:sldLayout xmlns:a="http://schemas.openxmlformats.org/drawingml/2006/main" xmlns:r="http://schemas.openxmlformats.org/officeDocument/2006/relationships" xmlns:p="http://schemas.openxmlformats.org/presentationml/2006/main" type="twoObjAndObj" preserve="1">
+<p:sldLayout xmlns:a="http://schemas.openxmlformats.org/drawingml/2006/main" xmlns:r="http://schemas.openxmlformats.org/officeDocument/2006/relationships" xmlns:p="http://schemas.openxmlformats.org/presentationml/2006/main" showMasterSp="0" type="twoObjAndObj" preserve="1">
   <p:cSld name="Title, 2 Content and Content">
     <p:spTree>
       <p:nvGrpSpPr>
@@ -7079,6 +6963,30 @@
           </a:p>
         </p:txBody>
       </p:sp>
+      <p:sp>
+        <p:nvSpPr>
+          <p:cNvPr id="6" name="Slide Number Placeholder 5"/>
+          <p:cNvSpPr>
+            <a:spLocks noGrp="1"/>
+          </p:cNvSpPr>
+          <p:nvPr>
+            <p:ph type="sldNum" sz="quarter" idx="10"/>
+          </p:nvPr>
+        </p:nvSpPr>
+        <p:spPr/>
+        <p:txBody>
+          <a:bodyPr/>
+          <a:lstStyle/>
+          <a:p>
+            <a:fld id="{490E713B-6DB6-418E-B1A4-23C8401C250A}" type="slidenum">
+              <a:rPr lang="en-US" smtClean="0"/>
+              <a:pPr/>
+              <a:t>‹#›</a:t>
+            </a:fld>
+            <a:endParaRPr lang="en-US"/>
+          </a:p>
+        </p:txBody>
+      </p:sp>
     </p:spTree>
   </p:cSld>
   <p:clrMapOvr>
@@ -7088,7 +6996,7 @@
 </file>
 
 <file path=ppt/slideLayouts/slideLayout32.xml><?xml version="1.0" encoding="utf-8"?>
-<p:sldLayout xmlns:a="http://schemas.openxmlformats.org/drawingml/2006/main" xmlns:r="http://schemas.openxmlformats.org/officeDocument/2006/relationships" xmlns:p="http://schemas.openxmlformats.org/presentationml/2006/main" type="objAndTwoObj" preserve="1">
+<p:sldLayout xmlns:a="http://schemas.openxmlformats.org/drawingml/2006/main" xmlns:r="http://schemas.openxmlformats.org/officeDocument/2006/relationships" xmlns:p="http://schemas.openxmlformats.org/presentationml/2006/main" showMasterSp="0" type="objAndTwoObj" preserve="1">
   <p:cSld name="Title Content and 2 Content">
     <p:spTree>
       <p:nvGrpSpPr>
@@ -7253,6 +7161,30 @@
           </a:p>
         </p:txBody>
       </p:sp>
+      <p:sp>
+        <p:nvSpPr>
+          <p:cNvPr id="6" name="Slide Number Placeholder 5"/>
+          <p:cNvSpPr>
+            <a:spLocks noGrp="1"/>
+          </p:cNvSpPr>
+          <p:nvPr>
+            <p:ph type="sldNum" sz="quarter" idx="10"/>
+          </p:nvPr>
+        </p:nvSpPr>
+        <p:spPr/>
+        <p:txBody>
+          <a:bodyPr/>
+          <a:lstStyle/>
+          <a:p>
+            <a:fld id="{490E713B-6DB6-418E-B1A4-23C8401C250A}" type="slidenum">
+              <a:rPr lang="en-US" smtClean="0"/>
+              <a:pPr/>
+              <a:t>‹#›</a:t>
+            </a:fld>
+            <a:endParaRPr lang="en-US"/>
+          </a:p>
+        </p:txBody>
+      </p:sp>
     </p:spTree>
   </p:cSld>
   <p:clrMapOvr>
@@ -7262,7 +7194,7 @@
 </file>
 
 <file path=ppt/slideLayouts/slideLayout33.xml><?xml version="1.0" encoding="utf-8"?>
-<p:sldLayout xmlns:a="http://schemas.openxmlformats.org/drawingml/2006/main" xmlns:r="http://schemas.openxmlformats.org/officeDocument/2006/relationships" xmlns:p="http://schemas.openxmlformats.org/presentationml/2006/main" type="twoObjOverTx" preserve="1">
+<p:sldLayout xmlns:a="http://schemas.openxmlformats.org/drawingml/2006/main" xmlns:r="http://schemas.openxmlformats.org/officeDocument/2006/relationships" xmlns:p="http://schemas.openxmlformats.org/presentationml/2006/main" showMasterSp="0" type="twoObjOverTx" preserve="1">
   <p:cSld name="Title, 2 Content over Content">
     <p:spTree>
       <p:nvGrpSpPr>
@@ -7427,6 +7359,30 @@
           </a:p>
         </p:txBody>
       </p:sp>
+      <p:sp>
+        <p:nvSpPr>
+          <p:cNvPr id="6" name="Slide Number Placeholder 5"/>
+          <p:cNvSpPr>
+            <a:spLocks noGrp="1"/>
+          </p:cNvSpPr>
+          <p:nvPr>
+            <p:ph type="sldNum" sz="quarter" idx="10"/>
+          </p:nvPr>
+        </p:nvSpPr>
+        <p:spPr/>
+        <p:txBody>
+          <a:bodyPr/>
+          <a:lstStyle/>
+          <a:p>
+            <a:fld id="{490E713B-6DB6-418E-B1A4-23C8401C250A}" type="slidenum">
+              <a:rPr lang="en-US" smtClean="0"/>
+              <a:pPr/>
+              <a:t>‹#›</a:t>
+            </a:fld>
+            <a:endParaRPr lang="en-US"/>
+          </a:p>
+        </p:txBody>
+      </p:sp>
     </p:spTree>
   </p:cSld>
   <p:clrMapOvr>
@@ -7436,7 +7392,7 @@
 </file>
 
 <file path=ppt/slideLayouts/slideLayout34.xml><?xml version="1.0" encoding="utf-8"?>
-<p:sldLayout xmlns:a="http://schemas.openxmlformats.org/drawingml/2006/main" xmlns:r="http://schemas.openxmlformats.org/officeDocument/2006/relationships" xmlns:p="http://schemas.openxmlformats.org/presentationml/2006/main" type="objOverTx" preserve="1">
+<p:sldLayout xmlns:a="http://schemas.openxmlformats.org/drawingml/2006/main" xmlns:r="http://schemas.openxmlformats.org/officeDocument/2006/relationships" xmlns:p="http://schemas.openxmlformats.org/presentationml/2006/main" showMasterSp="0" type="objOverTx" preserve="1">
   <p:cSld name="Title, Content over Content">
     <p:spTree>
       <p:nvGrpSpPr>
@@ -7564,6 +7520,30 @@
           </a:p>
         </p:txBody>
       </p:sp>
+      <p:sp>
+        <p:nvSpPr>
+          <p:cNvPr id="5" name="Slide Number Placeholder 4"/>
+          <p:cNvSpPr>
+            <a:spLocks noGrp="1"/>
+          </p:cNvSpPr>
+          <p:nvPr>
+            <p:ph type="sldNum" sz="quarter" idx="10"/>
+          </p:nvPr>
+        </p:nvSpPr>
+        <p:spPr/>
+        <p:txBody>
+          <a:bodyPr/>
+          <a:lstStyle/>
+          <a:p>
+            <a:fld id="{490E713B-6DB6-418E-B1A4-23C8401C250A}" type="slidenum">
+              <a:rPr lang="en-US" smtClean="0"/>
+              <a:pPr/>
+              <a:t>‹#›</a:t>
+            </a:fld>
+            <a:endParaRPr lang="en-US"/>
+          </a:p>
+        </p:txBody>
+      </p:sp>
     </p:spTree>
   </p:cSld>
   <p:clrMapOvr>
@@ -7573,7 +7553,7 @@
 </file>
 
 <file path=ppt/slideLayouts/slideLayout35.xml><?xml version="1.0" encoding="utf-8"?>
-<p:sldLayout xmlns:a="http://schemas.openxmlformats.org/drawingml/2006/main" xmlns:r="http://schemas.openxmlformats.org/officeDocument/2006/relationships" xmlns:p="http://schemas.openxmlformats.org/presentationml/2006/main" type="fourObj" preserve="1">
+<p:sldLayout xmlns:a="http://schemas.openxmlformats.org/drawingml/2006/main" xmlns:r="http://schemas.openxmlformats.org/officeDocument/2006/relationships" xmlns:p="http://schemas.openxmlformats.org/presentationml/2006/main" showMasterSp="0" type="fourObj" preserve="1">
   <p:cSld name="Title, 4 Content">
     <p:spTree>
       <p:nvGrpSpPr>
@@ -7775,6 +7755,30 @@
           </a:p>
         </p:txBody>
       </p:sp>
+      <p:sp>
+        <p:nvSpPr>
+          <p:cNvPr id="7" name="Slide Number Placeholder 6"/>
+          <p:cNvSpPr>
+            <a:spLocks noGrp="1"/>
+          </p:cNvSpPr>
+          <p:nvPr>
+            <p:ph type="sldNum" sz="quarter" idx="10"/>
+          </p:nvPr>
+        </p:nvSpPr>
+        <p:spPr/>
+        <p:txBody>
+          <a:bodyPr/>
+          <a:lstStyle/>
+          <a:p>
+            <a:fld id="{490E713B-6DB6-418E-B1A4-23C8401C250A}" type="slidenum">
+              <a:rPr lang="en-US" smtClean="0"/>
+              <a:pPr/>
+              <a:t>‹#›</a:t>
+            </a:fld>
+            <a:endParaRPr lang="en-US"/>
+          </a:p>
+        </p:txBody>
+      </p:sp>
     </p:spTree>
   </p:cSld>
   <p:clrMapOvr>
@@ -7784,7 +7788,7 @@
 </file>
 
 <file path=ppt/slideLayouts/slideLayout36.xml><?xml version="1.0" encoding="utf-8"?>
-<p:sldLayout xmlns:a="http://schemas.openxmlformats.org/drawingml/2006/main" xmlns:r="http://schemas.openxmlformats.org/officeDocument/2006/relationships" xmlns:p="http://schemas.openxmlformats.org/presentationml/2006/main" type="blank" preserve="1">
+<p:sldLayout xmlns:a="http://schemas.openxmlformats.org/drawingml/2006/main" xmlns:r="http://schemas.openxmlformats.org/officeDocument/2006/relationships" xmlns:p="http://schemas.openxmlformats.org/presentationml/2006/main" showMasterSp="0" type="blank" preserve="1">
   <p:cSld name="Title, 6 Content">
     <p:spTree>
       <p:nvGrpSpPr>
@@ -7958,6 +7962,30 @@
           </a:ln>
         </p:spPr>
       </p:pic>
+      <p:sp>
+        <p:nvSpPr>
+          <p:cNvPr id="7" name="Slide Number Placeholder 6"/>
+          <p:cNvSpPr>
+            <a:spLocks noGrp="1"/>
+          </p:cNvSpPr>
+          <p:nvPr>
+            <p:ph type="sldNum" sz="quarter" idx="10"/>
+          </p:nvPr>
+        </p:nvSpPr>
+        <p:spPr/>
+        <p:txBody>
+          <a:bodyPr/>
+          <a:lstStyle/>
+          <a:p>
+            <a:fld id="{490E713B-6DB6-418E-B1A4-23C8401C250A}" type="slidenum">
+              <a:rPr lang="en-US" smtClean="0"/>
+              <a:pPr/>
+              <a:t>‹#›</a:t>
+            </a:fld>
+            <a:endParaRPr lang="en-US"/>
+          </a:p>
+        </p:txBody>
+      </p:sp>
     </p:spTree>
   </p:cSld>
   <p:clrMapOvr>
@@ -7967,7 +7995,7 @@
 </file>
 
 <file path=ppt/slideLayouts/slideLayout37.xml><?xml version="1.0" encoding="utf-8"?>
-<p:sldLayout xmlns:a="http://schemas.openxmlformats.org/drawingml/2006/main" xmlns:r="http://schemas.openxmlformats.org/officeDocument/2006/relationships" xmlns:p="http://schemas.openxmlformats.org/presentationml/2006/main" type="blank" preserve="1">
+<p:sldLayout xmlns:a="http://schemas.openxmlformats.org/drawingml/2006/main" xmlns:r="http://schemas.openxmlformats.org/officeDocument/2006/relationships" xmlns:p="http://schemas.openxmlformats.org/presentationml/2006/main" showMasterSp="0" preserve="1" userDrawn="1">
   <p:cSld name="Blank Slide">
     <p:spTree>
       <p:nvGrpSpPr>
@@ -7983,6 +8011,30 @@
           <a:chExt cx="0" cy="0"/>
         </a:xfrm>
       </p:grpSpPr>
+      <p:sp>
+        <p:nvSpPr>
+          <p:cNvPr id="2" name="Slide Number Placeholder 1"/>
+          <p:cNvSpPr>
+            <a:spLocks noGrp="1"/>
+          </p:cNvSpPr>
+          <p:nvPr>
+            <p:ph type="sldNum" sz="quarter" idx="10"/>
+          </p:nvPr>
+        </p:nvSpPr>
+        <p:spPr/>
+        <p:txBody>
+          <a:bodyPr/>
+          <a:lstStyle/>
+          <a:p>
+            <a:fld id="{714AF57F-C028-4417-9912-30B33DA37979}" type="slidenum">
+              <a:rPr lang="en-US" smtClean="0"/>
+              <a:pPr/>
+              <a:t>‹#›</a:t>
+            </a:fld>
+            <a:endParaRPr lang="en-US"/>
+          </a:p>
+        </p:txBody>
+      </p:sp>
     </p:spTree>
   </p:cSld>
   <p:clrMapOvr>
@@ -7992,7 +8044,7 @@
 </file>
 
 <file path=ppt/slideLayouts/slideLayout38.xml><?xml version="1.0" encoding="utf-8"?>
-<p:sldLayout xmlns:a="http://schemas.openxmlformats.org/drawingml/2006/main" xmlns:r="http://schemas.openxmlformats.org/officeDocument/2006/relationships" xmlns:p="http://schemas.openxmlformats.org/presentationml/2006/main" type="tx" preserve="1">
+<p:sldLayout xmlns:a="http://schemas.openxmlformats.org/drawingml/2006/main" xmlns:r="http://schemas.openxmlformats.org/officeDocument/2006/relationships" xmlns:p="http://schemas.openxmlformats.org/presentationml/2006/main" showMasterSp="0" type="tx" preserve="1">
   <p:cSld name="Title Slide">
     <p:spTree>
       <p:nvGrpSpPr>
@@ -8084,6 +8136,30 @@
           </a:p>
         </p:txBody>
       </p:sp>
+      <p:sp>
+        <p:nvSpPr>
+          <p:cNvPr id="4" name="Slide Number Placeholder 3"/>
+          <p:cNvSpPr>
+            <a:spLocks noGrp="1"/>
+          </p:cNvSpPr>
+          <p:nvPr>
+            <p:ph type="sldNum" sz="quarter" idx="10"/>
+          </p:nvPr>
+        </p:nvSpPr>
+        <p:spPr/>
+        <p:txBody>
+          <a:bodyPr/>
+          <a:lstStyle/>
+          <a:p>
+            <a:fld id="{714AF57F-C028-4417-9912-30B33DA37979}" type="slidenum">
+              <a:rPr lang="en-US" smtClean="0"/>
+              <a:pPr/>
+              <a:t>‹#›</a:t>
+            </a:fld>
+            <a:endParaRPr lang="en-US"/>
+          </a:p>
+        </p:txBody>
+      </p:sp>
     </p:spTree>
   </p:cSld>
   <p:clrMapOvr>
@@ -8093,7 +8169,7 @@
 </file>
 
 <file path=ppt/slideLayouts/slideLayout39.xml><?xml version="1.0" encoding="utf-8"?>
-<p:sldLayout xmlns:a="http://schemas.openxmlformats.org/drawingml/2006/main" xmlns:r="http://schemas.openxmlformats.org/officeDocument/2006/relationships" xmlns:p="http://schemas.openxmlformats.org/presentationml/2006/main" type="obj" preserve="1">
+<p:sldLayout xmlns:a="http://schemas.openxmlformats.org/drawingml/2006/main" xmlns:r="http://schemas.openxmlformats.org/officeDocument/2006/relationships" xmlns:p="http://schemas.openxmlformats.org/presentationml/2006/main" showMasterSp="0" type="obj" preserve="1">
   <p:cSld name="Title, Content">
     <p:spTree>
       <p:nvGrpSpPr>
@@ -8184,6 +8260,30 @@
           </a:p>
         </p:txBody>
       </p:sp>
+      <p:sp>
+        <p:nvSpPr>
+          <p:cNvPr id="4" name="Slide Number Placeholder 3"/>
+          <p:cNvSpPr>
+            <a:spLocks noGrp="1"/>
+          </p:cNvSpPr>
+          <p:nvPr>
+            <p:ph type="sldNum" sz="quarter" idx="10"/>
+          </p:nvPr>
+        </p:nvSpPr>
+        <p:spPr/>
+        <p:txBody>
+          <a:bodyPr/>
+          <a:lstStyle/>
+          <a:p>
+            <a:fld id="{714AF57F-C028-4417-9912-30B33DA37979}" type="slidenum">
+              <a:rPr lang="en-US" smtClean="0"/>
+              <a:pPr/>
+              <a:t>‹#›</a:t>
+            </a:fld>
+            <a:endParaRPr lang="en-US"/>
+          </a:p>
+        </p:txBody>
+      </p:sp>
     </p:spTree>
   </p:cSld>
   <p:clrMapOvr>
@@ -8193,7 +8293,7 @@
 </file>
 
 <file path=ppt/slideLayouts/slideLayout4.xml><?xml version="1.0" encoding="utf-8"?>
-<p:sldLayout xmlns:a="http://schemas.openxmlformats.org/drawingml/2006/main" xmlns:r="http://schemas.openxmlformats.org/officeDocument/2006/relationships" xmlns:p="http://schemas.openxmlformats.org/presentationml/2006/main" type="twoObj" preserve="1">
+<p:sldLayout xmlns:a="http://schemas.openxmlformats.org/drawingml/2006/main" xmlns:r="http://schemas.openxmlformats.org/officeDocument/2006/relationships" xmlns:p="http://schemas.openxmlformats.org/presentationml/2006/main" showMasterSp="0" type="twoObj" preserve="1">
   <p:cSld name="Title, 2 Content">
     <p:spTree>
       <p:nvGrpSpPr>
@@ -8321,6 +8421,30 @@
           </a:p>
         </p:txBody>
       </p:sp>
+      <p:sp>
+        <p:nvSpPr>
+          <p:cNvPr id="5" name="Slide Number Placeholder 4"/>
+          <p:cNvSpPr>
+            <a:spLocks noGrp="1"/>
+          </p:cNvSpPr>
+          <p:nvPr>
+            <p:ph type="sldNum" sz="quarter" idx="10"/>
+          </p:nvPr>
+        </p:nvSpPr>
+        <p:spPr/>
+        <p:txBody>
+          <a:bodyPr/>
+          <a:lstStyle/>
+          <a:p>
+            <a:fld id="{47153B73-58A7-42AB-9D8C-3E8AB3A435E1}" type="slidenum">
+              <a:rPr lang="en-US" smtClean="0"/>
+              <a:pPr/>
+              <a:t>‹#›</a:t>
+            </a:fld>
+            <a:endParaRPr lang="en-US"/>
+          </a:p>
+        </p:txBody>
+      </p:sp>
     </p:spTree>
   </p:cSld>
   <p:clrMapOvr>
@@ -8330,7 +8454,7 @@
 </file>
 
 <file path=ppt/slideLayouts/slideLayout40.xml><?xml version="1.0" encoding="utf-8"?>
-<p:sldLayout xmlns:a="http://schemas.openxmlformats.org/drawingml/2006/main" xmlns:r="http://schemas.openxmlformats.org/officeDocument/2006/relationships" xmlns:p="http://schemas.openxmlformats.org/presentationml/2006/main" type="twoObj" preserve="1">
+<p:sldLayout xmlns:a="http://schemas.openxmlformats.org/drawingml/2006/main" xmlns:r="http://schemas.openxmlformats.org/officeDocument/2006/relationships" xmlns:p="http://schemas.openxmlformats.org/presentationml/2006/main" showMasterSp="0" type="twoObj" preserve="1">
   <p:cSld name="Title, 2 Content">
     <p:spTree>
       <p:nvGrpSpPr>
@@ -8458,6 +8582,30 @@
           </a:p>
         </p:txBody>
       </p:sp>
+      <p:sp>
+        <p:nvSpPr>
+          <p:cNvPr id="5" name="Slide Number Placeholder 4"/>
+          <p:cNvSpPr>
+            <a:spLocks noGrp="1"/>
+          </p:cNvSpPr>
+          <p:nvPr>
+            <p:ph type="sldNum" sz="quarter" idx="10"/>
+          </p:nvPr>
+        </p:nvSpPr>
+        <p:spPr/>
+        <p:txBody>
+          <a:bodyPr/>
+          <a:lstStyle/>
+          <a:p>
+            <a:fld id="{714AF57F-C028-4417-9912-30B33DA37979}" type="slidenum">
+              <a:rPr lang="en-US" smtClean="0"/>
+              <a:pPr/>
+              <a:t>‹#›</a:t>
+            </a:fld>
+            <a:endParaRPr lang="en-US"/>
+          </a:p>
+        </p:txBody>
+      </p:sp>
     </p:spTree>
   </p:cSld>
   <p:clrMapOvr>
@@ -8467,7 +8615,7 @@
 </file>
 
 <file path=ppt/slideLayouts/slideLayout41.xml><?xml version="1.0" encoding="utf-8"?>
-<p:sldLayout xmlns:a="http://schemas.openxmlformats.org/drawingml/2006/main" xmlns:r="http://schemas.openxmlformats.org/officeDocument/2006/relationships" xmlns:p="http://schemas.openxmlformats.org/presentationml/2006/main" type="titleOnly" preserve="1">
+<p:sldLayout xmlns:a="http://schemas.openxmlformats.org/drawingml/2006/main" xmlns:r="http://schemas.openxmlformats.org/officeDocument/2006/relationships" xmlns:p="http://schemas.openxmlformats.org/presentationml/2006/main" showMasterSp="0" type="titleOnly" preserve="1">
   <p:cSld name="Title Only">
     <p:spTree>
       <p:nvGrpSpPr>
@@ -8521,6 +8669,30 @@
           </a:p>
         </p:txBody>
       </p:sp>
+      <p:sp>
+        <p:nvSpPr>
+          <p:cNvPr id="3" name="Slide Number Placeholder 2"/>
+          <p:cNvSpPr>
+            <a:spLocks noGrp="1"/>
+          </p:cNvSpPr>
+          <p:nvPr>
+            <p:ph type="sldNum" sz="quarter" idx="10"/>
+          </p:nvPr>
+        </p:nvSpPr>
+        <p:spPr/>
+        <p:txBody>
+          <a:bodyPr/>
+          <a:lstStyle/>
+          <a:p>
+            <a:fld id="{714AF57F-C028-4417-9912-30B33DA37979}" type="slidenum">
+              <a:rPr lang="en-US" smtClean="0"/>
+              <a:pPr/>
+              <a:t>‹#›</a:t>
+            </a:fld>
+            <a:endParaRPr lang="en-US"/>
+          </a:p>
+        </p:txBody>
+      </p:sp>
     </p:spTree>
   </p:cSld>
   <p:clrMapOvr>
@@ -8530,7 +8702,7 @@
 </file>
 
 <file path=ppt/slideLayouts/slideLayout42.xml><?xml version="1.0" encoding="utf-8"?>
-<p:sldLayout xmlns:a="http://schemas.openxmlformats.org/drawingml/2006/main" xmlns:r="http://schemas.openxmlformats.org/officeDocument/2006/relationships" xmlns:p="http://schemas.openxmlformats.org/presentationml/2006/main" type="objOnly" preserve="1">
+<p:sldLayout xmlns:a="http://schemas.openxmlformats.org/drawingml/2006/main" xmlns:r="http://schemas.openxmlformats.org/officeDocument/2006/relationships" xmlns:p="http://schemas.openxmlformats.org/presentationml/2006/main" showMasterSp="0" type="objOnly" preserve="1">
   <p:cSld name="Centered Text">
     <p:spTree>
       <p:nvGrpSpPr>
@@ -8584,6 +8756,30 @@
           </a:p>
         </p:txBody>
       </p:sp>
+      <p:sp>
+        <p:nvSpPr>
+          <p:cNvPr id="3" name="Slide Number Placeholder 2"/>
+          <p:cNvSpPr>
+            <a:spLocks noGrp="1"/>
+          </p:cNvSpPr>
+          <p:nvPr>
+            <p:ph type="sldNum" sz="quarter" idx="10"/>
+          </p:nvPr>
+        </p:nvSpPr>
+        <p:spPr/>
+        <p:txBody>
+          <a:bodyPr/>
+          <a:lstStyle/>
+          <a:p>
+            <a:fld id="{714AF57F-C028-4417-9912-30B33DA37979}" type="slidenum">
+              <a:rPr lang="en-US" smtClean="0"/>
+              <a:pPr/>
+              <a:t>‹#›</a:t>
+            </a:fld>
+            <a:endParaRPr lang="en-US"/>
+          </a:p>
+        </p:txBody>
+      </p:sp>
     </p:spTree>
   </p:cSld>
   <p:clrMapOvr>
@@ -8593,7 +8789,7 @@
 </file>
 
 <file path=ppt/slideLayouts/slideLayout43.xml><?xml version="1.0" encoding="utf-8"?>
-<p:sldLayout xmlns:a="http://schemas.openxmlformats.org/drawingml/2006/main" xmlns:r="http://schemas.openxmlformats.org/officeDocument/2006/relationships" xmlns:p="http://schemas.openxmlformats.org/presentationml/2006/main" type="twoObjAndObj" preserve="1">
+<p:sldLayout xmlns:a="http://schemas.openxmlformats.org/drawingml/2006/main" xmlns:r="http://schemas.openxmlformats.org/officeDocument/2006/relationships" xmlns:p="http://schemas.openxmlformats.org/presentationml/2006/main" showMasterSp="0" type="twoObjAndObj" preserve="1">
   <p:cSld name="Title, 2 Content and Content">
     <p:spTree>
       <p:nvGrpSpPr>
@@ -8758,6 +8954,35 @@
           </a:p>
         </p:txBody>
       </p:sp>
+      <p:sp>
+        <p:nvSpPr>
+          <p:cNvPr id="6" name="Slide Number Placeholder 5"/>
+          <p:cNvSpPr>
+            <a:spLocks noGrp="1"/>
+          </p:cNvSpPr>
+          <p:nvPr>
+            <p:ph type="sldNum" sz="quarter" idx="10"/>
+          </p:nvPr>
+        </p:nvSpPr>
+        <p:spPr>
+          <a:xfrm>
+            <a:off x="7010400" y="4868863"/>
+            <a:ext cx="2133600" cy="274637"/>
+          </a:xfrm>
+        </p:spPr>
+        <p:txBody>
+          <a:bodyPr/>
+          <a:lstStyle/>
+          <a:p>
+            <a:fld id="{714AF57F-C028-4417-9912-30B33DA37979}" type="slidenum">
+              <a:rPr lang="en-US" smtClean="0"/>
+              <a:pPr/>
+              <a:t>‹#›</a:t>
+            </a:fld>
+            <a:endParaRPr lang="en-US"/>
+          </a:p>
+        </p:txBody>
+      </p:sp>
     </p:spTree>
   </p:cSld>
   <p:clrMapOvr>
@@ -8767,7 +8992,7 @@
 </file>
 
 <file path=ppt/slideLayouts/slideLayout44.xml><?xml version="1.0" encoding="utf-8"?>
-<p:sldLayout xmlns:a="http://schemas.openxmlformats.org/drawingml/2006/main" xmlns:r="http://schemas.openxmlformats.org/officeDocument/2006/relationships" xmlns:p="http://schemas.openxmlformats.org/presentationml/2006/main" type="objAndTwoObj" preserve="1">
+<p:sldLayout xmlns:a="http://schemas.openxmlformats.org/drawingml/2006/main" xmlns:r="http://schemas.openxmlformats.org/officeDocument/2006/relationships" xmlns:p="http://schemas.openxmlformats.org/presentationml/2006/main" showMasterSp="0" type="objAndTwoObj" preserve="1">
   <p:cSld name="Title Content and 2 Content">
     <p:spTree>
       <p:nvGrpSpPr>
@@ -8932,6 +9157,30 @@
           </a:p>
         </p:txBody>
       </p:sp>
+      <p:sp>
+        <p:nvSpPr>
+          <p:cNvPr id="6" name="Slide Number Placeholder 5"/>
+          <p:cNvSpPr>
+            <a:spLocks noGrp="1"/>
+          </p:cNvSpPr>
+          <p:nvPr>
+            <p:ph type="sldNum" sz="quarter" idx="10"/>
+          </p:nvPr>
+        </p:nvSpPr>
+        <p:spPr/>
+        <p:txBody>
+          <a:bodyPr/>
+          <a:lstStyle/>
+          <a:p>
+            <a:fld id="{714AF57F-C028-4417-9912-30B33DA37979}" type="slidenum">
+              <a:rPr lang="en-US" smtClean="0"/>
+              <a:pPr/>
+              <a:t>‹#›</a:t>
+            </a:fld>
+            <a:endParaRPr lang="en-US"/>
+          </a:p>
+        </p:txBody>
+      </p:sp>
     </p:spTree>
   </p:cSld>
   <p:clrMapOvr>
@@ -8941,7 +9190,7 @@
 </file>
 
 <file path=ppt/slideLayouts/slideLayout45.xml><?xml version="1.0" encoding="utf-8"?>
-<p:sldLayout xmlns:a="http://schemas.openxmlformats.org/drawingml/2006/main" xmlns:r="http://schemas.openxmlformats.org/officeDocument/2006/relationships" xmlns:p="http://schemas.openxmlformats.org/presentationml/2006/main" type="twoObjOverTx" preserve="1">
+<p:sldLayout xmlns:a="http://schemas.openxmlformats.org/drawingml/2006/main" xmlns:r="http://schemas.openxmlformats.org/officeDocument/2006/relationships" xmlns:p="http://schemas.openxmlformats.org/presentationml/2006/main" showMasterSp="0" type="twoObjOverTx" preserve="1">
   <p:cSld name="Title, 2 Content over Content">
     <p:spTree>
       <p:nvGrpSpPr>
@@ -9106,6 +9355,30 @@
           </a:p>
         </p:txBody>
       </p:sp>
+      <p:sp>
+        <p:nvSpPr>
+          <p:cNvPr id="6" name="Slide Number Placeholder 5"/>
+          <p:cNvSpPr>
+            <a:spLocks noGrp="1"/>
+          </p:cNvSpPr>
+          <p:nvPr>
+            <p:ph type="sldNum" sz="quarter" idx="10"/>
+          </p:nvPr>
+        </p:nvSpPr>
+        <p:spPr/>
+        <p:txBody>
+          <a:bodyPr/>
+          <a:lstStyle/>
+          <a:p>
+            <a:fld id="{714AF57F-C028-4417-9912-30B33DA37979}" type="slidenum">
+              <a:rPr lang="en-US" smtClean="0"/>
+              <a:pPr/>
+              <a:t>‹#›</a:t>
+            </a:fld>
+            <a:endParaRPr lang="en-US"/>
+          </a:p>
+        </p:txBody>
+      </p:sp>
     </p:spTree>
   </p:cSld>
   <p:clrMapOvr>
@@ -9115,7 +9388,7 @@
 </file>
 
 <file path=ppt/slideLayouts/slideLayout46.xml><?xml version="1.0" encoding="utf-8"?>
-<p:sldLayout xmlns:a="http://schemas.openxmlformats.org/drawingml/2006/main" xmlns:r="http://schemas.openxmlformats.org/officeDocument/2006/relationships" xmlns:p="http://schemas.openxmlformats.org/presentationml/2006/main" type="objOverTx" preserve="1">
+<p:sldLayout xmlns:a="http://schemas.openxmlformats.org/drawingml/2006/main" xmlns:r="http://schemas.openxmlformats.org/officeDocument/2006/relationships" xmlns:p="http://schemas.openxmlformats.org/presentationml/2006/main" showMasterSp="0" type="objOverTx" preserve="1">
   <p:cSld name="Title, Content over Content">
     <p:spTree>
       <p:nvGrpSpPr>
@@ -9243,6 +9516,30 @@
           </a:p>
         </p:txBody>
       </p:sp>
+      <p:sp>
+        <p:nvSpPr>
+          <p:cNvPr id="5" name="Slide Number Placeholder 4"/>
+          <p:cNvSpPr>
+            <a:spLocks noGrp="1"/>
+          </p:cNvSpPr>
+          <p:nvPr>
+            <p:ph type="sldNum" sz="quarter" idx="10"/>
+          </p:nvPr>
+        </p:nvSpPr>
+        <p:spPr/>
+        <p:txBody>
+          <a:bodyPr/>
+          <a:lstStyle/>
+          <a:p>
+            <a:fld id="{714AF57F-C028-4417-9912-30B33DA37979}" type="slidenum">
+              <a:rPr lang="en-US" smtClean="0"/>
+              <a:pPr/>
+              <a:t>‹#›</a:t>
+            </a:fld>
+            <a:endParaRPr lang="en-US"/>
+          </a:p>
+        </p:txBody>
+      </p:sp>
     </p:spTree>
   </p:cSld>
   <p:clrMapOvr>
@@ -9252,7 +9549,7 @@
 </file>
 
 <file path=ppt/slideLayouts/slideLayout47.xml><?xml version="1.0" encoding="utf-8"?>
-<p:sldLayout xmlns:a="http://schemas.openxmlformats.org/drawingml/2006/main" xmlns:r="http://schemas.openxmlformats.org/officeDocument/2006/relationships" xmlns:p="http://schemas.openxmlformats.org/presentationml/2006/main" type="fourObj" preserve="1">
+<p:sldLayout xmlns:a="http://schemas.openxmlformats.org/drawingml/2006/main" xmlns:r="http://schemas.openxmlformats.org/officeDocument/2006/relationships" xmlns:p="http://schemas.openxmlformats.org/presentationml/2006/main" showMasterSp="0" type="fourObj" preserve="1">
   <p:cSld name="Title, 4 Content">
     <p:spTree>
       <p:nvGrpSpPr>
@@ -9454,6 +9751,30 @@
           </a:p>
         </p:txBody>
       </p:sp>
+      <p:sp>
+        <p:nvSpPr>
+          <p:cNvPr id="7" name="Slide Number Placeholder 6"/>
+          <p:cNvSpPr>
+            <a:spLocks noGrp="1"/>
+          </p:cNvSpPr>
+          <p:nvPr>
+            <p:ph type="sldNum" sz="quarter" idx="10"/>
+          </p:nvPr>
+        </p:nvSpPr>
+        <p:spPr/>
+        <p:txBody>
+          <a:bodyPr/>
+          <a:lstStyle/>
+          <a:p>
+            <a:fld id="{714AF57F-C028-4417-9912-30B33DA37979}" type="slidenum">
+              <a:rPr lang="en-US" smtClean="0"/>
+              <a:pPr/>
+              <a:t>‹#›</a:t>
+            </a:fld>
+            <a:endParaRPr lang="en-US"/>
+          </a:p>
+        </p:txBody>
+      </p:sp>
     </p:spTree>
   </p:cSld>
   <p:clrMapOvr>
@@ -9463,7 +9784,7 @@
 </file>
 
 <file path=ppt/slideLayouts/slideLayout48.xml><?xml version="1.0" encoding="utf-8"?>
-<p:sldLayout xmlns:a="http://schemas.openxmlformats.org/drawingml/2006/main" xmlns:r="http://schemas.openxmlformats.org/officeDocument/2006/relationships" xmlns:p="http://schemas.openxmlformats.org/presentationml/2006/main" type="blank" preserve="1">
+<p:sldLayout xmlns:a="http://schemas.openxmlformats.org/drawingml/2006/main" xmlns:r="http://schemas.openxmlformats.org/officeDocument/2006/relationships" xmlns:p="http://schemas.openxmlformats.org/presentationml/2006/main" showMasterSp="0" type="blank" preserve="1">
   <p:cSld name="Title, 6 Content">
     <p:spTree>
       <p:nvGrpSpPr>
@@ -9637,6 +9958,30 @@
           </a:ln>
         </p:spPr>
       </p:pic>
+      <p:sp>
+        <p:nvSpPr>
+          <p:cNvPr id="7" name="Slide Number Placeholder 6"/>
+          <p:cNvSpPr>
+            <a:spLocks noGrp="1"/>
+          </p:cNvSpPr>
+          <p:nvPr>
+            <p:ph type="sldNum" sz="quarter" idx="10"/>
+          </p:nvPr>
+        </p:nvSpPr>
+        <p:spPr/>
+        <p:txBody>
+          <a:bodyPr/>
+          <a:lstStyle/>
+          <a:p>
+            <a:fld id="{714AF57F-C028-4417-9912-30B33DA37979}" type="slidenum">
+              <a:rPr lang="en-US" smtClean="0"/>
+              <a:pPr/>
+              <a:t>‹#›</a:t>
+            </a:fld>
+            <a:endParaRPr lang="en-US"/>
+          </a:p>
+        </p:txBody>
+      </p:sp>
     </p:spTree>
   </p:cSld>
   <p:clrMapOvr>
@@ -9646,7 +9991,7 @@
 </file>
 
 <file path=ppt/slideLayouts/slideLayout49.xml><?xml version="1.0" encoding="utf-8"?>
-<p:sldLayout xmlns:a="http://schemas.openxmlformats.org/drawingml/2006/main" xmlns:r="http://schemas.openxmlformats.org/officeDocument/2006/relationships" xmlns:p="http://schemas.openxmlformats.org/presentationml/2006/main" type="blank" preserve="1">
+<p:sldLayout xmlns:a="http://schemas.openxmlformats.org/drawingml/2006/main" xmlns:r="http://schemas.openxmlformats.org/officeDocument/2006/relationships" xmlns:p="http://schemas.openxmlformats.org/presentationml/2006/main" showMasterSp="0" type="blank" preserve="1">
   <p:cSld name="Blank Slide">
     <p:spTree>
       <p:nvGrpSpPr>
@@ -9662,6 +10007,30 @@
           <a:chExt cx="0" cy="0"/>
         </a:xfrm>
       </p:grpSpPr>
+      <p:sp>
+        <p:nvSpPr>
+          <p:cNvPr id="2" name="Slide Number Placeholder 1"/>
+          <p:cNvSpPr>
+            <a:spLocks noGrp="1"/>
+          </p:cNvSpPr>
+          <p:nvPr>
+            <p:ph type="sldNum" sz="quarter" idx="10"/>
+          </p:nvPr>
+        </p:nvSpPr>
+        <p:spPr/>
+        <p:txBody>
+          <a:bodyPr/>
+          <a:lstStyle/>
+          <a:p>
+            <a:fld id="{13F31420-32A7-4038-8C7F-87501E6229E8}" type="slidenum">
+              <a:rPr lang="en-US" smtClean="0"/>
+              <a:pPr/>
+              <a:t>‹#›</a:t>
+            </a:fld>
+            <a:endParaRPr lang="en-US"/>
+          </a:p>
+        </p:txBody>
+      </p:sp>
     </p:spTree>
   </p:cSld>
   <p:clrMapOvr>
@@ -9671,7 +10040,7 @@
 </file>
 
 <file path=ppt/slideLayouts/slideLayout5.xml><?xml version="1.0" encoding="utf-8"?>
-<p:sldLayout xmlns:a="http://schemas.openxmlformats.org/drawingml/2006/main" xmlns:r="http://schemas.openxmlformats.org/officeDocument/2006/relationships" xmlns:p="http://schemas.openxmlformats.org/presentationml/2006/main" type="titleOnly" preserve="1">
+<p:sldLayout xmlns:a="http://schemas.openxmlformats.org/drawingml/2006/main" xmlns:r="http://schemas.openxmlformats.org/officeDocument/2006/relationships" xmlns:p="http://schemas.openxmlformats.org/presentationml/2006/main" showMasterSp="0" type="titleOnly" preserve="1">
   <p:cSld name="Title Only">
     <p:spTree>
       <p:nvGrpSpPr>
@@ -9725,6 +10094,30 @@
           </a:p>
         </p:txBody>
       </p:sp>
+      <p:sp>
+        <p:nvSpPr>
+          <p:cNvPr id="3" name="Slide Number Placeholder 2"/>
+          <p:cNvSpPr>
+            <a:spLocks noGrp="1"/>
+          </p:cNvSpPr>
+          <p:nvPr>
+            <p:ph type="sldNum" sz="quarter" idx="10"/>
+          </p:nvPr>
+        </p:nvSpPr>
+        <p:spPr/>
+        <p:txBody>
+          <a:bodyPr/>
+          <a:lstStyle/>
+          <a:p>
+            <a:fld id="{47153B73-58A7-42AB-9D8C-3E8AB3A435E1}" type="slidenum">
+              <a:rPr lang="en-US" smtClean="0"/>
+              <a:pPr/>
+              <a:t>‹#›</a:t>
+            </a:fld>
+            <a:endParaRPr lang="en-US"/>
+          </a:p>
+        </p:txBody>
+      </p:sp>
     </p:spTree>
   </p:cSld>
   <p:clrMapOvr>
@@ -9734,7 +10127,7 @@
 </file>
 
 <file path=ppt/slideLayouts/slideLayout50.xml><?xml version="1.0" encoding="utf-8"?>
-<p:sldLayout xmlns:a="http://schemas.openxmlformats.org/drawingml/2006/main" xmlns:r="http://schemas.openxmlformats.org/officeDocument/2006/relationships" xmlns:p="http://schemas.openxmlformats.org/presentationml/2006/main" type="tx" preserve="1">
+<p:sldLayout xmlns:a="http://schemas.openxmlformats.org/drawingml/2006/main" xmlns:r="http://schemas.openxmlformats.org/officeDocument/2006/relationships" xmlns:p="http://schemas.openxmlformats.org/presentationml/2006/main" showMasterSp="0" type="tx" preserve="1">
   <p:cSld name="Title Slide">
     <p:spTree>
       <p:nvGrpSpPr>
@@ -9826,6 +10219,30 @@
           </a:p>
         </p:txBody>
       </p:sp>
+      <p:sp>
+        <p:nvSpPr>
+          <p:cNvPr id="4" name="Slide Number Placeholder 3"/>
+          <p:cNvSpPr>
+            <a:spLocks noGrp="1"/>
+          </p:cNvSpPr>
+          <p:nvPr>
+            <p:ph type="sldNum" sz="quarter" idx="10"/>
+          </p:nvPr>
+        </p:nvSpPr>
+        <p:spPr/>
+        <p:txBody>
+          <a:bodyPr/>
+          <a:lstStyle/>
+          <a:p>
+            <a:fld id="{13F31420-32A7-4038-8C7F-87501E6229E8}" type="slidenum">
+              <a:rPr lang="en-US" smtClean="0"/>
+              <a:pPr/>
+              <a:t>‹#›</a:t>
+            </a:fld>
+            <a:endParaRPr lang="en-US"/>
+          </a:p>
+        </p:txBody>
+      </p:sp>
     </p:spTree>
   </p:cSld>
   <p:clrMapOvr>
@@ -9835,7 +10252,7 @@
 </file>
 
 <file path=ppt/slideLayouts/slideLayout51.xml><?xml version="1.0" encoding="utf-8"?>
-<p:sldLayout xmlns:a="http://schemas.openxmlformats.org/drawingml/2006/main" xmlns:r="http://schemas.openxmlformats.org/officeDocument/2006/relationships" xmlns:p="http://schemas.openxmlformats.org/presentationml/2006/main" type="obj" preserve="1">
+<p:sldLayout xmlns:a="http://schemas.openxmlformats.org/drawingml/2006/main" xmlns:r="http://schemas.openxmlformats.org/officeDocument/2006/relationships" xmlns:p="http://schemas.openxmlformats.org/presentationml/2006/main" showMasterSp="0" type="obj" preserve="1">
   <p:cSld name="Title, Content">
     <p:spTree>
       <p:nvGrpSpPr>
@@ -9926,6 +10343,30 @@
           </a:p>
         </p:txBody>
       </p:sp>
+      <p:sp>
+        <p:nvSpPr>
+          <p:cNvPr id="4" name="Slide Number Placeholder 3"/>
+          <p:cNvSpPr>
+            <a:spLocks noGrp="1"/>
+          </p:cNvSpPr>
+          <p:nvPr>
+            <p:ph type="sldNum" sz="quarter" idx="10"/>
+          </p:nvPr>
+        </p:nvSpPr>
+        <p:spPr/>
+        <p:txBody>
+          <a:bodyPr/>
+          <a:lstStyle/>
+          <a:p>
+            <a:fld id="{13F31420-32A7-4038-8C7F-87501E6229E8}" type="slidenum">
+              <a:rPr lang="en-US" smtClean="0"/>
+              <a:pPr/>
+              <a:t>‹#›</a:t>
+            </a:fld>
+            <a:endParaRPr lang="en-US"/>
+          </a:p>
+        </p:txBody>
+      </p:sp>
     </p:spTree>
   </p:cSld>
   <p:clrMapOvr>
@@ -9935,7 +10376,7 @@
 </file>
 
 <file path=ppt/slideLayouts/slideLayout52.xml><?xml version="1.0" encoding="utf-8"?>
-<p:sldLayout xmlns:a="http://schemas.openxmlformats.org/drawingml/2006/main" xmlns:r="http://schemas.openxmlformats.org/officeDocument/2006/relationships" xmlns:p="http://schemas.openxmlformats.org/presentationml/2006/main" type="twoObj" preserve="1">
+<p:sldLayout xmlns:a="http://schemas.openxmlformats.org/drawingml/2006/main" xmlns:r="http://schemas.openxmlformats.org/officeDocument/2006/relationships" xmlns:p="http://schemas.openxmlformats.org/presentationml/2006/main" showMasterSp="0" type="twoObj" preserve="1">
   <p:cSld name="Title, 2 Content">
     <p:spTree>
       <p:nvGrpSpPr>
@@ -10063,6 +10504,30 @@
           </a:p>
         </p:txBody>
       </p:sp>
+      <p:sp>
+        <p:nvSpPr>
+          <p:cNvPr id="5" name="Slide Number Placeholder 4"/>
+          <p:cNvSpPr>
+            <a:spLocks noGrp="1"/>
+          </p:cNvSpPr>
+          <p:nvPr>
+            <p:ph type="sldNum" sz="quarter" idx="10"/>
+          </p:nvPr>
+        </p:nvSpPr>
+        <p:spPr/>
+        <p:txBody>
+          <a:bodyPr/>
+          <a:lstStyle/>
+          <a:p>
+            <a:fld id="{13F31420-32A7-4038-8C7F-87501E6229E8}" type="slidenum">
+              <a:rPr lang="en-US" smtClean="0"/>
+              <a:pPr/>
+              <a:t>‹#›</a:t>
+            </a:fld>
+            <a:endParaRPr lang="en-US"/>
+          </a:p>
+        </p:txBody>
+      </p:sp>
     </p:spTree>
   </p:cSld>
   <p:clrMapOvr>
@@ -10072,7 +10537,7 @@
 </file>
 
 <file path=ppt/slideLayouts/slideLayout53.xml><?xml version="1.0" encoding="utf-8"?>
-<p:sldLayout xmlns:a="http://schemas.openxmlformats.org/drawingml/2006/main" xmlns:r="http://schemas.openxmlformats.org/officeDocument/2006/relationships" xmlns:p="http://schemas.openxmlformats.org/presentationml/2006/main" type="titleOnly" preserve="1">
+<p:sldLayout xmlns:a="http://schemas.openxmlformats.org/drawingml/2006/main" xmlns:r="http://schemas.openxmlformats.org/officeDocument/2006/relationships" xmlns:p="http://schemas.openxmlformats.org/presentationml/2006/main" showMasterSp="0" type="titleOnly" preserve="1">
   <p:cSld name="Title Only">
     <p:spTree>
       <p:nvGrpSpPr>
@@ -10126,6 +10591,30 @@
           </a:p>
         </p:txBody>
       </p:sp>
+      <p:sp>
+        <p:nvSpPr>
+          <p:cNvPr id="3" name="Slide Number Placeholder 2"/>
+          <p:cNvSpPr>
+            <a:spLocks noGrp="1"/>
+          </p:cNvSpPr>
+          <p:nvPr>
+            <p:ph type="sldNum" sz="quarter" idx="10"/>
+          </p:nvPr>
+        </p:nvSpPr>
+        <p:spPr/>
+        <p:txBody>
+          <a:bodyPr/>
+          <a:lstStyle/>
+          <a:p>
+            <a:fld id="{13F31420-32A7-4038-8C7F-87501E6229E8}" type="slidenum">
+              <a:rPr lang="en-US" smtClean="0"/>
+              <a:pPr/>
+              <a:t>‹#›</a:t>
+            </a:fld>
+            <a:endParaRPr lang="en-US"/>
+          </a:p>
+        </p:txBody>
+      </p:sp>
     </p:spTree>
   </p:cSld>
   <p:clrMapOvr>
@@ -10135,7 +10624,7 @@
 </file>
 
 <file path=ppt/slideLayouts/slideLayout54.xml><?xml version="1.0" encoding="utf-8"?>
-<p:sldLayout xmlns:a="http://schemas.openxmlformats.org/drawingml/2006/main" xmlns:r="http://schemas.openxmlformats.org/officeDocument/2006/relationships" xmlns:p="http://schemas.openxmlformats.org/presentationml/2006/main" type="objOnly" preserve="1">
+<p:sldLayout xmlns:a="http://schemas.openxmlformats.org/drawingml/2006/main" xmlns:r="http://schemas.openxmlformats.org/officeDocument/2006/relationships" xmlns:p="http://schemas.openxmlformats.org/presentationml/2006/main" showMasterSp="0" type="objOnly" preserve="1">
   <p:cSld name="Centered Text">
     <p:spTree>
       <p:nvGrpSpPr>
@@ -10189,6 +10678,30 @@
           </a:p>
         </p:txBody>
       </p:sp>
+      <p:sp>
+        <p:nvSpPr>
+          <p:cNvPr id="3" name="Slide Number Placeholder 2"/>
+          <p:cNvSpPr>
+            <a:spLocks noGrp="1"/>
+          </p:cNvSpPr>
+          <p:nvPr>
+            <p:ph type="sldNum" sz="quarter" idx="10"/>
+          </p:nvPr>
+        </p:nvSpPr>
+        <p:spPr/>
+        <p:txBody>
+          <a:bodyPr/>
+          <a:lstStyle/>
+          <a:p>
+            <a:fld id="{13F31420-32A7-4038-8C7F-87501E6229E8}" type="slidenum">
+              <a:rPr lang="en-US" smtClean="0"/>
+              <a:pPr/>
+              <a:t>‹#›</a:t>
+            </a:fld>
+            <a:endParaRPr lang="en-US"/>
+          </a:p>
+        </p:txBody>
+      </p:sp>
     </p:spTree>
   </p:cSld>
   <p:clrMapOvr>
@@ -10198,7 +10711,7 @@
 </file>
 
 <file path=ppt/slideLayouts/slideLayout55.xml><?xml version="1.0" encoding="utf-8"?>
-<p:sldLayout xmlns:a="http://schemas.openxmlformats.org/drawingml/2006/main" xmlns:r="http://schemas.openxmlformats.org/officeDocument/2006/relationships" xmlns:p="http://schemas.openxmlformats.org/presentationml/2006/main" type="twoObjAndObj" preserve="1">
+<p:sldLayout xmlns:a="http://schemas.openxmlformats.org/drawingml/2006/main" xmlns:r="http://schemas.openxmlformats.org/officeDocument/2006/relationships" xmlns:p="http://schemas.openxmlformats.org/presentationml/2006/main" showMasterSp="0" type="twoObjAndObj" preserve="1">
   <p:cSld name="Title, 2 Content and Content">
     <p:spTree>
       <p:nvGrpSpPr>
@@ -10363,6 +10876,30 @@
           </a:p>
         </p:txBody>
       </p:sp>
+      <p:sp>
+        <p:nvSpPr>
+          <p:cNvPr id="6" name="Slide Number Placeholder 5"/>
+          <p:cNvSpPr>
+            <a:spLocks noGrp="1"/>
+          </p:cNvSpPr>
+          <p:nvPr>
+            <p:ph type="sldNum" sz="quarter" idx="10"/>
+          </p:nvPr>
+        </p:nvSpPr>
+        <p:spPr/>
+        <p:txBody>
+          <a:bodyPr/>
+          <a:lstStyle/>
+          <a:p>
+            <a:fld id="{13F31420-32A7-4038-8C7F-87501E6229E8}" type="slidenum">
+              <a:rPr lang="en-US" smtClean="0"/>
+              <a:pPr/>
+              <a:t>‹#›</a:t>
+            </a:fld>
+            <a:endParaRPr lang="en-US"/>
+          </a:p>
+        </p:txBody>
+      </p:sp>
     </p:spTree>
   </p:cSld>
   <p:clrMapOvr>
@@ -10372,7 +10909,7 @@
 </file>
 
 <file path=ppt/slideLayouts/slideLayout56.xml><?xml version="1.0" encoding="utf-8"?>
-<p:sldLayout xmlns:a="http://schemas.openxmlformats.org/drawingml/2006/main" xmlns:r="http://schemas.openxmlformats.org/officeDocument/2006/relationships" xmlns:p="http://schemas.openxmlformats.org/presentationml/2006/main" type="objAndTwoObj" preserve="1">
+<p:sldLayout xmlns:a="http://schemas.openxmlformats.org/drawingml/2006/main" xmlns:r="http://schemas.openxmlformats.org/officeDocument/2006/relationships" xmlns:p="http://schemas.openxmlformats.org/presentationml/2006/main" showMasterSp="0" type="objAndTwoObj" preserve="1">
   <p:cSld name="Title Content and 2 Content">
     <p:spTree>
       <p:nvGrpSpPr>
@@ -10537,6 +11074,30 @@
           </a:p>
         </p:txBody>
       </p:sp>
+      <p:sp>
+        <p:nvSpPr>
+          <p:cNvPr id="6" name="Slide Number Placeholder 5"/>
+          <p:cNvSpPr>
+            <a:spLocks noGrp="1"/>
+          </p:cNvSpPr>
+          <p:nvPr>
+            <p:ph type="sldNum" sz="quarter" idx="10"/>
+          </p:nvPr>
+        </p:nvSpPr>
+        <p:spPr/>
+        <p:txBody>
+          <a:bodyPr/>
+          <a:lstStyle/>
+          <a:p>
+            <a:fld id="{13F31420-32A7-4038-8C7F-87501E6229E8}" type="slidenum">
+              <a:rPr lang="en-US" smtClean="0"/>
+              <a:pPr/>
+              <a:t>‹#›</a:t>
+            </a:fld>
+            <a:endParaRPr lang="en-US"/>
+          </a:p>
+        </p:txBody>
+      </p:sp>
     </p:spTree>
   </p:cSld>
   <p:clrMapOvr>
@@ -10546,7 +11107,7 @@
 </file>
 
 <file path=ppt/slideLayouts/slideLayout57.xml><?xml version="1.0" encoding="utf-8"?>
-<p:sldLayout xmlns:a="http://schemas.openxmlformats.org/drawingml/2006/main" xmlns:r="http://schemas.openxmlformats.org/officeDocument/2006/relationships" xmlns:p="http://schemas.openxmlformats.org/presentationml/2006/main" type="twoObjOverTx" preserve="1">
+<p:sldLayout xmlns:a="http://schemas.openxmlformats.org/drawingml/2006/main" xmlns:r="http://schemas.openxmlformats.org/officeDocument/2006/relationships" xmlns:p="http://schemas.openxmlformats.org/presentationml/2006/main" showMasterSp="0" type="twoObjOverTx" preserve="1">
   <p:cSld name="Title, 2 Content over Content">
     <p:spTree>
       <p:nvGrpSpPr>
@@ -10711,6 +11272,30 @@
           </a:p>
         </p:txBody>
       </p:sp>
+      <p:sp>
+        <p:nvSpPr>
+          <p:cNvPr id="6" name="Slide Number Placeholder 5"/>
+          <p:cNvSpPr>
+            <a:spLocks noGrp="1"/>
+          </p:cNvSpPr>
+          <p:nvPr>
+            <p:ph type="sldNum" sz="quarter" idx="10"/>
+          </p:nvPr>
+        </p:nvSpPr>
+        <p:spPr/>
+        <p:txBody>
+          <a:bodyPr/>
+          <a:lstStyle/>
+          <a:p>
+            <a:fld id="{13F31420-32A7-4038-8C7F-87501E6229E8}" type="slidenum">
+              <a:rPr lang="en-US" smtClean="0"/>
+              <a:pPr/>
+              <a:t>‹#›</a:t>
+            </a:fld>
+            <a:endParaRPr lang="en-US"/>
+          </a:p>
+        </p:txBody>
+      </p:sp>
     </p:spTree>
   </p:cSld>
   <p:clrMapOvr>
@@ -10720,7 +11305,7 @@
 </file>
 
 <file path=ppt/slideLayouts/slideLayout58.xml><?xml version="1.0" encoding="utf-8"?>
-<p:sldLayout xmlns:a="http://schemas.openxmlformats.org/drawingml/2006/main" xmlns:r="http://schemas.openxmlformats.org/officeDocument/2006/relationships" xmlns:p="http://schemas.openxmlformats.org/presentationml/2006/main" type="objOverTx" preserve="1">
+<p:sldLayout xmlns:a="http://schemas.openxmlformats.org/drawingml/2006/main" xmlns:r="http://schemas.openxmlformats.org/officeDocument/2006/relationships" xmlns:p="http://schemas.openxmlformats.org/presentationml/2006/main" showMasterSp="0" type="objOverTx" preserve="1">
   <p:cSld name="Title, Content over Content">
     <p:spTree>
       <p:nvGrpSpPr>
@@ -10848,6 +11433,30 @@
           </a:p>
         </p:txBody>
       </p:sp>
+      <p:sp>
+        <p:nvSpPr>
+          <p:cNvPr id="5" name="Slide Number Placeholder 4"/>
+          <p:cNvSpPr>
+            <a:spLocks noGrp="1"/>
+          </p:cNvSpPr>
+          <p:nvPr>
+            <p:ph type="sldNum" sz="quarter" idx="10"/>
+          </p:nvPr>
+        </p:nvSpPr>
+        <p:spPr/>
+        <p:txBody>
+          <a:bodyPr/>
+          <a:lstStyle/>
+          <a:p>
+            <a:fld id="{13F31420-32A7-4038-8C7F-87501E6229E8}" type="slidenum">
+              <a:rPr lang="en-US" smtClean="0"/>
+              <a:pPr/>
+              <a:t>‹#›</a:t>
+            </a:fld>
+            <a:endParaRPr lang="en-US"/>
+          </a:p>
+        </p:txBody>
+      </p:sp>
     </p:spTree>
   </p:cSld>
   <p:clrMapOvr>
@@ -10857,7 +11466,7 @@
 </file>
 
 <file path=ppt/slideLayouts/slideLayout59.xml><?xml version="1.0" encoding="utf-8"?>
-<p:sldLayout xmlns:a="http://schemas.openxmlformats.org/drawingml/2006/main" xmlns:r="http://schemas.openxmlformats.org/officeDocument/2006/relationships" xmlns:p="http://schemas.openxmlformats.org/presentationml/2006/main" type="fourObj" preserve="1">
+<p:sldLayout xmlns:a="http://schemas.openxmlformats.org/drawingml/2006/main" xmlns:r="http://schemas.openxmlformats.org/officeDocument/2006/relationships" xmlns:p="http://schemas.openxmlformats.org/presentationml/2006/main" showMasterSp="0" type="fourObj" preserve="1">
   <p:cSld name="Title, 4 Content">
     <p:spTree>
       <p:nvGrpSpPr>
@@ -11059,6 +11668,30 @@
           </a:p>
         </p:txBody>
       </p:sp>
+      <p:sp>
+        <p:nvSpPr>
+          <p:cNvPr id="7" name="Slide Number Placeholder 6"/>
+          <p:cNvSpPr>
+            <a:spLocks noGrp="1"/>
+          </p:cNvSpPr>
+          <p:nvPr>
+            <p:ph type="sldNum" sz="quarter" idx="10"/>
+          </p:nvPr>
+        </p:nvSpPr>
+        <p:spPr/>
+        <p:txBody>
+          <a:bodyPr/>
+          <a:lstStyle/>
+          <a:p>
+            <a:fld id="{13F31420-32A7-4038-8C7F-87501E6229E8}" type="slidenum">
+              <a:rPr lang="en-US" smtClean="0"/>
+              <a:pPr/>
+              <a:t>‹#›</a:t>
+            </a:fld>
+            <a:endParaRPr lang="en-US"/>
+          </a:p>
+        </p:txBody>
+      </p:sp>
     </p:spTree>
   </p:cSld>
   <p:clrMapOvr>
@@ -11068,7 +11701,7 @@
 </file>
 
 <file path=ppt/slideLayouts/slideLayout6.xml><?xml version="1.0" encoding="utf-8"?>
-<p:sldLayout xmlns:a="http://schemas.openxmlformats.org/drawingml/2006/main" xmlns:r="http://schemas.openxmlformats.org/officeDocument/2006/relationships" xmlns:p="http://schemas.openxmlformats.org/presentationml/2006/main" type="objOnly" preserve="1">
+<p:sldLayout xmlns:a="http://schemas.openxmlformats.org/drawingml/2006/main" xmlns:r="http://schemas.openxmlformats.org/officeDocument/2006/relationships" xmlns:p="http://schemas.openxmlformats.org/presentationml/2006/main" showMasterSp="0" type="objOnly" preserve="1">
   <p:cSld name="Centered Text">
     <p:spTree>
       <p:nvGrpSpPr>
@@ -11122,6 +11755,30 @@
           </a:p>
         </p:txBody>
       </p:sp>
+      <p:sp>
+        <p:nvSpPr>
+          <p:cNvPr id="3" name="Slide Number Placeholder 2"/>
+          <p:cNvSpPr>
+            <a:spLocks noGrp="1"/>
+          </p:cNvSpPr>
+          <p:nvPr>
+            <p:ph type="sldNum" sz="quarter" idx="10"/>
+          </p:nvPr>
+        </p:nvSpPr>
+        <p:spPr/>
+        <p:txBody>
+          <a:bodyPr/>
+          <a:lstStyle/>
+          <a:p>
+            <a:fld id="{47153B73-58A7-42AB-9D8C-3E8AB3A435E1}" type="slidenum">
+              <a:rPr lang="en-US" smtClean="0"/>
+              <a:pPr/>
+              <a:t>‹#›</a:t>
+            </a:fld>
+            <a:endParaRPr lang="en-US"/>
+          </a:p>
+        </p:txBody>
+      </p:sp>
     </p:spTree>
   </p:cSld>
   <p:clrMapOvr>
@@ -11131,7 +11788,7 @@
 </file>
 
 <file path=ppt/slideLayouts/slideLayout60.xml><?xml version="1.0" encoding="utf-8"?>
-<p:sldLayout xmlns:a="http://schemas.openxmlformats.org/drawingml/2006/main" xmlns:r="http://schemas.openxmlformats.org/officeDocument/2006/relationships" xmlns:p="http://schemas.openxmlformats.org/presentationml/2006/main" type="blank" preserve="1">
+<p:sldLayout xmlns:a="http://schemas.openxmlformats.org/drawingml/2006/main" xmlns:r="http://schemas.openxmlformats.org/officeDocument/2006/relationships" xmlns:p="http://schemas.openxmlformats.org/presentationml/2006/main" showMasterSp="0" type="blank" preserve="1">
   <p:cSld name="Title, 6 Content">
     <p:spTree>
       <p:nvGrpSpPr>
@@ -11305,6 +11962,30 @@
           </a:ln>
         </p:spPr>
       </p:pic>
+      <p:sp>
+        <p:nvSpPr>
+          <p:cNvPr id="7" name="Slide Number Placeholder 6"/>
+          <p:cNvSpPr>
+            <a:spLocks noGrp="1"/>
+          </p:cNvSpPr>
+          <p:nvPr>
+            <p:ph type="sldNum" sz="quarter" idx="10"/>
+          </p:nvPr>
+        </p:nvSpPr>
+        <p:spPr/>
+        <p:txBody>
+          <a:bodyPr/>
+          <a:lstStyle/>
+          <a:p>
+            <a:fld id="{13F31420-32A7-4038-8C7F-87501E6229E8}" type="slidenum">
+              <a:rPr lang="en-US" smtClean="0"/>
+              <a:pPr/>
+              <a:t>‹#›</a:t>
+            </a:fld>
+            <a:endParaRPr lang="en-US"/>
+          </a:p>
+        </p:txBody>
+      </p:sp>
     </p:spTree>
   </p:cSld>
   <p:clrMapOvr>
@@ -11314,7 +11995,7 @@
 </file>
 
 <file path=ppt/slideLayouts/slideLayout7.xml><?xml version="1.0" encoding="utf-8"?>
-<p:sldLayout xmlns:a="http://schemas.openxmlformats.org/drawingml/2006/main" xmlns:r="http://schemas.openxmlformats.org/officeDocument/2006/relationships" xmlns:p="http://schemas.openxmlformats.org/presentationml/2006/main" type="twoObjAndObj" preserve="1">
+<p:sldLayout xmlns:a="http://schemas.openxmlformats.org/drawingml/2006/main" xmlns:r="http://schemas.openxmlformats.org/officeDocument/2006/relationships" xmlns:p="http://schemas.openxmlformats.org/presentationml/2006/main" showMasterSp="0" type="twoObjAndObj" preserve="1">
   <p:cSld name="Title, 2 Content and Content">
     <p:spTree>
       <p:nvGrpSpPr>
@@ -11479,6 +12160,30 @@
           </a:p>
         </p:txBody>
       </p:sp>
+      <p:sp>
+        <p:nvSpPr>
+          <p:cNvPr id="6" name="Slide Number Placeholder 5"/>
+          <p:cNvSpPr>
+            <a:spLocks noGrp="1"/>
+          </p:cNvSpPr>
+          <p:nvPr>
+            <p:ph type="sldNum" sz="quarter" idx="10"/>
+          </p:nvPr>
+        </p:nvSpPr>
+        <p:spPr/>
+        <p:txBody>
+          <a:bodyPr/>
+          <a:lstStyle/>
+          <a:p>
+            <a:fld id="{47153B73-58A7-42AB-9D8C-3E8AB3A435E1}" type="slidenum">
+              <a:rPr lang="en-US" smtClean="0"/>
+              <a:pPr/>
+              <a:t>‹#›</a:t>
+            </a:fld>
+            <a:endParaRPr lang="en-US"/>
+          </a:p>
+        </p:txBody>
+      </p:sp>
     </p:spTree>
   </p:cSld>
   <p:clrMapOvr>
@@ -11488,7 +12193,7 @@
 </file>
 
 <file path=ppt/slideLayouts/slideLayout8.xml><?xml version="1.0" encoding="utf-8"?>
-<p:sldLayout xmlns:a="http://schemas.openxmlformats.org/drawingml/2006/main" xmlns:r="http://schemas.openxmlformats.org/officeDocument/2006/relationships" xmlns:p="http://schemas.openxmlformats.org/presentationml/2006/main" type="objAndTwoObj" preserve="1">
+<p:sldLayout xmlns:a="http://schemas.openxmlformats.org/drawingml/2006/main" xmlns:r="http://schemas.openxmlformats.org/officeDocument/2006/relationships" xmlns:p="http://schemas.openxmlformats.org/presentationml/2006/main" showMasterSp="0" type="objAndTwoObj" preserve="1">
   <p:cSld name="Title Content and 2 Content">
     <p:spTree>
       <p:nvGrpSpPr>
@@ -11653,6 +12358,30 @@
           </a:p>
         </p:txBody>
       </p:sp>
+      <p:sp>
+        <p:nvSpPr>
+          <p:cNvPr id="6" name="Slide Number Placeholder 5"/>
+          <p:cNvSpPr>
+            <a:spLocks noGrp="1"/>
+          </p:cNvSpPr>
+          <p:nvPr>
+            <p:ph type="sldNum" sz="quarter" idx="10"/>
+          </p:nvPr>
+        </p:nvSpPr>
+        <p:spPr/>
+        <p:txBody>
+          <a:bodyPr/>
+          <a:lstStyle/>
+          <a:p>
+            <a:fld id="{47153B73-58A7-42AB-9D8C-3E8AB3A435E1}" type="slidenum">
+              <a:rPr lang="en-US" smtClean="0"/>
+              <a:pPr/>
+              <a:t>‹#›</a:t>
+            </a:fld>
+            <a:endParaRPr lang="en-US"/>
+          </a:p>
+        </p:txBody>
+      </p:sp>
     </p:spTree>
   </p:cSld>
   <p:clrMapOvr>
@@ -11662,7 +12391,7 @@
 </file>
 
 <file path=ppt/slideLayouts/slideLayout9.xml><?xml version="1.0" encoding="utf-8"?>
-<p:sldLayout xmlns:a="http://schemas.openxmlformats.org/drawingml/2006/main" xmlns:r="http://schemas.openxmlformats.org/officeDocument/2006/relationships" xmlns:p="http://schemas.openxmlformats.org/presentationml/2006/main" type="twoObjOverTx" preserve="1">
+<p:sldLayout xmlns:a="http://schemas.openxmlformats.org/drawingml/2006/main" xmlns:r="http://schemas.openxmlformats.org/officeDocument/2006/relationships" xmlns:p="http://schemas.openxmlformats.org/presentationml/2006/main" showMasterSp="0" type="twoObjOverTx" preserve="1">
   <p:cSld name="Title, 2 Content over Content">
     <p:spTree>
       <p:nvGrpSpPr>
@@ -11827,6 +12556,30 @@
           </a:p>
         </p:txBody>
       </p:sp>
+      <p:sp>
+        <p:nvSpPr>
+          <p:cNvPr id="6" name="Slide Number Placeholder 5"/>
+          <p:cNvSpPr>
+            <a:spLocks noGrp="1"/>
+          </p:cNvSpPr>
+          <p:nvPr>
+            <p:ph type="sldNum" sz="quarter" idx="10"/>
+          </p:nvPr>
+        </p:nvSpPr>
+        <p:spPr/>
+        <p:txBody>
+          <a:bodyPr/>
+          <a:lstStyle/>
+          <a:p>
+            <a:fld id="{47153B73-58A7-42AB-9D8C-3E8AB3A435E1}" type="slidenum">
+              <a:rPr lang="en-US" smtClean="0"/>
+              <a:pPr/>
+              <a:t>‹#›</a:t>
+            </a:fld>
+            <a:endParaRPr lang="en-US"/>
+          </a:p>
+        </p:txBody>
+      </p:sp>
     </p:spTree>
   </p:cSld>
   <p:clrMapOvr>
@@ -11840,9 +12593,15 @@
   <p:cSld>
     <p:bg>
       <p:bgPr>
-        <a:solidFill>
-          <a:srgbClr val="EAEAEA"/>
-        </a:solidFill>
+        <a:blipFill dpi="0" rotWithShape="1">
+          <a:blip r:embed="rId14">
+            <a:lum/>
+          </a:blip>
+          <a:srcRect/>
+          <a:stretch>
+            <a:fillRect/>
+          </a:stretch>
+        </a:blipFill>
         <a:effectLst/>
       </p:bgPr>
     </p:bg>
@@ -12607,6 +13366,48 @@
               </a:rPr>
               <a:t>Seventh Outline Level</a:t>
             </a:r>
+          </a:p>
+        </p:txBody>
+      </p:sp>
+      <p:sp>
+        <p:nvSpPr>
+          <p:cNvPr id="15" name="Slide Number Placeholder 14"/>
+          <p:cNvSpPr>
+            <a:spLocks noGrp="1"/>
+          </p:cNvSpPr>
+          <p:nvPr>
+            <p:ph type="sldNum" sz="quarter" idx="4"/>
+          </p:nvPr>
+        </p:nvSpPr>
+        <p:spPr>
+          <a:xfrm>
+            <a:off x="6553200" y="4767263"/>
+            <a:ext cx="2133600" cy="274637"/>
+          </a:xfrm>
+          <a:prstGeom prst="rect">
+            <a:avLst/>
+          </a:prstGeom>
+        </p:spPr>
+        <p:txBody>
+          <a:bodyPr vert="horz" lIns="91440" tIns="45720" rIns="91440" bIns="45720" rtlCol="0" anchor="ctr"/>
+          <a:lstStyle>
+            <a:lvl1pPr algn="r">
+              <a:defRPr sz="1200">
+                <a:solidFill>
+                  <a:schemeClr val="tx1">
+                    <a:tint val="75000"/>
+                  </a:schemeClr>
+                </a:solidFill>
+              </a:defRPr>
+            </a:lvl1pPr>
+          </a:lstStyle>
+          <a:p>
+            <a:fld id="{47153B73-58A7-42AB-9D8C-3E8AB3A435E1}" type="slidenum">
+              <a:rPr lang="en-US" smtClean="0"/>
+              <a:pPr/>
+              <a:t>‹#›</a:t>
+            </a:fld>
+            <a:endParaRPr lang="en-US"/>
           </a:p>
         </p:txBody>
       </p:sp>
@@ -12641,9 +13442,15 @@
   <p:cSld>
     <p:bg>
       <p:bgPr>
-        <a:solidFill>
-          <a:srgbClr val="EAEAEA"/>
-        </a:solidFill>
+        <a:blipFill dpi="0" rotWithShape="1">
+          <a:blip r:embed="rId14">
+            <a:lum/>
+          </a:blip>
+          <a:srcRect/>
+          <a:stretch>
+            <a:fillRect/>
+          </a:stretch>
+        </a:blipFill>
         <a:effectLst/>
       </p:bgPr>
     </p:bg>
@@ -13347,6 +14154,48 @@
               </a:rPr>
               <a:t>Seventh Outline Level</a:t>
             </a:r>
+          </a:p>
+        </p:txBody>
+      </p:sp>
+      <p:sp>
+        <p:nvSpPr>
+          <p:cNvPr id="11" name="Slide Number Placeholder 10"/>
+          <p:cNvSpPr>
+            <a:spLocks noGrp="1"/>
+          </p:cNvSpPr>
+          <p:nvPr>
+            <p:ph type="sldNum" sz="quarter" idx="4"/>
+          </p:nvPr>
+        </p:nvSpPr>
+        <p:spPr>
+          <a:xfrm>
+            <a:off x="6553200" y="4767263"/>
+            <a:ext cx="2133600" cy="274637"/>
+          </a:xfrm>
+          <a:prstGeom prst="rect">
+            <a:avLst/>
+          </a:prstGeom>
+        </p:spPr>
+        <p:txBody>
+          <a:bodyPr vert="horz" lIns="91440" tIns="45720" rIns="91440" bIns="45720" rtlCol="0" anchor="ctr"/>
+          <a:lstStyle>
+            <a:lvl1pPr algn="r">
+              <a:defRPr sz="1200">
+                <a:solidFill>
+                  <a:schemeClr val="tx1">
+                    <a:tint val="75000"/>
+                  </a:schemeClr>
+                </a:solidFill>
+              </a:defRPr>
+            </a:lvl1pPr>
+          </a:lstStyle>
+          <a:p>
+            <a:fld id="{18F6FF48-2AB7-4F1E-BE21-839A6DC33C1E}" type="slidenum">
+              <a:rPr lang="en-US" smtClean="0"/>
+              <a:pPr/>
+              <a:t>‹#›</a:t>
+            </a:fld>
+            <a:endParaRPr lang="en-US"/>
           </a:p>
         </p:txBody>
       </p:sp>
@@ -13381,9 +14230,15 @@
   <p:cSld>
     <p:bg>
       <p:bgPr>
-        <a:solidFill>
-          <a:srgbClr val="EAEAEA"/>
-        </a:solidFill>
+        <a:blipFill dpi="0" rotWithShape="1">
+          <a:blip r:embed="rId14">
+            <a:lum/>
+          </a:blip>
+          <a:srcRect/>
+          <a:stretch>
+            <a:fillRect/>
+          </a:stretch>
+        </a:blipFill>
         <a:effectLst/>
       </p:bgPr>
     </p:bg>
@@ -14146,6 +15001,48 @@
               </a:rPr>
               <a:t>Seventh Outline Level</a:t>
             </a:r>
+          </a:p>
+        </p:txBody>
+      </p:sp>
+      <p:sp>
+        <p:nvSpPr>
+          <p:cNvPr id="13" name="Slide Number Placeholder 12"/>
+          <p:cNvSpPr>
+            <a:spLocks noGrp="1"/>
+          </p:cNvSpPr>
+          <p:nvPr>
+            <p:ph type="sldNum" sz="quarter" idx="4"/>
+          </p:nvPr>
+        </p:nvSpPr>
+        <p:spPr>
+          <a:xfrm>
+            <a:off x="6553200" y="4767263"/>
+            <a:ext cx="2133600" cy="274637"/>
+          </a:xfrm>
+          <a:prstGeom prst="rect">
+            <a:avLst/>
+          </a:prstGeom>
+        </p:spPr>
+        <p:txBody>
+          <a:bodyPr vert="horz" lIns="91440" tIns="45720" rIns="91440" bIns="45720" rtlCol="0" anchor="ctr"/>
+          <a:lstStyle>
+            <a:lvl1pPr algn="r">
+              <a:defRPr sz="1200">
+                <a:solidFill>
+                  <a:schemeClr val="tx1">
+                    <a:tint val="75000"/>
+                  </a:schemeClr>
+                </a:solidFill>
+              </a:defRPr>
+            </a:lvl1pPr>
+          </a:lstStyle>
+          <a:p>
+            <a:fld id="{490E713B-6DB6-418E-B1A4-23C8401C250A}" type="slidenum">
+              <a:rPr lang="en-US" smtClean="0"/>
+              <a:pPr/>
+              <a:t>‹#›</a:t>
+            </a:fld>
+            <a:endParaRPr lang="en-US"/>
           </a:p>
         </p:txBody>
       </p:sp>
@@ -14180,9 +15077,15 @@
   <p:cSld>
     <p:bg>
       <p:bgPr>
-        <a:solidFill>
-          <a:srgbClr val="EAEAEA"/>
-        </a:solidFill>
+        <a:blipFill dpi="0" rotWithShape="1">
+          <a:blip r:embed="rId14">
+            <a:lum/>
+          </a:blip>
+          <a:srcRect/>
+          <a:stretch>
+            <a:fillRect/>
+          </a:stretch>
+        </a:blipFill>
         <a:effectLst/>
       </p:bgPr>
     </p:bg>
@@ -14886,6 +15789,48 @@
               </a:rPr>
               <a:t>Seventh Outline Level</a:t>
             </a:r>
+          </a:p>
+        </p:txBody>
+      </p:sp>
+      <p:sp>
+        <p:nvSpPr>
+          <p:cNvPr id="11" name="Slide Number Placeholder 10"/>
+          <p:cNvSpPr>
+            <a:spLocks noGrp="1"/>
+          </p:cNvSpPr>
+          <p:nvPr>
+            <p:ph type="sldNum" sz="quarter" idx="4"/>
+          </p:nvPr>
+        </p:nvSpPr>
+        <p:spPr>
+          <a:xfrm>
+            <a:off x="6553200" y="4767263"/>
+            <a:ext cx="2133600" cy="274637"/>
+          </a:xfrm>
+          <a:prstGeom prst="rect">
+            <a:avLst/>
+          </a:prstGeom>
+        </p:spPr>
+        <p:txBody>
+          <a:bodyPr vert="horz" lIns="91440" tIns="45720" rIns="91440" bIns="45720" rtlCol="0" anchor="ctr"/>
+          <a:lstStyle>
+            <a:lvl1pPr algn="r">
+              <a:defRPr sz="1200">
+                <a:solidFill>
+                  <a:schemeClr val="tx1">
+                    <a:tint val="75000"/>
+                  </a:schemeClr>
+                </a:solidFill>
+              </a:defRPr>
+            </a:lvl1pPr>
+          </a:lstStyle>
+          <a:p>
+            <a:fld id="{714AF57F-C028-4417-9912-30B33DA37979}" type="slidenum">
+              <a:rPr lang="en-US" smtClean="0"/>
+              <a:pPr/>
+              <a:t>‹#›</a:t>
+            </a:fld>
+            <a:endParaRPr lang="en-US"/>
           </a:p>
         </p:txBody>
       </p:sp>
@@ -14920,9 +15865,15 @@
   <p:cSld>
     <p:bg>
       <p:bgPr>
-        <a:solidFill>
-          <a:srgbClr val="EAEAEA"/>
-        </a:solidFill>
+        <a:blipFill dpi="0" rotWithShape="1">
+          <a:blip r:embed="rId14">
+            <a:lum/>
+          </a:blip>
+          <a:srcRect/>
+          <a:stretch>
+            <a:fillRect/>
+          </a:stretch>
+        </a:blipFill>
         <a:effectLst/>
       </p:bgPr>
     </p:bg>
@@ -15626,6 +16577,48 @@
               </a:rPr>
               <a:t>Seventh Outline Level</a:t>
             </a:r>
+          </a:p>
+        </p:txBody>
+      </p:sp>
+      <p:sp>
+        <p:nvSpPr>
+          <p:cNvPr id="11" name="Slide Number Placeholder 10"/>
+          <p:cNvSpPr>
+            <a:spLocks noGrp="1"/>
+          </p:cNvSpPr>
+          <p:nvPr>
+            <p:ph type="sldNum" sz="quarter" idx="4"/>
+          </p:nvPr>
+        </p:nvSpPr>
+        <p:spPr>
+          <a:xfrm>
+            <a:off x="6553200" y="4767263"/>
+            <a:ext cx="2133600" cy="274637"/>
+          </a:xfrm>
+          <a:prstGeom prst="rect">
+            <a:avLst/>
+          </a:prstGeom>
+        </p:spPr>
+        <p:txBody>
+          <a:bodyPr vert="horz" lIns="91440" tIns="45720" rIns="91440" bIns="45720" rtlCol="0" anchor="ctr"/>
+          <a:lstStyle>
+            <a:lvl1pPr algn="r">
+              <a:defRPr sz="1200">
+                <a:solidFill>
+                  <a:schemeClr val="tx1">
+                    <a:tint val="75000"/>
+                  </a:schemeClr>
+                </a:solidFill>
+              </a:defRPr>
+            </a:lvl1pPr>
+          </a:lstStyle>
+          <a:p>
+            <a:fld id="{13F31420-32A7-4038-8C7F-87501E6229E8}" type="slidenum">
+              <a:rPr lang="en-US" smtClean="0"/>
+              <a:pPr/>
+              <a:t>‹#›</a:t>
+            </a:fld>
+            <a:endParaRPr lang="en-US"/>
           </a:p>
         </p:txBody>
       </p:sp>
@@ -15656,8 +16649,22 @@
 </file>
 
 <file path=ppt/slides/slide1.xml><?xml version="1.0" encoding="utf-8"?>
-<p:sld xmlns:a="http://schemas.openxmlformats.org/drawingml/2006/main" xmlns:r="http://schemas.openxmlformats.org/officeDocument/2006/relationships" xmlns:p="http://schemas.openxmlformats.org/presentationml/2006/main">
+<p:sld xmlns:a="http://schemas.openxmlformats.org/drawingml/2006/main" xmlns:r="http://schemas.openxmlformats.org/officeDocument/2006/relationships" xmlns:p="http://schemas.openxmlformats.org/presentationml/2006/main" showMasterSp="0">
   <p:cSld>
+    <p:bg>
+      <p:bgPr>
+        <a:blipFill dpi="0" rotWithShape="1">
+          <a:blip r:embed="rId3">
+            <a:lum/>
+          </a:blip>
+          <a:srcRect/>
+          <a:stretch>
+            <a:fillRect t="-1000" b="-1000"/>
+          </a:stretch>
+        </a:blipFill>
+        <a:effectLst/>
+      </p:bgPr>
+    </p:bg>
     <p:spTree>
       <p:nvGrpSpPr>
         <p:cNvPr id="1" name=""/>
@@ -15681,12 +16688,14 @@
         <p:spPr>
           <a:xfrm>
             <a:off x="0" y="3333600"/>
-            <a:ext cx="9216720" cy="1295550"/>
-          </a:xfrm>
-          <a:prstGeom prst="rect">
-            <a:avLst/>
-          </a:prstGeom>
-          <a:noFill/>
+            <a:ext cx="9144000" cy="1295550"/>
+          </a:xfrm>
+          <a:prstGeom prst="rect">
+            <a:avLst/>
+          </a:prstGeom>
+          <a:solidFill>
+            <a:srgbClr val="E21A2D"/>
+          </a:solidFill>
           <a:ln>
             <a:noFill/>
           </a:ln>
@@ -15711,7 +16720,7 @@
             <a:r>
               <a:rPr lang="en-US" sz="4800" b="1" strike="noStrike" cap="all" spc="-1" dirty="0">
                 <a:solidFill>
-                  <a:srgbClr val="C6C6C6"/>
+                  <a:schemeClr val="bg1"/>
                 </a:solidFill>
                 <a:uFill>
                   <a:solidFill>
@@ -15725,7 +16734,7 @@
             </a:r>
             <a:endParaRPr lang="en-US" sz="1800" b="0" strike="noStrike" spc="-1" dirty="0">
               <a:solidFill>
-                <a:srgbClr val="000000"/>
+                <a:schemeClr val="bg1"/>
               </a:solidFill>
               <a:uFill>
                 <a:solidFill>
@@ -15740,7 +16749,7 @@
             <a:r>
               <a:rPr lang="en-US" sz="1600" b="0" strike="noStrike" cap="all" spc="-1" dirty="0" smtClean="0">
                 <a:solidFill>
-                  <a:srgbClr val="FFFFFF"/>
+                  <a:schemeClr val="bg1"/>
                 </a:solidFill>
                 <a:uFill>
                   <a:solidFill>
@@ -15754,7 +16763,7 @@
             </a:r>
             <a:endParaRPr lang="en-US" sz="1800" b="0" strike="noStrike" spc="-1" dirty="0">
               <a:solidFill>
-                <a:srgbClr val="000000"/>
+                <a:schemeClr val="bg1"/>
               </a:solidFill>
               <a:uFill>
                 <a:solidFill>
@@ -15889,6 +16898,30 @@
           <a:fontRef idx="minor"/>
         </p:style>
       </p:sp>
+      <p:pic>
+        <p:nvPicPr>
+          <p:cNvPr id="4" name="Picture 3" descr="master20_image003.png"/>
+          <p:cNvPicPr>
+            <a:picLocks noChangeAspect="1"/>
+          </p:cNvPicPr>
+          <p:nvPr/>
+        </p:nvPicPr>
+        <p:blipFill>
+          <a:blip r:embed="rId4"/>
+          <a:stretch>
+            <a:fillRect/>
+          </a:stretch>
+        </p:blipFill>
+        <p:spPr>
+          <a:xfrm>
+            <a:off x="228600" y="209550"/>
+            <a:ext cx="1226186" cy="839626"/>
+          </a:xfrm>
+          <a:prstGeom prst="rect">
+            <a:avLst/>
+          </a:prstGeom>
+        </p:spPr>
+      </p:pic>
     </p:spTree>
   </p:cSld>
   <p:clrMapOvr>
@@ -15925,7 +16958,7 @@
 </file>
 
 <file path=ppt/slides/slide10.xml><?xml version="1.0" encoding="utf-8"?>
-<p:sld xmlns:a="http://schemas.openxmlformats.org/drawingml/2006/main" xmlns:r="http://schemas.openxmlformats.org/officeDocument/2006/relationships" xmlns:p="http://schemas.openxmlformats.org/presentationml/2006/main">
+<p:sld xmlns:a="http://schemas.openxmlformats.org/drawingml/2006/main" xmlns:r="http://schemas.openxmlformats.org/officeDocument/2006/relationships" xmlns:p="http://schemas.openxmlformats.org/presentationml/2006/main" showMasterSp="0">
   <p:cSld>
     <p:spTree>
       <p:nvGrpSpPr>
@@ -16238,6 +17271,43 @@
             </a:r>
             <a:endParaRPr lang="en-US" dirty="0">
               <a:latin typeface="Calibri" pitchFamily="34" charset="0"/>
+            </a:endParaRPr>
+          </a:p>
+        </p:txBody>
+      </p:sp>
+      <p:sp>
+        <p:nvSpPr>
+          <p:cNvPr id="5" name="Slide Number Placeholder 4"/>
+          <p:cNvSpPr>
+            <a:spLocks noGrp="1"/>
+          </p:cNvSpPr>
+          <p:nvPr>
+            <p:ph type="sldNum" sz="quarter" idx="10"/>
+          </p:nvPr>
+        </p:nvSpPr>
+        <p:spPr>
+          <a:xfrm>
+            <a:off x="7010400" y="4868863"/>
+            <a:ext cx="2133600" cy="274637"/>
+          </a:xfrm>
+        </p:spPr>
+        <p:txBody>
+          <a:bodyPr/>
+          <a:lstStyle/>
+          <a:p>
+            <a:fld id="{714AF57F-C028-4417-9912-30B33DA37979}" type="slidenum">
+              <a:rPr lang="en-US" smtClean="0">
+                <a:solidFill>
+                  <a:schemeClr val="bg1"/>
+                </a:solidFill>
+              </a:rPr>
+              <a:pPr/>
+              <a:t>10</a:t>
+            </a:fld>
+            <a:endParaRPr lang="en-US" dirty="0">
+              <a:solidFill>
+                <a:schemeClr val="bg1"/>
+              </a:solidFill>
             </a:endParaRPr>
           </a:p>
         </p:txBody>
@@ -16258,7 +17328,7 @@
 </file>
 
 <file path=ppt/slides/slide11.xml><?xml version="1.0" encoding="utf-8"?>
-<p:sld xmlns:a="http://schemas.openxmlformats.org/drawingml/2006/main" xmlns:r="http://schemas.openxmlformats.org/officeDocument/2006/relationships" xmlns:p="http://schemas.openxmlformats.org/presentationml/2006/main">
+<p:sld xmlns:a="http://schemas.openxmlformats.org/drawingml/2006/main" xmlns:r="http://schemas.openxmlformats.org/officeDocument/2006/relationships" xmlns:p="http://schemas.openxmlformats.org/presentationml/2006/main" showMasterSp="0">
   <p:cSld>
     <p:spTree>
       <p:nvGrpSpPr>
@@ -16581,6 +17651,43 @@
             </a:r>
             <a:endParaRPr lang="en-US" dirty="0">
               <a:latin typeface="Calibri" pitchFamily="34" charset="0"/>
+            </a:endParaRPr>
+          </a:p>
+        </p:txBody>
+      </p:sp>
+      <p:sp>
+        <p:nvSpPr>
+          <p:cNvPr id="4" name="Slide Number Placeholder 3"/>
+          <p:cNvSpPr>
+            <a:spLocks noGrp="1"/>
+          </p:cNvSpPr>
+          <p:nvPr>
+            <p:ph type="sldNum" sz="quarter" idx="10"/>
+          </p:nvPr>
+        </p:nvSpPr>
+        <p:spPr>
+          <a:xfrm>
+            <a:off x="7010400" y="4868863"/>
+            <a:ext cx="2133600" cy="274637"/>
+          </a:xfrm>
+        </p:spPr>
+        <p:txBody>
+          <a:bodyPr/>
+          <a:lstStyle/>
+          <a:p>
+            <a:fld id="{714AF57F-C028-4417-9912-30B33DA37979}" type="slidenum">
+              <a:rPr lang="en-US" smtClean="0">
+                <a:solidFill>
+                  <a:schemeClr val="bg1"/>
+                </a:solidFill>
+              </a:rPr>
+              <a:pPr/>
+              <a:t>11</a:t>
+            </a:fld>
+            <a:endParaRPr lang="en-US" dirty="0">
+              <a:solidFill>
+                <a:schemeClr val="bg1"/>
+              </a:solidFill>
             </a:endParaRPr>
           </a:p>
         </p:txBody>
@@ -16601,7 +17708,7 @@
 </file>
 
 <file path=ppt/slides/slide12.xml><?xml version="1.0" encoding="utf-8"?>
-<p:sld xmlns:a="http://schemas.openxmlformats.org/drawingml/2006/main" xmlns:r="http://schemas.openxmlformats.org/officeDocument/2006/relationships" xmlns:p="http://schemas.openxmlformats.org/presentationml/2006/main">
+<p:sld xmlns:a="http://schemas.openxmlformats.org/drawingml/2006/main" xmlns:r="http://schemas.openxmlformats.org/officeDocument/2006/relationships" xmlns:p="http://schemas.openxmlformats.org/presentationml/2006/main" showMasterSp="0">
   <p:cSld>
     <p:spTree>
       <p:nvGrpSpPr>
@@ -16742,6 +17849,43 @@
           </a:prstGeom>
         </p:spPr>
       </p:pic>
+      <p:sp>
+        <p:nvSpPr>
+          <p:cNvPr id="4" name="Slide Number Placeholder 3"/>
+          <p:cNvSpPr>
+            <a:spLocks noGrp="1"/>
+          </p:cNvSpPr>
+          <p:nvPr>
+            <p:ph type="sldNum" sz="quarter" idx="10"/>
+          </p:nvPr>
+        </p:nvSpPr>
+        <p:spPr>
+          <a:xfrm>
+            <a:off x="7010400" y="4868863"/>
+            <a:ext cx="2133600" cy="274637"/>
+          </a:xfrm>
+        </p:spPr>
+        <p:txBody>
+          <a:bodyPr/>
+          <a:lstStyle/>
+          <a:p>
+            <a:fld id="{714AF57F-C028-4417-9912-30B33DA37979}" type="slidenum">
+              <a:rPr lang="en-US" smtClean="0">
+                <a:solidFill>
+                  <a:schemeClr val="bg1"/>
+                </a:solidFill>
+              </a:rPr>
+              <a:pPr/>
+              <a:t>12</a:t>
+            </a:fld>
+            <a:endParaRPr lang="en-US" dirty="0">
+              <a:solidFill>
+                <a:schemeClr val="bg1"/>
+              </a:solidFill>
+            </a:endParaRPr>
+          </a:p>
+        </p:txBody>
+      </p:sp>
     </p:spTree>
   </p:cSld>
   <p:clrMapOvr>
@@ -16758,8 +17902,22 @@
 </file>
 
 <file path=ppt/slides/slide13.xml><?xml version="1.0" encoding="utf-8"?>
-<p:sld xmlns:a="http://schemas.openxmlformats.org/drawingml/2006/main" xmlns:r="http://schemas.openxmlformats.org/officeDocument/2006/relationships" xmlns:p="http://schemas.openxmlformats.org/presentationml/2006/main">
+<p:sld xmlns:a="http://schemas.openxmlformats.org/drawingml/2006/main" xmlns:r="http://schemas.openxmlformats.org/officeDocument/2006/relationships" xmlns:p="http://schemas.openxmlformats.org/presentationml/2006/main" showMasterSp="0">
   <p:cSld>
+    <p:bg>
+      <p:bgPr>
+        <a:blipFill dpi="0" rotWithShape="1">
+          <a:blip r:embed="rId2">
+            <a:lum/>
+          </a:blip>
+          <a:srcRect/>
+          <a:stretch>
+            <a:fillRect/>
+          </a:stretch>
+        </a:blipFill>
+        <a:effectLst/>
+      </p:bgPr>
+    </p:bg>
     <p:spTree>
       <p:nvGrpSpPr>
         <p:cNvPr id="1" name=""/>
@@ -16783,12 +17941,14 @@
         <p:spPr>
           <a:xfrm>
             <a:off x="2895480" y="2255430"/>
-            <a:ext cx="6248520" cy="697320"/>
-          </a:xfrm>
-          <a:prstGeom prst="rect">
-            <a:avLst/>
-          </a:prstGeom>
-          <a:noFill/>
+            <a:ext cx="6248520" cy="621120"/>
+          </a:xfrm>
+          <a:prstGeom prst="rect">
+            <a:avLst/>
+          </a:prstGeom>
+          <a:solidFill>
+            <a:srgbClr val="E21A2D"/>
+          </a:solidFill>
           <a:ln>
             <a:noFill/>
           </a:ln>
@@ -16842,6 +18002,30 @@
           </a:p>
         </p:txBody>
       </p:sp>
+      <p:pic>
+        <p:nvPicPr>
+          <p:cNvPr id="3" name="Picture 2" descr="master22_image006.png"/>
+          <p:cNvPicPr>
+            <a:picLocks noChangeAspect="1"/>
+          </p:cNvPicPr>
+          <p:nvPr/>
+        </p:nvPicPr>
+        <p:blipFill>
+          <a:blip r:embed="rId3"/>
+          <a:stretch>
+            <a:fillRect/>
+          </a:stretch>
+        </p:blipFill>
+        <p:spPr>
+          <a:xfrm>
+            <a:off x="1961744" y="2257222"/>
+            <a:ext cx="831313" cy="569449"/>
+          </a:xfrm>
+          <a:prstGeom prst="rect">
+            <a:avLst/>
+          </a:prstGeom>
+        </p:spPr>
+      </p:pic>
     </p:spTree>
   </p:cSld>
   <p:clrMapOvr>
@@ -16881,7 +18065,7 @@
 </file>
 
 <file path=ppt/slides/slide14.xml><?xml version="1.0" encoding="utf-8"?>
-<p:sld xmlns:a="http://schemas.openxmlformats.org/drawingml/2006/main" xmlns:r="http://schemas.openxmlformats.org/officeDocument/2006/relationships" xmlns:p="http://schemas.openxmlformats.org/presentationml/2006/main">
+<p:sld xmlns:a="http://schemas.openxmlformats.org/drawingml/2006/main" xmlns:r="http://schemas.openxmlformats.org/officeDocument/2006/relationships" xmlns:p="http://schemas.openxmlformats.org/presentationml/2006/main" showMasterSp="0">
   <p:cSld>
     <p:spTree>
       <p:nvGrpSpPr>
@@ -16975,6 +18159,38 @@
           </a:prstGeom>
         </p:spPr>
       </p:pic>
+      <p:sp>
+        <p:nvSpPr>
+          <p:cNvPr id="4" name="Slide Number Placeholder 3"/>
+          <p:cNvSpPr>
+            <a:spLocks noGrp="1"/>
+          </p:cNvSpPr>
+          <p:nvPr>
+            <p:ph type="sldNum" sz="quarter" idx="10"/>
+          </p:nvPr>
+        </p:nvSpPr>
+        <p:spPr/>
+        <p:txBody>
+          <a:bodyPr/>
+          <a:lstStyle/>
+          <a:p>
+            <a:fld id="{714AF57F-C028-4417-9912-30B33DA37979}" type="slidenum">
+              <a:rPr lang="en-US" smtClean="0">
+                <a:solidFill>
+                  <a:schemeClr val="bg1"/>
+                </a:solidFill>
+              </a:rPr>
+              <a:pPr/>
+              <a:t>14</a:t>
+            </a:fld>
+            <a:endParaRPr lang="en-US">
+              <a:solidFill>
+                <a:schemeClr val="bg1"/>
+              </a:solidFill>
+            </a:endParaRPr>
+          </a:p>
+        </p:txBody>
+      </p:sp>
     </p:spTree>
   </p:cSld>
   <p:clrMapOvr>
@@ -16991,7 +18207,7 @@
 </file>
 
 <file path=ppt/slides/slide15.xml><?xml version="1.0" encoding="utf-8"?>
-<p:sld xmlns:a="http://schemas.openxmlformats.org/drawingml/2006/main" xmlns:r="http://schemas.openxmlformats.org/officeDocument/2006/relationships" xmlns:p="http://schemas.openxmlformats.org/presentationml/2006/main">
+<p:sld xmlns:a="http://schemas.openxmlformats.org/drawingml/2006/main" xmlns:r="http://schemas.openxmlformats.org/officeDocument/2006/relationships" xmlns:p="http://schemas.openxmlformats.org/presentationml/2006/main" showMasterSp="0">
   <p:cSld>
     <p:spTree>
       <p:nvGrpSpPr>
@@ -17297,6 +18513,43 @@
             </a:r>
             <a:endParaRPr lang="en-US" dirty="0">
               <a:latin typeface="Calibri" pitchFamily="34" charset="0"/>
+            </a:endParaRPr>
+          </a:p>
+        </p:txBody>
+      </p:sp>
+      <p:sp>
+        <p:nvSpPr>
+          <p:cNvPr id="5" name="Slide Number Placeholder 4"/>
+          <p:cNvSpPr>
+            <a:spLocks noGrp="1"/>
+          </p:cNvSpPr>
+          <p:nvPr>
+            <p:ph type="sldNum" sz="quarter" idx="10"/>
+          </p:nvPr>
+        </p:nvSpPr>
+        <p:spPr>
+          <a:xfrm>
+            <a:off x="7010400" y="4868863"/>
+            <a:ext cx="2133600" cy="274637"/>
+          </a:xfrm>
+        </p:spPr>
+        <p:txBody>
+          <a:bodyPr/>
+          <a:lstStyle/>
+          <a:p>
+            <a:fld id="{714AF57F-C028-4417-9912-30B33DA37979}" type="slidenum">
+              <a:rPr lang="en-US" smtClean="0">
+                <a:solidFill>
+                  <a:schemeClr val="bg1"/>
+                </a:solidFill>
+              </a:rPr>
+              <a:pPr/>
+              <a:t>15</a:t>
+            </a:fld>
+            <a:endParaRPr lang="en-US" dirty="0">
+              <a:solidFill>
+                <a:schemeClr val="bg1"/>
+              </a:solidFill>
             </a:endParaRPr>
           </a:p>
         </p:txBody>
@@ -17317,7 +18570,7 @@
 </file>
 
 <file path=ppt/slides/slide16.xml><?xml version="1.0" encoding="utf-8"?>
-<p:sld xmlns:a="http://schemas.openxmlformats.org/drawingml/2006/main" xmlns:r="http://schemas.openxmlformats.org/officeDocument/2006/relationships" xmlns:p="http://schemas.openxmlformats.org/presentationml/2006/main">
+<p:sld xmlns:a="http://schemas.openxmlformats.org/drawingml/2006/main" xmlns:r="http://schemas.openxmlformats.org/officeDocument/2006/relationships" xmlns:p="http://schemas.openxmlformats.org/presentationml/2006/main" showMasterSp="0">
   <p:cSld>
     <p:spTree>
       <p:nvGrpSpPr>
@@ -17642,6 +18895,43 @@
             </a:r>
             <a:endParaRPr lang="en-US" dirty="0">
               <a:latin typeface="Calibri" pitchFamily="34" charset="0"/>
+            </a:endParaRPr>
+          </a:p>
+        </p:txBody>
+      </p:sp>
+      <p:sp>
+        <p:nvSpPr>
+          <p:cNvPr id="5" name="Slide Number Placeholder 4"/>
+          <p:cNvSpPr>
+            <a:spLocks noGrp="1"/>
+          </p:cNvSpPr>
+          <p:nvPr>
+            <p:ph type="sldNum" sz="quarter" idx="10"/>
+          </p:nvPr>
+        </p:nvSpPr>
+        <p:spPr>
+          <a:xfrm>
+            <a:off x="7010400" y="4868863"/>
+            <a:ext cx="2133600" cy="274637"/>
+          </a:xfrm>
+        </p:spPr>
+        <p:txBody>
+          <a:bodyPr/>
+          <a:lstStyle/>
+          <a:p>
+            <a:fld id="{714AF57F-C028-4417-9912-30B33DA37979}" type="slidenum">
+              <a:rPr lang="en-US" smtClean="0">
+                <a:solidFill>
+                  <a:schemeClr val="bg1"/>
+                </a:solidFill>
+              </a:rPr>
+              <a:pPr/>
+              <a:t>16</a:t>
+            </a:fld>
+            <a:endParaRPr lang="en-US">
+              <a:solidFill>
+                <a:schemeClr val="bg1"/>
+              </a:solidFill>
             </a:endParaRPr>
           </a:p>
         </p:txBody>
@@ -17662,8 +18952,22 @@
 </file>
 
 <file path=ppt/slides/slide17.xml><?xml version="1.0" encoding="utf-8"?>
-<p:sld xmlns:a="http://schemas.openxmlformats.org/drawingml/2006/main" xmlns:r="http://schemas.openxmlformats.org/officeDocument/2006/relationships" xmlns:p="http://schemas.openxmlformats.org/presentationml/2006/main">
+<p:sld xmlns:a="http://schemas.openxmlformats.org/drawingml/2006/main" xmlns:r="http://schemas.openxmlformats.org/officeDocument/2006/relationships" xmlns:p="http://schemas.openxmlformats.org/presentationml/2006/main" showMasterSp="0">
   <p:cSld>
+    <p:bg>
+      <p:bgPr>
+        <a:blipFill dpi="0" rotWithShape="1">
+          <a:blip r:embed="rId2">
+            <a:lum/>
+          </a:blip>
+          <a:srcRect/>
+          <a:stretch>
+            <a:fillRect/>
+          </a:stretch>
+        </a:blipFill>
+        <a:effectLst/>
+      </p:bgPr>
+    </p:bg>
     <p:spTree>
       <p:nvGrpSpPr>
         <p:cNvPr id="1" name=""/>
@@ -17692,7 +18996,9 @@
           <a:prstGeom prst="rect">
             <a:avLst/>
           </a:prstGeom>
-          <a:noFill/>
+          <a:solidFill>
+            <a:srgbClr val="E21A2D"/>
+          </a:solidFill>
           <a:ln>
             <a:noFill/>
           </a:ln>
@@ -17746,6 +19052,30 @@
           </a:p>
         </p:txBody>
       </p:sp>
+      <p:pic>
+        <p:nvPicPr>
+          <p:cNvPr id="3" name="Picture 2" descr="master22_image006.png"/>
+          <p:cNvPicPr>
+            <a:picLocks noChangeAspect="1"/>
+          </p:cNvPicPr>
+          <p:nvPr/>
+        </p:nvPicPr>
+        <p:blipFill>
+          <a:blip r:embed="rId3"/>
+          <a:stretch>
+            <a:fillRect/>
+          </a:stretch>
+        </p:blipFill>
+        <p:spPr>
+          <a:xfrm>
+            <a:off x="1905000" y="2266950"/>
+            <a:ext cx="831313" cy="569449"/>
+          </a:xfrm>
+          <a:prstGeom prst="rect">
+            <a:avLst/>
+          </a:prstGeom>
+        </p:spPr>
+      </p:pic>
     </p:spTree>
   </p:cSld>
   <p:clrMapOvr>
@@ -17785,7 +19115,7 @@
 </file>
 
 <file path=ppt/slides/slide18.xml><?xml version="1.0" encoding="utf-8"?>
-<p:sld xmlns:a="http://schemas.openxmlformats.org/drawingml/2006/main" xmlns:r="http://schemas.openxmlformats.org/officeDocument/2006/relationships" xmlns:p="http://schemas.openxmlformats.org/presentationml/2006/main">
+<p:sld xmlns:a="http://schemas.openxmlformats.org/drawingml/2006/main" xmlns:r="http://schemas.openxmlformats.org/officeDocument/2006/relationships" xmlns:p="http://schemas.openxmlformats.org/presentationml/2006/main" showMasterSp="0">
   <p:cSld>
     <p:spTree>
       <p:nvGrpSpPr>
@@ -17879,6 +19209,38 @@
           </a:prstGeom>
         </p:spPr>
       </p:pic>
+      <p:sp>
+        <p:nvSpPr>
+          <p:cNvPr id="4" name="Slide Number Placeholder 3"/>
+          <p:cNvSpPr>
+            <a:spLocks noGrp="1"/>
+          </p:cNvSpPr>
+          <p:nvPr>
+            <p:ph type="sldNum" sz="quarter" idx="10"/>
+          </p:nvPr>
+        </p:nvSpPr>
+        <p:spPr/>
+        <p:txBody>
+          <a:bodyPr/>
+          <a:lstStyle/>
+          <a:p>
+            <a:fld id="{714AF57F-C028-4417-9912-30B33DA37979}" type="slidenum">
+              <a:rPr lang="en-US" smtClean="0">
+                <a:solidFill>
+                  <a:schemeClr val="bg1"/>
+                </a:solidFill>
+              </a:rPr>
+              <a:pPr/>
+              <a:t>18</a:t>
+            </a:fld>
+            <a:endParaRPr lang="en-US">
+              <a:solidFill>
+                <a:schemeClr val="bg1"/>
+              </a:solidFill>
+            </a:endParaRPr>
+          </a:p>
+        </p:txBody>
+      </p:sp>
     </p:spTree>
   </p:cSld>
   <p:clrMapOvr>
@@ -17895,7 +19257,7 @@
 </file>
 
 <file path=ppt/slides/slide19.xml><?xml version="1.0" encoding="utf-8"?>
-<p:sld xmlns:a="http://schemas.openxmlformats.org/drawingml/2006/main" xmlns:r="http://schemas.openxmlformats.org/officeDocument/2006/relationships" xmlns:p="http://schemas.openxmlformats.org/presentationml/2006/main">
+<p:sld xmlns:a="http://schemas.openxmlformats.org/drawingml/2006/main" xmlns:r="http://schemas.openxmlformats.org/officeDocument/2006/relationships" xmlns:p="http://schemas.openxmlformats.org/presentationml/2006/main" showMasterSp="0">
   <p:cSld>
     <p:spTree>
       <p:nvGrpSpPr>
@@ -18535,6 +19897,43 @@
                 </a:solidFill>
               </a:uFill>
               <a:latin typeface="Calibri" pitchFamily="34" charset="0"/>
+            </a:endParaRPr>
+          </a:p>
+        </p:txBody>
+      </p:sp>
+      <p:sp>
+        <p:nvSpPr>
+          <p:cNvPr id="5" name="Slide Number Placeholder 4"/>
+          <p:cNvSpPr>
+            <a:spLocks noGrp="1"/>
+          </p:cNvSpPr>
+          <p:nvPr>
+            <p:ph type="sldNum" sz="quarter" idx="10"/>
+          </p:nvPr>
+        </p:nvSpPr>
+        <p:spPr>
+          <a:xfrm>
+            <a:off x="7010400" y="4868863"/>
+            <a:ext cx="2133600" cy="274637"/>
+          </a:xfrm>
+        </p:spPr>
+        <p:txBody>
+          <a:bodyPr/>
+          <a:lstStyle/>
+          <a:p>
+            <a:fld id="{714AF57F-C028-4417-9912-30B33DA37979}" type="slidenum">
+              <a:rPr lang="en-US" smtClean="0">
+                <a:solidFill>
+                  <a:schemeClr val="bg1"/>
+                </a:solidFill>
+              </a:rPr>
+              <a:pPr/>
+              <a:t>19</a:t>
+            </a:fld>
+            <a:endParaRPr lang="en-US" dirty="0">
+              <a:solidFill>
+                <a:schemeClr val="bg1"/>
+              </a:solidFill>
             </a:endParaRPr>
           </a:p>
         </p:txBody>
@@ -18575,8 +19974,22 @@
 </file>
 
 <file path=ppt/slides/slide2.xml><?xml version="1.0" encoding="utf-8"?>
-<p:sld xmlns:a="http://schemas.openxmlformats.org/drawingml/2006/main" xmlns:r="http://schemas.openxmlformats.org/officeDocument/2006/relationships" xmlns:p="http://schemas.openxmlformats.org/presentationml/2006/main">
+<p:sld xmlns:a="http://schemas.openxmlformats.org/drawingml/2006/main" xmlns:r="http://schemas.openxmlformats.org/officeDocument/2006/relationships" xmlns:p="http://schemas.openxmlformats.org/presentationml/2006/main" showMasterSp="0">
   <p:cSld>
+    <p:bg>
+      <p:bgPr>
+        <a:blipFill dpi="0" rotWithShape="1">
+          <a:blip r:embed="rId3">
+            <a:lum/>
+          </a:blip>
+          <a:srcRect/>
+          <a:stretch>
+            <a:fillRect/>
+          </a:stretch>
+        </a:blipFill>
+        <a:effectLst/>
+      </p:bgPr>
+    </p:bg>
     <p:spTree>
       <p:nvGrpSpPr>
         <p:cNvPr id="1" name=""/>
@@ -19057,7 +20470,7 @@
 </file>
 
 <file path=ppt/slides/slide20.xml><?xml version="1.0" encoding="utf-8"?>
-<p:sld xmlns:a="http://schemas.openxmlformats.org/drawingml/2006/main" xmlns:r="http://schemas.openxmlformats.org/officeDocument/2006/relationships" xmlns:p="http://schemas.openxmlformats.org/presentationml/2006/main">
+<p:sld xmlns:a="http://schemas.openxmlformats.org/drawingml/2006/main" xmlns:r="http://schemas.openxmlformats.org/officeDocument/2006/relationships" xmlns:p="http://schemas.openxmlformats.org/presentationml/2006/main" showMasterSp="0">
   <p:cSld>
     <p:spTree>
       <p:nvGrpSpPr>
@@ -19537,6 +20950,43 @@
             </a:r>
             <a:endParaRPr lang="en-US" sz="1600" dirty="0">
               <a:latin typeface="Calibri" pitchFamily="34" charset="0"/>
+            </a:endParaRPr>
+          </a:p>
+        </p:txBody>
+      </p:sp>
+      <p:sp>
+        <p:nvSpPr>
+          <p:cNvPr id="5" name="Slide Number Placeholder 4"/>
+          <p:cNvSpPr>
+            <a:spLocks noGrp="1"/>
+          </p:cNvSpPr>
+          <p:nvPr>
+            <p:ph type="sldNum" sz="quarter" idx="10"/>
+          </p:nvPr>
+        </p:nvSpPr>
+        <p:spPr>
+          <a:xfrm>
+            <a:off x="7010400" y="4868863"/>
+            <a:ext cx="2133600" cy="274637"/>
+          </a:xfrm>
+        </p:spPr>
+        <p:txBody>
+          <a:bodyPr/>
+          <a:lstStyle/>
+          <a:p>
+            <a:fld id="{714AF57F-C028-4417-9912-30B33DA37979}" type="slidenum">
+              <a:rPr lang="en-US" smtClean="0">
+                <a:solidFill>
+                  <a:schemeClr val="bg1"/>
+                </a:solidFill>
+              </a:rPr>
+              <a:pPr/>
+              <a:t>20</a:t>
+            </a:fld>
+            <a:endParaRPr lang="en-US">
+              <a:solidFill>
+                <a:schemeClr val="bg1"/>
+              </a:solidFill>
             </a:endParaRPr>
           </a:p>
         </p:txBody>
@@ -19577,7 +21027,7 @@
 </file>
 
 <file path=ppt/slides/slide21.xml><?xml version="1.0" encoding="utf-8"?>
-<p:sld xmlns:a="http://schemas.openxmlformats.org/drawingml/2006/main" xmlns:r="http://schemas.openxmlformats.org/officeDocument/2006/relationships" xmlns:p="http://schemas.openxmlformats.org/presentationml/2006/main">
+<p:sld xmlns:a="http://schemas.openxmlformats.org/drawingml/2006/main" xmlns:r="http://schemas.openxmlformats.org/officeDocument/2006/relationships" xmlns:p="http://schemas.openxmlformats.org/presentationml/2006/main" showMasterSp="0">
   <p:cSld>
     <p:spTree>
       <p:nvGrpSpPr>
@@ -19607,7 +21057,9 @@
           <a:prstGeom prst="rect">
             <a:avLst/>
           </a:prstGeom>
-          <a:noFill/>
+          <a:solidFill>
+            <a:srgbClr val="E21A2D"/>
+          </a:solidFill>
           <a:ln>
             <a:noFill/>
           </a:ln>
@@ -19661,6 +21113,30 @@
           </a:p>
         </p:txBody>
       </p:sp>
+      <p:pic>
+        <p:nvPicPr>
+          <p:cNvPr id="3" name="Picture 2" descr="master22_image006.png"/>
+          <p:cNvPicPr>
+            <a:picLocks noChangeAspect="1"/>
+          </p:cNvPicPr>
+          <p:nvPr/>
+        </p:nvPicPr>
+        <p:blipFill>
+          <a:blip r:embed="rId2"/>
+          <a:stretch>
+            <a:fillRect/>
+          </a:stretch>
+        </p:blipFill>
+        <p:spPr>
+          <a:xfrm>
+            <a:off x="1905000" y="2266950"/>
+            <a:ext cx="831313" cy="569449"/>
+          </a:xfrm>
+          <a:prstGeom prst="rect">
+            <a:avLst/>
+          </a:prstGeom>
+        </p:spPr>
+      </p:pic>
     </p:spTree>
   </p:cSld>
   <p:clrMapOvr>
@@ -19700,7 +21176,7 @@
 </file>
 
 <file path=ppt/slides/slide22.xml><?xml version="1.0" encoding="utf-8"?>
-<p:sld xmlns:a="http://schemas.openxmlformats.org/drawingml/2006/main" xmlns:r="http://schemas.openxmlformats.org/officeDocument/2006/relationships" xmlns:p="http://schemas.openxmlformats.org/presentationml/2006/main">
+<p:sld xmlns:a="http://schemas.openxmlformats.org/drawingml/2006/main" xmlns:r="http://schemas.openxmlformats.org/officeDocument/2006/relationships" xmlns:p="http://schemas.openxmlformats.org/presentationml/2006/main" showMasterSp="0">
   <p:cSld>
     <p:spTree>
       <p:nvGrpSpPr>
@@ -19791,6 +21267,38 @@
           </a:prstGeom>
         </p:spPr>
       </p:pic>
+      <p:sp>
+        <p:nvSpPr>
+          <p:cNvPr id="4" name="Slide Number Placeholder 3"/>
+          <p:cNvSpPr>
+            <a:spLocks noGrp="1"/>
+          </p:cNvSpPr>
+          <p:nvPr>
+            <p:ph type="sldNum" sz="quarter" idx="10"/>
+          </p:nvPr>
+        </p:nvSpPr>
+        <p:spPr/>
+        <p:txBody>
+          <a:bodyPr/>
+          <a:lstStyle/>
+          <a:p>
+            <a:fld id="{714AF57F-C028-4417-9912-30B33DA37979}" type="slidenum">
+              <a:rPr lang="en-US" smtClean="0">
+                <a:solidFill>
+                  <a:schemeClr val="bg1"/>
+                </a:solidFill>
+              </a:rPr>
+              <a:pPr/>
+              <a:t>22</a:t>
+            </a:fld>
+            <a:endParaRPr lang="en-US">
+              <a:solidFill>
+                <a:schemeClr val="bg1"/>
+              </a:solidFill>
+            </a:endParaRPr>
+          </a:p>
+        </p:txBody>
+      </p:sp>
     </p:spTree>
   </p:cSld>
   <p:clrMapOvr>
@@ -19807,7 +21315,7 @@
 </file>
 
 <file path=ppt/slides/slide23.xml><?xml version="1.0" encoding="utf-8"?>
-<p:sld xmlns:a="http://schemas.openxmlformats.org/drawingml/2006/main" xmlns:r="http://schemas.openxmlformats.org/officeDocument/2006/relationships" xmlns:p="http://schemas.openxmlformats.org/presentationml/2006/main">
+<p:sld xmlns:a="http://schemas.openxmlformats.org/drawingml/2006/main" xmlns:r="http://schemas.openxmlformats.org/officeDocument/2006/relationships" xmlns:p="http://schemas.openxmlformats.org/presentationml/2006/main" showMasterSp="0">
   <p:cSld>
     <p:spTree>
       <p:nvGrpSpPr>
@@ -20195,6 +21703,43 @@
             </a:r>
             <a:endParaRPr lang="en-US" sz="1600" dirty="0" smtClean="0">
               <a:latin typeface="Calibri" pitchFamily="34" charset="0"/>
+            </a:endParaRPr>
+          </a:p>
+        </p:txBody>
+      </p:sp>
+      <p:sp>
+        <p:nvSpPr>
+          <p:cNvPr id="5" name="Slide Number Placeholder 4"/>
+          <p:cNvSpPr>
+            <a:spLocks noGrp="1"/>
+          </p:cNvSpPr>
+          <p:nvPr>
+            <p:ph type="sldNum" sz="quarter" idx="10"/>
+          </p:nvPr>
+        </p:nvSpPr>
+        <p:spPr>
+          <a:xfrm>
+            <a:off x="7010400" y="4868863"/>
+            <a:ext cx="2133600" cy="274637"/>
+          </a:xfrm>
+        </p:spPr>
+        <p:txBody>
+          <a:bodyPr/>
+          <a:lstStyle/>
+          <a:p>
+            <a:fld id="{714AF57F-C028-4417-9912-30B33DA37979}" type="slidenum">
+              <a:rPr lang="en-US" smtClean="0">
+                <a:solidFill>
+                  <a:schemeClr val="bg1"/>
+                </a:solidFill>
+              </a:rPr>
+              <a:pPr/>
+              <a:t>23</a:t>
+            </a:fld>
+            <a:endParaRPr lang="en-US" dirty="0">
+              <a:solidFill>
+                <a:schemeClr val="bg1"/>
+              </a:solidFill>
             </a:endParaRPr>
           </a:p>
         </p:txBody>
@@ -20235,7 +21780,7 @@
 </file>
 
 <file path=ppt/slides/slide24.xml><?xml version="1.0" encoding="utf-8"?>
-<p:sld xmlns:a="http://schemas.openxmlformats.org/drawingml/2006/main" xmlns:r="http://schemas.openxmlformats.org/officeDocument/2006/relationships" xmlns:p="http://schemas.openxmlformats.org/presentationml/2006/main">
+<p:sld xmlns:a="http://schemas.openxmlformats.org/drawingml/2006/main" xmlns:r="http://schemas.openxmlformats.org/officeDocument/2006/relationships" xmlns:p="http://schemas.openxmlformats.org/presentationml/2006/main" showMasterSp="0">
   <p:cSld>
     <p:spTree>
       <p:nvGrpSpPr>
@@ -20638,6 +22183,43 @@
               </a:rPr>
               <a:t>.</a:t>
             </a:r>
+          </a:p>
+        </p:txBody>
+      </p:sp>
+      <p:sp>
+        <p:nvSpPr>
+          <p:cNvPr id="5" name="Slide Number Placeholder 4"/>
+          <p:cNvSpPr>
+            <a:spLocks noGrp="1"/>
+          </p:cNvSpPr>
+          <p:nvPr>
+            <p:ph type="sldNum" sz="quarter" idx="10"/>
+          </p:nvPr>
+        </p:nvSpPr>
+        <p:spPr>
+          <a:xfrm>
+            <a:off x="7010400" y="4868863"/>
+            <a:ext cx="2133600" cy="274637"/>
+          </a:xfrm>
+        </p:spPr>
+        <p:txBody>
+          <a:bodyPr/>
+          <a:lstStyle/>
+          <a:p>
+            <a:fld id="{714AF57F-C028-4417-9912-30B33DA37979}" type="slidenum">
+              <a:rPr lang="en-US" smtClean="0">
+                <a:solidFill>
+                  <a:schemeClr val="bg1"/>
+                </a:solidFill>
+              </a:rPr>
+              <a:pPr/>
+              <a:t>24</a:t>
+            </a:fld>
+            <a:endParaRPr lang="en-US">
+              <a:solidFill>
+                <a:schemeClr val="bg1"/>
+              </a:solidFill>
+            </a:endParaRPr>
           </a:p>
         </p:txBody>
       </p:sp>
@@ -20677,7 +22259,7 @@
 </file>
 
 <file path=ppt/slides/slide25.xml><?xml version="1.0" encoding="utf-8"?>
-<p:sld xmlns:a="http://schemas.openxmlformats.org/drawingml/2006/main" xmlns:r="http://schemas.openxmlformats.org/officeDocument/2006/relationships" xmlns:p="http://schemas.openxmlformats.org/presentationml/2006/main">
+<p:sld xmlns:a="http://schemas.openxmlformats.org/drawingml/2006/main" xmlns:r="http://schemas.openxmlformats.org/officeDocument/2006/relationships" xmlns:p="http://schemas.openxmlformats.org/presentationml/2006/main" showMasterSp="0">
   <p:cSld>
     <p:spTree>
       <p:nvGrpSpPr>
@@ -20785,6 +22367,43 @@
           </a:ln>
         </p:spPr>
       </p:pic>
+      <p:sp>
+        <p:nvSpPr>
+          <p:cNvPr id="5" name="Slide Number Placeholder 4"/>
+          <p:cNvSpPr>
+            <a:spLocks noGrp="1"/>
+          </p:cNvSpPr>
+          <p:nvPr>
+            <p:ph type="sldNum" sz="quarter" idx="10"/>
+          </p:nvPr>
+        </p:nvSpPr>
+        <p:spPr>
+          <a:xfrm>
+            <a:off x="7010400" y="4868863"/>
+            <a:ext cx="2133600" cy="274637"/>
+          </a:xfrm>
+        </p:spPr>
+        <p:txBody>
+          <a:bodyPr/>
+          <a:lstStyle/>
+          <a:p>
+            <a:fld id="{714AF57F-C028-4417-9912-30B33DA37979}" type="slidenum">
+              <a:rPr lang="en-US" smtClean="0">
+                <a:solidFill>
+                  <a:schemeClr val="bg1"/>
+                </a:solidFill>
+              </a:rPr>
+              <a:pPr/>
+              <a:t>25</a:t>
+            </a:fld>
+            <a:endParaRPr lang="en-US" dirty="0">
+              <a:solidFill>
+                <a:schemeClr val="bg1"/>
+              </a:solidFill>
+            </a:endParaRPr>
+          </a:p>
+        </p:txBody>
+      </p:sp>
     </p:spTree>
   </p:cSld>
   <p:clrMapOvr>
@@ -20821,7 +22440,7 @@
 </file>
 
 <file path=ppt/slides/slide26.xml><?xml version="1.0" encoding="utf-8"?>
-<p:sld xmlns:a="http://schemas.openxmlformats.org/drawingml/2006/main" xmlns:r="http://schemas.openxmlformats.org/officeDocument/2006/relationships" xmlns:p="http://schemas.openxmlformats.org/presentationml/2006/main">
+<p:sld xmlns:a="http://schemas.openxmlformats.org/drawingml/2006/main" xmlns:r="http://schemas.openxmlformats.org/officeDocument/2006/relationships" xmlns:p="http://schemas.openxmlformats.org/presentationml/2006/main" showMasterSp="0">
   <p:cSld>
     <p:spTree>
       <p:nvGrpSpPr>
@@ -21114,6 +22733,43 @@
             <a:endParaRPr lang="en-US" dirty="0">
               <a:latin typeface="Courier New" pitchFamily="49" charset="0"/>
               <a:cs typeface="Courier New" pitchFamily="49" charset="0"/>
+            </a:endParaRPr>
+          </a:p>
+        </p:txBody>
+      </p:sp>
+      <p:sp>
+        <p:nvSpPr>
+          <p:cNvPr id="6" name="Slide Number Placeholder 5"/>
+          <p:cNvSpPr>
+            <a:spLocks noGrp="1"/>
+          </p:cNvSpPr>
+          <p:nvPr>
+            <p:ph type="sldNum" sz="quarter" idx="10"/>
+          </p:nvPr>
+        </p:nvSpPr>
+        <p:spPr>
+          <a:xfrm>
+            <a:off x="7010400" y="4868863"/>
+            <a:ext cx="2133600" cy="274637"/>
+          </a:xfrm>
+        </p:spPr>
+        <p:txBody>
+          <a:bodyPr/>
+          <a:lstStyle/>
+          <a:p>
+            <a:fld id="{714AF57F-C028-4417-9912-30B33DA37979}" type="slidenum">
+              <a:rPr lang="en-US" smtClean="0">
+                <a:solidFill>
+                  <a:schemeClr val="bg1"/>
+                </a:solidFill>
+              </a:rPr>
+              <a:pPr/>
+              <a:t>26</a:t>
+            </a:fld>
+            <a:endParaRPr lang="en-US">
+              <a:solidFill>
+                <a:schemeClr val="bg1"/>
+              </a:solidFill>
             </a:endParaRPr>
           </a:p>
         </p:txBody>
@@ -21154,8 +22810,22 @@
 </file>
 
 <file path=ppt/slides/slide27.xml><?xml version="1.0" encoding="utf-8"?>
-<p:sld xmlns:a="http://schemas.openxmlformats.org/drawingml/2006/main" xmlns:r="http://schemas.openxmlformats.org/officeDocument/2006/relationships" xmlns:p="http://schemas.openxmlformats.org/presentationml/2006/main">
+<p:sld xmlns:a="http://schemas.openxmlformats.org/drawingml/2006/main" xmlns:r="http://schemas.openxmlformats.org/officeDocument/2006/relationships" xmlns:p="http://schemas.openxmlformats.org/presentationml/2006/main" showMasterSp="0">
   <p:cSld>
+    <p:bg>
+      <p:bgPr>
+        <a:blipFill dpi="0" rotWithShape="1">
+          <a:blip r:embed="rId2">
+            <a:lum/>
+          </a:blip>
+          <a:srcRect/>
+          <a:stretch>
+            <a:fillRect/>
+          </a:stretch>
+        </a:blipFill>
+        <a:effectLst/>
+      </p:bgPr>
+    </p:bg>
     <p:spTree>
       <p:nvGrpSpPr>
         <p:cNvPr id="1" name=""/>
@@ -21184,7 +22854,9 @@
           <a:prstGeom prst="rect">
             <a:avLst/>
           </a:prstGeom>
-          <a:noFill/>
+          <a:solidFill>
+            <a:srgbClr val="E21A2D"/>
+          </a:solidFill>
           <a:ln>
             <a:noFill/>
           </a:ln>
@@ -21238,6 +22910,30 @@
           </a:p>
         </p:txBody>
       </p:sp>
+      <p:pic>
+        <p:nvPicPr>
+          <p:cNvPr id="3" name="Picture 2" descr="master22_image006.png"/>
+          <p:cNvPicPr>
+            <a:picLocks noChangeAspect="1"/>
+          </p:cNvPicPr>
+          <p:nvPr/>
+        </p:nvPicPr>
+        <p:blipFill>
+          <a:blip r:embed="rId3"/>
+          <a:stretch>
+            <a:fillRect/>
+          </a:stretch>
+        </p:blipFill>
+        <p:spPr>
+          <a:xfrm>
+            <a:off x="1905000" y="2343150"/>
+            <a:ext cx="831313" cy="569449"/>
+          </a:xfrm>
+          <a:prstGeom prst="rect">
+            <a:avLst/>
+          </a:prstGeom>
+        </p:spPr>
+      </p:pic>
     </p:spTree>
   </p:cSld>
   <p:clrMapOvr>
@@ -21277,7 +22973,7 @@
 </file>
 
 <file path=ppt/slides/slide28.xml><?xml version="1.0" encoding="utf-8"?>
-<p:sld xmlns:a="http://schemas.openxmlformats.org/drawingml/2006/main" xmlns:r="http://schemas.openxmlformats.org/officeDocument/2006/relationships" xmlns:p="http://schemas.openxmlformats.org/presentationml/2006/main">
+<p:sld xmlns:a="http://schemas.openxmlformats.org/drawingml/2006/main" xmlns:r="http://schemas.openxmlformats.org/officeDocument/2006/relationships" xmlns:p="http://schemas.openxmlformats.org/presentationml/2006/main" showMasterSp="0">
   <p:cSld>
     <p:spTree>
       <p:nvGrpSpPr>
@@ -21330,23 +23026,8 @@
               <a:rPr lang="en-US" sz="2400" dirty="0" smtClean="0">
                 <a:latin typeface="Calibri (Headings)"/>
               </a:rPr>
-              <a:t>an </a:t>
-            </a:r>
-            <a:r>
-              <a:rPr lang="en-US" sz="2400" dirty="0" smtClean="0">
-                <a:latin typeface="Calibri (Headings)"/>
-              </a:rPr>
-              <a:t>manually compile a template to current </a:t>
-            </a:r>
-            <a:r>
-              <a:rPr lang="en-US" sz="2400" dirty="0" smtClean="0">
-                <a:latin typeface="Calibri (Headings)"/>
-              </a:rPr>
-              <a:t>view and how to implement that?</a:t>
-            </a:r>
-            <a:endParaRPr lang="en-US" sz="2400" dirty="0" smtClean="0">
-              <a:latin typeface="Calibri (Headings)"/>
-            </a:endParaRPr>
+              <a:t>an manually compile a template to current view and how to implement that?</a:t>
+            </a:r>
           </a:p>
         </p:txBody>
       </p:sp>
@@ -21374,6 +23055,38 @@
           </a:prstGeom>
         </p:spPr>
       </p:pic>
+      <p:sp>
+        <p:nvSpPr>
+          <p:cNvPr id="4" name="Slide Number Placeholder 3"/>
+          <p:cNvSpPr>
+            <a:spLocks noGrp="1"/>
+          </p:cNvSpPr>
+          <p:nvPr>
+            <p:ph type="sldNum" sz="quarter" idx="10"/>
+          </p:nvPr>
+        </p:nvSpPr>
+        <p:spPr/>
+        <p:txBody>
+          <a:bodyPr/>
+          <a:lstStyle/>
+          <a:p>
+            <a:fld id="{714AF57F-C028-4417-9912-30B33DA37979}" type="slidenum">
+              <a:rPr lang="en-US" smtClean="0">
+                <a:solidFill>
+                  <a:schemeClr val="bg1"/>
+                </a:solidFill>
+              </a:rPr>
+              <a:pPr/>
+              <a:t>28</a:t>
+            </a:fld>
+            <a:endParaRPr lang="en-US">
+              <a:solidFill>
+                <a:schemeClr val="bg1"/>
+              </a:solidFill>
+            </a:endParaRPr>
+          </a:p>
+        </p:txBody>
+      </p:sp>
     </p:spTree>
   </p:cSld>
   <p:clrMapOvr>
@@ -21390,7 +23103,7 @@
 </file>
 
 <file path=ppt/slides/slide29.xml><?xml version="1.0" encoding="utf-8"?>
-<p:sld xmlns:a="http://schemas.openxmlformats.org/drawingml/2006/main" xmlns:r="http://schemas.openxmlformats.org/officeDocument/2006/relationships" xmlns:p="http://schemas.openxmlformats.org/presentationml/2006/main">
+<p:sld xmlns:a="http://schemas.openxmlformats.org/drawingml/2006/main" xmlns:r="http://schemas.openxmlformats.org/officeDocument/2006/relationships" xmlns:p="http://schemas.openxmlformats.org/presentationml/2006/main" showMasterSp="0">
   <p:cSld>
     <p:spTree>
       <p:nvGrpSpPr>
@@ -21596,22 +23309,7 @@
                 <a:latin typeface="Courier New" pitchFamily="49" charset="0"/>
                 <a:cs typeface="Courier New" pitchFamily="49" charset="0"/>
               </a:rPr>
-              <a:t>f</a:t>
-            </a:r>
-            <a:r>
-              <a:rPr lang="en-US" spc="-1" dirty="0" smtClean="0">
-                <a:solidFill>
-                  <a:srgbClr val="000000"/>
-                </a:solidFill>
-                <a:uFill>
-                  <a:solidFill>
-                    <a:srgbClr val="FFFFFF"/>
-                  </a:solidFill>
-                </a:uFill>
-                <a:latin typeface="Courier New" pitchFamily="49" charset="0"/>
-                <a:cs typeface="Courier New" pitchFamily="49" charset="0"/>
-              </a:rPr>
-              <a:t>unction </a:t>
+              <a:t>function </a:t>
             </a:r>
             <a:r>
               <a:rPr lang="en-US" spc="-1" dirty="0" err="1" smtClean="0">
@@ -21663,22 +23361,7 @@
                 <a:latin typeface="Courier New" pitchFamily="49" charset="0"/>
                 <a:cs typeface="Courier New" pitchFamily="49" charset="0"/>
               </a:rPr>
-              <a:t>f</a:t>
-            </a:r>
-            <a:r>
-              <a:rPr lang="en-US" spc="-1" dirty="0" smtClean="0">
-                <a:solidFill>
-                  <a:srgbClr val="000000"/>
-                </a:solidFill>
-                <a:uFill>
-                  <a:solidFill>
-                    <a:srgbClr val="FFFFFF"/>
-                  </a:solidFill>
-                </a:uFill>
-                <a:latin typeface="Courier New" pitchFamily="49" charset="0"/>
-                <a:cs typeface="Courier New" pitchFamily="49" charset="0"/>
-              </a:rPr>
-              <a:t>unction </a:t>
+              <a:t>function </a:t>
             </a:r>
             <a:r>
               <a:rPr lang="en-US" spc="-1" dirty="0" err="1" smtClean="0">
@@ -21894,22 +23577,7 @@
                 <a:latin typeface="Courier New" pitchFamily="49" charset="0"/>
                 <a:cs typeface="Courier New" pitchFamily="49" charset="0"/>
               </a:rPr>
-              <a:t>	</a:t>
-            </a:r>
-            <a:r>
-              <a:rPr lang="en-US" spc="-1" dirty="0" smtClean="0">
-                <a:solidFill>
-                  <a:srgbClr val="000000"/>
-                </a:solidFill>
-                <a:uFill>
-                  <a:solidFill>
-                    <a:srgbClr val="FFFFFF"/>
-                  </a:solidFill>
-                </a:uFill>
-                <a:latin typeface="Courier New" pitchFamily="49" charset="0"/>
-                <a:cs typeface="Courier New" pitchFamily="49" charset="0"/>
-              </a:rPr>
-              <a:t>	</a:t>
+              <a:t>		</a:t>
             </a:r>
             <a:r>
               <a:rPr lang="en-US" sz="2400" b="1" spc="-1" dirty="0" err="1" smtClean="0">
@@ -22021,22 +23689,7 @@
                 <a:latin typeface="Courier New" pitchFamily="49" charset="0"/>
                 <a:cs typeface="Courier New" pitchFamily="49" charset="0"/>
               </a:rPr>
-              <a:t>	</a:t>
-            </a:r>
-            <a:r>
-              <a:rPr lang="en-US" sz="2400" b="1" spc="-1" dirty="0" smtClean="0">
-                <a:solidFill>
-                  <a:srgbClr val="FF0000"/>
-                </a:solidFill>
-                <a:uFill>
-                  <a:solidFill>
-                    <a:srgbClr val="FFFFFF"/>
-                  </a:solidFill>
-                </a:uFill>
-                <a:latin typeface="Courier New" pitchFamily="49" charset="0"/>
-                <a:cs typeface="Courier New" pitchFamily="49" charset="0"/>
-              </a:rPr>
-              <a:t>	</a:t>
+              <a:t>		</a:t>
             </a:r>
             <a:r>
               <a:rPr lang="en-US" sz="2400" b="1" spc="-1" dirty="0" err="1" smtClean="0">
@@ -22118,22 +23771,7 @@
                 <a:latin typeface="Courier New" pitchFamily="49" charset="0"/>
                 <a:cs typeface="Courier New" pitchFamily="49" charset="0"/>
               </a:rPr>
-              <a:t>	</a:t>
-            </a:r>
-            <a:r>
-              <a:rPr lang="en-US" spc="-1" dirty="0" smtClean="0">
-                <a:solidFill>
-                  <a:srgbClr val="000000"/>
-                </a:solidFill>
-                <a:uFill>
-                  <a:solidFill>
-                    <a:srgbClr val="FFFFFF"/>
-                  </a:solidFill>
-                </a:uFill>
-                <a:latin typeface="Courier New" pitchFamily="49" charset="0"/>
-                <a:cs typeface="Courier New" pitchFamily="49" charset="0"/>
-              </a:rPr>
-              <a:t>	</a:t>
+              <a:t>		</a:t>
             </a:r>
           </a:p>
           <a:p>
@@ -22155,10 +23793,10 @@
                 <a:latin typeface="Courier New" pitchFamily="49" charset="0"/>
                 <a:cs typeface="Courier New" pitchFamily="49" charset="0"/>
               </a:rPr>
-              <a:t>	</a:t>
-            </a:r>
-            <a:r>
-              <a:rPr lang="en-US" spc="-1" dirty="0" smtClean="0">
+              <a:t>		$</a:t>
+            </a:r>
+            <a:r>
+              <a:rPr lang="en-US" spc="-1" dirty="0" err="1" smtClean="0">
                 <a:solidFill>
                   <a:srgbClr val="000000"/>
                 </a:solidFill>
@@ -22170,10 +23808,10 @@
                 <a:latin typeface="Courier New" pitchFamily="49" charset="0"/>
                 <a:cs typeface="Courier New" pitchFamily="49" charset="0"/>
               </a:rPr>
-              <a:t>	$</a:t>
-            </a:r>
-            <a:r>
-              <a:rPr lang="en-US" spc="-1" dirty="0" err="1" smtClean="0">
+              <a:t>document.find</a:t>
+            </a:r>
+            <a:r>
+              <a:rPr lang="en-US" spc="-1" dirty="0" smtClean="0">
                 <a:solidFill>
                   <a:srgbClr val="000000"/>
                 </a:solidFill>
@@ -22185,35 +23823,8 @@
                 <a:latin typeface="Courier New" pitchFamily="49" charset="0"/>
                 <a:cs typeface="Courier New" pitchFamily="49" charset="0"/>
               </a:rPr>
-              <a:t>document.find</a:t>
-            </a:r>
-            <a:r>
-              <a:rPr lang="en-US" spc="-1" dirty="0" smtClean="0">
-                <a:solidFill>
-                  <a:srgbClr val="000000"/>
-                </a:solidFill>
-                <a:uFill>
-                  <a:solidFill>
-                    <a:srgbClr val="FFFFFF"/>
-                  </a:solidFill>
-                </a:uFill>
-                <a:latin typeface="Courier New" pitchFamily="49" charset="0"/>
-                <a:cs typeface="Courier New" pitchFamily="49" charset="0"/>
-              </a:rPr>
               <a:t>(“.selected-element”).append(view);</a:t>
             </a:r>
-            <a:endParaRPr lang="en-US" spc="-1" dirty="0" smtClean="0">
-              <a:solidFill>
-                <a:srgbClr val="000000"/>
-              </a:solidFill>
-              <a:uFill>
-                <a:solidFill>
-                  <a:srgbClr val="FFFFFF"/>
-                </a:solidFill>
-              </a:uFill>
-              <a:latin typeface="Courier New" pitchFamily="49" charset="0"/>
-              <a:cs typeface="Courier New" pitchFamily="49" charset="0"/>
-            </a:endParaRPr>
           </a:p>
           <a:p>
             <a:pPr marL="343080" indent="-340200">
@@ -22236,18 +23847,6 @@
               </a:rPr>
               <a:t>	});</a:t>
             </a:r>
-            <a:endParaRPr lang="en-US" spc="-1" dirty="0" smtClean="0">
-              <a:solidFill>
-                <a:srgbClr val="000000"/>
-              </a:solidFill>
-              <a:uFill>
-                <a:solidFill>
-                  <a:srgbClr val="FFFFFF"/>
-                </a:solidFill>
-              </a:uFill>
-              <a:latin typeface="Courier New" pitchFamily="49" charset="0"/>
-              <a:cs typeface="Courier New" pitchFamily="49" charset="0"/>
-            </a:endParaRPr>
           </a:p>
           <a:p>
             <a:pPr marL="343080" indent="-340200">
@@ -22270,18 +23869,6 @@
               </a:rPr>
               <a:t>}</a:t>
             </a:r>
-            <a:endParaRPr lang="en-US" spc="-1" dirty="0" smtClean="0">
-              <a:solidFill>
-                <a:srgbClr val="000000"/>
-              </a:solidFill>
-              <a:uFill>
-                <a:solidFill>
-                  <a:srgbClr val="FFFFFF"/>
-                </a:solidFill>
-              </a:uFill>
-              <a:latin typeface="Courier New" pitchFamily="49" charset="0"/>
-              <a:cs typeface="Courier New" pitchFamily="49" charset="0"/>
-            </a:endParaRPr>
           </a:p>
           <a:p>
             <a:pPr marL="343080" indent="-340200">
@@ -22300,6 +23887,43 @@
               </a:uFill>
               <a:latin typeface="Calibri" pitchFamily="34" charset="0"/>
               <a:cs typeface="Courier New" pitchFamily="49" charset="0"/>
+            </a:endParaRPr>
+          </a:p>
+        </p:txBody>
+      </p:sp>
+      <p:sp>
+        <p:nvSpPr>
+          <p:cNvPr id="5" name="Slide Number Placeholder 4"/>
+          <p:cNvSpPr>
+            <a:spLocks noGrp="1"/>
+          </p:cNvSpPr>
+          <p:nvPr>
+            <p:ph type="sldNum" sz="quarter" idx="10"/>
+          </p:nvPr>
+        </p:nvSpPr>
+        <p:spPr>
+          <a:xfrm>
+            <a:off x="7010400" y="4868863"/>
+            <a:ext cx="2133600" cy="274637"/>
+          </a:xfrm>
+        </p:spPr>
+        <p:txBody>
+          <a:bodyPr/>
+          <a:lstStyle/>
+          <a:p>
+            <a:fld id="{714AF57F-C028-4417-9912-30B33DA37979}" type="slidenum">
+              <a:rPr lang="en-US" smtClean="0">
+                <a:solidFill>
+                  <a:schemeClr val="bg1"/>
+                </a:solidFill>
+              </a:rPr>
+              <a:pPr/>
+              <a:t>29</a:t>
+            </a:fld>
+            <a:endParaRPr lang="en-US">
+              <a:solidFill>
+                <a:schemeClr val="bg1"/>
+              </a:solidFill>
             </a:endParaRPr>
           </a:p>
         </p:txBody>
@@ -22340,8 +23964,22 @@
 </file>
 
 <file path=ppt/slides/slide3.xml><?xml version="1.0" encoding="utf-8"?>
-<p:sld xmlns:a="http://schemas.openxmlformats.org/drawingml/2006/main" xmlns:r="http://schemas.openxmlformats.org/officeDocument/2006/relationships" xmlns:p="http://schemas.openxmlformats.org/presentationml/2006/main">
+<p:sld xmlns:a="http://schemas.openxmlformats.org/drawingml/2006/main" xmlns:r="http://schemas.openxmlformats.org/officeDocument/2006/relationships" xmlns:p="http://schemas.openxmlformats.org/presentationml/2006/main" showMasterSp="0">
   <p:cSld>
+    <p:bg>
+      <p:bgPr>
+        <a:blipFill dpi="0" rotWithShape="1">
+          <a:blip r:embed="rId2">
+            <a:lum/>
+          </a:blip>
+          <a:srcRect/>
+          <a:stretch>
+            <a:fillRect/>
+          </a:stretch>
+        </a:blipFill>
+        <a:effectLst/>
+      </p:bgPr>
+    </p:bg>
     <p:spTree>
       <p:nvGrpSpPr>
         <p:cNvPr id="1" name=""/>
@@ -22370,7 +24008,9 @@
           <a:prstGeom prst="rect">
             <a:avLst/>
           </a:prstGeom>
-          <a:noFill/>
+          <a:solidFill>
+            <a:srgbClr val="E21A2D"/>
+          </a:solidFill>
           <a:ln>
             <a:noFill/>
           </a:ln>
@@ -22424,6 +24064,30 @@
           </a:p>
         </p:txBody>
       </p:sp>
+      <p:pic>
+        <p:nvPicPr>
+          <p:cNvPr id="3" name="Picture 2" descr="master22_image006.png"/>
+          <p:cNvPicPr>
+            <a:picLocks noChangeAspect="1"/>
+          </p:cNvPicPr>
+          <p:nvPr/>
+        </p:nvPicPr>
+        <p:blipFill>
+          <a:blip r:embed="rId3"/>
+          <a:stretch>
+            <a:fillRect/>
+          </a:stretch>
+        </p:blipFill>
+        <p:spPr>
+          <a:xfrm>
+            <a:off x="1981200" y="2230901"/>
+            <a:ext cx="831313" cy="569449"/>
+          </a:xfrm>
+          <a:prstGeom prst="rect">
+            <a:avLst/>
+          </a:prstGeom>
+        </p:spPr>
+      </p:pic>
     </p:spTree>
   </p:cSld>
   <p:clrMapOvr>
@@ -22463,8 +24127,22 @@
 </file>
 
 <file path=ppt/slides/slide30.xml><?xml version="1.0" encoding="utf-8"?>
-<p:sld xmlns:a="http://schemas.openxmlformats.org/drawingml/2006/main" xmlns:r="http://schemas.openxmlformats.org/officeDocument/2006/relationships" xmlns:p="http://schemas.openxmlformats.org/presentationml/2006/main">
+<p:sld xmlns:a="http://schemas.openxmlformats.org/drawingml/2006/main" xmlns:r="http://schemas.openxmlformats.org/officeDocument/2006/relationships" xmlns:p="http://schemas.openxmlformats.org/presentationml/2006/main" showMasterSp="0">
   <p:cSld>
+    <p:bg>
+      <p:bgPr>
+        <a:blipFill dpi="0" rotWithShape="1">
+          <a:blip r:embed="rId2">
+            <a:lum/>
+          </a:blip>
+          <a:srcRect/>
+          <a:stretch>
+            <a:fillRect/>
+          </a:stretch>
+        </a:blipFill>
+        <a:effectLst/>
+      </p:bgPr>
+    </p:bg>
     <p:spTree>
       <p:nvGrpSpPr>
         <p:cNvPr id="1" name=""/>
@@ -22493,7 +24171,9 @@
           <a:prstGeom prst="rect">
             <a:avLst/>
           </a:prstGeom>
-          <a:noFill/>
+          <a:solidFill>
+            <a:srgbClr val="E21A2D"/>
+          </a:solidFill>
           <a:ln>
             <a:noFill/>
           </a:ln>
@@ -22543,6 +24223,30 @@
           </a:p>
         </p:txBody>
       </p:sp>
+      <p:pic>
+        <p:nvPicPr>
+          <p:cNvPr id="3" name="Picture 2" descr="master22_image006.png"/>
+          <p:cNvPicPr>
+            <a:picLocks noChangeAspect="1"/>
+          </p:cNvPicPr>
+          <p:nvPr/>
+        </p:nvPicPr>
+        <p:blipFill>
+          <a:blip r:embed="rId3"/>
+          <a:stretch>
+            <a:fillRect/>
+          </a:stretch>
+        </p:blipFill>
+        <p:spPr>
+          <a:xfrm>
+            <a:off x="1981200" y="2343150"/>
+            <a:ext cx="831313" cy="569449"/>
+          </a:xfrm>
+          <a:prstGeom prst="rect">
+            <a:avLst/>
+          </a:prstGeom>
+        </p:spPr>
+      </p:pic>
     </p:spTree>
   </p:cSld>
   <p:clrMapOvr>
@@ -22582,7 +24286,7 @@
 </file>
 
 <file path=ppt/slides/slide31.xml><?xml version="1.0" encoding="utf-8"?>
-<p:sld xmlns:a="http://schemas.openxmlformats.org/drawingml/2006/main" xmlns:r="http://schemas.openxmlformats.org/officeDocument/2006/relationships" xmlns:p="http://schemas.openxmlformats.org/presentationml/2006/main">
+<p:sld xmlns:a="http://schemas.openxmlformats.org/drawingml/2006/main" xmlns:r="http://schemas.openxmlformats.org/officeDocument/2006/relationships" xmlns:p="http://schemas.openxmlformats.org/presentationml/2006/main" showMasterSp="0">
   <p:cSld>
     <p:spTree>
       <p:nvGrpSpPr>
@@ -22670,6 +24374,38 @@
           </a:prstGeom>
         </p:spPr>
       </p:pic>
+      <p:sp>
+        <p:nvSpPr>
+          <p:cNvPr id="4" name="Slide Number Placeholder 3"/>
+          <p:cNvSpPr>
+            <a:spLocks noGrp="1"/>
+          </p:cNvSpPr>
+          <p:nvPr>
+            <p:ph type="sldNum" sz="quarter" idx="10"/>
+          </p:nvPr>
+        </p:nvSpPr>
+        <p:spPr/>
+        <p:txBody>
+          <a:bodyPr/>
+          <a:lstStyle/>
+          <a:p>
+            <a:fld id="{714AF57F-C028-4417-9912-30B33DA37979}" type="slidenum">
+              <a:rPr lang="en-US" smtClean="0">
+                <a:solidFill>
+                  <a:schemeClr val="bg1"/>
+                </a:solidFill>
+              </a:rPr>
+              <a:pPr/>
+              <a:t>31</a:t>
+            </a:fld>
+            <a:endParaRPr lang="en-US">
+              <a:solidFill>
+                <a:schemeClr val="bg1"/>
+              </a:solidFill>
+            </a:endParaRPr>
+          </a:p>
+        </p:txBody>
+      </p:sp>
     </p:spTree>
   </p:cSld>
   <p:clrMapOvr>
@@ -22686,7 +24422,7 @@
 </file>
 
 <file path=ppt/slides/slide32.xml><?xml version="1.0" encoding="utf-8"?>
-<p:sld xmlns:a="http://schemas.openxmlformats.org/drawingml/2006/main" xmlns:r="http://schemas.openxmlformats.org/officeDocument/2006/relationships" xmlns:p="http://schemas.openxmlformats.org/presentationml/2006/main">
+<p:sld xmlns:a="http://schemas.openxmlformats.org/drawingml/2006/main" xmlns:r="http://schemas.openxmlformats.org/officeDocument/2006/relationships" xmlns:p="http://schemas.openxmlformats.org/presentationml/2006/main" showMasterSp="0">
   <p:cSld>
     <p:spTree>
       <p:nvGrpSpPr>
@@ -23613,6 +25349,43 @@
               </a:rPr>
               <a:t>}</a:t>
             </a:r>
+          </a:p>
+        </p:txBody>
+      </p:sp>
+      <p:sp>
+        <p:nvSpPr>
+          <p:cNvPr id="5" name="Slide Number Placeholder 4"/>
+          <p:cNvSpPr>
+            <a:spLocks noGrp="1"/>
+          </p:cNvSpPr>
+          <p:nvPr>
+            <p:ph type="sldNum" sz="quarter" idx="10"/>
+          </p:nvPr>
+        </p:nvSpPr>
+        <p:spPr>
+          <a:xfrm>
+            <a:off x="7010400" y="4868863"/>
+            <a:ext cx="2133600" cy="274637"/>
+          </a:xfrm>
+        </p:spPr>
+        <p:txBody>
+          <a:bodyPr/>
+          <a:lstStyle/>
+          <a:p>
+            <a:fld id="{714AF57F-C028-4417-9912-30B33DA37979}" type="slidenum">
+              <a:rPr lang="en-US" smtClean="0">
+                <a:solidFill>
+                  <a:schemeClr val="bg1"/>
+                </a:solidFill>
+              </a:rPr>
+              <a:pPr/>
+              <a:t>32</a:t>
+            </a:fld>
+            <a:endParaRPr lang="en-US" dirty="0">
+              <a:solidFill>
+                <a:schemeClr val="bg1"/>
+              </a:solidFill>
+            </a:endParaRPr>
           </a:p>
         </p:txBody>
       </p:sp>
@@ -23652,8 +25425,22 @@
 </file>
 
 <file path=ppt/slides/slide33.xml><?xml version="1.0" encoding="utf-8"?>
-<p:sld xmlns:a="http://schemas.openxmlformats.org/drawingml/2006/main" xmlns:r="http://schemas.openxmlformats.org/officeDocument/2006/relationships" xmlns:p="http://schemas.openxmlformats.org/presentationml/2006/main">
+<p:sld xmlns:a="http://schemas.openxmlformats.org/drawingml/2006/main" xmlns:r="http://schemas.openxmlformats.org/officeDocument/2006/relationships" xmlns:p="http://schemas.openxmlformats.org/presentationml/2006/main" showMasterSp="0">
   <p:cSld>
+    <p:bg>
+      <p:bgPr>
+        <a:blipFill dpi="0" rotWithShape="1">
+          <a:blip r:embed="rId2">
+            <a:lum/>
+          </a:blip>
+          <a:srcRect/>
+          <a:stretch>
+            <a:fillRect/>
+          </a:stretch>
+        </a:blipFill>
+        <a:effectLst/>
+      </p:bgPr>
+    </p:bg>
     <p:spTree>
       <p:nvGrpSpPr>
         <p:cNvPr id="1" name=""/>
@@ -23682,7 +25469,9 @@
           <a:prstGeom prst="rect">
             <a:avLst/>
           </a:prstGeom>
-          <a:noFill/>
+          <a:solidFill>
+            <a:srgbClr val="E21A2D"/>
+          </a:solidFill>
           <a:ln>
             <a:noFill/>
           </a:ln>
@@ -23732,6 +25521,30 @@
           </a:p>
         </p:txBody>
       </p:sp>
+      <p:pic>
+        <p:nvPicPr>
+          <p:cNvPr id="3" name="Picture 2" descr="master22_image006.png"/>
+          <p:cNvPicPr>
+            <a:picLocks noChangeAspect="1"/>
+          </p:cNvPicPr>
+          <p:nvPr/>
+        </p:nvPicPr>
+        <p:blipFill>
+          <a:blip r:embed="rId3"/>
+          <a:stretch>
+            <a:fillRect/>
+          </a:stretch>
+        </p:blipFill>
+        <p:spPr>
+          <a:xfrm>
+            <a:off x="1981200" y="2343150"/>
+            <a:ext cx="831313" cy="569449"/>
+          </a:xfrm>
+          <a:prstGeom prst="rect">
+            <a:avLst/>
+          </a:prstGeom>
+        </p:spPr>
+      </p:pic>
     </p:spTree>
   </p:cSld>
   <p:clrMapOvr>
@@ -23771,7 +25584,7 @@
 </file>
 
 <file path=ppt/slides/slide34.xml><?xml version="1.0" encoding="utf-8"?>
-<p:sld xmlns:a="http://schemas.openxmlformats.org/drawingml/2006/main" xmlns:r="http://schemas.openxmlformats.org/officeDocument/2006/relationships" xmlns:p="http://schemas.openxmlformats.org/presentationml/2006/main">
+<p:sld xmlns:a="http://schemas.openxmlformats.org/drawingml/2006/main" xmlns:r="http://schemas.openxmlformats.org/officeDocument/2006/relationships" xmlns:p="http://schemas.openxmlformats.org/presentationml/2006/main" showMasterSp="0">
   <p:cSld>
     <p:spTree>
       <p:nvGrpSpPr>
@@ -23862,6 +25675,38 @@
           </a:prstGeom>
         </p:spPr>
       </p:pic>
+      <p:sp>
+        <p:nvSpPr>
+          <p:cNvPr id="4" name="Slide Number Placeholder 3"/>
+          <p:cNvSpPr>
+            <a:spLocks noGrp="1"/>
+          </p:cNvSpPr>
+          <p:nvPr>
+            <p:ph type="sldNum" sz="quarter" idx="10"/>
+          </p:nvPr>
+        </p:nvSpPr>
+        <p:spPr/>
+        <p:txBody>
+          <a:bodyPr/>
+          <a:lstStyle/>
+          <a:p>
+            <a:fld id="{714AF57F-C028-4417-9912-30B33DA37979}" type="slidenum">
+              <a:rPr lang="en-US" smtClean="0">
+                <a:solidFill>
+                  <a:schemeClr val="bg1"/>
+                </a:solidFill>
+              </a:rPr>
+              <a:pPr/>
+              <a:t>34</a:t>
+            </a:fld>
+            <a:endParaRPr lang="en-US">
+              <a:solidFill>
+                <a:schemeClr val="bg1"/>
+              </a:solidFill>
+            </a:endParaRPr>
+          </a:p>
+        </p:txBody>
+      </p:sp>
     </p:spTree>
   </p:cSld>
   <p:clrMapOvr>
@@ -23878,7 +25723,7 @@
 </file>
 
 <file path=ppt/slides/slide35.xml><?xml version="1.0" encoding="utf-8"?>
-<p:sld xmlns:a="http://schemas.openxmlformats.org/drawingml/2006/main" xmlns:r="http://schemas.openxmlformats.org/officeDocument/2006/relationships" xmlns:p="http://schemas.openxmlformats.org/presentationml/2006/main">
+<p:sld xmlns:a="http://schemas.openxmlformats.org/drawingml/2006/main" xmlns:r="http://schemas.openxmlformats.org/officeDocument/2006/relationships" xmlns:p="http://schemas.openxmlformats.org/presentationml/2006/main" showMasterSp="0">
   <p:cSld>
     <p:spTree>
       <p:nvGrpSpPr>
@@ -24500,6 +26345,43 @@
               </a:uFill>
               <a:latin typeface="Courier New" pitchFamily="49" charset="0"/>
               <a:cs typeface="Courier New" pitchFamily="49" charset="0"/>
+            </a:endParaRPr>
+          </a:p>
+        </p:txBody>
+      </p:sp>
+      <p:sp>
+        <p:nvSpPr>
+          <p:cNvPr id="5" name="Slide Number Placeholder 4"/>
+          <p:cNvSpPr>
+            <a:spLocks noGrp="1"/>
+          </p:cNvSpPr>
+          <p:nvPr>
+            <p:ph type="sldNum" sz="quarter" idx="10"/>
+          </p:nvPr>
+        </p:nvSpPr>
+        <p:spPr>
+          <a:xfrm>
+            <a:off x="7010400" y="4868863"/>
+            <a:ext cx="2133600" cy="274637"/>
+          </a:xfrm>
+        </p:spPr>
+        <p:txBody>
+          <a:bodyPr/>
+          <a:lstStyle/>
+          <a:p>
+            <a:fld id="{13F31420-32A7-4038-8C7F-87501E6229E8}" type="slidenum">
+              <a:rPr lang="en-US" smtClean="0">
+                <a:solidFill>
+                  <a:schemeClr val="bg1"/>
+                </a:solidFill>
+              </a:rPr>
+              <a:pPr/>
+              <a:t>35</a:t>
+            </a:fld>
+            <a:endParaRPr lang="en-US" dirty="0">
+              <a:solidFill>
+                <a:schemeClr val="bg1"/>
+              </a:solidFill>
             </a:endParaRPr>
           </a:p>
         </p:txBody>
@@ -24540,7 +26422,7 @@
 </file>
 
 <file path=ppt/slides/slide36.xml><?xml version="1.0" encoding="utf-8"?>
-<p:sld xmlns:a="http://schemas.openxmlformats.org/drawingml/2006/main" xmlns:r="http://schemas.openxmlformats.org/officeDocument/2006/relationships" xmlns:p="http://schemas.openxmlformats.org/presentationml/2006/main">
+<p:sld xmlns:a="http://schemas.openxmlformats.org/drawingml/2006/main" xmlns:r="http://schemas.openxmlformats.org/officeDocument/2006/relationships" xmlns:p="http://schemas.openxmlformats.org/presentationml/2006/main" showMasterSp="0">
   <p:cSld>
     <p:spTree>
       <p:nvGrpSpPr>
@@ -24998,6 +26880,43 @@
               </a:uFill>
               <a:latin typeface="Courier New" pitchFamily="49" charset="0"/>
               <a:cs typeface="Courier New" pitchFamily="49" charset="0"/>
+            </a:endParaRPr>
+          </a:p>
+        </p:txBody>
+      </p:sp>
+      <p:sp>
+        <p:nvSpPr>
+          <p:cNvPr id="6" name="Slide Number Placeholder 5"/>
+          <p:cNvSpPr>
+            <a:spLocks noGrp="1"/>
+          </p:cNvSpPr>
+          <p:nvPr>
+            <p:ph type="sldNum" sz="quarter" idx="10"/>
+          </p:nvPr>
+        </p:nvSpPr>
+        <p:spPr>
+          <a:xfrm>
+            <a:off x="7010400" y="4868863"/>
+            <a:ext cx="2133600" cy="274637"/>
+          </a:xfrm>
+        </p:spPr>
+        <p:txBody>
+          <a:bodyPr/>
+          <a:lstStyle/>
+          <a:p>
+            <a:fld id="{13F31420-32A7-4038-8C7F-87501E6229E8}" type="slidenum">
+              <a:rPr lang="en-US" smtClean="0">
+                <a:solidFill>
+                  <a:schemeClr val="bg1"/>
+                </a:solidFill>
+              </a:rPr>
+              <a:pPr/>
+              <a:t>36</a:t>
+            </a:fld>
+            <a:endParaRPr lang="en-US">
+              <a:solidFill>
+                <a:schemeClr val="bg1"/>
+              </a:solidFill>
             </a:endParaRPr>
           </a:p>
         </p:txBody>
@@ -25038,7 +26957,7 @@
 </file>
 
 <file path=ppt/slides/slide37.xml><?xml version="1.0" encoding="utf-8"?>
-<p:sld xmlns:a="http://schemas.openxmlformats.org/drawingml/2006/main" xmlns:r="http://schemas.openxmlformats.org/officeDocument/2006/relationships" xmlns:p="http://schemas.openxmlformats.org/presentationml/2006/main">
+<p:sld xmlns:a="http://schemas.openxmlformats.org/drawingml/2006/main" xmlns:r="http://schemas.openxmlformats.org/officeDocument/2006/relationships" xmlns:p="http://schemas.openxmlformats.org/presentationml/2006/main" showMasterSp="0">
   <p:cSld>
     <p:spTree>
       <p:nvGrpSpPr>
@@ -25159,7 +27078,7 @@
 </file>
 
 <file path=ppt/slides/slide38.xml><?xml version="1.0" encoding="utf-8"?>
-<p:sld xmlns:a="http://schemas.openxmlformats.org/drawingml/2006/main" xmlns:r="http://schemas.openxmlformats.org/officeDocument/2006/relationships" xmlns:p="http://schemas.openxmlformats.org/presentationml/2006/main">
+<p:sld xmlns:a="http://schemas.openxmlformats.org/drawingml/2006/main" xmlns:r="http://schemas.openxmlformats.org/officeDocument/2006/relationships" xmlns:p="http://schemas.openxmlformats.org/presentationml/2006/main" showMasterSp="0">
   <p:cSld>
     <p:spTree>
       <p:nvGrpSpPr>
@@ -25279,8 +27198,8 @@
 </p:sld>
 </file>
 
-<file path=ppt/slides/slide4.xml><?xml version="1.0" encoding="utf-8"?>
-<p:sld xmlns:a="http://schemas.openxmlformats.org/drawingml/2006/main" xmlns:r="http://schemas.openxmlformats.org/officeDocument/2006/relationships" xmlns:p="http://schemas.openxmlformats.org/presentationml/2006/main">
+<file path=ppt/slides/slide39.xml><?xml version="1.0" encoding="utf-8"?>
+<p:sld xmlns:a="http://schemas.openxmlformats.org/drawingml/2006/main" xmlns:r="http://schemas.openxmlformats.org/officeDocument/2006/relationships" xmlns:p="http://schemas.openxmlformats.org/presentationml/2006/main" showMasterSp="0">
   <p:cSld>
     <p:spTree>
       <p:nvGrpSpPr>
@@ -25298,6 +27217,170 @@
       </p:grpSpPr>
       <p:sp>
         <p:nvSpPr>
+          <p:cNvPr id="2" name="Title 1"/>
+          <p:cNvSpPr>
+            <a:spLocks noGrp="1"/>
+          </p:cNvSpPr>
+          <p:nvPr>
+            <p:ph type="title"/>
+          </p:nvPr>
+        </p:nvSpPr>
+        <p:spPr/>
+        <p:txBody>
+          <a:bodyPr/>
+          <a:lstStyle/>
+          <a:p>
+            <a:r>
+              <a:rPr lang="en-US" sz="2800" b="1" kern="1200" spc="-1" dirty="0">
+                <a:solidFill>
+                  <a:srgbClr val="E21A2D"/>
+                </a:solidFill>
+                <a:uFill>
+                  <a:solidFill>
+                    <a:srgbClr val="FFFFFF"/>
+                  </a:solidFill>
+                </a:uFill>
+                <a:latin typeface="Century Gothic"/>
+                <a:ea typeface="ＭＳ Ｐゴシック"/>
+                <a:cs typeface="+mn-cs"/>
+              </a:rPr>
+              <a:t>Thanks for the contribution</a:t>
+            </a:r>
+          </a:p>
+        </p:txBody>
+      </p:sp>
+      <p:sp>
+        <p:nvSpPr>
+          <p:cNvPr id="3" name="Subtitle 2"/>
+          <p:cNvSpPr>
+            <a:spLocks noGrp="1"/>
+          </p:cNvSpPr>
+          <p:nvPr>
+            <p:ph type="subTitle"/>
+          </p:nvPr>
+        </p:nvSpPr>
+        <p:spPr>
+          <a:xfrm>
+            <a:off x="457200" y="1276350"/>
+            <a:ext cx="8229240" cy="1905000"/>
+          </a:xfrm>
+        </p:spPr>
+        <p:txBody>
+          <a:bodyPr anchor="t"/>
+          <a:lstStyle/>
+          <a:p>
+            <a:pPr marL="457200" indent="-457200" algn="l">
+              <a:spcBef>
+                <a:spcPts val="1800"/>
+              </a:spcBef>
+              <a:buFont typeface="Arial" pitchFamily="34" charset="0"/>
+              <a:buChar char="•"/>
+            </a:pPr>
+            <a:r>
+              <a:rPr lang="en-US" sz="2400" dirty="0" err="1">
+                <a:latin typeface="Calibri (Headings)"/>
+              </a:rPr>
+              <a:t>A</a:t>
+            </a:r>
+            <a:r>
+              <a:rPr lang="en-US" sz="2400" dirty="0" err="1" smtClean="0">
+                <a:latin typeface="Calibri (Headings)"/>
+              </a:rPr>
+              <a:t>.Khoa</a:t>
+            </a:r>
+            <a:r>
+              <a:rPr lang="en-US" sz="2400" dirty="0" smtClean="0">
+                <a:latin typeface="Calibri (Headings)"/>
+              </a:rPr>
+              <a:t> Nguyen </a:t>
+            </a:r>
+            <a:r>
+              <a:rPr lang="en-US" sz="2400" dirty="0" err="1" smtClean="0">
+                <a:latin typeface="Calibri (Headings)"/>
+              </a:rPr>
+              <a:t>Phu</a:t>
+            </a:r>
+            <a:endParaRPr lang="en-US" sz="2400" dirty="0" smtClean="0">
+              <a:latin typeface="Calibri (Headings)"/>
+            </a:endParaRPr>
+          </a:p>
+          <a:p>
+            <a:pPr marL="457200" indent="-457200" algn="l">
+              <a:spcBef>
+                <a:spcPts val="1800"/>
+              </a:spcBef>
+              <a:buFont typeface="Arial" pitchFamily="34" charset="0"/>
+              <a:buChar char="•"/>
+            </a:pPr>
+            <a:r>
+              <a:rPr lang="en-US" sz="2400" dirty="0" err="1" smtClean="0">
+                <a:latin typeface="Calibri (Headings)"/>
+              </a:rPr>
+              <a:t>Khiem</a:t>
+            </a:r>
+            <a:r>
+              <a:rPr lang="en-US" sz="2400" dirty="0" smtClean="0">
+                <a:latin typeface="Calibri (Headings)"/>
+              </a:rPr>
+              <a:t> Huynh </a:t>
+            </a:r>
+            <a:r>
+              <a:rPr lang="en-US" sz="2400" dirty="0" err="1" smtClean="0">
+                <a:latin typeface="Calibri (Headings)"/>
+              </a:rPr>
+              <a:t>Khiem</a:t>
+            </a:r>
+            <a:endParaRPr lang="en-US" sz="2400" dirty="0" smtClean="0">
+              <a:latin typeface="Calibri (Headings)"/>
+            </a:endParaRPr>
+          </a:p>
+          <a:p>
+            <a:pPr marL="457200" indent="-457200" algn="l">
+              <a:spcBef>
+                <a:spcPts val="1800"/>
+              </a:spcBef>
+              <a:buFont typeface="Arial" pitchFamily="34" charset="0"/>
+              <a:buChar char="•"/>
+            </a:pPr>
+            <a:r>
+              <a:rPr lang="en-US" sz="2400" dirty="0" smtClean="0">
+                <a:latin typeface="Calibri (Headings)"/>
+              </a:rPr>
+              <a:t>Phuong Nguyen Dang</a:t>
+            </a:r>
+            <a:endParaRPr lang="en-US" sz="2400" dirty="0">
+              <a:latin typeface="Calibri (Headings)"/>
+            </a:endParaRPr>
+          </a:p>
+        </p:txBody>
+      </p:sp>
+    </p:spTree>
+  </p:cSld>
+  <p:clrMapOvr>
+    <a:masterClrMapping/>
+  </p:clrMapOvr>
+</p:sld>
+</file>
+
+<file path=ppt/slides/slide4.xml><?xml version="1.0" encoding="utf-8"?>
+<p:sld xmlns:a="http://schemas.openxmlformats.org/drawingml/2006/main" xmlns:r="http://schemas.openxmlformats.org/officeDocument/2006/relationships" xmlns:p="http://schemas.openxmlformats.org/presentationml/2006/main" showMasterSp="0">
+  <p:cSld>
+    <p:spTree>
+      <p:nvGrpSpPr>
+        <p:cNvPr id="1" name=""/>
+        <p:cNvGrpSpPr/>
+        <p:nvPr/>
+      </p:nvGrpSpPr>
+      <p:grpSpPr>
+        <a:xfrm>
+          <a:off x="0" y="0"/>
+          <a:ext cx="0" cy="0"/>
+          <a:chOff x="0" y="0"/>
+          <a:chExt cx="0" cy="0"/>
+        </a:xfrm>
+      </p:grpSpPr>
+      <p:sp>
+        <p:nvSpPr>
           <p:cNvPr id="15" name="Text Placeholder 14"/>
           <p:cNvSpPr>
             <a:spLocks noGrp="1"/>
@@ -25389,6 +27472,38 @@
           </a:prstGeom>
         </p:spPr>
       </p:pic>
+      <p:sp>
+        <p:nvSpPr>
+          <p:cNvPr id="4" name="Slide Number Placeholder 3"/>
+          <p:cNvSpPr>
+            <a:spLocks noGrp="1"/>
+          </p:cNvSpPr>
+          <p:nvPr>
+            <p:ph type="sldNum" sz="quarter" idx="10"/>
+          </p:nvPr>
+        </p:nvSpPr>
+        <p:spPr/>
+        <p:txBody>
+          <a:bodyPr/>
+          <a:lstStyle/>
+          <a:p>
+            <a:fld id="{714AF57F-C028-4417-9912-30B33DA37979}" type="slidenum">
+              <a:rPr lang="en-US" smtClean="0">
+                <a:solidFill>
+                  <a:schemeClr val="bg1"/>
+                </a:solidFill>
+              </a:rPr>
+              <a:pPr/>
+              <a:t>4</a:t>
+            </a:fld>
+            <a:endParaRPr lang="en-US">
+              <a:solidFill>
+                <a:schemeClr val="bg1"/>
+              </a:solidFill>
+            </a:endParaRPr>
+          </a:p>
+        </p:txBody>
+      </p:sp>
     </p:spTree>
   </p:cSld>
   <p:clrMapOvr>
@@ -25404,8 +27519,8 @@
 </p:sld>
 </file>
 
-<file path=ppt/slides/slide5.xml><?xml version="1.0" encoding="utf-8"?>
-<p:sld xmlns:a="http://schemas.openxmlformats.org/drawingml/2006/main" xmlns:r="http://schemas.openxmlformats.org/officeDocument/2006/relationships" xmlns:p="http://schemas.openxmlformats.org/presentationml/2006/main">
+<file path=ppt/slides/slide40.xml><?xml version="1.0" encoding="utf-8"?>
+<p:sld xmlns:a="http://schemas.openxmlformats.org/drawingml/2006/main" xmlns:r="http://schemas.openxmlformats.org/officeDocument/2006/relationships" xmlns:p="http://schemas.openxmlformats.org/presentationml/2006/main" showMasterSp="0">
   <p:cSld>
     <p:spTree>
       <p:nvGrpSpPr>
@@ -25423,6 +27538,118 @@
       </p:grpSpPr>
       <p:sp>
         <p:nvSpPr>
+          <p:cNvPr id="2" name="Title 1"/>
+          <p:cNvSpPr>
+            <a:spLocks noGrp="1"/>
+          </p:cNvSpPr>
+          <p:nvPr>
+            <p:ph type="title"/>
+          </p:nvPr>
+        </p:nvSpPr>
+        <p:spPr/>
+        <p:txBody>
+          <a:bodyPr/>
+          <a:lstStyle/>
+          <a:p>
+            <a:r>
+              <a:rPr lang="en-US" sz="2800" b="1" kern="1200" spc="-1" dirty="0" smtClean="0">
+                <a:solidFill>
+                  <a:srgbClr val="E21A2D"/>
+                </a:solidFill>
+                <a:uFill>
+                  <a:solidFill>
+                    <a:srgbClr val="FFFFFF"/>
+                  </a:solidFill>
+                </a:uFill>
+                <a:latin typeface="Century Gothic"/>
+                <a:ea typeface="ＭＳ Ｐゴシック"/>
+                <a:cs typeface="+mn-cs"/>
+              </a:rPr>
+              <a:t>Demo</a:t>
+            </a:r>
+            <a:endParaRPr lang="en-US" sz="2800" b="1" kern="1200" spc="-1" dirty="0">
+              <a:solidFill>
+                <a:srgbClr val="E21A2D"/>
+              </a:solidFill>
+              <a:uFill>
+                <a:solidFill>
+                  <a:srgbClr val="FFFFFF"/>
+                </a:solidFill>
+              </a:uFill>
+              <a:latin typeface="Century Gothic"/>
+              <a:ea typeface="ＭＳ Ｐゴシック"/>
+              <a:cs typeface="+mn-cs"/>
+            </a:endParaRPr>
+          </a:p>
+        </p:txBody>
+      </p:sp>
+      <p:sp>
+        <p:nvSpPr>
+          <p:cNvPr id="3" name="Subtitle 2"/>
+          <p:cNvSpPr>
+            <a:spLocks noGrp="1"/>
+          </p:cNvSpPr>
+          <p:nvPr>
+            <p:ph type="subTitle"/>
+          </p:nvPr>
+        </p:nvSpPr>
+        <p:spPr>
+          <a:xfrm>
+            <a:off x="457200" y="1276350"/>
+            <a:ext cx="8229240" cy="858600"/>
+          </a:xfrm>
+        </p:spPr>
+        <p:txBody>
+          <a:bodyPr anchor="t"/>
+          <a:lstStyle/>
+          <a:p>
+            <a:r>
+              <a:rPr lang="en-US" dirty="0" smtClean="0">
+                <a:latin typeface="Calibri (Headings)"/>
+                <a:hlinkClick r:id="rId2"/>
+              </a:rPr>
+              <a:t>Link to </a:t>
+            </a:r>
+            <a:r>
+              <a:rPr lang="en-US" dirty="0" err="1" smtClean="0">
+                <a:latin typeface="Calibri (Headings)"/>
+                <a:hlinkClick r:id="rId2"/>
+              </a:rPr>
+              <a:t>jsfiddle</a:t>
+            </a:r>
+            <a:endParaRPr lang="en-US" dirty="0">
+              <a:latin typeface="Calibri (Headings)"/>
+            </a:endParaRPr>
+          </a:p>
+        </p:txBody>
+      </p:sp>
+    </p:spTree>
+  </p:cSld>
+  <p:clrMapOvr>
+    <a:masterClrMapping/>
+  </p:clrMapOvr>
+</p:sld>
+</file>
+
+<file path=ppt/slides/slide5.xml><?xml version="1.0" encoding="utf-8"?>
+<p:sld xmlns:a="http://schemas.openxmlformats.org/drawingml/2006/main" xmlns:r="http://schemas.openxmlformats.org/officeDocument/2006/relationships" xmlns:p="http://schemas.openxmlformats.org/presentationml/2006/main" showMasterSp="0">
+  <p:cSld>
+    <p:spTree>
+      <p:nvGrpSpPr>
+        <p:cNvPr id="1" name=""/>
+        <p:cNvGrpSpPr/>
+        <p:nvPr/>
+      </p:nvGrpSpPr>
+      <p:grpSpPr>
+        <a:xfrm>
+          <a:off x="0" y="0"/>
+          <a:ext cx="0" cy="0"/>
+          <a:chOff x="0" y="0"/>
+          <a:chExt cx="0" cy="0"/>
+        </a:xfrm>
+      </p:grpSpPr>
+      <p:sp>
+        <p:nvSpPr>
           <p:cNvPr id="237" name="CustomShape 1"/>
           <p:cNvSpPr/>
           <p:nvPr/>
@@ -25551,7 +27778,7 @@
         </p:nvSpPr>
         <p:spPr>
           <a:xfrm>
-            <a:off x="4724400" y="742950"/>
+            <a:off x="4724400" y="742951"/>
             <a:ext cx="4267200" cy="4062651"/>
           </a:xfrm>
           <a:prstGeom prst="rect">
@@ -25728,6 +27955,43 @@
               </a:rPr>
               <a:t>);</a:t>
             </a:r>
+          </a:p>
+        </p:txBody>
+      </p:sp>
+      <p:sp>
+        <p:nvSpPr>
+          <p:cNvPr id="6" name="Slide Number Placeholder 5"/>
+          <p:cNvSpPr>
+            <a:spLocks noGrp="1"/>
+          </p:cNvSpPr>
+          <p:nvPr>
+            <p:ph type="sldNum" sz="quarter" idx="10"/>
+          </p:nvPr>
+        </p:nvSpPr>
+        <p:spPr>
+          <a:xfrm>
+            <a:off x="7010400" y="4868863"/>
+            <a:ext cx="2133600" cy="274637"/>
+          </a:xfrm>
+        </p:spPr>
+        <p:txBody>
+          <a:bodyPr/>
+          <a:lstStyle/>
+          <a:p>
+            <a:fld id="{714AF57F-C028-4417-9912-30B33DA37979}" type="slidenum">
+              <a:rPr lang="en-US" smtClean="0">
+                <a:solidFill>
+                  <a:schemeClr val="bg1"/>
+                </a:solidFill>
+              </a:rPr>
+              <a:pPr/>
+              <a:t>5</a:t>
+            </a:fld>
+            <a:endParaRPr lang="en-US" dirty="0">
+              <a:solidFill>
+                <a:schemeClr val="bg1"/>
+              </a:solidFill>
+            </a:endParaRPr>
           </a:p>
         </p:txBody>
       </p:sp>
@@ -25767,7 +28031,7 @@
 </file>
 
 <file path=ppt/slides/slide6.xml><?xml version="1.0" encoding="utf-8"?>
-<p:sld xmlns:a="http://schemas.openxmlformats.org/drawingml/2006/main" xmlns:r="http://schemas.openxmlformats.org/officeDocument/2006/relationships" xmlns:p="http://schemas.openxmlformats.org/presentationml/2006/main">
+<p:sld xmlns:a="http://schemas.openxmlformats.org/drawingml/2006/main" xmlns:r="http://schemas.openxmlformats.org/officeDocument/2006/relationships" xmlns:p="http://schemas.openxmlformats.org/presentationml/2006/main" showMasterSp="0">
   <p:cSld>
     <p:spTree>
       <p:nvGrpSpPr>
@@ -26058,6 +28322,43 @@
               </a:rPr>
               <a:t>.</a:t>
             </a:r>
+          </a:p>
+        </p:txBody>
+      </p:sp>
+      <p:sp>
+        <p:nvSpPr>
+          <p:cNvPr id="5" name="Slide Number Placeholder 4"/>
+          <p:cNvSpPr>
+            <a:spLocks noGrp="1"/>
+          </p:cNvSpPr>
+          <p:nvPr>
+            <p:ph type="sldNum" sz="quarter" idx="10"/>
+          </p:nvPr>
+        </p:nvSpPr>
+        <p:spPr>
+          <a:xfrm>
+            <a:off x="7010400" y="4887913"/>
+            <a:ext cx="2133600" cy="274637"/>
+          </a:xfrm>
+        </p:spPr>
+        <p:txBody>
+          <a:bodyPr/>
+          <a:lstStyle/>
+          <a:p>
+            <a:fld id="{714AF57F-C028-4417-9912-30B33DA37979}" type="slidenum">
+              <a:rPr lang="en-US" smtClean="0">
+                <a:solidFill>
+                  <a:schemeClr val="bg1"/>
+                </a:solidFill>
+              </a:rPr>
+              <a:pPr/>
+              <a:t>6</a:t>
+            </a:fld>
+            <a:endParaRPr lang="en-US">
+              <a:solidFill>
+                <a:schemeClr val="bg1"/>
+              </a:solidFill>
+            </a:endParaRPr>
           </a:p>
         </p:txBody>
       </p:sp>
@@ -26077,7 +28378,7 @@
 </file>
 
 <file path=ppt/slides/slide7.xml><?xml version="1.0" encoding="utf-8"?>
-<p:sld xmlns:a="http://schemas.openxmlformats.org/drawingml/2006/main" xmlns:r="http://schemas.openxmlformats.org/officeDocument/2006/relationships" xmlns:p="http://schemas.openxmlformats.org/presentationml/2006/main">
+<p:sld xmlns:a="http://schemas.openxmlformats.org/drawingml/2006/main" xmlns:r="http://schemas.openxmlformats.org/officeDocument/2006/relationships" xmlns:p="http://schemas.openxmlformats.org/presentationml/2006/main" showMasterSp="0">
   <p:cSld>
     <p:spTree>
       <p:nvGrpSpPr>
@@ -26516,6 +28817,43 @@
               </a:solidFill>
               <a:latin typeface="Courier New" pitchFamily="49" charset="0"/>
               <a:cs typeface="Courier New" pitchFamily="49" charset="0"/>
+            </a:endParaRPr>
+          </a:p>
+        </p:txBody>
+      </p:sp>
+      <p:sp>
+        <p:nvSpPr>
+          <p:cNvPr id="6" name="Slide Number Placeholder 5"/>
+          <p:cNvSpPr>
+            <a:spLocks noGrp="1"/>
+          </p:cNvSpPr>
+          <p:nvPr>
+            <p:ph type="sldNum" sz="quarter" idx="10"/>
+          </p:nvPr>
+        </p:nvSpPr>
+        <p:spPr>
+          <a:xfrm>
+            <a:off x="7010400" y="4868863"/>
+            <a:ext cx="2133600" cy="274637"/>
+          </a:xfrm>
+        </p:spPr>
+        <p:txBody>
+          <a:bodyPr/>
+          <a:lstStyle/>
+          <a:p>
+            <a:fld id="{714AF57F-C028-4417-9912-30B33DA37979}" type="slidenum">
+              <a:rPr lang="en-US" smtClean="0">
+                <a:solidFill>
+                  <a:schemeClr val="bg1"/>
+                </a:solidFill>
+              </a:rPr>
+              <a:pPr/>
+              <a:t>7</a:t>
+            </a:fld>
+            <a:endParaRPr lang="en-US" dirty="0">
+              <a:solidFill>
+                <a:schemeClr val="bg1"/>
+              </a:solidFill>
             </a:endParaRPr>
           </a:p>
         </p:txBody>
@@ -26536,7 +28874,7 @@
 </file>
 
 <file path=ppt/slides/slide8.xml><?xml version="1.0" encoding="utf-8"?>
-<p:sld xmlns:a="http://schemas.openxmlformats.org/drawingml/2006/main" xmlns:r="http://schemas.openxmlformats.org/officeDocument/2006/relationships" xmlns:p="http://schemas.openxmlformats.org/presentationml/2006/main">
+<p:sld xmlns:a="http://schemas.openxmlformats.org/drawingml/2006/main" xmlns:r="http://schemas.openxmlformats.org/officeDocument/2006/relationships" xmlns:p="http://schemas.openxmlformats.org/presentationml/2006/main" showMasterSp="0">
   <p:cSld>
     <p:spTree>
       <p:nvGrpSpPr>
@@ -26561,12 +28899,14 @@
         <p:spPr>
           <a:xfrm>
             <a:off x="2895480" y="2266950"/>
-            <a:ext cx="6248520" cy="697320"/>
-          </a:xfrm>
-          <a:prstGeom prst="rect">
-            <a:avLst/>
-          </a:prstGeom>
-          <a:noFill/>
+            <a:ext cx="6248520" cy="609600"/>
+          </a:xfrm>
+          <a:prstGeom prst="rect">
+            <a:avLst/>
+          </a:prstGeom>
+          <a:solidFill>
+            <a:srgbClr val="E21A2D"/>
+          </a:solidFill>
           <a:ln>
             <a:noFill/>
           </a:ln>
@@ -26620,6 +28960,30 @@
           </a:p>
         </p:txBody>
       </p:sp>
+      <p:pic>
+        <p:nvPicPr>
+          <p:cNvPr id="3" name="Picture 2" descr="master22_image006.png"/>
+          <p:cNvPicPr>
+            <a:picLocks noChangeAspect="1"/>
+          </p:cNvPicPr>
+          <p:nvPr/>
+        </p:nvPicPr>
+        <p:blipFill>
+          <a:blip r:embed="rId2"/>
+          <a:stretch>
+            <a:fillRect/>
+          </a:stretch>
+        </p:blipFill>
+        <p:spPr>
+          <a:xfrm>
+            <a:off x="1981200" y="2266950"/>
+            <a:ext cx="831313" cy="569449"/>
+          </a:xfrm>
+          <a:prstGeom prst="rect">
+            <a:avLst/>
+          </a:prstGeom>
+        </p:spPr>
+      </p:pic>
     </p:spTree>
   </p:cSld>
   <p:clrMapOvr>
@@ -26659,7 +29023,7 @@
 </file>
 
 <file path=ppt/slides/slide9.xml><?xml version="1.0" encoding="utf-8"?>
-<p:sld xmlns:a="http://schemas.openxmlformats.org/drawingml/2006/main" xmlns:r="http://schemas.openxmlformats.org/officeDocument/2006/relationships" xmlns:p="http://schemas.openxmlformats.org/presentationml/2006/main">
+<p:sld xmlns:a="http://schemas.openxmlformats.org/drawingml/2006/main" xmlns:r="http://schemas.openxmlformats.org/officeDocument/2006/relationships" xmlns:p="http://schemas.openxmlformats.org/presentationml/2006/main" showMasterSp="0">
   <p:cSld>
     <p:spTree>
       <p:nvGrpSpPr>
@@ -26777,6 +29141,38 @@
           </a:prstGeom>
         </p:spPr>
       </p:pic>
+      <p:sp>
+        <p:nvSpPr>
+          <p:cNvPr id="4" name="Slide Number Placeholder 3"/>
+          <p:cNvSpPr>
+            <a:spLocks noGrp="1"/>
+          </p:cNvSpPr>
+          <p:nvPr>
+            <p:ph type="sldNum" sz="quarter" idx="10"/>
+          </p:nvPr>
+        </p:nvSpPr>
+        <p:spPr/>
+        <p:txBody>
+          <a:bodyPr/>
+          <a:lstStyle/>
+          <a:p>
+            <a:fld id="{714AF57F-C028-4417-9912-30B33DA37979}" type="slidenum">
+              <a:rPr lang="en-US" smtClean="0">
+                <a:solidFill>
+                  <a:schemeClr val="bg1"/>
+                </a:solidFill>
+              </a:rPr>
+              <a:pPr/>
+              <a:t>9</a:t>
+            </a:fld>
+            <a:endParaRPr lang="en-US" dirty="0">
+              <a:solidFill>
+                <a:schemeClr val="bg1"/>
+              </a:solidFill>
+            </a:endParaRPr>
+          </a:p>
+        </p:txBody>
+      </p:sp>
     </p:spTree>
   </p:cSld>
   <p:clrMapOvr>
